--- a/presentationVendredi.pptx
+++ b/presentationVendredi.pptx
@@ -28,6 +28,7 @@
     <p:sldId id="273" r:id="rId21"/>
     <p:sldId id="274" r:id="rId22"/>
     <p:sldId id="275" r:id="rId23"/>
+    <p:sldId id="276" r:id="rId24"/>
   </p:sldIdLst>
   <p:sldSz cx="9144000" cy="6858000"/>
   <p:notesSz cx="6799263" cy="9929813"/>
@@ -358,7 +359,7 @@
             <a:pPr indent="0" algn="r">
               <a:buNone/>
             </a:pPr>
-            <a:fld id="{6F60C438-218B-450D-93BA-4D820A7CCA12}" type="slidenum">
+            <a:fld id="{D98A7E03-2A84-4382-9034-5E769FFF22FF}" type="slidenum">
               <a:rPr b="0" lang="fr-FR" sz="1400" spc="-1" strike="noStrike">
                 <a:solidFill>
                   <a:srgbClr val="000000"/>
@@ -401,7 +402,7 @@
       </p:grpSpPr>
       <p:sp>
         <p:nvSpPr>
-          <p:cNvPr id="131" name="PlaceHolder 1"/>
+          <p:cNvPr id="137" name="PlaceHolder 1"/>
           <p:cNvSpPr>
             <a:spLocks noGrp="1"/>
           </p:cNvSpPr>
@@ -412,19 +413,19 @@
         <p:spPr>
           <a:xfrm>
             <a:off x="919080" y="746280"/>
-            <a:ext cx="4959360" cy="3721320"/>
-          </a:xfrm>
-          <a:prstGeom prst="rect">
-            <a:avLst/>
-          </a:prstGeom>
-          <a:ln w="0">
-            <a:noFill/>
-          </a:ln>
-        </p:spPr>
-      </p:sp>
-      <p:sp>
-        <p:nvSpPr>
-          <p:cNvPr id="132" name="PlaceHolder 2"/>
+            <a:ext cx="4959000" cy="3720960"/>
+          </a:xfrm>
+          <a:prstGeom prst="rect">
+            <a:avLst/>
+          </a:prstGeom>
+          <a:ln w="0">
+            <a:noFill/>
+          </a:ln>
+        </p:spPr>
+      </p:sp>
+      <p:sp>
+        <p:nvSpPr>
+          <p:cNvPr id="138" name="PlaceHolder 2"/>
           <p:cNvSpPr>
             <a:spLocks noGrp="1"/>
           </p:cNvSpPr>
@@ -435,7 +436,7 @@
         <p:spPr>
           <a:xfrm>
             <a:off x="680040" y="4716720"/>
-            <a:ext cx="5437800" cy="4466880"/>
+            <a:ext cx="5437440" cy="4466520"/>
           </a:xfrm>
           <a:prstGeom prst="rect">
             <a:avLst/>
@@ -464,7 +465,7 @@
       </p:sp>
       <p:sp>
         <p:nvSpPr>
-          <p:cNvPr id="133" name="PlaceHolder 3"/>
+          <p:cNvPr id="139" name="PlaceHolder 3"/>
           <p:cNvSpPr>
             <a:spLocks noGrp="1"/>
           </p:cNvSpPr>
@@ -475,7 +476,7 @@
         <p:spPr>
           <a:xfrm>
             <a:off x="3851280" y="9431640"/>
-            <a:ext cx="2944800" cy="495000"/>
+            <a:ext cx="2944440" cy="494640"/>
           </a:xfrm>
           <a:prstGeom prst="rect">
             <a:avLst/>
@@ -517,7 +518,7 @@
                 <a:tab algn="l" pos="0"/>
               </a:tabLst>
             </a:pPr>
-            <a:fld id="{BD10BB86-25F7-426C-928D-56D9F155779D}" type="slidenum">
+            <a:fld id="{67132925-0A4E-43C6-B319-57187E8AA6AA}" type="slidenum">
               <a:rPr b="0" lang="fr-FR" sz="1300" spc="-1" strike="noStrike">
                 <a:solidFill>
                   <a:schemeClr val="dk1"/>
@@ -560,7 +561,7 @@
       </p:grpSpPr>
       <p:sp>
         <p:nvSpPr>
-          <p:cNvPr id="134" name="PlaceHolder 1"/>
+          <p:cNvPr id="140" name="PlaceHolder 1"/>
           <p:cNvSpPr>
             <a:spLocks noGrp="1"/>
           </p:cNvSpPr>
@@ -571,19 +572,19 @@
         <p:spPr>
           <a:xfrm>
             <a:off x="919080" y="746280"/>
-            <a:ext cx="4959360" cy="3721320"/>
-          </a:xfrm>
-          <a:prstGeom prst="rect">
-            <a:avLst/>
-          </a:prstGeom>
-          <a:ln w="0">
-            <a:noFill/>
-          </a:ln>
-        </p:spPr>
-      </p:sp>
-      <p:sp>
-        <p:nvSpPr>
-          <p:cNvPr id="135" name="PlaceHolder 2"/>
+            <a:ext cx="4959000" cy="3720960"/>
+          </a:xfrm>
+          <a:prstGeom prst="rect">
+            <a:avLst/>
+          </a:prstGeom>
+          <a:ln w="0">
+            <a:noFill/>
+          </a:ln>
+        </p:spPr>
+      </p:sp>
+      <p:sp>
+        <p:nvSpPr>
+          <p:cNvPr id="141" name="PlaceHolder 2"/>
           <p:cNvSpPr>
             <a:spLocks noGrp="1"/>
           </p:cNvSpPr>
@@ -594,7 +595,7 @@
         <p:spPr>
           <a:xfrm>
             <a:off x="680040" y="4716720"/>
-            <a:ext cx="5437800" cy="4466880"/>
+            <a:ext cx="5437440" cy="4466520"/>
           </a:xfrm>
           <a:prstGeom prst="rect">
             <a:avLst/>
@@ -623,7 +624,7 @@
       </p:sp>
       <p:sp>
         <p:nvSpPr>
-          <p:cNvPr id="136" name="PlaceHolder 3"/>
+          <p:cNvPr id="142" name="PlaceHolder 3"/>
           <p:cNvSpPr>
             <a:spLocks noGrp="1"/>
           </p:cNvSpPr>
@@ -634,7 +635,7 @@
         <p:spPr>
           <a:xfrm>
             <a:off x="3851280" y="9431640"/>
-            <a:ext cx="2944800" cy="495000"/>
+            <a:ext cx="2944440" cy="494640"/>
           </a:xfrm>
           <a:prstGeom prst="rect">
             <a:avLst/>
@@ -676,7 +677,7 @@
                 <a:tab algn="l" pos="0"/>
               </a:tabLst>
             </a:pPr>
-            <a:fld id="{D63E8B3B-CB87-4F12-ADAC-8211379E8635}" type="slidenum">
+            <a:fld id="{66B716A2-B751-4588-8B87-7533A8599824}" type="slidenum">
               <a:rPr b="0" lang="fr-FR" sz="1300" spc="-1" strike="noStrike">
                 <a:solidFill>
                   <a:schemeClr val="dk1"/>
@@ -751,7 +752,7 @@
         <p:txBody>
           <a:bodyPr/>
           <a:p>
-            <a:fld id="{A2132CB1-A647-42CD-8E9B-3C6AA3778DD0}" type="slidenum">
+            <a:fld id="{6200AE7E-144E-49C1-89A6-8A416BEDF803}" type="slidenum">
               <a:t>&lt;#&gt;</a:t>
             </a:fld>
           </a:p>
@@ -960,7 +961,7 @@
         <p:txBody>
           <a:bodyPr/>
           <a:p>
-            <a:fld id="{00C0914F-241F-443D-BBFA-7201EC758BD2}" type="slidenum">
+            <a:fld id="{DDBA3289-917B-45B8-BB59-89E8DCCF2D89}" type="slidenum">
               <a:t>&lt;#&gt;</a:t>
             </a:fld>
           </a:p>
@@ -1255,7 +1256,7 @@
         <p:txBody>
           <a:bodyPr/>
           <a:p>
-            <a:fld id="{1E0B9364-8BC0-424D-863C-C2B505E84DD8}" type="slidenum">
+            <a:fld id="{FC2B41BC-F184-4804-92C5-4E3BB7A6B711}" type="slidenum">
               <a:t>&lt;#&gt;</a:t>
             </a:fld>
           </a:p>
@@ -1636,7 +1637,7 @@
         <p:txBody>
           <a:bodyPr/>
           <a:p>
-            <a:fld id="{D8E692D7-4C13-4A3C-BC1C-FDC4DD02C18D}" type="slidenum">
+            <a:fld id="{9ED9553E-95D5-45D2-99EF-F3BE060AAC20}" type="slidenum">
               <a:t>&lt;#&gt;</a:t>
             </a:fld>
           </a:p>
@@ -1799,7 +1800,7 @@
         <p:txBody>
           <a:bodyPr/>
           <a:p>
-            <a:fld id="{BDD47BB6-B062-405B-A122-4F692EBB5B82}" type="slidenum">
+            <a:fld id="{A9831FC6-A1C4-4CCE-A104-31DA0B021694}" type="slidenum">
               <a:t>&lt;#&gt;</a:t>
             </a:fld>
           </a:p>
@@ -1965,7 +1966,7 @@
         <p:txBody>
           <a:bodyPr/>
           <a:p>
-            <a:fld id="{904ACA6D-B627-40E3-A15F-98D40884078F}" type="slidenum">
+            <a:fld id="{9D314840-B16C-4A41-9605-7C0B348962F6}" type="slidenum">
               <a:t>&lt;#&gt;</a:t>
             </a:fld>
           </a:p>
@@ -2174,7 +2175,7 @@
         <p:txBody>
           <a:bodyPr/>
           <a:p>
-            <a:fld id="{BE2220FD-6B4A-436C-8C92-5DB63AE8FB15}" type="slidenum">
+            <a:fld id="{BF3AC2D0-ABEA-4B0B-A4A0-24949C9DA063}" type="slidenum">
               <a:t>&lt;#&gt;</a:t>
             </a:fld>
           </a:p>
@@ -2297,7 +2298,7 @@
         <p:txBody>
           <a:bodyPr/>
           <a:p>
-            <a:fld id="{5EC9FEC1-B429-47D0-A21E-C1BA9F781202}" type="slidenum">
+            <a:fld id="{465BCA2B-1E32-4ECF-91F3-C707152D122F}" type="slidenum">
               <a:t>&lt;#&gt;</a:t>
             </a:fld>
           </a:p>
@@ -2418,7 +2419,7 @@
         <p:txBody>
           <a:bodyPr/>
           <a:p>
-            <a:fld id="{E54C4C97-1FA5-4A9B-AC50-2E6417E8FCEA}" type="slidenum">
+            <a:fld id="{F942B5BA-4EAB-4923-B654-20578E2383A3}" type="slidenum">
               <a:t>&lt;#&gt;</a:t>
             </a:fld>
           </a:p>
@@ -2670,7 +2671,7 @@
         <p:txBody>
           <a:bodyPr/>
           <a:p>
-            <a:fld id="{5AF73FE4-08F9-4555-9402-674BA5719C3A}" type="slidenum">
+            <a:fld id="{0BBF9393-3996-49C2-A4CD-6B69D4C0DBDD}" type="slidenum">
               <a:t>&lt;#&gt;</a:t>
             </a:fld>
           </a:p>
@@ -2922,7 +2923,7 @@
         <p:txBody>
           <a:bodyPr/>
           <a:p>
-            <a:fld id="{FF55581D-FDF1-4E0C-ABC3-7112B4E298AC}" type="slidenum">
+            <a:fld id="{6C6CB937-163A-4DD6-9F9A-E4FC043288D6}" type="slidenum">
               <a:t>&lt;#&gt;</a:t>
             </a:fld>
           </a:p>
@@ -3174,7 +3175,7 @@
         <p:txBody>
           <a:bodyPr/>
           <a:p>
-            <a:fld id="{10EAA0E4-8C5C-47B3-9E66-CA44DE43185F}" type="slidenum">
+            <a:fld id="{02610D3E-3BE2-4037-87EF-8F13D6B12878}" type="slidenum">
               <a:t>&lt;#&gt;</a:t>
             </a:fld>
           </a:p>
@@ -3239,7 +3240,7 @@
         <p:spPr>
           <a:xfrm>
             <a:off x="0" y="260280"/>
-            <a:ext cx="933480" cy="358920"/>
+            <a:ext cx="933120" cy="358560"/>
           </a:xfrm>
           <a:prstGeom prst="rect">
             <a:avLst/>
@@ -3293,7 +3294,7 @@
         <p:spPr>
           <a:xfrm>
             <a:off x="934920" y="260280"/>
-            <a:ext cx="8205480" cy="358920"/>
+            <a:ext cx="8205120" cy="358560"/>
           </a:xfrm>
           <a:prstGeom prst="rect">
             <a:avLst/>
@@ -3352,7 +3353,7 @@
         <p:spPr>
           <a:xfrm>
             <a:off x="6336720" y="6170040"/>
-            <a:ext cx="2626200" cy="576720"/>
+            <a:ext cx="2625840" cy="576360"/>
           </a:xfrm>
           <a:prstGeom prst="rect">
             <a:avLst/>
@@ -3371,7 +3372,7 @@
         <p:spPr>
           <a:xfrm>
             <a:off x="4267800" y="6642000"/>
-            <a:ext cx="635040" cy="152280"/>
+            <a:ext cx="634680" cy="152280"/>
           </a:xfrm>
           <a:prstGeom prst="rect">
             <a:avLst/>
@@ -3425,7 +3426,7 @@
         <p:spPr>
           <a:xfrm>
             <a:off x="2160" y="620640"/>
-            <a:ext cx="9140400" cy="5507280"/>
+            <a:ext cx="9140040" cy="5506920"/>
           </a:xfrm>
           <a:prstGeom prst="rect">
             <a:avLst/>
@@ -3479,7 +3480,7 @@
         <p:spPr>
           <a:xfrm>
             <a:off x="0" y="0"/>
-            <a:ext cx="9140400" cy="619200"/>
+            <a:ext cx="9140040" cy="618840"/>
           </a:xfrm>
           <a:prstGeom prst="rect">
             <a:avLst/>
@@ -4261,7 +4262,7 @@
         <p:spPr>
           <a:xfrm>
             <a:off x="8893080" y="0"/>
-            <a:ext cx="247320" cy="258840"/>
+            <a:ext cx="246960" cy="258480"/>
           </a:xfrm>
           <a:prstGeom prst="rect">
             <a:avLst/>
@@ -4333,7 +4334,7 @@
         <p:spPr>
           <a:xfrm>
             <a:off x="8893080" y="0"/>
-            <a:ext cx="247320" cy="258840"/>
+            <a:ext cx="246960" cy="258480"/>
           </a:xfrm>
           <a:prstGeom prst="rect">
             <a:avLst/>
@@ -4377,7 +4378,7 @@
                 <a:tab algn="l" pos="0"/>
               </a:tabLst>
             </a:pPr>
-            <a:fld id="{E35925DF-5AE6-4895-8E1B-5BF053397969}" type="slidenum">
+            <a:fld id="{F9586EDD-0E2A-45DE-9BFB-AF02F4B59084}" type="slidenum">
               <a:rPr b="0" lang="fr-FR" sz="100" spc="-1" strike="noStrike">
                 <a:solidFill>
                   <a:schemeClr val="lt1">
@@ -4411,7 +4412,7 @@
         <p:spPr>
           <a:xfrm>
             <a:off x="8893080" y="0"/>
-            <a:ext cx="249480" cy="258840"/>
+            <a:ext cx="249120" cy="258480"/>
           </a:xfrm>
           <a:prstGeom prst="rect">
             <a:avLst/>
@@ -4504,7 +4505,7 @@
         <p:spPr>
           <a:xfrm>
             <a:off x="1260000" y="1980000"/>
-            <a:ext cx="6479280" cy="3495960"/>
+            <a:ext cx="6478920" cy="3495600"/>
           </a:xfrm>
           <a:prstGeom prst="rect">
             <a:avLst/>
@@ -4574,7 +4575,7 @@
         <p:txBody>
           <a:bodyPr/>
           <a:p>
-            <a:fld id="{29E5E9E7-D58B-4E6E-965E-9C3780E70867}" type="slidenum">
+            <a:fld id="{27F2EE13-CC16-4F58-88C0-BB8DD62901DE}" type="slidenum">
               <a:t>1</a:t>
             </a:fld>
           </a:p>
@@ -4623,7 +4624,7 @@
         <p:spPr>
           <a:xfrm>
             <a:off x="1008000" y="260280"/>
-            <a:ext cx="7847280" cy="358920"/>
+            <a:ext cx="7846920" cy="358560"/>
           </a:xfrm>
           <a:prstGeom prst="rect">
             <a:avLst/>
@@ -4679,7 +4680,7 @@
         <p:spPr>
           <a:xfrm>
             <a:off x="107640" y="1260000"/>
-            <a:ext cx="2951280" cy="1106280"/>
+            <a:ext cx="2950920" cy="1105920"/>
           </a:xfrm>
           <a:prstGeom prst="rect">
             <a:avLst/>
@@ -4742,7 +4743,7 @@
         <p:spPr>
           <a:xfrm>
             <a:off x="3373920" y="720000"/>
-            <a:ext cx="4365720" cy="5188680"/>
+            <a:ext cx="4365360" cy="5188320"/>
           </a:xfrm>
           <a:prstGeom prst="rect">
             <a:avLst/>
@@ -4766,7 +4767,7 @@
         <p:txBody>
           <a:bodyPr/>
           <a:p>
-            <a:fld id="{8ED141DC-CD14-4590-95FF-D0C3615C9298}" type="slidenum">
+            <a:fld id="{430FDA98-D4D5-454B-B5E4-1A0509A514CC}" type="slidenum">
               <a:t>10</a:t>
             </a:fld>
           </a:p>
@@ -4815,7 +4816,7 @@
         <p:spPr>
           <a:xfrm>
             <a:off x="4548240" y="696960"/>
-            <a:ext cx="4091760" cy="2903040"/>
+            <a:ext cx="4091400" cy="2902680"/>
           </a:xfrm>
           <a:prstGeom prst="rect">
             <a:avLst/>
@@ -4828,13 +4829,13 @@
       <p:sp>
         <p:nvSpPr>
           <p:cNvPr id="97" name=""/>
-          <p:cNvSpPr txBox="1"/>
+          <p:cNvSpPr/>
           <p:nvPr/>
         </p:nvSpPr>
         <p:spPr>
           <a:xfrm>
             <a:off x="360000" y="900000"/>
-            <a:ext cx="3960000" cy="900000"/>
+            <a:ext cx="3959640" cy="899640"/>
           </a:xfrm>
           <a:prstGeom prst="rect">
             <a:avLst/>
@@ -4844,11 +4845,22 @@
             <a:noFill/>
           </a:ln>
         </p:spPr>
+        <p:style>
+          <a:lnRef idx="0"/>
+          <a:fillRef idx="0"/>
+          <a:effectRef idx="0"/>
+          <a:fontRef idx="minor"/>
+        </p:style>
         <p:txBody>
           <a:bodyPr lIns="90000" rIns="90000" tIns="45000" bIns="45000" anchor="t">
             <a:noAutofit/>
           </a:bodyPr>
           <a:p>
+            <a:pPr>
+              <a:lnSpc>
+                <a:spcPct val="100000"/>
+              </a:lnSpc>
+            </a:pPr>
             <a:r>
               <a:rPr b="0" lang="fr-FR" sz="1800" spc="-1" strike="noStrike">
                 <a:solidFill>
@@ -4856,7 +4868,7 @@
                 </a:solidFill>
                 <a:latin typeface="Arial"/>
               </a:rPr>
-              <a:t>On retire tous les paragraphes de chaque titre présent dans chaque DOCX.</a:t>
+              <a:t>On extrait tous les paragraphes pour  chaque titre présent dans chaque DOCX.</a:t>
             </a:r>
             <a:endParaRPr b="0" lang="fr-FR" sz="1800" spc="-1" strike="noStrike">
               <a:solidFill>
@@ -4880,7 +4892,7 @@
         <p:spPr>
           <a:xfrm>
             <a:off x="180000" y="3683880"/>
-            <a:ext cx="8504280" cy="2400120"/>
+            <a:ext cx="8503920" cy="2399760"/>
           </a:xfrm>
           <a:prstGeom prst="rect">
             <a:avLst/>
@@ -4893,13 +4905,13 @@
       <p:sp>
         <p:nvSpPr>
           <p:cNvPr id="99" name=""/>
-          <p:cNvSpPr txBox="1"/>
+          <p:cNvSpPr/>
           <p:nvPr/>
         </p:nvSpPr>
         <p:spPr>
           <a:xfrm>
             <a:off x="360000" y="3240000"/>
-            <a:ext cx="3960000" cy="360000"/>
+            <a:ext cx="3959640" cy="359640"/>
           </a:xfrm>
           <a:prstGeom prst="rect">
             <a:avLst/>
@@ -4909,11 +4921,22 @@
             <a:noFill/>
           </a:ln>
         </p:spPr>
+        <p:style>
+          <a:lnRef idx="0"/>
+          <a:fillRef idx="0"/>
+          <a:effectRef idx="0"/>
+          <a:fontRef idx="minor"/>
+        </p:style>
         <p:txBody>
           <a:bodyPr lIns="90000" rIns="90000" tIns="45000" bIns="45000" anchor="t">
             <a:noAutofit/>
           </a:bodyPr>
           <a:p>
+            <a:pPr>
+              <a:lnSpc>
+                <a:spcPct val="100000"/>
+              </a:lnSpc>
+            </a:pPr>
             <a:r>
               <a:rPr b="0" lang="fr-FR" sz="1800" spc="-1" strike="noStrike">
                 <a:solidFill>
@@ -4921,7 +4944,7 @@
                 </a:solidFill>
                 <a:latin typeface="Arial"/>
               </a:rPr>
-              <a:t>On filtre les titres qui nous intéresse</a:t>
+              <a:t>On filtre les titres qui nous intéresse </a:t>
             </a:r>
             <a:endParaRPr b="0" lang="fr-FR" sz="1800" spc="-1" strike="noStrike">
               <a:solidFill>
@@ -4946,7 +4969,7 @@
         <p:txBody>
           <a:bodyPr/>
           <a:p>
-            <a:fld id="{6F69E855-6DE3-4EEA-89B3-EF43807839CD}" type="slidenum">
+            <a:fld id="{07898E53-7C00-4EED-BFB9-3BE24E7CF356}" type="slidenum">
               <a:t>11</a:t>
             </a:fld>
           </a:p>
@@ -4985,13 +5008,13 @@
       <p:sp>
         <p:nvSpPr>
           <p:cNvPr id="100" name=""/>
-          <p:cNvSpPr txBox="1"/>
+          <p:cNvSpPr/>
           <p:nvPr/>
         </p:nvSpPr>
         <p:spPr>
           <a:xfrm>
             <a:off x="540000" y="1080000"/>
-            <a:ext cx="3420000" cy="900000"/>
+            <a:ext cx="3419640" cy="899640"/>
           </a:xfrm>
           <a:prstGeom prst="rect">
             <a:avLst/>
@@ -5001,11 +5024,22 @@
             <a:noFill/>
           </a:ln>
         </p:spPr>
+        <p:style>
+          <a:lnRef idx="0"/>
+          <a:fillRef idx="0"/>
+          <a:effectRef idx="0"/>
+          <a:fontRef idx="minor"/>
+        </p:style>
         <p:txBody>
           <a:bodyPr lIns="90000" rIns="90000" tIns="45000" bIns="45000" anchor="t">
             <a:noAutofit/>
           </a:bodyPr>
           <a:p>
+            <a:pPr>
+              <a:lnSpc>
+                <a:spcPct val="100000"/>
+              </a:lnSpc>
+            </a:pPr>
             <a:r>
               <a:rPr b="0" lang="fr-FR" sz="1800" spc="-1" strike="noStrike">
                 <a:solidFill>
@@ -5037,7 +5071,7 @@
         <p:spPr>
           <a:xfrm>
             <a:off x="3816000" y="684000"/>
-            <a:ext cx="3924000" cy="1790280"/>
+            <a:ext cx="3923640" cy="1789920"/>
           </a:xfrm>
           <a:prstGeom prst="rect">
             <a:avLst/>
@@ -5050,13 +5084,13 @@
       <p:sp>
         <p:nvSpPr>
           <p:cNvPr id="102" name=""/>
-          <p:cNvSpPr txBox="1"/>
+          <p:cNvSpPr/>
           <p:nvPr/>
         </p:nvSpPr>
         <p:spPr>
           <a:xfrm>
             <a:off x="540000" y="2880000"/>
-            <a:ext cx="3600000" cy="1440000"/>
+            <a:ext cx="3599640" cy="1439640"/>
           </a:xfrm>
           <a:prstGeom prst="rect">
             <a:avLst/>
@@ -5066,11 +5100,22 @@
             <a:noFill/>
           </a:ln>
         </p:spPr>
+        <p:style>
+          <a:lnRef idx="0"/>
+          <a:fillRef idx="0"/>
+          <a:effectRef idx="0"/>
+          <a:fontRef idx="minor"/>
+        </p:style>
         <p:txBody>
           <a:bodyPr lIns="90000" rIns="90000" tIns="45000" bIns="45000" anchor="t">
             <a:noAutofit/>
           </a:bodyPr>
           <a:p>
+            <a:pPr>
+              <a:lnSpc>
+                <a:spcPct val="100000"/>
+              </a:lnSpc>
+            </a:pPr>
             <a:r>
               <a:rPr b="0" lang="fr-FR" sz="1800" spc="-1" strike="noStrike">
                 <a:solidFill>
@@ -5114,7 +5159,7 @@
         <p:spPr>
           <a:xfrm>
             <a:off x="669600" y="4680000"/>
-            <a:ext cx="6710400" cy="360000"/>
+            <a:ext cx="6710040" cy="359640"/>
           </a:xfrm>
           <a:prstGeom prst="rect">
             <a:avLst/>
@@ -5138,7 +5183,7 @@
         <p:txBody>
           <a:bodyPr/>
           <a:p>
-            <a:fld id="{DC586253-E9EF-4122-B909-2BC2B2A14FAC}" type="slidenum">
+            <a:fld id="{C0A185C0-D00E-46C8-915D-4DE02231E91A}" type="slidenum">
               <a:t>12</a:t>
             </a:fld>
           </a:p>
@@ -5177,13 +5222,13 @@
       <p:sp>
         <p:nvSpPr>
           <p:cNvPr id="104" name=""/>
-          <p:cNvSpPr txBox="1"/>
+          <p:cNvSpPr/>
           <p:nvPr/>
         </p:nvSpPr>
         <p:spPr>
           <a:xfrm>
             <a:off x="576000" y="1306440"/>
-            <a:ext cx="8100000" cy="540000"/>
+            <a:ext cx="8099640" cy="539640"/>
           </a:xfrm>
           <a:prstGeom prst="rect">
             <a:avLst/>
@@ -5193,12 +5238,22 @@
             <a:noFill/>
           </a:ln>
         </p:spPr>
+        <p:style>
+          <a:lnRef idx="0"/>
+          <a:fillRef idx="0"/>
+          <a:effectRef idx="0"/>
+          <a:fontRef idx="minor"/>
+        </p:style>
         <p:txBody>
           <a:bodyPr lIns="90000" rIns="90000" tIns="45000" bIns="45000" anchor="t">
             <a:noAutofit/>
           </a:bodyPr>
           <a:p>
-            <a:pPr algn="ctr"/>
+            <a:pPr algn="ctr">
+              <a:lnSpc>
+                <a:spcPct val="100000"/>
+              </a:lnSpc>
+            </a:pPr>
             <a:r>
               <a:rPr b="0" lang="fr-FR" sz="1800" spc="-1" strike="noStrike">
                 <a:solidFill>
@@ -5230,7 +5285,7 @@
         <p:spPr>
           <a:xfrm>
             <a:off x="0" y="1846440"/>
-            <a:ext cx="9143640" cy="2589120"/>
+            <a:ext cx="9143280" cy="2588760"/>
           </a:xfrm>
           <a:prstGeom prst="rect">
             <a:avLst/>
@@ -5243,13 +5298,13 @@
       <p:sp>
         <p:nvSpPr>
           <p:cNvPr id="106" name=""/>
-          <p:cNvSpPr txBox="1"/>
+          <p:cNvSpPr/>
           <p:nvPr/>
         </p:nvSpPr>
         <p:spPr>
           <a:xfrm>
             <a:off x="936000" y="4680000"/>
-            <a:ext cx="7200000" cy="720000"/>
+            <a:ext cx="7199640" cy="719640"/>
           </a:xfrm>
           <a:prstGeom prst="rect">
             <a:avLst/>
@@ -5259,12 +5314,22 @@
             <a:noFill/>
           </a:ln>
         </p:spPr>
+        <p:style>
+          <a:lnRef idx="0"/>
+          <a:fillRef idx="0"/>
+          <a:effectRef idx="0"/>
+          <a:fontRef idx="minor"/>
+        </p:style>
         <p:txBody>
           <a:bodyPr lIns="90000" rIns="90000" tIns="45000" bIns="45000" anchor="t">
             <a:noAutofit/>
           </a:bodyPr>
           <a:p>
-            <a:pPr algn="ctr"/>
+            <a:pPr algn="ctr">
+              <a:lnSpc>
+                <a:spcPct val="100000"/>
+              </a:lnSpc>
+            </a:pPr>
             <a:r>
               <a:rPr b="0" lang="fr-FR" sz="1800" spc="-1" strike="noStrike">
                 <a:solidFill>
@@ -5296,7 +5361,7 @@
         <p:spPr>
           <a:xfrm>
             <a:off x="862200" y="5336640"/>
-            <a:ext cx="7320240" cy="720000"/>
+            <a:ext cx="7319880" cy="719640"/>
           </a:xfrm>
           <a:prstGeom prst="rect">
             <a:avLst/>
@@ -5320,7 +5385,7 @@
         <p:txBody>
           <a:bodyPr/>
           <a:p>
-            <a:fld id="{485CD827-CBD8-4882-8E0F-F1F42864F884}" type="slidenum">
+            <a:fld id="{4EE6159E-4D93-40AC-A6D8-07585472D899}" type="slidenum">
               <a:t>13</a:t>
             </a:fld>
           </a:p>
@@ -5359,13 +5424,13 @@
       <p:sp>
         <p:nvSpPr>
           <p:cNvPr id="108" name=""/>
-          <p:cNvSpPr txBox="1"/>
+          <p:cNvSpPr/>
           <p:nvPr/>
         </p:nvSpPr>
         <p:spPr>
           <a:xfrm>
             <a:off x="540000" y="900000"/>
-            <a:ext cx="2700000" cy="540000"/>
+            <a:ext cx="2699640" cy="539640"/>
           </a:xfrm>
           <a:prstGeom prst="rect">
             <a:avLst/>
@@ -5375,11 +5440,22 @@
             <a:noFill/>
           </a:ln>
         </p:spPr>
+        <p:style>
+          <a:lnRef idx="0"/>
+          <a:fillRef idx="0"/>
+          <a:effectRef idx="0"/>
+          <a:fontRef idx="minor"/>
+        </p:style>
         <p:txBody>
           <a:bodyPr lIns="90000" rIns="90000" tIns="45000" bIns="45000" anchor="t">
             <a:noAutofit/>
           </a:bodyPr>
           <a:p>
+            <a:pPr>
+              <a:lnSpc>
+                <a:spcPct val="100000"/>
+              </a:lnSpc>
+            </a:pPr>
             <a:r>
               <a:rPr b="0" lang="fr-FR" sz="1800" spc="-1" strike="noStrike">
                 <a:solidFill>
@@ -5411,7 +5487,7 @@
         <p:spPr>
           <a:xfrm>
             <a:off x="25200" y="1474560"/>
-            <a:ext cx="9143640" cy="1283760"/>
+            <a:ext cx="9143280" cy="1283400"/>
           </a:xfrm>
           <a:prstGeom prst="rect">
             <a:avLst/>
@@ -5435,7 +5511,7 @@
         <p:txBody>
           <a:bodyPr/>
           <a:p>
-            <a:fld id="{BA46BE0A-8AD0-4F11-BCA0-BF12EA64D583}" type="slidenum">
+            <a:fld id="{43148D28-03D2-4029-85DB-7264E40495AD}" type="slidenum">
               <a:t>14</a:t>
             </a:fld>
           </a:p>
@@ -5474,13 +5550,13 @@
       <p:sp>
         <p:nvSpPr>
           <p:cNvPr id="110" name=""/>
-          <p:cNvSpPr txBox="1"/>
+          <p:cNvSpPr/>
           <p:nvPr/>
         </p:nvSpPr>
         <p:spPr>
           <a:xfrm>
             <a:off x="360000" y="900000"/>
-            <a:ext cx="4680000" cy="900000"/>
+            <a:ext cx="4679640" cy="899640"/>
           </a:xfrm>
           <a:prstGeom prst="rect">
             <a:avLst/>
@@ -5490,11 +5566,22 @@
             <a:noFill/>
           </a:ln>
         </p:spPr>
+        <p:style>
+          <a:lnRef idx="0"/>
+          <a:fillRef idx="0"/>
+          <a:effectRef idx="0"/>
+          <a:fontRef idx="minor"/>
+        </p:style>
         <p:txBody>
           <a:bodyPr lIns="90000" rIns="90000" tIns="45000" bIns="45000" anchor="t">
             <a:noAutofit/>
           </a:bodyPr>
           <a:p>
+            <a:pPr>
+              <a:lnSpc>
+                <a:spcPct val="100000"/>
+              </a:lnSpc>
+            </a:pPr>
             <a:r>
               <a:rPr b="0" lang="fr-FR" sz="1800" spc="-1" strike="noStrike">
                 <a:solidFill>
@@ -5526,7 +5613,7 @@
         <p:spPr>
           <a:xfrm>
             <a:off x="442080" y="1908000"/>
-            <a:ext cx="3337920" cy="1980000"/>
+            <a:ext cx="3337560" cy="1979640"/>
           </a:xfrm>
           <a:prstGeom prst="rect">
             <a:avLst/>
@@ -5549,7 +5636,7 @@
         <p:spPr>
           <a:xfrm>
             <a:off x="5220000" y="1905480"/>
-            <a:ext cx="3240000" cy="1982520"/>
+            <a:ext cx="3239640" cy="1982160"/>
           </a:xfrm>
           <a:prstGeom prst="rect">
             <a:avLst/>
@@ -5562,13 +5649,13 @@
       <p:sp>
         <p:nvSpPr>
           <p:cNvPr id="113" name=""/>
-          <p:cNvSpPr txBox="1"/>
+          <p:cNvSpPr/>
           <p:nvPr/>
         </p:nvSpPr>
         <p:spPr>
           <a:xfrm>
             <a:off x="1800000" y="4140000"/>
-            <a:ext cx="4500000" cy="602280"/>
+            <a:ext cx="4499640" cy="601920"/>
           </a:xfrm>
           <a:prstGeom prst="rect">
             <a:avLst/>
@@ -5578,11 +5665,22 @@
             <a:noFill/>
           </a:ln>
         </p:spPr>
+        <p:style>
+          <a:lnRef idx="0"/>
+          <a:fillRef idx="0"/>
+          <a:effectRef idx="0"/>
+          <a:fontRef idx="minor"/>
+        </p:style>
         <p:txBody>
           <a:bodyPr lIns="90000" rIns="90000" tIns="45000" bIns="45000" anchor="t">
             <a:noAutofit/>
           </a:bodyPr>
           <a:p>
+            <a:pPr>
+              <a:lnSpc>
+                <a:spcPct val="100000"/>
+              </a:lnSpc>
+            </a:pPr>
             <a:r>
               <a:rPr b="0" lang="fr-FR" sz="1800" spc="-1" strike="noStrike">
                 <a:solidFill>
@@ -5600,6 +5698,11 @@
             </a:endParaRPr>
           </a:p>
           <a:p>
+            <a:pPr>
+              <a:lnSpc>
+                <a:spcPct val="100000"/>
+              </a:lnSpc>
+            </a:pPr>
             <a:r>
               <a:rPr b="0" lang="fr-FR" sz="1800" spc="-1" strike="noStrike">
                 <a:solidFill>
@@ -5621,13 +5724,13 @@
       <p:sp>
         <p:nvSpPr>
           <p:cNvPr id="114" name=""/>
-          <p:cNvSpPr txBox="1"/>
+          <p:cNvSpPr/>
           <p:nvPr/>
         </p:nvSpPr>
         <p:spPr>
           <a:xfrm>
             <a:off x="360000" y="5040000"/>
-            <a:ext cx="5400000" cy="900000"/>
+            <a:ext cx="5399640" cy="899640"/>
           </a:xfrm>
           <a:prstGeom prst="rect">
             <a:avLst/>
@@ -5637,11 +5740,22 @@
             <a:noFill/>
           </a:ln>
         </p:spPr>
+        <p:style>
+          <a:lnRef idx="0"/>
+          <a:fillRef idx="0"/>
+          <a:effectRef idx="0"/>
+          <a:fontRef idx="minor"/>
+        </p:style>
         <p:txBody>
           <a:bodyPr lIns="90000" rIns="90000" tIns="45000" bIns="45000" anchor="t">
             <a:noAutofit/>
           </a:bodyPr>
           <a:p>
+            <a:pPr>
+              <a:lnSpc>
+                <a:spcPct val="100000"/>
+              </a:lnSpc>
+            </a:pPr>
             <a:r>
               <a:rPr b="0" lang="fr-FR" sz="1800" spc="-1" strike="noStrike">
                 <a:solidFill>
@@ -5674,7 +5788,7 @@
         <p:txBody>
           <a:bodyPr/>
           <a:p>
-            <a:fld id="{55660DB3-A988-4088-B0F8-F57201F72548}" type="slidenum">
+            <a:fld id="{F23FCFFE-B1F0-474B-88D9-1CB035902BCF}" type="slidenum">
               <a:t>15</a:t>
             </a:fld>
           </a:p>
@@ -5713,13 +5827,13 @@
       <p:sp>
         <p:nvSpPr>
           <p:cNvPr id="115" name=""/>
-          <p:cNvSpPr txBox="1"/>
+          <p:cNvSpPr/>
           <p:nvPr/>
         </p:nvSpPr>
         <p:spPr>
           <a:xfrm>
             <a:off x="363240" y="720000"/>
-            <a:ext cx="5580000" cy="602280"/>
+            <a:ext cx="5579640" cy="601920"/>
           </a:xfrm>
           <a:prstGeom prst="rect">
             <a:avLst/>
@@ -5729,11 +5843,22 @@
             <a:noFill/>
           </a:ln>
         </p:spPr>
+        <p:style>
+          <a:lnRef idx="0"/>
+          <a:fillRef idx="0"/>
+          <a:effectRef idx="0"/>
+          <a:fontRef idx="minor"/>
+        </p:style>
         <p:txBody>
           <a:bodyPr lIns="90000" rIns="90000" tIns="45000" bIns="45000" anchor="t">
             <a:noAutofit/>
           </a:bodyPr>
           <a:p>
+            <a:pPr>
+              <a:lnSpc>
+                <a:spcPct val="100000"/>
+              </a:lnSpc>
+            </a:pPr>
             <a:r>
               <a:rPr b="0" lang="fr-FR" sz="1800" spc="-1" strike="noStrike">
                 <a:solidFill>
@@ -5765,7 +5890,7 @@
         <p:spPr>
           <a:xfrm>
             <a:off x="360000" y="1303200"/>
-            <a:ext cx="4503240" cy="1576800"/>
+            <a:ext cx="4502880" cy="1576440"/>
           </a:xfrm>
           <a:prstGeom prst="rect">
             <a:avLst/>
@@ -5778,13 +5903,13 @@
       <p:sp>
         <p:nvSpPr>
           <p:cNvPr id="117" name=""/>
-          <p:cNvSpPr txBox="1"/>
+          <p:cNvSpPr/>
           <p:nvPr/>
         </p:nvSpPr>
         <p:spPr>
           <a:xfrm>
             <a:off x="4863240" y="1800000"/>
-            <a:ext cx="3240000" cy="360000"/>
+            <a:ext cx="3239640" cy="359640"/>
           </a:xfrm>
           <a:prstGeom prst="rect">
             <a:avLst/>
@@ -5794,11 +5919,22 @@
             <a:noFill/>
           </a:ln>
         </p:spPr>
+        <p:style>
+          <a:lnRef idx="0"/>
+          <a:fillRef idx="0"/>
+          <a:effectRef idx="0"/>
+          <a:fontRef idx="minor"/>
+        </p:style>
         <p:txBody>
           <a:bodyPr lIns="90000" rIns="90000" tIns="45000" bIns="45000" anchor="t">
             <a:noAutofit/>
           </a:bodyPr>
           <a:p>
+            <a:pPr>
+              <a:lnSpc>
+                <a:spcPct val="100000"/>
+              </a:lnSpc>
+            </a:pPr>
             <a:r>
               <a:rPr b="0" lang="fr-FR" sz="1800" spc="-1" strike="noStrike">
                 <a:solidFill>
@@ -5839,7 +5975,7 @@
         <p:spPr>
           <a:xfrm>
             <a:off x="363240" y="3240000"/>
-            <a:ext cx="4715280" cy="2160000"/>
+            <a:ext cx="4714920" cy="2159640"/>
           </a:xfrm>
           <a:prstGeom prst="rect">
             <a:avLst/>
@@ -5852,13 +5988,13 @@
       <p:sp>
         <p:nvSpPr>
           <p:cNvPr id="119" name=""/>
-          <p:cNvSpPr txBox="1"/>
+          <p:cNvSpPr/>
           <p:nvPr/>
         </p:nvSpPr>
         <p:spPr>
           <a:xfrm>
             <a:off x="5078520" y="4140000"/>
-            <a:ext cx="3240000" cy="602280"/>
+            <a:ext cx="3239640" cy="601920"/>
           </a:xfrm>
           <a:prstGeom prst="rect">
             <a:avLst/>
@@ -5868,11 +6004,22 @@
             <a:noFill/>
           </a:ln>
         </p:spPr>
+        <p:style>
+          <a:lnRef idx="0"/>
+          <a:fillRef idx="0"/>
+          <a:effectRef idx="0"/>
+          <a:fontRef idx="minor"/>
+        </p:style>
         <p:txBody>
           <a:bodyPr lIns="90000" rIns="90000" tIns="45000" bIns="45000" anchor="t">
             <a:noAutofit/>
           </a:bodyPr>
           <a:p>
+            <a:pPr>
+              <a:lnSpc>
+                <a:spcPct val="100000"/>
+              </a:lnSpc>
+            </a:pPr>
             <a:r>
               <a:rPr b="0" lang="fr-FR" sz="1800" spc="-1" strike="noStrike">
                 <a:solidFill>
@@ -5903,13 +6050,13 @@
       <p:sp>
         <p:nvSpPr>
           <p:cNvPr id="120" name=""/>
-          <p:cNvSpPr txBox="1"/>
+          <p:cNvSpPr/>
           <p:nvPr/>
         </p:nvSpPr>
         <p:spPr>
           <a:xfrm>
-            <a:off x="540000" y="5580000"/>
-            <a:ext cx="8280000" cy="540000"/>
+            <a:off x="540000" y="5493240"/>
+            <a:ext cx="8279640" cy="539640"/>
           </a:xfrm>
           <a:prstGeom prst="rect">
             <a:avLst/>
@@ -5919,11 +6066,22 @@
             <a:noFill/>
           </a:ln>
         </p:spPr>
+        <p:style>
+          <a:lnRef idx="0"/>
+          <a:fillRef idx="0"/>
+          <a:effectRef idx="0"/>
+          <a:fontRef idx="minor"/>
+        </p:style>
         <p:txBody>
           <a:bodyPr lIns="90000" rIns="90000" tIns="45000" bIns="45000" anchor="t">
             <a:noAutofit/>
           </a:bodyPr>
           <a:p>
+            <a:pPr>
+              <a:lnSpc>
+                <a:spcPct val="100000"/>
+              </a:lnSpc>
+            </a:pPr>
             <a:r>
               <a:rPr b="0" lang="fr-FR" sz="1800" spc="-1" strike="noStrike">
                 <a:solidFill>
@@ -5931,7 +6089,7 @@
                 </a:solidFill>
                 <a:latin typeface="Arial"/>
               </a:rPr>
-              <a:t>J’en traite le plus possible (environ 300), il en reste forcément que je n’ai pas vu </a:t>
+              <a:t>J’en traite le plus possible (environ 300), il en reste forcément que je n’ai pas vu  (mais peu fréquent)</a:t>
             </a:r>
             <a:endParaRPr b="0" lang="fr-FR" sz="1800" spc="-1" strike="noStrike">
               <a:solidFill>
@@ -5956,7 +6114,7 @@
         <p:txBody>
           <a:bodyPr/>
           <a:p>
-            <a:fld id="{474DD559-5791-4353-A04E-D53F2CBB671D}" type="slidenum">
+            <a:fld id="{456DBDCA-C051-40EF-BE75-AEE45C4D251F}" type="slidenum">
               <a:t>16</a:t>
             </a:fld>
           </a:p>
@@ -5995,13 +6153,13 @@
       <p:sp>
         <p:nvSpPr>
           <p:cNvPr id="121" name=""/>
-          <p:cNvSpPr txBox="1"/>
+          <p:cNvSpPr/>
           <p:nvPr/>
         </p:nvSpPr>
         <p:spPr>
           <a:xfrm>
             <a:off x="900000" y="1062360"/>
-            <a:ext cx="7200000" cy="4697640"/>
+            <a:ext cx="7199640" cy="4697280"/>
           </a:xfrm>
           <a:prstGeom prst="rect">
             <a:avLst/>
@@ -6011,11 +6169,22 @@
             <a:noFill/>
           </a:ln>
         </p:spPr>
+        <p:style>
+          <a:lnRef idx="0"/>
+          <a:fillRef idx="0"/>
+          <a:effectRef idx="0"/>
+          <a:fontRef idx="minor"/>
+        </p:style>
         <p:txBody>
           <a:bodyPr lIns="90000" rIns="90000" tIns="45000" bIns="45000" anchor="t">
             <a:noAutofit/>
           </a:bodyPr>
           <a:p>
+            <a:pPr>
+              <a:lnSpc>
+                <a:spcPct val="100000"/>
+              </a:lnSpc>
+            </a:pPr>
             <a:r>
               <a:rPr b="1" lang="fr-FR" sz="1800" spc="-1" strike="noStrike">
                 <a:solidFill>
@@ -6033,14 +6202,24 @@
             </a:endParaRPr>
           </a:p>
           <a:p>
-            <a:endParaRPr b="0" lang="fr-FR" sz="1800" spc="-1" strike="noStrike">
-              <a:solidFill>
-                <a:srgbClr val="000000"/>
-              </a:solidFill>
-              <a:latin typeface="Arial"/>
-            </a:endParaRPr>
-          </a:p>
-          <a:p>
+            <a:pPr>
+              <a:lnSpc>
+                <a:spcPct val="100000"/>
+              </a:lnSpc>
+            </a:pPr>
+            <a:endParaRPr b="0" lang="fr-FR" sz="1800" spc="-1" strike="noStrike">
+              <a:solidFill>
+                <a:srgbClr val="000000"/>
+              </a:solidFill>
+              <a:latin typeface="Arial"/>
+            </a:endParaRPr>
+          </a:p>
+          <a:p>
+            <a:pPr>
+              <a:lnSpc>
+                <a:spcPct val="100000"/>
+              </a:lnSpc>
+            </a:pPr>
             <a:r>
               <a:rPr b="0" lang="fr-FR" sz="1800" spc="-1" strike="noStrike">
                 <a:solidFill>
@@ -6058,14 +6237,24 @@
             </a:endParaRPr>
           </a:p>
           <a:p>
-            <a:endParaRPr b="0" lang="fr-FR" sz="1800" spc="-1" strike="noStrike">
-              <a:solidFill>
-                <a:srgbClr val="000000"/>
-              </a:solidFill>
-              <a:latin typeface="Arial"/>
-            </a:endParaRPr>
-          </a:p>
-          <a:p>
+            <a:pPr>
+              <a:lnSpc>
+                <a:spcPct val="100000"/>
+              </a:lnSpc>
+            </a:pPr>
+            <a:endParaRPr b="0" lang="fr-FR" sz="1800" spc="-1" strike="noStrike">
+              <a:solidFill>
+                <a:srgbClr val="000000"/>
+              </a:solidFill>
+              <a:latin typeface="Arial"/>
+            </a:endParaRPr>
+          </a:p>
+          <a:p>
+            <a:pPr>
+              <a:lnSpc>
+                <a:spcPct val="100000"/>
+              </a:lnSpc>
+            </a:pPr>
             <a:r>
               <a:rPr b="0" lang="fr-FR" sz="1800" spc="-1" strike="noStrike">
                 <a:solidFill>
@@ -6083,14 +6272,24 @@
             </a:endParaRPr>
           </a:p>
           <a:p>
-            <a:endParaRPr b="0" lang="fr-FR" sz="1800" spc="-1" strike="noStrike">
-              <a:solidFill>
-                <a:srgbClr val="000000"/>
-              </a:solidFill>
-              <a:latin typeface="Arial"/>
-            </a:endParaRPr>
-          </a:p>
-          <a:p>
+            <a:pPr>
+              <a:lnSpc>
+                <a:spcPct val="100000"/>
+              </a:lnSpc>
+            </a:pPr>
+            <a:endParaRPr b="0" lang="fr-FR" sz="1800" spc="-1" strike="noStrike">
+              <a:solidFill>
+                <a:srgbClr val="000000"/>
+              </a:solidFill>
+              <a:latin typeface="Arial"/>
+            </a:endParaRPr>
+          </a:p>
+          <a:p>
+            <a:pPr>
+              <a:lnSpc>
+                <a:spcPct val="100000"/>
+              </a:lnSpc>
+            </a:pPr>
             <a:r>
               <a:rPr b="0" lang="fr-FR" sz="1800" spc="-1" strike="noStrike">
                 <a:solidFill>
@@ -6108,14 +6307,24 @@
             </a:endParaRPr>
           </a:p>
           <a:p>
-            <a:endParaRPr b="0" lang="fr-FR" sz="1800" spc="-1" strike="noStrike">
-              <a:solidFill>
-                <a:srgbClr val="000000"/>
-              </a:solidFill>
-              <a:latin typeface="Arial"/>
-            </a:endParaRPr>
-          </a:p>
-          <a:p>
+            <a:pPr>
+              <a:lnSpc>
+                <a:spcPct val="100000"/>
+              </a:lnSpc>
+            </a:pPr>
+            <a:endParaRPr b="0" lang="fr-FR" sz="1800" spc="-1" strike="noStrike">
+              <a:solidFill>
+                <a:srgbClr val="000000"/>
+              </a:solidFill>
+              <a:latin typeface="Arial"/>
+            </a:endParaRPr>
+          </a:p>
+          <a:p>
+            <a:pPr>
+              <a:lnSpc>
+                <a:spcPct val="100000"/>
+              </a:lnSpc>
+            </a:pPr>
             <a:r>
               <a:rPr b="0" lang="fr-FR" sz="1800" spc="-1" strike="noStrike">
                 <a:solidFill>
@@ -6133,14 +6342,24 @@
             </a:endParaRPr>
           </a:p>
           <a:p>
-            <a:endParaRPr b="0" lang="fr-FR" sz="1800" spc="-1" strike="noStrike">
-              <a:solidFill>
-                <a:srgbClr val="000000"/>
-              </a:solidFill>
-              <a:latin typeface="Arial"/>
-            </a:endParaRPr>
-          </a:p>
-          <a:p>
+            <a:pPr>
+              <a:lnSpc>
+                <a:spcPct val="100000"/>
+              </a:lnSpc>
+            </a:pPr>
+            <a:endParaRPr b="0" lang="fr-FR" sz="1800" spc="-1" strike="noStrike">
+              <a:solidFill>
+                <a:srgbClr val="000000"/>
+              </a:solidFill>
+              <a:latin typeface="Arial"/>
+            </a:endParaRPr>
+          </a:p>
+          <a:p>
+            <a:pPr>
+              <a:lnSpc>
+                <a:spcPct val="100000"/>
+              </a:lnSpc>
+            </a:pPr>
             <a:r>
               <a:rPr b="0" lang="fr-FR" sz="1800" spc="-1" strike="noStrike">
                 <a:solidFill>
@@ -6158,14 +6377,24 @@
             </a:endParaRPr>
           </a:p>
           <a:p>
-            <a:endParaRPr b="0" lang="fr-FR" sz="1800" spc="-1" strike="noStrike">
-              <a:solidFill>
-                <a:srgbClr val="000000"/>
-              </a:solidFill>
-              <a:latin typeface="Arial"/>
-            </a:endParaRPr>
-          </a:p>
-          <a:p>
+            <a:pPr>
+              <a:lnSpc>
+                <a:spcPct val="100000"/>
+              </a:lnSpc>
+            </a:pPr>
+            <a:endParaRPr b="0" lang="fr-FR" sz="1800" spc="-1" strike="noStrike">
+              <a:solidFill>
+                <a:srgbClr val="000000"/>
+              </a:solidFill>
+              <a:latin typeface="Arial"/>
+            </a:endParaRPr>
+          </a:p>
+          <a:p>
+            <a:pPr>
+              <a:lnSpc>
+                <a:spcPct val="100000"/>
+              </a:lnSpc>
+            </a:pPr>
             <a:r>
               <a:rPr b="0" lang="fr-FR" sz="1800" spc="-1" strike="noStrike">
                 <a:solidFill>
@@ -6183,14 +6412,24 @@
             </a:endParaRPr>
           </a:p>
           <a:p>
-            <a:endParaRPr b="0" lang="fr-FR" sz="1800" spc="-1" strike="noStrike">
-              <a:solidFill>
-                <a:srgbClr val="000000"/>
-              </a:solidFill>
-              <a:latin typeface="Arial"/>
-            </a:endParaRPr>
-          </a:p>
-          <a:p>
+            <a:pPr>
+              <a:lnSpc>
+                <a:spcPct val="100000"/>
+              </a:lnSpc>
+            </a:pPr>
+            <a:endParaRPr b="0" lang="fr-FR" sz="1800" spc="-1" strike="noStrike">
+              <a:solidFill>
+                <a:srgbClr val="000000"/>
+              </a:solidFill>
+              <a:latin typeface="Arial"/>
+            </a:endParaRPr>
+          </a:p>
+          <a:p>
+            <a:pPr>
+              <a:lnSpc>
+                <a:spcPct val="100000"/>
+              </a:lnSpc>
+            </a:pPr>
             <a:r>
               <a:rPr b="0" lang="fr-FR" sz="1800" spc="-1" strike="noStrike">
                 <a:solidFill>
@@ -6208,14 +6447,24 @@
             </a:endParaRPr>
           </a:p>
           <a:p>
-            <a:endParaRPr b="0" lang="fr-FR" sz="1800" spc="-1" strike="noStrike">
-              <a:solidFill>
-                <a:srgbClr val="000000"/>
-              </a:solidFill>
-              <a:latin typeface="Arial"/>
-            </a:endParaRPr>
-          </a:p>
-          <a:p>
+            <a:pPr>
+              <a:lnSpc>
+                <a:spcPct val="100000"/>
+              </a:lnSpc>
+            </a:pPr>
+            <a:endParaRPr b="0" lang="fr-FR" sz="1800" spc="-1" strike="noStrike">
+              <a:solidFill>
+                <a:srgbClr val="000000"/>
+              </a:solidFill>
+              <a:latin typeface="Arial"/>
+            </a:endParaRPr>
+          </a:p>
+          <a:p>
+            <a:pPr>
+              <a:lnSpc>
+                <a:spcPct val="100000"/>
+              </a:lnSpc>
+            </a:pPr>
             <a:r>
               <a:rPr b="0" lang="fr-FR" sz="1800" spc="-1" strike="noStrike">
                 <a:solidFill>
@@ -6233,6 +6482,11 @@
             </a:endParaRPr>
           </a:p>
           <a:p>
+            <a:pPr>
+              <a:lnSpc>
+                <a:spcPct val="100000"/>
+              </a:lnSpc>
+            </a:pPr>
             <a:endParaRPr b="0" lang="fr-FR" sz="1800" spc="-1" strike="noStrike">
               <a:solidFill>
                 <a:srgbClr val="000000"/>
@@ -6256,7 +6510,7 @@
         <p:txBody>
           <a:bodyPr/>
           <a:p>
-            <a:fld id="{CF0A2C05-597B-411E-B3A9-861E2BE5F36B}" type="slidenum">
+            <a:fld id="{8F62F485-68CC-4AB4-BBA4-464E0F88B528}" type="slidenum">
               <a:t>17</a:t>
             </a:fld>
           </a:p>
@@ -6304,8 +6558,8 @@
         </p:blipFill>
         <p:spPr>
           <a:xfrm>
-            <a:off x="288000" y="1224000"/>
-            <a:ext cx="3407040" cy="1980000"/>
+            <a:off x="288000" y="1800000"/>
+            <a:ext cx="3406680" cy="1979640"/>
           </a:xfrm>
           <a:prstGeom prst="rect">
             <a:avLst/>
@@ -6323,8 +6577,8 @@
         </p:nvSpPr>
         <p:spPr>
           <a:xfrm>
-            <a:off x="3816000" y="1872000"/>
-            <a:ext cx="1620000" cy="720000"/>
+            <a:off x="3816000" y="2592000"/>
+            <a:ext cx="1619640" cy="719640"/>
           </a:xfrm>
           <a:prstGeom prst="rightArrow">
             <a:avLst>
@@ -6352,6 +6606,11 @@
             <a:noAutofit/>
           </a:bodyPr>
           <a:p>
+            <a:pPr>
+              <a:lnSpc>
+                <a:spcPct val="100000"/>
+              </a:lnSpc>
+            </a:pPr>
             <a:endParaRPr b="0" lang="fr-FR" sz="1800" spc="-1" strike="noStrike">
               <a:solidFill>
                 <a:srgbClr val="000000"/>
@@ -6373,8 +6632,8 @@
         </p:blipFill>
         <p:spPr>
           <a:xfrm>
-            <a:off x="5488920" y="1234440"/>
-            <a:ext cx="3619080" cy="1969560"/>
+            <a:off x="5488920" y="1810440"/>
+            <a:ext cx="3618720" cy="1969200"/>
           </a:xfrm>
           <a:prstGeom prst="rect">
             <a:avLst/>
@@ -6396,8 +6655,8 @@
         </p:blipFill>
         <p:spPr>
           <a:xfrm>
-            <a:off x="396000" y="3420000"/>
-            <a:ext cx="3240000" cy="1945800"/>
+            <a:off x="396000" y="4032000"/>
+            <a:ext cx="3239640" cy="1945440"/>
           </a:xfrm>
           <a:prstGeom prst="rect">
             <a:avLst/>
@@ -6415,8 +6674,8 @@
         </p:nvSpPr>
         <p:spPr>
           <a:xfrm>
-            <a:off x="3816000" y="3924000"/>
-            <a:ext cx="1620000" cy="720000"/>
+            <a:off x="3816000" y="4716000"/>
+            <a:ext cx="1619640" cy="719640"/>
           </a:xfrm>
           <a:prstGeom prst="rightArrow">
             <a:avLst>
@@ -6444,6 +6703,11 @@
             <a:noAutofit/>
           </a:bodyPr>
           <a:p>
+            <a:pPr>
+              <a:lnSpc>
+                <a:spcPct val="100000"/>
+              </a:lnSpc>
+            </a:pPr>
             <a:endParaRPr b="0" lang="fr-FR" sz="1800" spc="-1" strike="noStrike">
               <a:solidFill>
                 <a:srgbClr val="000000"/>
@@ -6465,8 +6729,8 @@
         </p:blipFill>
         <p:spPr>
           <a:xfrm>
-            <a:off x="5575320" y="3420000"/>
-            <a:ext cx="3390480" cy="1980000"/>
+            <a:off x="5575320" y="4032000"/>
+            <a:ext cx="3390120" cy="1979640"/>
           </a:xfrm>
           <a:prstGeom prst="rect">
             <a:avLst/>
@@ -6478,6 +6742,99 @@
       </p:pic>
       <p:sp>
         <p:nvSpPr>
+          <p:cNvPr id="128" name=""/>
+          <p:cNvSpPr txBox="1"/>
+          <p:nvPr/>
+        </p:nvSpPr>
+        <p:spPr>
+          <a:xfrm>
+            <a:off x="360000" y="648000"/>
+            <a:ext cx="8640000" cy="1114200"/>
+          </a:xfrm>
+          <a:prstGeom prst="rect">
+            <a:avLst/>
+          </a:prstGeom>
+          <a:noFill/>
+          <a:ln w="0">
+            <a:noFill/>
+          </a:ln>
+        </p:spPr>
+        <p:txBody>
+          <a:bodyPr lIns="90000" rIns="90000" tIns="45000" bIns="45000" anchor="t">
+            <a:noAutofit/>
+          </a:bodyPr>
+          <a:p>
+            <a:r>
+              <a:rPr b="0" lang="fr-FR" sz="1800" spc="-1" strike="noStrike">
+                <a:solidFill>
+                  <a:srgbClr val="000000"/>
+                </a:solidFill>
+                <a:latin typeface="Arial"/>
+              </a:rPr>
+              <a:t>WORDCLOUD → Simple, Classique, facile d’utilisation (Choisi)</a:t>
+            </a:r>
+            <a:endParaRPr b="0" lang="fr-FR" sz="1800" spc="-1" strike="noStrike">
+              <a:solidFill>
+                <a:srgbClr val="000000"/>
+              </a:solidFill>
+              <a:latin typeface="Arial"/>
+            </a:endParaRPr>
+          </a:p>
+          <a:p>
+            <a:r>
+              <a:rPr b="0" lang="fr-FR" sz="1800" spc="-1" strike="noStrike">
+                <a:solidFill>
+                  <a:srgbClr val="000000"/>
+                </a:solidFill>
+                <a:latin typeface="Arial"/>
+              </a:rPr>
+              <a:t>STYLECLOUD →  stylisé, moins ‘’pro’’, esthétique, posters</a:t>
+            </a:r>
+            <a:endParaRPr b="0" lang="fr-FR" sz="1800" spc="-1" strike="noStrike">
+              <a:solidFill>
+                <a:srgbClr val="000000"/>
+              </a:solidFill>
+              <a:latin typeface="Arial"/>
+            </a:endParaRPr>
+          </a:p>
+          <a:p>
+            <a:r>
+              <a:rPr b="0" lang="fr-FR" sz="1800" spc="-1" strike="noStrike">
+                <a:solidFill>
+                  <a:srgbClr val="000000"/>
+                </a:solidFill>
+                <a:latin typeface="Arial"/>
+              </a:rPr>
+              <a:t>WORD BUBBLE → Pas bon dans notre cas, bulles de termes</a:t>
+            </a:r>
+            <a:endParaRPr b="0" lang="fr-FR" sz="1800" spc="-1" strike="noStrike">
+              <a:solidFill>
+                <a:srgbClr val="000000"/>
+              </a:solidFill>
+              <a:latin typeface="Arial"/>
+            </a:endParaRPr>
+          </a:p>
+          <a:p>
+            <a:r>
+              <a:rPr b="0" lang="fr-FR" sz="1800" spc="-1" strike="noStrike">
+                <a:solidFill>
+                  <a:srgbClr val="000000"/>
+                </a:solidFill>
+                <a:latin typeface="Arial"/>
+              </a:rPr>
+              <a:t>PyLDAVis → A envisager pour la suite avec l’embedding</a:t>
+            </a:r>
+            <a:endParaRPr b="0" lang="fr-FR" sz="1800" spc="-1" strike="noStrike">
+              <a:solidFill>
+                <a:srgbClr val="000000"/>
+              </a:solidFill>
+              <a:latin typeface="Arial"/>
+            </a:endParaRPr>
+          </a:p>
+        </p:txBody>
+      </p:sp>
+      <p:sp>
+        <p:nvSpPr>
           <p:cNvPr id="2" name="PlaceHolder 1"/>
           <p:cNvSpPr>
             <a:spLocks noGrp="1"/>
@@ -6490,7 +6847,7 @@
         <p:txBody>
           <a:bodyPr/>
           <a:p>
-            <a:fld id="{0C2DC061-7AA2-49C3-83C8-B31476C70FB4}" type="slidenum">
+            <a:fld id="{941B36A2-5B91-4AB3-A36E-6FFCC7BC020D}" type="slidenum">
               <a:t>18</a:t>
             </a:fld>
           </a:p>
@@ -6528,7 +6885,7 @@
       </p:grpSpPr>
       <p:pic>
         <p:nvPicPr>
-          <p:cNvPr id="128" name="" descr=""/>
+          <p:cNvPr id="129" name="" descr=""/>
           <p:cNvPicPr/>
           <p:nvPr/>
         </p:nvPicPr>
@@ -6539,7 +6896,7 @@
         <p:spPr>
           <a:xfrm>
             <a:off x="36000" y="36000"/>
-            <a:ext cx="5004000" cy="2960280"/>
+            <a:ext cx="5003640" cy="2959920"/>
           </a:xfrm>
           <a:prstGeom prst="rect">
             <a:avLst/>
@@ -6551,7 +6908,7 @@
       </p:pic>
       <p:pic>
         <p:nvPicPr>
-          <p:cNvPr id="129" name="" descr=""/>
+          <p:cNvPr id="130" name="" descr=""/>
           <p:cNvPicPr/>
           <p:nvPr/>
         </p:nvPicPr>
@@ -6562,7 +6919,7 @@
         <p:spPr>
           <a:xfrm>
             <a:off x="3780000" y="3017880"/>
-            <a:ext cx="5220000" cy="3043800"/>
+            <a:ext cx="5219640" cy="3043440"/>
           </a:xfrm>
           <a:prstGeom prst="rect">
             <a:avLst/>
@@ -6586,7 +6943,7 @@
         <p:txBody>
           <a:bodyPr/>
           <a:p>
-            <a:fld id="{A8B2D233-B04A-4468-9AC0-CF8A1D487E2F}" type="slidenum">
+            <a:fld id="{D40B0F68-B5AE-4B8B-B249-8FBFD8379F23}" type="slidenum">
               <a:t>19</a:t>
             </a:fld>
           </a:p>
@@ -6631,7 +6988,7 @@
         <p:spPr>
           <a:xfrm>
             <a:off x="610920" y="6134760"/>
-            <a:ext cx="5760000" cy="429480"/>
+            <a:ext cx="5759640" cy="429120"/>
           </a:xfrm>
           <a:prstGeom prst="rect">
             <a:avLst/>
@@ -6692,7 +7049,7 @@
         <p:spPr>
           <a:xfrm>
             <a:off x="467640" y="5301360"/>
-            <a:ext cx="5111280" cy="754560"/>
+            <a:ext cx="5110920" cy="754200"/>
           </a:xfrm>
           <a:prstGeom prst="rect">
             <a:avLst/>
@@ -6761,7 +7118,7 @@
         <p:spPr>
           <a:xfrm>
             <a:off x="1925640" y="748080"/>
-            <a:ext cx="5291280" cy="5291280"/>
+            <a:ext cx="5290920" cy="5290920"/>
           </a:xfrm>
           <a:prstGeom prst="rect">
             <a:avLst/>
@@ -6823,7 +7180,7 @@
         <p:spPr>
           <a:xfrm>
             <a:off x="467640" y="1556640"/>
-            <a:ext cx="8207640" cy="2950920"/>
+            <a:ext cx="8207280" cy="2950560"/>
           </a:xfrm>
           <a:prstGeom prst="rect">
             <a:avLst/>
@@ -6936,7 +7293,7 @@
         <p:spPr>
           <a:xfrm>
             <a:off x="6087240" y="5121720"/>
-            <a:ext cx="2911680" cy="770400"/>
+            <a:ext cx="2911320" cy="770040"/>
           </a:xfrm>
           <a:prstGeom prst="rect">
             <a:avLst/>
@@ -7040,7 +7397,7 @@
         <p:txBody>
           <a:bodyPr/>
           <a:p>
-            <a:fld id="{8F96A613-1927-4684-8654-8EDDD6B099A0}" type="slidenum">
+            <a:fld id="{ADE06019-C4DB-41CC-8AE6-3CD2AD4A5ABA}" type="slidenum">
               <a:t>2</a:t>
             </a:fld>
           </a:p>
@@ -7078,14 +7435,241 @@
       </p:grpSpPr>
       <p:sp>
         <p:nvSpPr>
-          <p:cNvPr id="130" name=""/>
+          <p:cNvPr id="131" name=""/>
+          <p:cNvSpPr/>
+          <p:nvPr/>
+        </p:nvSpPr>
+        <p:spPr>
+          <a:xfrm>
+            <a:off x="360000" y="720000"/>
+            <a:ext cx="4499640" cy="1439640"/>
+          </a:xfrm>
+          <a:prstGeom prst="rect">
+            <a:avLst/>
+          </a:prstGeom>
+          <a:noFill/>
+          <a:ln w="0">
+            <a:noFill/>
+          </a:ln>
+        </p:spPr>
+        <p:style>
+          <a:lnRef idx="0"/>
+          <a:fillRef idx="0"/>
+          <a:effectRef idx="0"/>
+          <a:fontRef idx="minor"/>
+        </p:style>
+        <p:txBody>
+          <a:bodyPr lIns="90000" rIns="90000" tIns="45000" bIns="45000" anchor="t">
+            <a:noAutofit/>
+          </a:bodyPr>
+          <a:p>
+            <a:pPr>
+              <a:lnSpc>
+                <a:spcPct val="100000"/>
+              </a:lnSpc>
+            </a:pPr>
+            <a:r>
+              <a:rPr b="0" lang="fr-FR" sz="1800" spc="-1" strike="noStrike">
+                <a:solidFill>
+                  <a:srgbClr val="000000"/>
+                </a:solidFill>
+                <a:latin typeface="Arial"/>
+              </a:rPr>
+              <a:t>Hypothèse : Il y a des mots plus importants que d’autres pour des sections et documents </a:t>
+            </a:r>
+            <a:br>
+              <a:rPr sz="1800"/>
+            </a:br>
+            <a:r>
+              <a:rPr b="0" lang="fr-FR" sz="1800" spc="-1" strike="noStrike">
+                <a:solidFill>
+                  <a:srgbClr val="000000"/>
+                </a:solidFill>
+                <a:latin typeface="Arial"/>
+              </a:rPr>
+              <a:t>TFxIDF :</a:t>
+            </a:r>
+            <a:endParaRPr b="0" lang="fr-FR" sz="1800" spc="-1" strike="noStrike">
+              <a:solidFill>
+                <a:srgbClr val="000000"/>
+              </a:solidFill>
+              <a:latin typeface="Arial"/>
+            </a:endParaRPr>
+          </a:p>
+          <a:p>
+            <a:pPr>
+              <a:lnSpc>
+                <a:spcPct val="100000"/>
+              </a:lnSpc>
+            </a:pPr>
+            <a:r>
+              <a:rPr b="0" lang="fr-FR" sz="1800" spc="-1" strike="noStrike">
+                <a:solidFill>
+                  <a:srgbClr val="000000"/>
+                </a:solidFill>
+                <a:latin typeface="Arial"/>
+              </a:rPr>
+              <a:t>-Etude</a:t>
+            </a:r>
+            <a:endParaRPr b="0" lang="fr-FR" sz="1800" spc="-1" strike="noStrike">
+              <a:solidFill>
+                <a:srgbClr val="000000"/>
+              </a:solidFill>
+              <a:latin typeface="Arial"/>
+            </a:endParaRPr>
+          </a:p>
+          <a:p>
+            <a:pPr>
+              <a:lnSpc>
+                <a:spcPct val="100000"/>
+              </a:lnSpc>
+            </a:pPr>
+            <a:r>
+              <a:rPr b="0" lang="fr-FR" sz="1800" spc="-1" strike="noStrike">
+                <a:solidFill>
+                  <a:srgbClr val="000000"/>
+                </a:solidFill>
+                <a:latin typeface="Arial"/>
+              </a:rPr>
+              <a:t>-Section</a:t>
+            </a:r>
+            <a:endParaRPr b="0" lang="fr-FR" sz="1800" spc="-1" strike="noStrike">
+              <a:solidFill>
+                <a:srgbClr val="000000"/>
+              </a:solidFill>
+              <a:latin typeface="Arial"/>
+            </a:endParaRPr>
+          </a:p>
+          <a:p>
+            <a:pPr>
+              <a:lnSpc>
+                <a:spcPct val="100000"/>
+              </a:lnSpc>
+            </a:pPr>
+            <a:r>
+              <a:rPr b="0" lang="fr-FR" sz="1800" spc="-1" strike="noStrike">
+                <a:solidFill>
+                  <a:srgbClr val="000000"/>
+                </a:solidFill>
+                <a:latin typeface="Arial"/>
+              </a:rPr>
+              <a:t>2 versions pre et post preprocessing</a:t>
+            </a:r>
+            <a:endParaRPr b="0" lang="fr-FR" sz="1800" spc="-1" strike="noStrike">
+              <a:solidFill>
+                <a:srgbClr val="000000"/>
+              </a:solidFill>
+              <a:latin typeface="Arial"/>
+            </a:endParaRPr>
+          </a:p>
+        </p:txBody>
+      </p:sp>
+      <p:pic>
+        <p:nvPicPr>
+          <p:cNvPr id="132" name="" descr=""/>
+          <p:cNvPicPr/>
+          <p:nvPr/>
+        </p:nvPicPr>
+        <p:blipFill>
+          <a:blip r:embed="rId1"/>
+          <a:stretch/>
+        </p:blipFill>
+        <p:spPr>
+          <a:xfrm>
+            <a:off x="62640" y="2700000"/>
+            <a:ext cx="4437360" cy="3327840"/>
+          </a:xfrm>
+          <a:prstGeom prst="rect">
+            <a:avLst/>
+          </a:prstGeom>
+          <a:ln w="0">
+            <a:noFill/>
+          </a:ln>
+        </p:spPr>
+      </p:pic>
+      <p:pic>
+        <p:nvPicPr>
+          <p:cNvPr id="133" name="" descr=""/>
+          <p:cNvPicPr/>
+          <p:nvPr/>
+        </p:nvPicPr>
+        <p:blipFill>
+          <a:blip r:embed="rId2"/>
+          <a:stretch/>
+        </p:blipFill>
+        <p:spPr>
+          <a:xfrm>
+            <a:off x="4608000" y="2700000"/>
+            <a:ext cx="4470840" cy="3353040"/>
+          </a:xfrm>
+          <a:prstGeom prst="rect">
+            <a:avLst/>
+          </a:prstGeom>
+          <a:ln w="0">
+            <a:noFill/>
+          </a:ln>
+        </p:spPr>
+      </p:pic>
+      <p:sp>
+        <p:nvSpPr>
+          <p:cNvPr id="2" name="PlaceHolder 1"/>
+          <p:cNvSpPr>
+            <a:spLocks noGrp="1"/>
+          </p:cNvSpPr>
+          <p:nvPr>
+            <p:ph type="sldNum" idx="2"/>
+          </p:nvPr>
+        </p:nvSpPr>
+        <p:spPr/>
+        <p:txBody>
+          <a:bodyPr/>
+          <a:p>
+            <a:fld id="{B84D1E4B-532C-4972-9768-54324C7FD2A1}" type="slidenum">
+              <a:t>20</a:t>
+            </a:fld>
+          </a:p>
+        </p:txBody>
+      </p:sp>
+    </p:spTree>
+  </p:cSld>
+  <mc:AlternateContent>
+    <mc:Choice Requires="p14">
+      <p:transition spd="slow" p14:dur="2000"/>
+    </mc:Choice>
+    <mc:Fallback>
+      <p:transition spd="slow"/>
+    </mc:Fallback>
+  </mc:AlternateContent>
+</p:sld>
+</file>
+
+<file path=ppt/slides/slide21.xml><?xml version="1.0" encoding="utf-8"?>
+<p:sld xmlns:a="http://schemas.openxmlformats.org/drawingml/2006/main" xmlns:p="http://schemas.openxmlformats.org/presentationml/2006/main" xmlns:r="http://schemas.openxmlformats.org/officeDocument/2006/relationships" xmlns:p14="http://schemas.microsoft.com/office/powerpoint/2010/main" xmlns:p15="http://schemas.microsoft.com/office/powerpoint/2012/main" xmlns:mc="http://schemas.openxmlformats.org/markup-compatibility/2006">
+  <p:cSld>
+    <p:spTree>
+      <p:nvGrpSpPr>
+        <p:cNvPr id="1" name=""/>
+        <p:cNvGrpSpPr/>
+        <p:nvPr/>
+      </p:nvGrpSpPr>
+      <p:grpSpPr>
+        <a:xfrm>
+          <a:off x="0" y="0"/>
+          <a:ext cx="0" cy="0"/>
+          <a:chOff x="0" y="0"/>
+          <a:chExt cx="0" cy="0"/>
+        </a:xfrm>
+      </p:grpSpPr>
+      <p:sp>
+        <p:nvSpPr>
+          <p:cNvPr id="134" name=""/>
           <p:cNvSpPr txBox="1"/>
           <p:nvPr/>
         </p:nvSpPr>
         <p:spPr>
           <a:xfrm>
-            <a:off x="360000" y="720000"/>
-            <a:ext cx="4500000" cy="1440000"/>
+            <a:off x="108000" y="828000"/>
+            <a:ext cx="4500000" cy="720000"/>
           </a:xfrm>
           <a:prstGeom prst="rect">
             <a:avLst/>
@@ -7107,7 +7691,118 @@
                 </a:solidFill>
                 <a:latin typeface="Arial"/>
               </a:rPr>
-              <a:t>Il y a des mots plus importants que d’autres pour des sections et documents TFxIDF :</a:t>
+              <a:t>En cours :</a:t>
+            </a:r>
+            <a:br>
+              <a:rPr sz="1800"/>
+            </a:br>
+            <a:r>
+              <a:rPr b="0" lang="fr-FR" sz="1800" spc="-1" strike="noStrike">
+                <a:solidFill>
+                  <a:srgbClr val="000000"/>
+                </a:solidFill>
+                <a:latin typeface="Arial"/>
+              </a:rPr>
+              <a:t>PCA + Kmeans par section avec TFxIDF</a:t>
+            </a:r>
+            <a:endParaRPr b="0" lang="fr-FR" sz="1800" spc="-1" strike="noStrike">
+              <a:solidFill>
+                <a:srgbClr val="000000"/>
+              </a:solidFill>
+              <a:latin typeface="Arial"/>
+            </a:endParaRPr>
+          </a:p>
+        </p:txBody>
+      </p:sp>
+      <p:pic>
+        <p:nvPicPr>
+          <p:cNvPr id="135" name="" descr=""/>
+          <p:cNvPicPr/>
+          <p:nvPr/>
+        </p:nvPicPr>
+        <p:blipFill>
+          <a:blip r:embed="rId1"/>
+          <a:stretch/>
+        </p:blipFill>
+        <p:spPr>
+          <a:xfrm>
+            <a:off x="866160" y="1542240"/>
+            <a:ext cx="7377840" cy="4426560"/>
+          </a:xfrm>
+          <a:prstGeom prst="rect">
+            <a:avLst/>
+          </a:prstGeom>
+          <a:ln w="0">
+            <a:noFill/>
+          </a:ln>
+        </p:spPr>
+      </p:pic>
+      <p:sp>
+        <p:nvSpPr>
+          <p:cNvPr id="136" name=""/>
+          <p:cNvSpPr txBox="1"/>
+          <p:nvPr/>
+        </p:nvSpPr>
+        <p:spPr>
+          <a:xfrm>
+            <a:off x="5427720" y="720000"/>
+            <a:ext cx="3032280" cy="858240"/>
+          </a:xfrm>
+          <a:prstGeom prst="rect">
+            <a:avLst/>
+          </a:prstGeom>
+          <a:noFill/>
+          <a:ln w="0">
+            <a:noFill/>
+          </a:ln>
+        </p:spPr>
+        <p:txBody>
+          <a:bodyPr lIns="90000" rIns="90000" tIns="45000" bIns="45000" anchor="t">
+            <a:noAutofit/>
+          </a:bodyPr>
+          <a:p>
+            <a:r>
+              <a:rPr b="0" lang="fr-FR" sz="1800" spc="-1" strike="noStrike">
+                <a:solidFill>
+                  <a:srgbClr val="000000"/>
+                </a:solidFill>
+                <a:latin typeface="Arial"/>
+              </a:rPr>
+              <a:t>A faire : </a:t>
+            </a:r>
+            <a:endParaRPr b="0" lang="fr-FR" sz="1800" spc="-1" strike="noStrike">
+              <a:solidFill>
+                <a:srgbClr val="000000"/>
+              </a:solidFill>
+              <a:latin typeface="Arial"/>
+            </a:endParaRPr>
+          </a:p>
+          <a:p>
+            <a:r>
+              <a:rPr b="0" lang="fr-FR" sz="1800" spc="-1" strike="noStrike">
+                <a:solidFill>
+                  <a:srgbClr val="000000"/>
+                </a:solidFill>
+                <a:latin typeface="Arial"/>
+              </a:rPr>
+              <a:t>-Section + Etude</a:t>
+            </a:r>
+            <a:endParaRPr b="0" lang="fr-FR" sz="1800" spc="-1" strike="noStrike">
+              <a:solidFill>
+                <a:srgbClr val="000000"/>
+              </a:solidFill>
+              <a:latin typeface="Arial"/>
+            </a:endParaRPr>
+          </a:p>
+          <a:p>
+            <a:r>
+              <a:rPr b="0" lang="fr-FR" sz="1800" spc="-1" strike="noStrike">
+                <a:solidFill>
+                  <a:srgbClr val="000000"/>
+                </a:solidFill>
+                <a:latin typeface="Arial"/>
+              </a:rPr>
+              <a:t>-Embedding</a:t>
             </a:r>
             <a:endParaRPr b="0" lang="fr-FR" sz="1800" spc="-1" strike="noStrike">
               <a:solidFill>
@@ -7132,8 +7827,8 @@
         <p:txBody>
           <a:bodyPr/>
           <a:p>
-            <a:fld id="{A7055B8C-4386-4A4D-8C06-2C6BD5A6EDFA}" type="slidenum">
-              <a:t>20</a:t>
+            <a:fld id="{9861ECA3-0EDE-4ABF-A169-3B64E6E921B5}" type="slidenum">
+              <a:t>21</a:t>
             </a:fld>
           </a:p>
         </p:txBody>
@@ -7181,7 +7876,7 @@
         <p:spPr>
           <a:xfrm>
             <a:off x="1008000" y="260280"/>
-            <a:ext cx="7847280" cy="358920"/>
+            <a:ext cx="7846920" cy="358560"/>
           </a:xfrm>
           <a:prstGeom prst="rect">
             <a:avLst/>
@@ -7237,7 +7932,7 @@
         <p:spPr>
           <a:xfrm>
             <a:off x="107640" y="1260000"/>
-            <a:ext cx="2951280" cy="1106280"/>
+            <a:ext cx="2950920" cy="1105920"/>
           </a:xfrm>
           <a:prstGeom prst="rect">
             <a:avLst/>
@@ -7342,7 +8037,7 @@
         <p:spPr>
           <a:xfrm>
             <a:off x="2880000" y="1260000"/>
-            <a:ext cx="3418920" cy="898920"/>
+            <a:ext cx="3418560" cy="898560"/>
           </a:xfrm>
           <a:prstGeom prst="ellipse">
             <a:avLst/>
@@ -7440,7 +8135,7 @@
         <p:spPr>
           <a:xfrm>
             <a:off x="2880000" y="2700000"/>
-            <a:ext cx="3598920" cy="898920"/>
+            <a:ext cx="3598560" cy="898560"/>
           </a:xfrm>
           <a:prstGeom prst="ellipse">
             <a:avLst/>
@@ -7509,7 +8204,7 @@
         <p:spPr>
           <a:xfrm>
             <a:off x="4680000" y="2244600"/>
-            <a:ext cx="3058920" cy="358920"/>
+            <a:ext cx="3058560" cy="358560"/>
           </a:xfrm>
           <a:prstGeom prst="rect">
             <a:avLst/>
@@ -7603,7 +8298,7 @@
         <p:spPr>
           <a:xfrm>
             <a:off x="2880000" y="4680000"/>
-            <a:ext cx="3598920" cy="898920"/>
+            <a:ext cx="3598560" cy="898560"/>
           </a:xfrm>
           <a:prstGeom prst="ellipse">
             <a:avLst/>
@@ -7672,7 +8367,7 @@
         <p:spPr>
           <a:xfrm>
             <a:off x="4860000" y="3600000"/>
-            <a:ext cx="3958920" cy="1258920"/>
+            <a:ext cx="3958560" cy="1258560"/>
           </a:xfrm>
           <a:prstGeom prst="rect">
             <a:avLst/>
@@ -7763,7 +8458,7 @@
         <p:spPr>
           <a:xfrm>
             <a:off x="565560" y="3564000"/>
-            <a:ext cx="3069360" cy="1179720"/>
+            <a:ext cx="3069000" cy="1179360"/>
           </a:xfrm>
           <a:prstGeom prst="rect">
             <a:avLst/>
@@ -7787,7 +8482,7 @@
         <p:txBody>
           <a:bodyPr/>
           <a:p>
-            <a:fld id="{BCB1178D-8C04-4837-ACC4-FC88A0BEE078}" type="slidenum">
+            <a:fld id="{7F6BE568-7CAA-466C-834E-347573BB2F47}" type="slidenum">
               <a:t>3</a:t>
             </a:fld>
           </a:p>
@@ -7836,7 +8531,7 @@
         <p:spPr>
           <a:xfrm>
             <a:off x="1008000" y="260280"/>
-            <a:ext cx="7847280" cy="358920"/>
+            <a:ext cx="7846920" cy="358560"/>
           </a:xfrm>
           <a:prstGeom prst="rect">
             <a:avLst/>
@@ -7892,7 +8587,7 @@
         <p:spPr>
           <a:xfrm>
             <a:off x="1620000" y="900000"/>
-            <a:ext cx="5038920" cy="5038920"/>
+            <a:ext cx="5038560" cy="5038560"/>
           </a:xfrm>
           <a:prstGeom prst="rect">
             <a:avLst/>
@@ -7916,7 +8611,7 @@
         <p:txBody>
           <a:bodyPr/>
           <a:p>
-            <a:fld id="{65E1FEE2-6929-474E-BE9E-941E18D1E009}" type="slidenum">
+            <a:fld id="{72CB9001-AE55-4C8F-8310-737C31FA4ED3}" type="slidenum">
               <a:t>4</a:t>
             </a:fld>
           </a:p>
@@ -7965,7 +8660,7 @@
         <p:spPr>
           <a:xfrm>
             <a:off x="647640" y="836640"/>
-            <a:ext cx="6011280" cy="962280"/>
+            <a:ext cx="6010920" cy="961920"/>
           </a:xfrm>
           <a:prstGeom prst="rect">
             <a:avLst/>
@@ -8062,7 +8757,7 @@
         <p:spPr>
           <a:xfrm>
             <a:off x="1008000" y="260280"/>
-            <a:ext cx="7847280" cy="358920"/>
+            <a:ext cx="7846920" cy="358560"/>
           </a:xfrm>
           <a:prstGeom prst="rect">
             <a:avLst/>
@@ -8114,7 +8809,7 @@
         <p:spPr>
           <a:xfrm>
             <a:off x="1440000" y="1980000"/>
-            <a:ext cx="6838920" cy="538920"/>
+            <a:ext cx="6838560" cy="538560"/>
           </a:xfrm>
           <a:prstGeom prst="rect">
             <a:avLst/>
@@ -8224,7 +8919,7 @@
         <p:spPr>
           <a:xfrm>
             <a:off x="540000" y="2520000"/>
-            <a:ext cx="3778920" cy="2338920"/>
+            <a:ext cx="3778560" cy="2338560"/>
           </a:xfrm>
           <a:prstGeom prst="rect">
             <a:avLst/>
@@ -8382,7 +9077,7 @@
         <p:spPr>
           <a:xfrm>
             <a:off x="5040000" y="2520000"/>
-            <a:ext cx="3778920" cy="2158920"/>
+            <a:ext cx="3778560" cy="2158560"/>
           </a:xfrm>
           <a:prstGeom prst="rect">
             <a:avLst/>
@@ -8580,7 +9275,7 @@
         <p:spPr>
           <a:xfrm>
             <a:off x="2772000" y="5593320"/>
-            <a:ext cx="3418920" cy="345600"/>
+            <a:ext cx="3418560" cy="345240"/>
           </a:xfrm>
           <a:prstGeom prst="rect">
             <a:avLst/>
@@ -8638,7 +9333,7 @@
         <p:txBody>
           <a:bodyPr/>
           <a:p>
-            <a:fld id="{0B10A9DB-D616-4BB0-AE56-D15400F85F9F}" type="slidenum">
+            <a:fld id="{F7D77DA2-CD28-4DC0-8D6D-2FA5776E4132}" type="slidenum">
               <a:t>5</a:t>
             </a:fld>
           </a:p>
@@ -8687,7 +9382,7 @@
         <p:spPr>
           <a:xfrm>
             <a:off x="1008000" y="260280"/>
-            <a:ext cx="7847280" cy="358920"/>
+            <a:ext cx="7846920" cy="358560"/>
           </a:xfrm>
           <a:prstGeom prst="rect">
             <a:avLst/>
@@ -8739,7 +9434,7 @@
         <p:spPr>
           <a:xfrm>
             <a:off x="360000" y="1080000"/>
-            <a:ext cx="3598920" cy="538920"/>
+            <a:ext cx="3598560" cy="538560"/>
           </a:xfrm>
           <a:prstGeom prst="rect">
             <a:avLst/>
@@ -8792,7 +9487,7 @@
         <p:spPr>
           <a:xfrm>
             <a:off x="4680000" y="1080000"/>
-            <a:ext cx="3598920" cy="718920"/>
+            <a:ext cx="3598560" cy="718560"/>
           </a:xfrm>
           <a:prstGeom prst="rect">
             <a:avLst/>
@@ -8845,7 +9540,7 @@
         <p:spPr>
           <a:xfrm>
             <a:off x="380880" y="2257920"/>
-            <a:ext cx="8438040" cy="1881000"/>
+            <a:ext cx="8437680" cy="1880640"/>
           </a:xfrm>
           <a:prstGeom prst="rect">
             <a:avLst/>
@@ -8990,7 +9685,7 @@
         <p:spPr>
           <a:xfrm>
             <a:off x="360000" y="4500000"/>
-            <a:ext cx="7918920" cy="1078920"/>
+            <a:ext cx="7918560" cy="1078560"/>
           </a:xfrm>
           <a:prstGeom prst="rect">
             <a:avLst/>
@@ -9073,7 +9768,7 @@
         <p:txBody>
           <a:bodyPr/>
           <a:p>
-            <a:fld id="{07B49FBF-8E6D-48F9-95A6-AC70CA55F595}" type="slidenum">
+            <a:fld id="{A0E0725E-53C5-4431-B78F-C22362DD582A}" type="slidenum">
               <a:t>6</a:t>
             </a:fld>
           </a:p>
@@ -9122,7 +9817,7 @@
         <p:spPr>
           <a:xfrm>
             <a:off x="1008000" y="260280"/>
-            <a:ext cx="7847280" cy="358920"/>
+            <a:ext cx="7846920" cy="358560"/>
           </a:xfrm>
           <a:prstGeom prst="rect">
             <a:avLst/>
@@ -9174,7 +9869,7 @@
         <p:spPr>
           <a:xfrm>
             <a:off x="611640" y="1412640"/>
-            <a:ext cx="7847280" cy="4318920"/>
+            <a:ext cx="7846920" cy="4318560"/>
           </a:xfrm>
           <a:prstGeom prst="rect">
             <a:avLst/>
@@ -9301,7 +9996,7 @@
         <p:spPr>
           <a:xfrm>
             <a:off x="0" y="1412640"/>
-            <a:ext cx="4891320" cy="3806280"/>
+            <a:ext cx="4890960" cy="3805920"/>
           </a:xfrm>
           <a:prstGeom prst="rect">
             <a:avLst/>
@@ -9324,7 +10019,7 @@
         <p:spPr>
           <a:xfrm>
             <a:off x="4839480" y="1260000"/>
-            <a:ext cx="4159440" cy="4111560"/>
+            <a:ext cx="4159080" cy="4111200"/>
           </a:xfrm>
           <a:prstGeom prst="rect">
             <a:avLst/>
@@ -9377,7 +10072,7 @@
         <p:spPr>
           <a:xfrm>
             <a:off x="1008000" y="260280"/>
-            <a:ext cx="7847280" cy="358920"/>
+            <a:ext cx="7846920" cy="358560"/>
           </a:xfrm>
           <a:prstGeom prst="rect">
             <a:avLst/>
@@ -9429,7 +10124,7 @@
         <p:spPr>
           <a:xfrm>
             <a:off x="648000" y="836640"/>
-            <a:ext cx="8170920" cy="5282280"/>
+            <a:ext cx="8170560" cy="5281920"/>
           </a:xfrm>
           <a:prstGeom prst="rect">
             <a:avLst/>
@@ -9750,7 +10445,7 @@
         <p:spPr>
           <a:xfrm>
             <a:off x="3960000" y="1800000"/>
-            <a:ext cx="4617720" cy="3051000"/>
+            <a:ext cx="4617360" cy="3050640"/>
           </a:xfrm>
           <a:prstGeom prst="rect">
             <a:avLst/>
@@ -9774,7 +10469,7 @@
         <p:txBody>
           <a:bodyPr/>
           <a:p>
-            <a:fld id="{749E5C40-DA1D-4701-9379-CEA16C22FE44}" type="slidenum">
+            <a:fld id="{9979EF3F-9DEB-4AB6-89EC-E845839FFCC5}" type="slidenum">
               <a:t>8</a:t>
             </a:fld>
           </a:p>
@@ -9819,7 +10514,7 @@
         <p:spPr>
           <a:xfrm>
             <a:off x="1260000" y="1980000"/>
-            <a:ext cx="6479280" cy="3495960"/>
+            <a:ext cx="6478920" cy="3495600"/>
           </a:xfrm>
           <a:prstGeom prst="rect">
             <a:avLst/>
@@ -9889,7 +10584,7 @@
         <p:txBody>
           <a:bodyPr/>
           <a:p>
-            <a:fld id="{7D0A0E96-6E8A-47AE-828A-E6DA497260C5}" type="slidenum">
+            <a:fld id="{713EE9B2-30EF-471E-A200-B18B2FC427C4}" type="slidenum">
               <a:t>9</a:t>
             </a:fld>
           </a:p>
@@ -10083,7 +10778,7 @@
 </a:theme>
 </file>
 
-<file path=ppt/theme/theme25.xml><?xml version="1.0" encoding="utf-8"?>
+<file path=ppt/theme/theme13.xml><?xml version="1.0" encoding="utf-8"?>
 <a:theme xmlns:a="http://schemas.openxmlformats.org/drawingml/2006/main" xmlns:r="http://schemas.openxmlformats.org/officeDocument/2006/relationships" name="Office Theme">
   <a:themeElements>
     <a:clrScheme name="LibreOffice">

--- a/presentationVendredi.pptx
+++ b/presentationVendredi.pptx
@@ -3,32 +3,45 @@
 <p:presentation xmlns:a="http://schemas.openxmlformats.org/drawingml/2006/main" xmlns:p="http://schemas.openxmlformats.org/presentationml/2006/main" xmlns:r="http://schemas.openxmlformats.org/officeDocument/2006/relationships" xmlns:p14="http://schemas.microsoft.com/office/powerpoint/2010/main" xmlns:p15="http://schemas.microsoft.com/office/powerpoint/2012/main" xmlns:mc="http://schemas.openxmlformats.org/markup-compatibility/2006">
   <p:sldMasterIdLst>
     <p:sldMasterId id="2147483648" r:id="rId2"/>
+    <p:sldMasterId id="2147483661" r:id="rId3"/>
   </p:sldMasterIdLst>
   <p:notesMasterIdLst>
-    <p:notesMasterId r:id="rId3"/>
+    <p:notesMasterId r:id="rId4"/>
   </p:notesMasterIdLst>
   <p:sldIdLst>
-    <p:sldId id="256" r:id="rId4"/>
-    <p:sldId id="257" r:id="rId5"/>
-    <p:sldId id="258" r:id="rId6"/>
-    <p:sldId id="259" r:id="rId7"/>
-    <p:sldId id="260" r:id="rId8"/>
-    <p:sldId id="261" r:id="rId9"/>
-    <p:sldId id="262" r:id="rId10"/>
-    <p:sldId id="263" r:id="rId11"/>
-    <p:sldId id="264" r:id="rId12"/>
-    <p:sldId id="265" r:id="rId13"/>
-    <p:sldId id="266" r:id="rId14"/>
-    <p:sldId id="267" r:id="rId15"/>
-    <p:sldId id="268" r:id="rId16"/>
-    <p:sldId id="269" r:id="rId17"/>
-    <p:sldId id="270" r:id="rId18"/>
-    <p:sldId id="271" r:id="rId19"/>
-    <p:sldId id="272" r:id="rId20"/>
-    <p:sldId id="273" r:id="rId21"/>
-    <p:sldId id="274" r:id="rId22"/>
-    <p:sldId id="275" r:id="rId23"/>
-    <p:sldId id="276" r:id="rId24"/>
+    <p:sldId id="256" r:id="rId5"/>
+    <p:sldId id="257" r:id="rId6"/>
+    <p:sldId id="258" r:id="rId7"/>
+    <p:sldId id="259" r:id="rId8"/>
+    <p:sldId id="260" r:id="rId9"/>
+    <p:sldId id="261" r:id="rId10"/>
+    <p:sldId id="262" r:id="rId11"/>
+    <p:sldId id="263" r:id="rId12"/>
+    <p:sldId id="264" r:id="rId13"/>
+    <p:sldId id="265" r:id="rId14"/>
+    <p:sldId id="266" r:id="rId15"/>
+    <p:sldId id="267" r:id="rId16"/>
+    <p:sldId id="268" r:id="rId17"/>
+    <p:sldId id="269" r:id="rId18"/>
+    <p:sldId id="270" r:id="rId19"/>
+    <p:sldId id="271" r:id="rId20"/>
+    <p:sldId id="272" r:id="rId21"/>
+    <p:sldId id="273" r:id="rId22"/>
+    <p:sldId id="274" r:id="rId23"/>
+    <p:sldId id="275" r:id="rId24"/>
+    <p:sldId id="276" r:id="rId25"/>
+    <p:sldId id="277" r:id="rId26"/>
+    <p:sldId id="278" r:id="rId27"/>
+    <p:sldId id="279" r:id="rId28"/>
+    <p:sldId id="280" r:id="rId29"/>
+    <p:sldId id="281" r:id="rId30"/>
+    <p:sldId id="282" r:id="rId31"/>
+    <p:sldId id="283" r:id="rId32"/>
+    <p:sldId id="284" r:id="rId33"/>
+    <p:sldId id="285" r:id="rId34"/>
+    <p:sldId id="286" r:id="rId35"/>
+    <p:sldId id="287" r:id="rId36"/>
+    <p:sldId id="288" r:id="rId37"/>
   </p:sldIdLst>
   <p:sldSz cx="9144000" cy="6858000"/>
   <p:notesSz cx="6799263" cy="9929813"/>
@@ -54,7 +67,7 @@
       </p:grpSpPr>
       <p:sp>
         <p:nvSpPr>
-          <p:cNvPr id="49" name="PlaceHolder 1"/>
+          <p:cNvPr id="96" name="PlaceHolder 1"/>
           <p:cNvSpPr>
             <a:spLocks noGrp="1"/>
           </p:cNvSpPr>
@@ -101,7 +114,7 @@
       </p:sp>
       <p:sp>
         <p:nvSpPr>
-          <p:cNvPr id="50" name="PlaceHolder 2"/>
+          <p:cNvPr id="97" name="PlaceHolder 2"/>
           <p:cNvSpPr>
             <a:spLocks noGrp="1"/>
           </p:cNvSpPr>
@@ -150,7 +163,7 @@
       </p:sp>
       <p:sp>
         <p:nvSpPr>
-          <p:cNvPr id="51" name="PlaceHolder 3"/>
+          <p:cNvPr id="98" name="PlaceHolder 3"/>
           <p:cNvSpPr>
             <a:spLocks noGrp="1"/>
           </p:cNvSpPr>
@@ -199,12 +212,12 @@
       </p:sp>
       <p:sp>
         <p:nvSpPr>
-          <p:cNvPr id="52" name="PlaceHolder 4"/>
-          <p:cNvSpPr>
-            <a:spLocks noGrp="1"/>
-          </p:cNvSpPr>
-          <p:nvPr>
-            <p:ph type="dt" idx="4"/>
+          <p:cNvPr id="99" name="PlaceHolder 4"/>
+          <p:cNvSpPr>
+            <a:spLocks noGrp="1"/>
+          </p:cNvSpPr>
+          <p:nvPr>
+            <p:ph type="dt" idx="7"/>
           </p:nvPr>
         </p:nvSpPr>
         <p:spPr>
@@ -259,12 +272,12 @@
       </p:sp>
       <p:sp>
         <p:nvSpPr>
-          <p:cNvPr id="53" name="PlaceHolder 5"/>
-          <p:cNvSpPr>
-            <a:spLocks noGrp="1"/>
-          </p:cNvSpPr>
-          <p:nvPr>
-            <p:ph type="ftr" idx="5"/>
+          <p:cNvPr id="100" name="PlaceHolder 5"/>
+          <p:cNvSpPr>
+            <a:spLocks noGrp="1"/>
+          </p:cNvSpPr>
+          <p:nvPr>
+            <p:ph type="ftr" idx="8"/>
           </p:nvPr>
         </p:nvSpPr>
         <p:spPr>
@@ -319,12 +332,12 @@
       </p:sp>
       <p:sp>
         <p:nvSpPr>
-          <p:cNvPr id="54" name="PlaceHolder 6"/>
-          <p:cNvSpPr>
-            <a:spLocks noGrp="1"/>
-          </p:cNvSpPr>
-          <p:nvPr>
-            <p:ph type="sldNum" idx="6"/>
+          <p:cNvPr id="101" name="PlaceHolder 6"/>
+          <p:cNvSpPr>
+            <a:spLocks noGrp="1"/>
+          </p:cNvSpPr>
+          <p:nvPr>
+            <p:ph type="sldNum" idx="9"/>
           </p:nvPr>
         </p:nvSpPr>
         <p:spPr>
@@ -359,7 +372,7 @@
             <a:pPr indent="0" algn="r">
               <a:buNone/>
             </a:pPr>
-            <a:fld id="{D98A7E03-2A84-4382-9034-5E769FFF22FF}" type="slidenum">
+            <a:fld id="{6977E5FB-F509-4935-9448-AFF62E57D1EE}" type="slidenum">
               <a:rPr b="0" lang="fr-FR" sz="1400" spc="-1" strike="noStrike">
                 <a:solidFill>
                   <a:srgbClr val="000000"/>
@@ -402,7 +415,7 @@
       </p:grpSpPr>
       <p:sp>
         <p:nvSpPr>
-          <p:cNvPr id="137" name="PlaceHolder 1"/>
+          <p:cNvPr id="219" name="PlaceHolder 1"/>
           <p:cNvSpPr>
             <a:spLocks noGrp="1"/>
           </p:cNvSpPr>
@@ -413,19 +426,19 @@
         <p:spPr>
           <a:xfrm>
             <a:off x="919080" y="746280"/>
-            <a:ext cx="4959000" cy="3720960"/>
-          </a:xfrm>
-          <a:prstGeom prst="rect">
-            <a:avLst/>
-          </a:prstGeom>
-          <a:ln w="0">
-            <a:noFill/>
-          </a:ln>
-        </p:spPr>
-      </p:sp>
-      <p:sp>
-        <p:nvSpPr>
-          <p:cNvPr id="138" name="PlaceHolder 2"/>
+            <a:ext cx="4958640" cy="3720600"/>
+          </a:xfrm>
+          <a:prstGeom prst="rect">
+            <a:avLst/>
+          </a:prstGeom>
+          <a:ln w="0">
+            <a:noFill/>
+          </a:ln>
+        </p:spPr>
+      </p:sp>
+      <p:sp>
+        <p:nvSpPr>
+          <p:cNvPr id="220" name="PlaceHolder 2"/>
           <p:cNvSpPr>
             <a:spLocks noGrp="1"/>
           </p:cNvSpPr>
@@ -436,7 +449,7 @@
         <p:spPr>
           <a:xfrm>
             <a:off x="680040" y="4716720"/>
-            <a:ext cx="5437440" cy="4466520"/>
+            <a:ext cx="5437080" cy="4466160"/>
           </a:xfrm>
           <a:prstGeom prst="rect">
             <a:avLst/>
@@ -465,18 +478,18 @@
       </p:sp>
       <p:sp>
         <p:nvSpPr>
-          <p:cNvPr id="139" name="PlaceHolder 3"/>
-          <p:cNvSpPr>
-            <a:spLocks noGrp="1"/>
-          </p:cNvSpPr>
-          <p:nvPr>
-            <p:ph type="sldNum" idx="7"/>
+          <p:cNvPr id="221" name="PlaceHolder 3"/>
+          <p:cNvSpPr>
+            <a:spLocks noGrp="1"/>
+          </p:cNvSpPr>
+          <p:nvPr>
+            <p:ph type="sldNum" idx="10"/>
           </p:nvPr>
         </p:nvSpPr>
         <p:spPr>
           <a:xfrm>
             <a:off x="3851280" y="9431640"/>
-            <a:ext cx="2944440" cy="494640"/>
+            <a:ext cx="2944080" cy="494280"/>
           </a:xfrm>
           <a:prstGeom prst="rect">
             <a:avLst/>
@@ -518,7 +531,7 @@
                 <a:tab algn="l" pos="0"/>
               </a:tabLst>
             </a:pPr>
-            <a:fld id="{67132925-0A4E-43C6-B319-57187E8AA6AA}" type="slidenum">
+            <a:fld id="{155CA775-EC8A-417F-B625-700034D53F02}" type="slidenum">
               <a:rPr b="0" lang="fr-FR" sz="1300" spc="-1" strike="noStrike">
                 <a:solidFill>
                   <a:schemeClr val="dk1"/>
@@ -561,7 +574,7 @@
       </p:grpSpPr>
       <p:sp>
         <p:nvSpPr>
-          <p:cNvPr id="140" name="PlaceHolder 1"/>
+          <p:cNvPr id="222" name="PlaceHolder 1"/>
           <p:cNvSpPr>
             <a:spLocks noGrp="1"/>
           </p:cNvSpPr>
@@ -572,19 +585,19 @@
         <p:spPr>
           <a:xfrm>
             <a:off x="919080" y="746280"/>
-            <a:ext cx="4959000" cy="3720960"/>
-          </a:xfrm>
-          <a:prstGeom prst="rect">
-            <a:avLst/>
-          </a:prstGeom>
-          <a:ln w="0">
-            <a:noFill/>
-          </a:ln>
-        </p:spPr>
-      </p:sp>
-      <p:sp>
-        <p:nvSpPr>
-          <p:cNvPr id="141" name="PlaceHolder 2"/>
+            <a:ext cx="4958640" cy="3720600"/>
+          </a:xfrm>
+          <a:prstGeom prst="rect">
+            <a:avLst/>
+          </a:prstGeom>
+          <a:ln w="0">
+            <a:noFill/>
+          </a:ln>
+        </p:spPr>
+      </p:sp>
+      <p:sp>
+        <p:nvSpPr>
+          <p:cNvPr id="223" name="PlaceHolder 2"/>
           <p:cNvSpPr>
             <a:spLocks noGrp="1"/>
           </p:cNvSpPr>
@@ -595,7 +608,7 @@
         <p:spPr>
           <a:xfrm>
             <a:off x="680040" y="4716720"/>
-            <a:ext cx="5437440" cy="4466520"/>
+            <a:ext cx="5437080" cy="4466160"/>
           </a:xfrm>
           <a:prstGeom prst="rect">
             <a:avLst/>
@@ -624,18 +637,18 @@
       </p:sp>
       <p:sp>
         <p:nvSpPr>
-          <p:cNvPr id="142" name="PlaceHolder 3"/>
-          <p:cNvSpPr>
-            <a:spLocks noGrp="1"/>
-          </p:cNvSpPr>
-          <p:nvPr>
-            <p:ph type="sldNum" idx="8"/>
+          <p:cNvPr id="224" name="PlaceHolder 3"/>
+          <p:cNvSpPr>
+            <a:spLocks noGrp="1"/>
+          </p:cNvSpPr>
+          <p:nvPr>
+            <p:ph type="sldNum" idx="11"/>
           </p:nvPr>
         </p:nvSpPr>
         <p:spPr>
           <a:xfrm>
             <a:off x="3851280" y="9431640"/>
-            <a:ext cx="2944440" cy="494640"/>
+            <a:ext cx="2944080" cy="494280"/>
           </a:xfrm>
           <a:prstGeom prst="rect">
             <a:avLst/>
@@ -677,7 +690,7 @@
                 <a:tab algn="l" pos="0"/>
               </a:tabLst>
             </a:pPr>
-            <a:fld id="{66B716A2-B751-4588-8B87-7533A8599824}" type="slidenum">
+            <a:fld id="{5E3990D3-7398-4694-9800-C1C1BE601B43}" type="slidenum">
               <a:rPr b="0" lang="fr-FR" sz="1300" spc="-1" strike="noStrike">
                 <a:solidFill>
                   <a:schemeClr val="dk1"/>
@@ -752,7 +765,7 @@
         <p:txBody>
           <a:bodyPr/>
           <a:p>
-            <a:fld id="{6200AE7E-144E-49C1-89A6-8A416BEDF803}" type="slidenum">
+            <a:fld id="{4E7E63E4-8B15-44F7-B8D3-8C1454E6C19E}" type="slidenum">
               <a:t>&lt;#&gt;</a:t>
             </a:fld>
           </a:p>
@@ -961,7 +974,7 @@
         <p:txBody>
           <a:bodyPr/>
           <a:p>
-            <a:fld id="{DDBA3289-917B-45B8-BB59-89E8DCCF2D89}" type="slidenum">
+            <a:fld id="{134EFB4A-E31D-4563-AC57-B71494F586A9}" type="slidenum">
               <a:t>&lt;#&gt;</a:t>
             </a:fld>
           </a:p>
@@ -1256,7 +1269,7 @@
         <p:txBody>
           <a:bodyPr/>
           <a:p>
-            <a:fld id="{FC2B41BC-F184-4804-92C5-4E3BB7A6B711}" type="slidenum">
+            <a:fld id="{335A026F-96AB-4701-A071-EEEDF1E186AA}" type="slidenum">
               <a:t>&lt;#&gt;</a:t>
             </a:fld>
           </a:p>
@@ -1637,7 +1650,7 @@
         <p:txBody>
           <a:bodyPr/>
           <a:p>
-            <a:fld id="{9ED9553E-95D5-45D2-99EF-F3BE060AAC20}" type="slidenum">
+            <a:fld id="{5994DE39-C871-4E19-B298-75BC66C35975}" type="slidenum">
               <a:t>&lt;#&gt;</a:t>
             </a:fld>
           </a:p>
@@ -1651,6 +1664,1123 @@
           </p:cNvSpPr>
           <p:nvPr>
             <p:ph type="dt" idx="3"/>
+          </p:nvPr>
+        </p:nvSpPr>
+        <p:spPr/>
+        <p:txBody>
+          <a:bodyPr/>
+          <a:p>
+            <a:r>
+              <a:rPr lang="fr-FR"/>
+              <a:t/>
+            </a:r>
+          </a:p>
+        </p:txBody>
+      </p:sp>
+    </p:spTree>
+  </p:cSld>
+</p:sldLayout>
+</file>
+
+<file path=ppt/slideLayouts/slideLayout13.xml><?xml version="1.0" encoding="utf-8"?>
+<p:sldLayout xmlns:a="http://schemas.openxmlformats.org/drawingml/2006/main" xmlns:p="http://schemas.openxmlformats.org/presentationml/2006/main" xmlns:r="http://schemas.openxmlformats.org/officeDocument/2006/relationships" xmlns:p14="http://schemas.microsoft.com/office/powerpoint/2010/main" xmlns:p15="http://schemas.microsoft.com/office/powerpoint/2012/main" xmlns:mc="http://schemas.openxmlformats.org/markup-compatibility/2006" type="blank" preserve="1">
+  <p:cSld name="Blank Slide">
+    <p:spTree>
+      <p:nvGrpSpPr>
+        <p:cNvPr id="1" name=""/>
+        <p:cNvGrpSpPr/>
+        <p:nvPr/>
+      </p:nvGrpSpPr>
+      <p:grpSpPr>
+        <a:xfrm>
+          <a:off x="0" y="0"/>
+          <a:ext cx="0" cy="0"/>
+          <a:chOff x="0" y="0"/>
+          <a:chExt cx="0" cy="0"/>
+        </a:xfrm>
+      </p:grpSpPr>
+      <p:sp>
+        <p:nvSpPr>
+          <p:cNvPr id="2" name="PlaceHolder 1"/>
+          <p:cNvSpPr>
+            <a:spLocks noGrp="1"/>
+          </p:cNvSpPr>
+          <p:nvPr>
+            <p:ph type="ftr" idx="4"/>
+          </p:nvPr>
+        </p:nvSpPr>
+        <p:spPr/>
+        <p:txBody>
+          <a:bodyPr/>
+          <a:p>
+            <a:r>
+              <a:t>Footer</a:t>
+            </a:r>
+          </a:p>
+        </p:txBody>
+      </p:sp>
+      <p:sp>
+        <p:nvSpPr>
+          <p:cNvPr id="3" name="PlaceHolder 2"/>
+          <p:cNvSpPr>
+            <a:spLocks noGrp="1"/>
+          </p:cNvSpPr>
+          <p:nvPr>
+            <p:ph type="sldNum" idx="5"/>
+          </p:nvPr>
+        </p:nvSpPr>
+        <p:spPr/>
+        <p:txBody>
+          <a:bodyPr/>
+          <a:p>
+            <a:fld id="{FB3FD292-330A-4A66-8368-2D11C4895DC7}" type="slidenum">
+              <a:t>&lt;#&gt;</a:t>
+            </a:fld>
+          </a:p>
+        </p:txBody>
+      </p:sp>
+      <p:sp>
+        <p:nvSpPr>
+          <p:cNvPr id="4" name="PlaceHolder 3"/>
+          <p:cNvSpPr>
+            <a:spLocks noGrp="1"/>
+          </p:cNvSpPr>
+          <p:nvPr>
+            <p:ph type="dt" idx="6"/>
+          </p:nvPr>
+        </p:nvSpPr>
+        <p:spPr/>
+        <p:txBody>
+          <a:bodyPr/>
+          <a:p>
+            <a:r>
+              <a:rPr lang="fr-FR"/>
+              <a:t/>
+            </a:r>
+          </a:p>
+        </p:txBody>
+      </p:sp>
+    </p:spTree>
+  </p:cSld>
+</p:sldLayout>
+</file>
+
+<file path=ppt/slideLayouts/slideLayout14.xml><?xml version="1.0" encoding="utf-8"?>
+<p:sldLayout xmlns:a="http://schemas.openxmlformats.org/drawingml/2006/main" xmlns:p="http://schemas.openxmlformats.org/presentationml/2006/main" xmlns:r="http://schemas.openxmlformats.org/officeDocument/2006/relationships" xmlns:p14="http://schemas.microsoft.com/office/powerpoint/2010/main" xmlns:p15="http://schemas.microsoft.com/office/powerpoint/2012/main" xmlns:mc="http://schemas.openxmlformats.org/markup-compatibility/2006" type="tx" preserve="1">
+  <p:cSld name="Title Slide">
+    <p:spTree>
+      <p:nvGrpSpPr>
+        <p:cNvPr id="1" name=""/>
+        <p:cNvGrpSpPr/>
+        <p:nvPr/>
+      </p:nvGrpSpPr>
+      <p:grpSpPr>
+        <a:xfrm>
+          <a:off x="0" y="0"/>
+          <a:ext cx="0" cy="0"/>
+          <a:chOff x="0" y="0"/>
+          <a:chExt cx="0" cy="0"/>
+        </a:xfrm>
+      </p:grpSpPr>
+      <p:sp>
+        <p:nvSpPr>
+          <p:cNvPr id="60" name="PlaceHolder 1"/>
+          <p:cNvSpPr>
+            <a:spLocks noGrp="1"/>
+          </p:cNvSpPr>
+          <p:nvPr>
+            <p:ph type="title"/>
+          </p:nvPr>
+        </p:nvSpPr>
+        <p:spPr>
+          <a:xfrm>
+            <a:off x="457200" y="273600"/>
+            <a:ext cx="8229240" cy="1144800"/>
+          </a:xfrm>
+          <a:prstGeom prst="rect">
+            <a:avLst/>
+          </a:prstGeom>
+          <a:noFill/>
+          <a:ln w="0">
+            <a:noFill/>
+          </a:ln>
+        </p:spPr>
+        <p:txBody>
+          <a:bodyPr lIns="0" rIns="0" tIns="0" bIns="0" anchor="ctr">
+            <a:noAutofit/>
+          </a:bodyPr>
+          <a:p>
+            <a:pPr indent="0" algn="ctr">
+              <a:buNone/>
+            </a:pPr>
+            <a:endParaRPr b="0" lang="fr-FR" sz="4400" spc="-1" strike="noStrike">
+              <a:solidFill>
+                <a:srgbClr val="000000"/>
+              </a:solidFill>
+              <a:latin typeface="Arial"/>
+            </a:endParaRPr>
+          </a:p>
+        </p:txBody>
+      </p:sp>
+      <p:sp>
+        <p:nvSpPr>
+          <p:cNvPr id="61" name="PlaceHolder 2"/>
+          <p:cNvSpPr>
+            <a:spLocks noGrp="1"/>
+          </p:cNvSpPr>
+          <p:nvPr>
+            <p:ph type="subTitle"/>
+          </p:nvPr>
+        </p:nvSpPr>
+        <p:spPr>
+          <a:xfrm>
+            <a:off x="457200" y="1604520"/>
+            <a:ext cx="8229240" cy="3977280"/>
+          </a:xfrm>
+          <a:prstGeom prst="rect">
+            <a:avLst/>
+          </a:prstGeom>
+          <a:noFill/>
+          <a:ln w="0">
+            <a:noFill/>
+          </a:ln>
+        </p:spPr>
+        <p:txBody>
+          <a:bodyPr lIns="0" rIns="0" tIns="0" bIns="0" anchor="ctr">
+            <a:noAutofit/>
+          </a:bodyPr>
+          <a:p>
+            <a:pPr indent="0" algn="ctr">
+              <a:buNone/>
+            </a:pPr>
+            <a:endParaRPr b="0" lang="fr-FR" sz="3200" spc="-1" strike="noStrike">
+              <a:solidFill>
+                <a:srgbClr val="000000"/>
+              </a:solidFill>
+              <a:latin typeface="Arial"/>
+            </a:endParaRPr>
+          </a:p>
+        </p:txBody>
+      </p:sp>
+      <p:sp>
+        <p:nvSpPr>
+          <p:cNvPr id="4" name="PlaceHolder 3"/>
+          <p:cNvSpPr>
+            <a:spLocks noGrp="1"/>
+          </p:cNvSpPr>
+          <p:nvPr>
+            <p:ph type="ftr" idx="4"/>
+          </p:nvPr>
+        </p:nvSpPr>
+        <p:spPr/>
+        <p:txBody>
+          <a:bodyPr/>
+          <a:p>
+            <a:r>
+              <a:t>Footer</a:t>
+            </a:r>
+          </a:p>
+        </p:txBody>
+      </p:sp>
+      <p:sp>
+        <p:nvSpPr>
+          <p:cNvPr id="5" name="PlaceHolder 4"/>
+          <p:cNvSpPr>
+            <a:spLocks noGrp="1"/>
+          </p:cNvSpPr>
+          <p:nvPr>
+            <p:ph type="sldNum" idx="5"/>
+          </p:nvPr>
+        </p:nvSpPr>
+        <p:spPr/>
+        <p:txBody>
+          <a:bodyPr/>
+          <a:p>
+            <a:fld id="{044B75D7-4122-4BB8-BD20-54593DB16807}" type="slidenum">
+              <a:t>&lt;#&gt;</a:t>
+            </a:fld>
+          </a:p>
+        </p:txBody>
+      </p:sp>
+      <p:sp>
+        <p:nvSpPr>
+          <p:cNvPr id="6" name="PlaceHolder 5"/>
+          <p:cNvSpPr>
+            <a:spLocks noGrp="1"/>
+          </p:cNvSpPr>
+          <p:nvPr>
+            <p:ph type="dt" idx="6"/>
+          </p:nvPr>
+        </p:nvSpPr>
+        <p:spPr/>
+        <p:txBody>
+          <a:bodyPr/>
+          <a:p>
+            <a:r>
+              <a:rPr lang="fr-FR"/>
+              <a:t/>
+            </a:r>
+          </a:p>
+        </p:txBody>
+      </p:sp>
+    </p:spTree>
+  </p:cSld>
+</p:sldLayout>
+</file>
+
+<file path=ppt/slideLayouts/slideLayout15.xml><?xml version="1.0" encoding="utf-8"?>
+<p:sldLayout xmlns:a="http://schemas.openxmlformats.org/drawingml/2006/main" xmlns:p="http://schemas.openxmlformats.org/presentationml/2006/main" xmlns:r="http://schemas.openxmlformats.org/officeDocument/2006/relationships" xmlns:p14="http://schemas.microsoft.com/office/powerpoint/2010/main" xmlns:p15="http://schemas.microsoft.com/office/powerpoint/2012/main" xmlns:mc="http://schemas.openxmlformats.org/markup-compatibility/2006" type="obj" preserve="1">
+  <p:cSld name="Title, Content">
+    <p:spTree>
+      <p:nvGrpSpPr>
+        <p:cNvPr id="1" name=""/>
+        <p:cNvGrpSpPr/>
+        <p:nvPr/>
+      </p:nvGrpSpPr>
+      <p:grpSpPr>
+        <a:xfrm>
+          <a:off x="0" y="0"/>
+          <a:ext cx="0" cy="0"/>
+          <a:chOff x="0" y="0"/>
+          <a:chExt cx="0" cy="0"/>
+        </a:xfrm>
+      </p:grpSpPr>
+      <p:sp>
+        <p:nvSpPr>
+          <p:cNvPr id="62" name="PlaceHolder 1"/>
+          <p:cNvSpPr>
+            <a:spLocks noGrp="1"/>
+          </p:cNvSpPr>
+          <p:nvPr>
+            <p:ph type="title"/>
+          </p:nvPr>
+        </p:nvSpPr>
+        <p:spPr>
+          <a:xfrm>
+            <a:off x="457200" y="273600"/>
+            <a:ext cx="8229240" cy="1144800"/>
+          </a:xfrm>
+          <a:prstGeom prst="rect">
+            <a:avLst/>
+          </a:prstGeom>
+          <a:noFill/>
+          <a:ln w="0">
+            <a:noFill/>
+          </a:ln>
+        </p:spPr>
+        <p:txBody>
+          <a:bodyPr lIns="0" rIns="0" tIns="0" bIns="0" anchor="ctr">
+            <a:noAutofit/>
+          </a:bodyPr>
+          <a:p>
+            <a:pPr indent="0" algn="ctr">
+              <a:buNone/>
+            </a:pPr>
+            <a:endParaRPr b="0" lang="fr-FR" sz="4400" spc="-1" strike="noStrike">
+              <a:solidFill>
+                <a:srgbClr val="000000"/>
+              </a:solidFill>
+              <a:latin typeface="Arial"/>
+            </a:endParaRPr>
+          </a:p>
+        </p:txBody>
+      </p:sp>
+      <p:sp>
+        <p:nvSpPr>
+          <p:cNvPr id="63" name="PlaceHolder 2"/>
+          <p:cNvSpPr>
+            <a:spLocks noGrp="1"/>
+          </p:cNvSpPr>
+          <p:nvPr>
+            <p:ph/>
+          </p:nvPr>
+        </p:nvSpPr>
+        <p:spPr>
+          <a:xfrm>
+            <a:off x="457200" y="1604520"/>
+            <a:ext cx="8229240" cy="3977280"/>
+          </a:xfrm>
+          <a:prstGeom prst="rect">
+            <a:avLst/>
+          </a:prstGeom>
+          <a:noFill/>
+          <a:ln w="0">
+            <a:noFill/>
+          </a:ln>
+        </p:spPr>
+        <p:txBody>
+          <a:bodyPr lIns="0" rIns="0" tIns="0" bIns="0" anchor="t">
+            <a:normAutofit/>
+          </a:bodyPr>
+          <a:p>
+            <a:pPr indent="0">
+              <a:spcBef>
+                <a:spcPts val="1417"/>
+              </a:spcBef>
+              <a:buNone/>
+            </a:pPr>
+            <a:endParaRPr b="0" lang="fr-FR" sz="3200" spc="-1" strike="noStrike">
+              <a:solidFill>
+                <a:srgbClr val="000000"/>
+              </a:solidFill>
+              <a:latin typeface="Arial"/>
+            </a:endParaRPr>
+          </a:p>
+        </p:txBody>
+      </p:sp>
+      <p:sp>
+        <p:nvSpPr>
+          <p:cNvPr id="4" name="PlaceHolder 3"/>
+          <p:cNvSpPr>
+            <a:spLocks noGrp="1"/>
+          </p:cNvSpPr>
+          <p:nvPr>
+            <p:ph type="ftr" idx="4"/>
+          </p:nvPr>
+        </p:nvSpPr>
+        <p:spPr/>
+        <p:txBody>
+          <a:bodyPr/>
+          <a:p>
+            <a:r>
+              <a:t>Footer</a:t>
+            </a:r>
+          </a:p>
+        </p:txBody>
+      </p:sp>
+      <p:sp>
+        <p:nvSpPr>
+          <p:cNvPr id="5" name="PlaceHolder 4"/>
+          <p:cNvSpPr>
+            <a:spLocks noGrp="1"/>
+          </p:cNvSpPr>
+          <p:nvPr>
+            <p:ph type="sldNum" idx="5"/>
+          </p:nvPr>
+        </p:nvSpPr>
+        <p:spPr/>
+        <p:txBody>
+          <a:bodyPr/>
+          <a:p>
+            <a:fld id="{2BA333CB-5032-4F6C-9D03-A918CDA2AE43}" type="slidenum">
+              <a:t>&lt;#&gt;</a:t>
+            </a:fld>
+          </a:p>
+        </p:txBody>
+      </p:sp>
+      <p:sp>
+        <p:nvSpPr>
+          <p:cNvPr id="6" name="PlaceHolder 5"/>
+          <p:cNvSpPr>
+            <a:spLocks noGrp="1"/>
+          </p:cNvSpPr>
+          <p:nvPr>
+            <p:ph type="dt" idx="6"/>
+          </p:nvPr>
+        </p:nvSpPr>
+        <p:spPr/>
+        <p:txBody>
+          <a:bodyPr/>
+          <a:p>
+            <a:r>
+              <a:rPr lang="fr-FR"/>
+              <a:t/>
+            </a:r>
+          </a:p>
+        </p:txBody>
+      </p:sp>
+    </p:spTree>
+  </p:cSld>
+</p:sldLayout>
+</file>
+
+<file path=ppt/slideLayouts/slideLayout16.xml><?xml version="1.0" encoding="utf-8"?>
+<p:sldLayout xmlns:a="http://schemas.openxmlformats.org/drawingml/2006/main" xmlns:p="http://schemas.openxmlformats.org/presentationml/2006/main" xmlns:r="http://schemas.openxmlformats.org/officeDocument/2006/relationships" xmlns:p14="http://schemas.microsoft.com/office/powerpoint/2010/main" xmlns:p15="http://schemas.microsoft.com/office/powerpoint/2012/main" xmlns:mc="http://schemas.openxmlformats.org/markup-compatibility/2006" type="twoObj" preserve="1">
+  <p:cSld name="Title, 2 Content">
+    <p:spTree>
+      <p:nvGrpSpPr>
+        <p:cNvPr id="1" name=""/>
+        <p:cNvGrpSpPr/>
+        <p:nvPr/>
+      </p:nvGrpSpPr>
+      <p:grpSpPr>
+        <a:xfrm>
+          <a:off x="0" y="0"/>
+          <a:ext cx="0" cy="0"/>
+          <a:chOff x="0" y="0"/>
+          <a:chExt cx="0" cy="0"/>
+        </a:xfrm>
+      </p:grpSpPr>
+      <p:sp>
+        <p:nvSpPr>
+          <p:cNvPr id="64" name="PlaceHolder 1"/>
+          <p:cNvSpPr>
+            <a:spLocks noGrp="1"/>
+          </p:cNvSpPr>
+          <p:nvPr>
+            <p:ph type="title"/>
+          </p:nvPr>
+        </p:nvSpPr>
+        <p:spPr>
+          <a:xfrm>
+            <a:off x="457200" y="273600"/>
+            <a:ext cx="8229240" cy="1144800"/>
+          </a:xfrm>
+          <a:prstGeom prst="rect">
+            <a:avLst/>
+          </a:prstGeom>
+          <a:noFill/>
+          <a:ln w="0">
+            <a:noFill/>
+          </a:ln>
+        </p:spPr>
+        <p:txBody>
+          <a:bodyPr lIns="0" rIns="0" tIns="0" bIns="0" anchor="ctr">
+            <a:noAutofit/>
+          </a:bodyPr>
+          <a:p>
+            <a:pPr indent="0" algn="ctr">
+              <a:buNone/>
+            </a:pPr>
+            <a:endParaRPr b="0" lang="fr-FR" sz="4400" spc="-1" strike="noStrike">
+              <a:solidFill>
+                <a:srgbClr val="000000"/>
+              </a:solidFill>
+              <a:latin typeface="Arial"/>
+            </a:endParaRPr>
+          </a:p>
+        </p:txBody>
+      </p:sp>
+      <p:sp>
+        <p:nvSpPr>
+          <p:cNvPr id="65" name="PlaceHolder 2"/>
+          <p:cNvSpPr>
+            <a:spLocks noGrp="1"/>
+          </p:cNvSpPr>
+          <p:nvPr>
+            <p:ph/>
+          </p:nvPr>
+        </p:nvSpPr>
+        <p:spPr>
+          <a:xfrm>
+            <a:off x="457200" y="1604520"/>
+            <a:ext cx="4015800" cy="3977280"/>
+          </a:xfrm>
+          <a:prstGeom prst="rect">
+            <a:avLst/>
+          </a:prstGeom>
+          <a:noFill/>
+          <a:ln w="0">
+            <a:noFill/>
+          </a:ln>
+        </p:spPr>
+        <p:txBody>
+          <a:bodyPr lIns="0" rIns="0" tIns="0" bIns="0" anchor="t">
+            <a:normAutofit/>
+          </a:bodyPr>
+          <a:p>
+            <a:pPr indent="0">
+              <a:spcBef>
+                <a:spcPts val="1417"/>
+              </a:spcBef>
+              <a:buNone/>
+            </a:pPr>
+            <a:endParaRPr b="0" lang="fr-FR" sz="3200" spc="-1" strike="noStrike">
+              <a:solidFill>
+                <a:srgbClr val="000000"/>
+              </a:solidFill>
+              <a:latin typeface="Arial"/>
+            </a:endParaRPr>
+          </a:p>
+        </p:txBody>
+      </p:sp>
+      <p:sp>
+        <p:nvSpPr>
+          <p:cNvPr id="66" name="PlaceHolder 3"/>
+          <p:cNvSpPr>
+            <a:spLocks noGrp="1"/>
+          </p:cNvSpPr>
+          <p:nvPr>
+            <p:ph/>
+          </p:nvPr>
+        </p:nvSpPr>
+        <p:spPr>
+          <a:xfrm>
+            <a:off x="4674240" y="1604520"/>
+            <a:ext cx="4015800" cy="3977280"/>
+          </a:xfrm>
+          <a:prstGeom prst="rect">
+            <a:avLst/>
+          </a:prstGeom>
+          <a:noFill/>
+          <a:ln w="0">
+            <a:noFill/>
+          </a:ln>
+        </p:spPr>
+        <p:txBody>
+          <a:bodyPr lIns="0" rIns="0" tIns="0" bIns="0" anchor="t">
+            <a:normAutofit/>
+          </a:bodyPr>
+          <a:p>
+            <a:pPr indent="0">
+              <a:spcBef>
+                <a:spcPts val="1417"/>
+              </a:spcBef>
+              <a:buNone/>
+            </a:pPr>
+            <a:endParaRPr b="0" lang="fr-FR" sz="3200" spc="-1" strike="noStrike">
+              <a:solidFill>
+                <a:srgbClr val="000000"/>
+              </a:solidFill>
+              <a:latin typeface="Arial"/>
+            </a:endParaRPr>
+          </a:p>
+        </p:txBody>
+      </p:sp>
+      <p:sp>
+        <p:nvSpPr>
+          <p:cNvPr id="5" name="PlaceHolder 4"/>
+          <p:cNvSpPr>
+            <a:spLocks noGrp="1"/>
+          </p:cNvSpPr>
+          <p:nvPr>
+            <p:ph type="ftr" idx="4"/>
+          </p:nvPr>
+        </p:nvSpPr>
+        <p:spPr/>
+        <p:txBody>
+          <a:bodyPr/>
+          <a:p>
+            <a:r>
+              <a:t>Footer</a:t>
+            </a:r>
+          </a:p>
+        </p:txBody>
+      </p:sp>
+      <p:sp>
+        <p:nvSpPr>
+          <p:cNvPr id="6" name="PlaceHolder 5"/>
+          <p:cNvSpPr>
+            <a:spLocks noGrp="1"/>
+          </p:cNvSpPr>
+          <p:nvPr>
+            <p:ph type="sldNum" idx="5"/>
+          </p:nvPr>
+        </p:nvSpPr>
+        <p:spPr/>
+        <p:txBody>
+          <a:bodyPr/>
+          <a:p>
+            <a:fld id="{2CC07D9A-3749-4261-8594-5021B95BFF9A}" type="slidenum">
+              <a:t>&lt;#&gt;</a:t>
+            </a:fld>
+          </a:p>
+        </p:txBody>
+      </p:sp>
+      <p:sp>
+        <p:nvSpPr>
+          <p:cNvPr id="7" name="PlaceHolder 6"/>
+          <p:cNvSpPr>
+            <a:spLocks noGrp="1"/>
+          </p:cNvSpPr>
+          <p:nvPr>
+            <p:ph type="dt" idx="6"/>
+          </p:nvPr>
+        </p:nvSpPr>
+        <p:spPr/>
+        <p:txBody>
+          <a:bodyPr/>
+          <a:p>
+            <a:r>
+              <a:rPr lang="fr-FR"/>
+              <a:t/>
+            </a:r>
+          </a:p>
+        </p:txBody>
+      </p:sp>
+    </p:spTree>
+  </p:cSld>
+</p:sldLayout>
+</file>
+
+<file path=ppt/slideLayouts/slideLayout17.xml><?xml version="1.0" encoding="utf-8"?>
+<p:sldLayout xmlns:a="http://schemas.openxmlformats.org/drawingml/2006/main" xmlns:p="http://schemas.openxmlformats.org/presentationml/2006/main" xmlns:r="http://schemas.openxmlformats.org/officeDocument/2006/relationships" xmlns:p14="http://schemas.microsoft.com/office/powerpoint/2010/main" xmlns:p15="http://schemas.microsoft.com/office/powerpoint/2012/main" xmlns:mc="http://schemas.openxmlformats.org/markup-compatibility/2006" type="titleOnly" preserve="1">
+  <p:cSld name="Title Only">
+    <p:spTree>
+      <p:nvGrpSpPr>
+        <p:cNvPr id="1" name=""/>
+        <p:cNvGrpSpPr/>
+        <p:nvPr/>
+      </p:nvGrpSpPr>
+      <p:grpSpPr>
+        <a:xfrm>
+          <a:off x="0" y="0"/>
+          <a:ext cx="0" cy="0"/>
+          <a:chOff x="0" y="0"/>
+          <a:chExt cx="0" cy="0"/>
+        </a:xfrm>
+      </p:grpSpPr>
+      <p:sp>
+        <p:nvSpPr>
+          <p:cNvPr id="67" name="PlaceHolder 1"/>
+          <p:cNvSpPr>
+            <a:spLocks noGrp="1"/>
+          </p:cNvSpPr>
+          <p:nvPr>
+            <p:ph type="title"/>
+          </p:nvPr>
+        </p:nvSpPr>
+        <p:spPr>
+          <a:xfrm>
+            <a:off x="457200" y="273600"/>
+            <a:ext cx="8229240" cy="1144800"/>
+          </a:xfrm>
+          <a:prstGeom prst="rect">
+            <a:avLst/>
+          </a:prstGeom>
+          <a:noFill/>
+          <a:ln w="0">
+            <a:noFill/>
+          </a:ln>
+        </p:spPr>
+        <p:txBody>
+          <a:bodyPr lIns="0" rIns="0" tIns="0" bIns="0" anchor="ctr">
+            <a:noAutofit/>
+          </a:bodyPr>
+          <a:p>
+            <a:pPr indent="0" algn="ctr">
+              <a:buNone/>
+            </a:pPr>
+            <a:endParaRPr b="0" lang="fr-FR" sz="4400" spc="-1" strike="noStrike">
+              <a:solidFill>
+                <a:srgbClr val="000000"/>
+              </a:solidFill>
+              <a:latin typeface="Arial"/>
+            </a:endParaRPr>
+          </a:p>
+        </p:txBody>
+      </p:sp>
+      <p:sp>
+        <p:nvSpPr>
+          <p:cNvPr id="3" name="PlaceHolder 2"/>
+          <p:cNvSpPr>
+            <a:spLocks noGrp="1"/>
+          </p:cNvSpPr>
+          <p:nvPr>
+            <p:ph type="ftr" idx="4"/>
+          </p:nvPr>
+        </p:nvSpPr>
+        <p:spPr/>
+        <p:txBody>
+          <a:bodyPr/>
+          <a:p>
+            <a:r>
+              <a:t>Footer</a:t>
+            </a:r>
+          </a:p>
+        </p:txBody>
+      </p:sp>
+      <p:sp>
+        <p:nvSpPr>
+          <p:cNvPr id="4" name="PlaceHolder 3"/>
+          <p:cNvSpPr>
+            <a:spLocks noGrp="1"/>
+          </p:cNvSpPr>
+          <p:nvPr>
+            <p:ph type="sldNum" idx="5"/>
+          </p:nvPr>
+        </p:nvSpPr>
+        <p:spPr/>
+        <p:txBody>
+          <a:bodyPr/>
+          <a:p>
+            <a:fld id="{B0BFEB66-AB1B-472E-9E90-ACA14C81BAE6}" type="slidenum">
+              <a:t>&lt;#&gt;</a:t>
+            </a:fld>
+          </a:p>
+        </p:txBody>
+      </p:sp>
+      <p:sp>
+        <p:nvSpPr>
+          <p:cNvPr id="5" name="PlaceHolder 4"/>
+          <p:cNvSpPr>
+            <a:spLocks noGrp="1"/>
+          </p:cNvSpPr>
+          <p:nvPr>
+            <p:ph type="dt" idx="6"/>
+          </p:nvPr>
+        </p:nvSpPr>
+        <p:spPr/>
+        <p:txBody>
+          <a:bodyPr/>
+          <a:p>
+            <a:r>
+              <a:rPr lang="fr-FR"/>
+              <a:t/>
+            </a:r>
+          </a:p>
+        </p:txBody>
+      </p:sp>
+    </p:spTree>
+  </p:cSld>
+</p:sldLayout>
+</file>
+
+<file path=ppt/slideLayouts/slideLayout18.xml><?xml version="1.0" encoding="utf-8"?>
+<p:sldLayout xmlns:a="http://schemas.openxmlformats.org/drawingml/2006/main" xmlns:p="http://schemas.openxmlformats.org/presentationml/2006/main" xmlns:r="http://schemas.openxmlformats.org/officeDocument/2006/relationships" xmlns:p14="http://schemas.microsoft.com/office/powerpoint/2010/main" xmlns:p15="http://schemas.microsoft.com/office/powerpoint/2012/main" xmlns:mc="http://schemas.openxmlformats.org/markup-compatibility/2006" type="objOnly" preserve="1">
+  <p:cSld name="Centered Text">
+    <p:spTree>
+      <p:nvGrpSpPr>
+        <p:cNvPr id="1" name=""/>
+        <p:cNvGrpSpPr/>
+        <p:nvPr/>
+      </p:nvGrpSpPr>
+      <p:grpSpPr>
+        <a:xfrm>
+          <a:off x="0" y="0"/>
+          <a:ext cx="0" cy="0"/>
+          <a:chOff x="0" y="0"/>
+          <a:chExt cx="0" cy="0"/>
+        </a:xfrm>
+      </p:grpSpPr>
+      <p:sp>
+        <p:nvSpPr>
+          <p:cNvPr id="68" name="PlaceHolder 1"/>
+          <p:cNvSpPr>
+            <a:spLocks noGrp="1"/>
+          </p:cNvSpPr>
+          <p:nvPr>
+            <p:ph type="subTitle"/>
+          </p:nvPr>
+        </p:nvSpPr>
+        <p:spPr>
+          <a:xfrm>
+            <a:off x="457200" y="273600"/>
+            <a:ext cx="8229240" cy="5307840"/>
+          </a:xfrm>
+          <a:prstGeom prst="rect">
+            <a:avLst/>
+          </a:prstGeom>
+          <a:noFill/>
+          <a:ln w="0">
+            <a:noFill/>
+          </a:ln>
+        </p:spPr>
+        <p:txBody>
+          <a:bodyPr lIns="0" rIns="0" tIns="0" bIns="0" anchor="ctr">
+            <a:noAutofit/>
+          </a:bodyPr>
+          <a:p>
+            <a:pPr algn="ctr"/>
+            <a:endParaRPr b="0" lang="fr-FR" sz="3200" spc="-1" strike="noStrike">
+              <a:solidFill>
+                <a:srgbClr val="000000"/>
+              </a:solidFill>
+              <a:latin typeface="Arial"/>
+            </a:endParaRPr>
+          </a:p>
+        </p:txBody>
+      </p:sp>
+      <p:sp>
+        <p:nvSpPr>
+          <p:cNvPr id="3" name="PlaceHolder 2"/>
+          <p:cNvSpPr>
+            <a:spLocks noGrp="1"/>
+          </p:cNvSpPr>
+          <p:nvPr>
+            <p:ph type="ftr" idx="4"/>
+          </p:nvPr>
+        </p:nvSpPr>
+        <p:spPr/>
+        <p:txBody>
+          <a:bodyPr/>
+          <a:p>
+            <a:r>
+              <a:t>Footer</a:t>
+            </a:r>
+          </a:p>
+        </p:txBody>
+      </p:sp>
+      <p:sp>
+        <p:nvSpPr>
+          <p:cNvPr id="4" name="PlaceHolder 3"/>
+          <p:cNvSpPr>
+            <a:spLocks noGrp="1"/>
+          </p:cNvSpPr>
+          <p:nvPr>
+            <p:ph type="sldNum" idx="5"/>
+          </p:nvPr>
+        </p:nvSpPr>
+        <p:spPr/>
+        <p:txBody>
+          <a:bodyPr/>
+          <a:p>
+            <a:fld id="{35032B0D-AFC7-479D-BF05-75C67F1A5009}" type="slidenum">
+              <a:t>&lt;#&gt;</a:t>
+            </a:fld>
+          </a:p>
+        </p:txBody>
+      </p:sp>
+      <p:sp>
+        <p:nvSpPr>
+          <p:cNvPr id="5" name="PlaceHolder 4"/>
+          <p:cNvSpPr>
+            <a:spLocks noGrp="1"/>
+          </p:cNvSpPr>
+          <p:nvPr>
+            <p:ph type="dt" idx="6"/>
+          </p:nvPr>
+        </p:nvSpPr>
+        <p:spPr/>
+        <p:txBody>
+          <a:bodyPr/>
+          <a:p>
+            <a:r>
+              <a:rPr lang="fr-FR"/>
+              <a:t/>
+            </a:r>
+          </a:p>
+        </p:txBody>
+      </p:sp>
+    </p:spTree>
+  </p:cSld>
+</p:sldLayout>
+</file>
+
+<file path=ppt/slideLayouts/slideLayout19.xml><?xml version="1.0" encoding="utf-8"?>
+<p:sldLayout xmlns:a="http://schemas.openxmlformats.org/drawingml/2006/main" xmlns:p="http://schemas.openxmlformats.org/presentationml/2006/main" xmlns:r="http://schemas.openxmlformats.org/officeDocument/2006/relationships" xmlns:p14="http://schemas.microsoft.com/office/powerpoint/2010/main" xmlns:p15="http://schemas.microsoft.com/office/powerpoint/2012/main" xmlns:mc="http://schemas.openxmlformats.org/markup-compatibility/2006" type="twoObjAndObj" preserve="1">
+  <p:cSld name="Title, 2 Content and Content">
+    <p:spTree>
+      <p:nvGrpSpPr>
+        <p:cNvPr id="1" name=""/>
+        <p:cNvGrpSpPr/>
+        <p:nvPr/>
+      </p:nvGrpSpPr>
+      <p:grpSpPr>
+        <a:xfrm>
+          <a:off x="0" y="0"/>
+          <a:ext cx="0" cy="0"/>
+          <a:chOff x="0" y="0"/>
+          <a:chExt cx="0" cy="0"/>
+        </a:xfrm>
+      </p:grpSpPr>
+      <p:sp>
+        <p:nvSpPr>
+          <p:cNvPr id="69" name="PlaceHolder 1"/>
+          <p:cNvSpPr>
+            <a:spLocks noGrp="1"/>
+          </p:cNvSpPr>
+          <p:nvPr>
+            <p:ph type="title"/>
+          </p:nvPr>
+        </p:nvSpPr>
+        <p:spPr>
+          <a:xfrm>
+            <a:off x="457200" y="273600"/>
+            <a:ext cx="8229240" cy="1144800"/>
+          </a:xfrm>
+          <a:prstGeom prst="rect">
+            <a:avLst/>
+          </a:prstGeom>
+          <a:noFill/>
+          <a:ln w="0">
+            <a:noFill/>
+          </a:ln>
+        </p:spPr>
+        <p:txBody>
+          <a:bodyPr lIns="0" rIns="0" tIns="0" bIns="0" anchor="ctr">
+            <a:noAutofit/>
+          </a:bodyPr>
+          <a:p>
+            <a:pPr indent="0" algn="ctr">
+              <a:buNone/>
+            </a:pPr>
+            <a:endParaRPr b="0" lang="fr-FR" sz="4400" spc="-1" strike="noStrike">
+              <a:solidFill>
+                <a:srgbClr val="000000"/>
+              </a:solidFill>
+              <a:latin typeface="Arial"/>
+            </a:endParaRPr>
+          </a:p>
+        </p:txBody>
+      </p:sp>
+      <p:sp>
+        <p:nvSpPr>
+          <p:cNvPr id="70" name="PlaceHolder 2"/>
+          <p:cNvSpPr>
+            <a:spLocks noGrp="1"/>
+          </p:cNvSpPr>
+          <p:nvPr>
+            <p:ph/>
+          </p:nvPr>
+        </p:nvSpPr>
+        <p:spPr>
+          <a:xfrm>
+            <a:off x="457200" y="1604520"/>
+            <a:ext cx="4015800" cy="1896840"/>
+          </a:xfrm>
+          <a:prstGeom prst="rect">
+            <a:avLst/>
+          </a:prstGeom>
+          <a:noFill/>
+          <a:ln w="0">
+            <a:noFill/>
+          </a:ln>
+        </p:spPr>
+        <p:txBody>
+          <a:bodyPr lIns="0" rIns="0" tIns="0" bIns="0" anchor="t">
+            <a:normAutofit/>
+          </a:bodyPr>
+          <a:p>
+            <a:pPr indent="0">
+              <a:spcBef>
+                <a:spcPts val="1417"/>
+              </a:spcBef>
+              <a:buNone/>
+            </a:pPr>
+            <a:endParaRPr b="0" lang="fr-FR" sz="3200" spc="-1" strike="noStrike">
+              <a:solidFill>
+                <a:srgbClr val="000000"/>
+              </a:solidFill>
+              <a:latin typeface="Arial"/>
+            </a:endParaRPr>
+          </a:p>
+        </p:txBody>
+      </p:sp>
+      <p:sp>
+        <p:nvSpPr>
+          <p:cNvPr id="71" name="PlaceHolder 3"/>
+          <p:cNvSpPr>
+            <a:spLocks noGrp="1"/>
+          </p:cNvSpPr>
+          <p:nvPr>
+            <p:ph/>
+          </p:nvPr>
+        </p:nvSpPr>
+        <p:spPr>
+          <a:xfrm>
+            <a:off x="4674240" y="1604520"/>
+            <a:ext cx="4015800" cy="3977280"/>
+          </a:xfrm>
+          <a:prstGeom prst="rect">
+            <a:avLst/>
+          </a:prstGeom>
+          <a:noFill/>
+          <a:ln w="0">
+            <a:noFill/>
+          </a:ln>
+        </p:spPr>
+        <p:txBody>
+          <a:bodyPr lIns="0" rIns="0" tIns="0" bIns="0" anchor="t">
+            <a:normAutofit/>
+          </a:bodyPr>
+          <a:p>
+            <a:pPr indent="0">
+              <a:spcBef>
+                <a:spcPts val="1417"/>
+              </a:spcBef>
+              <a:buNone/>
+            </a:pPr>
+            <a:endParaRPr b="0" lang="fr-FR" sz="3200" spc="-1" strike="noStrike">
+              <a:solidFill>
+                <a:srgbClr val="000000"/>
+              </a:solidFill>
+              <a:latin typeface="Arial"/>
+            </a:endParaRPr>
+          </a:p>
+        </p:txBody>
+      </p:sp>
+      <p:sp>
+        <p:nvSpPr>
+          <p:cNvPr id="72" name="PlaceHolder 4"/>
+          <p:cNvSpPr>
+            <a:spLocks noGrp="1"/>
+          </p:cNvSpPr>
+          <p:nvPr>
+            <p:ph/>
+          </p:nvPr>
+        </p:nvSpPr>
+        <p:spPr>
+          <a:xfrm>
+            <a:off x="457200" y="3682080"/>
+            <a:ext cx="4015800" cy="1896840"/>
+          </a:xfrm>
+          <a:prstGeom prst="rect">
+            <a:avLst/>
+          </a:prstGeom>
+          <a:noFill/>
+          <a:ln w="0">
+            <a:noFill/>
+          </a:ln>
+        </p:spPr>
+        <p:txBody>
+          <a:bodyPr lIns="0" rIns="0" tIns="0" bIns="0" anchor="t">
+            <a:normAutofit/>
+          </a:bodyPr>
+          <a:p>
+            <a:pPr indent="0">
+              <a:spcBef>
+                <a:spcPts val="1417"/>
+              </a:spcBef>
+              <a:buNone/>
+            </a:pPr>
+            <a:endParaRPr b="0" lang="fr-FR" sz="3200" spc="-1" strike="noStrike">
+              <a:solidFill>
+                <a:srgbClr val="000000"/>
+              </a:solidFill>
+              <a:latin typeface="Arial"/>
+            </a:endParaRPr>
+          </a:p>
+        </p:txBody>
+      </p:sp>
+      <p:sp>
+        <p:nvSpPr>
+          <p:cNvPr id="6" name="PlaceHolder 5"/>
+          <p:cNvSpPr>
+            <a:spLocks noGrp="1"/>
+          </p:cNvSpPr>
+          <p:nvPr>
+            <p:ph type="ftr" idx="4"/>
+          </p:nvPr>
+        </p:nvSpPr>
+        <p:spPr/>
+        <p:txBody>
+          <a:bodyPr/>
+          <a:p>
+            <a:r>
+              <a:t>Footer</a:t>
+            </a:r>
+          </a:p>
+        </p:txBody>
+      </p:sp>
+      <p:sp>
+        <p:nvSpPr>
+          <p:cNvPr id="7" name="PlaceHolder 6"/>
+          <p:cNvSpPr>
+            <a:spLocks noGrp="1"/>
+          </p:cNvSpPr>
+          <p:nvPr>
+            <p:ph type="sldNum" idx="5"/>
+          </p:nvPr>
+        </p:nvSpPr>
+        <p:spPr/>
+        <p:txBody>
+          <a:bodyPr/>
+          <a:p>
+            <a:fld id="{C8B06386-DAEA-481E-AE96-F780F5FC1807}" type="slidenum">
+              <a:t>&lt;#&gt;</a:t>
+            </a:fld>
+          </a:p>
+        </p:txBody>
+      </p:sp>
+      <p:sp>
+        <p:nvSpPr>
+          <p:cNvPr id="8" name="PlaceHolder 7"/>
+          <p:cNvSpPr>
+            <a:spLocks noGrp="1"/>
+          </p:cNvSpPr>
+          <p:nvPr>
+            <p:ph type="dt" idx="6"/>
           </p:nvPr>
         </p:nvSpPr>
         <p:spPr/>
@@ -1800,7 +2930,7 @@
         <p:txBody>
           <a:bodyPr/>
           <a:p>
-            <a:fld id="{A9831FC6-A1C4-4CCE-A104-31DA0B021694}" type="slidenum">
+            <a:fld id="{D9207E82-C3B6-455B-926A-829279EC9296}" type="slidenum">
               <a:t>&lt;#&gt;</a:t>
             </a:fld>
           </a:p>
@@ -1814,6 +2944,1395 @@
           </p:cNvSpPr>
           <p:nvPr>
             <p:ph type="dt" idx="3"/>
+          </p:nvPr>
+        </p:nvSpPr>
+        <p:spPr/>
+        <p:txBody>
+          <a:bodyPr/>
+          <a:p>
+            <a:r>
+              <a:rPr lang="fr-FR"/>
+              <a:t/>
+            </a:r>
+          </a:p>
+        </p:txBody>
+      </p:sp>
+    </p:spTree>
+  </p:cSld>
+</p:sldLayout>
+</file>
+
+<file path=ppt/slideLayouts/slideLayout20.xml><?xml version="1.0" encoding="utf-8"?>
+<p:sldLayout xmlns:a="http://schemas.openxmlformats.org/drawingml/2006/main" xmlns:p="http://schemas.openxmlformats.org/presentationml/2006/main" xmlns:r="http://schemas.openxmlformats.org/officeDocument/2006/relationships" xmlns:p14="http://schemas.microsoft.com/office/powerpoint/2010/main" xmlns:p15="http://schemas.microsoft.com/office/powerpoint/2012/main" xmlns:mc="http://schemas.openxmlformats.org/markup-compatibility/2006" type="objAndTwoObj" preserve="1">
+  <p:cSld name="Title Content and 2 Content">
+    <p:spTree>
+      <p:nvGrpSpPr>
+        <p:cNvPr id="1" name=""/>
+        <p:cNvGrpSpPr/>
+        <p:nvPr/>
+      </p:nvGrpSpPr>
+      <p:grpSpPr>
+        <a:xfrm>
+          <a:off x="0" y="0"/>
+          <a:ext cx="0" cy="0"/>
+          <a:chOff x="0" y="0"/>
+          <a:chExt cx="0" cy="0"/>
+        </a:xfrm>
+      </p:grpSpPr>
+      <p:sp>
+        <p:nvSpPr>
+          <p:cNvPr id="73" name="PlaceHolder 1"/>
+          <p:cNvSpPr>
+            <a:spLocks noGrp="1"/>
+          </p:cNvSpPr>
+          <p:nvPr>
+            <p:ph type="title"/>
+          </p:nvPr>
+        </p:nvSpPr>
+        <p:spPr>
+          <a:xfrm>
+            <a:off x="457200" y="273600"/>
+            <a:ext cx="8229240" cy="1144800"/>
+          </a:xfrm>
+          <a:prstGeom prst="rect">
+            <a:avLst/>
+          </a:prstGeom>
+          <a:noFill/>
+          <a:ln w="0">
+            <a:noFill/>
+          </a:ln>
+        </p:spPr>
+        <p:txBody>
+          <a:bodyPr lIns="0" rIns="0" tIns="0" bIns="0" anchor="ctr">
+            <a:noAutofit/>
+          </a:bodyPr>
+          <a:p>
+            <a:pPr indent="0" algn="ctr">
+              <a:buNone/>
+            </a:pPr>
+            <a:endParaRPr b="0" lang="fr-FR" sz="4400" spc="-1" strike="noStrike">
+              <a:solidFill>
+                <a:srgbClr val="000000"/>
+              </a:solidFill>
+              <a:latin typeface="Arial"/>
+            </a:endParaRPr>
+          </a:p>
+        </p:txBody>
+      </p:sp>
+      <p:sp>
+        <p:nvSpPr>
+          <p:cNvPr id="74" name="PlaceHolder 2"/>
+          <p:cNvSpPr>
+            <a:spLocks noGrp="1"/>
+          </p:cNvSpPr>
+          <p:nvPr>
+            <p:ph/>
+          </p:nvPr>
+        </p:nvSpPr>
+        <p:spPr>
+          <a:xfrm>
+            <a:off x="457200" y="1604520"/>
+            <a:ext cx="4015800" cy="3977280"/>
+          </a:xfrm>
+          <a:prstGeom prst="rect">
+            <a:avLst/>
+          </a:prstGeom>
+          <a:noFill/>
+          <a:ln w="0">
+            <a:noFill/>
+          </a:ln>
+        </p:spPr>
+        <p:txBody>
+          <a:bodyPr lIns="0" rIns="0" tIns="0" bIns="0" anchor="t">
+            <a:normAutofit/>
+          </a:bodyPr>
+          <a:p>
+            <a:pPr indent="0">
+              <a:spcBef>
+                <a:spcPts val="1417"/>
+              </a:spcBef>
+              <a:buNone/>
+            </a:pPr>
+            <a:endParaRPr b="0" lang="fr-FR" sz="3200" spc="-1" strike="noStrike">
+              <a:solidFill>
+                <a:srgbClr val="000000"/>
+              </a:solidFill>
+              <a:latin typeface="Arial"/>
+            </a:endParaRPr>
+          </a:p>
+        </p:txBody>
+      </p:sp>
+      <p:sp>
+        <p:nvSpPr>
+          <p:cNvPr id="75" name="PlaceHolder 3"/>
+          <p:cNvSpPr>
+            <a:spLocks noGrp="1"/>
+          </p:cNvSpPr>
+          <p:nvPr>
+            <p:ph/>
+          </p:nvPr>
+        </p:nvSpPr>
+        <p:spPr>
+          <a:xfrm>
+            <a:off x="4674240" y="1604520"/>
+            <a:ext cx="4015800" cy="1896840"/>
+          </a:xfrm>
+          <a:prstGeom prst="rect">
+            <a:avLst/>
+          </a:prstGeom>
+          <a:noFill/>
+          <a:ln w="0">
+            <a:noFill/>
+          </a:ln>
+        </p:spPr>
+        <p:txBody>
+          <a:bodyPr lIns="0" rIns="0" tIns="0" bIns="0" anchor="t">
+            <a:normAutofit/>
+          </a:bodyPr>
+          <a:p>
+            <a:pPr indent="0">
+              <a:spcBef>
+                <a:spcPts val="1417"/>
+              </a:spcBef>
+              <a:buNone/>
+            </a:pPr>
+            <a:endParaRPr b="0" lang="fr-FR" sz="3200" spc="-1" strike="noStrike">
+              <a:solidFill>
+                <a:srgbClr val="000000"/>
+              </a:solidFill>
+              <a:latin typeface="Arial"/>
+            </a:endParaRPr>
+          </a:p>
+        </p:txBody>
+      </p:sp>
+      <p:sp>
+        <p:nvSpPr>
+          <p:cNvPr id="76" name="PlaceHolder 4"/>
+          <p:cNvSpPr>
+            <a:spLocks noGrp="1"/>
+          </p:cNvSpPr>
+          <p:nvPr>
+            <p:ph/>
+          </p:nvPr>
+        </p:nvSpPr>
+        <p:spPr>
+          <a:xfrm>
+            <a:off x="4674240" y="3682080"/>
+            <a:ext cx="4015800" cy="1896840"/>
+          </a:xfrm>
+          <a:prstGeom prst="rect">
+            <a:avLst/>
+          </a:prstGeom>
+          <a:noFill/>
+          <a:ln w="0">
+            <a:noFill/>
+          </a:ln>
+        </p:spPr>
+        <p:txBody>
+          <a:bodyPr lIns="0" rIns="0" tIns="0" bIns="0" anchor="t">
+            <a:normAutofit/>
+          </a:bodyPr>
+          <a:p>
+            <a:pPr indent="0">
+              <a:spcBef>
+                <a:spcPts val="1417"/>
+              </a:spcBef>
+              <a:buNone/>
+            </a:pPr>
+            <a:endParaRPr b="0" lang="fr-FR" sz="3200" spc="-1" strike="noStrike">
+              <a:solidFill>
+                <a:srgbClr val="000000"/>
+              </a:solidFill>
+              <a:latin typeface="Arial"/>
+            </a:endParaRPr>
+          </a:p>
+        </p:txBody>
+      </p:sp>
+      <p:sp>
+        <p:nvSpPr>
+          <p:cNvPr id="6" name="PlaceHolder 5"/>
+          <p:cNvSpPr>
+            <a:spLocks noGrp="1"/>
+          </p:cNvSpPr>
+          <p:nvPr>
+            <p:ph type="ftr" idx="4"/>
+          </p:nvPr>
+        </p:nvSpPr>
+        <p:spPr/>
+        <p:txBody>
+          <a:bodyPr/>
+          <a:p>
+            <a:r>
+              <a:t>Footer</a:t>
+            </a:r>
+          </a:p>
+        </p:txBody>
+      </p:sp>
+      <p:sp>
+        <p:nvSpPr>
+          <p:cNvPr id="7" name="PlaceHolder 6"/>
+          <p:cNvSpPr>
+            <a:spLocks noGrp="1"/>
+          </p:cNvSpPr>
+          <p:nvPr>
+            <p:ph type="sldNum" idx="5"/>
+          </p:nvPr>
+        </p:nvSpPr>
+        <p:spPr/>
+        <p:txBody>
+          <a:bodyPr/>
+          <a:p>
+            <a:fld id="{5882F50F-E3EB-4764-BCF0-CCFB22F6ACA3}" type="slidenum">
+              <a:t>&lt;#&gt;</a:t>
+            </a:fld>
+          </a:p>
+        </p:txBody>
+      </p:sp>
+      <p:sp>
+        <p:nvSpPr>
+          <p:cNvPr id="8" name="PlaceHolder 7"/>
+          <p:cNvSpPr>
+            <a:spLocks noGrp="1"/>
+          </p:cNvSpPr>
+          <p:nvPr>
+            <p:ph type="dt" idx="6"/>
+          </p:nvPr>
+        </p:nvSpPr>
+        <p:spPr/>
+        <p:txBody>
+          <a:bodyPr/>
+          <a:p>
+            <a:r>
+              <a:rPr lang="fr-FR"/>
+              <a:t/>
+            </a:r>
+          </a:p>
+        </p:txBody>
+      </p:sp>
+    </p:spTree>
+  </p:cSld>
+</p:sldLayout>
+</file>
+
+<file path=ppt/slideLayouts/slideLayout21.xml><?xml version="1.0" encoding="utf-8"?>
+<p:sldLayout xmlns:a="http://schemas.openxmlformats.org/drawingml/2006/main" xmlns:p="http://schemas.openxmlformats.org/presentationml/2006/main" xmlns:r="http://schemas.openxmlformats.org/officeDocument/2006/relationships" xmlns:p14="http://schemas.microsoft.com/office/powerpoint/2010/main" xmlns:p15="http://schemas.microsoft.com/office/powerpoint/2012/main" xmlns:mc="http://schemas.openxmlformats.org/markup-compatibility/2006" type="twoObjOverTx" preserve="1">
+  <p:cSld name="Title, 2 Content over Content">
+    <p:spTree>
+      <p:nvGrpSpPr>
+        <p:cNvPr id="1" name=""/>
+        <p:cNvGrpSpPr/>
+        <p:nvPr/>
+      </p:nvGrpSpPr>
+      <p:grpSpPr>
+        <a:xfrm>
+          <a:off x="0" y="0"/>
+          <a:ext cx="0" cy="0"/>
+          <a:chOff x="0" y="0"/>
+          <a:chExt cx="0" cy="0"/>
+        </a:xfrm>
+      </p:grpSpPr>
+      <p:sp>
+        <p:nvSpPr>
+          <p:cNvPr id="77" name="PlaceHolder 1"/>
+          <p:cNvSpPr>
+            <a:spLocks noGrp="1"/>
+          </p:cNvSpPr>
+          <p:nvPr>
+            <p:ph type="title"/>
+          </p:nvPr>
+        </p:nvSpPr>
+        <p:spPr>
+          <a:xfrm>
+            <a:off x="457200" y="273600"/>
+            <a:ext cx="8229240" cy="1144800"/>
+          </a:xfrm>
+          <a:prstGeom prst="rect">
+            <a:avLst/>
+          </a:prstGeom>
+          <a:noFill/>
+          <a:ln w="0">
+            <a:noFill/>
+          </a:ln>
+        </p:spPr>
+        <p:txBody>
+          <a:bodyPr lIns="0" rIns="0" tIns="0" bIns="0" anchor="ctr">
+            <a:noAutofit/>
+          </a:bodyPr>
+          <a:p>
+            <a:pPr indent="0" algn="ctr">
+              <a:buNone/>
+            </a:pPr>
+            <a:endParaRPr b="0" lang="fr-FR" sz="4400" spc="-1" strike="noStrike">
+              <a:solidFill>
+                <a:srgbClr val="000000"/>
+              </a:solidFill>
+              <a:latin typeface="Arial"/>
+            </a:endParaRPr>
+          </a:p>
+        </p:txBody>
+      </p:sp>
+      <p:sp>
+        <p:nvSpPr>
+          <p:cNvPr id="78" name="PlaceHolder 2"/>
+          <p:cNvSpPr>
+            <a:spLocks noGrp="1"/>
+          </p:cNvSpPr>
+          <p:nvPr>
+            <p:ph/>
+          </p:nvPr>
+        </p:nvSpPr>
+        <p:spPr>
+          <a:xfrm>
+            <a:off x="457200" y="1604520"/>
+            <a:ext cx="4015800" cy="1896840"/>
+          </a:xfrm>
+          <a:prstGeom prst="rect">
+            <a:avLst/>
+          </a:prstGeom>
+          <a:noFill/>
+          <a:ln w="0">
+            <a:noFill/>
+          </a:ln>
+        </p:spPr>
+        <p:txBody>
+          <a:bodyPr lIns="0" rIns="0" tIns="0" bIns="0" anchor="t">
+            <a:normAutofit/>
+          </a:bodyPr>
+          <a:p>
+            <a:pPr indent="0">
+              <a:spcBef>
+                <a:spcPts val="1417"/>
+              </a:spcBef>
+              <a:buNone/>
+            </a:pPr>
+            <a:endParaRPr b="0" lang="fr-FR" sz="3200" spc="-1" strike="noStrike">
+              <a:solidFill>
+                <a:srgbClr val="000000"/>
+              </a:solidFill>
+              <a:latin typeface="Arial"/>
+            </a:endParaRPr>
+          </a:p>
+        </p:txBody>
+      </p:sp>
+      <p:sp>
+        <p:nvSpPr>
+          <p:cNvPr id="79" name="PlaceHolder 3"/>
+          <p:cNvSpPr>
+            <a:spLocks noGrp="1"/>
+          </p:cNvSpPr>
+          <p:nvPr>
+            <p:ph/>
+          </p:nvPr>
+        </p:nvSpPr>
+        <p:spPr>
+          <a:xfrm>
+            <a:off x="4674240" y="1604520"/>
+            <a:ext cx="4015800" cy="1896840"/>
+          </a:xfrm>
+          <a:prstGeom prst="rect">
+            <a:avLst/>
+          </a:prstGeom>
+          <a:noFill/>
+          <a:ln w="0">
+            <a:noFill/>
+          </a:ln>
+        </p:spPr>
+        <p:txBody>
+          <a:bodyPr lIns="0" rIns="0" tIns="0" bIns="0" anchor="t">
+            <a:normAutofit/>
+          </a:bodyPr>
+          <a:p>
+            <a:pPr indent="0">
+              <a:spcBef>
+                <a:spcPts val="1417"/>
+              </a:spcBef>
+              <a:buNone/>
+            </a:pPr>
+            <a:endParaRPr b="0" lang="fr-FR" sz="3200" spc="-1" strike="noStrike">
+              <a:solidFill>
+                <a:srgbClr val="000000"/>
+              </a:solidFill>
+              <a:latin typeface="Arial"/>
+            </a:endParaRPr>
+          </a:p>
+        </p:txBody>
+      </p:sp>
+      <p:sp>
+        <p:nvSpPr>
+          <p:cNvPr id="80" name="PlaceHolder 4"/>
+          <p:cNvSpPr>
+            <a:spLocks noGrp="1"/>
+          </p:cNvSpPr>
+          <p:nvPr>
+            <p:ph/>
+          </p:nvPr>
+        </p:nvSpPr>
+        <p:spPr>
+          <a:xfrm>
+            <a:off x="457200" y="3682080"/>
+            <a:ext cx="8229240" cy="1896840"/>
+          </a:xfrm>
+          <a:prstGeom prst="rect">
+            <a:avLst/>
+          </a:prstGeom>
+          <a:noFill/>
+          <a:ln w="0">
+            <a:noFill/>
+          </a:ln>
+        </p:spPr>
+        <p:txBody>
+          <a:bodyPr lIns="0" rIns="0" tIns="0" bIns="0" anchor="t">
+            <a:normAutofit/>
+          </a:bodyPr>
+          <a:p>
+            <a:pPr indent="0">
+              <a:spcBef>
+                <a:spcPts val="1417"/>
+              </a:spcBef>
+              <a:buNone/>
+            </a:pPr>
+            <a:endParaRPr b="0" lang="fr-FR" sz="3200" spc="-1" strike="noStrike">
+              <a:solidFill>
+                <a:srgbClr val="000000"/>
+              </a:solidFill>
+              <a:latin typeface="Arial"/>
+            </a:endParaRPr>
+          </a:p>
+        </p:txBody>
+      </p:sp>
+      <p:sp>
+        <p:nvSpPr>
+          <p:cNvPr id="6" name="PlaceHolder 5"/>
+          <p:cNvSpPr>
+            <a:spLocks noGrp="1"/>
+          </p:cNvSpPr>
+          <p:nvPr>
+            <p:ph type="ftr" idx="4"/>
+          </p:nvPr>
+        </p:nvSpPr>
+        <p:spPr/>
+        <p:txBody>
+          <a:bodyPr/>
+          <a:p>
+            <a:r>
+              <a:t>Footer</a:t>
+            </a:r>
+          </a:p>
+        </p:txBody>
+      </p:sp>
+      <p:sp>
+        <p:nvSpPr>
+          <p:cNvPr id="7" name="PlaceHolder 6"/>
+          <p:cNvSpPr>
+            <a:spLocks noGrp="1"/>
+          </p:cNvSpPr>
+          <p:nvPr>
+            <p:ph type="sldNum" idx="5"/>
+          </p:nvPr>
+        </p:nvSpPr>
+        <p:spPr/>
+        <p:txBody>
+          <a:bodyPr/>
+          <a:p>
+            <a:fld id="{98AD632E-5095-4136-A183-7776FD3E0735}" type="slidenum">
+              <a:t>&lt;#&gt;</a:t>
+            </a:fld>
+          </a:p>
+        </p:txBody>
+      </p:sp>
+      <p:sp>
+        <p:nvSpPr>
+          <p:cNvPr id="8" name="PlaceHolder 7"/>
+          <p:cNvSpPr>
+            <a:spLocks noGrp="1"/>
+          </p:cNvSpPr>
+          <p:nvPr>
+            <p:ph type="dt" idx="6"/>
+          </p:nvPr>
+        </p:nvSpPr>
+        <p:spPr/>
+        <p:txBody>
+          <a:bodyPr/>
+          <a:p>
+            <a:r>
+              <a:rPr lang="fr-FR"/>
+              <a:t/>
+            </a:r>
+          </a:p>
+        </p:txBody>
+      </p:sp>
+    </p:spTree>
+  </p:cSld>
+</p:sldLayout>
+</file>
+
+<file path=ppt/slideLayouts/slideLayout22.xml><?xml version="1.0" encoding="utf-8"?>
+<p:sldLayout xmlns:a="http://schemas.openxmlformats.org/drawingml/2006/main" xmlns:p="http://schemas.openxmlformats.org/presentationml/2006/main" xmlns:r="http://schemas.openxmlformats.org/officeDocument/2006/relationships" xmlns:p14="http://schemas.microsoft.com/office/powerpoint/2010/main" xmlns:p15="http://schemas.microsoft.com/office/powerpoint/2012/main" xmlns:mc="http://schemas.openxmlformats.org/markup-compatibility/2006" type="objOverTx" preserve="1">
+  <p:cSld name="Title, Content over Content">
+    <p:spTree>
+      <p:nvGrpSpPr>
+        <p:cNvPr id="1" name=""/>
+        <p:cNvGrpSpPr/>
+        <p:nvPr/>
+      </p:nvGrpSpPr>
+      <p:grpSpPr>
+        <a:xfrm>
+          <a:off x="0" y="0"/>
+          <a:ext cx="0" cy="0"/>
+          <a:chOff x="0" y="0"/>
+          <a:chExt cx="0" cy="0"/>
+        </a:xfrm>
+      </p:grpSpPr>
+      <p:sp>
+        <p:nvSpPr>
+          <p:cNvPr id="81" name="PlaceHolder 1"/>
+          <p:cNvSpPr>
+            <a:spLocks noGrp="1"/>
+          </p:cNvSpPr>
+          <p:nvPr>
+            <p:ph type="title"/>
+          </p:nvPr>
+        </p:nvSpPr>
+        <p:spPr>
+          <a:xfrm>
+            <a:off x="457200" y="273600"/>
+            <a:ext cx="8229240" cy="1144800"/>
+          </a:xfrm>
+          <a:prstGeom prst="rect">
+            <a:avLst/>
+          </a:prstGeom>
+          <a:noFill/>
+          <a:ln w="0">
+            <a:noFill/>
+          </a:ln>
+        </p:spPr>
+        <p:txBody>
+          <a:bodyPr lIns="0" rIns="0" tIns="0" bIns="0" anchor="ctr">
+            <a:noAutofit/>
+          </a:bodyPr>
+          <a:p>
+            <a:pPr indent="0" algn="ctr">
+              <a:buNone/>
+            </a:pPr>
+            <a:endParaRPr b="0" lang="fr-FR" sz="4400" spc="-1" strike="noStrike">
+              <a:solidFill>
+                <a:srgbClr val="000000"/>
+              </a:solidFill>
+              <a:latin typeface="Arial"/>
+            </a:endParaRPr>
+          </a:p>
+        </p:txBody>
+      </p:sp>
+      <p:sp>
+        <p:nvSpPr>
+          <p:cNvPr id="82" name="PlaceHolder 2"/>
+          <p:cNvSpPr>
+            <a:spLocks noGrp="1"/>
+          </p:cNvSpPr>
+          <p:nvPr>
+            <p:ph/>
+          </p:nvPr>
+        </p:nvSpPr>
+        <p:spPr>
+          <a:xfrm>
+            <a:off x="457200" y="1604520"/>
+            <a:ext cx="8229240" cy="1896840"/>
+          </a:xfrm>
+          <a:prstGeom prst="rect">
+            <a:avLst/>
+          </a:prstGeom>
+          <a:noFill/>
+          <a:ln w="0">
+            <a:noFill/>
+          </a:ln>
+        </p:spPr>
+        <p:txBody>
+          <a:bodyPr lIns="0" rIns="0" tIns="0" bIns="0" anchor="t">
+            <a:normAutofit/>
+          </a:bodyPr>
+          <a:p>
+            <a:pPr indent="0">
+              <a:spcBef>
+                <a:spcPts val="1417"/>
+              </a:spcBef>
+              <a:buNone/>
+            </a:pPr>
+            <a:endParaRPr b="0" lang="fr-FR" sz="3200" spc="-1" strike="noStrike">
+              <a:solidFill>
+                <a:srgbClr val="000000"/>
+              </a:solidFill>
+              <a:latin typeface="Arial"/>
+            </a:endParaRPr>
+          </a:p>
+        </p:txBody>
+      </p:sp>
+      <p:sp>
+        <p:nvSpPr>
+          <p:cNvPr id="83" name="PlaceHolder 3"/>
+          <p:cNvSpPr>
+            <a:spLocks noGrp="1"/>
+          </p:cNvSpPr>
+          <p:nvPr>
+            <p:ph/>
+          </p:nvPr>
+        </p:nvSpPr>
+        <p:spPr>
+          <a:xfrm>
+            <a:off x="457200" y="3682080"/>
+            <a:ext cx="8229240" cy="1896840"/>
+          </a:xfrm>
+          <a:prstGeom prst="rect">
+            <a:avLst/>
+          </a:prstGeom>
+          <a:noFill/>
+          <a:ln w="0">
+            <a:noFill/>
+          </a:ln>
+        </p:spPr>
+        <p:txBody>
+          <a:bodyPr lIns="0" rIns="0" tIns="0" bIns="0" anchor="t">
+            <a:normAutofit/>
+          </a:bodyPr>
+          <a:p>
+            <a:pPr indent="0">
+              <a:spcBef>
+                <a:spcPts val="1417"/>
+              </a:spcBef>
+              <a:buNone/>
+            </a:pPr>
+            <a:endParaRPr b="0" lang="fr-FR" sz="3200" spc="-1" strike="noStrike">
+              <a:solidFill>
+                <a:srgbClr val="000000"/>
+              </a:solidFill>
+              <a:latin typeface="Arial"/>
+            </a:endParaRPr>
+          </a:p>
+        </p:txBody>
+      </p:sp>
+      <p:sp>
+        <p:nvSpPr>
+          <p:cNvPr id="5" name="PlaceHolder 4"/>
+          <p:cNvSpPr>
+            <a:spLocks noGrp="1"/>
+          </p:cNvSpPr>
+          <p:nvPr>
+            <p:ph type="ftr" idx="4"/>
+          </p:nvPr>
+        </p:nvSpPr>
+        <p:spPr/>
+        <p:txBody>
+          <a:bodyPr/>
+          <a:p>
+            <a:r>
+              <a:t>Footer</a:t>
+            </a:r>
+          </a:p>
+        </p:txBody>
+      </p:sp>
+      <p:sp>
+        <p:nvSpPr>
+          <p:cNvPr id="6" name="PlaceHolder 5"/>
+          <p:cNvSpPr>
+            <a:spLocks noGrp="1"/>
+          </p:cNvSpPr>
+          <p:nvPr>
+            <p:ph type="sldNum" idx="5"/>
+          </p:nvPr>
+        </p:nvSpPr>
+        <p:spPr/>
+        <p:txBody>
+          <a:bodyPr/>
+          <a:p>
+            <a:fld id="{A2702119-83D0-4EF6-9C1A-D76C9E1DB808}" type="slidenum">
+              <a:t>&lt;#&gt;</a:t>
+            </a:fld>
+          </a:p>
+        </p:txBody>
+      </p:sp>
+      <p:sp>
+        <p:nvSpPr>
+          <p:cNvPr id="7" name="PlaceHolder 6"/>
+          <p:cNvSpPr>
+            <a:spLocks noGrp="1"/>
+          </p:cNvSpPr>
+          <p:nvPr>
+            <p:ph type="dt" idx="6"/>
+          </p:nvPr>
+        </p:nvSpPr>
+        <p:spPr/>
+        <p:txBody>
+          <a:bodyPr/>
+          <a:p>
+            <a:r>
+              <a:rPr lang="fr-FR"/>
+              <a:t/>
+            </a:r>
+          </a:p>
+        </p:txBody>
+      </p:sp>
+    </p:spTree>
+  </p:cSld>
+</p:sldLayout>
+</file>
+
+<file path=ppt/slideLayouts/slideLayout23.xml><?xml version="1.0" encoding="utf-8"?>
+<p:sldLayout xmlns:a="http://schemas.openxmlformats.org/drawingml/2006/main" xmlns:p="http://schemas.openxmlformats.org/presentationml/2006/main" xmlns:r="http://schemas.openxmlformats.org/officeDocument/2006/relationships" xmlns:p14="http://schemas.microsoft.com/office/powerpoint/2010/main" xmlns:p15="http://schemas.microsoft.com/office/powerpoint/2012/main" xmlns:mc="http://schemas.openxmlformats.org/markup-compatibility/2006" type="fourObj" preserve="1">
+  <p:cSld name="Title, 4 Content">
+    <p:spTree>
+      <p:nvGrpSpPr>
+        <p:cNvPr id="1" name=""/>
+        <p:cNvGrpSpPr/>
+        <p:nvPr/>
+      </p:nvGrpSpPr>
+      <p:grpSpPr>
+        <a:xfrm>
+          <a:off x="0" y="0"/>
+          <a:ext cx="0" cy="0"/>
+          <a:chOff x="0" y="0"/>
+          <a:chExt cx="0" cy="0"/>
+        </a:xfrm>
+      </p:grpSpPr>
+      <p:sp>
+        <p:nvSpPr>
+          <p:cNvPr id="84" name="PlaceHolder 1"/>
+          <p:cNvSpPr>
+            <a:spLocks noGrp="1"/>
+          </p:cNvSpPr>
+          <p:nvPr>
+            <p:ph type="title"/>
+          </p:nvPr>
+        </p:nvSpPr>
+        <p:spPr>
+          <a:xfrm>
+            <a:off x="457200" y="273600"/>
+            <a:ext cx="8229240" cy="1144800"/>
+          </a:xfrm>
+          <a:prstGeom prst="rect">
+            <a:avLst/>
+          </a:prstGeom>
+          <a:noFill/>
+          <a:ln w="0">
+            <a:noFill/>
+          </a:ln>
+        </p:spPr>
+        <p:txBody>
+          <a:bodyPr lIns="0" rIns="0" tIns="0" bIns="0" anchor="ctr">
+            <a:noAutofit/>
+          </a:bodyPr>
+          <a:p>
+            <a:pPr indent="0" algn="ctr">
+              <a:buNone/>
+            </a:pPr>
+            <a:endParaRPr b="0" lang="fr-FR" sz="4400" spc="-1" strike="noStrike">
+              <a:solidFill>
+                <a:srgbClr val="000000"/>
+              </a:solidFill>
+              <a:latin typeface="Arial"/>
+            </a:endParaRPr>
+          </a:p>
+        </p:txBody>
+      </p:sp>
+      <p:sp>
+        <p:nvSpPr>
+          <p:cNvPr id="85" name="PlaceHolder 2"/>
+          <p:cNvSpPr>
+            <a:spLocks noGrp="1"/>
+          </p:cNvSpPr>
+          <p:nvPr>
+            <p:ph/>
+          </p:nvPr>
+        </p:nvSpPr>
+        <p:spPr>
+          <a:xfrm>
+            <a:off x="457200" y="1604520"/>
+            <a:ext cx="4015800" cy="1896840"/>
+          </a:xfrm>
+          <a:prstGeom prst="rect">
+            <a:avLst/>
+          </a:prstGeom>
+          <a:noFill/>
+          <a:ln w="0">
+            <a:noFill/>
+          </a:ln>
+        </p:spPr>
+        <p:txBody>
+          <a:bodyPr lIns="0" rIns="0" tIns="0" bIns="0" anchor="t">
+            <a:normAutofit/>
+          </a:bodyPr>
+          <a:p>
+            <a:pPr indent="0">
+              <a:spcBef>
+                <a:spcPts val="1417"/>
+              </a:spcBef>
+              <a:buNone/>
+            </a:pPr>
+            <a:endParaRPr b="0" lang="fr-FR" sz="3200" spc="-1" strike="noStrike">
+              <a:solidFill>
+                <a:srgbClr val="000000"/>
+              </a:solidFill>
+              <a:latin typeface="Arial"/>
+            </a:endParaRPr>
+          </a:p>
+        </p:txBody>
+      </p:sp>
+      <p:sp>
+        <p:nvSpPr>
+          <p:cNvPr id="86" name="PlaceHolder 3"/>
+          <p:cNvSpPr>
+            <a:spLocks noGrp="1"/>
+          </p:cNvSpPr>
+          <p:nvPr>
+            <p:ph/>
+          </p:nvPr>
+        </p:nvSpPr>
+        <p:spPr>
+          <a:xfrm>
+            <a:off x="4674240" y="1604520"/>
+            <a:ext cx="4015800" cy="1896840"/>
+          </a:xfrm>
+          <a:prstGeom prst="rect">
+            <a:avLst/>
+          </a:prstGeom>
+          <a:noFill/>
+          <a:ln w="0">
+            <a:noFill/>
+          </a:ln>
+        </p:spPr>
+        <p:txBody>
+          <a:bodyPr lIns="0" rIns="0" tIns="0" bIns="0" anchor="t">
+            <a:normAutofit/>
+          </a:bodyPr>
+          <a:p>
+            <a:pPr indent="0">
+              <a:spcBef>
+                <a:spcPts val="1417"/>
+              </a:spcBef>
+              <a:buNone/>
+            </a:pPr>
+            <a:endParaRPr b="0" lang="fr-FR" sz="3200" spc="-1" strike="noStrike">
+              <a:solidFill>
+                <a:srgbClr val="000000"/>
+              </a:solidFill>
+              <a:latin typeface="Arial"/>
+            </a:endParaRPr>
+          </a:p>
+        </p:txBody>
+      </p:sp>
+      <p:sp>
+        <p:nvSpPr>
+          <p:cNvPr id="87" name="PlaceHolder 4"/>
+          <p:cNvSpPr>
+            <a:spLocks noGrp="1"/>
+          </p:cNvSpPr>
+          <p:nvPr>
+            <p:ph/>
+          </p:nvPr>
+        </p:nvSpPr>
+        <p:spPr>
+          <a:xfrm>
+            <a:off x="457200" y="3682080"/>
+            <a:ext cx="4015800" cy="1896840"/>
+          </a:xfrm>
+          <a:prstGeom prst="rect">
+            <a:avLst/>
+          </a:prstGeom>
+          <a:noFill/>
+          <a:ln w="0">
+            <a:noFill/>
+          </a:ln>
+        </p:spPr>
+        <p:txBody>
+          <a:bodyPr lIns="0" rIns="0" tIns="0" bIns="0" anchor="t">
+            <a:normAutofit/>
+          </a:bodyPr>
+          <a:p>
+            <a:pPr indent="0">
+              <a:spcBef>
+                <a:spcPts val="1417"/>
+              </a:spcBef>
+              <a:buNone/>
+            </a:pPr>
+            <a:endParaRPr b="0" lang="fr-FR" sz="3200" spc="-1" strike="noStrike">
+              <a:solidFill>
+                <a:srgbClr val="000000"/>
+              </a:solidFill>
+              <a:latin typeface="Arial"/>
+            </a:endParaRPr>
+          </a:p>
+        </p:txBody>
+      </p:sp>
+      <p:sp>
+        <p:nvSpPr>
+          <p:cNvPr id="88" name="PlaceHolder 5"/>
+          <p:cNvSpPr>
+            <a:spLocks noGrp="1"/>
+          </p:cNvSpPr>
+          <p:nvPr>
+            <p:ph/>
+          </p:nvPr>
+        </p:nvSpPr>
+        <p:spPr>
+          <a:xfrm>
+            <a:off x="4674240" y="3682080"/>
+            <a:ext cx="4015800" cy="1896840"/>
+          </a:xfrm>
+          <a:prstGeom prst="rect">
+            <a:avLst/>
+          </a:prstGeom>
+          <a:noFill/>
+          <a:ln w="0">
+            <a:noFill/>
+          </a:ln>
+        </p:spPr>
+        <p:txBody>
+          <a:bodyPr lIns="0" rIns="0" tIns="0" bIns="0" anchor="t">
+            <a:normAutofit/>
+          </a:bodyPr>
+          <a:p>
+            <a:pPr indent="0">
+              <a:spcBef>
+                <a:spcPts val="1417"/>
+              </a:spcBef>
+              <a:buNone/>
+            </a:pPr>
+            <a:endParaRPr b="0" lang="fr-FR" sz="3200" spc="-1" strike="noStrike">
+              <a:solidFill>
+                <a:srgbClr val="000000"/>
+              </a:solidFill>
+              <a:latin typeface="Arial"/>
+            </a:endParaRPr>
+          </a:p>
+        </p:txBody>
+      </p:sp>
+      <p:sp>
+        <p:nvSpPr>
+          <p:cNvPr id="7" name="PlaceHolder 6"/>
+          <p:cNvSpPr>
+            <a:spLocks noGrp="1"/>
+          </p:cNvSpPr>
+          <p:nvPr>
+            <p:ph type="ftr" idx="4"/>
+          </p:nvPr>
+        </p:nvSpPr>
+        <p:spPr/>
+        <p:txBody>
+          <a:bodyPr/>
+          <a:p>
+            <a:r>
+              <a:t>Footer</a:t>
+            </a:r>
+          </a:p>
+        </p:txBody>
+      </p:sp>
+      <p:sp>
+        <p:nvSpPr>
+          <p:cNvPr id="8" name="PlaceHolder 7"/>
+          <p:cNvSpPr>
+            <a:spLocks noGrp="1"/>
+          </p:cNvSpPr>
+          <p:nvPr>
+            <p:ph type="sldNum" idx="5"/>
+          </p:nvPr>
+        </p:nvSpPr>
+        <p:spPr/>
+        <p:txBody>
+          <a:bodyPr/>
+          <a:p>
+            <a:fld id="{C29C77FF-6374-41AB-9864-315E3DF26437}" type="slidenum">
+              <a:t>&lt;#&gt;</a:t>
+            </a:fld>
+          </a:p>
+        </p:txBody>
+      </p:sp>
+      <p:sp>
+        <p:nvSpPr>
+          <p:cNvPr id="9" name="PlaceHolder 8"/>
+          <p:cNvSpPr>
+            <a:spLocks noGrp="1"/>
+          </p:cNvSpPr>
+          <p:nvPr>
+            <p:ph type="dt" idx="6"/>
+          </p:nvPr>
+        </p:nvSpPr>
+        <p:spPr/>
+        <p:txBody>
+          <a:bodyPr/>
+          <a:p>
+            <a:r>
+              <a:rPr lang="fr-FR"/>
+              <a:t/>
+            </a:r>
+          </a:p>
+        </p:txBody>
+      </p:sp>
+    </p:spTree>
+  </p:cSld>
+</p:sldLayout>
+</file>
+
+<file path=ppt/slideLayouts/slideLayout24.xml><?xml version="1.0" encoding="utf-8"?>
+<p:sldLayout xmlns:a="http://schemas.openxmlformats.org/drawingml/2006/main" xmlns:p="http://schemas.openxmlformats.org/presentationml/2006/main" xmlns:r="http://schemas.openxmlformats.org/officeDocument/2006/relationships" xmlns:p14="http://schemas.microsoft.com/office/powerpoint/2010/main" xmlns:p15="http://schemas.microsoft.com/office/powerpoint/2012/main" xmlns:mc="http://schemas.openxmlformats.org/markup-compatibility/2006" type="blank" preserve="1">
+  <p:cSld name="Title, 6 Content">
+    <p:spTree>
+      <p:nvGrpSpPr>
+        <p:cNvPr id="1" name=""/>
+        <p:cNvGrpSpPr/>
+        <p:nvPr/>
+      </p:nvGrpSpPr>
+      <p:grpSpPr>
+        <a:xfrm>
+          <a:off x="0" y="0"/>
+          <a:ext cx="0" cy="0"/>
+          <a:chOff x="0" y="0"/>
+          <a:chExt cx="0" cy="0"/>
+        </a:xfrm>
+      </p:grpSpPr>
+      <p:sp>
+        <p:nvSpPr>
+          <p:cNvPr id="89" name="PlaceHolder 1"/>
+          <p:cNvSpPr>
+            <a:spLocks noGrp="1"/>
+          </p:cNvSpPr>
+          <p:nvPr>
+            <p:ph type="title"/>
+          </p:nvPr>
+        </p:nvSpPr>
+        <p:spPr>
+          <a:xfrm>
+            <a:off x="457200" y="273600"/>
+            <a:ext cx="8229240" cy="1144800"/>
+          </a:xfrm>
+          <a:prstGeom prst="rect">
+            <a:avLst/>
+          </a:prstGeom>
+          <a:noFill/>
+          <a:ln w="0">
+            <a:noFill/>
+          </a:ln>
+        </p:spPr>
+        <p:txBody>
+          <a:bodyPr lIns="0" rIns="0" tIns="0" bIns="0" anchor="ctr">
+            <a:noAutofit/>
+          </a:bodyPr>
+          <a:p>
+            <a:pPr indent="0" algn="ctr">
+              <a:buNone/>
+            </a:pPr>
+            <a:endParaRPr b="0" lang="fr-FR" sz="4400" spc="-1" strike="noStrike">
+              <a:solidFill>
+                <a:srgbClr val="000000"/>
+              </a:solidFill>
+              <a:latin typeface="Arial"/>
+            </a:endParaRPr>
+          </a:p>
+        </p:txBody>
+      </p:sp>
+      <p:sp>
+        <p:nvSpPr>
+          <p:cNvPr id="90" name="PlaceHolder 2"/>
+          <p:cNvSpPr>
+            <a:spLocks noGrp="1"/>
+          </p:cNvSpPr>
+          <p:nvPr>
+            <p:ph/>
+          </p:nvPr>
+        </p:nvSpPr>
+        <p:spPr>
+          <a:xfrm>
+            <a:off x="457200" y="1604520"/>
+            <a:ext cx="2649600" cy="1896840"/>
+          </a:xfrm>
+          <a:prstGeom prst="rect">
+            <a:avLst/>
+          </a:prstGeom>
+          <a:noFill/>
+          <a:ln w="0">
+            <a:noFill/>
+          </a:ln>
+        </p:spPr>
+        <p:txBody>
+          <a:bodyPr lIns="0" rIns="0" tIns="0" bIns="0" anchor="t">
+            <a:normAutofit/>
+          </a:bodyPr>
+          <a:p>
+            <a:pPr indent="0">
+              <a:spcBef>
+                <a:spcPts val="1417"/>
+              </a:spcBef>
+              <a:buNone/>
+            </a:pPr>
+            <a:endParaRPr b="0" lang="fr-FR" sz="3200" spc="-1" strike="noStrike">
+              <a:solidFill>
+                <a:srgbClr val="000000"/>
+              </a:solidFill>
+              <a:latin typeface="Arial"/>
+            </a:endParaRPr>
+          </a:p>
+        </p:txBody>
+      </p:sp>
+      <p:sp>
+        <p:nvSpPr>
+          <p:cNvPr id="91" name="PlaceHolder 3"/>
+          <p:cNvSpPr>
+            <a:spLocks noGrp="1"/>
+          </p:cNvSpPr>
+          <p:nvPr>
+            <p:ph/>
+          </p:nvPr>
+        </p:nvSpPr>
+        <p:spPr>
+          <a:xfrm>
+            <a:off x="3239640" y="1604520"/>
+            <a:ext cx="2649600" cy="1896840"/>
+          </a:xfrm>
+          <a:prstGeom prst="rect">
+            <a:avLst/>
+          </a:prstGeom>
+          <a:noFill/>
+          <a:ln w="0">
+            <a:noFill/>
+          </a:ln>
+        </p:spPr>
+        <p:txBody>
+          <a:bodyPr lIns="0" rIns="0" tIns="0" bIns="0" anchor="t">
+            <a:normAutofit/>
+          </a:bodyPr>
+          <a:p>
+            <a:pPr indent="0">
+              <a:spcBef>
+                <a:spcPts val="1417"/>
+              </a:spcBef>
+              <a:buNone/>
+            </a:pPr>
+            <a:endParaRPr b="0" lang="fr-FR" sz="3200" spc="-1" strike="noStrike">
+              <a:solidFill>
+                <a:srgbClr val="000000"/>
+              </a:solidFill>
+              <a:latin typeface="Arial"/>
+            </a:endParaRPr>
+          </a:p>
+        </p:txBody>
+      </p:sp>
+      <p:sp>
+        <p:nvSpPr>
+          <p:cNvPr id="92" name="PlaceHolder 4"/>
+          <p:cNvSpPr>
+            <a:spLocks noGrp="1"/>
+          </p:cNvSpPr>
+          <p:nvPr>
+            <p:ph/>
+          </p:nvPr>
+        </p:nvSpPr>
+        <p:spPr>
+          <a:xfrm>
+            <a:off x="6022080" y="1604520"/>
+            <a:ext cx="2649600" cy="1896840"/>
+          </a:xfrm>
+          <a:prstGeom prst="rect">
+            <a:avLst/>
+          </a:prstGeom>
+          <a:noFill/>
+          <a:ln w="0">
+            <a:noFill/>
+          </a:ln>
+        </p:spPr>
+        <p:txBody>
+          <a:bodyPr lIns="0" rIns="0" tIns="0" bIns="0" anchor="t">
+            <a:normAutofit/>
+          </a:bodyPr>
+          <a:p>
+            <a:pPr indent="0">
+              <a:spcBef>
+                <a:spcPts val="1417"/>
+              </a:spcBef>
+              <a:buNone/>
+            </a:pPr>
+            <a:endParaRPr b="0" lang="fr-FR" sz="3200" spc="-1" strike="noStrike">
+              <a:solidFill>
+                <a:srgbClr val="000000"/>
+              </a:solidFill>
+              <a:latin typeface="Arial"/>
+            </a:endParaRPr>
+          </a:p>
+        </p:txBody>
+      </p:sp>
+      <p:sp>
+        <p:nvSpPr>
+          <p:cNvPr id="93" name="PlaceHolder 5"/>
+          <p:cNvSpPr>
+            <a:spLocks noGrp="1"/>
+          </p:cNvSpPr>
+          <p:nvPr>
+            <p:ph/>
+          </p:nvPr>
+        </p:nvSpPr>
+        <p:spPr>
+          <a:xfrm>
+            <a:off x="457200" y="3682080"/>
+            <a:ext cx="2649600" cy="1896840"/>
+          </a:xfrm>
+          <a:prstGeom prst="rect">
+            <a:avLst/>
+          </a:prstGeom>
+          <a:noFill/>
+          <a:ln w="0">
+            <a:noFill/>
+          </a:ln>
+        </p:spPr>
+        <p:txBody>
+          <a:bodyPr lIns="0" rIns="0" tIns="0" bIns="0" anchor="t">
+            <a:normAutofit/>
+          </a:bodyPr>
+          <a:p>
+            <a:pPr indent="0">
+              <a:spcBef>
+                <a:spcPts val="1417"/>
+              </a:spcBef>
+              <a:buNone/>
+            </a:pPr>
+            <a:endParaRPr b="0" lang="fr-FR" sz="3200" spc="-1" strike="noStrike">
+              <a:solidFill>
+                <a:srgbClr val="000000"/>
+              </a:solidFill>
+              <a:latin typeface="Arial"/>
+            </a:endParaRPr>
+          </a:p>
+        </p:txBody>
+      </p:sp>
+      <p:sp>
+        <p:nvSpPr>
+          <p:cNvPr id="94" name="PlaceHolder 6"/>
+          <p:cNvSpPr>
+            <a:spLocks noGrp="1"/>
+          </p:cNvSpPr>
+          <p:nvPr>
+            <p:ph/>
+          </p:nvPr>
+        </p:nvSpPr>
+        <p:spPr>
+          <a:xfrm>
+            <a:off x="3239640" y="3682080"/>
+            <a:ext cx="2649600" cy="1896840"/>
+          </a:xfrm>
+          <a:prstGeom prst="rect">
+            <a:avLst/>
+          </a:prstGeom>
+          <a:noFill/>
+          <a:ln w="0">
+            <a:noFill/>
+          </a:ln>
+        </p:spPr>
+        <p:txBody>
+          <a:bodyPr lIns="0" rIns="0" tIns="0" bIns="0" anchor="t">
+            <a:normAutofit/>
+          </a:bodyPr>
+          <a:p>
+            <a:pPr indent="0">
+              <a:spcBef>
+                <a:spcPts val="1417"/>
+              </a:spcBef>
+              <a:buNone/>
+            </a:pPr>
+            <a:endParaRPr b="0" lang="fr-FR" sz="3200" spc="-1" strike="noStrike">
+              <a:solidFill>
+                <a:srgbClr val="000000"/>
+              </a:solidFill>
+              <a:latin typeface="Arial"/>
+            </a:endParaRPr>
+          </a:p>
+        </p:txBody>
+      </p:sp>
+      <p:sp>
+        <p:nvSpPr>
+          <p:cNvPr id="95" name="PlaceHolder 7"/>
+          <p:cNvSpPr>
+            <a:spLocks noGrp="1"/>
+          </p:cNvSpPr>
+          <p:nvPr>
+            <p:ph/>
+          </p:nvPr>
+        </p:nvSpPr>
+        <p:spPr>
+          <a:xfrm>
+            <a:off x="6022080" y="3682080"/>
+            <a:ext cx="2649600" cy="1896840"/>
+          </a:xfrm>
+          <a:prstGeom prst="rect">
+            <a:avLst/>
+          </a:prstGeom>
+          <a:noFill/>
+          <a:ln w="0">
+            <a:noFill/>
+          </a:ln>
+        </p:spPr>
+        <p:txBody>
+          <a:bodyPr lIns="0" rIns="0" tIns="0" bIns="0" anchor="t">
+            <a:normAutofit/>
+          </a:bodyPr>
+          <a:p>
+            <a:pPr indent="0">
+              <a:spcBef>
+                <a:spcPts val="1417"/>
+              </a:spcBef>
+              <a:buNone/>
+            </a:pPr>
+            <a:endParaRPr b="0" lang="fr-FR" sz="3200" spc="-1" strike="noStrike">
+              <a:solidFill>
+                <a:srgbClr val="000000"/>
+              </a:solidFill>
+              <a:latin typeface="Arial"/>
+            </a:endParaRPr>
+          </a:p>
+        </p:txBody>
+      </p:sp>
+      <p:sp>
+        <p:nvSpPr>
+          <p:cNvPr id="9" name="PlaceHolder 8"/>
+          <p:cNvSpPr>
+            <a:spLocks noGrp="1"/>
+          </p:cNvSpPr>
+          <p:nvPr>
+            <p:ph type="ftr" idx="4"/>
+          </p:nvPr>
+        </p:nvSpPr>
+        <p:spPr/>
+        <p:txBody>
+          <a:bodyPr/>
+          <a:p>
+            <a:r>
+              <a:t>Footer</a:t>
+            </a:r>
+          </a:p>
+        </p:txBody>
+      </p:sp>
+      <p:sp>
+        <p:nvSpPr>
+          <p:cNvPr id="10" name="PlaceHolder 9"/>
+          <p:cNvSpPr>
+            <a:spLocks noGrp="1"/>
+          </p:cNvSpPr>
+          <p:nvPr>
+            <p:ph type="sldNum" idx="5"/>
+          </p:nvPr>
+        </p:nvSpPr>
+        <p:spPr/>
+        <p:txBody>
+          <a:bodyPr/>
+          <a:p>
+            <a:fld id="{EC6A9E84-F56E-4D31-8F2E-9FAEEEC5A7C4}" type="slidenum">
+              <a:t>&lt;#&gt;</a:t>
+            </a:fld>
+          </a:p>
+        </p:txBody>
+      </p:sp>
+      <p:sp>
+        <p:nvSpPr>
+          <p:cNvPr id="11" name="PlaceHolder 10"/>
+          <p:cNvSpPr>
+            <a:spLocks noGrp="1"/>
+          </p:cNvSpPr>
+          <p:nvPr>
+            <p:ph type="dt" idx="6"/>
           </p:nvPr>
         </p:nvSpPr>
         <p:spPr/>
@@ -1966,7 +4485,7 @@
         <p:txBody>
           <a:bodyPr/>
           <a:p>
-            <a:fld id="{9D314840-B16C-4A41-9605-7C0B348962F6}" type="slidenum">
+            <a:fld id="{086C1DAD-8F33-44DB-BD06-75A4D1C59CB7}" type="slidenum">
               <a:t>&lt;#&gt;</a:t>
             </a:fld>
           </a:p>
@@ -2175,7 +4694,7 @@
         <p:txBody>
           <a:bodyPr/>
           <a:p>
-            <a:fld id="{BF3AC2D0-ABEA-4B0B-A4A0-24949C9DA063}" type="slidenum">
+            <a:fld id="{C32B34AA-7EA6-4F96-A5D8-1D8AC369ABB7}" type="slidenum">
               <a:t>&lt;#&gt;</a:t>
             </a:fld>
           </a:p>
@@ -2298,7 +4817,7 @@
         <p:txBody>
           <a:bodyPr/>
           <a:p>
-            <a:fld id="{465BCA2B-1E32-4ECF-91F3-C707152D122F}" type="slidenum">
+            <a:fld id="{B61659CD-0760-45BA-9F88-F6455F546D51}" type="slidenum">
               <a:t>&lt;#&gt;</a:t>
             </a:fld>
           </a:p>
@@ -2419,7 +4938,7 @@
         <p:txBody>
           <a:bodyPr/>
           <a:p>
-            <a:fld id="{F942B5BA-4EAB-4923-B654-20578E2383A3}" type="slidenum">
+            <a:fld id="{0ECADEAF-8761-493D-ACB6-5BD49A0D6AD8}" type="slidenum">
               <a:t>&lt;#&gt;</a:t>
             </a:fld>
           </a:p>
@@ -2671,7 +5190,7 @@
         <p:txBody>
           <a:bodyPr/>
           <a:p>
-            <a:fld id="{0BBF9393-3996-49C2-A4CD-6B69D4C0DBDD}" type="slidenum">
+            <a:fld id="{B8CC1D45-F1C9-489C-A8F5-FBB87EE4EFB3}" type="slidenum">
               <a:t>&lt;#&gt;</a:t>
             </a:fld>
           </a:p>
@@ -2923,7 +5442,7 @@
         <p:txBody>
           <a:bodyPr/>
           <a:p>
-            <a:fld id="{6C6CB937-163A-4DD6-9F9A-E4FC043288D6}" type="slidenum">
+            <a:fld id="{7F407D54-7BCD-4EC4-A9EF-1DCC4E6E7B6C}" type="slidenum">
               <a:t>&lt;#&gt;</a:t>
             </a:fld>
           </a:p>
@@ -3175,7 +5694,7 @@
         <p:txBody>
           <a:bodyPr/>
           <a:p>
-            <a:fld id="{02610D3E-3BE2-4037-87EF-8F13D6B12878}" type="slidenum">
+            <a:fld id="{296E4B33-4278-4980-9691-2F772549905F}" type="slidenum">
               <a:t>&lt;#&gt;</a:t>
             </a:fld>
           </a:p>
@@ -3240,7 +5759,7 @@
         <p:spPr>
           <a:xfrm>
             <a:off x="0" y="260280"/>
-            <a:ext cx="933120" cy="358560"/>
+            <a:ext cx="932760" cy="358200"/>
           </a:xfrm>
           <a:prstGeom prst="rect">
             <a:avLst/>
@@ -3294,7 +5813,7 @@
         <p:spPr>
           <a:xfrm>
             <a:off x="934920" y="260280"/>
-            <a:ext cx="8205120" cy="358560"/>
+            <a:ext cx="8204760" cy="358200"/>
           </a:xfrm>
           <a:prstGeom prst="rect">
             <a:avLst/>
@@ -3353,7 +5872,7 @@
         <p:spPr>
           <a:xfrm>
             <a:off x="6336720" y="6170040"/>
-            <a:ext cx="2625840" cy="576360"/>
+            <a:ext cx="2625480" cy="576000"/>
           </a:xfrm>
           <a:prstGeom prst="rect">
             <a:avLst/>
@@ -3372,7 +5891,7 @@
         <p:spPr>
           <a:xfrm>
             <a:off x="4267800" y="6642000"/>
-            <a:ext cx="634680" cy="152280"/>
+            <a:ext cx="634320" cy="152280"/>
           </a:xfrm>
           <a:prstGeom prst="rect">
             <a:avLst/>
@@ -3426,7 +5945,7 @@
         <p:spPr>
           <a:xfrm>
             <a:off x="2160" y="620640"/>
-            <a:ext cx="9140040" cy="5506920"/>
+            <a:ext cx="9139680" cy="5506560"/>
           </a:xfrm>
           <a:prstGeom prst="rect">
             <a:avLst/>
@@ -3480,7 +5999,7 @@
         <p:spPr>
           <a:xfrm>
             <a:off x="0" y="0"/>
-            <a:ext cx="9140040" cy="618840"/>
+            <a:ext cx="9139680" cy="618480"/>
           </a:xfrm>
           <a:prstGeom prst="rect">
             <a:avLst/>
@@ -4262,7 +6781,7 @@
         <p:spPr>
           <a:xfrm>
             <a:off x="8893080" y="0"/>
-            <a:ext cx="246960" cy="258480"/>
+            <a:ext cx="246600" cy="258120"/>
           </a:xfrm>
           <a:prstGeom prst="rect">
             <a:avLst/>
@@ -4334,7 +6853,7 @@
         <p:spPr>
           <a:xfrm>
             <a:off x="8893080" y="0"/>
-            <a:ext cx="246960" cy="258480"/>
+            <a:ext cx="246600" cy="258120"/>
           </a:xfrm>
           <a:prstGeom prst="rect">
             <a:avLst/>
@@ -4378,7 +6897,7 @@
                 <a:tab algn="l" pos="0"/>
               </a:tabLst>
             </a:pPr>
-            <a:fld id="{F9586EDD-0E2A-45DE-9BFB-AF02F4B59084}" type="slidenum">
+            <a:fld id="{48BA9272-3673-4344-B3E0-8BC56563B841}" type="slidenum">
               <a:rPr b="0" lang="fr-FR" sz="100" spc="-1" strike="noStrike">
                 <a:solidFill>
                   <a:schemeClr val="lt1">
@@ -4412,7 +6931,7 @@
         <p:spPr>
           <a:xfrm>
             <a:off x="8893080" y="0"/>
-            <a:ext cx="249120" cy="258480"/>
+            <a:ext cx="248760" cy="258120"/>
           </a:xfrm>
           <a:prstGeom prst="rect">
             <a:avLst/>
@@ -4475,6 +6994,808 @@
     <p:sldLayoutId id="2147483658" r:id="rId12"/>
     <p:sldLayoutId id="2147483659" r:id="rId13"/>
     <p:sldLayoutId id="2147483660" r:id="rId14"/>
+  </p:sldLayoutIdLst>
+</p:sldMaster>
+</file>
+
+<file path=ppt/slideMasters/slideMaster13.xml><?xml version="1.0" encoding="utf-8"?>
+<p:sldMaster xmlns:a="http://schemas.openxmlformats.org/drawingml/2006/main" xmlns:p="http://schemas.openxmlformats.org/presentationml/2006/main" xmlns:r="http://schemas.openxmlformats.org/officeDocument/2006/relationships" xmlns:p14="http://schemas.microsoft.com/office/powerpoint/2010/main" xmlns:p15="http://schemas.microsoft.com/office/powerpoint/2012/main" xmlns:mc="http://schemas.openxmlformats.org/markup-compatibility/2006">
+  <p:cSld>
+    <p:bg>
+      <p:bgPr>
+        <a:solidFill>
+          <a:srgbClr val="ffffff"/>
+        </a:solidFill>
+      </p:bgPr>
+    </p:bg>
+    <p:spTree>
+      <p:nvGrpSpPr>
+        <p:cNvPr id="1" name=""/>
+        <p:cNvGrpSpPr/>
+        <p:nvPr/>
+      </p:nvGrpSpPr>
+      <p:grpSpPr>
+        <a:xfrm>
+          <a:off x="0" y="0"/>
+          <a:ext cx="0" cy="0"/>
+          <a:chOff x="0" y="0"/>
+          <a:chExt cx="0" cy="0"/>
+        </a:xfrm>
+      </p:grpSpPr>
+      <p:sp>
+        <p:nvSpPr>
+          <p:cNvPr id="49" name="Rectangle 9"/>
+          <p:cNvSpPr/>
+          <p:nvPr/>
+        </p:nvSpPr>
+        <p:spPr>
+          <a:xfrm>
+            <a:off x="0" y="260280"/>
+            <a:ext cx="932760" cy="358200"/>
+          </a:xfrm>
+          <a:prstGeom prst="rect">
+            <a:avLst/>
+          </a:prstGeom>
+          <a:solidFill>
+            <a:srgbClr val="153d8a"/>
+          </a:solidFill>
+          <a:ln>
+            <a:noFill/>
+          </a:ln>
+        </p:spPr>
+        <p:style>
+          <a:lnRef idx="2">
+            <a:schemeClr val="accent1">
+              <a:shade val="50000"/>
+            </a:schemeClr>
+          </a:lnRef>
+          <a:fillRef idx="1">
+            <a:schemeClr val="accent1"/>
+          </a:fillRef>
+          <a:effectRef idx="0">
+            <a:schemeClr val="accent1"/>
+          </a:effectRef>
+          <a:fontRef idx="minor"/>
+        </p:style>
+        <p:txBody>
+          <a:bodyPr lIns="90000" rIns="90000" tIns="45000" bIns="45000" anchor="ctr">
+            <a:noAutofit/>
+          </a:bodyPr>
+          <a:p>
+            <a:endParaRPr b="0" lang="fr-FR" sz="1800" spc="-1" strike="noStrike">
+              <a:solidFill>
+                <a:schemeClr val="lt1"/>
+              </a:solidFill>
+              <a:latin typeface="Franklin Gothic Book"/>
+            </a:endParaRPr>
+          </a:p>
+        </p:txBody>
+      </p:sp>
+      <p:sp>
+        <p:nvSpPr>
+          <p:cNvPr id="50" name="Rectangle 10"/>
+          <p:cNvSpPr/>
+          <p:nvPr/>
+        </p:nvSpPr>
+        <p:spPr>
+          <a:xfrm>
+            <a:off x="934920" y="260280"/>
+            <a:ext cx="8204760" cy="358200"/>
+          </a:xfrm>
+          <a:prstGeom prst="rect">
+            <a:avLst/>
+          </a:prstGeom>
+          <a:solidFill>
+            <a:srgbClr val="00a2e0"/>
+          </a:solidFill>
+          <a:ln>
+            <a:noFill/>
+          </a:ln>
+        </p:spPr>
+        <p:style>
+          <a:lnRef idx="2">
+            <a:schemeClr val="accent1">
+              <a:shade val="50000"/>
+            </a:schemeClr>
+          </a:lnRef>
+          <a:fillRef idx="1">
+            <a:schemeClr val="accent1"/>
+          </a:fillRef>
+          <a:effectRef idx="0">
+            <a:schemeClr val="accent1"/>
+          </a:effectRef>
+          <a:fontRef idx="minor"/>
+        </p:style>
+        <p:txBody>
+          <a:bodyPr lIns="90000" rIns="90000" tIns="45000" bIns="45000" anchor="ctr">
+            <a:noAutofit/>
+          </a:bodyPr>
+          <a:p>
+            <a:endParaRPr b="0" lang="fr-FR" sz="1800" spc="-1" strike="noStrike">
+              <a:solidFill>
+                <a:schemeClr val="lt1"/>
+              </a:solidFill>
+              <a:latin typeface="Franklin Gothic Book"/>
+            </a:endParaRPr>
+          </a:p>
+        </p:txBody>
+      </p:sp>
+      <p:pic>
+        <p:nvPicPr>
+          <p:cNvPr id="51" name="Image 11" descr=""/>
+          <p:cNvPicPr/>
+          <p:nvPr/>
+        </p:nvPicPr>
+        <p:blipFill>
+          <a:blip r:embed="rId2"/>
+          <a:srcRect l="4781" t="10018" r="9812" b="23689"/>
+          <a:stretch/>
+        </p:blipFill>
+        <p:spPr>
+          <a:xfrm>
+            <a:off x="6336720" y="6170040"/>
+            <a:ext cx="2625480" cy="576000"/>
+          </a:xfrm>
+          <a:prstGeom prst="rect">
+            <a:avLst/>
+          </a:prstGeom>
+          <a:ln w="0">
+            <a:noFill/>
+          </a:ln>
+        </p:spPr>
+      </p:pic>
+      <p:sp>
+        <p:nvSpPr>
+          <p:cNvPr id="52" name="ZoneTexte 7"/>
+          <p:cNvSpPr/>
+          <p:nvPr/>
+        </p:nvSpPr>
+        <p:spPr>
+          <a:xfrm>
+            <a:off x="4267800" y="6642000"/>
+            <a:ext cx="634320" cy="152280"/>
+          </a:xfrm>
+          <a:prstGeom prst="rect">
+            <a:avLst/>
+          </a:prstGeom>
+          <a:noFill/>
+          <a:ln w="0">
+            <a:noFill/>
+          </a:ln>
+        </p:spPr>
+        <p:style>
+          <a:lnRef idx="0"/>
+          <a:fillRef idx="0"/>
+          <a:effectRef idx="0"/>
+          <a:fontRef idx="minor"/>
+        </p:style>
+        <p:txBody>
+          <a:bodyPr horzOverflow="overflow" lIns="0" rIns="0" tIns="0" bIns="0" anchor="t">
+            <a:spAutoFit/>
+          </a:bodyPr>
+          <a:p>
+            <a:pPr defTabSz="914400">
+              <a:lnSpc>
+                <a:spcPct val="100000"/>
+              </a:lnSpc>
+            </a:pPr>
+            <a:r>
+              <a:rPr b="0" lang="fr-FR" sz="1000" spc="-1" strike="noStrike">
+                <a:solidFill>
+                  <a:srgbClr val="000000"/>
+                </a:solidFill>
+                <a:latin typeface="Calibri"/>
+                <a:ea typeface="Calibri"/>
+              </a:rPr>
+              <a:t>C1 - Interne</a:t>
+            </a:r>
+            <a:endParaRPr b="0" lang="fr-FR" sz="1000" spc="-1" strike="noStrike">
+              <a:solidFill>
+                <a:srgbClr val="000000"/>
+              </a:solidFill>
+              <a:latin typeface="Arial"/>
+            </a:endParaRPr>
+          </a:p>
+        </p:txBody>
+      </p:sp>
+      <p:sp>
+        <p:nvSpPr>
+          <p:cNvPr id="53" name="Rectangle 9"/>
+          <p:cNvSpPr/>
+          <p:nvPr/>
+        </p:nvSpPr>
+        <p:spPr>
+          <a:xfrm>
+            <a:off x="2160" y="620640"/>
+            <a:ext cx="9139680" cy="5506560"/>
+          </a:xfrm>
+          <a:prstGeom prst="rect">
+            <a:avLst/>
+          </a:prstGeom>
+          <a:solidFill>
+            <a:srgbClr val="00a2e0"/>
+          </a:solidFill>
+          <a:ln>
+            <a:noFill/>
+          </a:ln>
+        </p:spPr>
+        <p:style>
+          <a:lnRef idx="2">
+            <a:schemeClr val="accent1">
+              <a:shade val="50000"/>
+            </a:schemeClr>
+          </a:lnRef>
+          <a:fillRef idx="1">
+            <a:schemeClr val="accent1"/>
+          </a:fillRef>
+          <a:effectRef idx="0">
+            <a:schemeClr val="accent1"/>
+          </a:effectRef>
+          <a:fontRef idx="minor"/>
+        </p:style>
+        <p:txBody>
+          <a:bodyPr lIns="90000" rIns="90000" tIns="45000" bIns="45000" anchor="ctr">
+            <a:noAutofit/>
+          </a:bodyPr>
+          <a:p>
+            <a:endParaRPr b="0" lang="fr-FR" sz="1800" spc="-1" strike="noStrike">
+              <a:solidFill>
+                <a:schemeClr val="lt1"/>
+              </a:solidFill>
+              <a:latin typeface="Franklin Gothic Book"/>
+            </a:endParaRPr>
+          </a:p>
+        </p:txBody>
+      </p:sp>
+      <p:sp>
+        <p:nvSpPr>
+          <p:cNvPr id="54" name="Rectangle 1"/>
+          <p:cNvSpPr/>
+          <p:nvPr/>
+        </p:nvSpPr>
+        <p:spPr>
+          <a:xfrm>
+            <a:off x="0" y="0"/>
+            <a:ext cx="9139680" cy="618480"/>
+          </a:xfrm>
+          <a:prstGeom prst="rect">
+            <a:avLst/>
+          </a:prstGeom>
+          <a:solidFill>
+            <a:srgbClr val="153d8a"/>
+          </a:solidFill>
+          <a:ln>
+            <a:noFill/>
+          </a:ln>
+        </p:spPr>
+        <p:style>
+          <a:lnRef idx="2">
+            <a:schemeClr val="accent1">
+              <a:shade val="50000"/>
+            </a:schemeClr>
+          </a:lnRef>
+          <a:fillRef idx="1">
+            <a:schemeClr val="accent1"/>
+          </a:fillRef>
+          <a:effectRef idx="0">
+            <a:schemeClr val="accent1"/>
+          </a:effectRef>
+          <a:fontRef idx="minor"/>
+        </p:style>
+        <p:txBody>
+          <a:bodyPr lIns="90000" rIns="90000" tIns="45000" bIns="45000" anchor="ctr">
+            <a:noAutofit/>
+          </a:bodyPr>
+          <a:p>
+            <a:endParaRPr b="0" lang="fr-FR" sz="1800" spc="-1" strike="noStrike">
+              <a:solidFill>
+                <a:schemeClr val="lt1"/>
+              </a:solidFill>
+              <a:latin typeface="Franklin Gothic Book"/>
+            </a:endParaRPr>
+          </a:p>
+        </p:txBody>
+      </p:sp>
+      <p:sp>
+        <p:nvSpPr>
+          <p:cNvPr id="55" name="PlaceHolder 1"/>
+          <p:cNvSpPr>
+            <a:spLocks noGrp="1"/>
+          </p:cNvSpPr>
+          <p:nvPr>
+            <p:ph type="ftr" idx="4"/>
+          </p:nvPr>
+        </p:nvSpPr>
+        <p:spPr>
+          <a:xfrm>
+            <a:off x="8893080" y="0"/>
+            <a:ext cx="246600" cy="258120"/>
+          </a:xfrm>
+          <a:prstGeom prst="rect">
+            <a:avLst/>
+          </a:prstGeom>
+          <a:noFill/>
+          <a:ln w="0">
+            <a:noFill/>
+          </a:ln>
+        </p:spPr>
+        <p:txBody>
+          <a:bodyPr lIns="0" rIns="0" tIns="0" bIns="0" anchor="ctr">
+            <a:noAutofit/>
+          </a:bodyPr>
+          <a:lstStyle>
+            <a:lvl1pPr indent="0" algn="ctr">
+              <a:lnSpc>
+                <a:spcPct val="100000"/>
+              </a:lnSpc>
+              <a:buNone/>
+              <a:tabLst>
+                <a:tab algn="l" pos="0"/>
+              </a:tabLst>
+              <a:defRPr b="0" lang="fr-FR" sz="1400" spc="-1" strike="noStrike">
+                <a:solidFill>
+                  <a:srgbClr val="000000"/>
+                </a:solidFill>
+                <a:latin typeface="Times New Roman"/>
+              </a:defRPr>
+            </a:lvl1pPr>
+          </a:lstStyle>
+          <a:p>
+            <a:pPr indent="0" algn="ctr">
+              <a:lnSpc>
+                <a:spcPct val="100000"/>
+              </a:lnSpc>
+              <a:buNone/>
+              <a:tabLst>
+                <a:tab algn="l" pos="0"/>
+              </a:tabLst>
+            </a:pPr>
+            <a:r>
+              <a:rPr b="0" lang="fr-FR" sz="1400" spc="-1" strike="noStrike">
+                <a:solidFill>
+                  <a:srgbClr val="000000"/>
+                </a:solidFill>
+                <a:latin typeface="Times New Roman"/>
+              </a:rPr>
+              <a:t>&lt;pied de page&gt;</a:t>
+            </a:r>
+            <a:endParaRPr b="0" lang="fr-FR" sz="1400" spc="-1" strike="noStrike">
+              <a:solidFill>
+                <a:srgbClr val="000000"/>
+              </a:solidFill>
+              <a:latin typeface="Times New Roman"/>
+            </a:endParaRPr>
+          </a:p>
+        </p:txBody>
+      </p:sp>
+      <p:sp>
+        <p:nvSpPr>
+          <p:cNvPr id="56" name="PlaceHolder 2"/>
+          <p:cNvSpPr>
+            <a:spLocks noGrp="1"/>
+          </p:cNvSpPr>
+          <p:nvPr>
+            <p:ph type="sldNum" idx="5"/>
+          </p:nvPr>
+        </p:nvSpPr>
+        <p:spPr>
+          <a:xfrm>
+            <a:off x="8893080" y="0"/>
+            <a:ext cx="246600" cy="258120"/>
+          </a:xfrm>
+          <a:prstGeom prst="rect">
+            <a:avLst/>
+          </a:prstGeom>
+          <a:noFill/>
+          <a:ln w="0">
+            <a:noFill/>
+          </a:ln>
+        </p:spPr>
+        <p:txBody>
+          <a:bodyPr lIns="0" rIns="0" tIns="0" bIns="0" anchor="ctr">
+            <a:noAutofit/>
+          </a:bodyPr>
+          <a:lstStyle>
+            <a:lvl1pPr indent="0" algn="r" defTabSz="914400">
+              <a:lnSpc>
+                <a:spcPct val="100000"/>
+              </a:lnSpc>
+              <a:buNone/>
+              <a:tabLst>
+                <a:tab algn="l" pos="0"/>
+              </a:tabLst>
+              <a:defRPr b="0" lang="fr-FR" sz="100" spc="-1" strike="noStrike">
+                <a:solidFill>
+                  <a:schemeClr val="lt1">
+                    <a:alpha val="0"/>
+                  </a:schemeClr>
+                </a:solidFill>
+                <a:latin typeface="Franklin Gothic Book"/>
+                <a:ea typeface="Verdana"/>
+              </a:defRPr>
+            </a:lvl1pPr>
+          </a:lstStyle>
+          <a:p>
+            <a:pPr indent="0" algn="r" defTabSz="914400">
+              <a:lnSpc>
+                <a:spcPct val="100000"/>
+              </a:lnSpc>
+              <a:buNone/>
+              <a:tabLst>
+                <a:tab algn="l" pos="0"/>
+              </a:tabLst>
+            </a:pPr>
+            <a:fld id="{A5F57BCA-0C0C-4B6E-B5C3-1B8FB37462E9}" type="slidenum">
+              <a:rPr b="0" lang="fr-FR" sz="100" spc="-1" strike="noStrike">
+                <a:solidFill>
+                  <a:schemeClr val="lt1">
+                    <a:alpha val="0"/>
+                  </a:schemeClr>
+                </a:solidFill>
+                <a:latin typeface="Franklin Gothic Book"/>
+                <a:ea typeface="Verdana"/>
+              </a:rPr>
+              <a:t>&lt;numéro&gt;</a:t>
+            </a:fld>
+            <a:endParaRPr b="0" lang="fr-FR" sz="100" spc="-1" strike="noStrike">
+              <a:solidFill>
+                <a:srgbClr val="000000"/>
+              </a:solidFill>
+              <a:latin typeface="Times New Roman"/>
+            </a:endParaRPr>
+          </a:p>
+        </p:txBody>
+      </p:sp>
+      <p:sp>
+        <p:nvSpPr>
+          <p:cNvPr id="57" name="PlaceHolder 3"/>
+          <p:cNvSpPr>
+            <a:spLocks noGrp="1"/>
+          </p:cNvSpPr>
+          <p:nvPr>
+            <p:ph type="dt" idx="6"/>
+          </p:nvPr>
+        </p:nvSpPr>
+        <p:spPr>
+          <a:xfrm>
+            <a:off x="8893080" y="0"/>
+            <a:ext cx="248760" cy="258120"/>
+          </a:xfrm>
+          <a:prstGeom prst="rect">
+            <a:avLst/>
+          </a:prstGeom>
+          <a:noFill/>
+          <a:ln w="0">
+            <a:noFill/>
+          </a:ln>
+        </p:spPr>
+        <p:txBody>
+          <a:bodyPr lIns="0" rIns="0" tIns="0" bIns="0" anchor="ctr">
+            <a:noAutofit/>
+          </a:bodyPr>
+          <a:lstStyle>
+            <a:lvl1pPr indent="0">
+              <a:buNone/>
+              <a:defRPr b="0" lang="fr-FR" sz="1400" spc="-1" strike="noStrike">
+                <a:solidFill>
+                  <a:srgbClr val="000000"/>
+                </a:solidFill>
+                <a:latin typeface="Times New Roman"/>
+              </a:defRPr>
+            </a:lvl1pPr>
+          </a:lstStyle>
+          <a:p>
+            <a:pPr indent="0">
+              <a:buNone/>
+            </a:pPr>
+            <a:r>
+              <a:rPr b="0" lang="fr-FR" sz="1400" spc="-1" strike="noStrike">
+                <a:solidFill>
+                  <a:srgbClr val="000000"/>
+                </a:solidFill>
+                <a:latin typeface="Times New Roman"/>
+              </a:rPr>
+              <a:t>&lt;date/heure&gt;</a:t>
+            </a:r>
+            <a:endParaRPr b="0" lang="fr-FR" sz="1400" spc="-1" strike="noStrike">
+              <a:solidFill>
+                <a:srgbClr val="000000"/>
+              </a:solidFill>
+              <a:latin typeface="Times New Roman"/>
+            </a:endParaRPr>
+          </a:p>
+        </p:txBody>
+      </p:sp>
+      <p:sp>
+        <p:nvSpPr>
+          <p:cNvPr id="58" name="PlaceHolder 4"/>
+          <p:cNvSpPr>
+            <a:spLocks noGrp="1"/>
+          </p:cNvSpPr>
+          <p:nvPr>
+            <p:ph type="title"/>
+          </p:nvPr>
+        </p:nvSpPr>
+        <p:spPr>
+          <a:xfrm>
+            <a:off x="457200" y="273600"/>
+            <a:ext cx="8229240" cy="1144800"/>
+          </a:xfrm>
+          <a:prstGeom prst="rect">
+            <a:avLst/>
+          </a:prstGeom>
+          <a:noFill/>
+          <a:ln w="0">
+            <a:noFill/>
+          </a:ln>
+        </p:spPr>
+        <p:txBody>
+          <a:bodyPr lIns="0" rIns="0" tIns="0" bIns="0" anchor="ctr">
+            <a:noAutofit/>
+          </a:bodyPr>
+          <a:p>
+            <a:pPr indent="0" algn="ctr">
+              <a:buNone/>
+            </a:pPr>
+            <a:r>
+              <a:rPr b="0" lang="fr-FR" sz="4400" spc="-1" strike="noStrike">
+                <a:solidFill>
+                  <a:srgbClr val="000000"/>
+                </a:solidFill>
+                <a:latin typeface="Arial"/>
+              </a:rPr>
+              <a:t>Cliquez pour éditer le format du texte-titre</a:t>
+            </a:r>
+            <a:endParaRPr b="0" lang="fr-FR" sz="4400" spc="-1" strike="noStrike">
+              <a:solidFill>
+                <a:srgbClr val="000000"/>
+              </a:solidFill>
+              <a:latin typeface="Arial"/>
+            </a:endParaRPr>
+          </a:p>
+        </p:txBody>
+      </p:sp>
+      <p:sp>
+        <p:nvSpPr>
+          <p:cNvPr id="59" name="PlaceHolder 5"/>
+          <p:cNvSpPr>
+            <a:spLocks noGrp="1"/>
+          </p:cNvSpPr>
+          <p:nvPr>
+            <p:ph type="body"/>
+          </p:nvPr>
+        </p:nvSpPr>
+        <p:spPr>
+          <a:xfrm>
+            <a:off x="457200" y="1604520"/>
+            <a:ext cx="8229240" cy="3977280"/>
+          </a:xfrm>
+          <a:prstGeom prst="rect">
+            <a:avLst/>
+          </a:prstGeom>
+          <a:noFill/>
+          <a:ln w="0">
+            <a:noFill/>
+          </a:ln>
+        </p:spPr>
+        <p:txBody>
+          <a:bodyPr lIns="0" rIns="0" tIns="0" bIns="0" anchor="t">
+            <a:normAutofit/>
+          </a:bodyPr>
+          <a:p>
+            <a:pPr marL="432000" indent="-324000">
+              <a:spcBef>
+                <a:spcPts val="1417"/>
+              </a:spcBef>
+              <a:buClr>
+                <a:srgbClr val="000000"/>
+              </a:buClr>
+              <a:buSzPct val="45000"/>
+              <a:buFont typeface="Wingdings" charset="2"/>
+              <a:buChar char=""/>
+            </a:pPr>
+            <a:r>
+              <a:rPr b="0" lang="fr-FR" sz="3200" spc="-1" strike="noStrike">
+                <a:solidFill>
+                  <a:srgbClr val="000000"/>
+                </a:solidFill>
+                <a:latin typeface="Arial"/>
+              </a:rPr>
+              <a:t>Cliquez pour éditer le format du plan de texte</a:t>
+            </a:r>
+            <a:endParaRPr b="0" lang="fr-FR" sz="3200" spc="-1" strike="noStrike">
+              <a:solidFill>
+                <a:srgbClr val="000000"/>
+              </a:solidFill>
+              <a:latin typeface="Arial"/>
+            </a:endParaRPr>
+          </a:p>
+          <a:p>
+            <a:pPr lvl="1" marL="864000" indent="-324000">
+              <a:spcBef>
+                <a:spcPts val="1134"/>
+              </a:spcBef>
+              <a:buClr>
+                <a:srgbClr val="000000"/>
+              </a:buClr>
+              <a:buSzPct val="75000"/>
+              <a:buFont typeface="Symbol" charset="2"/>
+              <a:buChar char=""/>
+            </a:pPr>
+            <a:r>
+              <a:rPr b="0" lang="fr-FR" sz="2800" spc="-1" strike="noStrike">
+                <a:solidFill>
+                  <a:srgbClr val="000000"/>
+                </a:solidFill>
+                <a:latin typeface="Arial"/>
+              </a:rPr>
+              <a:t>Second niveau de plan</a:t>
+            </a:r>
+            <a:endParaRPr b="0" lang="fr-FR" sz="2800" spc="-1" strike="noStrike">
+              <a:solidFill>
+                <a:srgbClr val="000000"/>
+              </a:solidFill>
+              <a:latin typeface="Arial"/>
+            </a:endParaRPr>
+          </a:p>
+          <a:p>
+            <a:pPr lvl="2" marL="1296000" indent="-288000">
+              <a:spcBef>
+                <a:spcPts val="850"/>
+              </a:spcBef>
+              <a:buClr>
+                <a:srgbClr val="000000"/>
+              </a:buClr>
+              <a:buSzPct val="45000"/>
+              <a:buFont typeface="Wingdings" charset="2"/>
+              <a:buChar char=""/>
+            </a:pPr>
+            <a:r>
+              <a:rPr b="0" lang="fr-FR" sz="2400" spc="-1" strike="noStrike">
+                <a:solidFill>
+                  <a:srgbClr val="000000"/>
+                </a:solidFill>
+                <a:latin typeface="Arial"/>
+              </a:rPr>
+              <a:t>Troisième niveau de plan</a:t>
+            </a:r>
+            <a:endParaRPr b="0" lang="fr-FR" sz="2400" spc="-1" strike="noStrike">
+              <a:solidFill>
+                <a:srgbClr val="000000"/>
+              </a:solidFill>
+              <a:latin typeface="Arial"/>
+            </a:endParaRPr>
+          </a:p>
+          <a:p>
+            <a:pPr lvl="3" marL="1728000" indent="-216000">
+              <a:spcBef>
+                <a:spcPts val="567"/>
+              </a:spcBef>
+              <a:buClr>
+                <a:srgbClr val="000000"/>
+              </a:buClr>
+              <a:buSzPct val="75000"/>
+              <a:buFont typeface="Symbol" charset="2"/>
+              <a:buChar char=""/>
+            </a:pPr>
+            <a:r>
+              <a:rPr b="0" lang="fr-FR" sz="2000" spc="-1" strike="noStrike">
+                <a:solidFill>
+                  <a:srgbClr val="000000"/>
+                </a:solidFill>
+                <a:latin typeface="Arial"/>
+              </a:rPr>
+              <a:t>Quatrième niveau de plan</a:t>
+            </a:r>
+            <a:endParaRPr b="0" lang="fr-FR" sz="2000" spc="-1" strike="noStrike">
+              <a:solidFill>
+                <a:srgbClr val="000000"/>
+              </a:solidFill>
+              <a:latin typeface="Arial"/>
+            </a:endParaRPr>
+          </a:p>
+          <a:p>
+            <a:pPr lvl="4" marL="2160000" indent="-216000">
+              <a:spcBef>
+                <a:spcPts val="283"/>
+              </a:spcBef>
+              <a:buClr>
+                <a:srgbClr val="000000"/>
+              </a:buClr>
+              <a:buSzPct val="45000"/>
+              <a:buFont typeface="Wingdings" charset="2"/>
+              <a:buChar char=""/>
+            </a:pPr>
+            <a:r>
+              <a:rPr b="0" lang="fr-FR" sz="2000" spc="-1" strike="noStrike">
+                <a:solidFill>
+                  <a:srgbClr val="000000"/>
+                </a:solidFill>
+                <a:latin typeface="Arial"/>
+              </a:rPr>
+              <a:t>Cinquième niveau de plan</a:t>
+            </a:r>
+            <a:endParaRPr b="0" lang="fr-FR" sz="2000" spc="-1" strike="noStrike">
+              <a:solidFill>
+                <a:srgbClr val="000000"/>
+              </a:solidFill>
+              <a:latin typeface="Arial"/>
+            </a:endParaRPr>
+          </a:p>
+          <a:p>
+            <a:pPr lvl="5" marL="2592000" indent="-216000">
+              <a:spcBef>
+                <a:spcPts val="283"/>
+              </a:spcBef>
+              <a:buClr>
+                <a:srgbClr val="000000"/>
+              </a:buClr>
+              <a:buSzPct val="45000"/>
+              <a:buFont typeface="Wingdings" charset="2"/>
+              <a:buChar char=""/>
+            </a:pPr>
+            <a:r>
+              <a:rPr b="0" lang="fr-FR" sz="2000" spc="-1" strike="noStrike">
+                <a:solidFill>
+                  <a:srgbClr val="000000"/>
+                </a:solidFill>
+                <a:latin typeface="Arial"/>
+              </a:rPr>
+              <a:t>Sixième niveau de plan</a:t>
+            </a:r>
+            <a:endParaRPr b="0" lang="fr-FR" sz="2000" spc="-1" strike="noStrike">
+              <a:solidFill>
+                <a:srgbClr val="000000"/>
+              </a:solidFill>
+              <a:latin typeface="Arial"/>
+            </a:endParaRPr>
+          </a:p>
+          <a:p>
+            <a:pPr lvl="6" marL="3024000" indent="-216000">
+              <a:spcBef>
+                <a:spcPts val="283"/>
+              </a:spcBef>
+              <a:buClr>
+                <a:srgbClr val="000000"/>
+              </a:buClr>
+              <a:buSzPct val="45000"/>
+              <a:buFont typeface="Wingdings" charset="2"/>
+              <a:buChar char=""/>
+            </a:pPr>
+            <a:r>
+              <a:rPr b="0" lang="fr-FR" sz="2000" spc="-1" strike="noStrike">
+                <a:solidFill>
+                  <a:srgbClr val="000000"/>
+                </a:solidFill>
+                <a:latin typeface="Arial"/>
+              </a:rPr>
+              <a:t>Septième niveau de plan</a:t>
+            </a:r>
+            <a:endParaRPr b="0" lang="fr-FR" sz="2000" spc="-1" strike="noStrike">
+              <a:solidFill>
+                <a:srgbClr val="000000"/>
+              </a:solidFill>
+              <a:latin typeface="Arial"/>
+            </a:endParaRPr>
+          </a:p>
+        </p:txBody>
+      </p:sp>
+    </p:spTree>
+  </p:cSld>
+  <p:clrMap bg1="lt1" bg2="lt2" tx1="dk1" tx2="dk2" accent1="accent1" accent2="accent2" accent3="accent3" accent4="accent4" accent5="accent5" accent6="accent6" hlink="hlink" folHlink="folHlink"/>
+  <p:sldLayoutIdLst>
+    <p:sldLayoutId id="2147483662" r:id="rId3"/>
+    <p:sldLayoutId id="2147483663" r:id="rId4"/>
+    <p:sldLayoutId id="2147483664" r:id="rId5"/>
+    <p:sldLayoutId id="2147483665" r:id="rId6"/>
+    <p:sldLayoutId id="2147483666" r:id="rId7"/>
+    <p:sldLayoutId id="2147483667" r:id="rId8"/>
+    <p:sldLayoutId id="2147483668" r:id="rId9"/>
+    <p:sldLayoutId id="2147483669" r:id="rId10"/>
+    <p:sldLayoutId id="2147483670" r:id="rId11"/>
+    <p:sldLayoutId id="2147483671" r:id="rId12"/>
+    <p:sldLayoutId id="2147483672" r:id="rId13"/>
+    <p:sldLayoutId id="2147483673" r:id="rId14"/>
   </p:sldLayoutIdLst>
 </p:sldMaster>
 </file>
@@ -4498,14 +7819,14 @@
       </p:grpSpPr>
       <p:sp>
         <p:nvSpPr>
-          <p:cNvPr id="55" name=""/>
+          <p:cNvPr id="102" name=""/>
           <p:cNvSpPr/>
           <p:nvPr/>
         </p:nvSpPr>
         <p:spPr>
           <a:xfrm>
             <a:off x="1260000" y="1980000"/>
-            <a:ext cx="6478920" cy="3495600"/>
+            <a:ext cx="6478560" cy="3495240"/>
           </a:xfrm>
           <a:prstGeom prst="rect">
             <a:avLst/>
@@ -4575,7 +7896,7 @@
         <p:txBody>
           <a:bodyPr/>
           <a:p>
-            <a:fld id="{27F2EE13-CC16-4F58-88C0-BB8DD62901DE}" type="slidenum">
+            <a:fld id="{6678395E-E592-4DFB-8C95-8A3EEB41BA4B}" type="slidenum">
               <a:t>1</a:t>
             </a:fld>
           </a:p>
@@ -4613,7 +7934,7 @@
       </p:grpSpPr>
       <p:sp>
         <p:nvSpPr>
-          <p:cNvPr id="93" name="PlaceHolder 1"/>
+          <p:cNvPr id="140" name="PlaceHolder 1"/>
           <p:cNvSpPr>
             <a:spLocks noGrp="1"/>
           </p:cNvSpPr>
@@ -4624,7 +7945,7 @@
         <p:spPr>
           <a:xfrm>
             <a:off x="1008000" y="260280"/>
-            <a:ext cx="7846920" cy="358560"/>
+            <a:ext cx="7846560" cy="358200"/>
           </a:xfrm>
           <a:prstGeom prst="rect">
             <a:avLst/>
@@ -4669,7 +7990,7 @@
       </p:sp>
       <p:sp>
         <p:nvSpPr>
-          <p:cNvPr id="94" name="PlaceHolder 2"/>
+          <p:cNvPr id="141" name="PlaceHolder 2"/>
           <p:cNvSpPr>
             <a:spLocks noGrp="1"/>
           </p:cNvSpPr>
@@ -4680,7 +8001,7 @@
         <p:spPr>
           <a:xfrm>
             <a:off x="107640" y="1260000"/>
-            <a:ext cx="2950920" cy="1105920"/>
+            <a:ext cx="2950560" cy="1105560"/>
           </a:xfrm>
           <a:prstGeom prst="rect">
             <a:avLst/>
@@ -4732,7 +8053,7 @@
       </p:sp>
       <p:pic>
         <p:nvPicPr>
-          <p:cNvPr id="95" name="" descr=""/>
+          <p:cNvPr id="142" name="" descr=""/>
           <p:cNvPicPr/>
           <p:nvPr/>
         </p:nvPicPr>
@@ -4743,7 +8064,7 @@
         <p:spPr>
           <a:xfrm>
             <a:off x="3373920" y="720000"/>
-            <a:ext cx="4365360" cy="5188320"/>
+            <a:ext cx="4365000" cy="5187960"/>
           </a:xfrm>
           <a:prstGeom prst="rect">
             <a:avLst/>
@@ -4767,7 +8088,7 @@
         <p:txBody>
           <a:bodyPr/>
           <a:p>
-            <a:fld id="{430FDA98-D4D5-454B-B5E4-1A0509A514CC}" type="slidenum">
+            <a:fld id="{73514C0F-63FC-4D1C-A8E6-983BEBB472A0}" type="slidenum">
               <a:t>10</a:t>
             </a:fld>
           </a:p>
@@ -4805,7 +8126,7 @@
       </p:grpSpPr>
       <p:pic>
         <p:nvPicPr>
-          <p:cNvPr id="96" name="" descr=""/>
+          <p:cNvPr id="143" name="" descr=""/>
           <p:cNvPicPr/>
           <p:nvPr/>
         </p:nvPicPr>
@@ -4816,7 +8137,7 @@
         <p:spPr>
           <a:xfrm>
             <a:off x="4548240" y="696960"/>
-            <a:ext cx="4091400" cy="2902680"/>
+            <a:ext cx="4091040" cy="2902320"/>
           </a:xfrm>
           <a:prstGeom prst="rect">
             <a:avLst/>
@@ -4828,14 +8149,14 @@
       </p:pic>
       <p:sp>
         <p:nvSpPr>
-          <p:cNvPr id="97" name=""/>
+          <p:cNvPr id="144" name=""/>
           <p:cNvSpPr/>
           <p:nvPr/>
         </p:nvSpPr>
         <p:spPr>
           <a:xfrm>
             <a:off x="360000" y="900000"/>
-            <a:ext cx="3959640" cy="899640"/>
+            <a:ext cx="3959280" cy="899280"/>
           </a:xfrm>
           <a:prstGeom prst="rect">
             <a:avLst/>
@@ -4881,7 +8202,7 @@
       </p:sp>
       <p:pic>
         <p:nvPicPr>
-          <p:cNvPr id="98" name="" descr=""/>
+          <p:cNvPr id="145" name="" descr=""/>
           <p:cNvPicPr/>
           <p:nvPr/>
         </p:nvPicPr>
@@ -4892,7 +8213,7 @@
         <p:spPr>
           <a:xfrm>
             <a:off x="180000" y="3683880"/>
-            <a:ext cx="8503920" cy="2399760"/>
+            <a:ext cx="8503560" cy="2399400"/>
           </a:xfrm>
           <a:prstGeom prst="rect">
             <a:avLst/>
@@ -4904,14 +8225,14 @@
       </p:pic>
       <p:sp>
         <p:nvSpPr>
-          <p:cNvPr id="99" name=""/>
+          <p:cNvPr id="146" name=""/>
           <p:cNvSpPr/>
           <p:nvPr/>
         </p:nvSpPr>
         <p:spPr>
           <a:xfrm>
             <a:off x="360000" y="3240000"/>
-            <a:ext cx="3959640" cy="359640"/>
+            <a:ext cx="3959280" cy="359280"/>
           </a:xfrm>
           <a:prstGeom prst="rect">
             <a:avLst/>
@@ -4969,7 +8290,7 @@
         <p:txBody>
           <a:bodyPr/>
           <a:p>
-            <a:fld id="{07898E53-7C00-4EED-BFB9-3BE24E7CF356}" type="slidenum">
+            <a:fld id="{AAA1AEF8-F4A3-4FE1-89BD-16CF0A08A3E0}" type="slidenum">
               <a:t>11</a:t>
             </a:fld>
           </a:p>
@@ -5007,14 +8328,14 @@
       </p:grpSpPr>
       <p:sp>
         <p:nvSpPr>
-          <p:cNvPr id="100" name=""/>
+          <p:cNvPr id="147" name=""/>
           <p:cNvSpPr/>
           <p:nvPr/>
         </p:nvSpPr>
         <p:spPr>
           <a:xfrm>
             <a:off x="540000" y="1080000"/>
-            <a:ext cx="3419640" cy="899640"/>
+            <a:ext cx="3419280" cy="899280"/>
           </a:xfrm>
           <a:prstGeom prst="rect">
             <a:avLst/>
@@ -5060,7 +8381,7 @@
       </p:sp>
       <p:pic>
         <p:nvPicPr>
-          <p:cNvPr id="101" name="" descr=""/>
+          <p:cNvPr id="148" name="" descr=""/>
           <p:cNvPicPr/>
           <p:nvPr/>
         </p:nvPicPr>
@@ -5071,7 +8392,7 @@
         <p:spPr>
           <a:xfrm>
             <a:off x="3816000" y="684000"/>
-            <a:ext cx="3923640" cy="1789920"/>
+            <a:ext cx="3923280" cy="1789560"/>
           </a:xfrm>
           <a:prstGeom prst="rect">
             <a:avLst/>
@@ -5083,14 +8404,14 @@
       </p:pic>
       <p:sp>
         <p:nvSpPr>
-          <p:cNvPr id="102" name=""/>
+          <p:cNvPr id="149" name=""/>
           <p:cNvSpPr/>
           <p:nvPr/>
         </p:nvSpPr>
         <p:spPr>
           <a:xfrm>
             <a:off x="540000" y="2880000"/>
-            <a:ext cx="3599640" cy="1439640"/>
+            <a:ext cx="3599280" cy="1439280"/>
           </a:xfrm>
           <a:prstGeom prst="rect">
             <a:avLst/>
@@ -5148,7 +8469,7 @@
       </p:sp>
       <p:pic>
         <p:nvPicPr>
-          <p:cNvPr id="103" name="" descr=""/>
+          <p:cNvPr id="150" name="" descr=""/>
           <p:cNvPicPr/>
           <p:nvPr/>
         </p:nvPicPr>
@@ -5159,7 +8480,7 @@
         <p:spPr>
           <a:xfrm>
             <a:off x="669600" y="4680000"/>
-            <a:ext cx="6710040" cy="359640"/>
+            <a:ext cx="6709680" cy="359280"/>
           </a:xfrm>
           <a:prstGeom prst="rect">
             <a:avLst/>
@@ -5183,7 +8504,7 @@
         <p:txBody>
           <a:bodyPr/>
           <a:p>
-            <a:fld id="{C0A185C0-D00E-46C8-915D-4DE02231E91A}" type="slidenum">
+            <a:fld id="{85AEBD76-5867-481A-A927-944B2563ADDB}" type="slidenum">
               <a:t>12</a:t>
             </a:fld>
           </a:p>
@@ -5221,14 +8542,14 @@
       </p:grpSpPr>
       <p:sp>
         <p:nvSpPr>
-          <p:cNvPr id="104" name=""/>
+          <p:cNvPr id="151" name=""/>
           <p:cNvSpPr/>
           <p:nvPr/>
         </p:nvSpPr>
         <p:spPr>
           <a:xfrm>
             <a:off x="576000" y="1306440"/>
-            <a:ext cx="8099640" cy="539640"/>
+            <a:ext cx="8099280" cy="539280"/>
           </a:xfrm>
           <a:prstGeom prst="rect">
             <a:avLst/>
@@ -5274,7 +8595,7 @@
       </p:sp>
       <p:pic>
         <p:nvPicPr>
-          <p:cNvPr id="105" name="" descr=""/>
+          <p:cNvPr id="152" name="" descr=""/>
           <p:cNvPicPr/>
           <p:nvPr/>
         </p:nvPicPr>
@@ -5285,7 +8606,7 @@
         <p:spPr>
           <a:xfrm>
             <a:off x="0" y="1846440"/>
-            <a:ext cx="9143280" cy="2588760"/>
+            <a:ext cx="9142920" cy="2588400"/>
           </a:xfrm>
           <a:prstGeom prst="rect">
             <a:avLst/>
@@ -5297,14 +8618,14 @@
       </p:pic>
       <p:sp>
         <p:nvSpPr>
-          <p:cNvPr id="106" name=""/>
+          <p:cNvPr id="153" name=""/>
           <p:cNvSpPr/>
           <p:nvPr/>
         </p:nvSpPr>
         <p:spPr>
           <a:xfrm>
             <a:off x="936000" y="4680000"/>
-            <a:ext cx="7199640" cy="719640"/>
+            <a:ext cx="7199280" cy="719280"/>
           </a:xfrm>
           <a:prstGeom prst="rect">
             <a:avLst/>
@@ -5350,7 +8671,7 @@
       </p:sp>
       <p:pic>
         <p:nvPicPr>
-          <p:cNvPr id="107" name="" descr=""/>
+          <p:cNvPr id="154" name="" descr=""/>
           <p:cNvPicPr/>
           <p:nvPr/>
         </p:nvPicPr>
@@ -5361,7 +8682,7 @@
         <p:spPr>
           <a:xfrm>
             <a:off x="862200" y="5336640"/>
-            <a:ext cx="7319880" cy="719640"/>
+            <a:ext cx="7319520" cy="719280"/>
           </a:xfrm>
           <a:prstGeom prst="rect">
             <a:avLst/>
@@ -5385,7 +8706,7 @@
         <p:txBody>
           <a:bodyPr/>
           <a:p>
-            <a:fld id="{4EE6159E-4D93-40AC-A6D8-07585472D899}" type="slidenum">
+            <a:fld id="{F5A5D406-F559-43ED-8E94-D398252F397D}" type="slidenum">
               <a:t>13</a:t>
             </a:fld>
           </a:p>
@@ -5423,14 +8744,14 @@
       </p:grpSpPr>
       <p:sp>
         <p:nvSpPr>
-          <p:cNvPr id="108" name=""/>
+          <p:cNvPr id="155" name=""/>
           <p:cNvSpPr/>
           <p:nvPr/>
         </p:nvSpPr>
         <p:spPr>
           <a:xfrm>
             <a:off x="540000" y="900000"/>
-            <a:ext cx="2699640" cy="539640"/>
+            <a:ext cx="2699280" cy="539280"/>
           </a:xfrm>
           <a:prstGeom prst="rect">
             <a:avLst/>
@@ -5476,7 +8797,7 @@
       </p:sp>
       <p:pic>
         <p:nvPicPr>
-          <p:cNvPr id="109" name="" descr=""/>
+          <p:cNvPr id="156" name="" descr=""/>
           <p:cNvPicPr/>
           <p:nvPr/>
         </p:nvPicPr>
@@ -5487,7 +8808,7 @@
         <p:spPr>
           <a:xfrm>
             <a:off x="25200" y="1474560"/>
-            <a:ext cx="9143280" cy="1283400"/>
+            <a:ext cx="9142920" cy="1283040"/>
           </a:xfrm>
           <a:prstGeom prst="rect">
             <a:avLst/>
@@ -5511,7 +8832,7 @@
         <p:txBody>
           <a:bodyPr/>
           <a:p>
-            <a:fld id="{43148D28-03D2-4029-85DB-7264E40495AD}" type="slidenum">
+            <a:fld id="{9A757339-BC46-4AC4-92B7-4EF63C227469}" type="slidenum">
               <a:t>14</a:t>
             </a:fld>
           </a:p>
@@ -5549,14 +8870,14 @@
       </p:grpSpPr>
       <p:sp>
         <p:nvSpPr>
-          <p:cNvPr id="110" name=""/>
+          <p:cNvPr id="157" name=""/>
           <p:cNvSpPr/>
           <p:nvPr/>
         </p:nvSpPr>
         <p:spPr>
           <a:xfrm>
             <a:off x="360000" y="900000"/>
-            <a:ext cx="4679640" cy="899640"/>
+            <a:ext cx="4679280" cy="899280"/>
           </a:xfrm>
           <a:prstGeom prst="rect">
             <a:avLst/>
@@ -5602,7 +8923,7 @@
       </p:sp>
       <p:pic>
         <p:nvPicPr>
-          <p:cNvPr id="111" name="" descr=""/>
+          <p:cNvPr id="158" name="" descr=""/>
           <p:cNvPicPr/>
           <p:nvPr/>
         </p:nvPicPr>
@@ -5613,7 +8934,7 @@
         <p:spPr>
           <a:xfrm>
             <a:off x="442080" y="1908000"/>
-            <a:ext cx="3337560" cy="1979640"/>
+            <a:ext cx="3337200" cy="1979280"/>
           </a:xfrm>
           <a:prstGeom prst="rect">
             <a:avLst/>
@@ -5625,7 +8946,7 @@
       </p:pic>
       <p:pic>
         <p:nvPicPr>
-          <p:cNvPr id="112" name="" descr=""/>
+          <p:cNvPr id="159" name="" descr=""/>
           <p:cNvPicPr/>
           <p:nvPr/>
         </p:nvPicPr>
@@ -5636,7 +8957,7 @@
         <p:spPr>
           <a:xfrm>
             <a:off x="5220000" y="1905480"/>
-            <a:ext cx="3239640" cy="1982160"/>
+            <a:ext cx="3239280" cy="1981800"/>
           </a:xfrm>
           <a:prstGeom prst="rect">
             <a:avLst/>
@@ -5648,14 +8969,14 @@
       </p:pic>
       <p:sp>
         <p:nvSpPr>
-          <p:cNvPr id="113" name=""/>
+          <p:cNvPr id="160" name=""/>
           <p:cNvSpPr/>
           <p:nvPr/>
         </p:nvSpPr>
         <p:spPr>
           <a:xfrm>
             <a:off x="1800000" y="4140000"/>
-            <a:ext cx="4499640" cy="601920"/>
+            <a:ext cx="4499280" cy="601560"/>
           </a:xfrm>
           <a:prstGeom prst="rect">
             <a:avLst/>
@@ -5723,14 +9044,14 @@
       </p:sp>
       <p:sp>
         <p:nvSpPr>
-          <p:cNvPr id="114" name=""/>
+          <p:cNvPr id="161" name=""/>
           <p:cNvSpPr/>
           <p:nvPr/>
         </p:nvSpPr>
         <p:spPr>
           <a:xfrm>
             <a:off x="360000" y="5040000"/>
-            <a:ext cx="5399640" cy="899640"/>
+            <a:ext cx="5399280" cy="899280"/>
           </a:xfrm>
           <a:prstGeom prst="rect">
             <a:avLst/>
@@ -5788,7 +9109,7 @@
         <p:txBody>
           <a:bodyPr/>
           <a:p>
-            <a:fld id="{F23FCFFE-B1F0-474B-88D9-1CB035902BCF}" type="slidenum">
+            <a:fld id="{E0D6D0A5-D1B6-4785-AC79-9125AFC2DED3}" type="slidenum">
               <a:t>15</a:t>
             </a:fld>
           </a:p>
@@ -5826,14 +9147,14 @@
       </p:grpSpPr>
       <p:sp>
         <p:nvSpPr>
-          <p:cNvPr id="115" name=""/>
+          <p:cNvPr id="162" name=""/>
           <p:cNvSpPr/>
           <p:nvPr/>
         </p:nvSpPr>
         <p:spPr>
           <a:xfrm>
             <a:off x="363240" y="720000"/>
-            <a:ext cx="5579640" cy="601920"/>
+            <a:ext cx="5579280" cy="601560"/>
           </a:xfrm>
           <a:prstGeom prst="rect">
             <a:avLst/>
@@ -5879,7 +9200,7 @@
       </p:sp>
       <p:pic>
         <p:nvPicPr>
-          <p:cNvPr id="116" name="" descr=""/>
+          <p:cNvPr id="163" name="" descr=""/>
           <p:cNvPicPr/>
           <p:nvPr/>
         </p:nvPicPr>
@@ -5890,7 +9211,7 @@
         <p:spPr>
           <a:xfrm>
             <a:off x="360000" y="1303200"/>
-            <a:ext cx="4502880" cy="1576440"/>
+            <a:ext cx="4502520" cy="1576080"/>
           </a:xfrm>
           <a:prstGeom prst="rect">
             <a:avLst/>
@@ -5902,14 +9223,14 @@
       </p:pic>
       <p:sp>
         <p:nvSpPr>
-          <p:cNvPr id="117" name=""/>
+          <p:cNvPr id="164" name=""/>
           <p:cNvSpPr/>
           <p:nvPr/>
         </p:nvSpPr>
         <p:spPr>
           <a:xfrm>
             <a:off x="4863240" y="1800000"/>
-            <a:ext cx="3239640" cy="359640"/>
+            <a:ext cx="3239280" cy="359280"/>
           </a:xfrm>
           <a:prstGeom prst="rect">
             <a:avLst/>
@@ -5964,7 +9285,7 @@
       </p:sp>
       <p:pic>
         <p:nvPicPr>
-          <p:cNvPr id="118" name="" descr=""/>
+          <p:cNvPr id="165" name="" descr=""/>
           <p:cNvPicPr/>
           <p:nvPr/>
         </p:nvPicPr>
@@ -5975,7 +9296,7 @@
         <p:spPr>
           <a:xfrm>
             <a:off x="363240" y="3240000"/>
-            <a:ext cx="4714920" cy="2159640"/>
+            <a:ext cx="4714560" cy="2159280"/>
           </a:xfrm>
           <a:prstGeom prst="rect">
             <a:avLst/>
@@ -5987,14 +9308,14 @@
       </p:pic>
       <p:sp>
         <p:nvSpPr>
-          <p:cNvPr id="119" name=""/>
+          <p:cNvPr id="166" name=""/>
           <p:cNvSpPr/>
           <p:nvPr/>
         </p:nvSpPr>
         <p:spPr>
           <a:xfrm>
             <a:off x="5078520" y="4140000"/>
-            <a:ext cx="3239640" cy="601920"/>
+            <a:ext cx="3239280" cy="601560"/>
           </a:xfrm>
           <a:prstGeom prst="rect">
             <a:avLst/>
@@ -6049,14 +9370,14 @@
       </p:sp>
       <p:sp>
         <p:nvSpPr>
-          <p:cNvPr id="120" name=""/>
+          <p:cNvPr id="167" name=""/>
           <p:cNvSpPr/>
           <p:nvPr/>
         </p:nvSpPr>
         <p:spPr>
           <a:xfrm>
             <a:off x="540000" y="5493240"/>
-            <a:ext cx="8279640" cy="539640"/>
+            <a:ext cx="8279280" cy="539280"/>
           </a:xfrm>
           <a:prstGeom prst="rect">
             <a:avLst/>
@@ -6114,7 +9435,7 @@
         <p:txBody>
           <a:bodyPr/>
           <a:p>
-            <a:fld id="{456DBDCA-C051-40EF-BE75-AEE45C4D251F}" type="slidenum">
+            <a:fld id="{B9C0F2BD-031B-45AA-AAED-B8AF440B649C}" type="slidenum">
               <a:t>16</a:t>
             </a:fld>
           </a:p>
@@ -6152,14 +9473,14 @@
       </p:grpSpPr>
       <p:sp>
         <p:nvSpPr>
-          <p:cNvPr id="121" name=""/>
+          <p:cNvPr id="168" name=""/>
           <p:cNvSpPr/>
           <p:nvPr/>
         </p:nvSpPr>
         <p:spPr>
           <a:xfrm>
             <a:off x="900000" y="1062360"/>
-            <a:ext cx="7199640" cy="4697280"/>
+            <a:ext cx="7199280" cy="4696920"/>
           </a:xfrm>
           <a:prstGeom prst="rect">
             <a:avLst/>
@@ -6510,7 +9831,7 @@
         <p:txBody>
           <a:bodyPr/>
           <a:p>
-            <a:fld id="{8F62F485-68CC-4AB4-BBA4-464E0F88B528}" type="slidenum">
+            <a:fld id="{9B07FC2F-6EBE-469A-8AC9-5CA91F93FB45}" type="slidenum">
               <a:t>17</a:t>
             </a:fld>
           </a:p>
@@ -6548,7 +9869,7 @@
       </p:grpSpPr>
       <p:pic>
         <p:nvPicPr>
-          <p:cNvPr id="122" name="" descr=""/>
+          <p:cNvPr id="169" name="" descr=""/>
           <p:cNvPicPr/>
           <p:nvPr/>
         </p:nvPicPr>
@@ -6559,7 +9880,7 @@
         <p:spPr>
           <a:xfrm>
             <a:off x="288000" y="1800000"/>
-            <a:ext cx="3406680" cy="1979640"/>
+            <a:ext cx="3406320" cy="1979280"/>
           </a:xfrm>
           <a:prstGeom prst="rect">
             <a:avLst/>
@@ -6571,14 +9892,14 @@
       </p:pic>
       <p:sp>
         <p:nvSpPr>
-          <p:cNvPr id="123" name=""/>
+          <p:cNvPr id="170" name=""/>
           <p:cNvSpPr/>
           <p:nvPr/>
         </p:nvSpPr>
         <p:spPr>
           <a:xfrm>
             <a:off x="3816000" y="2592000"/>
-            <a:ext cx="1619640" cy="719640"/>
+            <a:ext cx="1619280" cy="719280"/>
           </a:xfrm>
           <a:prstGeom prst="rightArrow">
             <a:avLst>
@@ -6622,7 +9943,7 @@
       </p:sp>
       <p:pic>
         <p:nvPicPr>
-          <p:cNvPr id="124" name="" descr=""/>
+          <p:cNvPr id="171" name="" descr=""/>
           <p:cNvPicPr/>
           <p:nvPr/>
         </p:nvPicPr>
@@ -6633,7 +9954,7 @@
         <p:spPr>
           <a:xfrm>
             <a:off x="5488920" y="1810440"/>
-            <a:ext cx="3618720" cy="1969200"/>
+            <a:ext cx="3618360" cy="1968840"/>
           </a:xfrm>
           <a:prstGeom prst="rect">
             <a:avLst/>
@@ -6645,7 +9966,7 @@
       </p:pic>
       <p:pic>
         <p:nvPicPr>
-          <p:cNvPr id="125" name="" descr=""/>
+          <p:cNvPr id="172" name="" descr=""/>
           <p:cNvPicPr/>
           <p:nvPr/>
         </p:nvPicPr>
@@ -6656,7 +9977,7 @@
         <p:spPr>
           <a:xfrm>
             <a:off x="396000" y="4032000"/>
-            <a:ext cx="3239640" cy="1945440"/>
+            <a:ext cx="3239280" cy="1945080"/>
           </a:xfrm>
           <a:prstGeom prst="rect">
             <a:avLst/>
@@ -6668,14 +9989,14 @@
       </p:pic>
       <p:sp>
         <p:nvSpPr>
-          <p:cNvPr id="126" name=""/>
+          <p:cNvPr id="173" name=""/>
           <p:cNvSpPr/>
           <p:nvPr/>
         </p:nvSpPr>
         <p:spPr>
           <a:xfrm>
             <a:off x="3816000" y="4716000"/>
-            <a:ext cx="1619640" cy="719640"/>
+            <a:ext cx="1619280" cy="719280"/>
           </a:xfrm>
           <a:prstGeom prst="rightArrow">
             <a:avLst>
@@ -6719,7 +10040,7 @@
       </p:sp>
       <p:pic>
         <p:nvPicPr>
-          <p:cNvPr id="127" name="" descr=""/>
+          <p:cNvPr id="174" name="" descr=""/>
           <p:cNvPicPr/>
           <p:nvPr/>
         </p:nvPicPr>
@@ -6730,7 +10051,7 @@
         <p:spPr>
           <a:xfrm>
             <a:off x="5575320" y="4032000"/>
-            <a:ext cx="3390120" cy="1979640"/>
+            <a:ext cx="3389760" cy="1979280"/>
           </a:xfrm>
           <a:prstGeom prst="rect">
             <a:avLst/>
@@ -6742,14 +10063,14 @@
       </p:pic>
       <p:sp>
         <p:nvSpPr>
-          <p:cNvPr id="128" name=""/>
-          <p:cNvSpPr txBox="1"/>
+          <p:cNvPr id="175" name=""/>
+          <p:cNvSpPr/>
           <p:nvPr/>
         </p:nvSpPr>
         <p:spPr>
           <a:xfrm>
             <a:off x="360000" y="648000"/>
-            <a:ext cx="8640000" cy="1114200"/>
+            <a:ext cx="8639640" cy="1113840"/>
           </a:xfrm>
           <a:prstGeom prst="rect">
             <a:avLst/>
@@ -6759,11 +10080,22 @@
             <a:noFill/>
           </a:ln>
         </p:spPr>
+        <p:style>
+          <a:lnRef idx="0"/>
+          <a:fillRef idx="0"/>
+          <a:effectRef idx="0"/>
+          <a:fontRef idx="minor"/>
+        </p:style>
         <p:txBody>
           <a:bodyPr lIns="90000" rIns="90000" tIns="45000" bIns="45000" anchor="t">
             <a:noAutofit/>
           </a:bodyPr>
           <a:p>
+            <a:pPr>
+              <a:lnSpc>
+                <a:spcPct val="100000"/>
+              </a:lnSpc>
+            </a:pPr>
             <a:r>
               <a:rPr b="0" lang="fr-FR" sz="1800" spc="-1" strike="noStrike">
                 <a:solidFill>
@@ -6781,6 +10113,11 @@
             </a:endParaRPr>
           </a:p>
           <a:p>
+            <a:pPr>
+              <a:lnSpc>
+                <a:spcPct val="100000"/>
+              </a:lnSpc>
+            </a:pPr>
             <a:r>
               <a:rPr b="0" lang="fr-FR" sz="1800" spc="-1" strike="noStrike">
                 <a:solidFill>
@@ -6798,6 +10135,11 @@
             </a:endParaRPr>
           </a:p>
           <a:p>
+            <a:pPr>
+              <a:lnSpc>
+                <a:spcPct val="100000"/>
+              </a:lnSpc>
+            </a:pPr>
             <a:r>
               <a:rPr b="0" lang="fr-FR" sz="1800" spc="-1" strike="noStrike">
                 <a:solidFill>
@@ -6815,6 +10157,11 @@
             </a:endParaRPr>
           </a:p>
           <a:p>
+            <a:pPr>
+              <a:lnSpc>
+                <a:spcPct val="100000"/>
+              </a:lnSpc>
+            </a:pPr>
             <a:r>
               <a:rPr b="0" lang="fr-FR" sz="1800" spc="-1" strike="noStrike">
                 <a:solidFill>
@@ -6847,7 +10194,7 @@
         <p:txBody>
           <a:bodyPr/>
           <a:p>
-            <a:fld id="{941B36A2-5B91-4AB3-A36E-6FFCC7BC020D}" type="slidenum">
+            <a:fld id="{CAA24EF8-82E3-4ADF-A1F8-6673DC8B7CE9}" type="slidenum">
               <a:t>18</a:t>
             </a:fld>
           </a:p>
@@ -6885,7 +10232,7 @@
       </p:grpSpPr>
       <p:pic>
         <p:nvPicPr>
-          <p:cNvPr id="129" name="" descr=""/>
+          <p:cNvPr id="176" name="" descr=""/>
           <p:cNvPicPr/>
           <p:nvPr/>
         </p:nvPicPr>
@@ -6896,7 +10243,7 @@
         <p:spPr>
           <a:xfrm>
             <a:off x="36000" y="36000"/>
-            <a:ext cx="5003640" cy="2959920"/>
+            <a:ext cx="5003280" cy="2959560"/>
           </a:xfrm>
           <a:prstGeom prst="rect">
             <a:avLst/>
@@ -6908,7 +10255,7 @@
       </p:pic>
       <p:pic>
         <p:nvPicPr>
-          <p:cNvPr id="130" name="" descr=""/>
+          <p:cNvPr id="177" name="" descr=""/>
           <p:cNvPicPr/>
           <p:nvPr/>
         </p:nvPicPr>
@@ -6919,7 +10266,7 @@
         <p:spPr>
           <a:xfrm>
             <a:off x="3780000" y="3017880"/>
-            <a:ext cx="5219640" cy="3043440"/>
+            <a:ext cx="5219280" cy="3043080"/>
           </a:xfrm>
           <a:prstGeom prst="rect">
             <a:avLst/>
@@ -6943,7 +10290,7 @@
         <p:txBody>
           <a:bodyPr/>
           <a:p>
-            <a:fld id="{D40B0F68-B5AE-4B8B-B249-8FBFD8379F23}" type="slidenum">
+            <a:fld id="{9360FAA6-D274-490D-9434-FC8768814C81}" type="slidenum">
               <a:t>19</a:t>
             </a:fld>
           </a:p>
@@ -6981,14 +10328,14 @@
       </p:grpSpPr>
       <p:sp>
         <p:nvSpPr>
-          <p:cNvPr id="56" name="ZoneTexte 1"/>
+          <p:cNvPr id="103" name="ZoneTexte 1"/>
           <p:cNvSpPr/>
           <p:nvPr/>
         </p:nvSpPr>
         <p:spPr>
           <a:xfrm>
             <a:off x="610920" y="6134760"/>
-            <a:ext cx="5759640" cy="429120"/>
+            <a:ext cx="5759280" cy="428760"/>
           </a:xfrm>
           <a:prstGeom prst="rect">
             <a:avLst/>
@@ -7038,7 +10385,7 @@
       </p:sp>
       <p:sp>
         <p:nvSpPr>
-          <p:cNvPr id="57" name="PlaceHolder 1"/>
+          <p:cNvPr id="104" name="PlaceHolder 1"/>
           <p:cNvSpPr>
             <a:spLocks noGrp="1"/>
           </p:cNvSpPr>
@@ -7049,7 +10396,7 @@
         <p:spPr>
           <a:xfrm>
             <a:off x="467640" y="5301360"/>
-            <a:ext cx="5110920" cy="754200"/>
+            <a:ext cx="5110560" cy="753840"/>
           </a:xfrm>
           <a:prstGeom prst="rect">
             <a:avLst/>
@@ -7111,14 +10458,14 @@
       </p:sp>
       <p:sp>
         <p:nvSpPr>
-          <p:cNvPr id="58" name="Rectangle 8"/>
+          <p:cNvPr id="105" name="Rectangle 8"/>
           <p:cNvSpPr/>
           <p:nvPr/>
         </p:nvSpPr>
         <p:spPr>
           <a:xfrm>
             <a:off x="1925640" y="748080"/>
-            <a:ext cx="5290920" cy="5290920"/>
+            <a:ext cx="5290560" cy="5290560"/>
           </a:xfrm>
           <a:prstGeom prst="rect">
             <a:avLst/>
@@ -7169,7 +10516,7 @@
       </p:sp>
       <p:sp>
         <p:nvSpPr>
-          <p:cNvPr id="59" name="PlaceHolder 2"/>
+          <p:cNvPr id="106" name="PlaceHolder 2"/>
           <p:cNvSpPr>
             <a:spLocks noGrp="1"/>
           </p:cNvSpPr>
@@ -7180,7 +10527,7 @@
         <p:spPr>
           <a:xfrm>
             <a:off x="467640" y="1556640"/>
-            <a:ext cx="8207280" cy="2950560"/>
+            <a:ext cx="8206920" cy="2950200"/>
           </a:xfrm>
           <a:prstGeom prst="rect">
             <a:avLst/>
@@ -7286,14 +10633,14 @@
       </p:sp>
       <p:sp>
         <p:nvSpPr>
-          <p:cNvPr id="60" name="Espace réservé du texte 2"/>
+          <p:cNvPr id="107" name="Espace réservé du texte 2"/>
           <p:cNvSpPr/>
           <p:nvPr/>
         </p:nvSpPr>
         <p:spPr>
           <a:xfrm>
             <a:off x="6087240" y="5121720"/>
-            <a:ext cx="2911320" cy="770040"/>
+            <a:ext cx="2910960" cy="769680"/>
           </a:xfrm>
           <a:prstGeom prst="rect">
             <a:avLst/>
@@ -7397,7 +10744,7 @@
         <p:txBody>
           <a:bodyPr/>
           <a:p>
-            <a:fld id="{ADE06019-C4DB-41CC-8AE6-3CD2AD4A5ABA}" type="slidenum">
+            <a:fld id="{22A83B4F-6B56-49BE-AA8B-4DFC2B3545A3}" type="slidenum">
               <a:t>2</a:t>
             </a:fld>
           </a:p>
@@ -7435,14 +10782,14 @@
       </p:grpSpPr>
       <p:sp>
         <p:nvSpPr>
-          <p:cNvPr id="131" name=""/>
+          <p:cNvPr id="178" name=""/>
           <p:cNvSpPr/>
           <p:nvPr/>
         </p:nvSpPr>
         <p:spPr>
           <a:xfrm>
             <a:off x="360000" y="720000"/>
-            <a:ext cx="4499640" cy="1439640"/>
+            <a:ext cx="4499280" cy="1439280"/>
           </a:xfrm>
           <a:prstGeom prst="rect">
             <a:avLst/>
@@ -7566,7 +10913,7 @@
       </p:sp>
       <p:pic>
         <p:nvPicPr>
-          <p:cNvPr id="132" name="" descr=""/>
+          <p:cNvPr id="179" name="" descr=""/>
           <p:cNvPicPr/>
           <p:nvPr/>
         </p:nvPicPr>
@@ -7577,7 +10924,7 @@
         <p:spPr>
           <a:xfrm>
             <a:off x="62640" y="2700000"/>
-            <a:ext cx="4437360" cy="3327840"/>
+            <a:ext cx="4437000" cy="3327480"/>
           </a:xfrm>
           <a:prstGeom prst="rect">
             <a:avLst/>
@@ -7589,7 +10936,7 @@
       </p:pic>
       <p:pic>
         <p:nvPicPr>
-          <p:cNvPr id="133" name="" descr=""/>
+          <p:cNvPr id="180" name="" descr=""/>
           <p:cNvPicPr/>
           <p:nvPr/>
         </p:nvPicPr>
@@ -7600,7 +10947,7 @@
         <p:spPr>
           <a:xfrm>
             <a:off x="4608000" y="2700000"/>
-            <a:ext cx="4470840" cy="3353040"/>
+            <a:ext cx="4470480" cy="3352680"/>
           </a:xfrm>
           <a:prstGeom prst="rect">
             <a:avLst/>
@@ -7624,7 +10971,7 @@
         <p:txBody>
           <a:bodyPr/>
           <a:p>
-            <a:fld id="{B84D1E4B-532C-4972-9768-54324C7FD2A1}" type="slidenum">
+            <a:fld id="{BEE6B73E-782B-4455-8B4C-E059A963786E}" type="slidenum">
               <a:t>20</a:t>
             </a:fld>
           </a:p>
@@ -7662,14 +11009,14 @@
       </p:grpSpPr>
       <p:sp>
         <p:nvSpPr>
-          <p:cNvPr id="134" name=""/>
-          <p:cNvSpPr txBox="1"/>
+          <p:cNvPr id="181" name=""/>
+          <p:cNvSpPr/>
           <p:nvPr/>
         </p:nvSpPr>
         <p:spPr>
           <a:xfrm>
             <a:off x="108000" y="828000"/>
-            <a:ext cx="4500000" cy="720000"/>
+            <a:ext cx="4499640" cy="719640"/>
           </a:xfrm>
           <a:prstGeom prst="rect">
             <a:avLst/>
@@ -7679,11 +11026,22 @@
             <a:noFill/>
           </a:ln>
         </p:spPr>
+        <p:style>
+          <a:lnRef idx="0"/>
+          <a:fillRef idx="0"/>
+          <a:effectRef idx="0"/>
+          <a:fontRef idx="minor"/>
+        </p:style>
         <p:txBody>
           <a:bodyPr lIns="90000" rIns="90000" tIns="45000" bIns="45000" anchor="t">
             <a:noAutofit/>
           </a:bodyPr>
           <a:p>
+            <a:pPr>
+              <a:lnSpc>
+                <a:spcPct val="100000"/>
+              </a:lnSpc>
+            </a:pPr>
             <a:r>
               <a:rPr b="0" lang="fr-FR" sz="1800" spc="-1" strike="noStrike">
                 <a:solidFill>
@@ -7716,7 +11074,7 @@
       </p:sp>
       <p:pic>
         <p:nvPicPr>
-          <p:cNvPr id="135" name="" descr=""/>
+          <p:cNvPr id="182" name="" descr=""/>
           <p:cNvPicPr/>
           <p:nvPr/>
         </p:nvPicPr>
@@ -7727,7 +11085,7 @@
         <p:spPr>
           <a:xfrm>
             <a:off x="866160" y="1542240"/>
-            <a:ext cx="7377840" cy="4426560"/>
+            <a:ext cx="7377480" cy="4426200"/>
           </a:xfrm>
           <a:prstGeom prst="rect">
             <a:avLst/>
@@ -7739,14 +11097,299 @@
       </p:pic>
       <p:sp>
         <p:nvSpPr>
-          <p:cNvPr id="136" name=""/>
+          <p:cNvPr id="183" name=""/>
+          <p:cNvSpPr/>
+          <p:nvPr/>
+        </p:nvSpPr>
+        <p:spPr>
+          <a:xfrm>
+            <a:off x="5427720" y="720000"/>
+            <a:ext cx="3031920" cy="857880"/>
+          </a:xfrm>
+          <a:prstGeom prst="rect">
+            <a:avLst/>
+          </a:prstGeom>
+          <a:noFill/>
+          <a:ln w="0">
+            <a:noFill/>
+          </a:ln>
+        </p:spPr>
+        <p:style>
+          <a:lnRef idx="0"/>
+          <a:fillRef idx="0"/>
+          <a:effectRef idx="0"/>
+          <a:fontRef idx="minor"/>
+        </p:style>
+        <p:txBody>
+          <a:bodyPr lIns="90000" rIns="90000" tIns="45000" bIns="45000" anchor="t">
+            <a:noAutofit/>
+          </a:bodyPr>
+          <a:p>
+            <a:pPr>
+              <a:lnSpc>
+                <a:spcPct val="100000"/>
+              </a:lnSpc>
+            </a:pPr>
+            <a:r>
+              <a:rPr b="0" lang="fr-FR" sz="1800" spc="-1" strike="noStrike">
+                <a:solidFill>
+                  <a:srgbClr val="000000"/>
+                </a:solidFill>
+                <a:latin typeface="Arial"/>
+              </a:rPr>
+              <a:t>A faire : </a:t>
+            </a:r>
+            <a:endParaRPr b="0" lang="fr-FR" sz="1800" spc="-1" strike="noStrike">
+              <a:solidFill>
+                <a:srgbClr val="000000"/>
+              </a:solidFill>
+              <a:latin typeface="Arial"/>
+            </a:endParaRPr>
+          </a:p>
+          <a:p>
+            <a:pPr>
+              <a:lnSpc>
+                <a:spcPct val="100000"/>
+              </a:lnSpc>
+            </a:pPr>
+            <a:r>
+              <a:rPr b="0" lang="fr-FR" sz="1800" spc="-1" strike="noStrike">
+                <a:solidFill>
+                  <a:srgbClr val="000000"/>
+                </a:solidFill>
+                <a:latin typeface="Arial"/>
+              </a:rPr>
+              <a:t>-Section + Etude</a:t>
+            </a:r>
+            <a:endParaRPr b="0" lang="fr-FR" sz="1800" spc="-1" strike="noStrike">
+              <a:solidFill>
+                <a:srgbClr val="000000"/>
+              </a:solidFill>
+              <a:latin typeface="Arial"/>
+            </a:endParaRPr>
+          </a:p>
+          <a:p>
+            <a:pPr>
+              <a:lnSpc>
+                <a:spcPct val="100000"/>
+              </a:lnSpc>
+            </a:pPr>
+            <a:r>
+              <a:rPr b="0" lang="fr-FR" sz="1800" spc="-1" strike="noStrike">
+                <a:solidFill>
+                  <a:srgbClr val="000000"/>
+                </a:solidFill>
+                <a:latin typeface="Arial"/>
+              </a:rPr>
+              <a:t>-Embedding</a:t>
+            </a:r>
+            <a:endParaRPr b="0" lang="fr-FR" sz="1800" spc="-1" strike="noStrike">
+              <a:solidFill>
+                <a:srgbClr val="000000"/>
+              </a:solidFill>
+              <a:latin typeface="Arial"/>
+            </a:endParaRPr>
+          </a:p>
+        </p:txBody>
+      </p:sp>
+      <p:sp>
+        <p:nvSpPr>
+          <p:cNvPr id="2" name="PlaceHolder 1"/>
+          <p:cNvSpPr>
+            <a:spLocks noGrp="1"/>
+          </p:cNvSpPr>
+          <p:nvPr>
+            <p:ph type="sldNum" idx="2"/>
+          </p:nvPr>
+        </p:nvSpPr>
+        <p:spPr/>
+        <p:txBody>
+          <a:bodyPr/>
+          <a:p>
+            <a:fld id="{AC66D95A-AC15-490F-B017-B9B0DDCD0CE5}" type="slidenum">
+              <a:t>21</a:t>
+            </a:fld>
+          </a:p>
+        </p:txBody>
+      </p:sp>
+    </p:spTree>
+  </p:cSld>
+  <mc:AlternateContent>
+    <mc:Choice Requires="p14">
+      <p:transition spd="slow" p14:dur="2000"/>
+    </mc:Choice>
+    <mc:Fallback>
+      <p:transition spd="slow"/>
+    </mc:Fallback>
+  </mc:AlternateContent>
+</p:sld>
+</file>
+
+<file path=ppt/slides/slide22.xml><?xml version="1.0" encoding="utf-8"?>
+<p:sld xmlns:a="http://schemas.openxmlformats.org/drawingml/2006/main" xmlns:p="http://schemas.openxmlformats.org/presentationml/2006/main" xmlns:r="http://schemas.openxmlformats.org/officeDocument/2006/relationships" xmlns:p14="http://schemas.microsoft.com/office/powerpoint/2010/main" xmlns:p15="http://schemas.microsoft.com/office/powerpoint/2012/main" xmlns:mc="http://schemas.openxmlformats.org/markup-compatibility/2006">
+  <p:cSld>
+    <p:spTree>
+      <p:nvGrpSpPr>
+        <p:cNvPr id="1" name=""/>
+        <p:cNvGrpSpPr/>
+        <p:nvPr/>
+      </p:nvGrpSpPr>
+      <p:grpSpPr>
+        <a:xfrm>
+          <a:off x="0" y="0"/>
+          <a:ext cx="0" cy="0"/>
+          <a:chOff x="0" y="0"/>
+          <a:chExt cx="0" cy="0"/>
+        </a:xfrm>
+      </p:grpSpPr>
+      <p:sp>
+        <p:nvSpPr>
+          <p:cNvPr id="184" name=""/>
+          <p:cNvSpPr/>
+          <p:nvPr/>
+        </p:nvSpPr>
+        <p:spPr>
+          <a:xfrm>
+            <a:off x="1260000" y="1980000"/>
+            <a:ext cx="6478560" cy="3495240"/>
+          </a:xfrm>
+          <a:prstGeom prst="rect">
+            <a:avLst/>
+          </a:prstGeom>
+          <a:noFill/>
+          <a:ln w="0">
+            <a:noFill/>
+          </a:ln>
+        </p:spPr>
+        <p:style>
+          <a:lnRef idx="0"/>
+          <a:fillRef idx="0"/>
+          <a:effectRef idx="0"/>
+          <a:fontRef idx="minor"/>
+        </p:style>
+        <p:txBody>
+          <a:bodyPr lIns="90000" rIns="90000" tIns="45000" bIns="45000" anchor="t">
+            <a:noAutofit/>
+          </a:bodyPr>
+          <a:p>
+            <a:pPr>
+              <a:lnSpc>
+                <a:spcPct val="100000"/>
+              </a:lnSpc>
+            </a:pPr>
+            <a:r>
+              <a:rPr b="0" lang="fr-FR" sz="8000" spc="-1" strike="noStrike">
+                <a:solidFill>
+                  <a:srgbClr val="000000"/>
+                </a:solidFill>
+                <a:latin typeface="Arial"/>
+              </a:rPr>
+              <a:t>SECTION 3 :</a:t>
+            </a:r>
+            <a:br>
+              <a:rPr sz="8000"/>
+            </a:br>
+            <a:r>
+              <a:rPr b="0" lang="fr-FR" sz="8000" spc="-1" strike="noStrike">
+                <a:solidFill>
+                  <a:srgbClr val="000000"/>
+                </a:solidFill>
+                <a:latin typeface="Arial"/>
+              </a:rPr>
+              <a:t>11/04</a:t>
+            </a:r>
+            <a:endParaRPr b="0" lang="fr-FR" sz="8000" spc="-1" strike="noStrike">
+              <a:solidFill>
+                <a:srgbClr val="000000"/>
+              </a:solidFill>
+              <a:latin typeface="Arial"/>
+            </a:endParaRPr>
+          </a:p>
+        </p:txBody>
+      </p:sp>
+      <p:sp>
+        <p:nvSpPr>
+          <p:cNvPr id="2" name="PlaceHolder 1"/>
+          <p:cNvSpPr>
+            <a:spLocks noGrp="1"/>
+          </p:cNvSpPr>
+          <p:nvPr>
+            <p:ph type="sldNum" idx="2"/>
+          </p:nvPr>
+        </p:nvSpPr>
+        <p:spPr/>
+        <p:txBody>
+          <a:bodyPr/>
+          <a:p>
+            <a:fld id="{E75C7E75-6000-405C-859D-7BA852ADEDFF}" type="slidenum">
+              <a:t>22</a:t>
+            </a:fld>
+          </a:p>
+        </p:txBody>
+      </p:sp>
+    </p:spTree>
+  </p:cSld>
+  <mc:AlternateContent>
+    <mc:Choice Requires="p14">
+      <p:transition spd="slow" p14:dur="2000"/>
+    </mc:Choice>
+    <mc:Fallback>
+      <p:transition spd="slow"/>
+    </mc:Fallback>
+  </mc:AlternateContent>
+</p:sld>
+</file>
+
+<file path=ppt/slides/slide23.xml><?xml version="1.0" encoding="utf-8"?>
+<p:sld xmlns:a="http://schemas.openxmlformats.org/drawingml/2006/main" xmlns:p="http://schemas.openxmlformats.org/presentationml/2006/main" xmlns:r="http://schemas.openxmlformats.org/officeDocument/2006/relationships" xmlns:p14="http://schemas.microsoft.com/office/powerpoint/2010/main" xmlns:p15="http://schemas.microsoft.com/office/powerpoint/2012/main" xmlns:mc="http://schemas.openxmlformats.org/markup-compatibility/2006">
+  <p:cSld>
+    <p:spTree>
+      <p:nvGrpSpPr>
+        <p:cNvPr id="1" name=""/>
+        <p:cNvGrpSpPr/>
+        <p:nvPr/>
+      </p:nvGrpSpPr>
+      <p:grpSpPr>
+        <a:xfrm>
+          <a:off x="0" y="0"/>
+          <a:ext cx="0" cy="0"/>
+          <a:chOff x="0" y="0"/>
+          <a:chExt cx="0" cy="0"/>
+        </a:xfrm>
+      </p:grpSpPr>
+      <p:pic>
+        <p:nvPicPr>
+          <p:cNvPr id="185" name="" descr=""/>
+          <p:cNvPicPr/>
+          <p:nvPr/>
+        </p:nvPicPr>
+        <p:blipFill>
+          <a:blip r:embed="rId1"/>
+          <a:stretch/>
+        </p:blipFill>
+        <p:spPr>
+          <a:xfrm>
+            <a:off x="900000" y="1087560"/>
+            <a:ext cx="7080840" cy="4672440"/>
+          </a:xfrm>
+          <a:prstGeom prst="rect">
+            <a:avLst/>
+          </a:prstGeom>
+          <a:ln w="0">
+            <a:noFill/>
+          </a:ln>
+        </p:spPr>
+      </p:pic>
+      <p:sp>
+        <p:nvSpPr>
+          <p:cNvPr id="186" name=""/>
           <p:cNvSpPr txBox="1"/>
           <p:nvPr/>
         </p:nvSpPr>
         <p:spPr>
           <a:xfrm>
-            <a:off x="5427720" y="720000"/>
-            <a:ext cx="3032280" cy="858240"/>
+            <a:off x="900000" y="720000"/>
+            <a:ext cx="5040000" cy="367560"/>
           </a:xfrm>
           <a:prstGeom prst="rect">
             <a:avLst/>
@@ -7768,7 +11411,7 @@
                 </a:solidFill>
                 <a:latin typeface="Arial"/>
               </a:rPr>
-              <a:t>A faire : </a:t>
+              <a:t>PCA → Kmeans des Sections + Etudes</a:t>
             </a:r>
             <a:endParaRPr b="0" lang="fr-FR" sz="1800" spc="-1" strike="noStrike">
               <a:solidFill>
@@ -7777,6 +11420,81 @@
               <a:latin typeface="Arial"/>
             </a:endParaRPr>
           </a:p>
+        </p:txBody>
+      </p:sp>
+      <p:sp>
+        <p:nvSpPr>
+          <p:cNvPr id="2" name="PlaceHolder 1"/>
+          <p:cNvSpPr>
+            <a:spLocks noGrp="1"/>
+          </p:cNvSpPr>
+          <p:nvPr>
+            <p:ph type="sldNum" idx="2"/>
+          </p:nvPr>
+        </p:nvSpPr>
+        <p:spPr/>
+        <p:txBody>
+          <a:bodyPr/>
+          <a:p>
+            <a:fld id="{D773AF5E-9A86-4DCA-98F6-99872B646CC5}" type="slidenum">
+              <a:t>23</a:t>
+            </a:fld>
+          </a:p>
+        </p:txBody>
+      </p:sp>
+    </p:spTree>
+  </p:cSld>
+  <mc:AlternateContent>
+    <mc:Choice Requires="p14">
+      <p:transition spd="slow" p14:dur="2000"/>
+    </mc:Choice>
+    <mc:Fallback>
+      <p:transition spd="slow"/>
+    </mc:Fallback>
+  </mc:AlternateContent>
+</p:sld>
+</file>
+
+<file path=ppt/slides/slide24.xml><?xml version="1.0" encoding="utf-8"?>
+<p:sld xmlns:a="http://schemas.openxmlformats.org/drawingml/2006/main" xmlns:p="http://schemas.openxmlformats.org/presentationml/2006/main" xmlns:r="http://schemas.openxmlformats.org/officeDocument/2006/relationships" xmlns:p14="http://schemas.microsoft.com/office/powerpoint/2010/main" xmlns:p15="http://schemas.microsoft.com/office/powerpoint/2012/main" xmlns:mc="http://schemas.openxmlformats.org/markup-compatibility/2006">
+  <p:cSld>
+    <p:spTree>
+      <p:nvGrpSpPr>
+        <p:cNvPr id="1" name=""/>
+        <p:cNvGrpSpPr/>
+        <p:nvPr/>
+      </p:nvGrpSpPr>
+      <p:grpSpPr>
+        <a:xfrm>
+          <a:off x="0" y="0"/>
+          <a:ext cx="0" cy="0"/>
+          <a:chOff x="0" y="0"/>
+          <a:chExt cx="0" cy="0"/>
+        </a:xfrm>
+      </p:grpSpPr>
+      <p:sp>
+        <p:nvSpPr>
+          <p:cNvPr id="187" name=""/>
+          <p:cNvSpPr txBox="1"/>
+          <p:nvPr/>
+        </p:nvSpPr>
+        <p:spPr>
+          <a:xfrm>
+            <a:off x="900000" y="720360"/>
+            <a:ext cx="5040000" cy="602280"/>
+          </a:xfrm>
+          <a:prstGeom prst="rect">
+            <a:avLst/>
+          </a:prstGeom>
+          <a:noFill/>
+          <a:ln w="0">
+            <a:noFill/>
+          </a:ln>
+        </p:spPr>
+        <p:txBody>
+          <a:bodyPr lIns="90000" rIns="90000" tIns="45000" bIns="45000" anchor="t">
+            <a:noAutofit/>
+          </a:bodyPr>
           <a:p>
             <a:r>
               <a:rPr b="0" lang="fr-FR" sz="1800" spc="-1" strike="noStrike">
@@ -7785,7 +11503,7 @@
                 </a:solidFill>
                 <a:latin typeface="Arial"/>
               </a:rPr>
-              <a:t>-Section + Etude</a:t>
+              <a:t>Procedure et Data Management à l’écart</a:t>
             </a:r>
             <a:endParaRPr b="0" lang="fr-FR" sz="1800" spc="-1" strike="noStrike">
               <a:solidFill>
@@ -7802,7 +11520,16 @@
                 </a:solidFill>
                 <a:latin typeface="Arial"/>
               </a:rPr>
-              <a:t>-Embedding</a:t>
+              <a:t>→ </a:t>
+            </a:r>
+            <a:r>
+              <a:rPr b="0" lang="fr-FR" sz="1800" spc="-1" strike="noStrike">
+                <a:solidFill>
+                  <a:srgbClr val="000000"/>
+                </a:solidFill>
+                <a:latin typeface="Arial"/>
+              </a:rPr>
+              <a:t>Zoom sur les autres sections</a:t>
             </a:r>
             <a:endParaRPr b="0" lang="fr-FR" sz="1800" spc="-1" strike="noStrike">
               <a:solidFill>
@@ -7813,6 +11540,29 @@
           </a:p>
         </p:txBody>
       </p:sp>
+      <p:pic>
+        <p:nvPicPr>
+          <p:cNvPr id="188" name="" descr=""/>
+          <p:cNvPicPr/>
+          <p:nvPr/>
+        </p:nvPicPr>
+        <p:blipFill>
+          <a:blip r:embed="rId1"/>
+          <a:stretch/>
+        </p:blipFill>
+        <p:spPr>
+          <a:xfrm>
+            <a:off x="1021320" y="1332000"/>
+            <a:ext cx="7222680" cy="4680000"/>
+          </a:xfrm>
+          <a:prstGeom prst="rect">
+            <a:avLst/>
+          </a:prstGeom>
+          <a:ln w="0">
+            <a:noFill/>
+          </a:ln>
+        </p:spPr>
+      </p:pic>
       <p:sp>
         <p:nvSpPr>
           <p:cNvPr id="2" name="PlaceHolder 1"/>
@@ -7827,8 +11577,633 @@
         <p:txBody>
           <a:bodyPr/>
           <a:p>
-            <a:fld id="{9861ECA3-0EDE-4ABF-A169-3B64E6E921B5}" type="slidenum">
-              <a:t>21</a:t>
+            <a:fld id="{15F1357E-5E0B-4A46-8ABD-F7694DD9C365}" type="slidenum">
+              <a:t>24</a:t>
+            </a:fld>
+          </a:p>
+        </p:txBody>
+      </p:sp>
+    </p:spTree>
+  </p:cSld>
+  <mc:AlternateContent>
+    <mc:Choice Requires="p14">
+      <p:transition spd="slow" p14:dur="2000"/>
+    </mc:Choice>
+    <mc:Fallback>
+      <p:transition spd="slow"/>
+    </mc:Fallback>
+  </mc:AlternateContent>
+</p:sld>
+</file>
+
+<file path=ppt/slides/slide25.xml><?xml version="1.0" encoding="utf-8"?>
+<p:sld xmlns:a="http://schemas.openxmlformats.org/drawingml/2006/main" xmlns:p="http://schemas.openxmlformats.org/presentationml/2006/main" xmlns:r="http://schemas.openxmlformats.org/officeDocument/2006/relationships" xmlns:p14="http://schemas.microsoft.com/office/powerpoint/2010/main" xmlns:p15="http://schemas.microsoft.com/office/powerpoint/2012/main" xmlns:mc="http://schemas.openxmlformats.org/markup-compatibility/2006">
+  <p:cSld>
+    <p:spTree>
+      <p:nvGrpSpPr>
+        <p:cNvPr id="1" name=""/>
+        <p:cNvGrpSpPr/>
+        <p:nvPr/>
+      </p:nvGrpSpPr>
+      <p:grpSpPr>
+        <a:xfrm>
+          <a:off x="0" y="0"/>
+          <a:ext cx="0" cy="0"/>
+          <a:chOff x="0" y="0"/>
+          <a:chExt cx="0" cy="0"/>
+        </a:xfrm>
+      </p:grpSpPr>
+      <p:sp>
+        <p:nvSpPr>
+          <p:cNvPr id="189" name=""/>
+          <p:cNvSpPr txBox="1"/>
+          <p:nvPr/>
+        </p:nvSpPr>
+        <p:spPr>
+          <a:xfrm>
+            <a:off x="360000" y="720000"/>
+            <a:ext cx="4140000" cy="360000"/>
+          </a:xfrm>
+          <a:prstGeom prst="rect">
+            <a:avLst/>
+          </a:prstGeom>
+          <a:noFill/>
+          <a:ln w="0">
+            <a:noFill/>
+          </a:ln>
+        </p:spPr>
+        <p:txBody>
+          <a:bodyPr lIns="90000" rIns="90000" tIns="45000" bIns="45000" anchor="t">
+            <a:noAutofit/>
+          </a:bodyPr>
+          <a:p>
+            <a:r>
+              <a:rPr b="0" lang="fr-FR" sz="1800" spc="-1" strike="noStrike">
+                <a:solidFill>
+                  <a:srgbClr val="000000"/>
+                </a:solidFill>
+                <a:latin typeface="Arial"/>
+              </a:rPr>
+              <a:t>On essaye avec t-sne pour comparer</a:t>
+            </a:r>
+            <a:endParaRPr b="0" lang="fr-FR" sz="1800" spc="-1" strike="noStrike">
+              <a:solidFill>
+                <a:srgbClr val="000000"/>
+              </a:solidFill>
+              <a:latin typeface="Arial"/>
+            </a:endParaRPr>
+          </a:p>
+        </p:txBody>
+      </p:sp>
+      <p:pic>
+        <p:nvPicPr>
+          <p:cNvPr id="190" name="" descr=""/>
+          <p:cNvPicPr/>
+          <p:nvPr/>
+        </p:nvPicPr>
+        <p:blipFill>
+          <a:blip r:embed="rId1"/>
+          <a:stretch/>
+        </p:blipFill>
+        <p:spPr>
+          <a:xfrm>
+            <a:off x="864000" y="1080000"/>
+            <a:ext cx="7557120" cy="5004000"/>
+          </a:xfrm>
+          <a:prstGeom prst="rect">
+            <a:avLst/>
+          </a:prstGeom>
+          <a:ln w="0">
+            <a:noFill/>
+          </a:ln>
+        </p:spPr>
+      </p:pic>
+      <p:sp>
+        <p:nvSpPr>
+          <p:cNvPr id="191" name=""/>
+          <p:cNvSpPr txBox="1"/>
+          <p:nvPr/>
+        </p:nvSpPr>
+        <p:spPr>
+          <a:xfrm>
+            <a:off x="4680000" y="720000"/>
+            <a:ext cx="4140000" cy="360000"/>
+          </a:xfrm>
+          <a:prstGeom prst="rect">
+            <a:avLst/>
+          </a:prstGeom>
+          <a:noFill/>
+          <a:ln w="0">
+            <a:noFill/>
+          </a:ln>
+        </p:spPr>
+        <p:txBody>
+          <a:bodyPr lIns="90000" rIns="90000" tIns="45000" bIns="45000" anchor="t">
+            <a:noAutofit/>
+          </a:bodyPr>
+          <a:p>
+            <a:r>
+              <a:rPr b="0" lang="fr-FR" sz="1800" spc="-1" strike="noStrike">
+                <a:solidFill>
+                  <a:srgbClr val="000000"/>
+                </a:solidFill>
+                <a:latin typeface="Arial"/>
+              </a:rPr>
+              <a:t>Etudes avec top termes des clusters</a:t>
+            </a:r>
+            <a:endParaRPr b="0" lang="fr-FR" sz="1800" spc="-1" strike="noStrike">
+              <a:solidFill>
+                <a:srgbClr val="000000"/>
+              </a:solidFill>
+              <a:latin typeface="Arial"/>
+            </a:endParaRPr>
+          </a:p>
+        </p:txBody>
+      </p:sp>
+      <p:sp>
+        <p:nvSpPr>
+          <p:cNvPr id="2" name="PlaceHolder 1"/>
+          <p:cNvSpPr>
+            <a:spLocks noGrp="1"/>
+          </p:cNvSpPr>
+          <p:nvPr>
+            <p:ph type="sldNum" idx="2"/>
+          </p:nvPr>
+        </p:nvSpPr>
+        <p:spPr/>
+        <p:txBody>
+          <a:bodyPr/>
+          <a:p>
+            <a:fld id="{CBFF9808-6563-4573-9157-60015633814B}" type="slidenum">
+              <a:t>25</a:t>
+            </a:fld>
+          </a:p>
+        </p:txBody>
+      </p:sp>
+    </p:spTree>
+  </p:cSld>
+  <mc:AlternateContent>
+    <mc:Choice Requires="p14">
+      <p:transition spd="slow" p14:dur="2000"/>
+    </mc:Choice>
+    <mc:Fallback>
+      <p:transition spd="slow"/>
+    </mc:Fallback>
+  </mc:AlternateContent>
+</p:sld>
+</file>
+
+<file path=ppt/slides/slide26.xml><?xml version="1.0" encoding="utf-8"?>
+<p:sld xmlns:a="http://schemas.openxmlformats.org/drawingml/2006/main" xmlns:p="http://schemas.openxmlformats.org/presentationml/2006/main" xmlns:r="http://schemas.openxmlformats.org/officeDocument/2006/relationships" xmlns:p14="http://schemas.microsoft.com/office/powerpoint/2010/main" xmlns:p15="http://schemas.microsoft.com/office/powerpoint/2012/main" xmlns:mc="http://schemas.openxmlformats.org/markup-compatibility/2006">
+  <p:cSld>
+    <p:spTree>
+      <p:nvGrpSpPr>
+        <p:cNvPr id="1" name=""/>
+        <p:cNvGrpSpPr/>
+        <p:nvPr/>
+      </p:nvGrpSpPr>
+      <p:grpSpPr>
+        <a:xfrm>
+          <a:off x="0" y="0"/>
+          <a:ext cx="0" cy="0"/>
+          <a:chOff x="0" y="0"/>
+          <a:chExt cx="0" cy="0"/>
+        </a:xfrm>
+      </p:grpSpPr>
+      <p:sp>
+        <p:nvSpPr>
+          <p:cNvPr id="192" name=""/>
+          <p:cNvSpPr txBox="1"/>
+          <p:nvPr/>
+        </p:nvSpPr>
+        <p:spPr>
+          <a:xfrm>
+            <a:off x="180000" y="720000"/>
+            <a:ext cx="5220000" cy="360000"/>
+          </a:xfrm>
+          <a:prstGeom prst="rect">
+            <a:avLst/>
+          </a:prstGeom>
+          <a:noFill/>
+          <a:ln w="0">
+            <a:noFill/>
+          </a:ln>
+        </p:spPr>
+        <p:txBody>
+          <a:bodyPr lIns="90000" rIns="90000" tIns="45000" bIns="45000" anchor="t">
+            <a:noAutofit/>
+          </a:bodyPr>
+          <a:p>
+            <a:r>
+              <a:rPr b="0" lang="fr-FR" sz="1800" spc="-1" strike="noStrike">
+                <a:solidFill>
+                  <a:srgbClr val="000000"/>
+                </a:solidFill>
+                <a:latin typeface="Arial"/>
+              </a:rPr>
+              <a:t>Etudes et Sections avec top termes des clusters</a:t>
+            </a:r>
+            <a:endParaRPr b="0" lang="fr-FR" sz="1800" spc="-1" strike="noStrike">
+              <a:solidFill>
+                <a:srgbClr val="000000"/>
+              </a:solidFill>
+              <a:latin typeface="Arial"/>
+            </a:endParaRPr>
+          </a:p>
+        </p:txBody>
+      </p:sp>
+      <p:pic>
+        <p:nvPicPr>
+          <p:cNvPr id="193" name="" descr=""/>
+          <p:cNvPicPr/>
+          <p:nvPr/>
+        </p:nvPicPr>
+        <p:blipFill>
+          <a:blip r:embed="rId1"/>
+          <a:stretch/>
+        </p:blipFill>
+        <p:spPr>
+          <a:xfrm>
+            <a:off x="756000" y="1044000"/>
+            <a:ext cx="7572600" cy="5066280"/>
+          </a:xfrm>
+          <a:prstGeom prst="rect">
+            <a:avLst/>
+          </a:prstGeom>
+          <a:ln w="0">
+            <a:noFill/>
+          </a:ln>
+        </p:spPr>
+      </p:pic>
+      <p:sp>
+        <p:nvSpPr>
+          <p:cNvPr id="2" name="PlaceHolder 1"/>
+          <p:cNvSpPr>
+            <a:spLocks noGrp="1"/>
+          </p:cNvSpPr>
+          <p:nvPr>
+            <p:ph type="sldNum" idx="2"/>
+          </p:nvPr>
+        </p:nvSpPr>
+        <p:spPr/>
+        <p:txBody>
+          <a:bodyPr/>
+          <a:p>
+            <a:fld id="{D60BD5E1-C025-4389-8CF4-38DB250F6434}" type="slidenum">
+              <a:t>26</a:t>
+            </a:fld>
+          </a:p>
+        </p:txBody>
+      </p:sp>
+    </p:spTree>
+  </p:cSld>
+  <mc:AlternateContent>
+    <mc:Choice Requires="p14">
+      <p:transition spd="slow" p14:dur="2000"/>
+    </mc:Choice>
+    <mc:Fallback>
+      <p:transition spd="slow"/>
+    </mc:Fallback>
+  </mc:AlternateContent>
+</p:sld>
+</file>
+
+<file path=ppt/slides/slide27.xml><?xml version="1.0" encoding="utf-8"?>
+<p:sld xmlns:a="http://schemas.openxmlformats.org/drawingml/2006/main" xmlns:p="http://schemas.openxmlformats.org/presentationml/2006/main" xmlns:r="http://schemas.openxmlformats.org/officeDocument/2006/relationships" xmlns:p14="http://schemas.microsoft.com/office/powerpoint/2010/main" xmlns:p15="http://schemas.microsoft.com/office/powerpoint/2012/main" xmlns:mc="http://schemas.openxmlformats.org/markup-compatibility/2006">
+  <p:cSld>
+    <p:spTree>
+      <p:nvGrpSpPr>
+        <p:cNvPr id="1" name=""/>
+        <p:cNvGrpSpPr/>
+        <p:nvPr/>
+      </p:nvGrpSpPr>
+      <p:grpSpPr>
+        <a:xfrm>
+          <a:off x="0" y="0"/>
+          <a:ext cx="0" cy="0"/>
+          <a:chOff x="0" y="0"/>
+          <a:chExt cx="0" cy="0"/>
+        </a:xfrm>
+      </p:grpSpPr>
+      <p:pic>
+        <p:nvPicPr>
+          <p:cNvPr id="194" name="" descr=""/>
+          <p:cNvPicPr/>
+          <p:nvPr/>
+        </p:nvPicPr>
+        <p:blipFill>
+          <a:blip r:embed="rId1"/>
+          <a:stretch/>
+        </p:blipFill>
+        <p:spPr>
+          <a:xfrm>
+            <a:off x="1480320" y="900000"/>
+            <a:ext cx="5539680" cy="2072160"/>
+          </a:xfrm>
+          <a:prstGeom prst="rect">
+            <a:avLst/>
+          </a:prstGeom>
+          <a:ln w="0">
+            <a:noFill/>
+          </a:ln>
+        </p:spPr>
+      </p:pic>
+      <p:sp>
+        <p:nvSpPr>
+          <p:cNvPr id="195" name=""/>
+          <p:cNvSpPr txBox="1"/>
+          <p:nvPr/>
+        </p:nvSpPr>
+        <p:spPr>
+          <a:xfrm>
+            <a:off x="259560" y="3420000"/>
+            <a:ext cx="8884440" cy="1626480"/>
+          </a:xfrm>
+          <a:prstGeom prst="rect">
+            <a:avLst/>
+          </a:prstGeom>
+          <a:noFill/>
+          <a:ln w="0">
+            <a:noFill/>
+          </a:ln>
+        </p:spPr>
+        <p:txBody>
+          <a:bodyPr lIns="90000" rIns="90000" tIns="45000" bIns="45000" anchor="t">
+            <a:noAutofit/>
+          </a:bodyPr>
+          <a:p>
+            <a:r>
+              <a:rPr b="0" lang="fr-FR" sz="1800" spc="-1" strike="noStrike">
+                <a:solidFill>
+                  <a:srgbClr val="000000"/>
+                </a:solidFill>
+                <a:latin typeface="Arial"/>
+              </a:rPr>
+              <a:t>Faible inertie → les points sont très proches des centroïdes → clusters compacts</a:t>
+            </a:r>
+            <a:endParaRPr b="0" lang="fr-FR" sz="1800" spc="-1" strike="noStrike">
+              <a:solidFill>
+                <a:srgbClr val="000000"/>
+              </a:solidFill>
+              <a:latin typeface="Arial"/>
+            </a:endParaRPr>
+          </a:p>
+          <a:p>
+            <a:endParaRPr b="0" lang="fr-FR" sz="1800" spc="-1" strike="noStrike">
+              <a:solidFill>
+                <a:srgbClr val="000000"/>
+              </a:solidFill>
+              <a:latin typeface="Arial"/>
+            </a:endParaRPr>
+          </a:p>
+          <a:p>
+            <a:r>
+              <a:rPr b="0" lang="fr-FR" sz="1800" spc="-1" strike="noStrike">
+                <a:solidFill>
+                  <a:srgbClr val="000000"/>
+                </a:solidFill>
+                <a:latin typeface="Arial"/>
+              </a:rPr>
+              <a:t>Haute inertie → les points sont dispersés → clusters peu cohérents</a:t>
+            </a:r>
+            <a:endParaRPr b="0" lang="fr-FR" sz="1800" spc="-1" strike="noStrike">
+              <a:solidFill>
+                <a:srgbClr val="000000"/>
+              </a:solidFill>
+              <a:latin typeface="Arial"/>
+            </a:endParaRPr>
+          </a:p>
+          <a:p>
+            <a:endParaRPr b="0" lang="fr-FR" sz="1800" spc="-1" strike="noStrike">
+              <a:solidFill>
+                <a:srgbClr val="000000"/>
+              </a:solidFill>
+              <a:latin typeface="Arial"/>
+            </a:endParaRPr>
+          </a:p>
+          <a:p>
+            <a:r>
+              <a:rPr b="0" lang="fr-FR" sz="1800" spc="-1" strike="noStrike">
+                <a:solidFill>
+                  <a:srgbClr val="000000"/>
+                </a:solidFill>
+                <a:latin typeface="Arial"/>
+              </a:rPr>
+              <a:t>Mais : l'inertie diminue toujours quand on augmente le nombre de clusters, car plus de clusters = plus de flexibilité → d’où l’intérêt de la méthode du coude.</a:t>
+            </a:r>
+            <a:endParaRPr b="0" lang="fr-FR" sz="1800" spc="-1" strike="noStrike">
+              <a:solidFill>
+                <a:srgbClr val="000000"/>
+              </a:solidFill>
+              <a:latin typeface="Arial"/>
+            </a:endParaRPr>
+          </a:p>
+        </p:txBody>
+      </p:sp>
+      <p:sp>
+        <p:nvSpPr>
+          <p:cNvPr id="2" name="PlaceHolder 1"/>
+          <p:cNvSpPr>
+            <a:spLocks noGrp="1"/>
+          </p:cNvSpPr>
+          <p:nvPr>
+            <p:ph type="sldNum" idx="2"/>
+          </p:nvPr>
+        </p:nvSpPr>
+        <p:spPr/>
+        <p:txBody>
+          <a:bodyPr/>
+          <a:p>
+            <a:fld id="{919DB38A-F791-45BC-800C-4B78AEA44413}" type="slidenum">
+              <a:t>27</a:t>
+            </a:fld>
+          </a:p>
+        </p:txBody>
+      </p:sp>
+    </p:spTree>
+  </p:cSld>
+  <mc:AlternateContent>
+    <mc:Choice Requires="p14">
+      <p:transition spd="slow" p14:dur="2000"/>
+    </mc:Choice>
+    <mc:Fallback>
+      <p:transition spd="slow"/>
+    </mc:Fallback>
+  </mc:AlternateContent>
+</p:sld>
+</file>
+
+<file path=ppt/slides/slide28.xml><?xml version="1.0" encoding="utf-8"?>
+<p:sld xmlns:a="http://schemas.openxmlformats.org/drawingml/2006/main" xmlns:p="http://schemas.openxmlformats.org/presentationml/2006/main" xmlns:r="http://schemas.openxmlformats.org/officeDocument/2006/relationships" xmlns:p14="http://schemas.microsoft.com/office/powerpoint/2010/main" xmlns:p15="http://schemas.microsoft.com/office/powerpoint/2012/main" xmlns:mc="http://schemas.openxmlformats.org/markup-compatibility/2006">
+  <p:cSld>
+    <p:spTree>
+      <p:nvGrpSpPr>
+        <p:cNvPr id="1" name=""/>
+        <p:cNvGrpSpPr/>
+        <p:nvPr/>
+      </p:nvGrpSpPr>
+      <p:grpSpPr>
+        <a:xfrm>
+          <a:off x="0" y="0"/>
+          <a:ext cx="0" cy="0"/>
+          <a:chOff x="0" y="0"/>
+          <a:chExt cx="0" cy="0"/>
+        </a:xfrm>
+      </p:grpSpPr>
+      <p:pic>
+        <p:nvPicPr>
+          <p:cNvPr id="196" name="" descr=""/>
+          <p:cNvPicPr/>
+          <p:nvPr/>
+        </p:nvPicPr>
+        <p:blipFill>
+          <a:blip r:embed="rId1"/>
+          <a:stretch/>
+        </p:blipFill>
+        <p:spPr>
+          <a:xfrm>
+            <a:off x="360000" y="720000"/>
+            <a:ext cx="7080120" cy="4320000"/>
+          </a:xfrm>
+          <a:prstGeom prst="rect">
+            <a:avLst/>
+          </a:prstGeom>
+          <a:ln w="0">
+            <a:noFill/>
+          </a:ln>
+        </p:spPr>
+      </p:pic>
+      <p:sp>
+        <p:nvSpPr>
+          <p:cNvPr id="197" name=""/>
+          <p:cNvSpPr txBox="1"/>
+          <p:nvPr/>
+        </p:nvSpPr>
+        <p:spPr>
+          <a:xfrm>
+            <a:off x="1260000" y="5220000"/>
+            <a:ext cx="4500000" cy="900000"/>
+          </a:xfrm>
+          <a:prstGeom prst="rect">
+            <a:avLst/>
+          </a:prstGeom>
+          <a:noFill/>
+          <a:ln w="0">
+            <a:noFill/>
+          </a:ln>
+        </p:spPr>
+        <p:txBody>
+          <a:bodyPr lIns="90000" rIns="90000" tIns="45000" bIns="45000" anchor="t">
+            <a:noAutofit/>
+          </a:bodyPr>
+          <a:p>
+            <a:r>
+              <a:rPr b="0" lang="fr-FR" sz="1800" spc="-1" strike="noStrike">
+                <a:solidFill>
+                  <a:srgbClr val="000000"/>
+                </a:solidFill>
+                <a:latin typeface="Arial"/>
+              </a:rPr>
+              <a:t>On choisit visuellement 4 ou 8 Clusters.</a:t>
+            </a:r>
+            <a:endParaRPr b="0" lang="fr-FR" sz="1800" spc="-1" strike="noStrike">
+              <a:solidFill>
+                <a:srgbClr val="000000"/>
+              </a:solidFill>
+              <a:latin typeface="Arial"/>
+            </a:endParaRPr>
+          </a:p>
+        </p:txBody>
+      </p:sp>
+      <p:sp>
+        <p:nvSpPr>
+          <p:cNvPr id="2" name="PlaceHolder 1"/>
+          <p:cNvSpPr>
+            <a:spLocks noGrp="1"/>
+          </p:cNvSpPr>
+          <p:nvPr>
+            <p:ph type="sldNum" idx="2"/>
+          </p:nvPr>
+        </p:nvSpPr>
+        <p:spPr/>
+        <p:txBody>
+          <a:bodyPr/>
+          <a:p>
+            <a:fld id="{0CD7FE85-CF82-4934-B421-3893D39A3550}" type="slidenum">
+              <a:t>28</a:t>
+            </a:fld>
+          </a:p>
+        </p:txBody>
+      </p:sp>
+    </p:spTree>
+  </p:cSld>
+  <mc:AlternateContent>
+    <mc:Choice Requires="p14">
+      <p:transition spd="slow" p14:dur="2000"/>
+    </mc:Choice>
+    <mc:Fallback>
+      <p:transition spd="slow"/>
+    </mc:Fallback>
+  </mc:AlternateContent>
+</p:sld>
+</file>
+
+<file path=ppt/slides/slide29.xml><?xml version="1.0" encoding="utf-8"?>
+<p:sld xmlns:a="http://schemas.openxmlformats.org/drawingml/2006/main" xmlns:p="http://schemas.openxmlformats.org/presentationml/2006/main" xmlns:r="http://schemas.openxmlformats.org/officeDocument/2006/relationships" xmlns:p14="http://schemas.microsoft.com/office/powerpoint/2010/main" xmlns:p15="http://schemas.microsoft.com/office/powerpoint/2012/main" xmlns:mc="http://schemas.openxmlformats.org/markup-compatibility/2006">
+  <p:cSld>
+    <p:spTree>
+      <p:nvGrpSpPr>
+        <p:cNvPr id="1" name=""/>
+        <p:cNvGrpSpPr/>
+        <p:nvPr/>
+      </p:nvGrpSpPr>
+      <p:grpSpPr>
+        <a:xfrm>
+          <a:off x="0" y="0"/>
+          <a:ext cx="0" cy="0"/>
+          <a:chOff x="0" y="0"/>
+          <a:chExt cx="0" cy="0"/>
+        </a:xfrm>
+      </p:grpSpPr>
+      <p:pic>
+        <p:nvPicPr>
+          <p:cNvPr id="198" name="" descr=""/>
+          <p:cNvPicPr/>
+          <p:nvPr/>
+        </p:nvPicPr>
+        <p:blipFill>
+          <a:blip r:embed="rId1"/>
+          <a:stretch/>
+        </p:blipFill>
+        <p:spPr>
+          <a:xfrm>
+            <a:off x="443520" y="770760"/>
+            <a:ext cx="8016480" cy="5349240"/>
+          </a:xfrm>
+          <a:prstGeom prst="rect">
+            <a:avLst/>
+          </a:prstGeom>
+          <a:ln w="0">
+            <a:noFill/>
+          </a:ln>
+        </p:spPr>
+      </p:pic>
+      <p:sp>
+        <p:nvSpPr>
+          <p:cNvPr id="2" name="PlaceHolder 1"/>
+          <p:cNvSpPr>
+            <a:spLocks noGrp="1"/>
+          </p:cNvSpPr>
+          <p:nvPr>
+            <p:ph type="sldNum" idx="2"/>
+          </p:nvPr>
+        </p:nvSpPr>
+        <p:spPr/>
+        <p:txBody>
+          <a:bodyPr/>
+          <a:p>
+            <a:fld id="{F9166B2C-576B-4676-9993-F00B6991CCF9}" type="slidenum">
+              <a:t>29</a:t>
             </a:fld>
           </a:p>
         </p:txBody>
@@ -7865,7 +12240,7 @@
       </p:grpSpPr>
       <p:sp>
         <p:nvSpPr>
-          <p:cNvPr id="61" name="PlaceHolder 1"/>
+          <p:cNvPr id="108" name="PlaceHolder 1"/>
           <p:cNvSpPr>
             <a:spLocks noGrp="1"/>
           </p:cNvSpPr>
@@ -7876,7 +12251,7 @@
         <p:spPr>
           <a:xfrm>
             <a:off x="1008000" y="260280"/>
-            <a:ext cx="7846920" cy="358560"/>
+            <a:ext cx="7846560" cy="358200"/>
           </a:xfrm>
           <a:prstGeom prst="rect">
             <a:avLst/>
@@ -7921,7 +12296,7 @@
       </p:sp>
       <p:sp>
         <p:nvSpPr>
-          <p:cNvPr id="62" name="PlaceHolder 2"/>
+          <p:cNvPr id="109" name="PlaceHolder 2"/>
           <p:cNvSpPr>
             <a:spLocks noGrp="1"/>
           </p:cNvSpPr>
@@ -7932,7 +12307,7 @@
         <p:spPr>
           <a:xfrm>
             <a:off x="107640" y="1260000"/>
-            <a:ext cx="2950920" cy="1105920"/>
+            <a:ext cx="2950560" cy="1105560"/>
           </a:xfrm>
           <a:prstGeom prst="rect">
             <a:avLst/>
@@ -8030,14 +12405,14 @@
       </p:sp>
       <p:sp>
         <p:nvSpPr>
-          <p:cNvPr id="63" name=""/>
+          <p:cNvPr id="110" name=""/>
           <p:cNvSpPr/>
           <p:nvPr/>
         </p:nvSpPr>
         <p:spPr>
           <a:xfrm>
             <a:off x="2880000" y="1260000"/>
-            <a:ext cx="3418560" cy="898560"/>
+            <a:ext cx="3418200" cy="898200"/>
           </a:xfrm>
           <a:prstGeom prst="ellipse">
             <a:avLst/>
@@ -8087,7 +12462,7 @@
       </p:sp>
       <p:sp>
         <p:nvSpPr>
-          <p:cNvPr id="64" name=""/>
+          <p:cNvPr id="111" name=""/>
           <p:cNvSpPr/>
           <p:nvPr/>
         </p:nvSpPr>
@@ -8128,14 +12503,14 @@
       </p:sp>
       <p:sp>
         <p:nvSpPr>
-          <p:cNvPr id="65" name=""/>
+          <p:cNvPr id="112" name=""/>
           <p:cNvSpPr/>
           <p:nvPr/>
         </p:nvSpPr>
         <p:spPr>
           <a:xfrm>
             <a:off x="2880000" y="2700000"/>
-            <a:ext cx="3598560" cy="898560"/>
+            <a:ext cx="3598200" cy="898200"/>
           </a:xfrm>
           <a:prstGeom prst="ellipse">
             <a:avLst/>
@@ -8197,14 +12572,14 @@
       </p:sp>
       <p:sp>
         <p:nvSpPr>
-          <p:cNvPr id="66" name=""/>
+          <p:cNvPr id="113" name=""/>
           <p:cNvSpPr/>
           <p:nvPr/>
         </p:nvSpPr>
         <p:spPr>
           <a:xfrm>
             <a:off x="4680000" y="2244600"/>
-            <a:ext cx="3058560" cy="358560"/>
+            <a:ext cx="3058200" cy="358200"/>
           </a:xfrm>
           <a:prstGeom prst="rect">
             <a:avLst/>
@@ -8250,7 +12625,7 @@
       </p:sp>
       <p:sp>
         <p:nvSpPr>
-          <p:cNvPr id="67" name=""/>
+          <p:cNvPr id="114" name=""/>
           <p:cNvSpPr/>
           <p:nvPr/>
         </p:nvSpPr>
@@ -8291,14 +12666,14 @@
       </p:sp>
       <p:sp>
         <p:nvSpPr>
-          <p:cNvPr id="68" name=""/>
+          <p:cNvPr id="115" name=""/>
           <p:cNvSpPr/>
           <p:nvPr/>
         </p:nvSpPr>
         <p:spPr>
           <a:xfrm>
             <a:off x="2880000" y="4680000"/>
-            <a:ext cx="3598560" cy="898560"/>
+            <a:ext cx="3598200" cy="898200"/>
           </a:xfrm>
           <a:prstGeom prst="ellipse">
             <a:avLst/>
@@ -8360,14 +12735,14 @@
       </p:sp>
       <p:sp>
         <p:nvSpPr>
-          <p:cNvPr id="69" name=""/>
+          <p:cNvPr id="116" name=""/>
           <p:cNvSpPr/>
           <p:nvPr/>
         </p:nvSpPr>
         <p:spPr>
           <a:xfrm>
             <a:off x="4860000" y="3600000"/>
-            <a:ext cx="3958560" cy="1258560"/>
+            <a:ext cx="3958200" cy="1258200"/>
           </a:xfrm>
           <a:prstGeom prst="rect">
             <a:avLst/>
@@ -8447,7 +12822,7 @@
       </p:sp>
       <p:pic>
         <p:nvPicPr>
-          <p:cNvPr id="70" name="" descr=""/>
+          <p:cNvPr id="117" name="" descr=""/>
           <p:cNvPicPr/>
           <p:nvPr/>
         </p:nvPicPr>
@@ -8458,7 +12833,7 @@
         <p:spPr>
           <a:xfrm>
             <a:off x="565560" y="3564000"/>
-            <a:ext cx="3069000" cy="1179360"/>
+            <a:ext cx="3068640" cy="1179000"/>
           </a:xfrm>
           <a:prstGeom prst="rect">
             <a:avLst/>
@@ -8482,8 +12857,870 @@
         <p:txBody>
           <a:bodyPr/>
           <a:p>
-            <a:fld id="{7F6BE568-7CAA-466C-834E-347573BB2F47}" type="slidenum">
+            <a:fld id="{D860178D-6012-45C4-801E-C06F771606F1}" type="slidenum">
               <a:t>3</a:t>
+            </a:fld>
+          </a:p>
+        </p:txBody>
+      </p:sp>
+    </p:spTree>
+  </p:cSld>
+  <mc:AlternateContent>
+    <mc:Choice Requires="p14">
+      <p:transition spd="slow" p14:dur="2000"/>
+    </mc:Choice>
+    <mc:Fallback>
+      <p:transition spd="slow"/>
+    </mc:Fallback>
+  </mc:AlternateContent>
+</p:sld>
+</file>
+
+<file path=ppt/slides/slide30.xml><?xml version="1.0" encoding="utf-8"?>
+<p:sld xmlns:a="http://schemas.openxmlformats.org/drawingml/2006/main" xmlns:p="http://schemas.openxmlformats.org/presentationml/2006/main" xmlns:r="http://schemas.openxmlformats.org/officeDocument/2006/relationships" xmlns:p14="http://schemas.microsoft.com/office/powerpoint/2010/main" xmlns:p15="http://schemas.microsoft.com/office/powerpoint/2012/main" xmlns:mc="http://schemas.openxmlformats.org/markup-compatibility/2006">
+  <p:cSld>
+    <p:spTree>
+      <p:nvGrpSpPr>
+        <p:cNvPr id="1" name=""/>
+        <p:cNvGrpSpPr/>
+        <p:nvPr/>
+      </p:nvGrpSpPr>
+      <p:grpSpPr>
+        <a:xfrm>
+          <a:off x="0" y="0"/>
+          <a:ext cx="0" cy="0"/>
+          <a:chOff x="0" y="0"/>
+          <a:chExt cx="0" cy="0"/>
+        </a:xfrm>
+      </p:grpSpPr>
+      <p:sp>
+        <p:nvSpPr>
+          <p:cNvPr id="199" name=""/>
+          <p:cNvSpPr txBox="1"/>
+          <p:nvPr/>
+        </p:nvSpPr>
+        <p:spPr>
+          <a:xfrm>
+            <a:off x="180000" y="720000"/>
+            <a:ext cx="2520000" cy="360000"/>
+          </a:xfrm>
+          <a:prstGeom prst="rect">
+            <a:avLst/>
+          </a:prstGeom>
+          <a:noFill/>
+          <a:ln w="0">
+            <a:noFill/>
+          </a:ln>
+        </p:spPr>
+        <p:txBody>
+          <a:bodyPr lIns="90000" rIns="90000" tIns="45000" bIns="45000" anchor="t">
+            <a:noAutofit/>
+          </a:bodyPr>
+          <a:p>
+            <a:r>
+              <a:rPr b="0" lang="fr-FR" sz="1800" spc="-1" strike="noStrike">
+                <a:solidFill>
+                  <a:srgbClr val="000000"/>
+                </a:solidFill>
+                <a:latin typeface="Arial"/>
+              </a:rPr>
+              <a:t>Calculs de distances :</a:t>
+            </a:r>
+            <a:endParaRPr b="0" lang="fr-FR" sz="1800" spc="-1" strike="noStrike">
+              <a:solidFill>
+                <a:srgbClr val="000000"/>
+              </a:solidFill>
+              <a:latin typeface="Arial"/>
+            </a:endParaRPr>
+          </a:p>
+        </p:txBody>
+      </p:sp>
+      <p:pic>
+        <p:nvPicPr>
+          <p:cNvPr id="200" name="" descr=""/>
+          <p:cNvPicPr/>
+          <p:nvPr/>
+        </p:nvPicPr>
+        <p:blipFill>
+          <a:blip r:embed="rId1"/>
+          <a:stretch/>
+        </p:blipFill>
+        <p:spPr>
+          <a:xfrm>
+            <a:off x="540000" y="1395000"/>
+            <a:ext cx="3960000" cy="1800000"/>
+          </a:xfrm>
+          <a:prstGeom prst="rect">
+            <a:avLst/>
+          </a:prstGeom>
+          <a:ln w="0">
+            <a:noFill/>
+          </a:ln>
+        </p:spPr>
+      </p:pic>
+      <p:pic>
+        <p:nvPicPr>
+          <p:cNvPr id="201" name="" descr=""/>
+          <p:cNvPicPr/>
+          <p:nvPr/>
+        </p:nvPicPr>
+        <p:blipFill>
+          <a:blip r:embed="rId2"/>
+          <a:stretch/>
+        </p:blipFill>
+        <p:spPr>
+          <a:xfrm>
+            <a:off x="540000" y="3600000"/>
+            <a:ext cx="3960000" cy="1800000"/>
+          </a:xfrm>
+          <a:prstGeom prst="rect">
+            <a:avLst/>
+          </a:prstGeom>
+          <a:ln w="0">
+            <a:noFill/>
+          </a:ln>
+        </p:spPr>
+      </p:pic>
+      <p:pic>
+        <p:nvPicPr>
+          <p:cNvPr id="202" name="" descr=""/>
+          <p:cNvPicPr/>
+          <p:nvPr/>
+        </p:nvPicPr>
+        <p:blipFill>
+          <a:blip r:embed="rId3"/>
+          <a:stretch/>
+        </p:blipFill>
+        <p:spPr>
+          <a:xfrm>
+            <a:off x="4860000" y="2340000"/>
+            <a:ext cx="3960000" cy="1800000"/>
+          </a:xfrm>
+          <a:prstGeom prst="rect">
+            <a:avLst/>
+          </a:prstGeom>
+          <a:ln w="0">
+            <a:noFill/>
+          </a:ln>
+        </p:spPr>
+      </p:pic>
+      <p:sp>
+        <p:nvSpPr>
+          <p:cNvPr id="2" name="PlaceHolder 1"/>
+          <p:cNvSpPr>
+            <a:spLocks noGrp="1"/>
+          </p:cNvSpPr>
+          <p:nvPr>
+            <p:ph type="sldNum" idx="2"/>
+          </p:nvPr>
+        </p:nvSpPr>
+        <p:spPr/>
+        <p:txBody>
+          <a:bodyPr/>
+          <a:p>
+            <a:fld id="{5F15305F-D669-4E98-98FA-E0974C930717}" type="slidenum">
+              <a:t>30</a:t>
+            </a:fld>
+          </a:p>
+        </p:txBody>
+      </p:sp>
+    </p:spTree>
+  </p:cSld>
+  <mc:AlternateContent>
+    <mc:Choice Requires="p14">
+      <p:transition spd="slow" p14:dur="2000"/>
+    </mc:Choice>
+    <mc:Fallback>
+      <p:transition spd="slow"/>
+    </mc:Fallback>
+  </mc:AlternateContent>
+</p:sld>
+</file>
+
+<file path=ppt/slides/slide31.xml><?xml version="1.0" encoding="utf-8"?>
+<p:sld xmlns:a="http://schemas.openxmlformats.org/drawingml/2006/main" xmlns:p="http://schemas.openxmlformats.org/presentationml/2006/main" xmlns:r="http://schemas.openxmlformats.org/officeDocument/2006/relationships" xmlns:p14="http://schemas.microsoft.com/office/powerpoint/2010/main" xmlns:p15="http://schemas.microsoft.com/office/powerpoint/2012/main" xmlns:mc="http://schemas.openxmlformats.org/markup-compatibility/2006">
+  <p:cSld>
+    <p:spTree>
+      <p:nvGrpSpPr>
+        <p:cNvPr id="1" name=""/>
+        <p:cNvGrpSpPr/>
+        <p:nvPr/>
+      </p:nvGrpSpPr>
+      <p:grpSpPr>
+        <a:xfrm>
+          <a:off x="0" y="0"/>
+          <a:ext cx="0" cy="0"/>
+          <a:chOff x="0" y="0"/>
+          <a:chExt cx="0" cy="0"/>
+        </a:xfrm>
+      </p:grpSpPr>
+      <p:pic>
+        <p:nvPicPr>
+          <p:cNvPr id="203" name="" descr=""/>
+          <p:cNvPicPr/>
+          <p:nvPr/>
+        </p:nvPicPr>
+        <p:blipFill>
+          <a:blip r:embed="rId1"/>
+          <a:stretch/>
+        </p:blipFill>
+        <p:spPr>
+          <a:xfrm>
+            <a:off x="540000" y="1209960"/>
+            <a:ext cx="7528680" cy="1310040"/>
+          </a:xfrm>
+          <a:prstGeom prst="rect">
+            <a:avLst/>
+          </a:prstGeom>
+          <a:ln w="0">
+            <a:noFill/>
+          </a:ln>
+        </p:spPr>
+      </p:pic>
+      <p:pic>
+        <p:nvPicPr>
+          <p:cNvPr id="204" name="" descr=""/>
+          <p:cNvPicPr/>
+          <p:nvPr/>
+        </p:nvPicPr>
+        <p:blipFill>
+          <a:blip r:embed="rId2"/>
+          <a:stretch/>
+        </p:blipFill>
+        <p:spPr>
+          <a:xfrm>
+            <a:off x="540000" y="2971080"/>
+            <a:ext cx="7711560" cy="1355760"/>
+          </a:xfrm>
+          <a:prstGeom prst="rect">
+            <a:avLst/>
+          </a:prstGeom>
+          <a:ln w="0">
+            <a:noFill/>
+          </a:ln>
+        </p:spPr>
+      </p:pic>
+      <p:sp>
+        <p:nvSpPr>
+          <p:cNvPr id="205" name=""/>
+          <p:cNvSpPr txBox="1"/>
+          <p:nvPr/>
+        </p:nvSpPr>
+        <p:spPr>
+          <a:xfrm>
+            <a:off x="540000" y="900000"/>
+            <a:ext cx="3960000" cy="346320"/>
+          </a:xfrm>
+          <a:prstGeom prst="rect">
+            <a:avLst/>
+          </a:prstGeom>
+          <a:noFill/>
+          <a:ln w="0">
+            <a:noFill/>
+          </a:ln>
+        </p:spPr>
+        <p:txBody>
+          <a:bodyPr lIns="90000" rIns="90000" tIns="45000" bIns="45000" anchor="t">
+            <a:noAutofit/>
+          </a:bodyPr>
+          <a:p>
+            <a:r>
+              <a:rPr b="0" lang="fr-FR" sz="1800" spc="-1" strike="noStrike">
+                <a:solidFill>
+                  <a:srgbClr val="000000"/>
+                </a:solidFill>
+                <a:latin typeface="Arial"/>
+              </a:rPr>
+              <a:t>Euclienne : </a:t>
+            </a:r>
+            <a:endParaRPr b="0" lang="fr-FR" sz="1800" spc="-1" strike="noStrike">
+              <a:solidFill>
+                <a:srgbClr val="000000"/>
+              </a:solidFill>
+              <a:latin typeface="Arial"/>
+            </a:endParaRPr>
+          </a:p>
+        </p:txBody>
+      </p:sp>
+      <p:sp>
+        <p:nvSpPr>
+          <p:cNvPr id="206" name=""/>
+          <p:cNvSpPr txBox="1"/>
+          <p:nvPr/>
+        </p:nvSpPr>
+        <p:spPr>
+          <a:xfrm>
+            <a:off x="540000" y="2624760"/>
+            <a:ext cx="2520000" cy="346320"/>
+          </a:xfrm>
+          <a:prstGeom prst="rect">
+            <a:avLst/>
+          </a:prstGeom>
+          <a:noFill/>
+          <a:ln w="0">
+            <a:noFill/>
+          </a:ln>
+        </p:spPr>
+        <p:txBody>
+          <a:bodyPr lIns="90000" rIns="90000" tIns="45000" bIns="45000" anchor="t">
+            <a:noAutofit/>
+          </a:bodyPr>
+          <a:p>
+            <a:r>
+              <a:rPr b="0" lang="fr-FR" sz="1800" spc="-1" strike="noStrike">
+                <a:solidFill>
+                  <a:srgbClr val="000000"/>
+                </a:solidFill>
+                <a:latin typeface="Arial"/>
+              </a:rPr>
+              <a:t>Cosinus : </a:t>
+            </a:r>
+            <a:endParaRPr b="0" lang="fr-FR" sz="1800" spc="-1" strike="noStrike">
+              <a:solidFill>
+                <a:srgbClr val="000000"/>
+              </a:solidFill>
+              <a:latin typeface="Arial"/>
+            </a:endParaRPr>
+          </a:p>
+        </p:txBody>
+      </p:sp>
+      <p:sp>
+        <p:nvSpPr>
+          <p:cNvPr id="207" name=""/>
+          <p:cNvSpPr txBox="1"/>
+          <p:nvPr/>
+        </p:nvSpPr>
+        <p:spPr>
+          <a:xfrm>
+            <a:off x="540000" y="4513680"/>
+            <a:ext cx="3060000" cy="346320"/>
+          </a:xfrm>
+          <a:prstGeom prst="rect">
+            <a:avLst/>
+          </a:prstGeom>
+          <a:noFill/>
+          <a:ln w="0">
+            <a:noFill/>
+          </a:ln>
+        </p:spPr>
+        <p:txBody>
+          <a:bodyPr lIns="90000" rIns="90000" tIns="45000" bIns="45000" anchor="t">
+            <a:noAutofit/>
+          </a:bodyPr>
+          <a:p>
+            <a:r>
+              <a:rPr b="0" lang="fr-FR" sz="1800" spc="-1" strike="noStrike">
+                <a:solidFill>
+                  <a:srgbClr val="000000"/>
+                </a:solidFill>
+                <a:latin typeface="Arial"/>
+              </a:rPr>
+              <a:t>Manhattan : (problème ?)</a:t>
+            </a:r>
+            <a:endParaRPr b="0" lang="fr-FR" sz="1800" spc="-1" strike="noStrike">
+              <a:solidFill>
+                <a:srgbClr val="000000"/>
+              </a:solidFill>
+              <a:latin typeface="Arial"/>
+            </a:endParaRPr>
+          </a:p>
+        </p:txBody>
+      </p:sp>
+      <p:pic>
+        <p:nvPicPr>
+          <p:cNvPr id="208" name="" descr=""/>
+          <p:cNvPicPr/>
+          <p:nvPr/>
+        </p:nvPicPr>
+        <p:blipFill>
+          <a:blip r:embed="rId3"/>
+          <a:stretch/>
+        </p:blipFill>
+        <p:spPr>
+          <a:xfrm>
+            <a:off x="0" y="4860000"/>
+            <a:ext cx="9143640" cy="1157040"/>
+          </a:xfrm>
+          <a:prstGeom prst="rect">
+            <a:avLst/>
+          </a:prstGeom>
+          <a:ln w="0">
+            <a:noFill/>
+          </a:ln>
+        </p:spPr>
+      </p:pic>
+      <p:sp>
+        <p:nvSpPr>
+          <p:cNvPr id="209" name=""/>
+          <p:cNvSpPr txBox="1"/>
+          <p:nvPr/>
+        </p:nvSpPr>
+        <p:spPr>
+          <a:xfrm>
+            <a:off x="180000" y="589680"/>
+            <a:ext cx="3960000" cy="346320"/>
+          </a:xfrm>
+          <a:prstGeom prst="rect">
+            <a:avLst/>
+          </a:prstGeom>
+          <a:noFill/>
+          <a:ln w="0">
+            <a:noFill/>
+          </a:ln>
+        </p:spPr>
+        <p:txBody>
+          <a:bodyPr lIns="90000" rIns="90000" tIns="45000" bIns="45000" anchor="t">
+            <a:noAutofit/>
+          </a:bodyPr>
+          <a:p>
+            <a:r>
+              <a:rPr b="0" lang="fr-FR" sz="1800" spc="-1" strike="noStrike">
+                <a:solidFill>
+                  <a:srgbClr val="000000"/>
+                </a:solidFill>
+                <a:latin typeface="Arial"/>
+              </a:rPr>
+              <a:t>Test avec « lung » </a:t>
+            </a:r>
+            <a:endParaRPr b="0" lang="fr-FR" sz="1800" spc="-1" strike="noStrike">
+              <a:solidFill>
+                <a:srgbClr val="000000"/>
+              </a:solidFill>
+              <a:latin typeface="Arial"/>
+            </a:endParaRPr>
+          </a:p>
+        </p:txBody>
+      </p:sp>
+      <p:sp>
+        <p:nvSpPr>
+          <p:cNvPr id="2" name="PlaceHolder 1"/>
+          <p:cNvSpPr>
+            <a:spLocks noGrp="1"/>
+          </p:cNvSpPr>
+          <p:nvPr>
+            <p:ph type="sldNum" idx="2"/>
+          </p:nvPr>
+        </p:nvSpPr>
+        <p:spPr/>
+        <p:txBody>
+          <a:bodyPr/>
+          <a:p>
+            <a:fld id="{7FC465E5-CD9F-4A0E-BA2E-BD6F3AF3B793}" type="slidenum">
+              <a:t>31</a:t>
+            </a:fld>
+          </a:p>
+        </p:txBody>
+      </p:sp>
+    </p:spTree>
+  </p:cSld>
+  <mc:AlternateContent>
+    <mc:Choice Requires="p14">
+      <p:transition spd="slow" p14:dur="2000"/>
+    </mc:Choice>
+    <mc:Fallback>
+      <p:transition spd="slow"/>
+    </mc:Fallback>
+  </mc:AlternateContent>
+</p:sld>
+</file>
+
+<file path=ppt/slides/slide32.xml><?xml version="1.0" encoding="utf-8"?>
+<p:sld xmlns:a="http://schemas.openxmlformats.org/drawingml/2006/main" xmlns:p="http://schemas.openxmlformats.org/presentationml/2006/main" xmlns:r="http://schemas.openxmlformats.org/officeDocument/2006/relationships" xmlns:p14="http://schemas.microsoft.com/office/powerpoint/2010/main" xmlns:p15="http://schemas.microsoft.com/office/powerpoint/2012/main" xmlns:mc="http://schemas.openxmlformats.org/markup-compatibility/2006">
+  <p:cSld>
+    <p:spTree>
+      <p:nvGrpSpPr>
+        <p:cNvPr id="1" name=""/>
+        <p:cNvGrpSpPr/>
+        <p:nvPr/>
+      </p:nvGrpSpPr>
+      <p:grpSpPr>
+        <a:xfrm>
+          <a:off x="0" y="0"/>
+          <a:ext cx="0" cy="0"/>
+          <a:chOff x="0" y="0"/>
+          <a:chExt cx="0" cy="0"/>
+        </a:xfrm>
+      </p:grpSpPr>
+      <p:sp>
+        <p:nvSpPr>
+          <p:cNvPr id="210" name=""/>
+          <p:cNvSpPr txBox="1"/>
+          <p:nvPr/>
+        </p:nvSpPr>
+        <p:spPr>
+          <a:xfrm>
+            <a:off x="432360" y="900360"/>
+            <a:ext cx="2519640" cy="359640"/>
+          </a:xfrm>
+          <a:prstGeom prst="rect">
+            <a:avLst/>
+          </a:prstGeom>
+          <a:noFill/>
+          <a:ln w="0">
+            <a:noFill/>
+          </a:ln>
+        </p:spPr>
+        <p:txBody>
+          <a:bodyPr lIns="90000" rIns="90000" tIns="45000" bIns="45000" anchor="t">
+            <a:noAutofit/>
+          </a:bodyPr>
+          <a:p>
+            <a:pPr>
+              <a:lnSpc>
+                <a:spcPct val="100000"/>
+              </a:lnSpc>
+            </a:pPr>
+            <a:r>
+              <a:rPr b="0" lang="fr-FR" sz="1800" spc="-1" strike="noStrike">
+                <a:solidFill>
+                  <a:srgbClr val="000000"/>
+                </a:solidFill>
+                <a:latin typeface="Arial"/>
+                <a:ea typeface="Microsoft YaHei"/>
+              </a:rPr>
+              <a:t>Jaccard : </a:t>
+            </a:r>
+            <a:endParaRPr b="0" lang="fr-FR" sz="1800" spc="-1" strike="noStrike">
+              <a:solidFill>
+                <a:srgbClr val="000000"/>
+              </a:solidFill>
+              <a:latin typeface="Arial"/>
+            </a:endParaRPr>
+          </a:p>
+        </p:txBody>
+      </p:sp>
+      <p:sp>
+        <p:nvSpPr>
+          <p:cNvPr id="211" name=""/>
+          <p:cNvSpPr txBox="1"/>
+          <p:nvPr/>
+        </p:nvSpPr>
+        <p:spPr>
+          <a:xfrm>
+            <a:off x="432360" y="2517120"/>
+            <a:ext cx="2159640" cy="362880"/>
+          </a:xfrm>
+          <a:prstGeom prst="rect">
+            <a:avLst/>
+          </a:prstGeom>
+          <a:noFill/>
+          <a:ln w="0">
+            <a:noFill/>
+          </a:ln>
+        </p:spPr>
+        <p:txBody>
+          <a:bodyPr lIns="90000" rIns="90000" tIns="45000" bIns="45000" anchor="t">
+            <a:noAutofit/>
+          </a:bodyPr>
+          <a:p>
+            <a:r>
+              <a:rPr b="0" lang="fr-FR" sz="1800" spc="-1" strike="noStrike">
+                <a:solidFill>
+                  <a:srgbClr val="000000"/>
+                </a:solidFill>
+                <a:latin typeface="Arial"/>
+              </a:rPr>
+              <a:t>Dice : </a:t>
+            </a:r>
+            <a:endParaRPr b="0" lang="fr-FR" sz="1800" spc="-1" strike="noStrike">
+              <a:solidFill>
+                <a:srgbClr val="000000"/>
+              </a:solidFill>
+              <a:latin typeface="Arial"/>
+            </a:endParaRPr>
+          </a:p>
+        </p:txBody>
+      </p:sp>
+      <p:pic>
+        <p:nvPicPr>
+          <p:cNvPr id="212" name="" descr=""/>
+          <p:cNvPicPr/>
+          <p:nvPr/>
+        </p:nvPicPr>
+        <p:blipFill>
+          <a:blip r:embed="rId1"/>
+          <a:stretch/>
+        </p:blipFill>
+        <p:spPr>
+          <a:xfrm>
+            <a:off x="66960" y="1260000"/>
+            <a:ext cx="8969040" cy="1043640"/>
+          </a:xfrm>
+          <a:prstGeom prst="rect">
+            <a:avLst/>
+          </a:prstGeom>
+          <a:ln w="0">
+            <a:noFill/>
+          </a:ln>
+        </p:spPr>
+      </p:pic>
+      <p:pic>
+        <p:nvPicPr>
+          <p:cNvPr id="213" name="" descr=""/>
+          <p:cNvPicPr/>
+          <p:nvPr/>
+        </p:nvPicPr>
+        <p:blipFill>
+          <a:blip r:embed="rId2"/>
+          <a:stretch/>
+        </p:blipFill>
+        <p:spPr>
+          <a:xfrm>
+            <a:off x="93600" y="2946960"/>
+            <a:ext cx="9007200" cy="1043640"/>
+          </a:xfrm>
+          <a:prstGeom prst="rect">
+            <a:avLst/>
+          </a:prstGeom>
+          <a:ln w="0">
+            <a:noFill/>
+          </a:ln>
+        </p:spPr>
+      </p:pic>
+      <p:pic>
+        <p:nvPicPr>
+          <p:cNvPr id="214" name="" descr=""/>
+          <p:cNvPicPr/>
+          <p:nvPr/>
+        </p:nvPicPr>
+        <p:blipFill>
+          <a:blip r:embed="rId3"/>
+          <a:stretch/>
+        </p:blipFill>
+        <p:spPr>
+          <a:xfrm>
+            <a:off x="36360" y="4579920"/>
+            <a:ext cx="9143640" cy="1000080"/>
+          </a:xfrm>
+          <a:prstGeom prst="rect">
+            <a:avLst/>
+          </a:prstGeom>
+          <a:ln w="0">
+            <a:noFill/>
+          </a:ln>
+        </p:spPr>
+      </p:pic>
+      <p:sp>
+        <p:nvSpPr>
+          <p:cNvPr id="215" name=""/>
+          <p:cNvSpPr txBox="1"/>
+          <p:nvPr/>
+        </p:nvSpPr>
+        <p:spPr>
+          <a:xfrm>
+            <a:off x="324000" y="4189680"/>
+            <a:ext cx="2556000" cy="390240"/>
+          </a:xfrm>
+          <a:prstGeom prst="rect">
+            <a:avLst/>
+          </a:prstGeom>
+          <a:noFill/>
+          <a:ln w="0">
+            <a:noFill/>
+          </a:ln>
+        </p:spPr>
+        <p:txBody>
+          <a:bodyPr lIns="90000" rIns="90000" tIns="45000" bIns="45000" anchor="t">
+            <a:noAutofit/>
+          </a:bodyPr>
+          <a:p>
+            <a:r>
+              <a:rPr b="0" lang="fr-FR" sz="1800" spc="-1" strike="noStrike">
+                <a:solidFill>
+                  <a:srgbClr val="000000"/>
+                </a:solidFill>
+                <a:latin typeface="Arial"/>
+              </a:rPr>
+              <a:t>Hamming :</a:t>
+            </a:r>
+            <a:endParaRPr b="0" lang="fr-FR" sz="1800" spc="-1" strike="noStrike">
+              <a:solidFill>
+                <a:srgbClr val="000000"/>
+              </a:solidFill>
+              <a:latin typeface="Arial"/>
+            </a:endParaRPr>
+          </a:p>
+        </p:txBody>
+      </p:sp>
+      <p:sp>
+        <p:nvSpPr>
+          <p:cNvPr id="216" name=""/>
+          <p:cNvSpPr txBox="1"/>
+          <p:nvPr/>
+        </p:nvSpPr>
+        <p:spPr>
+          <a:xfrm>
+            <a:off x="3240000" y="720000"/>
+            <a:ext cx="3600000" cy="360000"/>
+          </a:xfrm>
+          <a:prstGeom prst="rect">
+            <a:avLst/>
+          </a:prstGeom>
+          <a:noFill/>
+          <a:ln w="0">
+            <a:noFill/>
+          </a:ln>
+        </p:spPr>
+        <p:txBody>
+          <a:bodyPr lIns="90000" rIns="90000" tIns="45000" bIns="45000" anchor="t">
+            <a:noAutofit/>
+          </a:bodyPr>
+          <a:p>
+            <a:pPr>
+              <a:lnSpc>
+                <a:spcPct val="100000"/>
+              </a:lnSpc>
+            </a:pPr>
+            <a:r>
+              <a:rPr b="0" lang="fr-FR" sz="1800" spc="-1" strike="noStrike">
+                <a:solidFill>
+                  <a:srgbClr val="000000"/>
+                </a:solidFill>
+                <a:latin typeface="Arial"/>
+                <a:ea typeface="Microsoft YaHei"/>
+              </a:rPr>
+              <a:t>Problème ici car binaire ?</a:t>
+            </a:r>
+            <a:endParaRPr b="0" lang="fr-FR" sz="1800" spc="-1" strike="noStrike">
+              <a:solidFill>
+                <a:srgbClr val="000000"/>
+              </a:solidFill>
+              <a:latin typeface="Arial"/>
+            </a:endParaRPr>
+          </a:p>
+        </p:txBody>
+      </p:sp>
+      <p:sp>
+        <p:nvSpPr>
+          <p:cNvPr id="2" name="PlaceHolder 1"/>
+          <p:cNvSpPr>
+            <a:spLocks noGrp="1"/>
+          </p:cNvSpPr>
+          <p:nvPr>
+            <p:ph type="sldNum" idx="2"/>
+          </p:nvPr>
+        </p:nvSpPr>
+        <p:spPr/>
+        <p:txBody>
+          <a:bodyPr/>
+          <a:p>
+            <a:fld id="{58211CDF-8046-4654-B56C-7F0D3D0E261D}" type="slidenum">
+              <a:t>32</a:t>
+            </a:fld>
+          </a:p>
+        </p:txBody>
+      </p:sp>
+    </p:spTree>
+  </p:cSld>
+  <mc:AlternateContent>
+    <mc:Choice Requires="p14">
+      <p:transition spd="slow" p14:dur="2000"/>
+    </mc:Choice>
+    <mc:Fallback>
+      <p:transition spd="slow"/>
+    </mc:Fallback>
+  </mc:AlternateContent>
+</p:sld>
+</file>
+
+<file path=ppt/slides/slide33.xml><?xml version="1.0" encoding="utf-8"?>
+<p:sld xmlns:a="http://schemas.openxmlformats.org/drawingml/2006/main" xmlns:p="http://schemas.openxmlformats.org/presentationml/2006/main" xmlns:r="http://schemas.openxmlformats.org/officeDocument/2006/relationships" xmlns:p14="http://schemas.microsoft.com/office/powerpoint/2010/main" xmlns:p15="http://schemas.microsoft.com/office/powerpoint/2012/main" xmlns:mc="http://schemas.openxmlformats.org/markup-compatibility/2006">
+  <p:cSld>
+    <p:spTree>
+      <p:nvGrpSpPr>
+        <p:cNvPr id="1" name=""/>
+        <p:cNvGrpSpPr/>
+        <p:nvPr/>
+      </p:nvGrpSpPr>
+      <p:grpSpPr>
+        <a:xfrm>
+          <a:off x="0" y="0"/>
+          <a:ext cx="0" cy="0"/>
+          <a:chOff x="0" y="0"/>
+          <a:chExt cx="0" cy="0"/>
+        </a:xfrm>
+      </p:grpSpPr>
+      <p:sp>
+        <p:nvSpPr>
+          <p:cNvPr id="217" name=""/>
+          <p:cNvSpPr txBox="1"/>
+          <p:nvPr/>
+        </p:nvSpPr>
+        <p:spPr>
+          <a:xfrm>
+            <a:off x="360000" y="720000"/>
+            <a:ext cx="2700000" cy="360000"/>
+          </a:xfrm>
+          <a:prstGeom prst="rect">
+            <a:avLst/>
+          </a:prstGeom>
+          <a:noFill/>
+          <a:ln w="0">
+            <a:noFill/>
+          </a:ln>
+        </p:spPr>
+        <p:txBody>
+          <a:bodyPr lIns="90000" rIns="90000" tIns="45000" bIns="45000" anchor="t">
+            <a:noAutofit/>
+          </a:bodyPr>
+          <a:p>
+            <a:r>
+              <a:rPr b="0" lang="fr-FR" sz="1800" spc="-1" strike="noStrike">
+                <a:solidFill>
+                  <a:srgbClr val="000000"/>
+                </a:solidFill>
+                <a:latin typeface="Arial"/>
+              </a:rPr>
+              <a:t>POC v1 avec Streamlit</a:t>
+            </a:r>
+            <a:endParaRPr b="0" lang="fr-FR" sz="1800" spc="-1" strike="noStrike">
+              <a:solidFill>
+                <a:srgbClr val="000000"/>
+              </a:solidFill>
+              <a:latin typeface="Arial"/>
+            </a:endParaRPr>
+          </a:p>
+        </p:txBody>
+      </p:sp>
+      <p:pic>
+        <p:nvPicPr>
+          <p:cNvPr id="218" name="" descr=""/>
+          <p:cNvPicPr/>
+          <p:nvPr/>
+        </p:nvPicPr>
+        <p:blipFill>
+          <a:blip r:embed="rId1"/>
+          <a:stretch/>
+        </p:blipFill>
+        <p:spPr>
+          <a:xfrm>
+            <a:off x="360" y="1159920"/>
+            <a:ext cx="9143640" cy="4420080"/>
+          </a:xfrm>
+          <a:prstGeom prst="rect">
+            <a:avLst/>
+          </a:prstGeom>
+          <a:ln w="0">
+            <a:noFill/>
+          </a:ln>
+        </p:spPr>
+      </p:pic>
+      <p:sp>
+        <p:nvSpPr>
+          <p:cNvPr id="2" name="PlaceHolder 1"/>
+          <p:cNvSpPr>
+            <a:spLocks noGrp="1"/>
+          </p:cNvSpPr>
+          <p:nvPr>
+            <p:ph type="sldNum" idx="2"/>
+          </p:nvPr>
+        </p:nvSpPr>
+        <p:spPr/>
+        <p:txBody>
+          <a:bodyPr/>
+          <a:p>
+            <a:fld id="{973C069C-5C11-4812-A5E6-AFB0BE1CC393}" type="slidenum">
+              <a:t>33</a:t>
             </a:fld>
           </a:p>
         </p:txBody>
@@ -8520,7 +13757,7 @@
       </p:grpSpPr>
       <p:sp>
         <p:nvSpPr>
-          <p:cNvPr id="71" name="PlaceHolder 1"/>
+          <p:cNvPr id="118" name="PlaceHolder 1"/>
           <p:cNvSpPr>
             <a:spLocks noGrp="1"/>
           </p:cNvSpPr>
@@ -8531,7 +13768,7 @@
         <p:spPr>
           <a:xfrm>
             <a:off x="1008000" y="260280"/>
-            <a:ext cx="7846920" cy="358560"/>
+            <a:ext cx="7846560" cy="358200"/>
           </a:xfrm>
           <a:prstGeom prst="rect">
             <a:avLst/>
@@ -8576,7 +13813,7 @@
       </p:sp>
       <p:pic>
         <p:nvPicPr>
-          <p:cNvPr id="72" name="" descr=""/>
+          <p:cNvPr id="119" name="" descr=""/>
           <p:cNvPicPr/>
           <p:nvPr/>
         </p:nvPicPr>
@@ -8587,7 +13824,7 @@
         <p:spPr>
           <a:xfrm>
             <a:off x="1620000" y="900000"/>
-            <a:ext cx="5038560" cy="5038560"/>
+            <a:ext cx="5038200" cy="5038200"/>
           </a:xfrm>
           <a:prstGeom prst="rect">
             <a:avLst/>
@@ -8611,7 +13848,7 @@
         <p:txBody>
           <a:bodyPr/>
           <a:p>
-            <a:fld id="{72CB9001-AE55-4C8F-8310-737C31FA4ED3}" type="slidenum">
+            <a:fld id="{77A41668-C347-4DAA-B31B-645594BE9848}" type="slidenum">
               <a:t>4</a:t>
             </a:fld>
           </a:p>
@@ -8649,7 +13886,7 @@
       </p:grpSpPr>
       <p:sp>
         <p:nvSpPr>
-          <p:cNvPr id="73" name="PlaceHolder 1"/>
+          <p:cNvPr id="120" name="PlaceHolder 1"/>
           <p:cNvSpPr>
             <a:spLocks noGrp="1"/>
           </p:cNvSpPr>
@@ -8660,7 +13897,7 @@
         <p:spPr>
           <a:xfrm>
             <a:off x="647640" y="836640"/>
-            <a:ext cx="6010920" cy="961920"/>
+            <a:ext cx="6010560" cy="961560"/>
           </a:xfrm>
           <a:prstGeom prst="rect">
             <a:avLst/>
@@ -8746,7 +13983,7 @@
       </p:sp>
       <p:sp>
         <p:nvSpPr>
-          <p:cNvPr id="74" name="PlaceHolder 2"/>
+          <p:cNvPr id="121" name="PlaceHolder 2"/>
           <p:cNvSpPr>
             <a:spLocks noGrp="1"/>
           </p:cNvSpPr>
@@ -8757,7 +13994,7 @@
         <p:spPr>
           <a:xfrm>
             <a:off x="1008000" y="260280"/>
-            <a:ext cx="7846920" cy="358560"/>
+            <a:ext cx="7846560" cy="358200"/>
           </a:xfrm>
           <a:prstGeom prst="rect">
             <a:avLst/>
@@ -8802,14 +14039,14 @@
       </p:sp>
       <p:sp>
         <p:nvSpPr>
-          <p:cNvPr id="75" name=""/>
+          <p:cNvPr id="122" name=""/>
           <p:cNvSpPr/>
           <p:nvPr/>
         </p:nvSpPr>
         <p:spPr>
           <a:xfrm>
             <a:off x="1440000" y="1980000"/>
-            <a:ext cx="6838560" cy="538560"/>
+            <a:ext cx="6838200" cy="538200"/>
           </a:xfrm>
           <a:prstGeom prst="rect">
             <a:avLst/>
@@ -8912,14 +14149,14 @@
       </p:sp>
       <p:sp>
         <p:nvSpPr>
-          <p:cNvPr id="76" name=""/>
+          <p:cNvPr id="123" name=""/>
           <p:cNvSpPr/>
           <p:nvPr/>
         </p:nvSpPr>
         <p:spPr>
           <a:xfrm>
             <a:off x="540000" y="2520000"/>
-            <a:ext cx="3778560" cy="2338560"/>
+            <a:ext cx="3778200" cy="2338200"/>
           </a:xfrm>
           <a:prstGeom prst="rect">
             <a:avLst/>
@@ -9070,14 +14307,14 @@
       </p:sp>
       <p:sp>
         <p:nvSpPr>
-          <p:cNvPr id="77" name=""/>
+          <p:cNvPr id="124" name=""/>
           <p:cNvSpPr/>
           <p:nvPr/>
         </p:nvSpPr>
         <p:spPr>
           <a:xfrm>
             <a:off x="5040000" y="2520000"/>
-            <a:ext cx="3778560" cy="2158560"/>
+            <a:ext cx="3778200" cy="2158200"/>
           </a:xfrm>
           <a:prstGeom prst="rect">
             <a:avLst/>
@@ -9228,7 +14465,7 @@
       </p:sp>
       <p:sp>
         <p:nvSpPr>
-          <p:cNvPr id="78" name=""/>
+          <p:cNvPr id="125" name=""/>
           <p:cNvSpPr/>
           <p:nvPr/>
         </p:nvSpPr>
@@ -9268,14 +14505,14 @@
       </p:sp>
       <p:sp>
         <p:nvSpPr>
-          <p:cNvPr id="79" name=""/>
+          <p:cNvPr id="126" name=""/>
           <p:cNvSpPr/>
           <p:nvPr/>
         </p:nvSpPr>
         <p:spPr>
           <a:xfrm>
             <a:off x="2772000" y="5593320"/>
-            <a:ext cx="3418560" cy="345240"/>
+            <a:ext cx="3418200" cy="344880"/>
           </a:xfrm>
           <a:prstGeom prst="rect">
             <a:avLst/>
@@ -9333,7 +14570,7 @@
         <p:txBody>
           <a:bodyPr/>
           <a:p>
-            <a:fld id="{F7D77DA2-CD28-4DC0-8D6D-2FA5776E4132}" type="slidenum">
+            <a:fld id="{F9C5C1FB-17B0-476F-90E1-C2D8E8320DFC}" type="slidenum">
               <a:t>5</a:t>
             </a:fld>
           </a:p>
@@ -9371,7 +14608,7 @@
       </p:grpSpPr>
       <p:sp>
         <p:nvSpPr>
-          <p:cNvPr id="80" name="PlaceHolder 1"/>
+          <p:cNvPr id="127" name="PlaceHolder 1"/>
           <p:cNvSpPr>
             <a:spLocks noGrp="1"/>
           </p:cNvSpPr>
@@ -9382,7 +14619,7 @@
         <p:spPr>
           <a:xfrm>
             <a:off x="1008000" y="260280"/>
-            <a:ext cx="7846920" cy="358560"/>
+            <a:ext cx="7846560" cy="358200"/>
           </a:xfrm>
           <a:prstGeom prst="rect">
             <a:avLst/>
@@ -9427,14 +14664,14 @@
       </p:sp>
       <p:sp>
         <p:nvSpPr>
-          <p:cNvPr id="81" name=""/>
+          <p:cNvPr id="128" name=""/>
           <p:cNvSpPr/>
           <p:nvPr/>
         </p:nvSpPr>
         <p:spPr>
           <a:xfrm>
             <a:off x="360000" y="1080000"/>
-            <a:ext cx="3598560" cy="538560"/>
+            <a:ext cx="3598200" cy="538200"/>
           </a:xfrm>
           <a:prstGeom prst="rect">
             <a:avLst/>
@@ -9480,14 +14717,14 @@
       </p:sp>
       <p:sp>
         <p:nvSpPr>
-          <p:cNvPr id="82" name=""/>
+          <p:cNvPr id="129" name=""/>
           <p:cNvSpPr/>
           <p:nvPr/>
         </p:nvSpPr>
         <p:spPr>
           <a:xfrm>
             <a:off x="4680000" y="1080000"/>
-            <a:ext cx="3598560" cy="718560"/>
+            <a:ext cx="3598200" cy="718200"/>
           </a:xfrm>
           <a:prstGeom prst="rect">
             <a:avLst/>
@@ -9533,14 +14770,14 @@
       </p:sp>
       <p:sp>
         <p:nvSpPr>
-          <p:cNvPr id="83" name=""/>
+          <p:cNvPr id="130" name=""/>
           <p:cNvSpPr/>
           <p:nvPr/>
         </p:nvSpPr>
         <p:spPr>
           <a:xfrm>
             <a:off x="380880" y="2257920"/>
-            <a:ext cx="8437680" cy="1880640"/>
+            <a:ext cx="8437320" cy="1880280"/>
           </a:xfrm>
           <a:prstGeom prst="rect">
             <a:avLst/>
@@ -9678,14 +14915,14 @@
       </p:sp>
       <p:sp>
         <p:nvSpPr>
-          <p:cNvPr id="84" name=""/>
+          <p:cNvPr id="131" name=""/>
           <p:cNvSpPr/>
           <p:nvPr/>
         </p:nvSpPr>
         <p:spPr>
           <a:xfrm>
             <a:off x="360000" y="4500000"/>
-            <a:ext cx="7918560" cy="1078560"/>
+            <a:ext cx="7918200" cy="1078200"/>
           </a:xfrm>
           <a:prstGeom prst="rect">
             <a:avLst/>
@@ -9768,7 +15005,7 @@
         <p:txBody>
           <a:bodyPr/>
           <a:p>
-            <a:fld id="{A0E0725E-53C5-4431-B78F-C22362DD582A}" type="slidenum">
+            <a:fld id="{E8FA8091-E9D7-497B-8B49-21530F203B66}" type="slidenum">
               <a:t>6</a:t>
             </a:fld>
           </a:p>
@@ -9806,7 +15043,7 @@
       </p:grpSpPr>
       <p:sp>
         <p:nvSpPr>
-          <p:cNvPr id="85" name="PlaceHolder 1"/>
+          <p:cNvPr id="132" name="PlaceHolder 1"/>
           <p:cNvSpPr>
             <a:spLocks noGrp="1"/>
           </p:cNvSpPr>
@@ -9817,7 +15054,7 @@
         <p:spPr>
           <a:xfrm>
             <a:off x="1008000" y="260280"/>
-            <a:ext cx="7846920" cy="358560"/>
+            <a:ext cx="7846560" cy="358200"/>
           </a:xfrm>
           <a:prstGeom prst="rect">
             <a:avLst/>
@@ -9862,14 +15099,14 @@
       </p:sp>
       <p:sp>
         <p:nvSpPr>
-          <p:cNvPr id="86" name="Espace réservé du contenu 2"/>
+          <p:cNvPr id="133" name="Espace réservé du contenu 2"/>
           <p:cNvSpPr/>
           <p:nvPr/>
         </p:nvSpPr>
         <p:spPr>
           <a:xfrm>
             <a:off x="611640" y="1412640"/>
-            <a:ext cx="7846920" cy="4318560"/>
+            <a:ext cx="7846560" cy="4318200"/>
           </a:xfrm>
           <a:prstGeom prst="rect">
             <a:avLst/>
@@ -9985,7 +15222,7 @@
       </p:sp>
       <p:pic>
         <p:nvPicPr>
-          <p:cNvPr id="87" name="" descr=""/>
+          <p:cNvPr id="134" name="" descr=""/>
           <p:cNvPicPr/>
           <p:nvPr/>
         </p:nvPicPr>
@@ -9996,7 +15233,7 @@
         <p:spPr>
           <a:xfrm>
             <a:off x="0" y="1412640"/>
-            <a:ext cx="4890960" cy="3805920"/>
+            <a:ext cx="4890600" cy="3805560"/>
           </a:xfrm>
           <a:prstGeom prst="rect">
             <a:avLst/>
@@ -10008,7 +15245,7 @@
       </p:pic>
       <p:pic>
         <p:nvPicPr>
-          <p:cNvPr id="88" name="" descr=""/>
+          <p:cNvPr id="135" name="" descr=""/>
           <p:cNvPicPr/>
           <p:nvPr/>
         </p:nvPicPr>
@@ -10019,7 +15256,7 @@
         <p:spPr>
           <a:xfrm>
             <a:off x="4839480" y="1260000"/>
-            <a:ext cx="4159080" cy="4111200"/>
+            <a:ext cx="4158720" cy="4110840"/>
           </a:xfrm>
           <a:prstGeom prst="rect">
             <a:avLst/>
@@ -10061,7 +15298,7 @@
       </p:grpSpPr>
       <p:sp>
         <p:nvSpPr>
-          <p:cNvPr id="89" name="PlaceHolder 1"/>
+          <p:cNvPr id="136" name="PlaceHolder 1"/>
           <p:cNvSpPr>
             <a:spLocks noGrp="1"/>
           </p:cNvSpPr>
@@ -10072,7 +15309,7 @@
         <p:spPr>
           <a:xfrm>
             <a:off x="1008000" y="260280"/>
-            <a:ext cx="7846920" cy="358560"/>
+            <a:ext cx="7846560" cy="358200"/>
           </a:xfrm>
           <a:prstGeom prst="rect">
             <a:avLst/>
@@ -10117,14 +15354,14 @@
       </p:sp>
       <p:sp>
         <p:nvSpPr>
-          <p:cNvPr id="90" name="Espace réservé du contenu 3"/>
+          <p:cNvPr id="137" name="Espace réservé du contenu 3"/>
           <p:cNvSpPr/>
           <p:nvPr/>
         </p:nvSpPr>
         <p:spPr>
           <a:xfrm>
             <a:off x="648000" y="836640"/>
-            <a:ext cx="8170560" cy="5281920"/>
+            <a:ext cx="8170200" cy="5281560"/>
           </a:xfrm>
           <a:prstGeom prst="rect">
             <a:avLst/>
@@ -10434,7 +15671,7 @@
       </p:sp>
       <p:pic>
         <p:nvPicPr>
-          <p:cNvPr id="91" name="" descr=""/>
+          <p:cNvPr id="138" name="" descr=""/>
           <p:cNvPicPr/>
           <p:nvPr/>
         </p:nvPicPr>
@@ -10445,7 +15682,7 @@
         <p:spPr>
           <a:xfrm>
             <a:off x="3960000" y="1800000"/>
-            <a:ext cx="4617360" cy="3050640"/>
+            <a:ext cx="4617000" cy="3050280"/>
           </a:xfrm>
           <a:prstGeom prst="rect">
             <a:avLst/>
@@ -10469,7 +15706,7 @@
         <p:txBody>
           <a:bodyPr/>
           <a:p>
-            <a:fld id="{9979EF3F-9DEB-4AB6-89EC-E845839FFCC5}" type="slidenum">
+            <a:fld id="{25590B54-818D-461D-89A2-24A9EF9885FB}" type="slidenum">
               <a:t>8</a:t>
             </a:fld>
           </a:p>
@@ -10507,14 +15744,14 @@
       </p:grpSpPr>
       <p:sp>
         <p:nvSpPr>
-          <p:cNvPr id="92" name=""/>
+          <p:cNvPr id="139" name=""/>
           <p:cNvSpPr/>
           <p:nvPr/>
         </p:nvSpPr>
         <p:spPr>
           <a:xfrm>
             <a:off x="1260000" y="1980000"/>
-            <a:ext cx="6478920" cy="3495600"/>
+            <a:ext cx="6478560" cy="3495240"/>
           </a:xfrm>
           <a:prstGeom prst="rect">
             <a:avLst/>
@@ -10584,7 +15821,7 @@
         <p:txBody>
           <a:bodyPr/>
           <a:p>
-            <a:fld id="{713EE9B2-30EF-471E-A200-B18B2FC427C4}" type="slidenum">
+            <a:fld id="{FFB88E05-99F6-4E8C-B6FF-FC20008FBBC6}" type="slidenum">
               <a:t>9</a:t>
             </a:fld>
           </a:p>
@@ -10778,7 +16015,113 @@
 </a:theme>
 </file>
 
-<file path=ppt/theme/theme13.xml><?xml version="1.0" encoding="utf-8"?>
+<file path=ppt/theme/theme14.xml><?xml version="1.0" encoding="utf-8"?>
+<a:theme xmlns:a="http://schemas.openxmlformats.org/drawingml/2006/main" xmlns:r="http://schemas.openxmlformats.org/officeDocument/2006/relationships" name="Office Theme">
+  <a:themeElements>
+    <a:clrScheme name="LibreOffice">
+      <a:dk1>
+        <a:srgbClr val="000000"/>
+      </a:dk1>
+      <a:lt1>
+        <a:srgbClr val="ffffff"/>
+      </a:lt1>
+      <a:dk2>
+        <a:srgbClr val="000000"/>
+      </a:dk2>
+      <a:lt2>
+        <a:srgbClr val="ffffff"/>
+      </a:lt2>
+      <a:accent1>
+        <a:srgbClr val="18a303"/>
+      </a:accent1>
+      <a:accent2>
+        <a:srgbClr val="0369a3"/>
+      </a:accent2>
+      <a:accent3>
+        <a:srgbClr val="a33e03"/>
+      </a:accent3>
+      <a:accent4>
+        <a:srgbClr val="8e03a3"/>
+      </a:accent4>
+      <a:accent5>
+        <a:srgbClr val="c99c00"/>
+      </a:accent5>
+      <a:accent6>
+        <a:srgbClr val="c9211e"/>
+      </a:accent6>
+      <a:hlink>
+        <a:srgbClr val="0000ee"/>
+      </a:hlink>
+      <a:folHlink>
+        <a:srgbClr val="551a8b"/>
+      </a:folHlink>
+    </a:clrScheme>
+    <a:fontScheme name="Office">
+      <a:majorFont>
+        <a:latin typeface="Arial" pitchFamily="0" charset="1"/>
+        <a:ea typeface="DejaVu Sans" pitchFamily="0" charset="1"/>
+        <a:cs typeface="DejaVu Sans" pitchFamily="0" charset="1"/>
+      </a:majorFont>
+      <a:minorFont>
+        <a:latin typeface="Arial" pitchFamily="0" charset="1"/>
+        <a:ea typeface="DejaVu Sans" pitchFamily="0" charset="1"/>
+        <a:cs typeface="DejaVu Sans" pitchFamily="0" charset="1"/>
+      </a:minorFont>
+    </a:fontScheme>
+    <a:fmtScheme>
+      <a:fillStyleLst>
+        <a:solidFill>
+          <a:schemeClr val="phClr"/>
+        </a:solidFill>
+        <a:solidFill>
+          <a:schemeClr val="phClr"/>
+        </a:solidFill>
+        <a:solidFill>
+          <a:schemeClr val="phClr"/>
+        </a:solidFill>
+      </a:fillStyleLst>
+      <a:lnStyleLst>
+        <a:ln w="6350" cap="flat" cmpd="sng" algn="ctr">
+          <a:prstDash val="solid"/>
+          <a:miter/>
+        </a:ln>
+        <a:ln w="6350" cap="flat" cmpd="sng" algn="ctr">
+          <a:prstDash val="solid"/>
+          <a:miter/>
+        </a:ln>
+        <a:ln w="6350" cap="flat" cmpd="sng" algn="ctr">
+          <a:prstDash val="solid"/>
+          <a:miter/>
+        </a:ln>
+      </a:lnStyleLst>
+      <a:effectStyleLst>
+        <a:effectStyle>
+          <a:effectLst/>
+        </a:effectStyle>
+        <a:effectStyle>
+          <a:effectLst/>
+        </a:effectStyle>
+        <a:effectStyle>
+          <a:effectLst/>
+        </a:effectStyle>
+      </a:effectStyleLst>
+      <a:bgFillStyleLst>
+        <a:solidFill>
+          <a:schemeClr val="phClr"/>
+        </a:solidFill>
+        <a:solidFill>
+          <a:schemeClr val="phClr"/>
+        </a:solidFill>
+        <a:solidFill>
+          <a:schemeClr val="phClr"/>
+        </a:solidFill>
+      </a:bgFillStyleLst>
+    </a:fmtScheme>
+  </a:themeElements>
+</a:theme>
+</file>
+
+<file path=ppt/theme/theme2.xml><?xml version="1.0" encoding="utf-8"?>
 <a:theme xmlns:a="http://schemas.openxmlformats.org/drawingml/2006/main" xmlns:r="http://schemas.openxmlformats.org/officeDocument/2006/relationships" name="Office Theme">
   <a:themeElements>
     <a:clrScheme name="LibreOffice">

--- a/presentationVendredi.pptx
+++ b/presentationVendredi.pptx
@@ -3,45 +3,44 @@
 <p:presentation xmlns:a="http://schemas.openxmlformats.org/drawingml/2006/main" xmlns:p="http://schemas.openxmlformats.org/presentationml/2006/main" xmlns:r="http://schemas.openxmlformats.org/officeDocument/2006/relationships" xmlns:p14="http://schemas.microsoft.com/office/powerpoint/2010/main" xmlns:p15="http://schemas.microsoft.com/office/powerpoint/2012/main" xmlns:mc="http://schemas.openxmlformats.org/markup-compatibility/2006">
   <p:sldMasterIdLst>
     <p:sldMasterId id="2147483648" r:id="rId2"/>
-    <p:sldMasterId id="2147483661" r:id="rId3"/>
   </p:sldMasterIdLst>
   <p:notesMasterIdLst>
-    <p:notesMasterId r:id="rId4"/>
+    <p:notesMasterId r:id="rId3"/>
   </p:notesMasterIdLst>
   <p:sldIdLst>
-    <p:sldId id="256" r:id="rId5"/>
-    <p:sldId id="257" r:id="rId6"/>
-    <p:sldId id="258" r:id="rId7"/>
-    <p:sldId id="259" r:id="rId8"/>
-    <p:sldId id="260" r:id="rId9"/>
-    <p:sldId id="261" r:id="rId10"/>
-    <p:sldId id="262" r:id="rId11"/>
-    <p:sldId id="263" r:id="rId12"/>
-    <p:sldId id="264" r:id="rId13"/>
-    <p:sldId id="265" r:id="rId14"/>
-    <p:sldId id="266" r:id="rId15"/>
-    <p:sldId id="267" r:id="rId16"/>
-    <p:sldId id="268" r:id="rId17"/>
-    <p:sldId id="269" r:id="rId18"/>
-    <p:sldId id="270" r:id="rId19"/>
-    <p:sldId id="271" r:id="rId20"/>
-    <p:sldId id="272" r:id="rId21"/>
-    <p:sldId id="273" r:id="rId22"/>
-    <p:sldId id="274" r:id="rId23"/>
-    <p:sldId id="275" r:id="rId24"/>
-    <p:sldId id="276" r:id="rId25"/>
-    <p:sldId id="277" r:id="rId26"/>
-    <p:sldId id="278" r:id="rId27"/>
-    <p:sldId id="279" r:id="rId28"/>
-    <p:sldId id="280" r:id="rId29"/>
-    <p:sldId id="281" r:id="rId30"/>
-    <p:sldId id="282" r:id="rId31"/>
-    <p:sldId id="283" r:id="rId32"/>
-    <p:sldId id="284" r:id="rId33"/>
-    <p:sldId id="285" r:id="rId34"/>
-    <p:sldId id="286" r:id="rId35"/>
-    <p:sldId id="287" r:id="rId36"/>
-    <p:sldId id="288" r:id="rId37"/>
+    <p:sldId id="256" r:id="rId4"/>
+    <p:sldId id="257" r:id="rId5"/>
+    <p:sldId id="258" r:id="rId6"/>
+    <p:sldId id="259" r:id="rId7"/>
+    <p:sldId id="260" r:id="rId8"/>
+    <p:sldId id="261" r:id="rId9"/>
+    <p:sldId id="262" r:id="rId10"/>
+    <p:sldId id="263" r:id="rId11"/>
+    <p:sldId id="264" r:id="rId12"/>
+    <p:sldId id="265" r:id="rId13"/>
+    <p:sldId id="266" r:id="rId14"/>
+    <p:sldId id="267" r:id="rId15"/>
+    <p:sldId id="268" r:id="rId16"/>
+    <p:sldId id="269" r:id="rId17"/>
+    <p:sldId id="270" r:id="rId18"/>
+    <p:sldId id="271" r:id="rId19"/>
+    <p:sldId id="272" r:id="rId20"/>
+    <p:sldId id="273" r:id="rId21"/>
+    <p:sldId id="274" r:id="rId22"/>
+    <p:sldId id="275" r:id="rId23"/>
+    <p:sldId id="276" r:id="rId24"/>
+    <p:sldId id="277" r:id="rId25"/>
+    <p:sldId id="278" r:id="rId26"/>
+    <p:sldId id="279" r:id="rId27"/>
+    <p:sldId id="280" r:id="rId28"/>
+    <p:sldId id="281" r:id="rId29"/>
+    <p:sldId id="282" r:id="rId30"/>
+    <p:sldId id="283" r:id="rId31"/>
+    <p:sldId id="284" r:id="rId32"/>
+    <p:sldId id="285" r:id="rId33"/>
+    <p:sldId id="286" r:id="rId34"/>
+    <p:sldId id="287" r:id="rId35"/>
+    <p:sldId id="288" r:id="rId36"/>
   </p:sldIdLst>
   <p:sldSz cx="9144000" cy="6858000"/>
   <p:notesSz cx="6799263" cy="9929813"/>
@@ -67,7 +66,7 @@
       </p:grpSpPr>
       <p:sp>
         <p:nvSpPr>
-          <p:cNvPr id="96" name="PlaceHolder 1"/>
+          <p:cNvPr id="49" name="PlaceHolder 1"/>
           <p:cNvSpPr>
             <a:spLocks noGrp="1"/>
           </p:cNvSpPr>
@@ -114,7 +113,7 @@
       </p:sp>
       <p:sp>
         <p:nvSpPr>
-          <p:cNvPr id="97" name="PlaceHolder 2"/>
+          <p:cNvPr id="50" name="PlaceHolder 2"/>
           <p:cNvSpPr>
             <a:spLocks noGrp="1"/>
           </p:cNvSpPr>
@@ -163,7 +162,7 @@
       </p:sp>
       <p:sp>
         <p:nvSpPr>
-          <p:cNvPr id="98" name="PlaceHolder 3"/>
+          <p:cNvPr id="51" name="PlaceHolder 3"/>
           <p:cNvSpPr>
             <a:spLocks noGrp="1"/>
           </p:cNvSpPr>
@@ -212,12 +211,12 @@
       </p:sp>
       <p:sp>
         <p:nvSpPr>
-          <p:cNvPr id="99" name="PlaceHolder 4"/>
+          <p:cNvPr id="52" name="PlaceHolder 4"/>
           <p:cNvSpPr>
             <a:spLocks noGrp="1"/>
           </p:cNvSpPr>
           <p:nvPr>
-            <p:ph type="dt" idx="7"/>
+            <p:ph type="dt" idx="4"/>
           </p:nvPr>
         </p:nvSpPr>
         <p:spPr>
@@ -272,12 +271,12 @@
       </p:sp>
       <p:sp>
         <p:nvSpPr>
-          <p:cNvPr id="100" name="PlaceHolder 5"/>
+          <p:cNvPr id="53" name="PlaceHolder 5"/>
           <p:cNvSpPr>
             <a:spLocks noGrp="1"/>
           </p:cNvSpPr>
           <p:nvPr>
-            <p:ph type="ftr" idx="8"/>
+            <p:ph type="ftr" idx="5"/>
           </p:nvPr>
         </p:nvSpPr>
         <p:spPr>
@@ -332,12 +331,12 @@
       </p:sp>
       <p:sp>
         <p:nvSpPr>
-          <p:cNvPr id="101" name="PlaceHolder 6"/>
+          <p:cNvPr id="54" name="PlaceHolder 6"/>
           <p:cNvSpPr>
             <a:spLocks noGrp="1"/>
           </p:cNvSpPr>
           <p:nvPr>
-            <p:ph type="sldNum" idx="9"/>
+            <p:ph type="sldNum" idx="6"/>
           </p:nvPr>
         </p:nvSpPr>
         <p:spPr>
@@ -372,7 +371,7 @@
             <a:pPr indent="0" algn="r">
               <a:buNone/>
             </a:pPr>
-            <a:fld id="{6977E5FB-F509-4935-9448-AFF62E57D1EE}" type="slidenum">
+            <a:fld id="{ADAC3ECE-5ABB-4A97-B4BA-6101ABA1938A}" type="slidenum">
               <a:rPr b="0" lang="fr-FR" sz="1400" spc="-1" strike="noStrike">
                 <a:solidFill>
                   <a:srgbClr val="000000"/>
@@ -415,7 +414,7 @@
       </p:grpSpPr>
       <p:sp>
         <p:nvSpPr>
-          <p:cNvPr id="219" name="PlaceHolder 1"/>
+          <p:cNvPr id="205" name="PlaceHolder 1"/>
           <p:cNvSpPr>
             <a:spLocks noGrp="1"/>
           </p:cNvSpPr>
@@ -426,19 +425,19 @@
         <p:spPr>
           <a:xfrm>
             <a:off x="919080" y="746280"/>
-            <a:ext cx="4958640" cy="3720600"/>
-          </a:xfrm>
-          <a:prstGeom prst="rect">
-            <a:avLst/>
-          </a:prstGeom>
-          <a:ln w="0">
-            <a:noFill/>
-          </a:ln>
-        </p:spPr>
-      </p:sp>
-      <p:sp>
-        <p:nvSpPr>
-          <p:cNvPr id="220" name="PlaceHolder 2"/>
+            <a:ext cx="4958280" cy="3720240"/>
+          </a:xfrm>
+          <a:prstGeom prst="rect">
+            <a:avLst/>
+          </a:prstGeom>
+          <a:ln w="0">
+            <a:noFill/>
+          </a:ln>
+        </p:spPr>
+      </p:sp>
+      <p:sp>
+        <p:nvSpPr>
+          <p:cNvPr id="206" name="PlaceHolder 2"/>
           <p:cNvSpPr>
             <a:spLocks noGrp="1"/>
           </p:cNvSpPr>
@@ -449,7 +448,7 @@
         <p:spPr>
           <a:xfrm>
             <a:off x="680040" y="4716720"/>
-            <a:ext cx="5437080" cy="4466160"/>
+            <a:ext cx="5436720" cy="4465800"/>
           </a:xfrm>
           <a:prstGeom prst="rect">
             <a:avLst/>
@@ -478,18 +477,18 @@
       </p:sp>
       <p:sp>
         <p:nvSpPr>
-          <p:cNvPr id="221" name="PlaceHolder 3"/>
+          <p:cNvPr id="207" name="PlaceHolder 3"/>
           <p:cNvSpPr>
             <a:spLocks noGrp="1"/>
           </p:cNvSpPr>
           <p:nvPr>
-            <p:ph type="sldNum" idx="10"/>
+            <p:ph type="sldNum" idx="7"/>
           </p:nvPr>
         </p:nvSpPr>
         <p:spPr>
           <a:xfrm>
             <a:off x="3851280" y="9431640"/>
-            <a:ext cx="2944080" cy="494280"/>
+            <a:ext cx="2943720" cy="493920"/>
           </a:xfrm>
           <a:prstGeom prst="rect">
             <a:avLst/>
@@ -531,7 +530,7 @@
                 <a:tab algn="l" pos="0"/>
               </a:tabLst>
             </a:pPr>
-            <a:fld id="{155CA775-EC8A-417F-B625-700034D53F02}" type="slidenum">
+            <a:fld id="{7C8E353B-0E60-42F6-9F44-DB222191FE7F}" type="slidenum">
               <a:rPr b="0" lang="fr-FR" sz="1300" spc="-1" strike="noStrike">
                 <a:solidFill>
                   <a:schemeClr val="dk1"/>
@@ -574,7 +573,7 @@
       </p:grpSpPr>
       <p:sp>
         <p:nvSpPr>
-          <p:cNvPr id="222" name="PlaceHolder 1"/>
+          <p:cNvPr id="208" name="PlaceHolder 1"/>
           <p:cNvSpPr>
             <a:spLocks noGrp="1"/>
           </p:cNvSpPr>
@@ -585,19 +584,19 @@
         <p:spPr>
           <a:xfrm>
             <a:off x="919080" y="746280"/>
-            <a:ext cx="4958640" cy="3720600"/>
-          </a:xfrm>
-          <a:prstGeom prst="rect">
-            <a:avLst/>
-          </a:prstGeom>
-          <a:ln w="0">
-            <a:noFill/>
-          </a:ln>
-        </p:spPr>
-      </p:sp>
-      <p:sp>
-        <p:nvSpPr>
-          <p:cNvPr id="223" name="PlaceHolder 2"/>
+            <a:ext cx="4958280" cy="3720240"/>
+          </a:xfrm>
+          <a:prstGeom prst="rect">
+            <a:avLst/>
+          </a:prstGeom>
+          <a:ln w="0">
+            <a:noFill/>
+          </a:ln>
+        </p:spPr>
+      </p:sp>
+      <p:sp>
+        <p:nvSpPr>
+          <p:cNvPr id="209" name="PlaceHolder 2"/>
           <p:cNvSpPr>
             <a:spLocks noGrp="1"/>
           </p:cNvSpPr>
@@ -608,7 +607,7 @@
         <p:spPr>
           <a:xfrm>
             <a:off x="680040" y="4716720"/>
-            <a:ext cx="5437080" cy="4466160"/>
+            <a:ext cx="5436720" cy="4465800"/>
           </a:xfrm>
           <a:prstGeom prst="rect">
             <a:avLst/>
@@ -637,18 +636,18 @@
       </p:sp>
       <p:sp>
         <p:nvSpPr>
-          <p:cNvPr id="224" name="PlaceHolder 3"/>
+          <p:cNvPr id="210" name="PlaceHolder 3"/>
           <p:cNvSpPr>
             <a:spLocks noGrp="1"/>
           </p:cNvSpPr>
           <p:nvPr>
-            <p:ph type="sldNum" idx="11"/>
+            <p:ph type="sldNum" idx="8"/>
           </p:nvPr>
         </p:nvSpPr>
         <p:spPr>
           <a:xfrm>
             <a:off x="3851280" y="9431640"/>
-            <a:ext cx="2944080" cy="494280"/>
+            <a:ext cx="2943720" cy="493920"/>
           </a:xfrm>
           <a:prstGeom prst="rect">
             <a:avLst/>
@@ -690,7 +689,7 @@
                 <a:tab algn="l" pos="0"/>
               </a:tabLst>
             </a:pPr>
-            <a:fld id="{5E3990D3-7398-4694-9800-C1C1BE601B43}" type="slidenum">
+            <a:fld id="{4EC684BD-5506-44B6-A7C2-0BEC30BA7309}" type="slidenum">
               <a:rPr b="0" lang="fr-FR" sz="1300" spc="-1" strike="noStrike">
                 <a:solidFill>
                   <a:schemeClr val="dk1"/>
@@ -765,7 +764,7 @@
         <p:txBody>
           <a:bodyPr/>
           <a:p>
-            <a:fld id="{4E7E63E4-8B15-44F7-B8D3-8C1454E6C19E}" type="slidenum">
+            <a:fld id="{EAD96EC2-D358-4980-91E2-8CB5ED83AFC4}" type="slidenum">
               <a:t>&lt;#&gt;</a:t>
             </a:fld>
           </a:p>
@@ -974,7 +973,7 @@
         <p:txBody>
           <a:bodyPr/>
           <a:p>
-            <a:fld id="{134EFB4A-E31D-4563-AC57-B71494F586A9}" type="slidenum">
+            <a:fld id="{E60F61B6-BB89-444E-BE25-50E097C12C99}" type="slidenum">
               <a:t>&lt;#&gt;</a:t>
             </a:fld>
           </a:p>
@@ -1269,7 +1268,7 @@
         <p:txBody>
           <a:bodyPr/>
           <a:p>
-            <a:fld id="{335A026F-96AB-4701-A071-EEEDF1E186AA}" type="slidenum">
+            <a:fld id="{76EA3903-AA8E-424B-B48D-57A29831DBE7}" type="slidenum">
               <a:t>&lt;#&gt;</a:t>
             </a:fld>
           </a:p>
@@ -1650,7 +1649,7 @@
         <p:txBody>
           <a:bodyPr/>
           <a:p>
-            <a:fld id="{5994DE39-C871-4E19-B298-75BC66C35975}" type="slidenum">
+            <a:fld id="{30A70EFD-E268-46D2-84B2-CCA3BF551B4F}" type="slidenum">
               <a:t>&lt;#&gt;</a:t>
             </a:fld>
           </a:p>
@@ -1664,1123 +1663,6 @@
           </p:cNvSpPr>
           <p:nvPr>
             <p:ph type="dt" idx="3"/>
-          </p:nvPr>
-        </p:nvSpPr>
-        <p:spPr/>
-        <p:txBody>
-          <a:bodyPr/>
-          <a:p>
-            <a:r>
-              <a:rPr lang="fr-FR"/>
-              <a:t/>
-            </a:r>
-          </a:p>
-        </p:txBody>
-      </p:sp>
-    </p:spTree>
-  </p:cSld>
-</p:sldLayout>
-</file>
-
-<file path=ppt/slideLayouts/slideLayout13.xml><?xml version="1.0" encoding="utf-8"?>
-<p:sldLayout xmlns:a="http://schemas.openxmlformats.org/drawingml/2006/main" xmlns:p="http://schemas.openxmlformats.org/presentationml/2006/main" xmlns:r="http://schemas.openxmlformats.org/officeDocument/2006/relationships" xmlns:p14="http://schemas.microsoft.com/office/powerpoint/2010/main" xmlns:p15="http://schemas.microsoft.com/office/powerpoint/2012/main" xmlns:mc="http://schemas.openxmlformats.org/markup-compatibility/2006" type="blank" preserve="1">
-  <p:cSld name="Blank Slide">
-    <p:spTree>
-      <p:nvGrpSpPr>
-        <p:cNvPr id="1" name=""/>
-        <p:cNvGrpSpPr/>
-        <p:nvPr/>
-      </p:nvGrpSpPr>
-      <p:grpSpPr>
-        <a:xfrm>
-          <a:off x="0" y="0"/>
-          <a:ext cx="0" cy="0"/>
-          <a:chOff x="0" y="0"/>
-          <a:chExt cx="0" cy="0"/>
-        </a:xfrm>
-      </p:grpSpPr>
-      <p:sp>
-        <p:nvSpPr>
-          <p:cNvPr id="2" name="PlaceHolder 1"/>
-          <p:cNvSpPr>
-            <a:spLocks noGrp="1"/>
-          </p:cNvSpPr>
-          <p:nvPr>
-            <p:ph type="ftr" idx="4"/>
-          </p:nvPr>
-        </p:nvSpPr>
-        <p:spPr/>
-        <p:txBody>
-          <a:bodyPr/>
-          <a:p>
-            <a:r>
-              <a:t>Footer</a:t>
-            </a:r>
-          </a:p>
-        </p:txBody>
-      </p:sp>
-      <p:sp>
-        <p:nvSpPr>
-          <p:cNvPr id="3" name="PlaceHolder 2"/>
-          <p:cNvSpPr>
-            <a:spLocks noGrp="1"/>
-          </p:cNvSpPr>
-          <p:nvPr>
-            <p:ph type="sldNum" idx="5"/>
-          </p:nvPr>
-        </p:nvSpPr>
-        <p:spPr/>
-        <p:txBody>
-          <a:bodyPr/>
-          <a:p>
-            <a:fld id="{FB3FD292-330A-4A66-8368-2D11C4895DC7}" type="slidenum">
-              <a:t>&lt;#&gt;</a:t>
-            </a:fld>
-          </a:p>
-        </p:txBody>
-      </p:sp>
-      <p:sp>
-        <p:nvSpPr>
-          <p:cNvPr id="4" name="PlaceHolder 3"/>
-          <p:cNvSpPr>
-            <a:spLocks noGrp="1"/>
-          </p:cNvSpPr>
-          <p:nvPr>
-            <p:ph type="dt" idx="6"/>
-          </p:nvPr>
-        </p:nvSpPr>
-        <p:spPr/>
-        <p:txBody>
-          <a:bodyPr/>
-          <a:p>
-            <a:r>
-              <a:rPr lang="fr-FR"/>
-              <a:t/>
-            </a:r>
-          </a:p>
-        </p:txBody>
-      </p:sp>
-    </p:spTree>
-  </p:cSld>
-</p:sldLayout>
-</file>
-
-<file path=ppt/slideLayouts/slideLayout14.xml><?xml version="1.0" encoding="utf-8"?>
-<p:sldLayout xmlns:a="http://schemas.openxmlformats.org/drawingml/2006/main" xmlns:p="http://schemas.openxmlformats.org/presentationml/2006/main" xmlns:r="http://schemas.openxmlformats.org/officeDocument/2006/relationships" xmlns:p14="http://schemas.microsoft.com/office/powerpoint/2010/main" xmlns:p15="http://schemas.microsoft.com/office/powerpoint/2012/main" xmlns:mc="http://schemas.openxmlformats.org/markup-compatibility/2006" type="tx" preserve="1">
-  <p:cSld name="Title Slide">
-    <p:spTree>
-      <p:nvGrpSpPr>
-        <p:cNvPr id="1" name=""/>
-        <p:cNvGrpSpPr/>
-        <p:nvPr/>
-      </p:nvGrpSpPr>
-      <p:grpSpPr>
-        <a:xfrm>
-          <a:off x="0" y="0"/>
-          <a:ext cx="0" cy="0"/>
-          <a:chOff x="0" y="0"/>
-          <a:chExt cx="0" cy="0"/>
-        </a:xfrm>
-      </p:grpSpPr>
-      <p:sp>
-        <p:nvSpPr>
-          <p:cNvPr id="60" name="PlaceHolder 1"/>
-          <p:cNvSpPr>
-            <a:spLocks noGrp="1"/>
-          </p:cNvSpPr>
-          <p:nvPr>
-            <p:ph type="title"/>
-          </p:nvPr>
-        </p:nvSpPr>
-        <p:spPr>
-          <a:xfrm>
-            <a:off x="457200" y="273600"/>
-            <a:ext cx="8229240" cy="1144800"/>
-          </a:xfrm>
-          <a:prstGeom prst="rect">
-            <a:avLst/>
-          </a:prstGeom>
-          <a:noFill/>
-          <a:ln w="0">
-            <a:noFill/>
-          </a:ln>
-        </p:spPr>
-        <p:txBody>
-          <a:bodyPr lIns="0" rIns="0" tIns="0" bIns="0" anchor="ctr">
-            <a:noAutofit/>
-          </a:bodyPr>
-          <a:p>
-            <a:pPr indent="0" algn="ctr">
-              <a:buNone/>
-            </a:pPr>
-            <a:endParaRPr b="0" lang="fr-FR" sz="4400" spc="-1" strike="noStrike">
-              <a:solidFill>
-                <a:srgbClr val="000000"/>
-              </a:solidFill>
-              <a:latin typeface="Arial"/>
-            </a:endParaRPr>
-          </a:p>
-        </p:txBody>
-      </p:sp>
-      <p:sp>
-        <p:nvSpPr>
-          <p:cNvPr id="61" name="PlaceHolder 2"/>
-          <p:cNvSpPr>
-            <a:spLocks noGrp="1"/>
-          </p:cNvSpPr>
-          <p:nvPr>
-            <p:ph type="subTitle"/>
-          </p:nvPr>
-        </p:nvSpPr>
-        <p:spPr>
-          <a:xfrm>
-            <a:off x="457200" y="1604520"/>
-            <a:ext cx="8229240" cy="3977280"/>
-          </a:xfrm>
-          <a:prstGeom prst="rect">
-            <a:avLst/>
-          </a:prstGeom>
-          <a:noFill/>
-          <a:ln w="0">
-            <a:noFill/>
-          </a:ln>
-        </p:spPr>
-        <p:txBody>
-          <a:bodyPr lIns="0" rIns="0" tIns="0" bIns="0" anchor="ctr">
-            <a:noAutofit/>
-          </a:bodyPr>
-          <a:p>
-            <a:pPr indent="0" algn="ctr">
-              <a:buNone/>
-            </a:pPr>
-            <a:endParaRPr b="0" lang="fr-FR" sz="3200" spc="-1" strike="noStrike">
-              <a:solidFill>
-                <a:srgbClr val="000000"/>
-              </a:solidFill>
-              <a:latin typeface="Arial"/>
-            </a:endParaRPr>
-          </a:p>
-        </p:txBody>
-      </p:sp>
-      <p:sp>
-        <p:nvSpPr>
-          <p:cNvPr id="4" name="PlaceHolder 3"/>
-          <p:cNvSpPr>
-            <a:spLocks noGrp="1"/>
-          </p:cNvSpPr>
-          <p:nvPr>
-            <p:ph type="ftr" idx="4"/>
-          </p:nvPr>
-        </p:nvSpPr>
-        <p:spPr/>
-        <p:txBody>
-          <a:bodyPr/>
-          <a:p>
-            <a:r>
-              <a:t>Footer</a:t>
-            </a:r>
-          </a:p>
-        </p:txBody>
-      </p:sp>
-      <p:sp>
-        <p:nvSpPr>
-          <p:cNvPr id="5" name="PlaceHolder 4"/>
-          <p:cNvSpPr>
-            <a:spLocks noGrp="1"/>
-          </p:cNvSpPr>
-          <p:nvPr>
-            <p:ph type="sldNum" idx="5"/>
-          </p:nvPr>
-        </p:nvSpPr>
-        <p:spPr/>
-        <p:txBody>
-          <a:bodyPr/>
-          <a:p>
-            <a:fld id="{044B75D7-4122-4BB8-BD20-54593DB16807}" type="slidenum">
-              <a:t>&lt;#&gt;</a:t>
-            </a:fld>
-          </a:p>
-        </p:txBody>
-      </p:sp>
-      <p:sp>
-        <p:nvSpPr>
-          <p:cNvPr id="6" name="PlaceHolder 5"/>
-          <p:cNvSpPr>
-            <a:spLocks noGrp="1"/>
-          </p:cNvSpPr>
-          <p:nvPr>
-            <p:ph type="dt" idx="6"/>
-          </p:nvPr>
-        </p:nvSpPr>
-        <p:spPr/>
-        <p:txBody>
-          <a:bodyPr/>
-          <a:p>
-            <a:r>
-              <a:rPr lang="fr-FR"/>
-              <a:t/>
-            </a:r>
-          </a:p>
-        </p:txBody>
-      </p:sp>
-    </p:spTree>
-  </p:cSld>
-</p:sldLayout>
-</file>
-
-<file path=ppt/slideLayouts/slideLayout15.xml><?xml version="1.0" encoding="utf-8"?>
-<p:sldLayout xmlns:a="http://schemas.openxmlformats.org/drawingml/2006/main" xmlns:p="http://schemas.openxmlformats.org/presentationml/2006/main" xmlns:r="http://schemas.openxmlformats.org/officeDocument/2006/relationships" xmlns:p14="http://schemas.microsoft.com/office/powerpoint/2010/main" xmlns:p15="http://schemas.microsoft.com/office/powerpoint/2012/main" xmlns:mc="http://schemas.openxmlformats.org/markup-compatibility/2006" type="obj" preserve="1">
-  <p:cSld name="Title, Content">
-    <p:spTree>
-      <p:nvGrpSpPr>
-        <p:cNvPr id="1" name=""/>
-        <p:cNvGrpSpPr/>
-        <p:nvPr/>
-      </p:nvGrpSpPr>
-      <p:grpSpPr>
-        <a:xfrm>
-          <a:off x="0" y="0"/>
-          <a:ext cx="0" cy="0"/>
-          <a:chOff x="0" y="0"/>
-          <a:chExt cx="0" cy="0"/>
-        </a:xfrm>
-      </p:grpSpPr>
-      <p:sp>
-        <p:nvSpPr>
-          <p:cNvPr id="62" name="PlaceHolder 1"/>
-          <p:cNvSpPr>
-            <a:spLocks noGrp="1"/>
-          </p:cNvSpPr>
-          <p:nvPr>
-            <p:ph type="title"/>
-          </p:nvPr>
-        </p:nvSpPr>
-        <p:spPr>
-          <a:xfrm>
-            <a:off x="457200" y="273600"/>
-            <a:ext cx="8229240" cy="1144800"/>
-          </a:xfrm>
-          <a:prstGeom prst="rect">
-            <a:avLst/>
-          </a:prstGeom>
-          <a:noFill/>
-          <a:ln w="0">
-            <a:noFill/>
-          </a:ln>
-        </p:spPr>
-        <p:txBody>
-          <a:bodyPr lIns="0" rIns="0" tIns="0" bIns="0" anchor="ctr">
-            <a:noAutofit/>
-          </a:bodyPr>
-          <a:p>
-            <a:pPr indent="0" algn="ctr">
-              <a:buNone/>
-            </a:pPr>
-            <a:endParaRPr b="0" lang="fr-FR" sz="4400" spc="-1" strike="noStrike">
-              <a:solidFill>
-                <a:srgbClr val="000000"/>
-              </a:solidFill>
-              <a:latin typeface="Arial"/>
-            </a:endParaRPr>
-          </a:p>
-        </p:txBody>
-      </p:sp>
-      <p:sp>
-        <p:nvSpPr>
-          <p:cNvPr id="63" name="PlaceHolder 2"/>
-          <p:cNvSpPr>
-            <a:spLocks noGrp="1"/>
-          </p:cNvSpPr>
-          <p:nvPr>
-            <p:ph/>
-          </p:nvPr>
-        </p:nvSpPr>
-        <p:spPr>
-          <a:xfrm>
-            <a:off x="457200" y="1604520"/>
-            <a:ext cx="8229240" cy="3977280"/>
-          </a:xfrm>
-          <a:prstGeom prst="rect">
-            <a:avLst/>
-          </a:prstGeom>
-          <a:noFill/>
-          <a:ln w="0">
-            <a:noFill/>
-          </a:ln>
-        </p:spPr>
-        <p:txBody>
-          <a:bodyPr lIns="0" rIns="0" tIns="0" bIns="0" anchor="t">
-            <a:normAutofit/>
-          </a:bodyPr>
-          <a:p>
-            <a:pPr indent="0">
-              <a:spcBef>
-                <a:spcPts val="1417"/>
-              </a:spcBef>
-              <a:buNone/>
-            </a:pPr>
-            <a:endParaRPr b="0" lang="fr-FR" sz="3200" spc="-1" strike="noStrike">
-              <a:solidFill>
-                <a:srgbClr val="000000"/>
-              </a:solidFill>
-              <a:latin typeface="Arial"/>
-            </a:endParaRPr>
-          </a:p>
-        </p:txBody>
-      </p:sp>
-      <p:sp>
-        <p:nvSpPr>
-          <p:cNvPr id="4" name="PlaceHolder 3"/>
-          <p:cNvSpPr>
-            <a:spLocks noGrp="1"/>
-          </p:cNvSpPr>
-          <p:nvPr>
-            <p:ph type="ftr" idx="4"/>
-          </p:nvPr>
-        </p:nvSpPr>
-        <p:spPr/>
-        <p:txBody>
-          <a:bodyPr/>
-          <a:p>
-            <a:r>
-              <a:t>Footer</a:t>
-            </a:r>
-          </a:p>
-        </p:txBody>
-      </p:sp>
-      <p:sp>
-        <p:nvSpPr>
-          <p:cNvPr id="5" name="PlaceHolder 4"/>
-          <p:cNvSpPr>
-            <a:spLocks noGrp="1"/>
-          </p:cNvSpPr>
-          <p:nvPr>
-            <p:ph type="sldNum" idx="5"/>
-          </p:nvPr>
-        </p:nvSpPr>
-        <p:spPr/>
-        <p:txBody>
-          <a:bodyPr/>
-          <a:p>
-            <a:fld id="{2BA333CB-5032-4F6C-9D03-A918CDA2AE43}" type="slidenum">
-              <a:t>&lt;#&gt;</a:t>
-            </a:fld>
-          </a:p>
-        </p:txBody>
-      </p:sp>
-      <p:sp>
-        <p:nvSpPr>
-          <p:cNvPr id="6" name="PlaceHolder 5"/>
-          <p:cNvSpPr>
-            <a:spLocks noGrp="1"/>
-          </p:cNvSpPr>
-          <p:nvPr>
-            <p:ph type="dt" idx="6"/>
-          </p:nvPr>
-        </p:nvSpPr>
-        <p:spPr/>
-        <p:txBody>
-          <a:bodyPr/>
-          <a:p>
-            <a:r>
-              <a:rPr lang="fr-FR"/>
-              <a:t/>
-            </a:r>
-          </a:p>
-        </p:txBody>
-      </p:sp>
-    </p:spTree>
-  </p:cSld>
-</p:sldLayout>
-</file>
-
-<file path=ppt/slideLayouts/slideLayout16.xml><?xml version="1.0" encoding="utf-8"?>
-<p:sldLayout xmlns:a="http://schemas.openxmlformats.org/drawingml/2006/main" xmlns:p="http://schemas.openxmlformats.org/presentationml/2006/main" xmlns:r="http://schemas.openxmlformats.org/officeDocument/2006/relationships" xmlns:p14="http://schemas.microsoft.com/office/powerpoint/2010/main" xmlns:p15="http://schemas.microsoft.com/office/powerpoint/2012/main" xmlns:mc="http://schemas.openxmlformats.org/markup-compatibility/2006" type="twoObj" preserve="1">
-  <p:cSld name="Title, 2 Content">
-    <p:spTree>
-      <p:nvGrpSpPr>
-        <p:cNvPr id="1" name=""/>
-        <p:cNvGrpSpPr/>
-        <p:nvPr/>
-      </p:nvGrpSpPr>
-      <p:grpSpPr>
-        <a:xfrm>
-          <a:off x="0" y="0"/>
-          <a:ext cx="0" cy="0"/>
-          <a:chOff x="0" y="0"/>
-          <a:chExt cx="0" cy="0"/>
-        </a:xfrm>
-      </p:grpSpPr>
-      <p:sp>
-        <p:nvSpPr>
-          <p:cNvPr id="64" name="PlaceHolder 1"/>
-          <p:cNvSpPr>
-            <a:spLocks noGrp="1"/>
-          </p:cNvSpPr>
-          <p:nvPr>
-            <p:ph type="title"/>
-          </p:nvPr>
-        </p:nvSpPr>
-        <p:spPr>
-          <a:xfrm>
-            <a:off x="457200" y="273600"/>
-            <a:ext cx="8229240" cy="1144800"/>
-          </a:xfrm>
-          <a:prstGeom prst="rect">
-            <a:avLst/>
-          </a:prstGeom>
-          <a:noFill/>
-          <a:ln w="0">
-            <a:noFill/>
-          </a:ln>
-        </p:spPr>
-        <p:txBody>
-          <a:bodyPr lIns="0" rIns="0" tIns="0" bIns="0" anchor="ctr">
-            <a:noAutofit/>
-          </a:bodyPr>
-          <a:p>
-            <a:pPr indent="0" algn="ctr">
-              <a:buNone/>
-            </a:pPr>
-            <a:endParaRPr b="0" lang="fr-FR" sz="4400" spc="-1" strike="noStrike">
-              <a:solidFill>
-                <a:srgbClr val="000000"/>
-              </a:solidFill>
-              <a:latin typeface="Arial"/>
-            </a:endParaRPr>
-          </a:p>
-        </p:txBody>
-      </p:sp>
-      <p:sp>
-        <p:nvSpPr>
-          <p:cNvPr id="65" name="PlaceHolder 2"/>
-          <p:cNvSpPr>
-            <a:spLocks noGrp="1"/>
-          </p:cNvSpPr>
-          <p:nvPr>
-            <p:ph/>
-          </p:nvPr>
-        </p:nvSpPr>
-        <p:spPr>
-          <a:xfrm>
-            <a:off x="457200" y="1604520"/>
-            <a:ext cx="4015800" cy="3977280"/>
-          </a:xfrm>
-          <a:prstGeom prst="rect">
-            <a:avLst/>
-          </a:prstGeom>
-          <a:noFill/>
-          <a:ln w="0">
-            <a:noFill/>
-          </a:ln>
-        </p:spPr>
-        <p:txBody>
-          <a:bodyPr lIns="0" rIns="0" tIns="0" bIns="0" anchor="t">
-            <a:normAutofit/>
-          </a:bodyPr>
-          <a:p>
-            <a:pPr indent="0">
-              <a:spcBef>
-                <a:spcPts val="1417"/>
-              </a:spcBef>
-              <a:buNone/>
-            </a:pPr>
-            <a:endParaRPr b="0" lang="fr-FR" sz="3200" spc="-1" strike="noStrike">
-              <a:solidFill>
-                <a:srgbClr val="000000"/>
-              </a:solidFill>
-              <a:latin typeface="Arial"/>
-            </a:endParaRPr>
-          </a:p>
-        </p:txBody>
-      </p:sp>
-      <p:sp>
-        <p:nvSpPr>
-          <p:cNvPr id="66" name="PlaceHolder 3"/>
-          <p:cNvSpPr>
-            <a:spLocks noGrp="1"/>
-          </p:cNvSpPr>
-          <p:nvPr>
-            <p:ph/>
-          </p:nvPr>
-        </p:nvSpPr>
-        <p:spPr>
-          <a:xfrm>
-            <a:off x="4674240" y="1604520"/>
-            <a:ext cx="4015800" cy="3977280"/>
-          </a:xfrm>
-          <a:prstGeom prst="rect">
-            <a:avLst/>
-          </a:prstGeom>
-          <a:noFill/>
-          <a:ln w="0">
-            <a:noFill/>
-          </a:ln>
-        </p:spPr>
-        <p:txBody>
-          <a:bodyPr lIns="0" rIns="0" tIns="0" bIns="0" anchor="t">
-            <a:normAutofit/>
-          </a:bodyPr>
-          <a:p>
-            <a:pPr indent="0">
-              <a:spcBef>
-                <a:spcPts val="1417"/>
-              </a:spcBef>
-              <a:buNone/>
-            </a:pPr>
-            <a:endParaRPr b="0" lang="fr-FR" sz="3200" spc="-1" strike="noStrike">
-              <a:solidFill>
-                <a:srgbClr val="000000"/>
-              </a:solidFill>
-              <a:latin typeface="Arial"/>
-            </a:endParaRPr>
-          </a:p>
-        </p:txBody>
-      </p:sp>
-      <p:sp>
-        <p:nvSpPr>
-          <p:cNvPr id="5" name="PlaceHolder 4"/>
-          <p:cNvSpPr>
-            <a:spLocks noGrp="1"/>
-          </p:cNvSpPr>
-          <p:nvPr>
-            <p:ph type="ftr" idx="4"/>
-          </p:nvPr>
-        </p:nvSpPr>
-        <p:spPr/>
-        <p:txBody>
-          <a:bodyPr/>
-          <a:p>
-            <a:r>
-              <a:t>Footer</a:t>
-            </a:r>
-          </a:p>
-        </p:txBody>
-      </p:sp>
-      <p:sp>
-        <p:nvSpPr>
-          <p:cNvPr id="6" name="PlaceHolder 5"/>
-          <p:cNvSpPr>
-            <a:spLocks noGrp="1"/>
-          </p:cNvSpPr>
-          <p:nvPr>
-            <p:ph type="sldNum" idx="5"/>
-          </p:nvPr>
-        </p:nvSpPr>
-        <p:spPr/>
-        <p:txBody>
-          <a:bodyPr/>
-          <a:p>
-            <a:fld id="{2CC07D9A-3749-4261-8594-5021B95BFF9A}" type="slidenum">
-              <a:t>&lt;#&gt;</a:t>
-            </a:fld>
-          </a:p>
-        </p:txBody>
-      </p:sp>
-      <p:sp>
-        <p:nvSpPr>
-          <p:cNvPr id="7" name="PlaceHolder 6"/>
-          <p:cNvSpPr>
-            <a:spLocks noGrp="1"/>
-          </p:cNvSpPr>
-          <p:nvPr>
-            <p:ph type="dt" idx="6"/>
-          </p:nvPr>
-        </p:nvSpPr>
-        <p:spPr/>
-        <p:txBody>
-          <a:bodyPr/>
-          <a:p>
-            <a:r>
-              <a:rPr lang="fr-FR"/>
-              <a:t/>
-            </a:r>
-          </a:p>
-        </p:txBody>
-      </p:sp>
-    </p:spTree>
-  </p:cSld>
-</p:sldLayout>
-</file>
-
-<file path=ppt/slideLayouts/slideLayout17.xml><?xml version="1.0" encoding="utf-8"?>
-<p:sldLayout xmlns:a="http://schemas.openxmlformats.org/drawingml/2006/main" xmlns:p="http://schemas.openxmlformats.org/presentationml/2006/main" xmlns:r="http://schemas.openxmlformats.org/officeDocument/2006/relationships" xmlns:p14="http://schemas.microsoft.com/office/powerpoint/2010/main" xmlns:p15="http://schemas.microsoft.com/office/powerpoint/2012/main" xmlns:mc="http://schemas.openxmlformats.org/markup-compatibility/2006" type="titleOnly" preserve="1">
-  <p:cSld name="Title Only">
-    <p:spTree>
-      <p:nvGrpSpPr>
-        <p:cNvPr id="1" name=""/>
-        <p:cNvGrpSpPr/>
-        <p:nvPr/>
-      </p:nvGrpSpPr>
-      <p:grpSpPr>
-        <a:xfrm>
-          <a:off x="0" y="0"/>
-          <a:ext cx="0" cy="0"/>
-          <a:chOff x="0" y="0"/>
-          <a:chExt cx="0" cy="0"/>
-        </a:xfrm>
-      </p:grpSpPr>
-      <p:sp>
-        <p:nvSpPr>
-          <p:cNvPr id="67" name="PlaceHolder 1"/>
-          <p:cNvSpPr>
-            <a:spLocks noGrp="1"/>
-          </p:cNvSpPr>
-          <p:nvPr>
-            <p:ph type="title"/>
-          </p:nvPr>
-        </p:nvSpPr>
-        <p:spPr>
-          <a:xfrm>
-            <a:off x="457200" y="273600"/>
-            <a:ext cx="8229240" cy="1144800"/>
-          </a:xfrm>
-          <a:prstGeom prst="rect">
-            <a:avLst/>
-          </a:prstGeom>
-          <a:noFill/>
-          <a:ln w="0">
-            <a:noFill/>
-          </a:ln>
-        </p:spPr>
-        <p:txBody>
-          <a:bodyPr lIns="0" rIns="0" tIns="0" bIns="0" anchor="ctr">
-            <a:noAutofit/>
-          </a:bodyPr>
-          <a:p>
-            <a:pPr indent="0" algn="ctr">
-              <a:buNone/>
-            </a:pPr>
-            <a:endParaRPr b="0" lang="fr-FR" sz="4400" spc="-1" strike="noStrike">
-              <a:solidFill>
-                <a:srgbClr val="000000"/>
-              </a:solidFill>
-              <a:latin typeface="Arial"/>
-            </a:endParaRPr>
-          </a:p>
-        </p:txBody>
-      </p:sp>
-      <p:sp>
-        <p:nvSpPr>
-          <p:cNvPr id="3" name="PlaceHolder 2"/>
-          <p:cNvSpPr>
-            <a:spLocks noGrp="1"/>
-          </p:cNvSpPr>
-          <p:nvPr>
-            <p:ph type="ftr" idx="4"/>
-          </p:nvPr>
-        </p:nvSpPr>
-        <p:spPr/>
-        <p:txBody>
-          <a:bodyPr/>
-          <a:p>
-            <a:r>
-              <a:t>Footer</a:t>
-            </a:r>
-          </a:p>
-        </p:txBody>
-      </p:sp>
-      <p:sp>
-        <p:nvSpPr>
-          <p:cNvPr id="4" name="PlaceHolder 3"/>
-          <p:cNvSpPr>
-            <a:spLocks noGrp="1"/>
-          </p:cNvSpPr>
-          <p:nvPr>
-            <p:ph type="sldNum" idx="5"/>
-          </p:nvPr>
-        </p:nvSpPr>
-        <p:spPr/>
-        <p:txBody>
-          <a:bodyPr/>
-          <a:p>
-            <a:fld id="{B0BFEB66-AB1B-472E-9E90-ACA14C81BAE6}" type="slidenum">
-              <a:t>&lt;#&gt;</a:t>
-            </a:fld>
-          </a:p>
-        </p:txBody>
-      </p:sp>
-      <p:sp>
-        <p:nvSpPr>
-          <p:cNvPr id="5" name="PlaceHolder 4"/>
-          <p:cNvSpPr>
-            <a:spLocks noGrp="1"/>
-          </p:cNvSpPr>
-          <p:nvPr>
-            <p:ph type="dt" idx="6"/>
-          </p:nvPr>
-        </p:nvSpPr>
-        <p:spPr/>
-        <p:txBody>
-          <a:bodyPr/>
-          <a:p>
-            <a:r>
-              <a:rPr lang="fr-FR"/>
-              <a:t/>
-            </a:r>
-          </a:p>
-        </p:txBody>
-      </p:sp>
-    </p:spTree>
-  </p:cSld>
-</p:sldLayout>
-</file>
-
-<file path=ppt/slideLayouts/slideLayout18.xml><?xml version="1.0" encoding="utf-8"?>
-<p:sldLayout xmlns:a="http://schemas.openxmlformats.org/drawingml/2006/main" xmlns:p="http://schemas.openxmlformats.org/presentationml/2006/main" xmlns:r="http://schemas.openxmlformats.org/officeDocument/2006/relationships" xmlns:p14="http://schemas.microsoft.com/office/powerpoint/2010/main" xmlns:p15="http://schemas.microsoft.com/office/powerpoint/2012/main" xmlns:mc="http://schemas.openxmlformats.org/markup-compatibility/2006" type="objOnly" preserve="1">
-  <p:cSld name="Centered Text">
-    <p:spTree>
-      <p:nvGrpSpPr>
-        <p:cNvPr id="1" name=""/>
-        <p:cNvGrpSpPr/>
-        <p:nvPr/>
-      </p:nvGrpSpPr>
-      <p:grpSpPr>
-        <a:xfrm>
-          <a:off x="0" y="0"/>
-          <a:ext cx="0" cy="0"/>
-          <a:chOff x="0" y="0"/>
-          <a:chExt cx="0" cy="0"/>
-        </a:xfrm>
-      </p:grpSpPr>
-      <p:sp>
-        <p:nvSpPr>
-          <p:cNvPr id="68" name="PlaceHolder 1"/>
-          <p:cNvSpPr>
-            <a:spLocks noGrp="1"/>
-          </p:cNvSpPr>
-          <p:nvPr>
-            <p:ph type="subTitle"/>
-          </p:nvPr>
-        </p:nvSpPr>
-        <p:spPr>
-          <a:xfrm>
-            <a:off x="457200" y="273600"/>
-            <a:ext cx="8229240" cy="5307840"/>
-          </a:xfrm>
-          <a:prstGeom prst="rect">
-            <a:avLst/>
-          </a:prstGeom>
-          <a:noFill/>
-          <a:ln w="0">
-            <a:noFill/>
-          </a:ln>
-        </p:spPr>
-        <p:txBody>
-          <a:bodyPr lIns="0" rIns="0" tIns="0" bIns="0" anchor="ctr">
-            <a:noAutofit/>
-          </a:bodyPr>
-          <a:p>
-            <a:pPr algn="ctr"/>
-            <a:endParaRPr b="0" lang="fr-FR" sz="3200" spc="-1" strike="noStrike">
-              <a:solidFill>
-                <a:srgbClr val="000000"/>
-              </a:solidFill>
-              <a:latin typeface="Arial"/>
-            </a:endParaRPr>
-          </a:p>
-        </p:txBody>
-      </p:sp>
-      <p:sp>
-        <p:nvSpPr>
-          <p:cNvPr id="3" name="PlaceHolder 2"/>
-          <p:cNvSpPr>
-            <a:spLocks noGrp="1"/>
-          </p:cNvSpPr>
-          <p:nvPr>
-            <p:ph type="ftr" idx="4"/>
-          </p:nvPr>
-        </p:nvSpPr>
-        <p:spPr/>
-        <p:txBody>
-          <a:bodyPr/>
-          <a:p>
-            <a:r>
-              <a:t>Footer</a:t>
-            </a:r>
-          </a:p>
-        </p:txBody>
-      </p:sp>
-      <p:sp>
-        <p:nvSpPr>
-          <p:cNvPr id="4" name="PlaceHolder 3"/>
-          <p:cNvSpPr>
-            <a:spLocks noGrp="1"/>
-          </p:cNvSpPr>
-          <p:nvPr>
-            <p:ph type="sldNum" idx="5"/>
-          </p:nvPr>
-        </p:nvSpPr>
-        <p:spPr/>
-        <p:txBody>
-          <a:bodyPr/>
-          <a:p>
-            <a:fld id="{35032B0D-AFC7-479D-BF05-75C67F1A5009}" type="slidenum">
-              <a:t>&lt;#&gt;</a:t>
-            </a:fld>
-          </a:p>
-        </p:txBody>
-      </p:sp>
-      <p:sp>
-        <p:nvSpPr>
-          <p:cNvPr id="5" name="PlaceHolder 4"/>
-          <p:cNvSpPr>
-            <a:spLocks noGrp="1"/>
-          </p:cNvSpPr>
-          <p:nvPr>
-            <p:ph type="dt" idx="6"/>
-          </p:nvPr>
-        </p:nvSpPr>
-        <p:spPr/>
-        <p:txBody>
-          <a:bodyPr/>
-          <a:p>
-            <a:r>
-              <a:rPr lang="fr-FR"/>
-              <a:t/>
-            </a:r>
-          </a:p>
-        </p:txBody>
-      </p:sp>
-    </p:spTree>
-  </p:cSld>
-</p:sldLayout>
-</file>
-
-<file path=ppt/slideLayouts/slideLayout19.xml><?xml version="1.0" encoding="utf-8"?>
-<p:sldLayout xmlns:a="http://schemas.openxmlformats.org/drawingml/2006/main" xmlns:p="http://schemas.openxmlformats.org/presentationml/2006/main" xmlns:r="http://schemas.openxmlformats.org/officeDocument/2006/relationships" xmlns:p14="http://schemas.microsoft.com/office/powerpoint/2010/main" xmlns:p15="http://schemas.microsoft.com/office/powerpoint/2012/main" xmlns:mc="http://schemas.openxmlformats.org/markup-compatibility/2006" type="twoObjAndObj" preserve="1">
-  <p:cSld name="Title, 2 Content and Content">
-    <p:spTree>
-      <p:nvGrpSpPr>
-        <p:cNvPr id="1" name=""/>
-        <p:cNvGrpSpPr/>
-        <p:nvPr/>
-      </p:nvGrpSpPr>
-      <p:grpSpPr>
-        <a:xfrm>
-          <a:off x="0" y="0"/>
-          <a:ext cx="0" cy="0"/>
-          <a:chOff x="0" y="0"/>
-          <a:chExt cx="0" cy="0"/>
-        </a:xfrm>
-      </p:grpSpPr>
-      <p:sp>
-        <p:nvSpPr>
-          <p:cNvPr id="69" name="PlaceHolder 1"/>
-          <p:cNvSpPr>
-            <a:spLocks noGrp="1"/>
-          </p:cNvSpPr>
-          <p:nvPr>
-            <p:ph type="title"/>
-          </p:nvPr>
-        </p:nvSpPr>
-        <p:spPr>
-          <a:xfrm>
-            <a:off x="457200" y="273600"/>
-            <a:ext cx="8229240" cy="1144800"/>
-          </a:xfrm>
-          <a:prstGeom prst="rect">
-            <a:avLst/>
-          </a:prstGeom>
-          <a:noFill/>
-          <a:ln w="0">
-            <a:noFill/>
-          </a:ln>
-        </p:spPr>
-        <p:txBody>
-          <a:bodyPr lIns="0" rIns="0" tIns="0" bIns="0" anchor="ctr">
-            <a:noAutofit/>
-          </a:bodyPr>
-          <a:p>
-            <a:pPr indent="0" algn="ctr">
-              <a:buNone/>
-            </a:pPr>
-            <a:endParaRPr b="0" lang="fr-FR" sz="4400" spc="-1" strike="noStrike">
-              <a:solidFill>
-                <a:srgbClr val="000000"/>
-              </a:solidFill>
-              <a:latin typeface="Arial"/>
-            </a:endParaRPr>
-          </a:p>
-        </p:txBody>
-      </p:sp>
-      <p:sp>
-        <p:nvSpPr>
-          <p:cNvPr id="70" name="PlaceHolder 2"/>
-          <p:cNvSpPr>
-            <a:spLocks noGrp="1"/>
-          </p:cNvSpPr>
-          <p:nvPr>
-            <p:ph/>
-          </p:nvPr>
-        </p:nvSpPr>
-        <p:spPr>
-          <a:xfrm>
-            <a:off x="457200" y="1604520"/>
-            <a:ext cx="4015800" cy="1896840"/>
-          </a:xfrm>
-          <a:prstGeom prst="rect">
-            <a:avLst/>
-          </a:prstGeom>
-          <a:noFill/>
-          <a:ln w="0">
-            <a:noFill/>
-          </a:ln>
-        </p:spPr>
-        <p:txBody>
-          <a:bodyPr lIns="0" rIns="0" tIns="0" bIns="0" anchor="t">
-            <a:normAutofit/>
-          </a:bodyPr>
-          <a:p>
-            <a:pPr indent="0">
-              <a:spcBef>
-                <a:spcPts val="1417"/>
-              </a:spcBef>
-              <a:buNone/>
-            </a:pPr>
-            <a:endParaRPr b="0" lang="fr-FR" sz="3200" spc="-1" strike="noStrike">
-              <a:solidFill>
-                <a:srgbClr val="000000"/>
-              </a:solidFill>
-              <a:latin typeface="Arial"/>
-            </a:endParaRPr>
-          </a:p>
-        </p:txBody>
-      </p:sp>
-      <p:sp>
-        <p:nvSpPr>
-          <p:cNvPr id="71" name="PlaceHolder 3"/>
-          <p:cNvSpPr>
-            <a:spLocks noGrp="1"/>
-          </p:cNvSpPr>
-          <p:nvPr>
-            <p:ph/>
-          </p:nvPr>
-        </p:nvSpPr>
-        <p:spPr>
-          <a:xfrm>
-            <a:off x="4674240" y="1604520"/>
-            <a:ext cx="4015800" cy="3977280"/>
-          </a:xfrm>
-          <a:prstGeom prst="rect">
-            <a:avLst/>
-          </a:prstGeom>
-          <a:noFill/>
-          <a:ln w="0">
-            <a:noFill/>
-          </a:ln>
-        </p:spPr>
-        <p:txBody>
-          <a:bodyPr lIns="0" rIns="0" tIns="0" bIns="0" anchor="t">
-            <a:normAutofit/>
-          </a:bodyPr>
-          <a:p>
-            <a:pPr indent="0">
-              <a:spcBef>
-                <a:spcPts val="1417"/>
-              </a:spcBef>
-              <a:buNone/>
-            </a:pPr>
-            <a:endParaRPr b="0" lang="fr-FR" sz="3200" spc="-1" strike="noStrike">
-              <a:solidFill>
-                <a:srgbClr val="000000"/>
-              </a:solidFill>
-              <a:latin typeface="Arial"/>
-            </a:endParaRPr>
-          </a:p>
-        </p:txBody>
-      </p:sp>
-      <p:sp>
-        <p:nvSpPr>
-          <p:cNvPr id="72" name="PlaceHolder 4"/>
-          <p:cNvSpPr>
-            <a:spLocks noGrp="1"/>
-          </p:cNvSpPr>
-          <p:nvPr>
-            <p:ph/>
-          </p:nvPr>
-        </p:nvSpPr>
-        <p:spPr>
-          <a:xfrm>
-            <a:off x="457200" y="3682080"/>
-            <a:ext cx="4015800" cy="1896840"/>
-          </a:xfrm>
-          <a:prstGeom prst="rect">
-            <a:avLst/>
-          </a:prstGeom>
-          <a:noFill/>
-          <a:ln w="0">
-            <a:noFill/>
-          </a:ln>
-        </p:spPr>
-        <p:txBody>
-          <a:bodyPr lIns="0" rIns="0" tIns="0" bIns="0" anchor="t">
-            <a:normAutofit/>
-          </a:bodyPr>
-          <a:p>
-            <a:pPr indent="0">
-              <a:spcBef>
-                <a:spcPts val="1417"/>
-              </a:spcBef>
-              <a:buNone/>
-            </a:pPr>
-            <a:endParaRPr b="0" lang="fr-FR" sz="3200" spc="-1" strike="noStrike">
-              <a:solidFill>
-                <a:srgbClr val="000000"/>
-              </a:solidFill>
-              <a:latin typeface="Arial"/>
-            </a:endParaRPr>
-          </a:p>
-        </p:txBody>
-      </p:sp>
-      <p:sp>
-        <p:nvSpPr>
-          <p:cNvPr id="6" name="PlaceHolder 5"/>
-          <p:cNvSpPr>
-            <a:spLocks noGrp="1"/>
-          </p:cNvSpPr>
-          <p:nvPr>
-            <p:ph type="ftr" idx="4"/>
-          </p:nvPr>
-        </p:nvSpPr>
-        <p:spPr/>
-        <p:txBody>
-          <a:bodyPr/>
-          <a:p>
-            <a:r>
-              <a:t>Footer</a:t>
-            </a:r>
-          </a:p>
-        </p:txBody>
-      </p:sp>
-      <p:sp>
-        <p:nvSpPr>
-          <p:cNvPr id="7" name="PlaceHolder 6"/>
-          <p:cNvSpPr>
-            <a:spLocks noGrp="1"/>
-          </p:cNvSpPr>
-          <p:nvPr>
-            <p:ph type="sldNum" idx="5"/>
-          </p:nvPr>
-        </p:nvSpPr>
-        <p:spPr/>
-        <p:txBody>
-          <a:bodyPr/>
-          <a:p>
-            <a:fld id="{C8B06386-DAEA-481E-AE96-F780F5FC1807}" type="slidenum">
-              <a:t>&lt;#&gt;</a:t>
-            </a:fld>
-          </a:p>
-        </p:txBody>
-      </p:sp>
-      <p:sp>
-        <p:nvSpPr>
-          <p:cNvPr id="8" name="PlaceHolder 7"/>
-          <p:cNvSpPr>
-            <a:spLocks noGrp="1"/>
-          </p:cNvSpPr>
-          <p:nvPr>
-            <p:ph type="dt" idx="6"/>
           </p:nvPr>
         </p:nvSpPr>
         <p:spPr/>
@@ -2930,7 +1812,7 @@
         <p:txBody>
           <a:bodyPr/>
           <a:p>
-            <a:fld id="{D9207E82-C3B6-455B-926A-829279EC9296}" type="slidenum">
+            <a:fld id="{9B018660-100C-4D8F-A9EF-B74FC84D7CC7}" type="slidenum">
               <a:t>&lt;#&gt;</a:t>
             </a:fld>
           </a:p>
@@ -2944,1395 +1826,6 @@
           </p:cNvSpPr>
           <p:nvPr>
             <p:ph type="dt" idx="3"/>
-          </p:nvPr>
-        </p:nvSpPr>
-        <p:spPr/>
-        <p:txBody>
-          <a:bodyPr/>
-          <a:p>
-            <a:r>
-              <a:rPr lang="fr-FR"/>
-              <a:t/>
-            </a:r>
-          </a:p>
-        </p:txBody>
-      </p:sp>
-    </p:spTree>
-  </p:cSld>
-</p:sldLayout>
-</file>
-
-<file path=ppt/slideLayouts/slideLayout20.xml><?xml version="1.0" encoding="utf-8"?>
-<p:sldLayout xmlns:a="http://schemas.openxmlformats.org/drawingml/2006/main" xmlns:p="http://schemas.openxmlformats.org/presentationml/2006/main" xmlns:r="http://schemas.openxmlformats.org/officeDocument/2006/relationships" xmlns:p14="http://schemas.microsoft.com/office/powerpoint/2010/main" xmlns:p15="http://schemas.microsoft.com/office/powerpoint/2012/main" xmlns:mc="http://schemas.openxmlformats.org/markup-compatibility/2006" type="objAndTwoObj" preserve="1">
-  <p:cSld name="Title Content and 2 Content">
-    <p:spTree>
-      <p:nvGrpSpPr>
-        <p:cNvPr id="1" name=""/>
-        <p:cNvGrpSpPr/>
-        <p:nvPr/>
-      </p:nvGrpSpPr>
-      <p:grpSpPr>
-        <a:xfrm>
-          <a:off x="0" y="0"/>
-          <a:ext cx="0" cy="0"/>
-          <a:chOff x="0" y="0"/>
-          <a:chExt cx="0" cy="0"/>
-        </a:xfrm>
-      </p:grpSpPr>
-      <p:sp>
-        <p:nvSpPr>
-          <p:cNvPr id="73" name="PlaceHolder 1"/>
-          <p:cNvSpPr>
-            <a:spLocks noGrp="1"/>
-          </p:cNvSpPr>
-          <p:nvPr>
-            <p:ph type="title"/>
-          </p:nvPr>
-        </p:nvSpPr>
-        <p:spPr>
-          <a:xfrm>
-            <a:off x="457200" y="273600"/>
-            <a:ext cx="8229240" cy="1144800"/>
-          </a:xfrm>
-          <a:prstGeom prst="rect">
-            <a:avLst/>
-          </a:prstGeom>
-          <a:noFill/>
-          <a:ln w="0">
-            <a:noFill/>
-          </a:ln>
-        </p:spPr>
-        <p:txBody>
-          <a:bodyPr lIns="0" rIns="0" tIns="0" bIns="0" anchor="ctr">
-            <a:noAutofit/>
-          </a:bodyPr>
-          <a:p>
-            <a:pPr indent="0" algn="ctr">
-              <a:buNone/>
-            </a:pPr>
-            <a:endParaRPr b="0" lang="fr-FR" sz="4400" spc="-1" strike="noStrike">
-              <a:solidFill>
-                <a:srgbClr val="000000"/>
-              </a:solidFill>
-              <a:latin typeface="Arial"/>
-            </a:endParaRPr>
-          </a:p>
-        </p:txBody>
-      </p:sp>
-      <p:sp>
-        <p:nvSpPr>
-          <p:cNvPr id="74" name="PlaceHolder 2"/>
-          <p:cNvSpPr>
-            <a:spLocks noGrp="1"/>
-          </p:cNvSpPr>
-          <p:nvPr>
-            <p:ph/>
-          </p:nvPr>
-        </p:nvSpPr>
-        <p:spPr>
-          <a:xfrm>
-            <a:off x="457200" y="1604520"/>
-            <a:ext cx="4015800" cy="3977280"/>
-          </a:xfrm>
-          <a:prstGeom prst="rect">
-            <a:avLst/>
-          </a:prstGeom>
-          <a:noFill/>
-          <a:ln w="0">
-            <a:noFill/>
-          </a:ln>
-        </p:spPr>
-        <p:txBody>
-          <a:bodyPr lIns="0" rIns="0" tIns="0" bIns="0" anchor="t">
-            <a:normAutofit/>
-          </a:bodyPr>
-          <a:p>
-            <a:pPr indent="0">
-              <a:spcBef>
-                <a:spcPts val="1417"/>
-              </a:spcBef>
-              <a:buNone/>
-            </a:pPr>
-            <a:endParaRPr b="0" lang="fr-FR" sz="3200" spc="-1" strike="noStrike">
-              <a:solidFill>
-                <a:srgbClr val="000000"/>
-              </a:solidFill>
-              <a:latin typeface="Arial"/>
-            </a:endParaRPr>
-          </a:p>
-        </p:txBody>
-      </p:sp>
-      <p:sp>
-        <p:nvSpPr>
-          <p:cNvPr id="75" name="PlaceHolder 3"/>
-          <p:cNvSpPr>
-            <a:spLocks noGrp="1"/>
-          </p:cNvSpPr>
-          <p:nvPr>
-            <p:ph/>
-          </p:nvPr>
-        </p:nvSpPr>
-        <p:spPr>
-          <a:xfrm>
-            <a:off x="4674240" y="1604520"/>
-            <a:ext cx="4015800" cy="1896840"/>
-          </a:xfrm>
-          <a:prstGeom prst="rect">
-            <a:avLst/>
-          </a:prstGeom>
-          <a:noFill/>
-          <a:ln w="0">
-            <a:noFill/>
-          </a:ln>
-        </p:spPr>
-        <p:txBody>
-          <a:bodyPr lIns="0" rIns="0" tIns="0" bIns="0" anchor="t">
-            <a:normAutofit/>
-          </a:bodyPr>
-          <a:p>
-            <a:pPr indent="0">
-              <a:spcBef>
-                <a:spcPts val="1417"/>
-              </a:spcBef>
-              <a:buNone/>
-            </a:pPr>
-            <a:endParaRPr b="0" lang="fr-FR" sz="3200" spc="-1" strike="noStrike">
-              <a:solidFill>
-                <a:srgbClr val="000000"/>
-              </a:solidFill>
-              <a:latin typeface="Arial"/>
-            </a:endParaRPr>
-          </a:p>
-        </p:txBody>
-      </p:sp>
-      <p:sp>
-        <p:nvSpPr>
-          <p:cNvPr id="76" name="PlaceHolder 4"/>
-          <p:cNvSpPr>
-            <a:spLocks noGrp="1"/>
-          </p:cNvSpPr>
-          <p:nvPr>
-            <p:ph/>
-          </p:nvPr>
-        </p:nvSpPr>
-        <p:spPr>
-          <a:xfrm>
-            <a:off x="4674240" y="3682080"/>
-            <a:ext cx="4015800" cy="1896840"/>
-          </a:xfrm>
-          <a:prstGeom prst="rect">
-            <a:avLst/>
-          </a:prstGeom>
-          <a:noFill/>
-          <a:ln w="0">
-            <a:noFill/>
-          </a:ln>
-        </p:spPr>
-        <p:txBody>
-          <a:bodyPr lIns="0" rIns="0" tIns="0" bIns="0" anchor="t">
-            <a:normAutofit/>
-          </a:bodyPr>
-          <a:p>
-            <a:pPr indent="0">
-              <a:spcBef>
-                <a:spcPts val="1417"/>
-              </a:spcBef>
-              <a:buNone/>
-            </a:pPr>
-            <a:endParaRPr b="0" lang="fr-FR" sz="3200" spc="-1" strike="noStrike">
-              <a:solidFill>
-                <a:srgbClr val="000000"/>
-              </a:solidFill>
-              <a:latin typeface="Arial"/>
-            </a:endParaRPr>
-          </a:p>
-        </p:txBody>
-      </p:sp>
-      <p:sp>
-        <p:nvSpPr>
-          <p:cNvPr id="6" name="PlaceHolder 5"/>
-          <p:cNvSpPr>
-            <a:spLocks noGrp="1"/>
-          </p:cNvSpPr>
-          <p:nvPr>
-            <p:ph type="ftr" idx="4"/>
-          </p:nvPr>
-        </p:nvSpPr>
-        <p:spPr/>
-        <p:txBody>
-          <a:bodyPr/>
-          <a:p>
-            <a:r>
-              <a:t>Footer</a:t>
-            </a:r>
-          </a:p>
-        </p:txBody>
-      </p:sp>
-      <p:sp>
-        <p:nvSpPr>
-          <p:cNvPr id="7" name="PlaceHolder 6"/>
-          <p:cNvSpPr>
-            <a:spLocks noGrp="1"/>
-          </p:cNvSpPr>
-          <p:nvPr>
-            <p:ph type="sldNum" idx="5"/>
-          </p:nvPr>
-        </p:nvSpPr>
-        <p:spPr/>
-        <p:txBody>
-          <a:bodyPr/>
-          <a:p>
-            <a:fld id="{5882F50F-E3EB-4764-BCF0-CCFB22F6ACA3}" type="slidenum">
-              <a:t>&lt;#&gt;</a:t>
-            </a:fld>
-          </a:p>
-        </p:txBody>
-      </p:sp>
-      <p:sp>
-        <p:nvSpPr>
-          <p:cNvPr id="8" name="PlaceHolder 7"/>
-          <p:cNvSpPr>
-            <a:spLocks noGrp="1"/>
-          </p:cNvSpPr>
-          <p:nvPr>
-            <p:ph type="dt" idx="6"/>
-          </p:nvPr>
-        </p:nvSpPr>
-        <p:spPr/>
-        <p:txBody>
-          <a:bodyPr/>
-          <a:p>
-            <a:r>
-              <a:rPr lang="fr-FR"/>
-              <a:t/>
-            </a:r>
-          </a:p>
-        </p:txBody>
-      </p:sp>
-    </p:spTree>
-  </p:cSld>
-</p:sldLayout>
-</file>
-
-<file path=ppt/slideLayouts/slideLayout21.xml><?xml version="1.0" encoding="utf-8"?>
-<p:sldLayout xmlns:a="http://schemas.openxmlformats.org/drawingml/2006/main" xmlns:p="http://schemas.openxmlformats.org/presentationml/2006/main" xmlns:r="http://schemas.openxmlformats.org/officeDocument/2006/relationships" xmlns:p14="http://schemas.microsoft.com/office/powerpoint/2010/main" xmlns:p15="http://schemas.microsoft.com/office/powerpoint/2012/main" xmlns:mc="http://schemas.openxmlformats.org/markup-compatibility/2006" type="twoObjOverTx" preserve="1">
-  <p:cSld name="Title, 2 Content over Content">
-    <p:spTree>
-      <p:nvGrpSpPr>
-        <p:cNvPr id="1" name=""/>
-        <p:cNvGrpSpPr/>
-        <p:nvPr/>
-      </p:nvGrpSpPr>
-      <p:grpSpPr>
-        <a:xfrm>
-          <a:off x="0" y="0"/>
-          <a:ext cx="0" cy="0"/>
-          <a:chOff x="0" y="0"/>
-          <a:chExt cx="0" cy="0"/>
-        </a:xfrm>
-      </p:grpSpPr>
-      <p:sp>
-        <p:nvSpPr>
-          <p:cNvPr id="77" name="PlaceHolder 1"/>
-          <p:cNvSpPr>
-            <a:spLocks noGrp="1"/>
-          </p:cNvSpPr>
-          <p:nvPr>
-            <p:ph type="title"/>
-          </p:nvPr>
-        </p:nvSpPr>
-        <p:spPr>
-          <a:xfrm>
-            <a:off x="457200" y="273600"/>
-            <a:ext cx="8229240" cy="1144800"/>
-          </a:xfrm>
-          <a:prstGeom prst="rect">
-            <a:avLst/>
-          </a:prstGeom>
-          <a:noFill/>
-          <a:ln w="0">
-            <a:noFill/>
-          </a:ln>
-        </p:spPr>
-        <p:txBody>
-          <a:bodyPr lIns="0" rIns="0" tIns="0" bIns="0" anchor="ctr">
-            <a:noAutofit/>
-          </a:bodyPr>
-          <a:p>
-            <a:pPr indent="0" algn="ctr">
-              <a:buNone/>
-            </a:pPr>
-            <a:endParaRPr b="0" lang="fr-FR" sz="4400" spc="-1" strike="noStrike">
-              <a:solidFill>
-                <a:srgbClr val="000000"/>
-              </a:solidFill>
-              <a:latin typeface="Arial"/>
-            </a:endParaRPr>
-          </a:p>
-        </p:txBody>
-      </p:sp>
-      <p:sp>
-        <p:nvSpPr>
-          <p:cNvPr id="78" name="PlaceHolder 2"/>
-          <p:cNvSpPr>
-            <a:spLocks noGrp="1"/>
-          </p:cNvSpPr>
-          <p:nvPr>
-            <p:ph/>
-          </p:nvPr>
-        </p:nvSpPr>
-        <p:spPr>
-          <a:xfrm>
-            <a:off x="457200" y="1604520"/>
-            <a:ext cx="4015800" cy="1896840"/>
-          </a:xfrm>
-          <a:prstGeom prst="rect">
-            <a:avLst/>
-          </a:prstGeom>
-          <a:noFill/>
-          <a:ln w="0">
-            <a:noFill/>
-          </a:ln>
-        </p:spPr>
-        <p:txBody>
-          <a:bodyPr lIns="0" rIns="0" tIns="0" bIns="0" anchor="t">
-            <a:normAutofit/>
-          </a:bodyPr>
-          <a:p>
-            <a:pPr indent="0">
-              <a:spcBef>
-                <a:spcPts val="1417"/>
-              </a:spcBef>
-              <a:buNone/>
-            </a:pPr>
-            <a:endParaRPr b="0" lang="fr-FR" sz="3200" spc="-1" strike="noStrike">
-              <a:solidFill>
-                <a:srgbClr val="000000"/>
-              </a:solidFill>
-              <a:latin typeface="Arial"/>
-            </a:endParaRPr>
-          </a:p>
-        </p:txBody>
-      </p:sp>
-      <p:sp>
-        <p:nvSpPr>
-          <p:cNvPr id="79" name="PlaceHolder 3"/>
-          <p:cNvSpPr>
-            <a:spLocks noGrp="1"/>
-          </p:cNvSpPr>
-          <p:nvPr>
-            <p:ph/>
-          </p:nvPr>
-        </p:nvSpPr>
-        <p:spPr>
-          <a:xfrm>
-            <a:off x="4674240" y="1604520"/>
-            <a:ext cx="4015800" cy="1896840"/>
-          </a:xfrm>
-          <a:prstGeom prst="rect">
-            <a:avLst/>
-          </a:prstGeom>
-          <a:noFill/>
-          <a:ln w="0">
-            <a:noFill/>
-          </a:ln>
-        </p:spPr>
-        <p:txBody>
-          <a:bodyPr lIns="0" rIns="0" tIns="0" bIns="0" anchor="t">
-            <a:normAutofit/>
-          </a:bodyPr>
-          <a:p>
-            <a:pPr indent="0">
-              <a:spcBef>
-                <a:spcPts val="1417"/>
-              </a:spcBef>
-              <a:buNone/>
-            </a:pPr>
-            <a:endParaRPr b="0" lang="fr-FR" sz="3200" spc="-1" strike="noStrike">
-              <a:solidFill>
-                <a:srgbClr val="000000"/>
-              </a:solidFill>
-              <a:latin typeface="Arial"/>
-            </a:endParaRPr>
-          </a:p>
-        </p:txBody>
-      </p:sp>
-      <p:sp>
-        <p:nvSpPr>
-          <p:cNvPr id="80" name="PlaceHolder 4"/>
-          <p:cNvSpPr>
-            <a:spLocks noGrp="1"/>
-          </p:cNvSpPr>
-          <p:nvPr>
-            <p:ph/>
-          </p:nvPr>
-        </p:nvSpPr>
-        <p:spPr>
-          <a:xfrm>
-            <a:off x="457200" y="3682080"/>
-            <a:ext cx="8229240" cy="1896840"/>
-          </a:xfrm>
-          <a:prstGeom prst="rect">
-            <a:avLst/>
-          </a:prstGeom>
-          <a:noFill/>
-          <a:ln w="0">
-            <a:noFill/>
-          </a:ln>
-        </p:spPr>
-        <p:txBody>
-          <a:bodyPr lIns="0" rIns="0" tIns="0" bIns="0" anchor="t">
-            <a:normAutofit/>
-          </a:bodyPr>
-          <a:p>
-            <a:pPr indent="0">
-              <a:spcBef>
-                <a:spcPts val="1417"/>
-              </a:spcBef>
-              <a:buNone/>
-            </a:pPr>
-            <a:endParaRPr b="0" lang="fr-FR" sz="3200" spc="-1" strike="noStrike">
-              <a:solidFill>
-                <a:srgbClr val="000000"/>
-              </a:solidFill>
-              <a:latin typeface="Arial"/>
-            </a:endParaRPr>
-          </a:p>
-        </p:txBody>
-      </p:sp>
-      <p:sp>
-        <p:nvSpPr>
-          <p:cNvPr id="6" name="PlaceHolder 5"/>
-          <p:cNvSpPr>
-            <a:spLocks noGrp="1"/>
-          </p:cNvSpPr>
-          <p:nvPr>
-            <p:ph type="ftr" idx="4"/>
-          </p:nvPr>
-        </p:nvSpPr>
-        <p:spPr/>
-        <p:txBody>
-          <a:bodyPr/>
-          <a:p>
-            <a:r>
-              <a:t>Footer</a:t>
-            </a:r>
-          </a:p>
-        </p:txBody>
-      </p:sp>
-      <p:sp>
-        <p:nvSpPr>
-          <p:cNvPr id="7" name="PlaceHolder 6"/>
-          <p:cNvSpPr>
-            <a:spLocks noGrp="1"/>
-          </p:cNvSpPr>
-          <p:nvPr>
-            <p:ph type="sldNum" idx="5"/>
-          </p:nvPr>
-        </p:nvSpPr>
-        <p:spPr/>
-        <p:txBody>
-          <a:bodyPr/>
-          <a:p>
-            <a:fld id="{98AD632E-5095-4136-A183-7776FD3E0735}" type="slidenum">
-              <a:t>&lt;#&gt;</a:t>
-            </a:fld>
-          </a:p>
-        </p:txBody>
-      </p:sp>
-      <p:sp>
-        <p:nvSpPr>
-          <p:cNvPr id="8" name="PlaceHolder 7"/>
-          <p:cNvSpPr>
-            <a:spLocks noGrp="1"/>
-          </p:cNvSpPr>
-          <p:nvPr>
-            <p:ph type="dt" idx="6"/>
-          </p:nvPr>
-        </p:nvSpPr>
-        <p:spPr/>
-        <p:txBody>
-          <a:bodyPr/>
-          <a:p>
-            <a:r>
-              <a:rPr lang="fr-FR"/>
-              <a:t/>
-            </a:r>
-          </a:p>
-        </p:txBody>
-      </p:sp>
-    </p:spTree>
-  </p:cSld>
-</p:sldLayout>
-</file>
-
-<file path=ppt/slideLayouts/slideLayout22.xml><?xml version="1.0" encoding="utf-8"?>
-<p:sldLayout xmlns:a="http://schemas.openxmlformats.org/drawingml/2006/main" xmlns:p="http://schemas.openxmlformats.org/presentationml/2006/main" xmlns:r="http://schemas.openxmlformats.org/officeDocument/2006/relationships" xmlns:p14="http://schemas.microsoft.com/office/powerpoint/2010/main" xmlns:p15="http://schemas.microsoft.com/office/powerpoint/2012/main" xmlns:mc="http://schemas.openxmlformats.org/markup-compatibility/2006" type="objOverTx" preserve="1">
-  <p:cSld name="Title, Content over Content">
-    <p:spTree>
-      <p:nvGrpSpPr>
-        <p:cNvPr id="1" name=""/>
-        <p:cNvGrpSpPr/>
-        <p:nvPr/>
-      </p:nvGrpSpPr>
-      <p:grpSpPr>
-        <a:xfrm>
-          <a:off x="0" y="0"/>
-          <a:ext cx="0" cy="0"/>
-          <a:chOff x="0" y="0"/>
-          <a:chExt cx="0" cy="0"/>
-        </a:xfrm>
-      </p:grpSpPr>
-      <p:sp>
-        <p:nvSpPr>
-          <p:cNvPr id="81" name="PlaceHolder 1"/>
-          <p:cNvSpPr>
-            <a:spLocks noGrp="1"/>
-          </p:cNvSpPr>
-          <p:nvPr>
-            <p:ph type="title"/>
-          </p:nvPr>
-        </p:nvSpPr>
-        <p:spPr>
-          <a:xfrm>
-            <a:off x="457200" y="273600"/>
-            <a:ext cx="8229240" cy="1144800"/>
-          </a:xfrm>
-          <a:prstGeom prst="rect">
-            <a:avLst/>
-          </a:prstGeom>
-          <a:noFill/>
-          <a:ln w="0">
-            <a:noFill/>
-          </a:ln>
-        </p:spPr>
-        <p:txBody>
-          <a:bodyPr lIns="0" rIns="0" tIns="0" bIns="0" anchor="ctr">
-            <a:noAutofit/>
-          </a:bodyPr>
-          <a:p>
-            <a:pPr indent="0" algn="ctr">
-              <a:buNone/>
-            </a:pPr>
-            <a:endParaRPr b="0" lang="fr-FR" sz="4400" spc="-1" strike="noStrike">
-              <a:solidFill>
-                <a:srgbClr val="000000"/>
-              </a:solidFill>
-              <a:latin typeface="Arial"/>
-            </a:endParaRPr>
-          </a:p>
-        </p:txBody>
-      </p:sp>
-      <p:sp>
-        <p:nvSpPr>
-          <p:cNvPr id="82" name="PlaceHolder 2"/>
-          <p:cNvSpPr>
-            <a:spLocks noGrp="1"/>
-          </p:cNvSpPr>
-          <p:nvPr>
-            <p:ph/>
-          </p:nvPr>
-        </p:nvSpPr>
-        <p:spPr>
-          <a:xfrm>
-            <a:off x="457200" y="1604520"/>
-            <a:ext cx="8229240" cy="1896840"/>
-          </a:xfrm>
-          <a:prstGeom prst="rect">
-            <a:avLst/>
-          </a:prstGeom>
-          <a:noFill/>
-          <a:ln w="0">
-            <a:noFill/>
-          </a:ln>
-        </p:spPr>
-        <p:txBody>
-          <a:bodyPr lIns="0" rIns="0" tIns="0" bIns="0" anchor="t">
-            <a:normAutofit/>
-          </a:bodyPr>
-          <a:p>
-            <a:pPr indent="0">
-              <a:spcBef>
-                <a:spcPts val="1417"/>
-              </a:spcBef>
-              <a:buNone/>
-            </a:pPr>
-            <a:endParaRPr b="0" lang="fr-FR" sz="3200" spc="-1" strike="noStrike">
-              <a:solidFill>
-                <a:srgbClr val="000000"/>
-              </a:solidFill>
-              <a:latin typeface="Arial"/>
-            </a:endParaRPr>
-          </a:p>
-        </p:txBody>
-      </p:sp>
-      <p:sp>
-        <p:nvSpPr>
-          <p:cNvPr id="83" name="PlaceHolder 3"/>
-          <p:cNvSpPr>
-            <a:spLocks noGrp="1"/>
-          </p:cNvSpPr>
-          <p:nvPr>
-            <p:ph/>
-          </p:nvPr>
-        </p:nvSpPr>
-        <p:spPr>
-          <a:xfrm>
-            <a:off x="457200" y="3682080"/>
-            <a:ext cx="8229240" cy="1896840"/>
-          </a:xfrm>
-          <a:prstGeom prst="rect">
-            <a:avLst/>
-          </a:prstGeom>
-          <a:noFill/>
-          <a:ln w="0">
-            <a:noFill/>
-          </a:ln>
-        </p:spPr>
-        <p:txBody>
-          <a:bodyPr lIns="0" rIns="0" tIns="0" bIns="0" anchor="t">
-            <a:normAutofit/>
-          </a:bodyPr>
-          <a:p>
-            <a:pPr indent="0">
-              <a:spcBef>
-                <a:spcPts val="1417"/>
-              </a:spcBef>
-              <a:buNone/>
-            </a:pPr>
-            <a:endParaRPr b="0" lang="fr-FR" sz="3200" spc="-1" strike="noStrike">
-              <a:solidFill>
-                <a:srgbClr val="000000"/>
-              </a:solidFill>
-              <a:latin typeface="Arial"/>
-            </a:endParaRPr>
-          </a:p>
-        </p:txBody>
-      </p:sp>
-      <p:sp>
-        <p:nvSpPr>
-          <p:cNvPr id="5" name="PlaceHolder 4"/>
-          <p:cNvSpPr>
-            <a:spLocks noGrp="1"/>
-          </p:cNvSpPr>
-          <p:nvPr>
-            <p:ph type="ftr" idx="4"/>
-          </p:nvPr>
-        </p:nvSpPr>
-        <p:spPr/>
-        <p:txBody>
-          <a:bodyPr/>
-          <a:p>
-            <a:r>
-              <a:t>Footer</a:t>
-            </a:r>
-          </a:p>
-        </p:txBody>
-      </p:sp>
-      <p:sp>
-        <p:nvSpPr>
-          <p:cNvPr id="6" name="PlaceHolder 5"/>
-          <p:cNvSpPr>
-            <a:spLocks noGrp="1"/>
-          </p:cNvSpPr>
-          <p:nvPr>
-            <p:ph type="sldNum" idx="5"/>
-          </p:nvPr>
-        </p:nvSpPr>
-        <p:spPr/>
-        <p:txBody>
-          <a:bodyPr/>
-          <a:p>
-            <a:fld id="{A2702119-83D0-4EF6-9C1A-D76C9E1DB808}" type="slidenum">
-              <a:t>&lt;#&gt;</a:t>
-            </a:fld>
-          </a:p>
-        </p:txBody>
-      </p:sp>
-      <p:sp>
-        <p:nvSpPr>
-          <p:cNvPr id="7" name="PlaceHolder 6"/>
-          <p:cNvSpPr>
-            <a:spLocks noGrp="1"/>
-          </p:cNvSpPr>
-          <p:nvPr>
-            <p:ph type="dt" idx="6"/>
-          </p:nvPr>
-        </p:nvSpPr>
-        <p:spPr/>
-        <p:txBody>
-          <a:bodyPr/>
-          <a:p>
-            <a:r>
-              <a:rPr lang="fr-FR"/>
-              <a:t/>
-            </a:r>
-          </a:p>
-        </p:txBody>
-      </p:sp>
-    </p:spTree>
-  </p:cSld>
-</p:sldLayout>
-</file>
-
-<file path=ppt/slideLayouts/slideLayout23.xml><?xml version="1.0" encoding="utf-8"?>
-<p:sldLayout xmlns:a="http://schemas.openxmlformats.org/drawingml/2006/main" xmlns:p="http://schemas.openxmlformats.org/presentationml/2006/main" xmlns:r="http://schemas.openxmlformats.org/officeDocument/2006/relationships" xmlns:p14="http://schemas.microsoft.com/office/powerpoint/2010/main" xmlns:p15="http://schemas.microsoft.com/office/powerpoint/2012/main" xmlns:mc="http://schemas.openxmlformats.org/markup-compatibility/2006" type="fourObj" preserve="1">
-  <p:cSld name="Title, 4 Content">
-    <p:spTree>
-      <p:nvGrpSpPr>
-        <p:cNvPr id="1" name=""/>
-        <p:cNvGrpSpPr/>
-        <p:nvPr/>
-      </p:nvGrpSpPr>
-      <p:grpSpPr>
-        <a:xfrm>
-          <a:off x="0" y="0"/>
-          <a:ext cx="0" cy="0"/>
-          <a:chOff x="0" y="0"/>
-          <a:chExt cx="0" cy="0"/>
-        </a:xfrm>
-      </p:grpSpPr>
-      <p:sp>
-        <p:nvSpPr>
-          <p:cNvPr id="84" name="PlaceHolder 1"/>
-          <p:cNvSpPr>
-            <a:spLocks noGrp="1"/>
-          </p:cNvSpPr>
-          <p:nvPr>
-            <p:ph type="title"/>
-          </p:nvPr>
-        </p:nvSpPr>
-        <p:spPr>
-          <a:xfrm>
-            <a:off x="457200" y="273600"/>
-            <a:ext cx="8229240" cy="1144800"/>
-          </a:xfrm>
-          <a:prstGeom prst="rect">
-            <a:avLst/>
-          </a:prstGeom>
-          <a:noFill/>
-          <a:ln w="0">
-            <a:noFill/>
-          </a:ln>
-        </p:spPr>
-        <p:txBody>
-          <a:bodyPr lIns="0" rIns="0" tIns="0" bIns="0" anchor="ctr">
-            <a:noAutofit/>
-          </a:bodyPr>
-          <a:p>
-            <a:pPr indent="0" algn="ctr">
-              <a:buNone/>
-            </a:pPr>
-            <a:endParaRPr b="0" lang="fr-FR" sz="4400" spc="-1" strike="noStrike">
-              <a:solidFill>
-                <a:srgbClr val="000000"/>
-              </a:solidFill>
-              <a:latin typeface="Arial"/>
-            </a:endParaRPr>
-          </a:p>
-        </p:txBody>
-      </p:sp>
-      <p:sp>
-        <p:nvSpPr>
-          <p:cNvPr id="85" name="PlaceHolder 2"/>
-          <p:cNvSpPr>
-            <a:spLocks noGrp="1"/>
-          </p:cNvSpPr>
-          <p:nvPr>
-            <p:ph/>
-          </p:nvPr>
-        </p:nvSpPr>
-        <p:spPr>
-          <a:xfrm>
-            <a:off x="457200" y="1604520"/>
-            <a:ext cx="4015800" cy="1896840"/>
-          </a:xfrm>
-          <a:prstGeom prst="rect">
-            <a:avLst/>
-          </a:prstGeom>
-          <a:noFill/>
-          <a:ln w="0">
-            <a:noFill/>
-          </a:ln>
-        </p:spPr>
-        <p:txBody>
-          <a:bodyPr lIns="0" rIns="0" tIns="0" bIns="0" anchor="t">
-            <a:normAutofit/>
-          </a:bodyPr>
-          <a:p>
-            <a:pPr indent="0">
-              <a:spcBef>
-                <a:spcPts val="1417"/>
-              </a:spcBef>
-              <a:buNone/>
-            </a:pPr>
-            <a:endParaRPr b="0" lang="fr-FR" sz="3200" spc="-1" strike="noStrike">
-              <a:solidFill>
-                <a:srgbClr val="000000"/>
-              </a:solidFill>
-              <a:latin typeface="Arial"/>
-            </a:endParaRPr>
-          </a:p>
-        </p:txBody>
-      </p:sp>
-      <p:sp>
-        <p:nvSpPr>
-          <p:cNvPr id="86" name="PlaceHolder 3"/>
-          <p:cNvSpPr>
-            <a:spLocks noGrp="1"/>
-          </p:cNvSpPr>
-          <p:nvPr>
-            <p:ph/>
-          </p:nvPr>
-        </p:nvSpPr>
-        <p:spPr>
-          <a:xfrm>
-            <a:off x="4674240" y="1604520"/>
-            <a:ext cx="4015800" cy="1896840"/>
-          </a:xfrm>
-          <a:prstGeom prst="rect">
-            <a:avLst/>
-          </a:prstGeom>
-          <a:noFill/>
-          <a:ln w="0">
-            <a:noFill/>
-          </a:ln>
-        </p:spPr>
-        <p:txBody>
-          <a:bodyPr lIns="0" rIns="0" tIns="0" bIns="0" anchor="t">
-            <a:normAutofit/>
-          </a:bodyPr>
-          <a:p>
-            <a:pPr indent="0">
-              <a:spcBef>
-                <a:spcPts val="1417"/>
-              </a:spcBef>
-              <a:buNone/>
-            </a:pPr>
-            <a:endParaRPr b="0" lang="fr-FR" sz="3200" spc="-1" strike="noStrike">
-              <a:solidFill>
-                <a:srgbClr val="000000"/>
-              </a:solidFill>
-              <a:latin typeface="Arial"/>
-            </a:endParaRPr>
-          </a:p>
-        </p:txBody>
-      </p:sp>
-      <p:sp>
-        <p:nvSpPr>
-          <p:cNvPr id="87" name="PlaceHolder 4"/>
-          <p:cNvSpPr>
-            <a:spLocks noGrp="1"/>
-          </p:cNvSpPr>
-          <p:nvPr>
-            <p:ph/>
-          </p:nvPr>
-        </p:nvSpPr>
-        <p:spPr>
-          <a:xfrm>
-            <a:off x="457200" y="3682080"/>
-            <a:ext cx="4015800" cy="1896840"/>
-          </a:xfrm>
-          <a:prstGeom prst="rect">
-            <a:avLst/>
-          </a:prstGeom>
-          <a:noFill/>
-          <a:ln w="0">
-            <a:noFill/>
-          </a:ln>
-        </p:spPr>
-        <p:txBody>
-          <a:bodyPr lIns="0" rIns="0" tIns="0" bIns="0" anchor="t">
-            <a:normAutofit/>
-          </a:bodyPr>
-          <a:p>
-            <a:pPr indent="0">
-              <a:spcBef>
-                <a:spcPts val="1417"/>
-              </a:spcBef>
-              <a:buNone/>
-            </a:pPr>
-            <a:endParaRPr b="0" lang="fr-FR" sz="3200" spc="-1" strike="noStrike">
-              <a:solidFill>
-                <a:srgbClr val="000000"/>
-              </a:solidFill>
-              <a:latin typeface="Arial"/>
-            </a:endParaRPr>
-          </a:p>
-        </p:txBody>
-      </p:sp>
-      <p:sp>
-        <p:nvSpPr>
-          <p:cNvPr id="88" name="PlaceHolder 5"/>
-          <p:cNvSpPr>
-            <a:spLocks noGrp="1"/>
-          </p:cNvSpPr>
-          <p:nvPr>
-            <p:ph/>
-          </p:nvPr>
-        </p:nvSpPr>
-        <p:spPr>
-          <a:xfrm>
-            <a:off x="4674240" y="3682080"/>
-            <a:ext cx="4015800" cy="1896840"/>
-          </a:xfrm>
-          <a:prstGeom prst="rect">
-            <a:avLst/>
-          </a:prstGeom>
-          <a:noFill/>
-          <a:ln w="0">
-            <a:noFill/>
-          </a:ln>
-        </p:spPr>
-        <p:txBody>
-          <a:bodyPr lIns="0" rIns="0" tIns="0" bIns="0" anchor="t">
-            <a:normAutofit/>
-          </a:bodyPr>
-          <a:p>
-            <a:pPr indent="0">
-              <a:spcBef>
-                <a:spcPts val="1417"/>
-              </a:spcBef>
-              <a:buNone/>
-            </a:pPr>
-            <a:endParaRPr b="0" lang="fr-FR" sz="3200" spc="-1" strike="noStrike">
-              <a:solidFill>
-                <a:srgbClr val="000000"/>
-              </a:solidFill>
-              <a:latin typeface="Arial"/>
-            </a:endParaRPr>
-          </a:p>
-        </p:txBody>
-      </p:sp>
-      <p:sp>
-        <p:nvSpPr>
-          <p:cNvPr id="7" name="PlaceHolder 6"/>
-          <p:cNvSpPr>
-            <a:spLocks noGrp="1"/>
-          </p:cNvSpPr>
-          <p:nvPr>
-            <p:ph type="ftr" idx="4"/>
-          </p:nvPr>
-        </p:nvSpPr>
-        <p:spPr/>
-        <p:txBody>
-          <a:bodyPr/>
-          <a:p>
-            <a:r>
-              <a:t>Footer</a:t>
-            </a:r>
-          </a:p>
-        </p:txBody>
-      </p:sp>
-      <p:sp>
-        <p:nvSpPr>
-          <p:cNvPr id="8" name="PlaceHolder 7"/>
-          <p:cNvSpPr>
-            <a:spLocks noGrp="1"/>
-          </p:cNvSpPr>
-          <p:nvPr>
-            <p:ph type="sldNum" idx="5"/>
-          </p:nvPr>
-        </p:nvSpPr>
-        <p:spPr/>
-        <p:txBody>
-          <a:bodyPr/>
-          <a:p>
-            <a:fld id="{C29C77FF-6374-41AB-9864-315E3DF26437}" type="slidenum">
-              <a:t>&lt;#&gt;</a:t>
-            </a:fld>
-          </a:p>
-        </p:txBody>
-      </p:sp>
-      <p:sp>
-        <p:nvSpPr>
-          <p:cNvPr id="9" name="PlaceHolder 8"/>
-          <p:cNvSpPr>
-            <a:spLocks noGrp="1"/>
-          </p:cNvSpPr>
-          <p:nvPr>
-            <p:ph type="dt" idx="6"/>
-          </p:nvPr>
-        </p:nvSpPr>
-        <p:spPr/>
-        <p:txBody>
-          <a:bodyPr/>
-          <a:p>
-            <a:r>
-              <a:rPr lang="fr-FR"/>
-              <a:t/>
-            </a:r>
-          </a:p>
-        </p:txBody>
-      </p:sp>
-    </p:spTree>
-  </p:cSld>
-</p:sldLayout>
-</file>
-
-<file path=ppt/slideLayouts/slideLayout24.xml><?xml version="1.0" encoding="utf-8"?>
-<p:sldLayout xmlns:a="http://schemas.openxmlformats.org/drawingml/2006/main" xmlns:p="http://schemas.openxmlformats.org/presentationml/2006/main" xmlns:r="http://schemas.openxmlformats.org/officeDocument/2006/relationships" xmlns:p14="http://schemas.microsoft.com/office/powerpoint/2010/main" xmlns:p15="http://schemas.microsoft.com/office/powerpoint/2012/main" xmlns:mc="http://schemas.openxmlformats.org/markup-compatibility/2006" type="blank" preserve="1">
-  <p:cSld name="Title, 6 Content">
-    <p:spTree>
-      <p:nvGrpSpPr>
-        <p:cNvPr id="1" name=""/>
-        <p:cNvGrpSpPr/>
-        <p:nvPr/>
-      </p:nvGrpSpPr>
-      <p:grpSpPr>
-        <a:xfrm>
-          <a:off x="0" y="0"/>
-          <a:ext cx="0" cy="0"/>
-          <a:chOff x="0" y="0"/>
-          <a:chExt cx="0" cy="0"/>
-        </a:xfrm>
-      </p:grpSpPr>
-      <p:sp>
-        <p:nvSpPr>
-          <p:cNvPr id="89" name="PlaceHolder 1"/>
-          <p:cNvSpPr>
-            <a:spLocks noGrp="1"/>
-          </p:cNvSpPr>
-          <p:nvPr>
-            <p:ph type="title"/>
-          </p:nvPr>
-        </p:nvSpPr>
-        <p:spPr>
-          <a:xfrm>
-            <a:off x="457200" y="273600"/>
-            <a:ext cx="8229240" cy="1144800"/>
-          </a:xfrm>
-          <a:prstGeom prst="rect">
-            <a:avLst/>
-          </a:prstGeom>
-          <a:noFill/>
-          <a:ln w="0">
-            <a:noFill/>
-          </a:ln>
-        </p:spPr>
-        <p:txBody>
-          <a:bodyPr lIns="0" rIns="0" tIns="0" bIns="0" anchor="ctr">
-            <a:noAutofit/>
-          </a:bodyPr>
-          <a:p>
-            <a:pPr indent="0" algn="ctr">
-              <a:buNone/>
-            </a:pPr>
-            <a:endParaRPr b="0" lang="fr-FR" sz="4400" spc="-1" strike="noStrike">
-              <a:solidFill>
-                <a:srgbClr val="000000"/>
-              </a:solidFill>
-              <a:latin typeface="Arial"/>
-            </a:endParaRPr>
-          </a:p>
-        </p:txBody>
-      </p:sp>
-      <p:sp>
-        <p:nvSpPr>
-          <p:cNvPr id="90" name="PlaceHolder 2"/>
-          <p:cNvSpPr>
-            <a:spLocks noGrp="1"/>
-          </p:cNvSpPr>
-          <p:nvPr>
-            <p:ph/>
-          </p:nvPr>
-        </p:nvSpPr>
-        <p:spPr>
-          <a:xfrm>
-            <a:off x="457200" y="1604520"/>
-            <a:ext cx="2649600" cy="1896840"/>
-          </a:xfrm>
-          <a:prstGeom prst="rect">
-            <a:avLst/>
-          </a:prstGeom>
-          <a:noFill/>
-          <a:ln w="0">
-            <a:noFill/>
-          </a:ln>
-        </p:spPr>
-        <p:txBody>
-          <a:bodyPr lIns="0" rIns="0" tIns="0" bIns="0" anchor="t">
-            <a:normAutofit/>
-          </a:bodyPr>
-          <a:p>
-            <a:pPr indent="0">
-              <a:spcBef>
-                <a:spcPts val="1417"/>
-              </a:spcBef>
-              <a:buNone/>
-            </a:pPr>
-            <a:endParaRPr b="0" lang="fr-FR" sz="3200" spc="-1" strike="noStrike">
-              <a:solidFill>
-                <a:srgbClr val="000000"/>
-              </a:solidFill>
-              <a:latin typeface="Arial"/>
-            </a:endParaRPr>
-          </a:p>
-        </p:txBody>
-      </p:sp>
-      <p:sp>
-        <p:nvSpPr>
-          <p:cNvPr id="91" name="PlaceHolder 3"/>
-          <p:cNvSpPr>
-            <a:spLocks noGrp="1"/>
-          </p:cNvSpPr>
-          <p:nvPr>
-            <p:ph/>
-          </p:nvPr>
-        </p:nvSpPr>
-        <p:spPr>
-          <a:xfrm>
-            <a:off x="3239640" y="1604520"/>
-            <a:ext cx="2649600" cy="1896840"/>
-          </a:xfrm>
-          <a:prstGeom prst="rect">
-            <a:avLst/>
-          </a:prstGeom>
-          <a:noFill/>
-          <a:ln w="0">
-            <a:noFill/>
-          </a:ln>
-        </p:spPr>
-        <p:txBody>
-          <a:bodyPr lIns="0" rIns="0" tIns="0" bIns="0" anchor="t">
-            <a:normAutofit/>
-          </a:bodyPr>
-          <a:p>
-            <a:pPr indent="0">
-              <a:spcBef>
-                <a:spcPts val="1417"/>
-              </a:spcBef>
-              <a:buNone/>
-            </a:pPr>
-            <a:endParaRPr b="0" lang="fr-FR" sz="3200" spc="-1" strike="noStrike">
-              <a:solidFill>
-                <a:srgbClr val="000000"/>
-              </a:solidFill>
-              <a:latin typeface="Arial"/>
-            </a:endParaRPr>
-          </a:p>
-        </p:txBody>
-      </p:sp>
-      <p:sp>
-        <p:nvSpPr>
-          <p:cNvPr id="92" name="PlaceHolder 4"/>
-          <p:cNvSpPr>
-            <a:spLocks noGrp="1"/>
-          </p:cNvSpPr>
-          <p:nvPr>
-            <p:ph/>
-          </p:nvPr>
-        </p:nvSpPr>
-        <p:spPr>
-          <a:xfrm>
-            <a:off x="6022080" y="1604520"/>
-            <a:ext cx="2649600" cy="1896840"/>
-          </a:xfrm>
-          <a:prstGeom prst="rect">
-            <a:avLst/>
-          </a:prstGeom>
-          <a:noFill/>
-          <a:ln w="0">
-            <a:noFill/>
-          </a:ln>
-        </p:spPr>
-        <p:txBody>
-          <a:bodyPr lIns="0" rIns="0" tIns="0" bIns="0" anchor="t">
-            <a:normAutofit/>
-          </a:bodyPr>
-          <a:p>
-            <a:pPr indent="0">
-              <a:spcBef>
-                <a:spcPts val="1417"/>
-              </a:spcBef>
-              <a:buNone/>
-            </a:pPr>
-            <a:endParaRPr b="0" lang="fr-FR" sz="3200" spc="-1" strike="noStrike">
-              <a:solidFill>
-                <a:srgbClr val="000000"/>
-              </a:solidFill>
-              <a:latin typeface="Arial"/>
-            </a:endParaRPr>
-          </a:p>
-        </p:txBody>
-      </p:sp>
-      <p:sp>
-        <p:nvSpPr>
-          <p:cNvPr id="93" name="PlaceHolder 5"/>
-          <p:cNvSpPr>
-            <a:spLocks noGrp="1"/>
-          </p:cNvSpPr>
-          <p:nvPr>
-            <p:ph/>
-          </p:nvPr>
-        </p:nvSpPr>
-        <p:spPr>
-          <a:xfrm>
-            <a:off x="457200" y="3682080"/>
-            <a:ext cx="2649600" cy="1896840"/>
-          </a:xfrm>
-          <a:prstGeom prst="rect">
-            <a:avLst/>
-          </a:prstGeom>
-          <a:noFill/>
-          <a:ln w="0">
-            <a:noFill/>
-          </a:ln>
-        </p:spPr>
-        <p:txBody>
-          <a:bodyPr lIns="0" rIns="0" tIns="0" bIns="0" anchor="t">
-            <a:normAutofit/>
-          </a:bodyPr>
-          <a:p>
-            <a:pPr indent="0">
-              <a:spcBef>
-                <a:spcPts val="1417"/>
-              </a:spcBef>
-              <a:buNone/>
-            </a:pPr>
-            <a:endParaRPr b="0" lang="fr-FR" sz="3200" spc="-1" strike="noStrike">
-              <a:solidFill>
-                <a:srgbClr val="000000"/>
-              </a:solidFill>
-              <a:latin typeface="Arial"/>
-            </a:endParaRPr>
-          </a:p>
-        </p:txBody>
-      </p:sp>
-      <p:sp>
-        <p:nvSpPr>
-          <p:cNvPr id="94" name="PlaceHolder 6"/>
-          <p:cNvSpPr>
-            <a:spLocks noGrp="1"/>
-          </p:cNvSpPr>
-          <p:nvPr>
-            <p:ph/>
-          </p:nvPr>
-        </p:nvSpPr>
-        <p:spPr>
-          <a:xfrm>
-            <a:off x="3239640" y="3682080"/>
-            <a:ext cx="2649600" cy="1896840"/>
-          </a:xfrm>
-          <a:prstGeom prst="rect">
-            <a:avLst/>
-          </a:prstGeom>
-          <a:noFill/>
-          <a:ln w="0">
-            <a:noFill/>
-          </a:ln>
-        </p:spPr>
-        <p:txBody>
-          <a:bodyPr lIns="0" rIns="0" tIns="0" bIns="0" anchor="t">
-            <a:normAutofit/>
-          </a:bodyPr>
-          <a:p>
-            <a:pPr indent="0">
-              <a:spcBef>
-                <a:spcPts val="1417"/>
-              </a:spcBef>
-              <a:buNone/>
-            </a:pPr>
-            <a:endParaRPr b="0" lang="fr-FR" sz="3200" spc="-1" strike="noStrike">
-              <a:solidFill>
-                <a:srgbClr val="000000"/>
-              </a:solidFill>
-              <a:latin typeface="Arial"/>
-            </a:endParaRPr>
-          </a:p>
-        </p:txBody>
-      </p:sp>
-      <p:sp>
-        <p:nvSpPr>
-          <p:cNvPr id="95" name="PlaceHolder 7"/>
-          <p:cNvSpPr>
-            <a:spLocks noGrp="1"/>
-          </p:cNvSpPr>
-          <p:nvPr>
-            <p:ph/>
-          </p:nvPr>
-        </p:nvSpPr>
-        <p:spPr>
-          <a:xfrm>
-            <a:off x="6022080" y="3682080"/>
-            <a:ext cx="2649600" cy="1896840"/>
-          </a:xfrm>
-          <a:prstGeom prst="rect">
-            <a:avLst/>
-          </a:prstGeom>
-          <a:noFill/>
-          <a:ln w="0">
-            <a:noFill/>
-          </a:ln>
-        </p:spPr>
-        <p:txBody>
-          <a:bodyPr lIns="0" rIns="0" tIns="0" bIns="0" anchor="t">
-            <a:normAutofit/>
-          </a:bodyPr>
-          <a:p>
-            <a:pPr indent="0">
-              <a:spcBef>
-                <a:spcPts val="1417"/>
-              </a:spcBef>
-              <a:buNone/>
-            </a:pPr>
-            <a:endParaRPr b="0" lang="fr-FR" sz="3200" spc="-1" strike="noStrike">
-              <a:solidFill>
-                <a:srgbClr val="000000"/>
-              </a:solidFill>
-              <a:latin typeface="Arial"/>
-            </a:endParaRPr>
-          </a:p>
-        </p:txBody>
-      </p:sp>
-      <p:sp>
-        <p:nvSpPr>
-          <p:cNvPr id="9" name="PlaceHolder 8"/>
-          <p:cNvSpPr>
-            <a:spLocks noGrp="1"/>
-          </p:cNvSpPr>
-          <p:nvPr>
-            <p:ph type="ftr" idx="4"/>
-          </p:nvPr>
-        </p:nvSpPr>
-        <p:spPr/>
-        <p:txBody>
-          <a:bodyPr/>
-          <a:p>
-            <a:r>
-              <a:t>Footer</a:t>
-            </a:r>
-          </a:p>
-        </p:txBody>
-      </p:sp>
-      <p:sp>
-        <p:nvSpPr>
-          <p:cNvPr id="10" name="PlaceHolder 9"/>
-          <p:cNvSpPr>
-            <a:spLocks noGrp="1"/>
-          </p:cNvSpPr>
-          <p:nvPr>
-            <p:ph type="sldNum" idx="5"/>
-          </p:nvPr>
-        </p:nvSpPr>
-        <p:spPr/>
-        <p:txBody>
-          <a:bodyPr/>
-          <a:p>
-            <a:fld id="{EC6A9E84-F56E-4D31-8F2E-9FAEEEC5A7C4}" type="slidenum">
-              <a:t>&lt;#&gt;</a:t>
-            </a:fld>
-          </a:p>
-        </p:txBody>
-      </p:sp>
-      <p:sp>
-        <p:nvSpPr>
-          <p:cNvPr id="11" name="PlaceHolder 10"/>
-          <p:cNvSpPr>
-            <a:spLocks noGrp="1"/>
-          </p:cNvSpPr>
-          <p:nvPr>
-            <p:ph type="dt" idx="6"/>
           </p:nvPr>
         </p:nvSpPr>
         <p:spPr/>
@@ -4485,7 +1978,7 @@
         <p:txBody>
           <a:bodyPr/>
           <a:p>
-            <a:fld id="{086C1DAD-8F33-44DB-BD06-75A4D1C59CB7}" type="slidenum">
+            <a:fld id="{EE026C67-B567-4443-9135-B0D86E2E3E54}" type="slidenum">
               <a:t>&lt;#&gt;</a:t>
             </a:fld>
           </a:p>
@@ -4694,7 +2187,7 @@
         <p:txBody>
           <a:bodyPr/>
           <a:p>
-            <a:fld id="{C32B34AA-7EA6-4F96-A5D8-1D8AC369ABB7}" type="slidenum">
+            <a:fld id="{B1612C82-2CE5-4411-BA76-FEF41A20F09C}" type="slidenum">
               <a:t>&lt;#&gt;</a:t>
             </a:fld>
           </a:p>
@@ -4817,7 +2310,7 @@
         <p:txBody>
           <a:bodyPr/>
           <a:p>
-            <a:fld id="{B61659CD-0760-45BA-9F88-F6455F546D51}" type="slidenum">
+            <a:fld id="{215BE3C6-4171-4CC0-8C55-3922CFBFF979}" type="slidenum">
               <a:t>&lt;#&gt;</a:t>
             </a:fld>
           </a:p>
@@ -4938,7 +2431,7 @@
         <p:txBody>
           <a:bodyPr/>
           <a:p>
-            <a:fld id="{0ECADEAF-8761-493D-ACB6-5BD49A0D6AD8}" type="slidenum">
+            <a:fld id="{0AF7F0ED-53F5-4DBE-8A67-060671BC11BB}" type="slidenum">
               <a:t>&lt;#&gt;</a:t>
             </a:fld>
           </a:p>
@@ -5190,7 +2683,7 @@
         <p:txBody>
           <a:bodyPr/>
           <a:p>
-            <a:fld id="{B8CC1D45-F1C9-489C-A8F5-FBB87EE4EFB3}" type="slidenum">
+            <a:fld id="{E07D3608-4021-4F78-884B-FF777FAC2A85}" type="slidenum">
               <a:t>&lt;#&gt;</a:t>
             </a:fld>
           </a:p>
@@ -5442,7 +2935,7 @@
         <p:txBody>
           <a:bodyPr/>
           <a:p>
-            <a:fld id="{7F407D54-7BCD-4EC4-A9EF-1DCC4E6E7B6C}" type="slidenum">
+            <a:fld id="{ACDD8824-762D-446E-A67F-15F19B8E24FD}" type="slidenum">
               <a:t>&lt;#&gt;</a:t>
             </a:fld>
           </a:p>
@@ -5694,7 +3187,7 @@
         <p:txBody>
           <a:bodyPr/>
           <a:p>
-            <a:fld id="{296E4B33-4278-4980-9691-2F772549905F}" type="slidenum">
+            <a:fld id="{05F33719-0D6E-43E5-9CE1-89BAB09100DF}" type="slidenum">
               <a:t>&lt;#&gt;</a:t>
             </a:fld>
           </a:p>
@@ -5759,7 +3252,7 @@
         <p:spPr>
           <a:xfrm>
             <a:off x="0" y="260280"/>
-            <a:ext cx="932760" cy="358200"/>
+            <a:ext cx="932400" cy="357840"/>
           </a:xfrm>
           <a:prstGeom prst="rect">
             <a:avLst/>
@@ -5813,7 +3306,7 @@
         <p:spPr>
           <a:xfrm>
             <a:off x="934920" y="260280"/>
-            <a:ext cx="8204760" cy="358200"/>
+            <a:ext cx="8204400" cy="357840"/>
           </a:xfrm>
           <a:prstGeom prst="rect">
             <a:avLst/>
@@ -5872,7 +3365,7 @@
         <p:spPr>
           <a:xfrm>
             <a:off x="6336720" y="6170040"/>
-            <a:ext cx="2625480" cy="576000"/>
+            <a:ext cx="2625120" cy="575640"/>
           </a:xfrm>
           <a:prstGeom prst="rect">
             <a:avLst/>
@@ -5891,7 +3384,7 @@
         <p:spPr>
           <a:xfrm>
             <a:off x="4267800" y="6642000"/>
-            <a:ext cx="634320" cy="152280"/>
+            <a:ext cx="633960" cy="152280"/>
           </a:xfrm>
           <a:prstGeom prst="rect">
             <a:avLst/>
@@ -5945,7 +3438,7 @@
         <p:spPr>
           <a:xfrm>
             <a:off x="2160" y="620640"/>
-            <a:ext cx="9139680" cy="5506560"/>
+            <a:ext cx="9139320" cy="5506200"/>
           </a:xfrm>
           <a:prstGeom prst="rect">
             <a:avLst/>
@@ -5999,7 +3492,7 @@
         <p:spPr>
           <a:xfrm>
             <a:off x="0" y="0"/>
-            <a:ext cx="9139680" cy="618480"/>
+            <a:ext cx="9139320" cy="618120"/>
           </a:xfrm>
           <a:prstGeom prst="rect">
             <a:avLst/>
@@ -6781,7 +4274,7 @@
         <p:spPr>
           <a:xfrm>
             <a:off x="8893080" y="0"/>
-            <a:ext cx="246600" cy="258120"/>
+            <a:ext cx="246240" cy="257760"/>
           </a:xfrm>
           <a:prstGeom prst="rect">
             <a:avLst/>
@@ -6853,7 +4346,7 @@
         <p:spPr>
           <a:xfrm>
             <a:off x="8893080" y="0"/>
-            <a:ext cx="246600" cy="258120"/>
+            <a:ext cx="246240" cy="257760"/>
           </a:xfrm>
           <a:prstGeom prst="rect">
             <a:avLst/>
@@ -6897,7 +4390,7 @@
                 <a:tab algn="l" pos="0"/>
               </a:tabLst>
             </a:pPr>
-            <a:fld id="{48BA9272-3673-4344-B3E0-8BC56563B841}" type="slidenum">
+            <a:fld id="{7C79ACEF-1A38-45E5-BBB9-C7BB15F64EB0}" type="slidenum">
               <a:rPr b="0" lang="fr-FR" sz="100" spc="-1" strike="noStrike">
                 <a:solidFill>
                   <a:schemeClr val="lt1">
@@ -6931,7 +4424,7 @@
         <p:spPr>
           <a:xfrm>
             <a:off x="8893080" y="0"/>
-            <a:ext cx="248760" cy="258120"/>
+            <a:ext cx="248400" cy="257760"/>
           </a:xfrm>
           <a:prstGeom prst="rect">
             <a:avLst/>
@@ -6994,808 +4487,6 @@
     <p:sldLayoutId id="2147483658" r:id="rId12"/>
     <p:sldLayoutId id="2147483659" r:id="rId13"/>
     <p:sldLayoutId id="2147483660" r:id="rId14"/>
-  </p:sldLayoutIdLst>
-</p:sldMaster>
-</file>
-
-<file path=ppt/slideMasters/slideMaster13.xml><?xml version="1.0" encoding="utf-8"?>
-<p:sldMaster xmlns:a="http://schemas.openxmlformats.org/drawingml/2006/main" xmlns:p="http://schemas.openxmlformats.org/presentationml/2006/main" xmlns:r="http://schemas.openxmlformats.org/officeDocument/2006/relationships" xmlns:p14="http://schemas.microsoft.com/office/powerpoint/2010/main" xmlns:p15="http://schemas.microsoft.com/office/powerpoint/2012/main" xmlns:mc="http://schemas.openxmlformats.org/markup-compatibility/2006">
-  <p:cSld>
-    <p:bg>
-      <p:bgPr>
-        <a:solidFill>
-          <a:srgbClr val="ffffff"/>
-        </a:solidFill>
-      </p:bgPr>
-    </p:bg>
-    <p:spTree>
-      <p:nvGrpSpPr>
-        <p:cNvPr id="1" name=""/>
-        <p:cNvGrpSpPr/>
-        <p:nvPr/>
-      </p:nvGrpSpPr>
-      <p:grpSpPr>
-        <a:xfrm>
-          <a:off x="0" y="0"/>
-          <a:ext cx="0" cy="0"/>
-          <a:chOff x="0" y="0"/>
-          <a:chExt cx="0" cy="0"/>
-        </a:xfrm>
-      </p:grpSpPr>
-      <p:sp>
-        <p:nvSpPr>
-          <p:cNvPr id="49" name="Rectangle 9"/>
-          <p:cNvSpPr/>
-          <p:nvPr/>
-        </p:nvSpPr>
-        <p:spPr>
-          <a:xfrm>
-            <a:off x="0" y="260280"/>
-            <a:ext cx="932760" cy="358200"/>
-          </a:xfrm>
-          <a:prstGeom prst="rect">
-            <a:avLst/>
-          </a:prstGeom>
-          <a:solidFill>
-            <a:srgbClr val="153d8a"/>
-          </a:solidFill>
-          <a:ln>
-            <a:noFill/>
-          </a:ln>
-        </p:spPr>
-        <p:style>
-          <a:lnRef idx="2">
-            <a:schemeClr val="accent1">
-              <a:shade val="50000"/>
-            </a:schemeClr>
-          </a:lnRef>
-          <a:fillRef idx="1">
-            <a:schemeClr val="accent1"/>
-          </a:fillRef>
-          <a:effectRef idx="0">
-            <a:schemeClr val="accent1"/>
-          </a:effectRef>
-          <a:fontRef idx="minor"/>
-        </p:style>
-        <p:txBody>
-          <a:bodyPr lIns="90000" rIns="90000" tIns="45000" bIns="45000" anchor="ctr">
-            <a:noAutofit/>
-          </a:bodyPr>
-          <a:p>
-            <a:endParaRPr b="0" lang="fr-FR" sz="1800" spc="-1" strike="noStrike">
-              <a:solidFill>
-                <a:schemeClr val="lt1"/>
-              </a:solidFill>
-              <a:latin typeface="Franklin Gothic Book"/>
-            </a:endParaRPr>
-          </a:p>
-        </p:txBody>
-      </p:sp>
-      <p:sp>
-        <p:nvSpPr>
-          <p:cNvPr id="50" name="Rectangle 10"/>
-          <p:cNvSpPr/>
-          <p:nvPr/>
-        </p:nvSpPr>
-        <p:spPr>
-          <a:xfrm>
-            <a:off x="934920" y="260280"/>
-            <a:ext cx="8204760" cy="358200"/>
-          </a:xfrm>
-          <a:prstGeom prst="rect">
-            <a:avLst/>
-          </a:prstGeom>
-          <a:solidFill>
-            <a:srgbClr val="00a2e0"/>
-          </a:solidFill>
-          <a:ln>
-            <a:noFill/>
-          </a:ln>
-        </p:spPr>
-        <p:style>
-          <a:lnRef idx="2">
-            <a:schemeClr val="accent1">
-              <a:shade val="50000"/>
-            </a:schemeClr>
-          </a:lnRef>
-          <a:fillRef idx="1">
-            <a:schemeClr val="accent1"/>
-          </a:fillRef>
-          <a:effectRef idx="0">
-            <a:schemeClr val="accent1"/>
-          </a:effectRef>
-          <a:fontRef idx="minor"/>
-        </p:style>
-        <p:txBody>
-          <a:bodyPr lIns="90000" rIns="90000" tIns="45000" bIns="45000" anchor="ctr">
-            <a:noAutofit/>
-          </a:bodyPr>
-          <a:p>
-            <a:endParaRPr b="0" lang="fr-FR" sz="1800" spc="-1" strike="noStrike">
-              <a:solidFill>
-                <a:schemeClr val="lt1"/>
-              </a:solidFill>
-              <a:latin typeface="Franklin Gothic Book"/>
-            </a:endParaRPr>
-          </a:p>
-        </p:txBody>
-      </p:sp>
-      <p:pic>
-        <p:nvPicPr>
-          <p:cNvPr id="51" name="Image 11" descr=""/>
-          <p:cNvPicPr/>
-          <p:nvPr/>
-        </p:nvPicPr>
-        <p:blipFill>
-          <a:blip r:embed="rId2"/>
-          <a:srcRect l="4781" t="10018" r="9812" b="23689"/>
-          <a:stretch/>
-        </p:blipFill>
-        <p:spPr>
-          <a:xfrm>
-            <a:off x="6336720" y="6170040"/>
-            <a:ext cx="2625480" cy="576000"/>
-          </a:xfrm>
-          <a:prstGeom prst="rect">
-            <a:avLst/>
-          </a:prstGeom>
-          <a:ln w="0">
-            <a:noFill/>
-          </a:ln>
-        </p:spPr>
-      </p:pic>
-      <p:sp>
-        <p:nvSpPr>
-          <p:cNvPr id="52" name="ZoneTexte 7"/>
-          <p:cNvSpPr/>
-          <p:nvPr/>
-        </p:nvSpPr>
-        <p:spPr>
-          <a:xfrm>
-            <a:off x="4267800" y="6642000"/>
-            <a:ext cx="634320" cy="152280"/>
-          </a:xfrm>
-          <a:prstGeom prst="rect">
-            <a:avLst/>
-          </a:prstGeom>
-          <a:noFill/>
-          <a:ln w="0">
-            <a:noFill/>
-          </a:ln>
-        </p:spPr>
-        <p:style>
-          <a:lnRef idx="0"/>
-          <a:fillRef idx="0"/>
-          <a:effectRef idx="0"/>
-          <a:fontRef idx="minor"/>
-        </p:style>
-        <p:txBody>
-          <a:bodyPr horzOverflow="overflow" lIns="0" rIns="0" tIns="0" bIns="0" anchor="t">
-            <a:spAutoFit/>
-          </a:bodyPr>
-          <a:p>
-            <a:pPr defTabSz="914400">
-              <a:lnSpc>
-                <a:spcPct val="100000"/>
-              </a:lnSpc>
-            </a:pPr>
-            <a:r>
-              <a:rPr b="0" lang="fr-FR" sz="1000" spc="-1" strike="noStrike">
-                <a:solidFill>
-                  <a:srgbClr val="000000"/>
-                </a:solidFill>
-                <a:latin typeface="Calibri"/>
-                <a:ea typeface="Calibri"/>
-              </a:rPr>
-              <a:t>C1 - Interne</a:t>
-            </a:r>
-            <a:endParaRPr b="0" lang="fr-FR" sz="1000" spc="-1" strike="noStrike">
-              <a:solidFill>
-                <a:srgbClr val="000000"/>
-              </a:solidFill>
-              <a:latin typeface="Arial"/>
-            </a:endParaRPr>
-          </a:p>
-        </p:txBody>
-      </p:sp>
-      <p:sp>
-        <p:nvSpPr>
-          <p:cNvPr id="53" name="Rectangle 9"/>
-          <p:cNvSpPr/>
-          <p:nvPr/>
-        </p:nvSpPr>
-        <p:spPr>
-          <a:xfrm>
-            <a:off x="2160" y="620640"/>
-            <a:ext cx="9139680" cy="5506560"/>
-          </a:xfrm>
-          <a:prstGeom prst="rect">
-            <a:avLst/>
-          </a:prstGeom>
-          <a:solidFill>
-            <a:srgbClr val="00a2e0"/>
-          </a:solidFill>
-          <a:ln>
-            <a:noFill/>
-          </a:ln>
-        </p:spPr>
-        <p:style>
-          <a:lnRef idx="2">
-            <a:schemeClr val="accent1">
-              <a:shade val="50000"/>
-            </a:schemeClr>
-          </a:lnRef>
-          <a:fillRef idx="1">
-            <a:schemeClr val="accent1"/>
-          </a:fillRef>
-          <a:effectRef idx="0">
-            <a:schemeClr val="accent1"/>
-          </a:effectRef>
-          <a:fontRef idx="minor"/>
-        </p:style>
-        <p:txBody>
-          <a:bodyPr lIns="90000" rIns="90000" tIns="45000" bIns="45000" anchor="ctr">
-            <a:noAutofit/>
-          </a:bodyPr>
-          <a:p>
-            <a:endParaRPr b="0" lang="fr-FR" sz="1800" spc="-1" strike="noStrike">
-              <a:solidFill>
-                <a:schemeClr val="lt1"/>
-              </a:solidFill>
-              <a:latin typeface="Franklin Gothic Book"/>
-            </a:endParaRPr>
-          </a:p>
-        </p:txBody>
-      </p:sp>
-      <p:sp>
-        <p:nvSpPr>
-          <p:cNvPr id="54" name="Rectangle 1"/>
-          <p:cNvSpPr/>
-          <p:nvPr/>
-        </p:nvSpPr>
-        <p:spPr>
-          <a:xfrm>
-            <a:off x="0" y="0"/>
-            <a:ext cx="9139680" cy="618480"/>
-          </a:xfrm>
-          <a:prstGeom prst="rect">
-            <a:avLst/>
-          </a:prstGeom>
-          <a:solidFill>
-            <a:srgbClr val="153d8a"/>
-          </a:solidFill>
-          <a:ln>
-            <a:noFill/>
-          </a:ln>
-        </p:spPr>
-        <p:style>
-          <a:lnRef idx="2">
-            <a:schemeClr val="accent1">
-              <a:shade val="50000"/>
-            </a:schemeClr>
-          </a:lnRef>
-          <a:fillRef idx="1">
-            <a:schemeClr val="accent1"/>
-          </a:fillRef>
-          <a:effectRef idx="0">
-            <a:schemeClr val="accent1"/>
-          </a:effectRef>
-          <a:fontRef idx="minor"/>
-        </p:style>
-        <p:txBody>
-          <a:bodyPr lIns="90000" rIns="90000" tIns="45000" bIns="45000" anchor="ctr">
-            <a:noAutofit/>
-          </a:bodyPr>
-          <a:p>
-            <a:endParaRPr b="0" lang="fr-FR" sz="1800" spc="-1" strike="noStrike">
-              <a:solidFill>
-                <a:schemeClr val="lt1"/>
-              </a:solidFill>
-              <a:latin typeface="Franklin Gothic Book"/>
-            </a:endParaRPr>
-          </a:p>
-        </p:txBody>
-      </p:sp>
-      <p:sp>
-        <p:nvSpPr>
-          <p:cNvPr id="55" name="PlaceHolder 1"/>
-          <p:cNvSpPr>
-            <a:spLocks noGrp="1"/>
-          </p:cNvSpPr>
-          <p:nvPr>
-            <p:ph type="ftr" idx="4"/>
-          </p:nvPr>
-        </p:nvSpPr>
-        <p:spPr>
-          <a:xfrm>
-            <a:off x="8893080" y="0"/>
-            <a:ext cx="246600" cy="258120"/>
-          </a:xfrm>
-          <a:prstGeom prst="rect">
-            <a:avLst/>
-          </a:prstGeom>
-          <a:noFill/>
-          <a:ln w="0">
-            <a:noFill/>
-          </a:ln>
-        </p:spPr>
-        <p:txBody>
-          <a:bodyPr lIns="0" rIns="0" tIns="0" bIns="0" anchor="ctr">
-            <a:noAutofit/>
-          </a:bodyPr>
-          <a:lstStyle>
-            <a:lvl1pPr indent="0" algn="ctr">
-              <a:lnSpc>
-                <a:spcPct val="100000"/>
-              </a:lnSpc>
-              <a:buNone/>
-              <a:tabLst>
-                <a:tab algn="l" pos="0"/>
-              </a:tabLst>
-              <a:defRPr b="0" lang="fr-FR" sz="1400" spc="-1" strike="noStrike">
-                <a:solidFill>
-                  <a:srgbClr val="000000"/>
-                </a:solidFill>
-                <a:latin typeface="Times New Roman"/>
-              </a:defRPr>
-            </a:lvl1pPr>
-          </a:lstStyle>
-          <a:p>
-            <a:pPr indent="0" algn="ctr">
-              <a:lnSpc>
-                <a:spcPct val="100000"/>
-              </a:lnSpc>
-              <a:buNone/>
-              <a:tabLst>
-                <a:tab algn="l" pos="0"/>
-              </a:tabLst>
-            </a:pPr>
-            <a:r>
-              <a:rPr b="0" lang="fr-FR" sz="1400" spc="-1" strike="noStrike">
-                <a:solidFill>
-                  <a:srgbClr val="000000"/>
-                </a:solidFill>
-                <a:latin typeface="Times New Roman"/>
-              </a:rPr>
-              <a:t>&lt;pied de page&gt;</a:t>
-            </a:r>
-            <a:endParaRPr b="0" lang="fr-FR" sz="1400" spc="-1" strike="noStrike">
-              <a:solidFill>
-                <a:srgbClr val="000000"/>
-              </a:solidFill>
-              <a:latin typeface="Times New Roman"/>
-            </a:endParaRPr>
-          </a:p>
-        </p:txBody>
-      </p:sp>
-      <p:sp>
-        <p:nvSpPr>
-          <p:cNvPr id="56" name="PlaceHolder 2"/>
-          <p:cNvSpPr>
-            <a:spLocks noGrp="1"/>
-          </p:cNvSpPr>
-          <p:nvPr>
-            <p:ph type="sldNum" idx="5"/>
-          </p:nvPr>
-        </p:nvSpPr>
-        <p:spPr>
-          <a:xfrm>
-            <a:off x="8893080" y="0"/>
-            <a:ext cx="246600" cy="258120"/>
-          </a:xfrm>
-          <a:prstGeom prst="rect">
-            <a:avLst/>
-          </a:prstGeom>
-          <a:noFill/>
-          <a:ln w="0">
-            <a:noFill/>
-          </a:ln>
-        </p:spPr>
-        <p:txBody>
-          <a:bodyPr lIns="0" rIns="0" tIns="0" bIns="0" anchor="ctr">
-            <a:noAutofit/>
-          </a:bodyPr>
-          <a:lstStyle>
-            <a:lvl1pPr indent="0" algn="r" defTabSz="914400">
-              <a:lnSpc>
-                <a:spcPct val="100000"/>
-              </a:lnSpc>
-              <a:buNone/>
-              <a:tabLst>
-                <a:tab algn="l" pos="0"/>
-              </a:tabLst>
-              <a:defRPr b="0" lang="fr-FR" sz="100" spc="-1" strike="noStrike">
-                <a:solidFill>
-                  <a:schemeClr val="lt1">
-                    <a:alpha val="0"/>
-                  </a:schemeClr>
-                </a:solidFill>
-                <a:latin typeface="Franklin Gothic Book"/>
-                <a:ea typeface="Verdana"/>
-              </a:defRPr>
-            </a:lvl1pPr>
-          </a:lstStyle>
-          <a:p>
-            <a:pPr indent="0" algn="r" defTabSz="914400">
-              <a:lnSpc>
-                <a:spcPct val="100000"/>
-              </a:lnSpc>
-              <a:buNone/>
-              <a:tabLst>
-                <a:tab algn="l" pos="0"/>
-              </a:tabLst>
-            </a:pPr>
-            <a:fld id="{A5F57BCA-0C0C-4B6E-B5C3-1B8FB37462E9}" type="slidenum">
-              <a:rPr b="0" lang="fr-FR" sz="100" spc="-1" strike="noStrike">
-                <a:solidFill>
-                  <a:schemeClr val="lt1">
-                    <a:alpha val="0"/>
-                  </a:schemeClr>
-                </a:solidFill>
-                <a:latin typeface="Franklin Gothic Book"/>
-                <a:ea typeface="Verdana"/>
-              </a:rPr>
-              <a:t>&lt;numéro&gt;</a:t>
-            </a:fld>
-            <a:endParaRPr b="0" lang="fr-FR" sz="100" spc="-1" strike="noStrike">
-              <a:solidFill>
-                <a:srgbClr val="000000"/>
-              </a:solidFill>
-              <a:latin typeface="Times New Roman"/>
-            </a:endParaRPr>
-          </a:p>
-        </p:txBody>
-      </p:sp>
-      <p:sp>
-        <p:nvSpPr>
-          <p:cNvPr id="57" name="PlaceHolder 3"/>
-          <p:cNvSpPr>
-            <a:spLocks noGrp="1"/>
-          </p:cNvSpPr>
-          <p:nvPr>
-            <p:ph type="dt" idx="6"/>
-          </p:nvPr>
-        </p:nvSpPr>
-        <p:spPr>
-          <a:xfrm>
-            <a:off x="8893080" y="0"/>
-            <a:ext cx="248760" cy="258120"/>
-          </a:xfrm>
-          <a:prstGeom prst="rect">
-            <a:avLst/>
-          </a:prstGeom>
-          <a:noFill/>
-          <a:ln w="0">
-            <a:noFill/>
-          </a:ln>
-        </p:spPr>
-        <p:txBody>
-          <a:bodyPr lIns="0" rIns="0" tIns="0" bIns="0" anchor="ctr">
-            <a:noAutofit/>
-          </a:bodyPr>
-          <a:lstStyle>
-            <a:lvl1pPr indent="0">
-              <a:buNone/>
-              <a:defRPr b="0" lang="fr-FR" sz="1400" spc="-1" strike="noStrike">
-                <a:solidFill>
-                  <a:srgbClr val="000000"/>
-                </a:solidFill>
-                <a:latin typeface="Times New Roman"/>
-              </a:defRPr>
-            </a:lvl1pPr>
-          </a:lstStyle>
-          <a:p>
-            <a:pPr indent="0">
-              <a:buNone/>
-            </a:pPr>
-            <a:r>
-              <a:rPr b="0" lang="fr-FR" sz="1400" spc="-1" strike="noStrike">
-                <a:solidFill>
-                  <a:srgbClr val="000000"/>
-                </a:solidFill>
-                <a:latin typeface="Times New Roman"/>
-              </a:rPr>
-              <a:t>&lt;date/heure&gt;</a:t>
-            </a:r>
-            <a:endParaRPr b="0" lang="fr-FR" sz="1400" spc="-1" strike="noStrike">
-              <a:solidFill>
-                <a:srgbClr val="000000"/>
-              </a:solidFill>
-              <a:latin typeface="Times New Roman"/>
-            </a:endParaRPr>
-          </a:p>
-        </p:txBody>
-      </p:sp>
-      <p:sp>
-        <p:nvSpPr>
-          <p:cNvPr id="58" name="PlaceHolder 4"/>
-          <p:cNvSpPr>
-            <a:spLocks noGrp="1"/>
-          </p:cNvSpPr>
-          <p:nvPr>
-            <p:ph type="title"/>
-          </p:nvPr>
-        </p:nvSpPr>
-        <p:spPr>
-          <a:xfrm>
-            <a:off x="457200" y="273600"/>
-            <a:ext cx="8229240" cy="1144800"/>
-          </a:xfrm>
-          <a:prstGeom prst="rect">
-            <a:avLst/>
-          </a:prstGeom>
-          <a:noFill/>
-          <a:ln w="0">
-            <a:noFill/>
-          </a:ln>
-        </p:spPr>
-        <p:txBody>
-          <a:bodyPr lIns="0" rIns="0" tIns="0" bIns="0" anchor="ctr">
-            <a:noAutofit/>
-          </a:bodyPr>
-          <a:p>
-            <a:pPr indent="0" algn="ctr">
-              <a:buNone/>
-            </a:pPr>
-            <a:r>
-              <a:rPr b="0" lang="fr-FR" sz="4400" spc="-1" strike="noStrike">
-                <a:solidFill>
-                  <a:srgbClr val="000000"/>
-                </a:solidFill>
-                <a:latin typeface="Arial"/>
-              </a:rPr>
-              <a:t>Cliquez pour éditer le format du texte-titre</a:t>
-            </a:r>
-            <a:endParaRPr b="0" lang="fr-FR" sz="4400" spc="-1" strike="noStrike">
-              <a:solidFill>
-                <a:srgbClr val="000000"/>
-              </a:solidFill>
-              <a:latin typeface="Arial"/>
-            </a:endParaRPr>
-          </a:p>
-        </p:txBody>
-      </p:sp>
-      <p:sp>
-        <p:nvSpPr>
-          <p:cNvPr id="59" name="PlaceHolder 5"/>
-          <p:cNvSpPr>
-            <a:spLocks noGrp="1"/>
-          </p:cNvSpPr>
-          <p:nvPr>
-            <p:ph type="body"/>
-          </p:nvPr>
-        </p:nvSpPr>
-        <p:spPr>
-          <a:xfrm>
-            <a:off x="457200" y="1604520"/>
-            <a:ext cx="8229240" cy="3977280"/>
-          </a:xfrm>
-          <a:prstGeom prst="rect">
-            <a:avLst/>
-          </a:prstGeom>
-          <a:noFill/>
-          <a:ln w="0">
-            <a:noFill/>
-          </a:ln>
-        </p:spPr>
-        <p:txBody>
-          <a:bodyPr lIns="0" rIns="0" tIns="0" bIns="0" anchor="t">
-            <a:normAutofit/>
-          </a:bodyPr>
-          <a:p>
-            <a:pPr marL="432000" indent="-324000">
-              <a:spcBef>
-                <a:spcPts val="1417"/>
-              </a:spcBef>
-              <a:buClr>
-                <a:srgbClr val="000000"/>
-              </a:buClr>
-              <a:buSzPct val="45000"/>
-              <a:buFont typeface="Wingdings" charset="2"/>
-              <a:buChar char=""/>
-            </a:pPr>
-            <a:r>
-              <a:rPr b="0" lang="fr-FR" sz="3200" spc="-1" strike="noStrike">
-                <a:solidFill>
-                  <a:srgbClr val="000000"/>
-                </a:solidFill>
-                <a:latin typeface="Arial"/>
-              </a:rPr>
-              <a:t>Cliquez pour éditer le format du plan de texte</a:t>
-            </a:r>
-            <a:endParaRPr b="0" lang="fr-FR" sz="3200" spc="-1" strike="noStrike">
-              <a:solidFill>
-                <a:srgbClr val="000000"/>
-              </a:solidFill>
-              <a:latin typeface="Arial"/>
-            </a:endParaRPr>
-          </a:p>
-          <a:p>
-            <a:pPr lvl="1" marL="864000" indent="-324000">
-              <a:spcBef>
-                <a:spcPts val="1134"/>
-              </a:spcBef>
-              <a:buClr>
-                <a:srgbClr val="000000"/>
-              </a:buClr>
-              <a:buSzPct val="75000"/>
-              <a:buFont typeface="Symbol" charset="2"/>
-              <a:buChar char=""/>
-            </a:pPr>
-            <a:r>
-              <a:rPr b="0" lang="fr-FR" sz="2800" spc="-1" strike="noStrike">
-                <a:solidFill>
-                  <a:srgbClr val="000000"/>
-                </a:solidFill>
-                <a:latin typeface="Arial"/>
-              </a:rPr>
-              <a:t>Second niveau de plan</a:t>
-            </a:r>
-            <a:endParaRPr b="0" lang="fr-FR" sz="2800" spc="-1" strike="noStrike">
-              <a:solidFill>
-                <a:srgbClr val="000000"/>
-              </a:solidFill>
-              <a:latin typeface="Arial"/>
-            </a:endParaRPr>
-          </a:p>
-          <a:p>
-            <a:pPr lvl="2" marL="1296000" indent="-288000">
-              <a:spcBef>
-                <a:spcPts val="850"/>
-              </a:spcBef>
-              <a:buClr>
-                <a:srgbClr val="000000"/>
-              </a:buClr>
-              <a:buSzPct val="45000"/>
-              <a:buFont typeface="Wingdings" charset="2"/>
-              <a:buChar char=""/>
-            </a:pPr>
-            <a:r>
-              <a:rPr b="0" lang="fr-FR" sz="2400" spc="-1" strike="noStrike">
-                <a:solidFill>
-                  <a:srgbClr val="000000"/>
-                </a:solidFill>
-                <a:latin typeface="Arial"/>
-              </a:rPr>
-              <a:t>Troisième niveau de plan</a:t>
-            </a:r>
-            <a:endParaRPr b="0" lang="fr-FR" sz="2400" spc="-1" strike="noStrike">
-              <a:solidFill>
-                <a:srgbClr val="000000"/>
-              </a:solidFill>
-              <a:latin typeface="Arial"/>
-            </a:endParaRPr>
-          </a:p>
-          <a:p>
-            <a:pPr lvl="3" marL="1728000" indent="-216000">
-              <a:spcBef>
-                <a:spcPts val="567"/>
-              </a:spcBef>
-              <a:buClr>
-                <a:srgbClr val="000000"/>
-              </a:buClr>
-              <a:buSzPct val="75000"/>
-              <a:buFont typeface="Symbol" charset="2"/>
-              <a:buChar char=""/>
-            </a:pPr>
-            <a:r>
-              <a:rPr b="0" lang="fr-FR" sz="2000" spc="-1" strike="noStrike">
-                <a:solidFill>
-                  <a:srgbClr val="000000"/>
-                </a:solidFill>
-                <a:latin typeface="Arial"/>
-              </a:rPr>
-              <a:t>Quatrième niveau de plan</a:t>
-            </a:r>
-            <a:endParaRPr b="0" lang="fr-FR" sz="2000" spc="-1" strike="noStrike">
-              <a:solidFill>
-                <a:srgbClr val="000000"/>
-              </a:solidFill>
-              <a:latin typeface="Arial"/>
-            </a:endParaRPr>
-          </a:p>
-          <a:p>
-            <a:pPr lvl="4" marL="2160000" indent="-216000">
-              <a:spcBef>
-                <a:spcPts val="283"/>
-              </a:spcBef>
-              <a:buClr>
-                <a:srgbClr val="000000"/>
-              </a:buClr>
-              <a:buSzPct val="45000"/>
-              <a:buFont typeface="Wingdings" charset="2"/>
-              <a:buChar char=""/>
-            </a:pPr>
-            <a:r>
-              <a:rPr b="0" lang="fr-FR" sz="2000" spc="-1" strike="noStrike">
-                <a:solidFill>
-                  <a:srgbClr val="000000"/>
-                </a:solidFill>
-                <a:latin typeface="Arial"/>
-              </a:rPr>
-              <a:t>Cinquième niveau de plan</a:t>
-            </a:r>
-            <a:endParaRPr b="0" lang="fr-FR" sz="2000" spc="-1" strike="noStrike">
-              <a:solidFill>
-                <a:srgbClr val="000000"/>
-              </a:solidFill>
-              <a:latin typeface="Arial"/>
-            </a:endParaRPr>
-          </a:p>
-          <a:p>
-            <a:pPr lvl="5" marL="2592000" indent="-216000">
-              <a:spcBef>
-                <a:spcPts val="283"/>
-              </a:spcBef>
-              <a:buClr>
-                <a:srgbClr val="000000"/>
-              </a:buClr>
-              <a:buSzPct val="45000"/>
-              <a:buFont typeface="Wingdings" charset="2"/>
-              <a:buChar char=""/>
-            </a:pPr>
-            <a:r>
-              <a:rPr b="0" lang="fr-FR" sz="2000" spc="-1" strike="noStrike">
-                <a:solidFill>
-                  <a:srgbClr val="000000"/>
-                </a:solidFill>
-                <a:latin typeface="Arial"/>
-              </a:rPr>
-              <a:t>Sixième niveau de plan</a:t>
-            </a:r>
-            <a:endParaRPr b="0" lang="fr-FR" sz="2000" spc="-1" strike="noStrike">
-              <a:solidFill>
-                <a:srgbClr val="000000"/>
-              </a:solidFill>
-              <a:latin typeface="Arial"/>
-            </a:endParaRPr>
-          </a:p>
-          <a:p>
-            <a:pPr lvl="6" marL="3024000" indent="-216000">
-              <a:spcBef>
-                <a:spcPts val="283"/>
-              </a:spcBef>
-              <a:buClr>
-                <a:srgbClr val="000000"/>
-              </a:buClr>
-              <a:buSzPct val="45000"/>
-              <a:buFont typeface="Wingdings" charset="2"/>
-              <a:buChar char=""/>
-            </a:pPr>
-            <a:r>
-              <a:rPr b="0" lang="fr-FR" sz="2000" spc="-1" strike="noStrike">
-                <a:solidFill>
-                  <a:srgbClr val="000000"/>
-                </a:solidFill>
-                <a:latin typeface="Arial"/>
-              </a:rPr>
-              <a:t>Septième niveau de plan</a:t>
-            </a:r>
-            <a:endParaRPr b="0" lang="fr-FR" sz="2000" spc="-1" strike="noStrike">
-              <a:solidFill>
-                <a:srgbClr val="000000"/>
-              </a:solidFill>
-              <a:latin typeface="Arial"/>
-            </a:endParaRPr>
-          </a:p>
-        </p:txBody>
-      </p:sp>
-    </p:spTree>
-  </p:cSld>
-  <p:clrMap bg1="lt1" bg2="lt2" tx1="dk1" tx2="dk2" accent1="accent1" accent2="accent2" accent3="accent3" accent4="accent4" accent5="accent5" accent6="accent6" hlink="hlink" folHlink="folHlink"/>
-  <p:sldLayoutIdLst>
-    <p:sldLayoutId id="2147483662" r:id="rId3"/>
-    <p:sldLayoutId id="2147483663" r:id="rId4"/>
-    <p:sldLayoutId id="2147483664" r:id="rId5"/>
-    <p:sldLayoutId id="2147483665" r:id="rId6"/>
-    <p:sldLayoutId id="2147483666" r:id="rId7"/>
-    <p:sldLayoutId id="2147483667" r:id="rId8"/>
-    <p:sldLayoutId id="2147483668" r:id="rId9"/>
-    <p:sldLayoutId id="2147483669" r:id="rId10"/>
-    <p:sldLayoutId id="2147483670" r:id="rId11"/>
-    <p:sldLayoutId id="2147483671" r:id="rId12"/>
-    <p:sldLayoutId id="2147483672" r:id="rId13"/>
-    <p:sldLayoutId id="2147483673" r:id="rId14"/>
   </p:sldLayoutIdLst>
 </p:sldMaster>
 </file>
@@ -7819,14 +4510,14 @@
       </p:grpSpPr>
       <p:sp>
         <p:nvSpPr>
-          <p:cNvPr id="102" name=""/>
+          <p:cNvPr id="55" name=""/>
           <p:cNvSpPr/>
           <p:nvPr/>
         </p:nvSpPr>
         <p:spPr>
           <a:xfrm>
             <a:off x="1260000" y="1980000"/>
-            <a:ext cx="6478560" cy="3495240"/>
+            <a:ext cx="6478200" cy="3494880"/>
           </a:xfrm>
           <a:prstGeom prst="rect">
             <a:avLst/>
@@ -7878,6 +4569,48 @@
                 <a:srgbClr val="000000"/>
               </a:solidFill>
               <a:latin typeface="Arial"/>
+            </a:endParaRPr>
+          </a:p>
+        </p:txBody>
+      </p:sp>
+      <p:sp>
+        <p:nvSpPr>
+          <p:cNvPr id="56" name=""/>
+          <p:cNvSpPr txBox="1"/>
+          <p:nvPr/>
+        </p:nvSpPr>
+        <p:spPr>
+          <a:xfrm>
+            <a:off x="8820000" y="6480000"/>
+            <a:ext cx="379080" cy="427320"/>
+          </a:xfrm>
+          <a:prstGeom prst="rect">
+            <a:avLst/>
+          </a:prstGeom>
+          <a:noFill/>
+          <a:ln w="0">
+            <a:noFill/>
+          </a:ln>
+        </p:spPr>
+        <p:txBody>
+          <a:bodyPr lIns="90000" rIns="90000" tIns="45000" bIns="45000" anchor="t">
+            <a:noAutofit/>
+          </a:bodyPr>
+          <a:p>
+            <a:fld id="{E58CCB12-0F58-45C2-8900-C193B37136E6}" type="slidenum">
+              <a:rPr b="0" lang="fr-FR" sz="2400" spc="-1" strike="noStrike">
+                <a:solidFill>
+                  <a:srgbClr val="000000"/>
+                </a:solidFill>
+                <a:latin typeface="Times New Roman"/>
+              </a:rPr>
+              <a:t>&lt;numéro&gt;</a:t>
+            </a:fld>
+            <a:endParaRPr b="0" lang="fr-FR" sz="2400" spc="-1" strike="noStrike">
+              <a:solidFill>
+                <a:srgbClr val="000000"/>
+              </a:solidFill>
+              <a:latin typeface="Times New Roman"/>
             </a:endParaRPr>
           </a:p>
         </p:txBody>
@@ -7896,7 +4629,7 @@
         <p:txBody>
           <a:bodyPr/>
           <a:p>
-            <a:fld id="{6678395E-E592-4DFB-8C95-8A3EEB41BA4B}" type="slidenum">
+            <a:fld id="{0C7D9630-1C45-4BFF-AB17-2BEB3CB13D75}" type="slidenum">
               <a:t>1</a:t>
             </a:fld>
           </a:p>
@@ -7934,7 +4667,7 @@
       </p:grpSpPr>
       <p:sp>
         <p:nvSpPr>
-          <p:cNvPr id="140" name="PlaceHolder 1"/>
+          <p:cNvPr id="102" name="PlaceHolder 1"/>
           <p:cNvSpPr>
             <a:spLocks noGrp="1"/>
           </p:cNvSpPr>
@@ -7945,7 +4678,7 @@
         <p:spPr>
           <a:xfrm>
             <a:off x="1008000" y="260280"/>
-            <a:ext cx="7846560" cy="358200"/>
+            <a:ext cx="7846200" cy="357840"/>
           </a:xfrm>
           <a:prstGeom prst="rect">
             <a:avLst/>
@@ -7990,7 +4723,7 @@
       </p:sp>
       <p:sp>
         <p:nvSpPr>
-          <p:cNvPr id="141" name="PlaceHolder 2"/>
+          <p:cNvPr id="103" name="PlaceHolder 2"/>
           <p:cNvSpPr>
             <a:spLocks noGrp="1"/>
           </p:cNvSpPr>
@@ -8001,7 +4734,7 @@
         <p:spPr>
           <a:xfrm>
             <a:off x="107640" y="1260000"/>
-            <a:ext cx="2950560" cy="1105560"/>
+            <a:ext cx="2950200" cy="1105200"/>
           </a:xfrm>
           <a:prstGeom prst="rect">
             <a:avLst/>
@@ -8053,7 +4786,7 @@
       </p:sp>
       <p:pic>
         <p:nvPicPr>
-          <p:cNvPr id="142" name="" descr=""/>
+          <p:cNvPr id="104" name="" descr=""/>
           <p:cNvPicPr/>
           <p:nvPr/>
         </p:nvPicPr>
@@ -8064,7 +4797,7 @@
         <p:spPr>
           <a:xfrm>
             <a:off x="3373920" y="720000"/>
-            <a:ext cx="4365000" cy="5187960"/>
+            <a:ext cx="4364640" cy="5187600"/>
           </a:xfrm>
           <a:prstGeom prst="rect">
             <a:avLst/>
@@ -8074,6 +4807,48 @@
           </a:ln>
         </p:spPr>
       </p:pic>
+      <p:sp>
+        <p:nvSpPr>
+          <p:cNvPr id="105" name=""/>
+          <p:cNvSpPr txBox="1"/>
+          <p:nvPr/>
+        </p:nvSpPr>
+        <p:spPr>
+          <a:xfrm>
+            <a:off x="8729640" y="6431040"/>
+            <a:ext cx="485640" cy="427320"/>
+          </a:xfrm>
+          <a:prstGeom prst="rect">
+            <a:avLst/>
+          </a:prstGeom>
+          <a:noFill/>
+          <a:ln w="0">
+            <a:noFill/>
+          </a:ln>
+        </p:spPr>
+        <p:txBody>
+          <a:bodyPr lIns="90000" rIns="90000" tIns="45000" bIns="45000" anchor="t">
+            <a:noAutofit/>
+          </a:bodyPr>
+          <a:p>
+            <a:fld id="{DCCAA6C9-9D06-4F6A-BF9B-CAC1F5CCE96F}" type="slidenum">
+              <a:rPr b="0" lang="fr-FR" sz="2400" spc="-1" strike="noStrike">
+                <a:solidFill>
+                  <a:srgbClr val="000000"/>
+                </a:solidFill>
+                <a:latin typeface="Times New Roman"/>
+              </a:rPr>
+              <a:t>&lt;numéro&gt;</a:t>
+            </a:fld>
+            <a:endParaRPr b="0" lang="fr-FR" sz="2400" spc="-1" strike="noStrike">
+              <a:solidFill>
+                <a:srgbClr val="000000"/>
+              </a:solidFill>
+              <a:latin typeface="Times New Roman"/>
+            </a:endParaRPr>
+          </a:p>
+        </p:txBody>
+      </p:sp>
       <p:sp>
         <p:nvSpPr>
           <p:cNvPr id="4" name="PlaceHolder 3"/>
@@ -8088,7 +4863,7 @@
         <p:txBody>
           <a:bodyPr/>
           <a:p>
-            <a:fld id="{73514C0F-63FC-4D1C-A8E6-983BEBB472A0}" type="slidenum">
+            <a:fld id="{65A9A6FA-B927-4409-B9A0-FCC25FA7EE1A}" type="slidenum">
               <a:t>10</a:t>
             </a:fld>
           </a:p>
@@ -8126,7 +4901,7 @@
       </p:grpSpPr>
       <p:pic>
         <p:nvPicPr>
-          <p:cNvPr id="143" name="" descr=""/>
+          <p:cNvPr id="106" name="" descr=""/>
           <p:cNvPicPr/>
           <p:nvPr/>
         </p:nvPicPr>
@@ -8137,7 +4912,7 @@
         <p:spPr>
           <a:xfrm>
             <a:off x="4548240" y="696960"/>
-            <a:ext cx="4091040" cy="2902320"/>
+            <a:ext cx="4090680" cy="2901960"/>
           </a:xfrm>
           <a:prstGeom prst="rect">
             <a:avLst/>
@@ -8149,14 +4924,14 @@
       </p:pic>
       <p:sp>
         <p:nvSpPr>
-          <p:cNvPr id="144" name=""/>
+          <p:cNvPr id="107" name=""/>
           <p:cNvSpPr/>
           <p:nvPr/>
         </p:nvSpPr>
         <p:spPr>
           <a:xfrm>
             <a:off x="360000" y="900000"/>
-            <a:ext cx="3959280" cy="899280"/>
+            <a:ext cx="3958920" cy="898920"/>
           </a:xfrm>
           <a:prstGeom prst="rect">
             <a:avLst/>
@@ -8202,7 +4977,7 @@
       </p:sp>
       <p:pic>
         <p:nvPicPr>
-          <p:cNvPr id="145" name="" descr=""/>
+          <p:cNvPr id="108" name="" descr=""/>
           <p:cNvPicPr/>
           <p:nvPr/>
         </p:nvPicPr>
@@ -8213,7 +4988,7 @@
         <p:spPr>
           <a:xfrm>
             <a:off x="180000" y="3683880"/>
-            <a:ext cx="8503560" cy="2399400"/>
+            <a:ext cx="8503200" cy="2399040"/>
           </a:xfrm>
           <a:prstGeom prst="rect">
             <a:avLst/>
@@ -8225,14 +5000,14 @@
       </p:pic>
       <p:sp>
         <p:nvSpPr>
-          <p:cNvPr id="146" name=""/>
+          <p:cNvPr id="109" name=""/>
           <p:cNvSpPr/>
           <p:nvPr/>
         </p:nvSpPr>
         <p:spPr>
           <a:xfrm>
             <a:off x="360000" y="3240000"/>
-            <a:ext cx="3959280" cy="359280"/>
+            <a:ext cx="3958920" cy="358920"/>
           </a:xfrm>
           <a:prstGeom prst="rect">
             <a:avLst/>
@@ -8272,6 +5047,48 @@
                 <a:srgbClr val="000000"/>
               </a:solidFill>
               <a:latin typeface="Arial"/>
+            </a:endParaRPr>
+          </a:p>
+        </p:txBody>
+      </p:sp>
+      <p:sp>
+        <p:nvSpPr>
+          <p:cNvPr id="110" name=""/>
+          <p:cNvSpPr txBox="1"/>
+          <p:nvPr/>
+        </p:nvSpPr>
+        <p:spPr>
+          <a:xfrm>
+            <a:off x="8730000" y="6431400"/>
+            <a:ext cx="485640" cy="427320"/>
+          </a:xfrm>
+          <a:prstGeom prst="rect">
+            <a:avLst/>
+          </a:prstGeom>
+          <a:noFill/>
+          <a:ln w="0">
+            <a:noFill/>
+          </a:ln>
+        </p:spPr>
+        <p:txBody>
+          <a:bodyPr lIns="90000" rIns="90000" tIns="45000" bIns="45000" anchor="t">
+            <a:noAutofit/>
+          </a:bodyPr>
+          <a:p>
+            <a:fld id="{CBD14C37-CAAA-45F4-A398-18A723F4C782}" type="slidenum">
+              <a:rPr b="0" lang="fr-FR" sz="2400" spc="-1" strike="noStrike">
+                <a:solidFill>
+                  <a:srgbClr val="000000"/>
+                </a:solidFill>
+                <a:latin typeface="Times New Roman"/>
+              </a:rPr>
+              <a:t>&lt;numéro&gt;</a:t>
+            </a:fld>
+            <a:endParaRPr b="0" lang="fr-FR" sz="2400" spc="-1" strike="noStrike">
+              <a:solidFill>
+                <a:srgbClr val="000000"/>
+              </a:solidFill>
+              <a:latin typeface="Times New Roman"/>
             </a:endParaRPr>
           </a:p>
         </p:txBody>
@@ -8290,7 +5107,7 @@
         <p:txBody>
           <a:bodyPr/>
           <a:p>
-            <a:fld id="{AAA1AEF8-F4A3-4FE1-89BD-16CF0A08A3E0}" type="slidenum">
+            <a:fld id="{F498B5C1-5789-4FF9-96B8-8D31C6AE7C28}" type="slidenum">
               <a:t>11</a:t>
             </a:fld>
           </a:p>
@@ -8328,14 +5145,14 @@
       </p:grpSpPr>
       <p:sp>
         <p:nvSpPr>
-          <p:cNvPr id="147" name=""/>
+          <p:cNvPr id="111" name=""/>
           <p:cNvSpPr/>
           <p:nvPr/>
         </p:nvSpPr>
         <p:spPr>
           <a:xfrm>
             <a:off x="540000" y="1080000"/>
-            <a:ext cx="3419280" cy="899280"/>
+            <a:ext cx="3418920" cy="898920"/>
           </a:xfrm>
           <a:prstGeom prst="rect">
             <a:avLst/>
@@ -8381,7 +5198,7 @@
       </p:sp>
       <p:pic>
         <p:nvPicPr>
-          <p:cNvPr id="148" name="" descr=""/>
+          <p:cNvPr id="112" name="" descr=""/>
           <p:cNvPicPr/>
           <p:nvPr/>
         </p:nvPicPr>
@@ -8392,7 +5209,7 @@
         <p:spPr>
           <a:xfrm>
             <a:off x="3816000" y="684000"/>
-            <a:ext cx="3923280" cy="1789560"/>
+            <a:ext cx="3922920" cy="1789200"/>
           </a:xfrm>
           <a:prstGeom prst="rect">
             <a:avLst/>
@@ -8404,14 +5221,14 @@
       </p:pic>
       <p:sp>
         <p:nvSpPr>
-          <p:cNvPr id="149" name=""/>
+          <p:cNvPr id="113" name=""/>
           <p:cNvSpPr/>
           <p:nvPr/>
         </p:nvSpPr>
         <p:spPr>
           <a:xfrm>
             <a:off x="540000" y="2880000"/>
-            <a:ext cx="3599280" cy="1439280"/>
+            <a:ext cx="3598920" cy="1438920"/>
           </a:xfrm>
           <a:prstGeom prst="rect">
             <a:avLst/>
@@ -8469,7 +5286,7 @@
       </p:sp>
       <p:pic>
         <p:nvPicPr>
-          <p:cNvPr id="150" name="" descr=""/>
+          <p:cNvPr id="114" name="" descr=""/>
           <p:cNvPicPr/>
           <p:nvPr/>
         </p:nvPicPr>
@@ -8480,7 +5297,7 @@
         <p:spPr>
           <a:xfrm>
             <a:off x="669600" y="4680000"/>
-            <a:ext cx="6709680" cy="359280"/>
+            <a:ext cx="6709320" cy="358920"/>
           </a:xfrm>
           <a:prstGeom prst="rect">
             <a:avLst/>
@@ -8490,6 +5307,48 @@
           </a:ln>
         </p:spPr>
       </p:pic>
+      <p:sp>
+        <p:nvSpPr>
+          <p:cNvPr id="115" name=""/>
+          <p:cNvSpPr txBox="1"/>
+          <p:nvPr/>
+        </p:nvSpPr>
+        <p:spPr>
+          <a:xfrm>
+            <a:off x="8730000" y="6431400"/>
+            <a:ext cx="485640" cy="427320"/>
+          </a:xfrm>
+          <a:prstGeom prst="rect">
+            <a:avLst/>
+          </a:prstGeom>
+          <a:noFill/>
+          <a:ln w="0">
+            <a:noFill/>
+          </a:ln>
+        </p:spPr>
+        <p:txBody>
+          <a:bodyPr lIns="90000" rIns="90000" tIns="45000" bIns="45000" anchor="t">
+            <a:noAutofit/>
+          </a:bodyPr>
+          <a:p>
+            <a:fld id="{29CB932D-D62D-4846-BCBA-FDD4AF351C3F}" type="slidenum">
+              <a:rPr b="0" lang="fr-FR" sz="2400" spc="-1" strike="noStrike">
+                <a:solidFill>
+                  <a:srgbClr val="000000"/>
+                </a:solidFill>
+                <a:latin typeface="Times New Roman"/>
+              </a:rPr>
+              <a:t>&lt;numéro&gt;</a:t>
+            </a:fld>
+            <a:endParaRPr b="0" lang="fr-FR" sz="2400" spc="-1" strike="noStrike">
+              <a:solidFill>
+                <a:srgbClr val="000000"/>
+              </a:solidFill>
+              <a:latin typeface="Times New Roman"/>
+            </a:endParaRPr>
+          </a:p>
+        </p:txBody>
+      </p:sp>
       <p:sp>
         <p:nvSpPr>
           <p:cNvPr id="2" name="PlaceHolder 1"/>
@@ -8504,7 +5363,7 @@
         <p:txBody>
           <a:bodyPr/>
           <a:p>
-            <a:fld id="{85AEBD76-5867-481A-A927-944B2563ADDB}" type="slidenum">
+            <a:fld id="{E7207D23-0B4C-46A7-89BA-9448D6BF7531}" type="slidenum">
               <a:t>12</a:t>
             </a:fld>
           </a:p>
@@ -8542,14 +5401,14 @@
       </p:grpSpPr>
       <p:sp>
         <p:nvSpPr>
-          <p:cNvPr id="151" name=""/>
+          <p:cNvPr id="116" name=""/>
           <p:cNvSpPr/>
           <p:nvPr/>
         </p:nvSpPr>
         <p:spPr>
           <a:xfrm>
             <a:off x="576000" y="1306440"/>
-            <a:ext cx="8099280" cy="539280"/>
+            <a:ext cx="8098920" cy="538920"/>
           </a:xfrm>
           <a:prstGeom prst="rect">
             <a:avLst/>
@@ -8595,7 +5454,7 @@
       </p:sp>
       <p:pic>
         <p:nvPicPr>
-          <p:cNvPr id="152" name="" descr=""/>
+          <p:cNvPr id="117" name="" descr=""/>
           <p:cNvPicPr/>
           <p:nvPr/>
         </p:nvPicPr>
@@ -8606,7 +5465,7 @@
         <p:spPr>
           <a:xfrm>
             <a:off x="0" y="1846440"/>
-            <a:ext cx="9142920" cy="2588400"/>
+            <a:ext cx="9142560" cy="2588040"/>
           </a:xfrm>
           <a:prstGeom prst="rect">
             <a:avLst/>
@@ -8618,14 +5477,14 @@
       </p:pic>
       <p:sp>
         <p:nvSpPr>
-          <p:cNvPr id="153" name=""/>
+          <p:cNvPr id="118" name=""/>
           <p:cNvSpPr/>
           <p:nvPr/>
         </p:nvSpPr>
         <p:spPr>
           <a:xfrm>
             <a:off x="936000" y="4680000"/>
-            <a:ext cx="7199280" cy="719280"/>
+            <a:ext cx="7198920" cy="718920"/>
           </a:xfrm>
           <a:prstGeom prst="rect">
             <a:avLst/>
@@ -8671,7 +5530,7 @@
       </p:sp>
       <p:pic>
         <p:nvPicPr>
-          <p:cNvPr id="154" name="" descr=""/>
+          <p:cNvPr id="119" name="" descr=""/>
           <p:cNvPicPr/>
           <p:nvPr/>
         </p:nvPicPr>
@@ -8682,7 +5541,7 @@
         <p:spPr>
           <a:xfrm>
             <a:off x="862200" y="5336640"/>
-            <a:ext cx="7319520" cy="719280"/>
+            <a:ext cx="7319160" cy="718920"/>
           </a:xfrm>
           <a:prstGeom prst="rect">
             <a:avLst/>
@@ -8692,6 +5551,48 @@
           </a:ln>
         </p:spPr>
       </p:pic>
+      <p:sp>
+        <p:nvSpPr>
+          <p:cNvPr id="120" name=""/>
+          <p:cNvSpPr txBox="1"/>
+          <p:nvPr/>
+        </p:nvSpPr>
+        <p:spPr>
+          <a:xfrm>
+            <a:off x="8730000" y="6431400"/>
+            <a:ext cx="485640" cy="427320"/>
+          </a:xfrm>
+          <a:prstGeom prst="rect">
+            <a:avLst/>
+          </a:prstGeom>
+          <a:noFill/>
+          <a:ln w="0">
+            <a:noFill/>
+          </a:ln>
+        </p:spPr>
+        <p:txBody>
+          <a:bodyPr lIns="90000" rIns="90000" tIns="45000" bIns="45000" anchor="t">
+            <a:noAutofit/>
+          </a:bodyPr>
+          <a:p>
+            <a:fld id="{36B22B58-5FC3-421C-A9DC-571B5DCD8BA7}" type="slidenum">
+              <a:rPr b="0" lang="fr-FR" sz="2400" spc="-1" strike="noStrike">
+                <a:solidFill>
+                  <a:srgbClr val="000000"/>
+                </a:solidFill>
+                <a:latin typeface="Times New Roman"/>
+              </a:rPr>
+              <a:t>&lt;numéro&gt;</a:t>
+            </a:fld>
+            <a:endParaRPr b="0" lang="fr-FR" sz="2400" spc="-1" strike="noStrike">
+              <a:solidFill>
+                <a:srgbClr val="000000"/>
+              </a:solidFill>
+              <a:latin typeface="Times New Roman"/>
+            </a:endParaRPr>
+          </a:p>
+        </p:txBody>
+      </p:sp>
       <p:sp>
         <p:nvSpPr>
           <p:cNvPr id="2" name="PlaceHolder 1"/>
@@ -8706,7 +5607,7 @@
         <p:txBody>
           <a:bodyPr/>
           <a:p>
-            <a:fld id="{F5A5D406-F559-43ED-8E94-D398252F397D}" type="slidenum">
+            <a:fld id="{20AE6625-6079-445E-A542-9D91B77CBAF8}" type="slidenum">
               <a:t>13</a:t>
             </a:fld>
           </a:p>
@@ -8744,14 +5645,14 @@
       </p:grpSpPr>
       <p:sp>
         <p:nvSpPr>
-          <p:cNvPr id="155" name=""/>
+          <p:cNvPr id="121" name=""/>
           <p:cNvSpPr/>
           <p:nvPr/>
         </p:nvSpPr>
         <p:spPr>
           <a:xfrm>
             <a:off x="540000" y="900000"/>
-            <a:ext cx="2699280" cy="539280"/>
+            <a:ext cx="2698920" cy="538920"/>
           </a:xfrm>
           <a:prstGeom prst="rect">
             <a:avLst/>
@@ -8797,7 +5698,7 @@
       </p:sp>
       <p:pic>
         <p:nvPicPr>
-          <p:cNvPr id="156" name="" descr=""/>
+          <p:cNvPr id="122" name="" descr=""/>
           <p:cNvPicPr/>
           <p:nvPr/>
         </p:nvPicPr>
@@ -8808,7 +5709,7 @@
         <p:spPr>
           <a:xfrm>
             <a:off x="25200" y="1474560"/>
-            <a:ext cx="9142920" cy="1283040"/>
+            <a:ext cx="9142560" cy="1282680"/>
           </a:xfrm>
           <a:prstGeom prst="rect">
             <a:avLst/>
@@ -8818,6 +5719,48 @@
           </a:ln>
         </p:spPr>
       </p:pic>
+      <p:sp>
+        <p:nvSpPr>
+          <p:cNvPr id="123" name=""/>
+          <p:cNvSpPr txBox="1"/>
+          <p:nvPr/>
+        </p:nvSpPr>
+        <p:spPr>
+          <a:xfrm>
+            <a:off x="8730000" y="6431400"/>
+            <a:ext cx="485640" cy="427320"/>
+          </a:xfrm>
+          <a:prstGeom prst="rect">
+            <a:avLst/>
+          </a:prstGeom>
+          <a:noFill/>
+          <a:ln w="0">
+            <a:noFill/>
+          </a:ln>
+        </p:spPr>
+        <p:txBody>
+          <a:bodyPr lIns="90000" rIns="90000" tIns="45000" bIns="45000" anchor="t">
+            <a:noAutofit/>
+          </a:bodyPr>
+          <a:p>
+            <a:fld id="{042BBD4D-1056-4CFF-AA22-726DE1C583ED}" type="slidenum">
+              <a:rPr b="0" lang="fr-FR" sz="2400" spc="-1" strike="noStrike">
+                <a:solidFill>
+                  <a:srgbClr val="000000"/>
+                </a:solidFill>
+                <a:latin typeface="Times New Roman"/>
+              </a:rPr>
+              <a:t>&lt;numéro&gt;</a:t>
+            </a:fld>
+            <a:endParaRPr b="0" lang="fr-FR" sz="2400" spc="-1" strike="noStrike">
+              <a:solidFill>
+                <a:srgbClr val="000000"/>
+              </a:solidFill>
+              <a:latin typeface="Times New Roman"/>
+            </a:endParaRPr>
+          </a:p>
+        </p:txBody>
+      </p:sp>
       <p:sp>
         <p:nvSpPr>
           <p:cNvPr id="2" name="PlaceHolder 1"/>
@@ -8832,7 +5775,7 @@
         <p:txBody>
           <a:bodyPr/>
           <a:p>
-            <a:fld id="{9A757339-BC46-4AC4-92B7-4EF63C227469}" type="slidenum">
+            <a:fld id="{5AB90059-2229-468A-AD13-58C086CDD5D9}" type="slidenum">
               <a:t>14</a:t>
             </a:fld>
           </a:p>
@@ -8870,14 +5813,14 @@
       </p:grpSpPr>
       <p:sp>
         <p:nvSpPr>
-          <p:cNvPr id="157" name=""/>
+          <p:cNvPr id="124" name=""/>
           <p:cNvSpPr/>
           <p:nvPr/>
         </p:nvSpPr>
         <p:spPr>
           <a:xfrm>
             <a:off x="360000" y="900000"/>
-            <a:ext cx="4679280" cy="899280"/>
+            <a:ext cx="4678920" cy="898920"/>
           </a:xfrm>
           <a:prstGeom prst="rect">
             <a:avLst/>
@@ -8923,7 +5866,7 @@
       </p:sp>
       <p:pic>
         <p:nvPicPr>
-          <p:cNvPr id="158" name="" descr=""/>
+          <p:cNvPr id="125" name="" descr=""/>
           <p:cNvPicPr/>
           <p:nvPr/>
         </p:nvPicPr>
@@ -8934,7 +5877,7 @@
         <p:spPr>
           <a:xfrm>
             <a:off x="442080" y="1908000"/>
-            <a:ext cx="3337200" cy="1979280"/>
+            <a:ext cx="3336840" cy="1978920"/>
           </a:xfrm>
           <a:prstGeom prst="rect">
             <a:avLst/>
@@ -8946,7 +5889,7 @@
       </p:pic>
       <p:pic>
         <p:nvPicPr>
-          <p:cNvPr id="159" name="" descr=""/>
+          <p:cNvPr id="126" name="" descr=""/>
           <p:cNvPicPr/>
           <p:nvPr/>
         </p:nvPicPr>
@@ -8957,7 +5900,7 @@
         <p:spPr>
           <a:xfrm>
             <a:off x="5220000" y="1905480"/>
-            <a:ext cx="3239280" cy="1981800"/>
+            <a:ext cx="3238920" cy="1981440"/>
           </a:xfrm>
           <a:prstGeom prst="rect">
             <a:avLst/>
@@ -8969,14 +5912,14 @@
       </p:pic>
       <p:sp>
         <p:nvSpPr>
-          <p:cNvPr id="160" name=""/>
+          <p:cNvPr id="127" name=""/>
           <p:cNvSpPr/>
           <p:nvPr/>
         </p:nvSpPr>
         <p:spPr>
           <a:xfrm>
             <a:off x="1800000" y="4140000"/>
-            <a:ext cx="4499280" cy="601560"/>
+            <a:ext cx="4498920" cy="601200"/>
           </a:xfrm>
           <a:prstGeom prst="rect">
             <a:avLst/>
@@ -9044,14 +5987,14 @@
       </p:sp>
       <p:sp>
         <p:nvSpPr>
-          <p:cNvPr id="161" name=""/>
+          <p:cNvPr id="128" name=""/>
           <p:cNvSpPr/>
           <p:nvPr/>
         </p:nvSpPr>
         <p:spPr>
           <a:xfrm>
             <a:off x="360000" y="5040000"/>
-            <a:ext cx="5399280" cy="899280"/>
+            <a:ext cx="5398920" cy="898920"/>
           </a:xfrm>
           <a:prstGeom prst="rect">
             <a:avLst/>
@@ -9091,6 +6034,48 @@
                 <a:srgbClr val="000000"/>
               </a:solidFill>
               <a:latin typeface="Arial"/>
+            </a:endParaRPr>
+          </a:p>
+        </p:txBody>
+      </p:sp>
+      <p:sp>
+        <p:nvSpPr>
+          <p:cNvPr id="129" name=""/>
+          <p:cNvSpPr txBox="1"/>
+          <p:nvPr/>
+        </p:nvSpPr>
+        <p:spPr>
+          <a:xfrm>
+            <a:off x="8730000" y="6431400"/>
+            <a:ext cx="485640" cy="427320"/>
+          </a:xfrm>
+          <a:prstGeom prst="rect">
+            <a:avLst/>
+          </a:prstGeom>
+          <a:noFill/>
+          <a:ln w="0">
+            <a:noFill/>
+          </a:ln>
+        </p:spPr>
+        <p:txBody>
+          <a:bodyPr lIns="90000" rIns="90000" tIns="45000" bIns="45000" anchor="t">
+            <a:noAutofit/>
+          </a:bodyPr>
+          <a:p>
+            <a:fld id="{74327D70-6B95-4D78-AA6C-539C5CA6A9A7}" type="slidenum">
+              <a:rPr b="0" lang="fr-FR" sz="2400" spc="-1" strike="noStrike">
+                <a:solidFill>
+                  <a:srgbClr val="000000"/>
+                </a:solidFill>
+                <a:latin typeface="Times New Roman"/>
+              </a:rPr>
+              <a:t>&lt;numéro&gt;</a:t>
+            </a:fld>
+            <a:endParaRPr b="0" lang="fr-FR" sz="2400" spc="-1" strike="noStrike">
+              <a:solidFill>
+                <a:srgbClr val="000000"/>
+              </a:solidFill>
+              <a:latin typeface="Times New Roman"/>
             </a:endParaRPr>
           </a:p>
         </p:txBody>
@@ -9109,7 +6094,7 @@
         <p:txBody>
           <a:bodyPr/>
           <a:p>
-            <a:fld id="{E0D6D0A5-D1B6-4785-AC79-9125AFC2DED3}" type="slidenum">
+            <a:fld id="{C0F4428D-9271-4FE9-91AD-9EA4BC0557E2}" type="slidenum">
               <a:t>15</a:t>
             </a:fld>
           </a:p>
@@ -9147,14 +6132,14 @@
       </p:grpSpPr>
       <p:sp>
         <p:nvSpPr>
-          <p:cNvPr id="162" name=""/>
+          <p:cNvPr id="130" name=""/>
           <p:cNvSpPr/>
           <p:nvPr/>
         </p:nvSpPr>
         <p:spPr>
           <a:xfrm>
             <a:off x="363240" y="720000"/>
-            <a:ext cx="5579280" cy="601560"/>
+            <a:ext cx="5578920" cy="601200"/>
           </a:xfrm>
           <a:prstGeom prst="rect">
             <a:avLst/>
@@ -9200,7 +6185,7 @@
       </p:sp>
       <p:pic>
         <p:nvPicPr>
-          <p:cNvPr id="163" name="" descr=""/>
+          <p:cNvPr id="131" name="" descr=""/>
           <p:cNvPicPr/>
           <p:nvPr/>
         </p:nvPicPr>
@@ -9211,7 +6196,7 @@
         <p:spPr>
           <a:xfrm>
             <a:off x="360000" y="1303200"/>
-            <a:ext cx="4502520" cy="1576080"/>
+            <a:ext cx="4502160" cy="1575720"/>
           </a:xfrm>
           <a:prstGeom prst="rect">
             <a:avLst/>
@@ -9223,14 +6208,14 @@
       </p:pic>
       <p:sp>
         <p:nvSpPr>
-          <p:cNvPr id="164" name=""/>
+          <p:cNvPr id="132" name=""/>
           <p:cNvSpPr/>
           <p:nvPr/>
         </p:nvSpPr>
         <p:spPr>
           <a:xfrm>
             <a:off x="4863240" y="1800000"/>
-            <a:ext cx="3239280" cy="359280"/>
+            <a:ext cx="3238920" cy="358920"/>
           </a:xfrm>
           <a:prstGeom prst="rect">
             <a:avLst/>
@@ -9285,7 +6270,7 @@
       </p:sp>
       <p:pic>
         <p:nvPicPr>
-          <p:cNvPr id="165" name="" descr=""/>
+          <p:cNvPr id="133" name="" descr=""/>
           <p:cNvPicPr/>
           <p:nvPr/>
         </p:nvPicPr>
@@ -9296,7 +6281,7 @@
         <p:spPr>
           <a:xfrm>
             <a:off x="363240" y="3240000"/>
-            <a:ext cx="4714560" cy="2159280"/>
+            <a:ext cx="4714200" cy="2158920"/>
           </a:xfrm>
           <a:prstGeom prst="rect">
             <a:avLst/>
@@ -9308,14 +6293,14 @@
       </p:pic>
       <p:sp>
         <p:nvSpPr>
-          <p:cNvPr id="166" name=""/>
+          <p:cNvPr id="134" name=""/>
           <p:cNvSpPr/>
           <p:nvPr/>
         </p:nvSpPr>
         <p:spPr>
           <a:xfrm>
             <a:off x="5078520" y="4140000"/>
-            <a:ext cx="3239280" cy="601560"/>
+            <a:ext cx="3238920" cy="601200"/>
           </a:xfrm>
           <a:prstGeom prst="rect">
             <a:avLst/>
@@ -9370,14 +6355,14 @@
       </p:sp>
       <p:sp>
         <p:nvSpPr>
-          <p:cNvPr id="167" name=""/>
+          <p:cNvPr id="135" name=""/>
           <p:cNvSpPr/>
           <p:nvPr/>
         </p:nvSpPr>
         <p:spPr>
           <a:xfrm>
             <a:off x="540000" y="5493240"/>
-            <a:ext cx="8279280" cy="539280"/>
+            <a:ext cx="8278920" cy="538920"/>
           </a:xfrm>
           <a:prstGeom prst="rect">
             <a:avLst/>
@@ -9417,6 +6402,48 @@
                 <a:srgbClr val="000000"/>
               </a:solidFill>
               <a:latin typeface="Arial"/>
+            </a:endParaRPr>
+          </a:p>
+        </p:txBody>
+      </p:sp>
+      <p:sp>
+        <p:nvSpPr>
+          <p:cNvPr id="136" name=""/>
+          <p:cNvSpPr txBox="1"/>
+          <p:nvPr/>
+        </p:nvSpPr>
+        <p:spPr>
+          <a:xfrm>
+            <a:off x="8730000" y="6431400"/>
+            <a:ext cx="485640" cy="427320"/>
+          </a:xfrm>
+          <a:prstGeom prst="rect">
+            <a:avLst/>
+          </a:prstGeom>
+          <a:noFill/>
+          <a:ln w="0">
+            <a:noFill/>
+          </a:ln>
+        </p:spPr>
+        <p:txBody>
+          <a:bodyPr lIns="90000" rIns="90000" tIns="45000" bIns="45000" anchor="t">
+            <a:noAutofit/>
+          </a:bodyPr>
+          <a:p>
+            <a:fld id="{2819CF58-7BB7-42A4-B008-98764B472F33}" type="slidenum">
+              <a:rPr b="0" lang="fr-FR" sz="2400" spc="-1" strike="noStrike">
+                <a:solidFill>
+                  <a:srgbClr val="000000"/>
+                </a:solidFill>
+                <a:latin typeface="Times New Roman"/>
+              </a:rPr>
+              <a:t>&lt;numéro&gt;</a:t>
+            </a:fld>
+            <a:endParaRPr b="0" lang="fr-FR" sz="2400" spc="-1" strike="noStrike">
+              <a:solidFill>
+                <a:srgbClr val="000000"/>
+              </a:solidFill>
+              <a:latin typeface="Times New Roman"/>
             </a:endParaRPr>
           </a:p>
         </p:txBody>
@@ -9435,7 +6462,7 @@
         <p:txBody>
           <a:bodyPr/>
           <a:p>
-            <a:fld id="{B9C0F2BD-031B-45AA-AAED-B8AF440B649C}" type="slidenum">
+            <a:fld id="{1952905C-41BC-496E-B099-8550E9E31C4D}" type="slidenum">
               <a:t>16</a:t>
             </a:fld>
           </a:p>
@@ -9473,14 +6500,14 @@
       </p:grpSpPr>
       <p:sp>
         <p:nvSpPr>
-          <p:cNvPr id="168" name=""/>
+          <p:cNvPr id="137" name=""/>
           <p:cNvSpPr/>
           <p:nvPr/>
         </p:nvSpPr>
         <p:spPr>
           <a:xfrm>
             <a:off x="900000" y="1062360"/>
-            <a:ext cx="7199280" cy="4696920"/>
+            <a:ext cx="7198920" cy="4696560"/>
           </a:xfrm>
           <a:prstGeom prst="rect">
             <a:avLst/>
@@ -9813,6 +6840,48 @@
                 <a:srgbClr val="000000"/>
               </a:solidFill>
               <a:latin typeface="Arial"/>
+            </a:endParaRPr>
+          </a:p>
+        </p:txBody>
+      </p:sp>
+      <p:sp>
+        <p:nvSpPr>
+          <p:cNvPr id="138" name=""/>
+          <p:cNvSpPr txBox="1"/>
+          <p:nvPr/>
+        </p:nvSpPr>
+        <p:spPr>
+          <a:xfrm>
+            <a:off x="8730000" y="6431400"/>
+            <a:ext cx="485640" cy="427320"/>
+          </a:xfrm>
+          <a:prstGeom prst="rect">
+            <a:avLst/>
+          </a:prstGeom>
+          <a:noFill/>
+          <a:ln w="0">
+            <a:noFill/>
+          </a:ln>
+        </p:spPr>
+        <p:txBody>
+          <a:bodyPr lIns="90000" rIns="90000" tIns="45000" bIns="45000" anchor="t">
+            <a:noAutofit/>
+          </a:bodyPr>
+          <a:p>
+            <a:fld id="{8FFA160D-A90B-4F90-A545-2F4F89B6B4B0}" type="slidenum">
+              <a:rPr b="0" lang="fr-FR" sz="2400" spc="-1" strike="noStrike">
+                <a:solidFill>
+                  <a:srgbClr val="000000"/>
+                </a:solidFill>
+                <a:latin typeface="Times New Roman"/>
+              </a:rPr>
+              <a:t>&lt;numéro&gt;</a:t>
+            </a:fld>
+            <a:endParaRPr b="0" lang="fr-FR" sz="2400" spc="-1" strike="noStrike">
+              <a:solidFill>
+                <a:srgbClr val="000000"/>
+              </a:solidFill>
+              <a:latin typeface="Times New Roman"/>
             </a:endParaRPr>
           </a:p>
         </p:txBody>
@@ -9831,7 +6900,7 @@
         <p:txBody>
           <a:bodyPr/>
           <a:p>
-            <a:fld id="{9B07FC2F-6EBE-469A-8AC9-5CA91F93FB45}" type="slidenum">
+            <a:fld id="{1569A91E-8779-4100-9813-C022D11320C8}" type="slidenum">
               <a:t>17</a:t>
             </a:fld>
           </a:p>
@@ -9869,7 +6938,7 @@
       </p:grpSpPr>
       <p:pic>
         <p:nvPicPr>
-          <p:cNvPr id="169" name="" descr=""/>
+          <p:cNvPr id="139" name="" descr=""/>
           <p:cNvPicPr/>
           <p:nvPr/>
         </p:nvPicPr>
@@ -9880,7 +6949,7 @@
         <p:spPr>
           <a:xfrm>
             <a:off x="288000" y="1800000"/>
-            <a:ext cx="3406320" cy="1979280"/>
+            <a:ext cx="3405960" cy="1978920"/>
           </a:xfrm>
           <a:prstGeom prst="rect">
             <a:avLst/>
@@ -9892,14 +6961,14 @@
       </p:pic>
       <p:sp>
         <p:nvSpPr>
-          <p:cNvPr id="170" name=""/>
+          <p:cNvPr id="140" name=""/>
           <p:cNvSpPr/>
           <p:nvPr/>
         </p:nvSpPr>
         <p:spPr>
           <a:xfrm>
             <a:off x="3816000" y="2592000"/>
-            <a:ext cx="1619280" cy="719280"/>
+            <a:ext cx="1618920" cy="718920"/>
           </a:xfrm>
           <a:prstGeom prst="rightArrow">
             <a:avLst>
@@ -9943,7 +7012,7 @@
       </p:sp>
       <p:pic>
         <p:nvPicPr>
-          <p:cNvPr id="171" name="" descr=""/>
+          <p:cNvPr id="141" name="" descr=""/>
           <p:cNvPicPr/>
           <p:nvPr/>
         </p:nvPicPr>
@@ -9954,7 +7023,7 @@
         <p:spPr>
           <a:xfrm>
             <a:off x="5488920" y="1810440"/>
-            <a:ext cx="3618360" cy="1968840"/>
+            <a:ext cx="3618000" cy="1968480"/>
           </a:xfrm>
           <a:prstGeom prst="rect">
             <a:avLst/>
@@ -9966,7 +7035,7 @@
       </p:pic>
       <p:pic>
         <p:nvPicPr>
-          <p:cNvPr id="172" name="" descr=""/>
+          <p:cNvPr id="142" name="" descr=""/>
           <p:cNvPicPr/>
           <p:nvPr/>
         </p:nvPicPr>
@@ -9977,7 +7046,7 @@
         <p:spPr>
           <a:xfrm>
             <a:off x="396000" y="4032000"/>
-            <a:ext cx="3239280" cy="1945080"/>
+            <a:ext cx="3238920" cy="1944720"/>
           </a:xfrm>
           <a:prstGeom prst="rect">
             <a:avLst/>
@@ -9989,14 +7058,14 @@
       </p:pic>
       <p:sp>
         <p:nvSpPr>
-          <p:cNvPr id="173" name=""/>
+          <p:cNvPr id="143" name=""/>
           <p:cNvSpPr/>
           <p:nvPr/>
         </p:nvSpPr>
         <p:spPr>
           <a:xfrm>
             <a:off x="3816000" y="4716000"/>
-            <a:ext cx="1619280" cy="719280"/>
+            <a:ext cx="1618920" cy="718920"/>
           </a:xfrm>
           <a:prstGeom prst="rightArrow">
             <a:avLst>
@@ -10040,7 +7109,7 @@
       </p:sp>
       <p:pic>
         <p:nvPicPr>
-          <p:cNvPr id="174" name="" descr=""/>
+          <p:cNvPr id="144" name="" descr=""/>
           <p:cNvPicPr/>
           <p:nvPr/>
         </p:nvPicPr>
@@ -10051,7 +7120,7 @@
         <p:spPr>
           <a:xfrm>
             <a:off x="5575320" y="4032000"/>
-            <a:ext cx="3389760" cy="1979280"/>
+            <a:ext cx="3389400" cy="1978920"/>
           </a:xfrm>
           <a:prstGeom prst="rect">
             <a:avLst/>
@@ -10063,14 +7132,14 @@
       </p:pic>
       <p:sp>
         <p:nvSpPr>
-          <p:cNvPr id="175" name=""/>
+          <p:cNvPr id="145" name=""/>
           <p:cNvSpPr/>
           <p:nvPr/>
         </p:nvSpPr>
         <p:spPr>
           <a:xfrm>
             <a:off x="360000" y="648000"/>
-            <a:ext cx="8639640" cy="1113840"/>
+            <a:ext cx="8639280" cy="1113480"/>
           </a:xfrm>
           <a:prstGeom prst="rect">
             <a:avLst/>
@@ -10176,6 +7245,48 @@
                 <a:srgbClr val="000000"/>
               </a:solidFill>
               <a:latin typeface="Arial"/>
+            </a:endParaRPr>
+          </a:p>
+        </p:txBody>
+      </p:sp>
+      <p:sp>
+        <p:nvSpPr>
+          <p:cNvPr id="146" name=""/>
+          <p:cNvSpPr txBox="1"/>
+          <p:nvPr/>
+        </p:nvSpPr>
+        <p:spPr>
+          <a:xfrm>
+            <a:off x="8730000" y="6431400"/>
+            <a:ext cx="485640" cy="427320"/>
+          </a:xfrm>
+          <a:prstGeom prst="rect">
+            <a:avLst/>
+          </a:prstGeom>
+          <a:noFill/>
+          <a:ln w="0">
+            <a:noFill/>
+          </a:ln>
+        </p:spPr>
+        <p:txBody>
+          <a:bodyPr lIns="90000" rIns="90000" tIns="45000" bIns="45000" anchor="t">
+            <a:noAutofit/>
+          </a:bodyPr>
+          <a:p>
+            <a:fld id="{82FA5052-FCBD-4F81-BFAA-8B064A144B25}" type="slidenum">
+              <a:rPr b="0" lang="fr-FR" sz="2400" spc="-1" strike="noStrike">
+                <a:solidFill>
+                  <a:srgbClr val="000000"/>
+                </a:solidFill>
+                <a:latin typeface="Times New Roman"/>
+              </a:rPr>
+              <a:t>&lt;numéro&gt;</a:t>
+            </a:fld>
+            <a:endParaRPr b="0" lang="fr-FR" sz="2400" spc="-1" strike="noStrike">
+              <a:solidFill>
+                <a:srgbClr val="000000"/>
+              </a:solidFill>
+              <a:latin typeface="Times New Roman"/>
             </a:endParaRPr>
           </a:p>
         </p:txBody>
@@ -10194,7 +7305,7 @@
         <p:txBody>
           <a:bodyPr/>
           <a:p>
-            <a:fld id="{CAA24EF8-82E3-4ADF-A1F8-6673DC8B7CE9}" type="slidenum">
+            <a:fld id="{E61DE2F9-A0AB-4118-82A5-9EBBF9BD725C}" type="slidenum">
               <a:t>18</a:t>
             </a:fld>
           </a:p>
@@ -10232,7 +7343,7 @@
       </p:grpSpPr>
       <p:pic>
         <p:nvPicPr>
-          <p:cNvPr id="176" name="" descr=""/>
+          <p:cNvPr id="147" name="" descr=""/>
           <p:cNvPicPr/>
           <p:nvPr/>
         </p:nvPicPr>
@@ -10243,7 +7354,7 @@
         <p:spPr>
           <a:xfrm>
             <a:off x="36000" y="36000"/>
-            <a:ext cx="5003280" cy="2959560"/>
+            <a:ext cx="5002920" cy="2959200"/>
           </a:xfrm>
           <a:prstGeom prst="rect">
             <a:avLst/>
@@ -10255,7 +7366,7 @@
       </p:pic>
       <p:pic>
         <p:nvPicPr>
-          <p:cNvPr id="177" name="" descr=""/>
+          <p:cNvPr id="148" name="" descr=""/>
           <p:cNvPicPr/>
           <p:nvPr/>
         </p:nvPicPr>
@@ -10266,7 +7377,7 @@
         <p:spPr>
           <a:xfrm>
             <a:off x="3780000" y="3017880"/>
-            <a:ext cx="5219280" cy="3043080"/>
+            <a:ext cx="5218920" cy="3042720"/>
           </a:xfrm>
           <a:prstGeom prst="rect">
             <a:avLst/>
@@ -10276,6 +7387,48 @@
           </a:ln>
         </p:spPr>
       </p:pic>
+      <p:sp>
+        <p:nvSpPr>
+          <p:cNvPr id="149" name=""/>
+          <p:cNvSpPr txBox="1"/>
+          <p:nvPr/>
+        </p:nvSpPr>
+        <p:spPr>
+          <a:xfrm>
+            <a:off x="8730000" y="6431400"/>
+            <a:ext cx="485640" cy="427320"/>
+          </a:xfrm>
+          <a:prstGeom prst="rect">
+            <a:avLst/>
+          </a:prstGeom>
+          <a:noFill/>
+          <a:ln w="0">
+            <a:noFill/>
+          </a:ln>
+        </p:spPr>
+        <p:txBody>
+          <a:bodyPr lIns="90000" rIns="90000" tIns="45000" bIns="45000" anchor="t">
+            <a:noAutofit/>
+          </a:bodyPr>
+          <a:p>
+            <a:fld id="{039763D9-6EF1-4AC5-B9F8-DC1B6A024FC6}" type="slidenum">
+              <a:rPr b="0" lang="fr-FR" sz="2400" spc="-1" strike="noStrike">
+                <a:solidFill>
+                  <a:srgbClr val="000000"/>
+                </a:solidFill>
+                <a:latin typeface="Times New Roman"/>
+              </a:rPr>
+              <a:t>&lt;numéro&gt;</a:t>
+            </a:fld>
+            <a:endParaRPr b="0" lang="fr-FR" sz="2400" spc="-1" strike="noStrike">
+              <a:solidFill>
+                <a:srgbClr val="000000"/>
+              </a:solidFill>
+              <a:latin typeface="Times New Roman"/>
+            </a:endParaRPr>
+          </a:p>
+        </p:txBody>
+      </p:sp>
       <p:sp>
         <p:nvSpPr>
           <p:cNvPr id="2" name="PlaceHolder 1"/>
@@ -10290,7 +7443,7 @@
         <p:txBody>
           <a:bodyPr/>
           <a:p>
-            <a:fld id="{9360FAA6-D274-490D-9434-FC8768814C81}" type="slidenum">
+            <a:fld id="{682941F5-D246-49C8-AD57-5349D9AAC2E3}" type="slidenum">
               <a:t>19</a:t>
             </a:fld>
           </a:p>
@@ -10328,14 +7481,14 @@
       </p:grpSpPr>
       <p:sp>
         <p:nvSpPr>
-          <p:cNvPr id="103" name="ZoneTexte 1"/>
+          <p:cNvPr id="57" name="ZoneTexte 1"/>
           <p:cNvSpPr/>
           <p:nvPr/>
         </p:nvSpPr>
         <p:spPr>
           <a:xfrm>
             <a:off x="610920" y="6134760"/>
-            <a:ext cx="5759280" cy="428760"/>
+            <a:ext cx="5758920" cy="428400"/>
           </a:xfrm>
           <a:prstGeom prst="rect">
             <a:avLst/>
@@ -10385,7 +7538,7 @@
       </p:sp>
       <p:sp>
         <p:nvSpPr>
-          <p:cNvPr id="104" name="PlaceHolder 1"/>
+          <p:cNvPr id="58" name="PlaceHolder 1"/>
           <p:cNvSpPr>
             <a:spLocks noGrp="1"/>
           </p:cNvSpPr>
@@ -10396,7 +7549,7 @@
         <p:spPr>
           <a:xfrm>
             <a:off x="467640" y="5301360"/>
-            <a:ext cx="5110560" cy="753840"/>
+            <a:ext cx="5110200" cy="753480"/>
           </a:xfrm>
           <a:prstGeom prst="rect">
             <a:avLst/>
@@ -10458,14 +7611,14 @@
       </p:sp>
       <p:sp>
         <p:nvSpPr>
-          <p:cNvPr id="105" name="Rectangle 8"/>
+          <p:cNvPr id="59" name="Rectangle 8"/>
           <p:cNvSpPr/>
           <p:nvPr/>
         </p:nvSpPr>
         <p:spPr>
           <a:xfrm>
             <a:off x="1925640" y="748080"/>
-            <a:ext cx="5290560" cy="5290560"/>
+            <a:ext cx="5290200" cy="5290200"/>
           </a:xfrm>
           <a:prstGeom prst="rect">
             <a:avLst/>
@@ -10516,7 +7669,7 @@
       </p:sp>
       <p:sp>
         <p:nvSpPr>
-          <p:cNvPr id="106" name="PlaceHolder 2"/>
+          <p:cNvPr id="60" name="PlaceHolder 2"/>
           <p:cNvSpPr>
             <a:spLocks noGrp="1"/>
           </p:cNvSpPr>
@@ -10527,7 +7680,7 @@
         <p:spPr>
           <a:xfrm>
             <a:off x="467640" y="1556640"/>
-            <a:ext cx="8206920" cy="2950200"/>
+            <a:ext cx="8206560" cy="2949840"/>
           </a:xfrm>
           <a:prstGeom prst="rect">
             <a:avLst/>
@@ -10633,14 +7786,14 @@
       </p:sp>
       <p:sp>
         <p:nvSpPr>
-          <p:cNvPr id="107" name="Espace réservé du texte 2"/>
+          <p:cNvPr id="61" name="Espace réservé du texte 2"/>
           <p:cNvSpPr/>
           <p:nvPr/>
         </p:nvSpPr>
         <p:spPr>
           <a:xfrm>
             <a:off x="6087240" y="5121720"/>
-            <a:ext cx="2910960" cy="769680"/>
+            <a:ext cx="2910600" cy="769320"/>
           </a:xfrm>
           <a:prstGeom prst="rect">
             <a:avLst/>
@@ -10726,6 +7879,48 @@
                 <a:srgbClr val="000000"/>
               </a:solidFill>
               <a:latin typeface="Arial"/>
+            </a:endParaRPr>
+          </a:p>
+        </p:txBody>
+      </p:sp>
+      <p:sp>
+        <p:nvSpPr>
+          <p:cNvPr id="62" name=""/>
+          <p:cNvSpPr txBox="1"/>
+          <p:nvPr/>
+        </p:nvSpPr>
+        <p:spPr>
+          <a:xfrm>
+            <a:off x="8820000" y="6430680"/>
+            <a:ext cx="379080" cy="427320"/>
+          </a:xfrm>
+          <a:prstGeom prst="rect">
+            <a:avLst/>
+          </a:prstGeom>
+          <a:noFill/>
+          <a:ln w="0">
+            <a:noFill/>
+          </a:ln>
+        </p:spPr>
+        <p:txBody>
+          <a:bodyPr lIns="90000" rIns="90000" tIns="45000" bIns="45000" anchor="t">
+            <a:noAutofit/>
+          </a:bodyPr>
+          <a:p>
+            <a:fld id="{A17BABC2-AAEC-45CD-934A-0844B8460BA5}" type="slidenum">
+              <a:rPr b="0" lang="fr-FR" sz="2400" spc="-1" strike="noStrike">
+                <a:solidFill>
+                  <a:srgbClr val="000000"/>
+                </a:solidFill>
+                <a:latin typeface="Times New Roman"/>
+              </a:rPr>
+              <a:t>&lt;numéro&gt;</a:t>
+            </a:fld>
+            <a:endParaRPr b="0" lang="fr-FR" sz="2400" spc="-1" strike="noStrike">
+              <a:solidFill>
+                <a:srgbClr val="000000"/>
+              </a:solidFill>
+              <a:latin typeface="Times New Roman"/>
             </a:endParaRPr>
           </a:p>
         </p:txBody>
@@ -10744,7 +7939,7 @@
         <p:txBody>
           <a:bodyPr/>
           <a:p>
-            <a:fld id="{22A83B4F-6B56-49BE-AA8B-4DFC2B3545A3}" type="slidenum">
+            <a:fld id="{78716D2F-9167-4E9F-A7B2-02A7C2C2D5B9}" type="slidenum">
               <a:t>2</a:t>
             </a:fld>
           </a:p>
@@ -10782,14 +7977,14 @@
       </p:grpSpPr>
       <p:sp>
         <p:nvSpPr>
-          <p:cNvPr id="178" name=""/>
+          <p:cNvPr id="150" name=""/>
           <p:cNvSpPr/>
           <p:nvPr/>
         </p:nvSpPr>
         <p:spPr>
           <a:xfrm>
             <a:off x="360000" y="720000"/>
-            <a:ext cx="4499280" cy="1439280"/>
+            <a:ext cx="4498920" cy="1438920"/>
           </a:xfrm>
           <a:prstGeom prst="rect">
             <a:avLst/>
@@ -10913,7 +8108,7 @@
       </p:sp>
       <p:pic>
         <p:nvPicPr>
-          <p:cNvPr id="179" name="" descr=""/>
+          <p:cNvPr id="151" name="" descr=""/>
           <p:cNvPicPr/>
           <p:nvPr/>
         </p:nvPicPr>
@@ -10924,7 +8119,7 @@
         <p:spPr>
           <a:xfrm>
             <a:off x="62640" y="2700000"/>
-            <a:ext cx="4437000" cy="3327480"/>
+            <a:ext cx="4436640" cy="3327120"/>
           </a:xfrm>
           <a:prstGeom prst="rect">
             <a:avLst/>
@@ -10936,7 +8131,7 @@
       </p:pic>
       <p:pic>
         <p:nvPicPr>
-          <p:cNvPr id="180" name="" descr=""/>
+          <p:cNvPr id="152" name="" descr=""/>
           <p:cNvPicPr/>
           <p:nvPr/>
         </p:nvPicPr>
@@ -10947,7 +8142,7 @@
         <p:spPr>
           <a:xfrm>
             <a:off x="4608000" y="2700000"/>
-            <a:ext cx="4470480" cy="3352680"/>
+            <a:ext cx="4470120" cy="3352320"/>
           </a:xfrm>
           <a:prstGeom prst="rect">
             <a:avLst/>
@@ -10957,6 +8152,48 @@
           </a:ln>
         </p:spPr>
       </p:pic>
+      <p:sp>
+        <p:nvSpPr>
+          <p:cNvPr id="153" name=""/>
+          <p:cNvSpPr txBox="1"/>
+          <p:nvPr/>
+        </p:nvSpPr>
+        <p:spPr>
+          <a:xfrm>
+            <a:off x="8730000" y="6431400"/>
+            <a:ext cx="485640" cy="427320"/>
+          </a:xfrm>
+          <a:prstGeom prst="rect">
+            <a:avLst/>
+          </a:prstGeom>
+          <a:noFill/>
+          <a:ln w="0">
+            <a:noFill/>
+          </a:ln>
+        </p:spPr>
+        <p:txBody>
+          <a:bodyPr lIns="90000" rIns="90000" tIns="45000" bIns="45000" anchor="t">
+            <a:noAutofit/>
+          </a:bodyPr>
+          <a:p>
+            <a:fld id="{9EE4E3CF-0F22-4441-AEDF-AE685237FB78}" type="slidenum">
+              <a:rPr b="0" lang="fr-FR" sz="2400" spc="-1" strike="noStrike">
+                <a:solidFill>
+                  <a:srgbClr val="000000"/>
+                </a:solidFill>
+                <a:latin typeface="Times New Roman"/>
+              </a:rPr>
+              <a:t>&lt;numéro&gt;</a:t>
+            </a:fld>
+            <a:endParaRPr b="0" lang="fr-FR" sz="2400" spc="-1" strike="noStrike">
+              <a:solidFill>
+                <a:srgbClr val="000000"/>
+              </a:solidFill>
+              <a:latin typeface="Times New Roman"/>
+            </a:endParaRPr>
+          </a:p>
+        </p:txBody>
+      </p:sp>
       <p:sp>
         <p:nvSpPr>
           <p:cNvPr id="2" name="PlaceHolder 1"/>
@@ -10971,7 +8208,7 @@
         <p:txBody>
           <a:bodyPr/>
           <a:p>
-            <a:fld id="{BEE6B73E-782B-4455-8B4C-E059A963786E}" type="slidenum">
+            <a:fld id="{6C786A88-9E8F-4BA3-87BC-3CCF295D6E65}" type="slidenum">
               <a:t>20</a:t>
             </a:fld>
           </a:p>
@@ -11009,14 +8246,14 @@
       </p:grpSpPr>
       <p:sp>
         <p:nvSpPr>
-          <p:cNvPr id="181" name=""/>
+          <p:cNvPr id="154" name=""/>
           <p:cNvSpPr/>
           <p:nvPr/>
         </p:nvSpPr>
         <p:spPr>
           <a:xfrm>
             <a:off x="108000" y="828000"/>
-            <a:ext cx="4499640" cy="719640"/>
+            <a:ext cx="4499280" cy="719280"/>
           </a:xfrm>
           <a:prstGeom prst="rect">
             <a:avLst/>
@@ -11074,7 +8311,7 @@
       </p:sp>
       <p:pic>
         <p:nvPicPr>
-          <p:cNvPr id="182" name="" descr=""/>
+          <p:cNvPr id="155" name="" descr=""/>
           <p:cNvPicPr/>
           <p:nvPr/>
         </p:nvPicPr>
@@ -11085,7 +8322,7 @@
         <p:spPr>
           <a:xfrm>
             <a:off x="866160" y="1542240"/>
-            <a:ext cx="7377480" cy="4426200"/>
+            <a:ext cx="7377120" cy="4425840"/>
           </a:xfrm>
           <a:prstGeom prst="rect">
             <a:avLst/>
@@ -11097,14 +8334,14 @@
       </p:pic>
       <p:sp>
         <p:nvSpPr>
-          <p:cNvPr id="183" name=""/>
+          <p:cNvPr id="156" name=""/>
           <p:cNvSpPr/>
           <p:nvPr/>
         </p:nvSpPr>
         <p:spPr>
           <a:xfrm>
             <a:off x="5427720" y="720000"/>
-            <a:ext cx="3031920" cy="857880"/>
+            <a:ext cx="3031560" cy="857520"/>
           </a:xfrm>
           <a:prstGeom prst="rect">
             <a:avLst/>
@@ -11188,6 +8425,48 @@
                 <a:srgbClr val="000000"/>
               </a:solidFill>
               <a:latin typeface="Arial"/>
+            </a:endParaRPr>
+          </a:p>
+        </p:txBody>
+      </p:sp>
+      <p:sp>
+        <p:nvSpPr>
+          <p:cNvPr id="157" name=""/>
+          <p:cNvSpPr txBox="1"/>
+          <p:nvPr/>
+        </p:nvSpPr>
+        <p:spPr>
+          <a:xfrm>
+            <a:off x="8730000" y="6431400"/>
+            <a:ext cx="485640" cy="427320"/>
+          </a:xfrm>
+          <a:prstGeom prst="rect">
+            <a:avLst/>
+          </a:prstGeom>
+          <a:noFill/>
+          <a:ln w="0">
+            <a:noFill/>
+          </a:ln>
+        </p:spPr>
+        <p:txBody>
+          <a:bodyPr lIns="90000" rIns="90000" tIns="45000" bIns="45000" anchor="t">
+            <a:noAutofit/>
+          </a:bodyPr>
+          <a:p>
+            <a:fld id="{2A7DEC03-52C4-483D-8FB0-FC731FE86833}" type="slidenum">
+              <a:rPr b="0" lang="fr-FR" sz="2400" spc="-1" strike="noStrike">
+                <a:solidFill>
+                  <a:srgbClr val="000000"/>
+                </a:solidFill>
+                <a:latin typeface="Times New Roman"/>
+              </a:rPr>
+              <a:t>&lt;numéro&gt;</a:t>
+            </a:fld>
+            <a:endParaRPr b="0" lang="fr-FR" sz="2400" spc="-1" strike="noStrike">
+              <a:solidFill>
+                <a:srgbClr val="000000"/>
+              </a:solidFill>
+              <a:latin typeface="Times New Roman"/>
             </a:endParaRPr>
           </a:p>
         </p:txBody>
@@ -11206,7 +8485,7 @@
         <p:txBody>
           <a:bodyPr/>
           <a:p>
-            <a:fld id="{AC66D95A-AC15-490F-B017-B9B0DDCD0CE5}" type="slidenum">
+            <a:fld id="{64ACF400-5445-40C6-BAB6-63BD0E049FA4}" type="slidenum">
               <a:t>21</a:t>
             </a:fld>
           </a:p>
@@ -11244,14 +8523,14 @@
       </p:grpSpPr>
       <p:sp>
         <p:nvSpPr>
-          <p:cNvPr id="184" name=""/>
+          <p:cNvPr id="158" name=""/>
           <p:cNvSpPr/>
           <p:nvPr/>
         </p:nvSpPr>
         <p:spPr>
           <a:xfrm>
             <a:off x="1260000" y="1980000"/>
-            <a:ext cx="6478560" cy="3495240"/>
+            <a:ext cx="6478200" cy="3494880"/>
           </a:xfrm>
           <a:prstGeom prst="rect">
             <a:avLst/>
@@ -11283,6 +8562,7 @@
                   <a:srgbClr val="000000"/>
                 </a:solidFill>
                 <a:latin typeface="Arial"/>
+                <a:ea typeface="DejaVu Sans"/>
               </a:rPr>
               <a:t>SECTION 3 :</a:t>
             </a:r>
@@ -11295,6 +8575,7 @@
                   <a:srgbClr val="000000"/>
                 </a:solidFill>
                 <a:latin typeface="Arial"/>
+                <a:ea typeface="DejaVu Sans"/>
               </a:rPr>
               <a:t>11/04</a:t>
             </a:r>
@@ -11303,6 +8584,48 @@
                 <a:srgbClr val="000000"/>
               </a:solidFill>
               <a:latin typeface="Arial"/>
+            </a:endParaRPr>
+          </a:p>
+        </p:txBody>
+      </p:sp>
+      <p:sp>
+        <p:nvSpPr>
+          <p:cNvPr id="159" name=""/>
+          <p:cNvSpPr txBox="1"/>
+          <p:nvPr/>
+        </p:nvSpPr>
+        <p:spPr>
+          <a:xfrm>
+            <a:off x="8730000" y="6431400"/>
+            <a:ext cx="485640" cy="427320"/>
+          </a:xfrm>
+          <a:prstGeom prst="rect">
+            <a:avLst/>
+          </a:prstGeom>
+          <a:noFill/>
+          <a:ln w="0">
+            <a:noFill/>
+          </a:ln>
+        </p:spPr>
+        <p:txBody>
+          <a:bodyPr lIns="90000" rIns="90000" tIns="45000" bIns="45000" anchor="t">
+            <a:noAutofit/>
+          </a:bodyPr>
+          <a:p>
+            <a:fld id="{3CE6DAC0-B68F-4044-B305-C0423EB4B8C2}" type="slidenum">
+              <a:rPr b="0" lang="fr-FR" sz="2400" spc="-1" strike="noStrike">
+                <a:solidFill>
+                  <a:srgbClr val="000000"/>
+                </a:solidFill>
+                <a:latin typeface="Times New Roman"/>
+              </a:rPr>
+              <a:t>&lt;numéro&gt;</a:t>
+            </a:fld>
+            <a:endParaRPr b="0" lang="fr-FR" sz="2400" spc="-1" strike="noStrike">
+              <a:solidFill>
+                <a:srgbClr val="000000"/>
+              </a:solidFill>
+              <a:latin typeface="Times New Roman"/>
             </a:endParaRPr>
           </a:p>
         </p:txBody>
@@ -11321,7 +8644,7 @@
         <p:txBody>
           <a:bodyPr/>
           <a:p>
-            <a:fld id="{E75C7E75-6000-405C-859D-7BA852ADEDFF}" type="slidenum">
+            <a:fld id="{0BCEE011-42DB-4FDE-9C07-A3844002AA72}" type="slidenum">
               <a:t>22</a:t>
             </a:fld>
           </a:p>
@@ -11359,7 +8682,7 @@
       </p:grpSpPr>
       <p:pic>
         <p:nvPicPr>
-          <p:cNvPr id="185" name="" descr=""/>
+          <p:cNvPr id="160" name="" descr=""/>
           <p:cNvPicPr/>
           <p:nvPr/>
         </p:nvPicPr>
@@ -11370,7 +8693,7 @@
         <p:spPr>
           <a:xfrm>
             <a:off x="900000" y="1087560"/>
-            <a:ext cx="7080840" cy="4672440"/>
+            <a:ext cx="7080480" cy="4672080"/>
           </a:xfrm>
           <a:prstGeom prst="rect">
             <a:avLst/>
@@ -11382,14 +8705,67 @@
       </p:pic>
       <p:sp>
         <p:nvSpPr>
-          <p:cNvPr id="186" name=""/>
+          <p:cNvPr id="161" name=""/>
+          <p:cNvSpPr/>
+          <p:nvPr/>
+        </p:nvSpPr>
+        <p:spPr>
+          <a:xfrm>
+            <a:off x="900000" y="720000"/>
+            <a:ext cx="5039640" cy="367200"/>
+          </a:xfrm>
+          <a:prstGeom prst="rect">
+            <a:avLst/>
+          </a:prstGeom>
+          <a:noFill/>
+          <a:ln w="0">
+            <a:noFill/>
+          </a:ln>
+        </p:spPr>
+        <p:style>
+          <a:lnRef idx="0"/>
+          <a:fillRef idx="0"/>
+          <a:effectRef idx="0"/>
+          <a:fontRef idx="minor"/>
+        </p:style>
+        <p:txBody>
+          <a:bodyPr lIns="90000" rIns="90000" tIns="45000" bIns="45000" anchor="t">
+            <a:noAutofit/>
+          </a:bodyPr>
+          <a:p>
+            <a:pPr>
+              <a:lnSpc>
+                <a:spcPct val="100000"/>
+              </a:lnSpc>
+            </a:pPr>
+            <a:r>
+              <a:rPr b="0" lang="fr-FR" sz="1800" spc="-1" strike="noStrike">
+                <a:solidFill>
+                  <a:srgbClr val="000000"/>
+                </a:solidFill>
+                <a:latin typeface="Arial"/>
+              </a:rPr>
+              <a:t>PCA → Kmeans des Sections + Etudes</a:t>
+            </a:r>
+            <a:endParaRPr b="0" lang="fr-FR" sz="1800" spc="-1" strike="noStrike">
+              <a:solidFill>
+                <a:srgbClr val="000000"/>
+              </a:solidFill>
+              <a:latin typeface="Arial"/>
+            </a:endParaRPr>
+          </a:p>
+        </p:txBody>
+      </p:sp>
+      <p:sp>
+        <p:nvSpPr>
+          <p:cNvPr id="162" name=""/>
           <p:cNvSpPr txBox="1"/>
           <p:nvPr/>
         </p:nvSpPr>
         <p:spPr>
           <a:xfrm>
-            <a:off x="900000" y="720000"/>
-            <a:ext cx="5040000" cy="367560"/>
+            <a:off x="8730000" y="6431400"/>
+            <a:ext cx="485640" cy="427320"/>
           </a:xfrm>
           <a:prstGeom prst="rect">
             <a:avLst/>
@@ -11404,20 +8780,20 @@
             <a:noAutofit/>
           </a:bodyPr>
           <a:p>
-            <a:r>
-              <a:rPr b="0" lang="fr-FR" sz="1800" spc="-1" strike="noStrike">
-                <a:solidFill>
-                  <a:srgbClr val="000000"/>
-                </a:solidFill>
-                <a:latin typeface="Arial"/>
-              </a:rPr>
-              <a:t>PCA → Kmeans des Sections + Etudes</a:t>
-            </a:r>
-            <a:endParaRPr b="0" lang="fr-FR" sz="1800" spc="-1" strike="noStrike">
-              <a:solidFill>
-                <a:srgbClr val="000000"/>
-              </a:solidFill>
-              <a:latin typeface="Arial"/>
+            <a:fld id="{46F7745E-4AA0-40B4-98DC-E8BCF13610CD}" type="slidenum">
+              <a:rPr b="0" lang="fr-FR" sz="2400" spc="-1" strike="noStrike">
+                <a:solidFill>
+                  <a:srgbClr val="000000"/>
+                </a:solidFill>
+                <a:latin typeface="Times New Roman"/>
+              </a:rPr>
+              <a:t>&lt;numéro&gt;</a:t>
+            </a:fld>
+            <a:endParaRPr b="0" lang="fr-FR" sz="2400" spc="-1" strike="noStrike">
+              <a:solidFill>
+                <a:srgbClr val="000000"/>
+              </a:solidFill>
+              <a:latin typeface="Times New Roman"/>
             </a:endParaRPr>
           </a:p>
         </p:txBody>
@@ -11436,7 +8812,7 @@
         <p:txBody>
           <a:bodyPr/>
           <a:p>
-            <a:fld id="{D773AF5E-9A86-4DCA-98F6-99872B646CC5}" type="slidenum">
+            <a:fld id="{FB58A9A7-7641-4E88-B75E-DBF698EFCD7D}" type="slidenum">
               <a:t>23</a:t>
             </a:fld>
           </a:p>
@@ -11474,28 +8850,39 @@
       </p:grpSpPr>
       <p:sp>
         <p:nvSpPr>
-          <p:cNvPr id="187" name=""/>
-          <p:cNvSpPr txBox="1"/>
+          <p:cNvPr id="163" name=""/>
+          <p:cNvSpPr/>
           <p:nvPr/>
         </p:nvSpPr>
         <p:spPr>
           <a:xfrm>
             <a:off x="900000" y="720360"/>
-            <a:ext cx="5040000" cy="602280"/>
-          </a:xfrm>
-          <a:prstGeom prst="rect">
-            <a:avLst/>
-          </a:prstGeom>
-          <a:noFill/>
-          <a:ln w="0">
-            <a:noFill/>
-          </a:ln>
-        </p:spPr>
+            <a:ext cx="5039640" cy="601920"/>
+          </a:xfrm>
+          <a:prstGeom prst="rect">
+            <a:avLst/>
+          </a:prstGeom>
+          <a:noFill/>
+          <a:ln w="0">
+            <a:noFill/>
+          </a:ln>
+        </p:spPr>
+        <p:style>
+          <a:lnRef idx="0"/>
+          <a:fillRef idx="0"/>
+          <a:effectRef idx="0"/>
+          <a:fontRef idx="minor"/>
+        </p:style>
         <p:txBody>
           <a:bodyPr lIns="90000" rIns="90000" tIns="45000" bIns="45000" anchor="t">
             <a:noAutofit/>
           </a:bodyPr>
           <a:p>
+            <a:pPr>
+              <a:lnSpc>
+                <a:spcPct val="100000"/>
+              </a:lnSpc>
+            </a:pPr>
             <a:r>
               <a:rPr b="0" lang="fr-FR" sz="1800" spc="-1" strike="noStrike">
                 <a:solidFill>
@@ -11513,6 +8900,11 @@
             </a:endParaRPr>
           </a:p>
           <a:p>
+            <a:pPr>
+              <a:lnSpc>
+                <a:spcPct val="100000"/>
+              </a:lnSpc>
+            </a:pPr>
             <a:r>
               <a:rPr b="0" lang="fr-FR" sz="1800" spc="-1" strike="noStrike">
                 <a:solidFill>
@@ -11542,7 +8934,7 @@
       </p:sp>
       <p:pic>
         <p:nvPicPr>
-          <p:cNvPr id="188" name="" descr=""/>
+          <p:cNvPr id="164" name="" descr=""/>
           <p:cNvPicPr/>
           <p:nvPr/>
         </p:nvPicPr>
@@ -11553,7 +8945,7 @@
         <p:spPr>
           <a:xfrm>
             <a:off x="1021320" y="1332000"/>
-            <a:ext cx="7222680" cy="4680000"/>
+            <a:ext cx="7222320" cy="4679640"/>
           </a:xfrm>
           <a:prstGeom prst="rect">
             <a:avLst/>
@@ -11563,6 +8955,48 @@
           </a:ln>
         </p:spPr>
       </p:pic>
+      <p:sp>
+        <p:nvSpPr>
+          <p:cNvPr id="165" name=""/>
+          <p:cNvSpPr txBox="1"/>
+          <p:nvPr/>
+        </p:nvSpPr>
+        <p:spPr>
+          <a:xfrm>
+            <a:off x="8730000" y="6431400"/>
+            <a:ext cx="485640" cy="427320"/>
+          </a:xfrm>
+          <a:prstGeom prst="rect">
+            <a:avLst/>
+          </a:prstGeom>
+          <a:noFill/>
+          <a:ln w="0">
+            <a:noFill/>
+          </a:ln>
+        </p:spPr>
+        <p:txBody>
+          <a:bodyPr lIns="90000" rIns="90000" tIns="45000" bIns="45000" anchor="t">
+            <a:noAutofit/>
+          </a:bodyPr>
+          <a:p>
+            <a:fld id="{811986E3-CE63-4AA1-974E-962107F9F079}" type="slidenum">
+              <a:rPr b="0" lang="fr-FR" sz="2400" spc="-1" strike="noStrike">
+                <a:solidFill>
+                  <a:srgbClr val="000000"/>
+                </a:solidFill>
+                <a:latin typeface="Times New Roman"/>
+              </a:rPr>
+              <a:t>&lt;numéro&gt;</a:t>
+            </a:fld>
+            <a:endParaRPr b="0" lang="fr-FR" sz="2400" spc="-1" strike="noStrike">
+              <a:solidFill>
+                <a:srgbClr val="000000"/>
+              </a:solidFill>
+              <a:latin typeface="Times New Roman"/>
+            </a:endParaRPr>
+          </a:p>
+        </p:txBody>
+      </p:sp>
       <p:sp>
         <p:nvSpPr>
           <p:cNvPr id="2" name="PlaceHolder 1"/>
@@ -11577,7 +9011,7 @@
         <p:txBody>
           <a:bodyPr/>
           <a:p>
-            <a:fld id="{15F1357E-5E0B-4A46-8ABD-F7694DD9C365}" type="slidenum">
+            <a:fld id="{B57ED7F3-B29D-473C-89C5-C6475EA82DC2}" type="slidenum">
               <a:t>24</a:t>
             </a:fld>
           </a:p>
@@ -11615,28 +9049,39 @@
       </p:grpSpPr>
       <p:sp>
         <p:nvSpPr>
-          <p:cNvPr id="189" name=""/>
-          <p:cNvSpPr txBox="1"/>
+          <p:cNvPr id="166" name=""/>
+          <p:cNvSpPr/>
           <p:nvPr/>
         </p:nvSpPr>
         <p:spPr>
           <a:xfrm>
             <a:off x="360000" y="720000"/>
-            <a:ext cx="4140000" cy="360000"/>
-          </a:xfrm>
-          <a:prstGeom prst="rect">
-            <a:avLst/>
-          </a:prstGeom>
-          <a:noFill/>
-          <a:ln w="0">
-            <a:noFill/>
-          </a:ln>
-        </p:spPr>
+            <a:ext cx="4139640" cy="359640"/>
+          </a:xfrm>
+          <a:prstGeom prst="rect">
+            <a:avLst/>
+          </a:prstGeom>
+          <a:noFill/>
+          <a:ln w="0">
+            <a:noFill/>
+          </a:ln>
+        </p:spPr>
+        <p:style>
+          <a:lnRef idx="0"/>
+          <a:fillRef idx="0"/>
+          <a:effectRef idx="0"/>
+          <a:fontRef idx="minor"/>
+        </p:style>
         <p:txBody>
           <a:bodyPr lIns="90000" rIns="90000" tIns="45000" bIns="45000" anchor="t">
             <a:noAutofit/>
           </a:bodyPr>
           <a:p>
+            <a:pPr>
+              <a:lnSpc>
+                <a:spcPct val="100000"/>
+              </a:lnSpc>
+            </a:pPr>
             <a:r>
               <a:rPr b="0" lang="fr-FR" sz="1800" spc="-1" strike="noStrike">
                 <a:solidFill>
@@ -11657,7 +9102,7 @@
       </p:sp>
       <p:pic>
         <p:nvPicPr>
-          <p:cNvPr id="190" name="" descr=""/>
+          <p:cNvPr id="167" name="" descr=""/>
           <p:cNvPicPr/>
           <p:nvPr/>
         </p:nvPicPr>
@@ -11668,7 +9113,7 @@
         <p:spPr>
           <a:xfrm>
             <a:off x="864000" y="1080000"/>
-            <a:ext cx="7557120" cy="5004000"/>
+            <a:ext cx="7556760" cy="5003640"/>
           </a:xfrm>
           <a:prstGeom prst="rect">
             <a:avLst/>
@@ -11680,14 +9125,67 @@
       </p:pic>
       <p:sp>
         <p:nvSpPr>
-          <p:cNvPr id="191" name=""/>
+          <p:cNvPr id="168" name=""/>
+          <p:cNvSpPr/>
+          <p:nvPr/>
+        </p:nvSpPr>
+        <p:spPr>
+          <a:xfrm>
+            <a:off x="4680000" y="720000"/>
+            <a:ext cx="4139640" cy="359640"/>
+          </a:xfrm>
+          <a:prstGeom prst="rect">
+            <a:avLst/>
+          </a:prstGeom>
+          <a:noFill/>
+          <a:ln w="0">
+            <a:noFill/>
+          </a:ln>
+        </p:spPr>
+        <p:style>
+          <a:lnRef idx="0"/>
+          <a:fillRef idx="0"/>
+          <a:effectRef idx="0"/>
+          <a:fontRef idx="minor"/>
+        </p:style>
+        <p:txBody>
+          <a:bodyPr lIns="90000" rIns="90000" tIns="45000" bIns="45000" anchor="t">
+            <a:noAutofit/>
+          </a:bodyPr>
+          <a:p>
+            <a:pPr>
+              <a:lnSpc>
+                <a:spcPct val="100000"/>
+              </a:lnSpc>
+            </a:pPr>
+            <a:r>
+              <a:rPr b="0" lang="fr-FR" sz="1800" spc="-1" strike="noStrike">
+                <a:solidFill>
+                  <a:srgbClr val="000000"/>
+                </a:solidFill>
+                <a:latin typeface="Arial"/>
+              </a:rPr>
+              <a:t>Etudes avec top termes des clusters</a:t>
+            </a:r>
+            <a:endParaRPr b="0" lang="fr-FR" sz="1800" spc="-1" strike="noStrike">
+              <a:solidFill>
+                <a:srgbClr val="000000"/>
+              </a:solidFill>
+              <a:latin typeface="Arial"/>
+            </a:endParaRPr>
+          </a:p>
+        </p:txBody>
+      </p:sp>
+      <p:sp>
+        <p:nvSpPr>
+          <p:cNvPr id="169" name=""/>
           <p:cNvSpPr txBox="1"/>
           <p:nvPr/>
         </p:nvSpPr>
         <p:spPr>
           <a:xfrm>
-            <a:off x="4680000" y="720000"/>
-            <a:ext cx="4140000" cy="360000"/>
+            <a:off x="8730000" y="6431400"/>
+            <a:ext cx="485640" cy="427320"/>
           </a:xfrm>
           <a:prstGeom prst="rect">
             <a:avLst/>
@@ -11702,20 +9200,20 @@
             <a:noAutofit/>
           </a:bodyPr>
           <a:p>
-            <a:r>
-              <a:rPr b="0" lang="fr-FR" sz="1800" spc="-1" strike="noStrike">
-                <a:solidFill>
-                  <a:srgbClr val="000000"/>
-                </a:solidFill>
-                <a:latin typeface="Arial"/>
-              </a:rPr>
-              <a:t>Etudes avec top termes des clusters</a:t>
-            </a:r>
-            <a:endParaRPr b="0" lang="fr-FR" sz="1800" spc="-1" strike="noStrike">
-              <a:solidFill>
-                <a:srgbClr val="000000"/>
-              </a:solidFill>
-              <a:latin typeface="Arial"/>
+            <a:fld id="{14B82D6B-6B05-4361-9222-334D06BD2ED7}" type="slidenum">
+              <a:rPr b="0" lang="fr-FR" sz="2400" spc="-1" strike="noStrike">
+                <a:solidFill>
+                  <a:srgbClr val="000000"/>
+                </a:solidFill>
+                <a:latin typeface="Times New Roman"/>
+              </a:rPr>
+              <a:t>&lt;numéro&gt;</a:t>
+            </a:fld>
+            <a:endParaRPr b="0" lang="fr-FR" sz="2400" spc="-1" strike="noStrike">
+              <a:solidFill>
+                <a:srgbClr val="000000"/>
+              </a:solidFill>
+              <a:latin typeface="Times New Roman"/>
             </a:endParaRPr>
           </a:p>
         </p:txBody>
@@ -11734,7 +9232,7 @@
         <p:txBody>
           <a:bodyPr/>
           <a:p>
-            <a:fld id="{CBFF9808-6563-4573-9157-60015633814B}" type="slidenum">
+            <a:fld id="{308A3132-7092-44A9-BDD4-FE8E90D84CD1}" type="slidenum">
               <a:t>25</a:t>
             </a:fld>
           </a:p>
@@ -11772,28 +9270,39 @@
       </p:grpSpPr>
       <p:sp>
         <p:nvSpPr>
-          <p:cNvPr id="192" name=""/>
-          <p:cNvSpPr txBox="1"/>
+          <p:cNvPr id="170" name=""/>
+          <p:cNvSpPr/>
           <p:nvPr/>
         </p:nvSpPr>
         <p:spPr>
           <a:xfrm>
             <a:off x="180000" y="720000"/>
-            <a:ext cx="5220000" cy="360000"/>
-          </a:xfrm>
-          <a:prstGeom prst="rect">
-            <a:avLst/>
-          </a:prstGeom>
-          <a:noFill/>
-          <a:ln w="0">
-            <a:noFill/>
-          </a:ln>
-        </p:spPr>
+            <a:ext cx="5219640" cy="359640"/>
+          </a:xfrm>
+          <a:prstGeom prst="rect">
+            <a:avLst/>
+          </a:prstGeom>
+          <a:noFill/>
+          <a:ln w="0">
+            <a:noFill/>
+          </a:ln>
+        </p:spPr>
+        <p:style>
+          <a:lnRef idx="0"/>
+          <a:fillRef idx="0"/>
+          <a:effectRef idx="0"/>
+          <a:fontRef idx="minor"/>
+        </p:style>
         <p:txBody>
           <a:bodyPr lIns="90000" rIns="90000" tIns="45000" bIns="45000" anchor="t">
             <a:noAutofit/>
           </a:bodyPr>
           <a:p>
+            <a:pPr>
+              <a:lnSpc>
+                <a:spcPct val="100000"/>
+              </a:lnSpc>
+            </a:pPr>
             <a:r>
               <a:rPr b="0" lang="fr-FR" sz="1800" spc="-1" strike="noStrike">
                 <a:solidFill>
@@ -11814,7 +9323,7 @@
       </p:sp>
       <p:pic>
         <p:nvPicPr>
-          <p:cNvPr id="193" name="" descr=""/>
+          <p:cNvPr id="171" name="" descr=""/>
           <p:cNvPicPr/>
           <p:nvPr/>
         </p:nvPicPr>
@@ -11825,7 +9334,7 @@
         <p:spPr>
           <a:xfrm>
             <a:off x="756000" y="1044000"/>
-            <a:ext cx="7572600" cy="5066280"/>
+            <a:ext cx="7572240" cy="5065920"/>
           </a:xfrm>
           <a:prstGeom prst="rect">
             <a:avLst/>
@@ -11835,6 +9344,48 @@
           </a:ln>
         </p:spPr>
       </p:pic>
+      <p:sp>
+        <p:nvSpPr>
+          <p:cNvPr id="172" name=""/>
+          <p:cNvSpPr txBox="1"/>
+          <p:nvPr/>
+        </p:nvSpPr>
+        <p:spPr>
+          <a:xfrm>
+            <a:off x="8730000" y="6431400"/>
+            <a:ext cx="485640" cy="427320"/>
+          </a:xfrm>
+          <a:prstGeom prst="rect">
+            <a:avLst/>
+          </a:prstGeom>
+          <a:noFill/>
+          <a:ln w="0">
+            <a:noFill/>
+          </a:ln>
+        </p:spPr>
+        <p:txBody>
+          <a:bodyPr lIns="90000" rIns="90000" tIns="45000" bIns="45000" anchor="t">
+            <a:noAutofit/>
+          </a:bodyPr>
+          <a:p>
+            <a:fld id="{84FBB791-042D-4EDD-8F23-14AC4451A152}" type="slidenum">
+              <a:rPr b="0" lang="fr-FR" sz="2400" spc="-1" strike="noStrike">
+                <a:solidFill>
+                  <a:srgbClr val="000000"/>
+                </a:solidFill>
+                <a:latin typeface="Times New Roman"/>
+              </a:rPr>
+              <a:t>&lt;numéro&gt;</a:t>
+            </a:fld>
+            <a:endParaRPr b="0" lang="fr-FR" sz="2400" spc="-1" strike="noStrike">
+              <a:solidFill>
+                <a:srgbClr val="000000"/>
+              </a:solidFill>
+              <a:latin typeface="Times New Roman"/>
+            </a:endParaRPr>
+          </a:p>
+        </p:txBody>
+      </p:sp>
       <p:sp>
         <p:nvSpPr>
           <p:cNvPr id="2" name="PlaceHolder 1"/>
@@ -11849,7 +9400,7 @@
         <p:txBody>
           <a:bodyPr/>
           <a:p>
-            <a:fld id="{D60BD5E1-C025-4389-8CF4-38DB250F6434}" type="slidenum">
+            <a:fld id="{5A06140E-4979-4306-AD55-46C2AF200E6D}" type="slidenum">
               <a:t>26</a:t>
             </a:fld>
           </a:p>
@@ -11887,7 +9438,7 @@
       </p:grpSpPr>
       <p:pic>
         <p:nvPicPr>
-          <p:cNvPr id="194" name="" descr=""/>
+          <p:cNvPr id="173" name="" descr=""/>
           <p:cNvPicPr/>
           <p:nvPr/>
         </p:nvPicPr>
@@ -11898,7 +9449,7 @@
         <p:spPr>
           <a:xfrm>
             <a:off x="1480320" y="900000"/>
-            <a:ext cx="5539680" cy="2072160"/>
+            <a:ext cx="5539320" cy="2071800"/>
           </a:xfrm>
           <a:prstGeom prst="rect">
             <a:avLst/>
@@ -11910,14 +9461,137 @@
       </p:pic>
       <p:sp>
         <p:nvSpPr>
-          <p:cNvPr id="195" name=""/>
+          <p:cNvPr id="174" name=""/>
+          <p:cNvSpPr/>
+          <p:nvPr/>
+        </p:nvSpPr>
+        <p:spPr>
+          <a:xfrm>
+            <a:off x="259560" y="3420000"/>
+            <a:ext cx="8884080" cy="1626120"/>
+          </a:xfrm>
+          <a:prstGeom prst="rect">
+            <a:avLst/>
+          </a:prstGeom>
+          <a:noFill/>
+          <a:ln w="0">
+            <a:noFill/>
+          </a:ln>
+        </p:spPr>
+        <p:style>
+          <a:lnRef idx="0"/>
+          <a:fillRef idx="0"/>
+          <a:effectRef idx="0"/>
+          <a:fontRef idx="minor"/>
+        </p:style>
+        <p:txBody>
+          <a:bodyPr lIns="90000" rIns="90000" tIns="45000" bIns="45000" anchor="t">
+            <a:noAutofit/>
+          </a:bodyPr>
+          <a:p>
+            <a:pPr>
+              <a:lnSpc>
+                <a:spcPct val="100000"/>
+              </a:lnSpc>
+            </a:pPr>
+            <a:r>
+              <a:rPr b="0" lang="fr-FR" sz="1800" spc="-1" strike="noStrike">
+                <a:solidFill>
+                  <a:srgbClr val="000000"/>
+                </a:solidFill>
+                <a:latin typeface="Arial"/>
+              </a:rPr>
+              <a:t>Faible inertie → les points sont très proches des centroïdes → clusters compacts</a:t>
+            </a:r>
+            <a:endParaRPr b="0" lang="fr-FR" sz="1800" spc="-1" strike="noStrike">
+              <a:solidFill>
+                <a:srgbClr val="000000"/>
+              </a:solidFill>
+              <a:latin typeface="Arial"/>
+            </a:endParaRPr>
+          </a:p>
+          <a:p>
+            <a:pPr>
+              <a:lnSpc>
+                <a:spcPct val="100000"/>
+              </a:lnSpc>
+            </a:pPr>
+            <a:endParaRPr b="0" lang="fr-FR" sz="1800" spc="-1" strike="noStrike">
+              <a:solidFill>
+                <a:srgbClr val="000000"/>
+              </a:solidFill>
+              <a:latin typeface="Arial"/>
+            </a:endParaRPr>
+          </a:p>
+          <a:p>
+            <a:pPr>
+              <a:lnSpc>
+                <a:spcPct val="100000"/>
+              </a:lnSpc>
+            </a:pPr>
+            <a:r>
+              <a:rPr b="0" lang="fr-FR" sz="1800" spc="-1" strike="noStrike">
+                <a:solidFill>
+                  <a:srgbClr val="000000"/>
+                </a:solidFill>
+                <a:latin typeface="Arial"/>
+              </a:rPr>
+              <a:t>Haute inertie → les points sont dispersés → clusters peu cohérents</a:t>
+            </a:r>
+            <a:endParaRPr b="0" lang="fr-FR" sz="1800" spc="-1" strike="noStrike">
+              <a:solidFill>
+                <a:srgbClr val="000000"/>
+              </a:solidFill>
+              <a:latin typeface="Arial"/>
+            </a:endParaRPr>
+          </a:p>
+          <a:p>
+            <a:pPr>
+              <a:lnSpc>
+                <a:spcPct val="100000"/>
+              </a:lnSpc>
+            </a:pPr>
+            <a:endParaRPr b="0" lang="fr-FR" sz="1800" spc="-1" strike="noStrike">
+              <a:solidFill>
+                <a:srgbClr val="000000"/>
+              </a:solidFill>
+              <a:latin typeface="Arial"/>
+            </a:endParaRPr>
+          </a:p>
+          <a:p>
+            <a:pPr>
+              <a:lnSpc>
+                <a:spcPct val="100000"/>
+              </a:lnSpc>
+            </a:pPr>
+            <a:r>
+              <a:rPr b="0" lang="fr-FR" sz="1800" spc="-1" strike="noStrike">
+                <a:solidFill>
+                  <a:srgbClr val="000000"/>
+                </a:solidFill>
+                <a:latin typeface="Arial"/>
+              </a:rPr>
+              <a:t>Mais : l'inertie diminue toujours quand on augmente le nombre de clusters, car plus de clusters = plus de flexibilité → d’où l’intérêt de la méthode du coude.</a:t>
+            </a:r>
+            <a:endParaRPr b="0" lang="fr-FR" sz="1800" spc="-1" strike="noStrike">
+              <a:solidFill>
+                <a:srgbClr val="000000"/>
+              </a:solidFill>
+              <a:latin typeface="Arial"/>
+            </a:endParaRPr>
+          </a:p>
+        </p:txBody>
+      </p:sp>
+      <p:sp>
+        <p:nvSpPr>
+          <p:cNvPr id="175" name=""/>
           <p:cNvSpPr txBox="1"/>
           <p:nvPr/>
         </p:nvSpPr>
         <p:spPr>
           <a:xfrm>
-            <a:off x="259560" y="3420000"/>
-            <a:ext cx="8884440" cy="1626480"/>
+            <a:off x="8730000" y="6431400"/>
+            <a:ext cx="485640" cy="427320"/>
           </a:xfrm>
           <a:prstGeom prst="rect">
             <a:avLst/>
@@ -11932,70 +9606,20 @@
             <a:noAutofit/>
           </a:bodyPr>
           <a:p>
-            <a:r>
-              <a:rPr b="0" lang="fr-FR" sz="1800" spc="-1" strike="noStrike">
-                <a:solidFill>
-                  <a:srgbClr val="000000"/>
-                </a:solidFill>
-                <a:latin typeface="Arial"/>
-              </a:rPr>
-              <a:t>Faible inertie → les points sont très proches des centroïdes → clusters compacts</a:t>
-            </a:r>
-            <a:endParaRPr b="0" lang="fr-FR" sz="1800" spc="-1" strike="noStrike">
-              <a:solidFill>
-                <a:srgbClr val="000000"/>
-              </a:solidFill>
-              <a:latin typeface="Arial"/>
-            </a:endParaRPr>
-          </a:p>
-          <a:p>
-            <a:endParaRPr b="0" lang="fr-FR" sz="1800" spc="-1" strike="noStrike">
-              <a:solidFill>
-                <a:srgbClr val="000000"/>
-              </a:solidFill>
-              <a:latin typeface="Arial"/>
-            </a:endParaRPr>
-          </a:p>
-          <a:p>
-            <a:r>
-              <a:rPr b="0" lang="fr-FR" sz="1800" spc="-1" strike="noStrike">
-                <a:solidFill>
-                  <a:srgbClr val="000000"/>
-                </a:solidFill>
-                <a:latin typeface="Arial"/>
-              </a:rPr>
-              <a:t>Haute inertie → les points sont dispersés → clusters peu cohérents</a:t>
-            </a:r>
-            <a:endParaRPr b="0" lang="fr-FR" sz="1800" spc="-1" strike="noStrike">
-              <a:solidFill>
-                <a:srgbClr val="000000"/>
-              </a:solidFill>
-              <a:latin typeface="Arial"/>
-            </a:endParaRPr>
-          </a:p>
-          <a:p>
-            <a:endParaRPr b="0" lang="fr-FR" sz="1800" spc="-1" strike="noStrike">
-              <a:solidFill>
-                <a:srgbClr val="000000"/>
-              </a:solidFill>
-              <a:latin typeface="Arial"/>
-            </a:endParaRPr>
-          </a:p>
-          <a:p>
-            <a:r>
-              <a:rPr b="0" lang="fr-FR" sz="1800" spc="-1" strike="noStrike">
-                <a:solidFill>
-                  <a:srgbClr val="000000"/>
-                </a:solidFill>
-                <a:latin typeface="Arial"/>
-              </a:rPr>
-              <a:t>Mais : l'inertie diminue toujours quand on augmente le nombre de clusters, car plus de clusters = plus de flexibilité → d’où l’intérêt de la méthode du coude.</a:t>
-            </a:r>
-            <a:endParaRPr b="0" lang="fr-FR" sz="1800" spc="-1" strike="noStrike">
-              <a:solidFill>
-                <a:srgbClr val="000000"/>
-              </a:solidFill>
-              <a:latin typeface="Arial"/>
+            <a:fld id="{8D55B19A-A9A4-4D74-B763-57E27507A84B}" type="slidenum">
+              <a:rPr b="0" lang="fr-FR" sz="2400" spc="-1" strike="noStrike">
+                <a:solidFill>
+                  <a:srgbClr val="000000"/>
+                </a:solidFill>
+                <a:latin typeface="Times New Roman"/>
+              </a:rPr>
+              <a:t>&lt;numéro&gt;</a:t>
+            </a:fld>
+            <a:endParaRPr b="0" lang="fr-FR" sz="2400" spc="-1" strike="noStrike">
+              <a:solidFill>
+                <a:srgbClr val="000000"/>
+              </a:solidFill>
+              <a:latin typeface="Times New Roman"/>
             </a:endParaRPr>
           </a:p>
         </p:txBody>
@@ -12014,7 +9638,7 @@
         <p:txBody>
           <a:bodyPr/>
           <a:p>
-            <a:fld id="{919DB38A-F791-45BC-800C-4B78AEA44413}" type="slidenum">
+            <a:fld id="{EE03B901-E64F-4CCA-AAF1-BC8A24734889}" type="slidenum">
               <a:t>27</a:t>
             </a:fld>
           </a:p>
@@ -12050,9 +9674,104 @@
           <a:chExt cx="0" cy="0"/>
         </a:xfrm>
       </p:grpSpPr>
+      <p:sp>
+        <p:nvSpPr>
+          <p:cNvPr id="176" name=""/>
+          <p:cNvSpPr/>
+          <p:nvPr/>
+        </p:nvSpPr>
+        <p:spPr>
+          <a:xfrm>
+            <a:off x="1260000" y="5220000"/>
+            <a:ext cx="4499640" cy="899640"/>
+          </a:xfrm>
+          <a:prstGeom prst="rect">
+            <a:avLst/>
+          </a:prstGeom>
+          <a:noFill/>
+          <a:ln w="0">
+            <a:noFill/>
+          </a:ln>
+        </p:spPr>
+        <p:style>
+          <a:lnRef idx="0"/>
+          <a:fillRef idx="0"/>
+          <a:effectRef idx="0"/>
+          <a:fontRef idx="minor"/>
+        </p:style>
+        <p:txBody>
+          <a:bodyPr lIns="90000" rIns="90000" tIns="45000" bIns="45000" anchor="t">
+            <a:noAutofit/>
+          </a:bodyPr>
+          <a:p>
+            <a:pPr>
+              <a:lnSpc>
+                <a:spcPct val="100000"/>
+              </a:lnSpc>
+            </a:pPr>
+            <a:r>
+              <a:rPr b="0" lang="fr-FR" sz="1800" spc="-1" strike="noStrike">
+                <a:solidFill>
+                  <a:srgbClr val="000000"/>
+                </a:solidFill>
+                <a:latin typeface="Arial"/>
+              </a:rPr>
+              <a:t>On choisit visuellement 5 Clusters.</a:t>
+            </a:r>
+            <a:endParaRPr b="0" lang="fr-FR" sz="1800" spc="-1" strike="noStrike">
+              <a:solidFill>
+                <a:srgbClr val="000000"/>
+              </a:solidFill>
+              <a:latin typeface="Arial"/>
+            </a:endParaRPr>
+          </a:p>
+        </p:txBody>
+      </p:sp>
+      <p:sp>
+        <p:nvSpPr>
+          <p:cNvPr id="177" name=""/>
+          <p:cNvSpPr txBox="1"/>
+          <p:nvPr/>
+        </p:nvSpPr>
+        <p:spPr>
+          <a:xfrm>
+            <a:off x="8730000" y="6431400"/>
+            <a:ext cx="485640" cy="427320"/>
+          </a:xfrm>
+          <a:prstGeom prst="rect">
+            <a:avLst/>
+          </a:prstGeom>
+          <a:noFill/>
+          <a:ln w="0">
+            <a:noFill/>
+          </a:ln>
+        </p:spPr>
+        <p:txBody>
+          <a:bodyPr lIns="90000" rIns="90000" tIns="45000" bIns="45000" anchor="t">
+            <a:noAutofit/>
+          </a:bodyPr>
+          <a:p>
+            <a:fld id="{D4FA89DB-5F69-4523-94D5-BE559086A46D}" type="slidenum">
+              <a:rPr b="0" lang="fr-FR" sz="2400" spc="-1" strike="noStrike">
+                <a:solidFill>
+                  <a:srgbClr val="000000"/>
+                </a:solidFill>
+                <a:latin typeface="Times New Roman"/>
+              </a:rPr>
+              <a:t>&lt;numéro&gt;</a:t>
+            </a:fld>
+            <a:endParaRPr b="0" lang="fr-FR" sz="2400" spc="-1" strike="noStrike">
+              <a:solidFill>
+                <a:srgbClr val="000000"/>
+              </a:solidFill>
+              <a:latin typeface="Times New Roman"/>
+            </a:endParaRPr>
+          </a:p>
+        </p:txBody>
+      </p:sp>
       <p:pic>
         <p:nvPicPr>
-          <p:cNvPr id="196" name="" descr=""/>
+          <p:cNvPr id="178" name="" descr=""/>
           <p:cNvPicPr/>
           <p:nvPr/>
         </p:nvPicPr>
@@ -12062,8 +9781,8 @@
         </p:blipFill>
         <p:spPr>
           <a:xfrm>
-            <a:off x="360000" y="720000"/>
-            <a:ext cx="7080120" cy="4320000"/>
+            <a:off x="360000" y="690480"/>
+            <a:ext cx="7020000" cy="4387320"/>
           </a:xfrm>
           <a:prstGeom prst="rect">
             <a:avLst/>
@@ -12073,48 +9792,6 @@
           </a:ln>
         </p:spPr>
       </p:pic>
-      <p:sp>
-        <p:nvSpPr>
-          <p:cNvPr id="197" name=""/>
-          <p:cNvSpPr txBox="1"/>
-          <p:nvPr/>
-        </p:nvSpPr>
-        <p:spPr>
-          <a:xfrm>
-            <a:off x="1260000" y="5220000"/>
-            <a:ext cx="4500000" cy="900000"/>
-          </a:xfrm>
-          <a:prstGeom prst="rect">
-            <a:avLst/>
-          </a:prstGeom>
-          <a:noFill/>
-          <a:ln w="0">
-            <a:noFill/>
-          </a:ln>
-        </p:spPr>
-        <p:txBody>
-          <a:bodyPr lIns="90000" rIns="90000" tIns="45000" bIns="45000" anchor="t">
-            <a:noAutofit/>
-          </a:bodyPr>
-          <a:p>
-            <a:r>
-              <a:rPr b="0" lang="fr-FR" sz="1800" spc="-1" strike="noStrike">
-                <a:solidFill>
-                  <a:srgbClr val="000000"/>
-                </a:solidFill>
-                <a:latin typeface="Arial"/>
-              </a:rPr>
-              <a:t>On choisit visuellement 4 ou 8 Clusters.</a:t>
-            </a:r>
-            <a:endParaRPr b="0" lang="fr-FR" sz="1800" spc="-1" strike="noStrike">
-              <a:solidFill>
-                <a:srgbClr val="000000"/>
-              </a:solidFill>
-              <a:latin typeface="Arial"/>
-            </a:endParaRPr>
-          </a:p>
-        </p:txBody>
-      </p:sp>
       <p:sp>
         <p:nvSpPr>
           <p:cNvPr id="2" name="PlaceHolder 1"/>
@@ -12129,7 +9806,7 @@
         <p:txBody>
           <a:bodyPr/>
           <a:p>
-            <a:fld id="{0CD7FE85-CF82-4934-B421-3893D39A3550}" type="slidenum">
+            <a:fld id="{77120257-0203-4244-A864-1FE3507E7446}" type="slidenum">
               <a:t>28</a:t>
             </a:fld>
           </a:p>
@@ -12165,9 +9842,51 @@
           <a:chExt cx="0" cy="0"/>
         </a:xfrm>
       </p:grpSpPr>
+      <p:sp>
+        <p:nvSpPr>
+          <p:cNvPr id="179" name=""/>
+          <p:cNvSpPr txBox="1"/>
+          <p:nvPr/>
+        </p:nvSpPr>
+        <p:spPr>
+          <a:xfrm>
+            <a:off x="8730000" y="6431400"/>
+            <a:ext cx="485640" cy="427320"/>
+          </a:xfrm>
+          <a:prstGeom prst="rect">
+            <a:avLst/>
+          </a:prstGeom>
+          <a:noFill/>
+          <a:ln w="0">
+            <a:noFill/>
+          </a:ln>
+        </p:spPr>
+        <p:txBody>
+          <a:bodyPr lIns="90000" rIns="90000" tIns="45000" bIns="45000" anchor="t">
+            <a:noAutofit/>
+          </a:bodyPr>
+          <a:p>
+            <a:fld id="{B214CC43-6A92-46D4-8092-712A5FD52E4C}" type="slidenum">
+              <a:rPr b="0" lang="fr-FR" sz="2400" spc="-1" strike="noStrike">
+                <a:solidFill>
+                  <a:srgbClr val="000000"/>
+                </a:solidFill>
+                <a:latin typeface="Times New Roman"/>
+              </a:rPr>
+              <a:t>&lt;numéro&gt;</a:t>
+            </a:fld>
+            <a:endParaRPr b="0" lang="fr-FR" sz="2400" spc="-1" strike="noStrike">
+              <a:solidFill>
+                <a:srgbClr val="000000"/>
+              </a:solidFill>
+              <a:latin typeface="Times New Roman"/>
+            </a:endParaRPr>
+          </a:p>
+        </p:txBody>
+      </p:sp>
       <p:pic>
         <p:nvPicPr>
-          <p:cNvPr id="198" name="" descr=""/>
+          <p:cNvPr id="180" name="" descr=""/>
           <p:cNvPicPr/>
           <p:nvPr/>
         </p:nvPicPr>
@@ -12177,8 +9896,8 @@
         </p:blipFill>
         <p:spPr>
           <a:xfrm>
-            <a:off x="443520" y="770760"/>
-            <a:ext cx="8016480" cy="5349240"/>
+            <a:off x="443520" y="644040"/>
+            <a:ext cx="8088480" cy="5392080"/>
           </a:xfrm>
           <a:prstGeom prst="rect">
             <a:avLst/>
@@ -12202,7 +9921,7 @@
         <p:txBody>
           <a:bodyPr/>
           <a:p>
-            <a:fld id="{F9166B2C-576B-4676-9993-F00B6991CCF9}" type="slidenum">
+            <a:fld id="{9F6DA4DF-4896-429C-B084-A935B40D9712}" type="slidenum">
               <a:t>29</a:t>
             </a:fld>
           </a:p>
@@ -12240,7 +9959,7 @@
       </p:grpSpPr>
       <p:sp>
         <p:nvSpPr>
-          <p:cNvPr id="108" name="PlaceHolder 1"/>
+          <p:cNvPr id="63" name="PlaceHolder 1"/>
           <p:cNvSpPr>
             <a:spLocks noGrp="1"/>
           </p:cNvSpPr>
@@ -12251,7 +9970,7 @@
         <p:spPr>
           <a:xfrm>
             <a:off x="1008000" y="260280"/>
-            <a:ext cx="7846560" cy="358200"/>
+            <a:ext cx="7846200" cy="357840"/>
           </a:xfrm>
           <a:prstGeom prst="rect">
             <a:avLst/>
@@ -12296,7 +10015,7 @@
       </p:sp>
       <p:sp>
         <p:nvSpPr>
-          <p:cNvPr id="109" name="PlaceHolder 2"/>
+          <p:cNvPr id="64" name="PlaceHolder 2"/>
           <p:cNvSpPr>
             <a:spLocks noGrp="1"/>
           </p:cNvSpPr>
@@ -12307,7 +10026,7 @@
         <p:spPr>
           <a:xfrm>
             <a:off x="107640" y="1260000"/>
-            <a:ext cx="2950560" cy="1105560"/>
+            <a:ext cx="2950200" cy="1105200"/>
           </a:xfrm>
           <a:prstGeom prst="rect">
             <a:avLst/>
@@ -12405,14 +10124,14 @@
       </p:sp>
       <p:sp>
         <p:nvSpPr>
-          <p:cNvPr id="110" name=""/>
+          <p:cNvPr id="65" name=""/>
           <p:cNvSpPr/>
           <p:nvPr/>
         </p:nvSpPr>
         <p:spPr>
           <a:xfrm>
             <a:off x="2880000" y="1260000"/>
-            <a:ext cx="3418200" cy="898200"/>
+            <a:ext cx="3417840" cy="897840"/>
           </a:xfrm>
           <a:prstGeom prst="ellipse">
             <a:avLst/>
@@ -12462,7 +10181,7 @@
       </p:sp>
       <p:sp>
         <p:nvSpPr>
-          <p:cNvPr id="111" name=""/>
+          <p:cNvPr id="66" name=""/>
           <p:cNvSpPr/>
           <p:nvPr/>
         </p:nvSpPr>
@@ -12503,14 +10222,14 @@
       </p:sp>
       <p:sp>
         <p:nvSpPr>
-          <p:cNvPr id="112" name=""/>
+          <p:cNvPr id="67" name=""/>
           <p:cNvSpPr/>
           <p:nvPr/>
         </p:nvSpPr>
         <p:spPr>
           <a:xfrm>
             <a:off x="2880000" y="2700000"/>
-            <a:ext cx="3598200" cy="898200"/>
+            <a:ext cx="3597840" cy="897840"/>
           </a:xfrm>
           <a:prstGeom prst="ellipse">
             <a:avLst/>
@@ -12572,14 +10291,14 @@
       </p:sp>
       <p:sp>
         <p:nvSpPr>
-          <p:cNvPr id="113" name=""/>
+          <p:cNvPr id="68" name=""/>
           <p:cNvSpPr/>
           <p:nvPr/>
         </p:nvSpPr>
         <p:spPr>
           <a:xfrm>
             <a:off x="4680000" y="2244600"/>
-            <a:ext cx="3058200" cy="358200"/>
+            <a:ext cx="3057840" cy="357840"/>
           </a:xfrm>
           <a:prstGeom prst="rect">
             <a:avLst/>
@@ -12625,7 +10344,7 @@
       </p:sp>
       <p:sp>
         <p:nvSpPr>
-          <p:cNvPr id="114" name=""/>
+          <p:cNvPr id="69" name=""/>
           <p:cNvSpPr/>
           <p:nvPr/>
         </p:nvSpPr>
@@ -12666,14 +10385,14 @@
       </p:sp>
       <p:sp>
         <p:nvSpPr>
-          <p:cNvPr id="115" name=""/>
+          <p:cNvPr id="70" name=""/>
           <p:cNvSpPr/>
           <p:nvPr/>
         </p:nvSpPr>
         <p:spPr>
           <a:xfrm>
             <a:off x="2880000" y="4680000"/>
-            <a:ext cx="3598200" cy="898200"/>
+            <a:ext cx="3597840" cy="897840"/>
           </a:xfrm>
           <a:prstGeom prst="ellipse">
             <a:avLst/>
@@ -12735,14 +10454,14 @@
       </p:sp>
       <p:sp>
         <p:nvSpPr>
-          <p:cNvPr id="116" name=""/>
+          <p:cNvPr id="71" name=""/>
           <p:cNvSpPr/>
           <p:nvPr/>
         </p:nvSpPr>
         <p:spPr>
           <a:xfrm>
             <a:off x="4860000" y="3600000"/>
-            <a:ext cx="3958200" cy="1258200"/>
+            <a:ext cx="3957840" cy="1257840"/>
           </a:xfrm>
           <a:prstGeom prst="rect">
             <a:avLst/>
@@ -12822,7 +10541,7 @@
       </p:sp>
       <p:pic>
         <p:nvPicPr>
-          <p:cNvPr id="117" name="" descr=""/>
+          <p:cNvPr id="72" name="" descr=""/>
           <p:cNvPicPr/>
           <p:nvPr/>
         </p:nvPicPr>
@@ -12833,7 +10552,7 @@
         <p:spPr>
           <a:xfrm>
             <a:off x="565560" y="3564000"/>
-            <a:ext cx="3068640" cy="1179000"/>
+            <a:ext cx="3068280" cy="1178640"/>
           </a:xfrm>
           <a:prstGeom prst="rect">
             <a:avLst/>
@@ -12843,6 +10562,48 @@
           </a:ln>
         </p:spPr>
       </p:pic>
+      <p:sp>
+        <p:nvSpPr>
+          <p:cNvPr id="73" name=""/>
+          <p:cNvSpPr txBox="1"/>
+          <p:nvPr/>
+        </p:nvSpPr>
+        <p:spPr>
+          <a:xfrm>
+            <a:off x="8820000" y="6430680"/>
+            <a:ext cx="379080" cy="427320"/>
+          </a:xfrm>
+          <a:prstGeom prst="rect">
+            <a:avLst/>
+          </a:prstGeom>
+          <a:noFill/>
+          <a:ln w="0">
+            <a:noFill/>
+          </a:ln>
+        </p:spPr>
+        <p:txBody>
+          <a:bodyPr lIns="90000" rIns="90000" tIns="45000" bIns="45000" anchor="t">
+            <a:noAutofit/>
+          </a:bodyPr>
+          <a:p>
+            <a:fld id="{A5193917-E5E1-4E4A-935A-6CD54A41B86E}" type="slidenum">
+              <a:rPr b="0" lang="fr-FR" sz="2400" spc="-1" strike="noStrike">
+                <a:solidFill>
+                  <a:srgbClr val="000000"/>
+                </a:solidFill>
+                <a:latin typeface="Times New Roman"/>
+              </a:rPr>
+              <a:t>&lt;numéro&gt;</a:t>
+            </a:fld>
+            <a:endParaRPr b="0" lang="fr-FR" sz="2400" spc="-1" strike="noStrike">
+              <a:solidFill>
+                <a:srgbClr val="000000"/>
+              </a:solidFill>
+              <a:latin typeface="Times New Roman"/>
+            </a:endParaRPr>
+          </a:p>
+        </p:txBody>
+      </p:sp>
       <p:sp>
         <p:nvSpPr>
           <p:cNvPr id="4" name="PlaceHolder 3"/>
@@ -12857,7 +10618,7 @@
         <p:txBody>
           <a:bodyPr/>
           <a:p>
-            <a:fld id="{D860178D-6012-45C4-801E-C06F771606F1}" type="slidenum">
+            <a:fld id="{E73BE21B-CBCA-4D15-94C7-8069ABBB54C0}" type="slidenum">
               <a:t>3</a:t>
             </a:fld>
           </a:p>
@@ -12895,28 +10656,39 @@
       </p:grpSpPr>
       <p:sp>
         <p:nvSpPr>
-          <p:cNvPr id="199" name=""/>
-          <p:cNvSpPr txBox="1"/>
+          <p:cNvPr id="181" name=""/>
+          <p:cNvSpPr/>
           <p:nvPr/>
         </p:nvSpPr>
         <p:spPr>
           <a:xfrm>
             <a:off x="180000" y="720000"/>
-            <a:ext cx="2520000" cy="360000"/>
-          </a:xfrm>
-          <a:prstGeom prst="rect">
-            <a:avLst/>
-          </a:prstGeom>
-          <a:noFill/>
-          <a:ln w="0">
-            <a:noFill/>
-          </a:ln>
-        </p:spPr>
+            <a:ext cx="2519640" cy="359640"/>
+          </a:xfrm>
+          <a:prstGeom prst="rect">
+            <a:avLst/>
+          </a:prstGeom>
+          <a:noFill/>
+          <a:ln w="0">
+            <a:noFill/>
+          </a:ln>
+        </p:spPr>
+        <p:style>
+          <a:lnRef idx="0"/>
+          <a:fillRef idx="0"/>
+          <a:effectRef idx="0"/>
+          <a:fontRef idx="minor"/>
+        </p:style>
         <p:txBody>
           <a:bodyPr lIns="90000" rIns="90000" tIns="45000" bIns="45000" anchor="t">
             <a:noAutofit/>
           </a:bodyPr>
           <a:p>
+            <a:pPr>
+              <a:lnSpc>
+                <a:spcPct val="100000"/>
+              </a:lnSpc>
+            </a:pPr>
             <a:r>
               <a:rPr b="0" lang="fr-FR" sz="1800" spc="-1" strike="noStrike">
                 <a:solidFill>
@@ -12937,7 +10709,7 @@
       </p:sp>
       <p:pic>
         <p:nvPicPr>
-          <p:cNvPr id="200" name="" descr=""/>
+          <p:cNvPr id="182" name="" descr=""/>
           <p:cNvPicPr/>
           <p:nvPr/>
         </p:nvPicPr>
@@ -12948,7 +10720,7 @@
         <p:spPr>
           <a:xfrm>
             <a:off x="540000" y="1395000"/>
-            <a:ext cx="3960000" cy="1800000"/>
+            <a:ext cx="3959640" cy="1799640"/>
           </a:xfrm>
           <a:prstGeom prst="rect">
             <a:avLst/>
@@ -12960,7 +10732,7 @@
       </p:pic>
       <p:pic>
         <p:nvPicPr>
-          <p:cNvPr id="201" name="" descr=""/>
+          <p:cNvPr id="183" name="" descr=""/>
           <p:cNvPicPr/>
           <p:nvPr/>
         </p:nvPicPr>
@@ -12971,7 +10743,7 @@
         <p:spPr>
           <a:xfrm>
             <a:off x="540000" y="3600000"/>
-            <a:ext cx="3960000" cy="1800000"/>
+            <a:ext cx="3959640" cy="1799640"/>
           </a:xfrm>
           <a:prstGeom prst="rect">
             <a:avLst/>
@@ -12983,7 +10755,7 @@
       </p:pic>
       <p:pic>
         <p:nvPicPr>
-          <p:cNvPr id="202" name="" descr=""/>
+          <p:cNvPr id="184" name="" descr=""/>
           <p:cNvPicPr/>
           <p:nvPr/>
         </p:nvPicPr>
@@ -12994,7 +10766,7 @@
         <p:spPr>
           <a:xfrm>
             <a:off x="4860000" y="2340000"/>
-            <a:ext cx="3960000" cy="1800000"/>
+            <a:ext cx="3959640" cy="1799640"/>
           </a:xfrm>
           <a:prstGeom prst="rect">
             <a:avLst/>
@@ -13004,6 +10776,48 @@
           </a:ln>
         </p:spPr>
       </p:pic>
+      <p:sp>
+        <p:nvSpPr>
+          <p:cNvPr id="185" name=""/>
+          <p:cNvSpPr txBox="1"/>
+          <p:nvPr/>
+        </p:nvSpPr>
+        <p:spPr>
+          <a:xfrm>
+            <a:off x="8730000" y="6431400"/>
+            <a:ext cx="485640" cy="427320"/>
+          </a:xfrm>
+          <a:prstGeom prst="rect">
+            <a:avLst/>
+          </a:prstGeom>
+          <a:noFill/>
+          <a:ln w="0">
+            <a:noFill/>
+          </a:ln>
+        </p:spPr>
+        <p:txBody>
+          <a:bodyPr lIns="90000" rIns="90000" tIns="45000" bIns="45000" anchor="t">
+            <a:noAutofit/>
+          </a:bodyPr>
+          <a:p>
+            <a:fld id="{3D154037-2739-47CA-9968-C5459E8ACC03}" type="slidenum">
+              <a:rPr b="0" lang="fr-FR" sz="2400" spc="-1" strike="noStrike">
+                <a:solidFill>
+                  <a:srgbClr val="000000"/>
+                </a:solidFill>
+                <a:latin typeface="Times New Roman"/>
+              </a:rPr>
+              <a:t>&lt;numéro&gt;</a:t>
+            </a:fld>
+            <a:endParaRPr b="0" lang="fr-FR" sz="2400" spc="-1" strike="noStrike">
+              <a:solidFill>
+                <a:srgbClr val="000000"/>
+              </a:solidFill>
+              <a:latin typeface="Times New Roman"/>
+            </a:endParaRPr>
+          </a:p>
+        </p:txBody>
+      </p:sp>
       <p:sp>
         <p:nvSpPr>
           <p:cNvPr id="2" name="PlaceHolder 1"/>
@@ -13018,7 +10832,7 @@
         <p:txBody>
           <a:bodyPr/>
           <a:p>
-            <a:fld id="{5F15305F-D669-4E98-98FA-E0974C930717}" type="slidenum">
+            <a:fld id="{E417CA4B-EE86-48A0-9027-63DF0BB1F5DE}" type="slidenum">
               <a:t>30</a:t>
             </a:fld>
           </a:p>
@@ -13056,7 +10870,7 @@
       </p:grpSpPr>
       <p:pic>
         <p:nvPicPr>
-          <p:cNvPr id="203" name="" descr=""/>
+          <p:cNvPr id="186" name="" descr=""/>
           <p:cNvPicPr/>
           <p:nvPr/>
         </p:nvPicPr>
@@ -13067,7 +10881,7 @@
         <p:spPr>
           <a:xfrm>
             <a:off x="540000" y="1209960"/>
-            <a:ext cx="7528680" cy="1310040"/>
+            <a:ext cx="7528320" cy="1309680"/>
           </a:xfrm>
           <a:prstGeom prst="rect">
             <a:avLst/>
@@ -13079,7 +10893,7 @@
       </p:pic>
       <p:pic>
         <p:nvPicPr>
-          <p:cNvPr id="204" name="" descr=""/>
+          <p:cNvPr id="187" name="" descr=""/>
           <p:cNvPicPr/>
           <p:nvPr/>
         </p:nvPicPr>
@@ -13090,7 +10904,7 @@
         <p:spPr>
           <a:xfrm>
             <a:off x="540000" y="2971080"/>
-            <a:ext cx="7711560" cy="1355760"/>
+            <a:ext cx="7711200" cy="1355400"/>
           </a:xfrm>
           <a:prstGeom prst="rect">
             <a:avLst/>
@@ -13102,28 +10916,39 @@
       </p:pic>
       <p:sp>
         <p:nvSpPr>
-          <p:cNvPr id="205" name=""/>
-          <p:cNvSpPr txBox="1"/>
+          <p:cNvPr id="188" name=""/>
+          <p:cNvSpPr/>
           <p:nvPr/>
         </p:nvSpPr>
         <p:spPr>
           <a:xfrm>
             <a:off x="540000" y="900000"/>
-            <a:ext cx="3960000" cy="346320"/>
-          </a:xfrm>
-          <a:prstGeom prst="rect">
-            <a:avLst/>
-          </a:prstGeom>
-          <a:noFill/>
-          <a:ln w="0">
-            <a:noFill/>
-          </a:ln>
-        </p:spPr>
+            <a:ext cx="3959640" cy="345960"/>
+          </a:xfrm>
+          <a:prstGeom prst="rect">
+            <a:avLst/>
+          </a:prstGeom>
+          <a:noFill/>
+          <a:ln w="0">
+            <a:noFill/>
+          </a:ln>
+        </p:spPr>
+        <p:style>
+          <a:lnRef idx="0"/>
+          <a:fillRef idx="0"/>
+          <a:effectRef idx="0"/>
+          <a:fontRef idx="minor"/>
+        </p:style>
         <p:txBody>
           <a:bodyPr lIns="90000" rIns="90000" tIns="45000" bIns="45000" anchor="t">
             <a:noAutofit/>
           </a:bodyPr>
           <a:p>
+            <a:pPr>
+              <a:lnSpc>
+                <a:spcPct val="100000"/>
+              </a:lnSpc>
+            </a:pPr>
             <a:r>
               <a:rPr b="0" lang="fr-FR" sz="1800" spc="-1" strike="noStrike">
                 <a:solidFill>
@@ -13144,28 +10969,39 @@
       </p:sp>
       <p:sp>
         <p:nvSpPr>
-          <p:cNvPr id="206" name=""/>
-          <p:cNvSpPr txBox="1"/>
+          <p:cNvPr id="189" name=""/>
+          <p:cNvSpPr/>
           <p:nvPr/>
         </p:nvSpPr>
         <p:spPr>
           <a:xfrm>
             <a:off x="540000" y="2624760"/>
-            <a:ext cx="2520000" cy="346320"/>
-          </a:xfrm>
-          <a:prstGeom prst="rect">
-            <a:avLst/>
-          </a:prstGeom>
-          <a:noFill/>
-          <a:ln w="0">
-            <a:noFill/>
-          </a:ln>
-        </p:spPr>
+            <a:ext cx="2519640" cy="345960"/>
+          </a:xfrm>
+          <a:prstGeom prst="rect">
+            <a:avLst/>
+          </a:prstGeom>
+          <a:noFill/>
+          <a:ln w="0">
+            <a:noFill/>
+          </a:ln>
+        </p:spPr>
+        <p:style>
+          <a:lnRef idx="0"/>
+          <a:fillRef idx="0"/>
+          <a:effectRef idx="0"/>
+          <a:fontRef idx="minor"/>
+        </p:style>
         <p:txBody>
           <a:bodyPr lIns="90000" rIns="90000" tIns="45000" bIns="45000" anchor="t">
             <a:noAutofit/>
           </a:bodyPr>
           <a:p>
+            <a:pPr>
+              <a:lnSpc>
+                <a:spcPct val="100000"/>
+              </a:lnSpc>
+            </a:pPr>
             <a:r>
               <a:rPr b="0" lang="fr-FR" sz="1800" spc="-1" strike="noStrike">
                 <a:solidFill>
@@ -13186,28 +11022,39 @@
       </p:sp>
       <p:sp>
         <p:nvSpPr>
-          <p:cNvPr id="207" name=""/>
-          <p:cNvSpPr txBox="1"/>
+          <p:cNvPr id="190" name=""/>
+          <p:cNvSpPr/>
           <p:nvPr/>
         </p:nvSpPr>
         <p:spPr>
           <a:xfrm>
             <a:off x="540000" y="4513680"/>
-            <a:ext cx="3060000" cy="346320"/>
-          </a:xfrm>
-          <a:prstGeom prst="rect">
-            <a:avLst/>
-          </a:prstGeom>
-          <a:noFill/>
-          <a:ln w="0">
-            <a:noFill/>
-          </a:ln>
-        </p:spPr>
+            <a:ext cx="3059640" cy="345960"/>
+          </a:xfrm>
+          <a:prstGeom prst="rect">
+            <a:avLst/>
+          </a:prstGeom>
+          <a:noFill/>
+          <a:ln w="0">
+            <a:noFill/>
+          </a:ln>
+        </p:spPr>
+        <p:style>
+          <a:lnRef idx="0"/>
+          <a:fillRef idx="0"/>
+          <a:effectRef idx="0"/>
+          <a:fontRef idx="minor"/>
+        </p:style>
         <p:txBody>
           <a:bodyPr lIns="90000" rIns="90000" tIns="45000" bIns="45000" anchor="t">
             <a:noAutofit/>
           </a:bodyPr>
           <a:p>
+            <a:pPr>
+              <a:lnSpc>
+                <a:spcPct val="100000"/>
+              </a:lnSpc>
+            </a:pPr>
             <a:r>
               <a:rPr b="0" lang="fr-FR" sz="1800" spc="-1" strike="noStrike">
                 <a:solidFill>
@@ -13228,7 +11075,7 @@
       </p:sp>
       <p:pic>
         <p:nvPicPr>
-          <p:cNvPr id="208" name="" descr=""/>
+          <p:cNvPr id="191" name="" descr=""/>
           <p:cNvPicPr/>
           <p:nvPr/>
         </p:nvPicPr>
@@ -13239,7 +11086,7 @@
         <p:spPr>
           <a:xfrm>
             <a:off x="0" y="4860000"/>
-            <a:ext cx="9143640" cy="1157040"/>
+            <a:ext cx="9143280" cy="1156680"/>
           </a:xfrm>
           <a:prstGeom prst="rect">
             <a:avLst/>
@@ -13251,14 +11098,67 @@
       </p:pic>
       <p:sp>
         <p:nvSpPr>
-          <p:cNvPr id="209" name=""/>
+          <p:cNvPr id="192" name=""/>
+          <p:cNvSpPr/>
+          <p:nvPr/>
+        </p:nvSpPr>
+        <p:spPr>
+          <a:xfrm>
+            <a:off x="180000" y="589680"/>
+            <a:ext cx="3959640" cy="345960"/>
+          </a:xfrm>
+          <a:prstGeom prst="rect">
+            <a:avLst/>
+          </a:prstGeom>
+          <a:noFill/>
+          <a:ln w="0">
+            <a:noFill/>
+          </a:ln>
+        </p:spPr>
+        <p:style>
+          <a:lnRef idx="0"/>
+          <a:fillRef idx="0"/>
+          <a:effectRef idx="0"/>
+          <a:fontRef idx="minor"/>
+        </p:style>
+        <p:txBody>
+          <a:bodyPr lIns="90000" rIns="90000" tIns="45000" bIns="45000" anchor="t">
+            <a:noAutofit/>
+          </a:bodyPr>
+          <a:p>
+            <a:pPr>
+              <a:lnSpc>
+                <a:spcPct val="100000"/>
+              </a:lnSpc>
+            </a:pPr>
+            <a:r>
+              <a:rPr b="0" lang="fr-FR" sz="1800" spc="-1" strike="noStrike">
+                <a:solidFill>
+                  <a:srgbClr val="000000"/>
+                </a:solidFill>
+                <a:latin typeface="Arial"/>
+              </a:rPr>
+              <a:t>Test avec « lung » </a:t>
+            </a:r>
+            <a:endParaRPr b="0" lang="fr-FR" sz="1800" spc="-1" strike="noStrike">
+              <a:solidFill>
+                <a:srgbClr val="000000"/>
+              </a:solidFill>
+              <a:latin typeface="Arial"/>
+            </a:endParaRPr>
+          </a:p>
+        </p:txBody>
+      </p:sp>
+      <p:sp>
+        <p:nvSpPr>
+          <p:cNvPr id="193" name=""/>
           <p:cNvSpPr txBox="1"/>
           <p:nvPr/>
         </p:nvSpPr>
         <p:spPr>
           <a:xfrm>
-            <a:off x="180000" y="589680"/>
-            <a:ext cx="3960000" cy="346320"/>
+            <a:off x="8730000" y="6431400"/>
+            <a:ext cx="485640" cy="427320"/>
           </a:xfrm>
           <a:prstGeom prst="rect">
             <a:avLst/>
@@ -13273,20 +11173,20 @@
             <a:noAutofit/>
           </a:bodyPr>
           <a:p>
-            <a:r>
-              <a:rPr b="0" lang="fr-FR" sz="1800" spc="-1" strike="noStrike">
-                <a:solidFill>
-                  <a:srgbClr val="000000"/>
-                </a:solidFill>
-                <a:latin typeface="Arial"/>
-              </a:rPr>
-              <a:t>Test avec « lung » </a:t>
-            </a:r>
-            <a:endParaRPr b="0" lang="fr-FR" sz="1800" spc="-1" strike="noStrike">
-              <a:solidFill>
-                <a:srgbClr val="000000"/>
-              </a:solidFill>
-              <a:latin typeface="Arial"/>
+            <a:fld id="{282DF94F-1540-43D8-97A9-45A3C48D638F}" type="slidenum">
+              <a:rPr b="0" lang="fr-FR" sz="2400" spc="-1" strike="noStrike">
+                <a:solidFill>
+                  <a:srgbClr val="000000"/>
+                </a:solidFill>
+                <a:latin typeface="Times New Roman"/>
+              </a:rPr>
+              <a:t>&lt;numéro&gt;</a:t>
+            </a:fld>
+            <a:endParaRPr b="0" lang="fr-FR" sz="2400" spc="-1" strike="noStrike">
+              <a:solidFill>
+                <a:srgbClr val="000000"/>
+              </a:solidFill>
+              <a:latin typeface="Times New Roman"/>
             </a:endParaRPr>
           </a:p>
         </p:txBody>
@@ -13305,7 +11205,7 @@
         <p:txBody>
           <a:bodyPr/>
           <a:p>
-            <a:fld id="{7FC465E5-CD9F-4A0E-BA2E-BD6F3AF3B793}" type="slidenum">
+            <a:fld id="{E58909A7-3514-40CD-ACD5-C78A6F2B224F}" type="slidenum">
               <a:t>31</a:t>
             </a:fld>
           </a:p>
@@ -13343,23 +11243,29 @@
       </p:grpSpPr>
       <p:sp>
         <p:nvSpPr>
-          <p:cNvPr id="210" name=""/>
-          <p:cNvSpPr txBox="1"/>
+          <p:cNvPr id="194" name=""/>
+          <p:cNvSpPr/>
           <p:nvPr/>
         </p:nvSpPr>
         <p:spPr>
           <a:xfrm>
             <a:off x="432360" y="900360"/>
-            <a:ext cx="2519640" cy="359640"/>
-          </a:xfrm>
-          <a:prstGeom prst="rect">
-            <a:avLst/>
-          </a:prstGeom>
-          <a:noFill/>
-          <a:ln w="0">
-            <a:noFill/>
-          </a:ln>
-        </p:spPr>
+            <a:ext cx="2519280" cy="359280"/>
+          </a:xfrm>
+          <a:prstGeom prst="rect">
+            <a:avLst/>
+          </a:prstGeom>
+          <a:noFill/>
+          <a:ln w="0">
+            <a:noFill/>
+          </a:ln>
+        </p:spPr>
+        <p:style>
+          <a:lnRef idx="0"/>
+          <a:fillRef idx="0"/>
+          <a:effectRef idx="0"/>
+          <a:fontRef idx="minor"/>
+        </p:style>
         <p:txBody>
           <a:bodyPr lIns="90000" rIns="90000" tIns="45000" bIns="45000" anchor="t">
             <a:noAutofit/>
@@ -13391,28 +11297,39 @@
       </p:sp>
       <p:sp>
         <p:nvSpPr>
-          <p:cNvPr id="211" name=""/>
-          <p:cNvSpPr txBox="1"/>
+          <p:cNvPr id="195" name=""/>
+          <p:cNvSpPr/>
           <p:nvPr/>
         </p:nvSpPr>
         <p:spPr>
           <a:xfrm>
             <a:off x="432360" y="2517120"/>
-            <a:ext cx="2159640" cy="362880"/>
-          </a:xfrm>
-          <a:prstGeom prst="rect">
-            <a:avLst/>
-          </a:prstGeom>
-          <a:noFill/>
-          <a:ln w="0">
-            <a:noFill/>
-          </a:ln>
-        </p:spPr>
+            <a:ext cx="2159280" cy="362520"/>
+          </a:xfrm>
+          <a:prstGeom prst="rect">
+            <a:avLst/>
+          </a:prstGeom>
+          <a:noFill/>
+          <a:ln w="0">
+            <a:noFill/>
+          </a:ln>
+        </p:spPr>
+        <p:style>
+          <a:lnRef idx="0"/>
+          <a:fillRef idx="0"/>
+          <a:effectRef idx="0"/>
+          <a:fontRef idx="minor"/>
+        </p:style>
         <p:txBody>
           <a:bodyPr lIns="90000" rIns="90000" tIns="45000" bIns="45000" anchor="t">
             <a:noAutofit/>
           </a:bodyPr>
           <a:p>
+            <a:pPr>
+              <a:lnSpc>
+                <a:spcPct val="100000"/>
+              </a:lnSpc>
+            </a:pPr>
             <a:r>
               <a:rPr b="0" lang="fr-FR" sz="1800" spc="-1" strike="noStrike">
                 <a:solidFill>
@@ -13433,7 +11350,7 @@
       </p:sp>
       <p:pic>
         <p:nvPicPr>
-          <p:cNvPr id="212" name="" descr=""/>
+          <p:cNvPr id="196" name="" descr=""/>
           <p:cNvPicPr/>
           <p:nvPr/>
         </p:nvPicPr>
@@ -13444,7 +11361,7 @@
         <p:spPr>
           <a:xfrm>
             <a:off x="66960" y="1260000"/>
-            <a:ext cx="8969040" cy="1043640"/>
+            <a:ext cx="8968680" cy="1043280"/>
           </a:xfrm>
           <a:prstGeom prst="rect">
             <a:avLst/>
@@ -13456,7 +11373,7 @@
       </p:pic>
       <p:pic>
         <p:nvPicPr>
-          <p:cNvPr id="213" name="" descr=""/>
+          <p:cNvPr id="197" name="" descr=""/>
           <p:cNvPicPr/>
           <p:nvPr/>
         </p:nvPicPr>
@@ -13467,7 +11384,7 @@
         <p:spPr>
           <a:xfrm>
             <a:off x="93600" y="2946960"/>
-            <a:ext cx="9007200" cy="1043640"/>
+            <a:ext cx="9006840" cy="1043280"/>
           </a:xfrm>
           <a:prstGeom prst="rect">
             <a:avLst/>
@@ -13479,7 +11396,7 @@
       </p:pic>
       <p:pic>
         <p:nvPicPr>
-          <p:cNvPr id="214" name="" descr=""/>
+          <p:cNvPr id="198" name="" descr=""/>
           <p:cNvPicPr/>
           <p:nvPr/>
         </p:nvPicPr>
@@ -13490,7 +11407,7 @@
         <p:spPr>
           <a:xfrm>
             <a:off x="36360" y="4579920"/>
-            <a:ext cx="9143640" cy="1000080"/>
+            <a:ext cx="9143280" cy="999720"/>
           </a:xfrm>
           <a:prstGeom prst="rect">
             <a:avLst/>
@@ -13502,14 +11419,121 @@
       </p:pic>
       <p:sp>
         <p:nvSpPr>
-          <p:cNvPr id="215" name=""/>
+          <p:cNvPr id="199" name=""/>
+          <p:cNvSpPr/>
+          <p:nvPr/>
+        </p:nvSpPr>
+        <p:spPr>
+          <a:xfrm>
+            <a:off x="324000" y="4189680"/>
+            <a:ext cx="2555640" cy="389880"/>
+          </a:xfrm>
+          <a:prstGeom prst="rect">
+            <a:avLst/>
+          </a:prstGeom>
+          <a:noFill/>
+          <a:ln w="0">
+            <a:noFill/>
+          </a:ln>
+        </p:spPr>
+        <p:style>
+          <a:lnRef idx="0"/>
+          <a:fillRef idx="0"/>
+          <a:effectRef idx="0"/>
+          <a:fontRef idx="minor"/>
+        </p:style>
+        <p:txBody>
+          <a:bodyPr lIns="90000" rIns="90000" tIns="45000" bIns="45000" anchor="t">
+            <a:noAutofit/>
+          </a:bodyPr>
+          <a:p>
+            <a:pPr>
+              <a:lnSpc>
+                <a:spcPct val="100000"/>
+              </a:lnSpc>
+            </a:pPr>
+            <a:r>
+              <a:rPr b="0" lang="fr-FR" sz="1800" spc="-1" strike="noStrike">
+                <a:solidFill>
+                  <a:srgbClr val="000000"/>
+                </a:solidFill>
+                <a:latin typeface="Arial"/>
+              </a:rPr>
+              <a:t>Hamming :</a:t>
+            </a:r>
+            <a:endParaRPr b="0" lang="fr-FR" sz="1800" spc="-1" strike="noStrike">
+              <a:solidFill>
+                <a:srgbClr val="000000"/>
+              </a:solidFill>
+              <a:latin typeface="Arial"/>
+            </a:endParaRPr>
+          </a:p>
+        </p:txBody>
+      </p:sp>
+      <p:sp>
+        <p:nvSpPr>
+          <p:cNvPr id="200" name=""/>
+          <p:cNvSpPr/>
+          <p:nvPr/>
+        </p:nvSpPr>
+        <p:spPr>
+          <a:xfrm>
+            <a:off x="3240000" y="720000"/>
+            <a:ext cx="3599640" cy="359640"/>
+          </a:xfrm>
+          <a:prstGeom prst="rect">
+            <a:avLst/>
+          </a:prstGeom>
+          <a:noFill/>
+          <a:ln w="0">
+            <a:noFill/>
+          </a:ln>
+        </p:spPr>
+        <p:style>
+          <a:lnRef idx="0"/>
+          <a:fillRef idx="0"/>
+          <a:effectRef idx="0"/>
+          <a:fontRef idx="minor"/>
+        </p:style>
+        <p:txBody>
+          <a:bodyPr lIns="90000" rIns="90000" tIns="45000" bIns="45000" anchor="t">
+            <a:noAutofit/>
+          </a:bodyPr>
+          <a:p>
+            <a:pPr>
+              <a:lnSpc>
+                <a:spcPct val="100000"/>
+              </a:lnSpc>
+            </a:pPr>
+            <a:r>
+              <a:rPr b="0" lang="fr-FR" sz="1800" spc="-1" strike="noStrike">
+                <a:solidFill>
+                  <a:srgbClr val="000000"/>
+                </a:solidFill>
+                <a:latin typeface="Arial"/>
+                <a:ea typeface="Microsoft YaHei"/>
+              </a:rPr>
+              <a:t>Problème ici car binaire ?</a:t>
+            </a:r>
+            <a:endParaRPr b="0" lang="fr-FR" sz="1800" spc="-1" strike="noStrike">
+              <a:solidFill>
+                <a:srgbClr val="000000"/>
+              </a:solidFill>
+              <a:latin typeface="Arial"/>
+            </a:endParaRPr>
+          </a:p>
+        </p:txBody>
+      </p:sp>
+      <p:sp>
+        <p:nvSpPr>
+          <p:cNvPr id="201" name=""/>
           <p:cNvSpPr txBox="1"/>
           <p:nvPr/>
         </p:nvSpPr>
         <p:spPr>
           <a:xfrm>
-            <a:off x="324000" y="4189680"/>
-            <a:ext cx="2556000" cy="390240"/>
+            <a:off x="8730000" y="6431400"/>
+            <a:ext cx="485640" cy="427320"/>
           </a:xfrm>
           <a:prstGeom prst="rect">
             <a:avLst/>
@@ -13524,68 +11548,20 @@
             <a:noAutofit/>
           </a:bodyPr>
           <a:p>
-            <a:r>
-              <a:rPr b="0" lang="fr-FR" sz="1800" spc="-1" strike="noStrike">
-                <a:solidFill>
-                  <a:srgbClr val="000000"/>
-                </a:solidFill>
-                <a:latin typeface="Arial"/>
-              </a:rPr>
-              <a:t>Hamming :</a:t>
-            </a:r>
-            <a:endParaRPr b="0" lang="fr-FR" sz="1800" spc="-1" strike="noStrike">
-              <a:solidFill>
-                <a:srgbClr val="000000"/>
-              </a:solidFill>
-              <a:latin typeface="Arial"/>
-            </a:endParaRPr>
-          </a:p>
-        </p:txBody>
-      </p:sp>
-      <p:sp>
-        <p:nvSpPr>
-          <p:cNvPr id="216" name=""/>
-          <p:cNvSpPr txBox="1"/>
-          <p:nvPr/>
-        </p:nvSpPr>
-        <p:spPr>
-          <a:xfrm>
-            <a:off x="3240000" y="720000"/>
-            <a:ext cx="3600000" cy="360000"/>
-          </a:xfrm>
-          <a:prstGeom prst="rect">
-            <a:avLst/>
-          </a:prstGeom>
-          <a:noFill/>
-          <a:ln w="0">
-            <a:noFill/>
-          </a:ln>
-        </p:spPr>
-        <p:txBody>
-          <a:bodyPr lIns="90000" rIns="90000" tIns="45000" bIns="45000" anchor="t">
-            <a:noAutofit/>
-          </a:bodyPr>
-          <a:p>
-            <a:pPr>
-              <a:lnSpc>
-                <a:spcPct val="100000"/>
-              </a:lnSpc>
-            </a:pPr>
-            <a:r>
-              <a:rPr b="0" lang="fr-FR" sz="1800" spc="-1" strike="noStrike">
-                <a:solidFill>
-                  <a:srgbClr val="000000"/>
-                </a:solidFill>
-                <a:latin typeface="Arial"/>
-                <a:ea typeface="Microsoft YaHei"/>
-              </a:rPr>
-              <a:t>Problème ici car binaire ?</a:t>
-            </a:r>
-            <a:endParaRPr b="0" lang="fr-FR" sz="1800" spc="-1" strike="noStrike">
-              <a:solidFill>
-                <a:srgbClr val="000000"/>
-              </a:solidFill>
-              <a:latin typeface="Arial"/>
+            <a:fld id="{2500A644-B24E-4795-8400-075E4B2FFCB9}" type="slidenum">
+              <a:rPr b="0" lang="fr-FR" sz="2400" spc="-1" strike="noStrike">
+                <a:solidFill>
+                  <a:srgbClr val="000000"/>
+                </a:solidFill>
+                <a:latin typeface="Times New Roman"/>
+              </a:rPr>
+              <a:t>&lt;numéro&gt;</a:t>
+            </a:fld>
+            <a:endParaRPr b="0" lang="fr-FR" sz="2400" spc="-1" strike="noStrike">
+              <a:solidFill>
+                <a:srgbClr val="000000"/>
+              </a:solidFill>
+              <a:latin typeface="Times New Roman"/>
             </a:endParaRPr>
           </a:p>
         </p:txBody>
@@ -13604,7 +11580,7 @@
         <p:txBody>
           <a:bodyPr/>
           <a:p>
-            <a:fld id="{58211CDF-8046-4654-B56C-7F0D3D0E261D}" type="slidenum">
+            <a:fld id="{E4E9BE7F-D1C5-44E9-A3ED-AE439F9E6620}" type="slidenum">
               <a:t>32</a:t>
             </a:fld>
           </a:p>
@@ -13642,28 +11618,39 @@
       </p:grpSpPr>
       <p:sp>
         <p:nvSpPr>
-          <p:cNvPr id="217" name=""/>
-          <p:cNvSpPr txBox="1"/>
+          <p:cNvPr id="202" name=""/>
+          <p:cNvSpPr/>
           <p:nvPr/>
         </p:nvSpPr>
         <p:spPr>
           <a:xfrm>
             <a:off x="360000" y="720000"/>
-            <a:ext cx="2700000" cy="360000"/>
-          </a:xfrm>
-          <a:prstGeom prst="rect">
-            <a:avLst/>
-          </a:prstGeom>
-          <a:noFill/>
-          <a:ln w="0">
-            <a:noFill/>
-          </a:ln>
-        </p:spPr>
+            <a:ext cx="2699640" cy="359640"/>
+          </a:xfrm>
+          <a:prstGeom prst="rect">
+            <a:avLst/>
+          </a:prstGeom>
+          <a:noFill/>
+          <a:ln w="0">
+            <a:noFill/>
+          </a:ln>
+        </p:spPr>
+        <p:style>
+          <a:lnRef idx="0"/>
+          <a:fillRef idx="0"/>
+          <a:effectRef idx="0"/>
+          <a:fontRef idx="minor"/>
+        </p:style>
         <p:txBody>
           <a:bodyPr lIns="90000" rIns="90000" tIns="45000" bIns="45000" anchor="t">
             <a:noAutofit/>
           </a:bodyPr>
           <a:p>
+            <a:pPr>
+              <a:lnSpc>
+                <a:spcPct val="100000"/>
+              </a:lnSpc>
+            </a:pPr>
             <a:r>
               <a:rPr b="0" lang="fr-FR" sz="1800" spc="-1" strike="noStrike">
                 <a:solidFill>
@@ -13684,7 +11671,7 @@
       </p:sp>
       <p:pic>
         <p:nvPicPr>
-          <p:cNvPr id="218" name="" descr=""/>
+          <p:cNvPr id="203" name="" descr=""/>
           <p:cNvPicPr/>
           <p:nvPr/>
         </p:nvPicPr>
@@ -13695,7 +11682,7 @@
         <p:spPr>
           <a:xfrm>
             <a:off x="360" y="1159920"/>
-            <a:ext cx="9143640" cy="4420080"/>
+            <a:ext cx="9143280" cy="4419720"/>
           </a:xfrm>
           <a:prstGeom prst="rect">
             <a:avLst/>
@@ -13705,6 +11692,48 @@
           </a:ln>
         </p:spPr>
       </p:pic>
+      <p:sp>
+        <p:nvSpPr>
+          <p:cNvPr id="204" name=""/>
+          <p:cNvSpPr txBox="1"/>
+          <p:nvPr/>
+        </p:nvSpPr>
+        <p:spPr>
+          <a:xfrm>
+            <a:off x="8730000" y="6431400"/>
+            <a:ext cx="485640" cy="427320"/>
+          </a:xfrm>
+          <a:prstGeom prst="rect">
+            <a:avLst/>
+          </a:prstGeom>
+          <a:noFill/>
+          <a:ln w="0">
+            <a:noFill/>
+          </a:ln>
+        </p:spPr>
+        <p:txBody>
+          <a:bodyPr lIns="90000" rIns="90000" tIns="45000" bIns="45000" anchor="t">
+            <a:noAutofit/>
+          </a:bodyPr>
+          <a:p>
+            <a:fld id="{0271741C-F606-457E-A1DA-6FC52AE33239}" type="slidenum">
+              <a:rPr b="0" lang="fr-FR" sz="2400" spc="-1" strike="noStrike">
+                <a:solidFill>
+                  <a:srgbClr val="000000"/>
+                </a:solidFill>
+                <a:latin typeface="Times New Roman"/>
+              </a:rPr>
+              <a:t>&lt;numéro&gt;</a:t>
+            </a:fld>
+            <a:endParaRPr b="0" lang="fr-FR" sz="2400" spc="-1" strike="noStrike">
+              <a:solidFill>
+                <a:srgbClr val="000000"/>
+              </a:solidFill>
+              <a:latin typeface="Times New Roman"/>
+            </a:endParaRPr>
+          </a:p>
+        </p:txBody>
+      </p:sp>
       <p:sp>
         <p:nvSpPr>
           <p:cNvPr id="2" name="PlaceHolder 1"/>
@@ -13719,7 +11748,7 @@
         <p:txBody>
           <a:bodyPr/>
           <a:p>
-            <a:fld id="{973C069C-5C11-4812-A5E6-AFB0BE1CC393}" type="slidenum">
+            <a:fld id="{FEA118BD-944E-413F-966E-7B2944ABF371}" type="slidenum">
               <a:t>33</a:t>
             </a:fld>
           </a:p>
@@ -13757,7 +11786,7 @@
       </p:grpSpPr>
       <p:sp>
         <p:nvSpPr>
-          <p:cNvPr id="118" name="PlaceHolder 1"/>
+          <p:cNvPr id="74" name="PlaceHolder 1"/>
           <p:cNvSpPr>
             <a:spLocks noGrp="1"/>
           </p:cNvSpPr>
@@ -13768,7 +11797,7 @@
         <p:spPr>
           <a:xfrm>
             <a:off x="1008000" y="260280"/>
-            <a:ext cx="7846560" cy="358200"/>
+            <a:ext cx="7846200" cy="357840"/>
           </a:xfrm>
           <a:prstGeom prst="rect">
             <a:avLst/>
@@ -13813,7 +11842,7 @@
       </p:sp>
       <p:pic>
         <p:nvPicPr>
-          <p:cNvPr id="119" name="" descr=""/>
+          <p:cNvPr id="75" name="" descr=""/>
           <p:cNvPicPr/>
           <p:nvPr/>
         </p:nvPicPr>
@@ -13824,7 +11853,7 @@
         <p:spPr>
           <a:xfrm>
             <a:off x="1620000" y="900000"/>
-            <a:ext cx="5038200" cy="5038200"/>
+            <a:ext cx="5037840" cy="5037840"/>
           </a:xfrm>
           <a:prstGeom prst="rect">
             <a:avLst/>
@@ -13834,6 +11863,48 @@
           </a:ln>
         </p:spPr>
       </p:pic>
+      <p:sp>
+        <p:nvSpPr>
+          <p:cNvPr id="76" name=""/>
+          <p:cNvSpPr txBox="1"/>
+          <p:nvPr/>
+        </p:nvSpPr>
+        <p:spPr>
+          <a:xfrm>
+            <a:off x="8820360" y="6431040"/>
+            <a:ext cx="379080" cy="427320"/>
+          </a:xfrm>
+          <a:prstGeom prst="rect">
+            <a:avLst/>
+          </a:prstGeom>
+          <a:noFill/>
+          <a:ln w="0">
+            <a:noFill/>
+          </a:ln>
+        </p:spPr>
+        <p:txBody>
+          <a:bodyPr lIns="90000" rIns="90000" tIns="45000" bIns="45000" anchor="t">
+            <a:noAutofit/>
+          </a:bodyPr>
+          <a:p>
+            <a:fld id="{E4BBDD70-E7C6-454A-BA18-759C42F181FA}" type="slidenum">
+              <a:rPr b="0" lang="fr-FR" sz="2400" spc="-1" strike="noStrike">
+                <a:solidFill>
+                  <a:srgbClr val="000000"/>
+                </a:solidFill>
+                <a:latin typeface="Times New Roman"/>
+              </a:rPr>
+              <a:t>&lt;numéro&gt;</a:t>
+            </a:fld>
+            <a:endParaRPr b="0" lang="fr-FR" sz="2400" spc="-1" strike="noStrike">
+              <a:solidFill>
+                <a:srgbClr val="000000"/>
+              </a:solidFill>
+              <a:latin typeface="Times New Roman"/>
+            </a:endParaRPr>
+          </a:p>
+        </p:txBody>
+      </p:sp>
       <p:sp>
         <p:nvSpPr>
           <p:cNvPr id="3" name="PlaceHolder 2"/>
@@ -13848,7 +11919,7 @@
         <p:txBody>
           <a:bodyPr/>
           <a:p>
-            <a:fld id="{77A41668-C347-4DAA-B31B-645594BE9848}" type="slidenum">
+            <a:fld id="{56074F71-45DE-4F45-8A53-F61035CFB25F}" type="slidenum">
               <a:t>4</a:t>
             </a:fld>
           </a:p>
@@ -13886,7 +11957,7 @@
       </p:grpSpPr>
       <p:sp>
         <p:nvSpPr>
-          <p:cNvPr id="120" name="PlaceHolder 1"/>
+          <p:cNvPr id="77" name="PlaceHolder 1"/>
           <p:cNvSpPr>
             <a:spLocks noGrp="1"/>
           </p:cNvSpPr>
@@ -13897,7 +11968,7 @@
         <p:spPr>
           <a:xfrm>
             <a:off x="647640" y="836640"/>
-            <a:ext cx="6010560" cy="961560"/>
+            <a:ext cx="6010200" cy="961200"/>
           </a:xfrm>
           <a:prstGeom prst="rect">
             <a:avLst/>
@@ -13983,7 +12054,7 @@
       </p:sp>
       <p:sp>
         <p:nvSpPr>
-          <p:cNvPr id="121" name="PlaceHolder 2"/>
+          <p:cNvPr id="78" name="PlaceHolder 2"/>
           <p:cNvSpPr>
             <a:spLocks noGrp="1"/>
           </p:cNvSpPr>
@@ -13994,7 +12065,7 @@
         <p:spPr>
           <a:xfrm>
             <a:off x="1008000" y="260280"/>
-            <a:ext cx="7846560" cy="358200"/>
+            <a:ext cx="7846200" cy="357840"/>
           </a:xfrm>
           <a:prstGeom prst="rect">
             <a:avLst/>
@@ -14039,14 +12110,14 @@
       </p:sp>
       <p:sp>
         <p:nvSpPr>
-          <p:cNvPr id="122" name=""/>
+          <p:cNvPr id="79" name=""/>
           <p:cNvSpPr/>
           <p:nvPr/>
         </p:nvSpPr>
         <p:spPr>
           <a:xfrm>
             <a:off x="1440000" y="1980000"/>
-            <a:ext cx="6838200" cy="538200"/>
+            <a:ext cx="6837840" cy="537840"/>
           </a:xfrm>
           <a:prstGeom prst="rect">
             <a:avLst/>
@@ -14149,14 +12220,14 @@
       </p:sp>
       <p:sp>
         <p:nvSpPr>
-          <p:cNvPr id="123" name=""/>
+          <p:cNvPr id="80" name=""/>
           <p:cNvSpPr/>
           <p:nvPr/>
         </p:nvSpPr>
         <p:spPr>
           <a:xfrm>
             <a:off x="540000" y="2520000"/>
-            <a:ext cx="3778200" cy="2338200"/>
+            <a:ext cx="3777840" cy="2337840"/>
           </a:xfrm>
           <a:prstGeom prst="rect">
             <a:avLst/>
@@ -14307,14 +12378,14 @@
       </p:sp>
       <p:sp>
         <p:nvSpPr>
-          <p:cNvPr id="124" name=""/>
+          <p:cNvPr id="81" name=""/>
           <p:cNvSpPr/>
           <p:nvPr/>
         </p:nvSpPr>
         <p:spPr>
           <a:xfrm>
             <a:off x="5040000" y="2520000"/>
-            <a:ext cx="3778200" cy="2158200"/>
+            <a:ext cx="3777840" cy="2157840"/>
           </a:xfrm>
           <a:prstGeom prst="rect">
             <a:avLst/>
@@ -14465,7 +12536,7 @@
       </p:sp>
       <p:sp>
         <p:nvSpPr>
-          <p:cNvPr id="125" name=""/>
+          <p:cNvPr id="82" name=""/>
           <p:cNvSpPr/>
           <p:nvPr/>
         </p:nvSpPr>
@@ -14505,14 +12576,14 @@
       </p:sp>
       <p:sp>
         <p:nvSpPr>
-          <p:cNvPr id="126" name=""/>
+          <p:cNvPr id="83" name=""/>
           <p:cNvSpPr/>
           <p:nvPr/>
         </p:nvSpPr>
         <p:spPr>
           <a:xfrm>
             <a:off x="2772000" y="5593320"/>
-            <a:ext cx="3418200" cy="344880"/>
+            <a:ext cx="3417840" cy="344520"/>
           </a:xfrm>
           <a:prstGeom prst="rect">
             <a:avLst/>
@@ -14552,6 +12623,48 @@
                 <a:srgbClr val="000000"/>
               </a:solidFill>
               <a:latin typeface="Arial"/>
+            </a:endParaRPr>
+          </a:p>
+        </p:txBody>
+      </p:sp>
+      <p:sp>
+        <p:nvSpPr>
+          <p:cNvPr id="84" name=""/>
+          <p:cNvSpPr txBox="1"/>
+          <p:nvPr/>
+        </p:nvSpPr>
+        <p:spPr>
+          <a:xfrm>
+            <a:off x="8820360" y="6431040"/>
+            <a:ext cx="379080" cy="427320"/>
+          </a:xfrm>
+          <a:prstGeom prst="rect">
+            <a:avLst/>
+          </a:prstGeom>
+          <a:noFill/>
+          <a:ln w="0">
+            <a:noFill/>
+          </a:ln>
+        </p:spPr>
+        <p:txBody>
+          <a:bodyPr lIns="90000" rIns="90000" tIns="45000" bIns="45000" anchor="t">
+            <a:noAutofit/>
+          </a:bodyPr>
+          <a:p>
+            <a:fld id="{60424036-E443-48F9-98ED-9BFC2B06AFA5}" type="slidenum">
+              <a:rPr b="0" lang="fr-FR" sz="2400" spc="-1" strike="noStrike">
+                <a:solidFill>
+                  <a:srgbClr val="000000"/>
+                </a:solidFill>
+                <a:latin typeface="Times New Roman"/>
+              </a:rPr>
+              <a:t>&lt;numéro&gt;</a:t>
+            </a:fld>
+            <a:endParaRPr b="0" lang="fr-FR" sz="2400" spc="-1" strike="noStrike">
+              <a:solidFill>
+                <a:srgbClr val="000000"/>
+              </a:solidFill>
+              <a:latin typeface="Times New Roman"/>
             </a:endParaRPr>
           </a:p>
         </p:txBody>
@@ -14570,7 +12683,7 @@
         <p:txBody>
           <a:bodyPr/>
           <a:p>
-            <a:fld id="{F9C5C1FB-17B0-476F-90E1-C2D8E8320DFC}" type="slidenum">
+            <a:fld id="{DB37F9B5-C997-46C6-B027-037E7BC4CFFF}" type="slidenum">
               <a:t>5</a:t>
             </a:fld>
           </a:p>
@@ -14608,7 +12721,7 @@
       </p:grpSpPr>
       <p:sp>
         <p:nvSpPr>
-          <p:cNvPr id="127" name="PlaceHolder 1"/>
+          <p:cNvPr id="85" name="PlaceHolder 1"/>
           <p:cNvSpPr>
             <a:spLocks noGrp="1"/>
           </p:cNvSpPr>
@@ -14619,7 +12732,7 @@
         <p:spPr>
           <a:xfrm>
             <a:off x="1008000" y="260280"/>
-            <a:ext cx="7846560" cy="358200"/>
+            <a:ext cx="7846200" cy="357840"/>
           </a:xfrm>
           <a:prstGeom prst="rect">
             <a:avLst/>
@@ -14664,14 +12777,14 @@
       </p:sp>
       <p:sp>
         <p:nvSpPr>
-          <p:cNvPr id="128" name=""/>
+          <p:cNvPr id="86" name=""/>
           <p:cNvSpPr/>
           <p:nvPr/>
         </p:nvSpPr>
         <p:spPr>
           <a:xfrm>
             <a:off x="360000" y="1080000"/>
-            <a:ext cx="3598200" cy="538200"/>
+            <a:ext cx="3597840" cy="537840"/>
           </a:xfrm>
           <a:prstGeom prst="rect">
             <a:avLst/>
@@ -14717,14 +12830,14 @@
       </p:sp>
       <p:sp>
         <p:nvSpPr>
-          <p:cNvPr id="129" name=""/>
+          <p:cNvPr id="87" name=""/>
           <p:cNvSpPr/>
           <p:nvPr/>
         </p:nvSpPr>
         <p:spPr>
           <a:xfrm>
             <a:off x="4680000" y="1080000"/>
-            <a:ext cx="3598200" cy="718200"/>
+            <a:ext cx="3597840" cy="717840"/>
           </a:xfrm>
           <a:prstGeom prst="rect">
             <a:avLst/>
@@ -14770,14 +12883,14 @@
       </p:sp>
       <p:sp>
         <p:nvSpPr>
-          <p:cNvPr id="130" name=""/>
+          <p:cNvPr id="88" name=""/>
           <p:cNvSpPr/>
           <p:nvPr/>
         </p:nvSpPr>
         <p:spPr>
           <a:xfrm>
             <a:off x="380880" y="2257920"/>
-            <a:ext cx="8437320" cy="1880280"/>
+            <a:ext cx="8436960" cy="1879920"/>
           </a:xfrm>
           <a:prstGeom prst="rect">
             <a:avLst/>
@@ -14915,14 +13028,14 @@
       </p:sp>
       <p:sp>
         <p:nvSpPr>
-          <p:cNvPr id="131" name=""/>
+          <p:cNvPr id="89" name=""/>
           <p:cNvSpPr/>
           <p:nvPr/>
         </p:nvSpPr>
         <p:spPr>
           <a:xfrm>
             <a:off x="360000" y="4500000"/>
-            <a:ext cx="7918200" cy="1078200"/>
+            <a:ext cx="7917840" cy="1077840"/>
           </a:xfrm>
           <a:prstGeom prst="rect">
             <a:avLst/>
@@ -14987,6 +13100,48 @@
                 <a:srgbClr val="000000"/>
               </a:solidFill>
               <a:latin typeface="Arial"/>
+            </a:endParaRPr>
+          </a:p>
+        </p:txBody>
+      </p:sp>
+      <p:sp>
+        <p:nvSpPr>
+          <p:cNvPr id="90" name=""/>
+          <p:cNvSpPr txBox="1"/>
+          <p:nvPr/>
+        </p:nvSpPr>
+        <p:spPr>
+          <a:xfrm>
+            <a:off x="8820360" y="6431040"/>
+            <a:ext cx="379080" cy="427320"/>
+          </a:xfrm>
+          <a:prstGeom prst="rect">
+            <a:avLst/>
+          </a:prstGeom>
+          <a:noFill/>
+          <a:ln w="0">
+            <a:noFill/>
+          </a:ln>
+        </p:spPr>
+        <p:txBody>
+          <a:bodyPr lIns="90000" rIns="90000" tIns="45000" bIns="45000" anchor="t">
+            <a:noAutofit/>
+          </a:bodyPr>
+          <a:p>
+            <a:fld id="{2155F06A-83D7-4A30-9C19-C2504E3C2C27}" type="slidenum">
+              <a:rPr b="0" lang="fr-FR" sz="2400" spc="-1" strike="noStrike">
+                <a:solidFill>
+                  <a:srgbClr val="000000"/>
+                </a:solidFill>
+                <a:latin typeface="Times New Roman"/>
+              </a:rPr>
+              <a:t>&lt;numéro&gt;</a:t>
+            </a:fld>
+            <a:endParaRPr b="0" lang="fr-FR" sz="2400" spc="-1" strike="noStrike">
+              <a:solidFill>
+                <a:srgbClr val="000000"/>
+              </a:solidFill>
+              <a:latin typeface="Times New Roman"/>
             </a:endParaRPr>
           </a:p>
         </p:txBody>
@@ -15005,7 +13160,7 @@
         <p:txBody>
           <a:bodyPr/>
           <a:p>
-            <a:fld id="{E8FA8091-E9D7-497B-8B49-21530F203B66}" type="slidenum">
+            <a:fld id="{659DC4BA-2121-4361-9923-54DA22703BD8}" type="slidenum">
               <a:t>6</a:t>
             </a:fld>
           </a:p>
@@ -15043,7 +13198,7 @@
       </p:grpSpPr>
       <p:sp>
         <p:nvSpPr>
-          <p:cNvPr id="132" name="PlaceHolder 1"/>
+          <p:cNvPr id="91" name="PlaceHolder 1"/>
           <p:cNvSpPr>
             <a:spLocks noGrp="1"/>
           </p:cNvSpPr>
@@ -15054,7 +13209,7 @@
         <p:spPr>
           <a:xfrm>
             <a:off x="1008000" y="260280"/>
-            <a:ext cx="7846560" cy="358200"/>
+            <a:ext cx="7846200" cy="357840"/>
           </a:xfrm>
           <a:prstGeom prst="rect">
             <a:avLst/>
@@ -15099,14 +13254,14 @@
       </p:sp>
       <p:sp>
         <p:nvSpPr>
-          <p:cNvPr id="133" name="Espace réservé du contenu 2"/>
+          <p:cNvPr id="92" name="Espace réservé du contenu 2"/>
           <p:cNvSpPr/>
           <p:nvPr/>
         </p:nvSpPr>
         <p:spPr>
           <a:xfrm>
             <a:off x="611640" y="1412640"/>
-            <a:ext cx="7846560" cy="4318200"/>
+            <a:ext cx="7846200" cy="4317840"/>
           </a:xfrm>
           <a:prstGeom prst="rect">
             <a:avLst/>
@@ -15222,7 +13377,7 @@
       </p:sp>
       <p:pic>
         <p:nvPicPr>
-          <p:cNvPr id="134" name="" descr=""/>
+          <p:cNvPr id="93" name="" descr=""/>
           <p:cNvPicPr/>
           <p:nvPr/>
         </p:nvPicPr>
@@ -15233,7 +13388,7 @@
         <p:spPr>
           <a:xfrm>
             <a:off x="0" y="1412640"/>
-            <a:ext cx="4890600" cy="3805560"/>
+            <a:ext cx="4890240" cy="3805200"/>
           </a:xfrm>
           <a:prstGeom prst="rect">
             <a:avLst/>
@@ -15245,7 +13400,7 @@
       </p:pic>
       <p:pic>
         <p:nvPicPr>
-          <p:cNvPr id="135" name="" descr=""/>
+          <p:cNvPr id="94" name="" descr=""/>
           <p:cNvPicPr/>
           <p:nvPr/>
         </p:nvPicPr>
@@ -15256,7 +13411,7 @@
         <p:spPr>
           <a:xfrm>
             <a:off x="4839480" y="1260000"/>
-            <a:ext cx="4158720" cy="4110840"/>
+            <a:ext cx="4158360" cy="4110480"/>
           </a:xfrm>
           <a:prstGeom prst="rect">
             <a:avLst/>
@@ -15266,6 +13421,48 @@
           </a:ln>
         </p:spPr>
       </p:pic>
+      <p:sp>
+        <p:nvSpPr>
+          <p:cNvPr id="95" name=""/>
+          <p:cNvSpPr txBox="1"/>
+          <p:nvPr/>
+        </p:nvSpPr>
+        <p:spPr>
+          <a:xfrm>
+            <a:off x="8820360" y="6431040"/>
+            <a:ext cx="379080" cy="427320"/>
+          </a:xfrm>
+          <a:prstGeom prst="rect">
+            <a:avLst/>
+          </a:prstGeom>
+          <a:noFill/>
+          <a:ln w="0">
+            <a:noFill/>
+          </a:ln>
+        </p:spPr>
+        <p:txBody>
+          <a:bodyPr lIns="90000" rIns="90000" tIns="45000" bIns="45000" anchor="t">
+            <a:noAutofit/>
+          </a:bodyPr>
+          <a:p>
+            <a:fld id="{2E9635AA-E38E-482C-B451-85E765D28B7E}" type="slidenum">
+              <a:rPr b="0" lang="fr-FR" sz="2400" spc="-1" strike="noStrike">
+                <a:solidFill>
+                  <a:srgbClr val="000000"/>
+                </a:solidFill>
+                <a:latin typeface="Times New Roman"/>
+              </a:rPr>
+              <a:t>&lt;numéro&gt;</a:t>
+            </a:fld>
+            <a:endParaRPr b="0" lang="fr-FR" sz="2400" spc="-1" strike="noStrike">
+              <a:solidFill>
+                <a:srgbClr val="000000"/>
+              </a:solidFill>
+              <a:latin typeface="Times New Roman"/>
+            </a:endParaRPr>
+          </a:p>
+        </p:txBody>
+      </p:sp>
     </p:spTree>
   </p:cSld>
   <mc:AlternateContent>
@@ -15298,7 +13495,7 @@
       </p:grpSpPr>
       <p:sp>
         <p:nvSpPr>
-          <p:cNvPr id="136" name="PlaceHolder 1"/>
+          <p:cNvPr id="96" name="PlaceHolder 1"/>
           <p:cNvSpPr>
             <a:spLocks noGrp="1"/>
           </p:cNvSpPr>
@@ -15309,7 +13506,7 @@
         <p:spPr>
           <a:xfrm>
             <a:off x="1008000" y="260280"/>
-            <a:ext cx="7846560" cy="358200"/>
+            <a:ext cx="7846200" cy="357840"/>
           </a:xfrm>
           <a:prstGeom prst="rect">
             <a:avLst/>
@@ -15354,14 +13551,14 @@
       </p:sp>
       <p:sp>
         <p:nvSpPr>
-          <p:cNvPr id="137" name="Espace réservé du contenu 3"/>
+          <p:cNvPr id="97" name="Espace réservé du contenu 3"/>
           <p:cNvSpPr/>
           <p:nvPr/>
         </p:nvSpPr>
         <p:spPr>
           <a:xfrm>
             <a:off x="648000" y="836640"/>
-            <a:ext cx="8170200" cy="5281560"/>
+            <a:ext cx="8169840" cy="5281200"/>
           </a:xfrm>
           <a:prstGeom prst="rect">
             <a:avLst/>
@@ -15671,7 +13868,7 @@
       </p:sp>
       <p:pic>
         <p:nvPicPr>
-          <p:cNvPr id="138" name="" descr=""/>
+          <p:cNvPr id="98" name="" descr=""/>
           <p:cNvPicPr/>
           <p:nvPr/>
         </p:nvPicPr>
@@ -15682,7 +13879,7 @@
         <p:spPr>
           <a:xfrm>
             <a:off x="3960000" y="1800000"/>
-            <a:ext cx="4617000" cy="3050280"/>
+            <a:ext cx="4616640" cy="3049920"/>
           </a:xfrm>
           <a:prstGeom prst="rect">
             <a:avLst/>
@@ -15692,6 +13889,48 @@
           </a:ln>
         </p:spPr>
       </p:pic>
+      <p:sp>
+        <p:nvSpPr>
+          <p:cNvPr id="99" name=""/>
+          <p:cNvSpPr txBox="1"/>
+          <p:nvPr/>
+        </p:nvSpPr>
+        <p:spPr>
+          <a:xfrm>
+            <a:off x="8820360" y="6431040"/>
+            <a:ext cx="379080" cy="427320"/>
+          </a:xfrm>
+          <a:prstGeom prst="rect">
+            <a:avLst/>
+          </a:prstGeom>
+          <a:noFill/>
+          <a:ln w="0">
+            <a:noFill/>
+          </a:ln>
+        </p:spPr>
+        <p:txBody>
+          <a:bodyPr lIns="90000" rIns="90000" tIns="45000" bIns="45000" anchor="t">
+            <a:noAutofit/>
+          </a:bodyPr>
+          <a:p>
+            <a:fld id="{EE45FCC3-DF97-4EA3-BAF4-FB6D92BA133E}" type="slidenum">
+              <a:rPr b="0" lang="fr-FR" sz="2400" spc="-1" strike="noStrike">
+                <a:solidFill>
+                  <a:srgbClr val="000000"/>
+                </a:solidFill>
+                <a:latin typeface="Times New Roman"/>
+              </a:rPr>
+              <a:t>&lt;numéro&gt;</a:t>
+            </a:fld>
+            <a:endParaRPr b="0" lang="fr-FR" sz="2400" spc="-1" strike="noStrike">
+              <a:solidFill>
+                <a:srgbClr val="000000"/>
+              </a:solidFill>
+              <a:latin typeface="Times New Roman"/>
+            </a:endParaRPr>
+          </a:p>
+        </p:txBody>
+      </p:sp>
       <p:sp>
         <p:nvSpPr>
           <p:cNvPr id="3" name="PlaceHolder 2"/>
@@ -15706,7 +13945,7 @@
         <p:txBody>
           <a:bodyPr/>
           <a:p>
-            <a:fld id="{25590B54-818D-461D-89A2-24A9EF9885FB}" type="slidenum">
+            <a:fld id="{583E2E6F-B85F-4AE9-AA7E-BC34CAB66675}" type="slidenum">
               <a:t>8</a:t>
             </a:fld>
           </a:p>
@@ -15744,14 +13983,14 @@
       </p:grpSpPr>
       <p:sp>
         <p:nvSpPr>
-          <p:cNvPr id="139" name=""/>
+          <p:cNvPr id="100" name=""/>
           <p:cNvSpPr/>
           <p:nvPr/>
         </p:nvSpPr>
         <p:spPr>
           <a:xfrm>
             <a:off x="1260000" y="1980000"/>
-            <a:ext cx="6478560" cy="3495240"/>
+            <a:ext cx="6478200" cy="3494880"/>
           </a:xfrm>
           <a:prstGeom prst="rect">
             <a:avLst/>
@@ -15803,6 +14042,48 @@
                 <a:srgbClr val="000000"/>
               </a:solidFill>
               <a:latin typeface="Arial"/>
+            </a:endParaRPr>
+          </a:p>
+        </p:txBody>
+      </p:sp>
+      <p:sp>
+        <p:nvSpPr>
+          <p:cNvPr id="101" name=""/>
+          <p:cNvSpPr txBox="1"/>
+          <p:nvPr/>
+        </p:nvSpPr>
+        <p:spPr>
+          <a:xfrm>
+            <a:off x="8820360" y="6431040"/>
+            <a:ext cx="379080" cy="427320"/>
+          </a:xfrm>
+          <a:prstGeom prst="rect">
+            <a:avLst/>
+          </a:prstGeom>
+          <a:noFill/>
+          <a:ln w="0">
+            <a:noFill/>
+          </a:ln>
+        </p:spPr>
+        <p:txBody>
+          <a:bodyPr lIns="90000" rIns="90000" tIns="45000" bIns="45000" anchor="t">
+            <a:noAutofit/>
+          </a:bodyPr>
+          <a:p>
+            <a:fld id="{ABE5190D-26B4-40DD-8BA3-861636B9C97C}" type="slidenum">
+              <a:rPr b="0" lang="fr-FR" sz="2400" spc="-1" strike="noStrike">
+                <a:solidFill>
+                  <a:srgbClr val="000000"/>
+                </a:solidFill>
+                <a:latin typeface="Times New Roman"/>
+              </a:rPr>
+              <a:t>&lt;numéro&gt;</a:t>
+            </a:fld>
+            <a:endParaRPr b="0" lang="fr-FR" sz="2400" spc="-1" strike="noStrike">
+              <a:solidFill>
+                <a:srgbClr val="000000"/>
+              </a:solidFill>
+              <a:latin typeface="Times New Roman"/>
             </a:endParaRPr>
           </a:p>
         </p:txBody>
@@ -15821,7 +14102,7 @@
         <p:txBody>
           <a:bodyPr/>
           <a:p>
-            <a:fld id="{FFB88E05-99F6-4E8C-B6FF-FC20008FBBC6}" type="slidenum">
+            <a:fld id="{D17AD078-9B14-4189-908E-4B318A0B4BCA}" type="slidenum">
               <a:t>9</a:t>
             </a:fld>
           </a:p>
@@ -16015,113 +14296,7 @@
 </a:theme>
 </file>
 
-<file path=ppt/theme/theme14.xml><?xml version="1.0" encoding="utf-8"?>
-<a:theme xmlns:a="http://schemas.openxmlformats.org/drawingml/2006/main" xmlns:r="http://schemas.openxmlformats.org/officeDocument/2006/relationships" name="Office Theme">
-  <a:themeElements>
-    <a:clrScheme name="LibreOffice">
-      <a:dk1>
-        <a:srgbClr val="000000"/>
-      </a:dk1>
-      <a:lt1>
-        <a:srgbClr val="ffffff"/>
-      </a:lt1>
-      <a:dk2>
-        <a:srgbClr val="000000"/>
-      </a:dk2>
-      <a:lt2>
-        <a:srgbClr val="ffffff"/>
-      </a:lt2>
-      <a:accent1>
-        <a:srgbClr val="18a303"/>
-      </a:accent1>
-      <a:accent2>
-        <a:srgbClr val="0369a3"/>
-      </a:accent2>
-      <a:accent3>
-        <a:srgbClr val="a33e03"/>
-      </a:accent3>
-      <a:accent4>
-        <a:srgbClr val="8e03a3"/>
-      </a:accent4>
-      <a:accent5>
-        <a:srgbClr val="c99c00"/>
-      </a:accent5>
-      <a:accent6>
-        <a:srgbClr val="c9211e"/>
-      </a:accent6>
-      <a:hlink>
-        <a:srgbClr val="0000ee"/>
-      </a:hlink>
-      <a:folHlink>
-        <a:srgbClr val="551a8b"/>
-      </a:folHlink>
-    </a:clrScheme>
-    <a:fontScheme name="Office">
-      <a:majorFont>
-        <a:latin typeface="Arial" pitchFamily="0" charset="1"/>
-        <a:ea typeface="DejaVu Sans" pitchFamily="0" charset="1"/>
-        <a:cs typeface="DejaVu Sans" pitchFamily="0" charset="1"/>
-      </a:majorFont>
-      <a:minorFont>
-        <a:latin typeface="Arial" pitchFamily="0" charset="1"/>
-        <a:ea typeface="DejaVu Sans" pitchFamily="0" charset="1"/>
-        <a:cs typeface="DejaVu Sans" pitchFamily="0" charset="1"/>
-      </a:minorFont>
-    </a:fontScheme>
-    <a:fmtScheme>
-      <a:fillStyleLst>
-        <a:solidFill>
-          <a:schemeClr val="phClr"/>
-        </a:solidFill>
-        <a:solidFill>
-          <a:schemeClr val="phClr"/>
-        </a:solidFill>
-        <a:solidFill>
-          <a:schemeClr val="phClr"/>
-        </a:solidFill>
-      </a:fillStyleLst>
-      <a:lnStyleLst>
-        <a:ln w="6350" cap="flat" cmpd="sng" algn="ctr">
-          <a:prstDash val="solid"/>
-          <a:miter/>
-        </a:ln>
-        <a:ln w="6350" cap="flat" cmpd="sng" algn="ctr">
-          <a:prstDash val="solid"/>
-          <a:miter/>
-        </a:ln>
-        <a:ln w="6350" cap="flat" cmpd="sng" algn="ctr">
-          <a:prstDash val="solid"/>
-          <a:miter/>
-        </a:ln>
-      </a:lnStyleLst>
-      <a:effectStyleLst>
-        <a:effectStyle>
-          <a:effectLst/>
-        </a:effectStyle>
-        <a:effectStyle>
-          <a:effectLst/>
-        </a:effectStyle>
-        <a:effectStyle>
-          <a:effectLst/>
-        </a:effectStyle>
-      </a:effectStyleLst>
-      <a:bgFillStyleLst>
-        <a:solidFill>
-          <a:schemeClr val="phClr"/>
-        </a:solidFill>
-        <a:solidFill>
-          <a:schemeClr val="phClr"/>
-        </a:solidFill>
-        <a:solidFill>
-          <a:schemeClr val="phClr"/>
-        </a:solidFill>
-      </a:bgFillStyleLst>
-    </a:fmtScheme>
-  </a:themeElements>
-</a:theme>
-</file>
-
-<file path=ppt/theme/theme2.xml><?xml version="1.0" encoding="utf-8"?>
+<file path=ppt/theme/theme25.xml><?xml version="1.0" encoding="utf-8"?>
 <a:theme xmlns:a="http://schemas.openxmlformats.org/drawingml/2006/main" xmlns:r="http://schemas.openxmlformats.org/officeDocument/2006/relationships" name="Office Theme">
   <a:themeElements>
     <a:clrScheme name="LibreOffice">

--- a/presentationVendredi.pptx
+++ b/presentationVendredi.pptx
@@ -41,6 +41,19 @@
     <p:sldId id="286" r:id="rId34"/>
     <p:sldId id="287" r:id="rId35"/>
     <p:sldId id="288" r:id="rId36"/>
+    <p:sldId id="289" r:id="rId37"/>
+    <p:sldId id="290" r:id="rId38"/>
+    <p:sldId id="291" r:id="rId39"/>
+    <p:sldId id="292" r:id="rId40"/>
+    <p:sldId id="293" r:id="rId41"/>
+    <p:sldId id="294" r:id="rId42"/>
+    <p:sldId id="295" r:id="rId43"/>
+    <p:sldId id="296" r:id="rId44"/>
+    <p:sldId id="297" r:id="rId45"/>
+    <p:sldId id="298" r:id="rId46"/>
+    <p:sldId id="299" r:id="rId47"/>
+    <p:sldId id="300" r:id="rId48"/>
+    <p:sldId id="301" r:id="rId49"/>
   </p:sldIdLst>
   <p:sldSz cx="9144000" cy="6858000"/>
   <p:notesSz cx="6799263" cy="9929813"/>
@@ -371,7 +384,7 @@
             <a:pPr indent="0" algn="r">
               <a:buNone/>
             </a:pPr>
-            <a:fld id="{ADAC3ECE-5ABB-4A97-B4BA-6101ABA1938A}" type="slidenum">
+            <a:fld id="{D03A3CD0-909F-461D-97F5-C8C0CFA79E82}" type="slidenum">
               <a:rPr b="0" lang="fr-FR" sz="1400" spc="-1" strike="noStrike">
                 <a:solidFill>
                   <a:srgbClr val="000000"/>
@@ -414,7 +427,7 @@
       </p:grpSpPr>
       <p:sp>
         <p:nvSpPr>
-          <p:cNvPr id="205" name="PlaceHolder 1"/>
+          <p:cNvPr id="268" name="PlaceHolder 1"/>
           <p:cNvSpPr>
             <a:spLocks noGrp="1"/>
           </p:cNvSpPr>
@@ -425,19 +438,19 @@
         <p:spPr>
           <a:xfrm>
             <a:off x="919080" y="746280"/>
-            <a:ext cx="4958280" cy="3720240"/>
-          </a:xfrm>
-          <a:prstGeom prst="rect">
-            <a:avLst/>
-          </a:prstGeom>
-          <a:ln w="0">
-            <a:noFill/>
-          </a:ln>
-        </p:spPr>
-      </p:sp>
-      <p:sp>
-        <p:nvSpPr>
-          <p:cNvPr id="206" name="PlaceHolder 2"/>
+            <a:ext cx="4957560" cy="3719520"/>
+          </a:xfrm>
+          <a:prstGeom prst="rect">
+            <a:avLst/>
+          </a:prstGeom>
+          <a:ln w="0">
+            <a:noFill/>
+          </a:ln>
+        </p:spPr>
+      </p:sp>
+      <p:sp>
+        <p:nvSpPr>
+          <p:cNvPr id="269" name="PlaceHolder 2"/>
           <p:cNvSpPr>
             <a:spLocks noGrp="1"/>
           </p:cNvSpPr>
@@ -448,7 +461,7 @@
         <p:spPr>
           <a:xfrm>
             <a:off x="680040" y="4716720"/>
-            <a:ext cx="5436720" cy="4465800"/>
+            <a:ext cx="5436000" cy="4465080"/>
           </a:xfrm>
           <a:prstGeom prst="rect">
             <a:avLst/>
@@ -477,7 +490,7 @@
       </p:sp>
       <p:sp>
         <p:nvSpPr>
-          <p:cNvPr id="207" name="PlaceHolder 3"/>
+          <p:cNvPr id="270" name="PlaceHolder 3"/>
           <p:cNvSpPr>
             <a:spLocks noGrp="1"/>
           </p:cNvSpPr>
@@ -488,7 +501,7 @@
         <p:spPr>
           <a:xfrm>
             <a:off x="3851280" y="9431640"/>
-            <a:ext cx="2943720" cy="493920"/>
+            <a:ext cx="2943000" cy="493200"/>
           </a:xfrm>
           <a:prstGeom prst="rect">
             <a:avLst/>
@@ -530,7 +543,7 @@
                 <a:tab algn="l" pos="0"/>
               </a:tabLst>
             </a:pPr>
-            <a:fld id="{7C8E353B-0E60-42F6-9F44-DB222191FE7F}" type="slidenum">
+            <a:fld id="{67A692EC-22A2-48FA-BCB3-C652421ADB66}" type="slidenum">
               <a:rPr b="0" lang="fr-FR" sz="1300" spc="-1" strike="noStrike">
                 <a:solidFill>
                   <a:schemeClr val="dk1"/>
@@ -573,7 +586,7 @@
       </p:grpSpPr>
       <p:sp>
         <p:nvSpPr>
-          <p:cNvPr id="208" name="PlaceHolder 1"/>
+          <p:cNvPr id="271" name="PlaceHolder 1"/>
           <p:cNvSpPr>
             <a:spLocks noGrp="1"/>
           </p:cNvSpPr>
@@ -584,19 +597,19 @@
         <p:spPr>
           <a:xfrm>
             <a:off x="919080" y="746280"/>
-            <a:ext cx="4958280" cy="3720240"/>
-          </a:xfrm>
-          <a:prstGeom prst="rect">
-            <a:avLst/>
-          </a:prstGeom>
-          <a:ln w="0">
-            <a:noFill/>
-          </a:ln>
-        </p:spPr>
-      </p:sp>
-      <p:sp>
-        <p:nvSpPr>
-          <p:cNvPr id="209" name="PlaceHolder 2"/>
+            <a:ext cx="4957560" cy="3719520"/>
+          </a:xfrm>
+          <a:prstGeom prst="rect">
+            <a:avLst/>
+          </a:prstGeom>
+          <a:ln w="0">
+            <a:noFill/>
+          </a:ln>
+        </p:spPr>
+      </p:sp>
+      <p:sp>
+        <p:nvSpPr>
+          <p:cNvPr id="272" name="PlaceHolder 2"/>
           <p:cNvSpPr>
             <a:spLocks noGrp="1"/>
           </p:cNvSpPr>
@@ -607,7 +620,7 @@
         <p:spPr>
           <a:xfrm>
             <a:off x="680040" y="4716720"/>
-            <a:ext cx="5436720" cy="4465800"/>
+            <a:ext cx="5436000" cy="4465080"/>
           </a:xfrm>
           <a:prstGeom prst="rect">
             <a:avLst/>
@@ -636,7 +649,7 @@
       </p:sp>
       <p:sp>
         <p:nvSpPr>
-          <p:cNvPr id="210" name="PlaceHolder 3"/>
+          <p:cNvPr id="273" name="PlaceHolder 3"/>
           <p:cNvSpPr>
             <a:spLocks noGrp="1"/>
           </p:cNvSpPr>
@@ -647,7 +660,7 @@
         <p:spPr>
           <a:xfrm>
             <a:off x="3851280" y="9431640"/>
-            <a:ext cx="2943720" cy="493920"/>
+            <a:ext cx="2943000" cy="493200"/>
           </a:xfrm>
           <a:prstGeom prst="rect">
             <a:avLst/>
@@ -689,7 +702,7 @@
                 <a:tab algn="l" pos="0"/>
               </a:tabLst>
             </a:pPr>
-            <a:fld id="{4EC684BD-5506-44B6-A7C2-0BEC30BA7309}" type="slidenum">
+            <a:fld id="{D403B007-5F73-47EF-B892-87A6178E30FA}" type="slidenum">
               <a:rPr b="0" lang="fr-FR" sz="1300" spc="-1" strike="noStrike">
                 <a:solidFill>
                   <a:schemeClr val="dk1"/>
@@ -764,7 +777,7 @@
         <p:txBody>
           <a:bodyPr/>
           <a:p>
-            <a:fld id="{EAD96EC2-D358-4980-91E2-8CB5ED83AFC4}" type="slidenum">
+            <a:fld id="{10232388-D7C2-432D-9E06-A750C12D9621}" type="slidenum">
               <a:t>&lt;#&gt;</a:t>
             </a:fld>
           </a:p>
@@ -973,7 +986,7 @@
         <p:txBody>
           <a:bodyPr/>
           <a:p>
-            <a:fld id="{E60F61B6-BB89-444E-BE25-50E097C12C99}" type="slidenum">
+            <a:fld id="{13206843-9BC4-465A-9F71-DE7D4D6C9EBC}" type="slidenum">
               <a:t>&lt;#&gt;</a:t>
             </a:fld>
           </a:p>
@@ -1268,7 +1281,7 @@
         <p:txBody>
           <a:bodyPr/>
           <a:p>
-            <a:fld id="{76EA3903-AA8E-424B-B48D-57A29831DBE7}" type="slidenum">
+            <a:fld id="{299F552C-93FC-4182-AD26-11678BE18726}" type="slidenum">
               <a:t>&lt;#&gt;</a:t>
             </a:fld>
           </a:p>
@@ -1649,7 +1662,7 @@
         <p:txBody>
           <a:bodyPr/>
           <a:p>
-            <a:fld id="{30A70EFD-E268-46D2-84B2-CCA3BF551B4F}" type="slidenum">
+            <a:fld id="{31D1DE2D-8D77-4FD1-84E3-38BE25ABDA12}" type="slidenum">
               <a:t>&lt;#&gt;</a:t>
             </a:fld>
           </a:p>
@@ -1812,7 +1825,7 @@
         <p:txBody>
           <a:bodyPr/>
           <a:p>
-            <a:fld id="{9B018660-100C-4D8F-A9EF-B74FC84D7CC7}" type="slidenum">
+            <a:fld id="{1099911E-381B-4048-A6DD-888BB1DADFAF}" type="slidenum">
               <a:t>&lt;#&gt;</a:t>
             </a:fld>
           </a:p>
@@ -1978,7 +1991,7 @@
         <p:txBody>
           <a:bodyPr/>
           <a:p>
-            <a:fld id="{EE026C67-B567-4443-9135-B0D86E2E3E54}" type="slidenum">
+            <a:fld id="{8FFA1582-DF97-4A52-8929-16A66BD30B12}" type="slidenum">
               <a:t>&lt;#&gt;</a:t>
             </a:fld>
           </a:p>
@@ -2187,7 +2200,7 @@
         <p:txBody>
           <a:bodyPr/>
           <a:p>
-            <a:fld id="{B1612C82-2CE5-4411-BA76-FEF41A20F09C}" type="slidenum">
+            <a:fld id="{AE12E1AB-7617-4275-8831-F88CDB5C8917}" type="slidenum">
               <a:t>&lt;#&gt;</a:t>
             </a:fld>
           </a:p>
@@ -2310,7 +2323,7 @@
         <p:txBody>
           <a:bodyPr/>
           <a:p>
-            <a:fld id="{215BE3C6-4171-4CC0-8C55-3922CFBFF979}" type="slidenum">
+            <a:fld id="{6F7DB09A-4502-47E6-B7C5-817622200C5B}" type="slidenum">
               <a:t>&lt;#&gt;</a:t>
             </a:fld>
           </a:p>
@@ -2431,7 +2444,7 @@
         <p:txBody>
           <a:bodyPr/>
           <a:p>
-            <a:fld id="{0AF7F0ED-53F5-4DBE-8A67-060671BC11BB}" type="slidenum">
+            <a:fld id="{33414A49-8D37-462E-A5BD-4AC9CD9933C8}" type="slidenum">
               <a:t>&lt;#&gt;</a:t>
             </a:fld>
           </a:p>
@@ -2683,7 +2696,7 @@
         <p:txBody>
           <a:bodyPr/>
           <a:p>
-            <a:fld id="{E07D3608-4021-4F78-884B-FF777FAC2A85}" type="slidenum">
+            <a:fld id="{3A53AE3A-92F1-4274-A195-8E8AD148AE0B}" type="slidenum">
               <a:t>&lt;#&gt;</a:t>
             </a:fld>
           </a:p>
@@ -2935,7 +2948,7 @@
         <p:txBody>
           <a:bodyPr/>
           <a:p>
-            <a:fld id="{ACDD8824-762D-446E-A67F-15F19B8E24FD}" type="slidenum">
+            <a:fld id="{6D0E9B97-A829-4E84-B324-DA3548CEE599}" type="slidenum">
               <a:t>&lt;#&gt;</a:t>
             </a:fld>
           </a:p>
@@ -3187,7 +3200,7 @@
         <p:txBody>
           <a:bodyPr/>
           <a:p>
-            <a:fld id="{05F33719-0D6E-43E5-9CE1-89BAB09100DF}" type="slidenum">
+            <a:fld id="{BF2793B0-01A8-4EC6-97AB-C683B798C6D9}" type="slidenum">
               <a:t>&lt;#&gt;</a:t>
             </a:fld>
           </a:p>
@@ -3252,7 +3265,7 @@
         <p:spPr>
           <a:xfrm>
             <a:off x="0" y="260280"/>
-            <a:ext cx="932400" cy="357840"/>
+            <a:ext cx="931680" cy="357120"/>
           </a:xfrm>
           <a:prstGeom prst="rect">
             <a:avLst/>
@@ -3306,7 +3319,7 @@
         <p:spPr>
           <a:xfrm>
             <a:off x="934920" y="260280"/>
-            <a:ext cx="8204400" cy="357840"/>
+            <a:ext cx="8203680" cy="357120"/>
           </a:xfrm>
           <a:prstGeom prst="rect">
             <a:avLst/>
@@ -3365,7 +3378,7 @@
         <p:spPr>
           <a:xfrm>
             <a:off x="6336720" y="6170040"/>
-            <a:ext cx="2625120" cy="575640"/>
+            <a:ext cx="2624400" cy="574920"/>
           </a:xfrm>
           <a:prstGeom prst="rect">
             <a:avLst/>
@@ -3384,7 +3397,7 @@
         <p:spPr>
           <a:xfrm>
             <a:off x="4267800" y="6642000"/>
-            <a:ext cx="633960" cy="152280"/>
+            <a:ext cx="633240" cy="152280"/>
           </a:xfrm>
           <a:prstGeom prst="rect">
             <a:avLst/>
@@ -3438,7 +3451,7 @@
         <p:spPr>
           <a:xfrm>
             <a:off x="2160" y="620640"/>
-            <a:ext cx="9139320" cy="5506200"/>
+            <a:ext cx="9138600" cy="5505480"/>
           </a:xfrm>
           <a:prstGeom prst="rect">
             <a:avLst/>
@@ -3492,7 +3505,7 @@
         <p:spPr>
           <a:xfrm>
             <a:off x="0" y="0"/>
-            <a:ext cx="9139320" cy="618120"/>
+            <a:ext cx="9138600" cy="617400"/>
           </a:xfrm>
           <a:prstGeom prst="rect">
             <a:avLst/>
@@ -4274,7 +4287,7 @@
         <p:spPr>
           <a:xfrm>
             <a:off x="8893080" y="0"/>
-            <a:ext cx="246240" cy="257760"/>
+            <a:ext cx="245520" cy="257040"/>
           </a:xfrm>
           <a:prstGeom prst="rect">
             <a:avLst/>
@@ -4346,7 +4359,7 @@
         <p:spPr>
           <a:xfrm>
             <a:off x="8893080" y="0"/>
-            <a:ext cx="246240" cy="257760"/>
+            <a:ext cx="245520" cy="257040"/>
           </a:xfrm>
           <a:prstGeom prst="rect">
             <a:avLst/>
@@ -4390,7 +4403,7 @@
                 <a:tab algn="l" pos="0"/>
               </a:tabLst>
             </a:pPr>
-            <a:fld id="{7C79ACEF-1A38-45E5-BBB9-C7BB15F64EB0}" type="slidenum">
+            <a:fld id="{D9789141-F866-4A0F-9FC6-6A8B8855BBC6}" type="slidenum">
               <a:rPr b="0" lang="fr-FR" sz="100" spc="-1" strike="noStrike">
                 <a:solidFill>
                   <a:schemeClr val="lt1">
@@ -4424,7 +4437,7 @@
         <p:spPr>
           <a:xfrm>
             <a:off x="8893080" y="0"/>
-            <a:ext cx="248400" cy="257760"/>
+            <a:ext cx="247680" cy="257040"/>
           </a:xfrm>
           <a:prstGeom prst="rect">
             <a:avLst/>
@@ -4517,7 +4530,7 @@
         <p:spPr>
           <a:xfrm>
             <a:off x="1260000" y="1980000"/>
-            <a:ext cx="6478200" cy="3494880"/>
+            <a:ext cx="6477480" cy="3494160"/>
           </a:xfrm>
           <a:prstGeom prst="rect">
             <a:avLst/>
@@ -4576,28 +4589,39 @@
       <p:sp>
         <p:nvSpPr>
           <p:cNvPr id="56" name=""/>
-          <p:cNvSpPr txBox="1"/>
+          <p:cNvSpPr/>
           <p:nvPr/>
         </p:nvSpPr>
         <p:spPr>
           <a:xfrm>
             <a:off x="8820000" y="6480000"/>
-            <a:ext cx="379080" cy="427320"/>
-          </a:xfrm>
-          <a:prstGeom prst="rect">
-            <a:avLst/>
-          </a:prstGeom>
-          <a:noFill/>
-          <a:ln w="0">
-            <a:noFill/>
-          </a:ln>
-        </p:spPr>
+            <a:ext cx="378360" cy="426600"/>
+          </a:xfrm>
+          <a:prstGeom prst="rect">
+            <a:avLst/>
+          </a:prstGeom>
+          <a:noFill/>
+          <a:ln w="0">
+            <a:noFill/>
+          </a:ln>
+        </p:spPr>
+        <p:style>
+          <a:lnRef idx="0"/>
+          <a:fillRef idx="0"/>
+          <a:effectRef idx="0"/>
+          <a:fontRef idx="minor"/>
+        </p:style>
         <p:txBody>
           <a:bodyPr lIns="90000" rIns="90000" tIns="45000" bIns="45000" anchor="t">
             <a:noAutofit/>
           </a:bodyPr>
           <a:p>
-            <a:fld id="{E58CCB12-0F58-45C2-8900-C193B37136E6}" type="slidenum">
+            <a:pPr>
+              <a:lnSpc>
+                <a:spcPct val="100000"/>
+              </a:lnSpc>
+            </a:pPr>
+            <a:fld id="{C58B9957-E039-45AD-9795-F7F206BD803A}" type="slidenum">
               <a:rPr b="0" lang="fr-FR" sz="2400" spc="-1" strike="noStrike">
                 <a:solidFill>
                   <a:srgbClr val="000000"/>
@@ -4610,7 +4634,7 @@
               <a:solidFill>
                 <a:srgbClr val="000000"/>
               </a:solidFill>
-              <a:latin typeface="Times New Roman"/>
+              <a:latin typeface="Arial"/>
             </a:endParaRPr>
           </a:p>
         </p:txBody>
@@ -4629,7 +4653,7 @@
         <p:txBody>
           <a:bodyPr/>
           <a:p>
-            <a:fld id="{0C7D9630-1C45-4BFF-AB17-2BEB3CB13D75}" type="slidenum">
+            <a:fld id="{E5DC9E88-BC8C-4E76-AAC2-FBE2DA8A87EE}" type="slidenum">
               <a:t>1</a:t>
             </a:fld>
           </a:p>
@@ -4678,7 +4702,7 @@
         <p:spPr>
           <a:xfrm>
             <a:off x="1008000" y="260280"/>
-            <a:ext cx="7846200" cy="357840"/>
+            <a:ext cx="7845480" cy="357120"/>
           </a:xfrm>
           <a:prstGeom prst="rect">
             <a:avLst/>
@@ -4734,7 +4758,7 @@
         <p:spPr>
           <a:xfrm>
             <a:off x="107640" y="1260000"/>
-            <a:ext cx="2950200" cy="1105200"/>
+            <a:ext cx="2949480" cy="1104480"/>
           </a:xfrm>
           <a:prstGeom prst="rect">
             <a:avLst/>
@@ -4797,7 +4821,7 @@
         <p:spPr>
           <a:xfrm>
             <a:off x="3373920" y="720000"/>
-            <a:ext cx="4364640" cy="5187600"/>
+            <a:ext cx="4363920" cy="5186880"/>
           </a:xfrm>
           <a:prstGeom prst="rect">
             <a:avLst/>
@@ -4810,28 +4834,39 @@
       <p:sp>
         <p:nvSpPr>
           <p:cNvPr id="105" name=""/>
-          <p:cNvSpPr txBox="1"/>
+          <p:cNvSpPr/>
           <p:nvPr/>
         </p:nvSpPr>
         <p:spPr>
           <a:xfrm>
             <a:off x="8729640" y="6431040"/>
-            <a:ext cx="485640" cy="427320"/>
-          </a:xfrm>
-          <a:prstGeom prst="rect">
-            <a:avLst/>
-          </a:prstGeom>
-          <a:noFill/>
-          <a:ln w="0">
-            <a:noFill/>
-          </a:ln>
-        </p:spPr>
+            <a:ext cx="484920" cy="426600"/>
+          </a:xfrm>
+          <a:prstGeom prst="rect">
+            <a:avLst/>
+          </a:prstGeom>
+          <a:noFill/>
+          <a:ln w="0">
+            <a:noFill/>
+          </a:ln>
+        </p:spPr>
+        <p:style>
+          <a:lnRef idx="0"/>
+          <a:fillRef idx="0"/>
+          <a:effectRef idx="0"/>
+          <a:fontRef idx="minor"/>
+        </p:style>
         <p:txBody>
           <a:bodyPr lIns="90000" rIns="90000" tIns="45000" bIns="45000" anchor="t">
             <a:noAutofit/>
           </a:bodyPr>
           <a:p>
-            <a:fld id="{DCCAA6C9-9D06-4F6A-BF9B-CAC1F5CCE96F}" type="slidenum">
+            <a:pPr>
+              <a:lnSpc>
+                <a:spcPct val="100000"/>
+              </a:lnSpc>
+            </a:pPr>
+            <a:fld id="{9739E4BF-A414-4A94-8934-650F318B747F}" type="slidenum">
               <a:rPr b="0" lang="fr-FR" sz="2400" spc="-1" strike="noStrike">
                 <a:solidFill>
                   <a:srgbClr val="000000"/>
@@ -4844,7 +4879,7 @@
               <a:solidFill>
                 <a:srgbClr val="000000"/>
               </a:solidFill>
-              <a:latin typeface="Times New Roman"/>
+              <a:latin typeface="Arial"/>
             </a:endParaRPr>
           </a:p>
         </p:txBody>
@@ -4863,7 +4898,7 @@
         <p:txBody>
           <a:bodyPr/>
           <a:p>
-            <a:fld id="{65A9A6FA-B927-4409-B9A0-FCC25FA7EE1A}" type="slidenum">
+            <a:fld id="{07CC1065-D2B5-419D-ADDC-5E26BAB9FC10}" type="slidenum">
               <a:t>10</a:t>
             </a:fld>
           </a:p>
@@ -4912,7 +4947,7 @@
         <p:spPr>
           <a:xfrm>
             <a:off x="4548240" y="696960"/>
-            <a:ext cx="4090680" cy="2901960"/>
+            <a:ext cx="4089960" cy="2901240"/>
           </a:xfrm>
           <a:prstGeom prst="rect">
             <a:avLst/>
@@ -4931,7 +4966,7 @@
         <p:spPr>
           <a:xfrm>
             <a:off x="360000" y="900000"/>
-            <a:ext cx="3958920" cy="898920"/>
+            <a:ext cx="3958200" cy="898200"/>
           </a:xfrm>
           <a:prstGeom prst="rect">
             <a:avLst/>
@@ -4988,7 +5023,7 @@
         <p:spPr>
           <a:xfrm>
             <a:off x="180000" y="3683880"/>
-            <a:ext cx="8503200" cy="2399040"/>
+            <a:ext cx="8502480" cy="2398320"/>
           </a:xfrm>
           <a:prstGeom prst="rect">
             <a:avLst/>
@@ -5007,7 +5042,7 @@
         <p:spPr>
           <a:xfrm>
             <a:off x="360000" y="3240000"/>
-            <a:ext cx="3958920" cy="358920"/>
+            <a:ext cx="3958200" cy="358200"/>
           </a:xfrm>
           <a:prstGeom prst="rect">
             <a:avLst/>
@@ -5054,28 +5089,39 @@
       <p:sp>
         <p:nvSpPr>
           <p:cNvPr id="110" name=""/>
-          <p:cNvSpPr txBox="1"/>
+          <p:cNvSpPr/>
           <p:nvPr/>
         </p:nvSpPr>
         <p:spPr>
           <a:xfrm>
             <a:off x="8730000" y="6431400"/>
-            <a:ext cx="485640" cy="427320"/>
-          </a:xfrm>
-          <a:prstGeom prst="rect">
-            <a:avLst/>
-          </a:prstGeom>
-          <a:noFill/>
-          <a:ln w="0">
-            <a:noFill/>
-          </a:ln>
-        </p:spPr>
+            <a:ext cx="484920" cy="426600"/>
+          </a:xfrm>
+          <a:prstGeom prst="rect">
+            <a:avLst/>
+          </a:prstGeom>
+          <a:noFill/>
+          <a:ln w="0">
+            <a:noFill/>
+          </a:ln>
+        </p:spPr>
+        <p:style>
+          <a:lnRef idx="0"/>
+          <a:fillRef idx="0"/>
+          <a:effectRef idx="0"/>
+          <a:fontRef idx="minor"/>
+        </p:style>
         <p:txBody>
           <a:bodyPr lIns="90000" rIns="90000" tIns="45000" bIns="45000" anchor="t">
             <a:noAutofit/>
           </a:bodyPr>
           <a:p>
-            <a:fld id="{CBD14C37-CAAA-45F4-A398-18A723F4C782}" type="slidenum">
+            <a:pPr>
+              <a:lnSpc>
+                <a:spcPct val="100000"/>
+              </a:lnSpc>
+            </a:pPr>
+            <a:fld id="{738E69FD-5E6E-4905-BA5F-852796B124F0}" type="slidenum">
               <a:rPr b="0" lang="fr-FR" sz="2400" spc="-1" strike="noStrike">
                 <a:solidFill>
                   <a:srgbClr val="000000"/>
@@ -5088,7 +5134,7 @@
               <a:solidFill>
                 <a:srgbClr val="000000"/>
               </a:solidFill>
-              <a:latin typeface="Times New Roman"/>
+              <a:latin typeface="Arial"/>
             </a:endParaRPr>
           </a:p>
         </p:txBody>
@@ -5107,7 +5153,7 @@
         <p:txBody>
           <a:bodyPr/>
           <a:p>
-            <a:fld id="{F498B5C1-5789-4FF9-96B8-8D31C6AE7C28}" type="slidenum">
+            <a:fld id="{581CA783-52FB-4E4E-9042-63606C3FE301}" type="slidenum">
               <a:t>11</a:t>
             </a:fld>
           </a:p>
@@ -5152,7 +5198,7 @@
         <p:spPr>
           <a:xfrm>
             <a:off x="540000" y="1080000"/>
-            <a:ext cx="3418920" cy="898920"/>
+            <a:ext cx="3418200" cy="898200"/>
           </a:xfrm>
           <a:prstGeom prst="rect">
             <a:avLst/>
@@ -5209,7 +5255,7 @@
         <p:spPr>
           <a:xfrm>
             <a:off x="3816000" y="684000"/>
-            <a:ext cx="3922920" cy="1789200"/>
+            <a:ext cx="3922200" cy="1788480"/>
           </a:xfrm>
           <a:prstGeom prst="rect">
             <a:avLst/>
@@ -5228,7 +5274,7 @@
         <p:spPr>
           <a:xfrm>
             <a:off x="540000" y="2880000"/>
-            <a:ext cx="3598920" cy="1438920"/>
+            <a:ext cx="3598200" cy="1438200"/>
           </a:xfrm>
           <a:prstGeom prst="rect">
             <a:avLst/>
@@ -5297,7 +5343,7 @@
         <p:spPr>
           <a:xfrm>
             <a:off x="669600" y="4680000"/>
-            <a:ext cx="6709320" cy="358920"/>
+            <a:ext cx="6708600" cy="358200"/>
           </a:xfrm>
           <a:prstGeom prst="rect">
             <a:avLst/>
@@ -5310,28 +5356,39 @@
       <p:sp>
         <p:nvSpPr>
           <p:cNvPr id="115" name=""/>
-          <p:cNvSpPr txBox="1"/>
+          <p:cNvSpPr/>
           <p:nvPr/>
         </p:nvSpPr>
         <p:spPr>
           <a:xfrm>
             <a:off x="8730000" y="6431400"/>
-            <a:ext cx="485640" cy="427320"/>
-          </a:xfrm>
-          <a:prstGeom prst="rect">
-            <a:avLst/>
-          </a:prstGeom>
-          <a:noFill/>
-          <a:ln w="0">
-            <a:noFill/>
-          </a:ln>
-        </p:spPr>
+            <a:ext cx="484920" cy="426600"/>
+          </a:xfrm>
+          <a:prstGeom prst="rect">
+            <a:avLst/>
+          </a:prstGeom>
+          <a:noFill/>
+          <a:ln w="0">
+            <a:noFill/>
+          </a:ln>
+        </p:spPr>
+        <p:style>
+          <a:lnRef idx="0"/>
+          <a:fillRef idx="0"/>
+          <a:effectRef idx="0"/>
+          <a:fontRef idx="minor"/>
+        </p:style>
         <p:txBody>
           <a:bodyPr lIns="90000" rIns="90000" tIns="45000" bIns="45000" anchor="t">
             <a:noAutofit/>
           </a:bodyPr>
           <a:p>
-            <a:fld id="{29CB932D-D62D-4846-BCBA-FDD4AF351C3F}" type="slidenum">
+            <a:pPr>
+              <a:lnSpc>
+                <a:spcPct val="100000"/>
+              </a:lnSpc>
+            </a:pPr>
+            <a:fld id="{C71E9D07-A1A7-4E65-9252-6026DE824F18}" type="slidenum">
               <a:rPr b="0" lang="fr-FR" sz="2400" spc="-1" strike="noStrike">
                 <a:solidFill>
                   <a:srgbClr val="000000"/>
@@ -5344,7 +5401,7 @@
               <a:solidFill>
                 <a:srgbClr val="000000"/>
               </a:solidFill>
-              <a:latin typeface="Times New Roman"/>
+              <a:latin typeface="Arial"/>
             </a:endParaRPr>
           </a:p>
         </p:txBody>
@@ -5363,7 +5420,7 @@
         <p:txBody>
           <a:bodyPr/>
           <a:p>
-            <a:fld id="{E7207D23-0B4C-46A7-89BA-9448D6BF7531}" type="slidenum">
+            <a:fld id="{10E4E514-27E2-4EBE-93EC-314DE36FA5B1}" type="slidenum">
               <a:t>12</a:t>
             </a:fld>
           </a:p>
@@ -5408,7 +5465,7 @@
         <p:spPr>
           <a:xfrm>
             <a:off x="576000" y="1306440"/>
-            <a:ext cx="8098920" cy="538920"/>
+            <a:ext cx="8098200" cy="538200"/>
           </a:xfrm>
           <a:prstGeom prst="rect">
             <a:avLst/>
@@ -5465,7 +5522,7 @@
         <p:spPr>
           <a:xfrm>
             <a:off x="0" y="1846440"/>
-            <a:ext cx="9142560" cy="2588040"/>
+            <a:ext cx="9141840" cy="2587320"/>
           </a:xfrm>
           <a:prstGeom prst="rect">
             <a:avLst/>
@@ -5484,7 +5541,7 @@
         <p:spPr>
           <a:xfrm>
             <a:off x="936000" y="4680000"/>
-            <a:ext cx="7198920" cy="718920"/>
+            <a:ext cx="7198200" cy="718200"/>
           </a:xfrm>
           <a:prstGeom prst="rect">
             <a:avLst/>
@@ -5541,7 +5598,7 @@
         <p:spPr>
           <a:xfrm>
             <a:off x="862200" y="5336640"/>
-            <a:ext cx="7319160" cy="718920"/>
+            <a:ext cx="7318440" cy="718200"/>
           </a:xfrm>
           <a:prstGeom prst="rect">
             <a:avLst/>
@@ -5554,28 +5611,39 @@
       <p:sp>
         <p:nvSpPr>
           <p:cNvPr id="120" name=""/>
-          <p:cNvSpPr txBox="1"/>
+          <p:cNvSpPr/>
           <p:nvPr/>
         </p:nvSpPr>
         <p:spPr>
           <a:xfrm>
             <a:off x="8730000" y="6431400"/>
-            <a:ext cx="485640" cy="427320"/>
-          </a:xfrm>
-          <a:prstGeom prst="rect">
-            <a:avLst/>
-          </a:prstGeom>
-          <a:noFill/>
-          <a:ln w="0">
-            <a:noFill/>
-          </a:ln>
-        </p:spPr>
+            <a:ext cx="484920" cy="426600"/>
+          </a:xfrm>
+          <a:prstGeom prst="rect">
+            <a:avLst/>
+          </a:prstGeom>
+          <a:noFill/>
+          <a:ln w="0">
+            <a:noFill/>
+          </a:ln>
+        </p:spPr>
+        <p:style>
+          <a:lnRef idx="0"/>
+          <a:fillRef idx="0"/>
+          <a:effectRef idx="0"/>
+          <a:fontRef idx="minor"/>
+        </p:style>
         <p:txBody>
           <a:bodyPr lIns="90000" rIns="90000" tIns="45000" bIns="45000" anchor="t">
             <a:noAutofit/>
           </a:bodyPr>
           <a:p>
-            <a:fld id="{36B22B58-5FC3-421C-A9DC-571B5DCD8BA7}" type="slidenum">
+            <a:pPr>
+              <a:lnSpc>
+                <a:spcPct val="100000"/>
+              </a:lnSpc>
+            </a:pPr>
+            <a:fld id="{F7971E0A-B1B9-4DBC-8FFB-9CBF6613326D}" type="slidenum">
               <a:rPr b="0" lang="fr-FR" sz="2400" spc="-1" strike="noStrike">
                 <a:solidFill>
                   <a:srgbClr val="000000"/>
@@ -5588,7 +5656,7 @@
               <a:solidFill>
                 <a:srgbClr val="000000"/>
               </a:solidFill>
-              <a:latin typeface="Times New Roman"/>
+              <a:latin typeface="Arial"/>
             </a:endParaRPr>
           </a:p>
         </p:txBody>
@@ -5607,7 +5675,7 @@
         <p:txBody>
           <a:bodyPr/>
           <a:p>
-            <a:fld id="{20AE6625-6079-445E-A542-9D91B77CBAF8}" type="slidenum">
+            <a:fld id="{9C4B6F55-9AA9-4FE6-85BF-A900225EDB97}" type="slidenum">
               <a:t>13</a:t>
             </a:fld>
           </a:p>
@@ -5652,7 +5720,7 @@
         <p:spPr>
           <a:xfrm>
             <a:off x="540000" y="900000"/>
-            <a:ext cx="2698920" cy="538920"/>
+            <a:ext cx="2698200" cy="538200"/>
           </a:xfrm>
           <a:prstGeom prst="rect">
             <a:avLst/>
@@ -5709,7 +5777,7 @@
         <p:spPr>
           <a:xfrm>
             <a:off x="25200" y="1474560"/>
-            <a:ext cx="9142560" cy="1282680"/>
+            <a:ext cx="9141840" cy="1281960"/>
           </a:xfrm>
           <a:prstGeom prst="rect">
             <a:avLst/>
@@ -5722,28 +5790,39 @@
       <p:sp>
         <p:nvSpPr>
           <p:cNvPr id="123" name=""/>
-          <p:cNvSpPr txBox="1"/>
+          <p:cNvSpPr/>
           <p:nvPr/>
         </p:nvSpPr>
         <p:spPr>
           <a:xfrm>
             <a:off x="8730000" y="6431400"/>
-            <a:ext cx="485640" cy="427320"/>
-          </a:xfrm>
-          <a:prstGeom prst="rect">
-            <a:avLst/>
-          </a:prstGeom>
-          <a:noFill/>
-          <a:ln w="0">
-            <a:noFill/>
-          </a:ln>
-        </p:spPr>
+            <a:ext cx="484920" cy="426600"/>
+          </a:xfrm>
+          <a:prstGeom prst="rect">
+            <a:avLst/>
+          </a:prstGeom>
+          <a:noFill/>
+          <a:ln w="0">
+            <a:noFill/>
+          </a:ln>
+        </p:spPr>
+        <p:style>
+          <a:lnRef idx="0"/>
+          <a:fillRef idx="0"/>
+          <a:effectRef idx="0"/>
+          <a:fontRef idx="minor"/>
+        </p:style>
         <p:txBody>
           <a:bodyPr lIns="90000" rIns="90000" tIns="45000" bIns="45000" anchor="t">
             <a:noAutofit/>
           </a:bodyPr>
           <a:p>
-            <a:fld id="{042BBD4D-1056-4CFF-AA22-726DE1C583ED}" type="slidenum">
+            <a:pPr>
+              <a:lnSpc>
+                <a:spcPct val="100000"/>
+              </a:lnSpc>
+            </a:pPr>
+            <a:fld id="{49DEF915-5B3E-4309-AF4A-3D170F8A5C97}" type="slidenum">
               <a:rPr b="0" lang="fr-FR" sz="2400" spc="-1" strike="noStrike">
                 <a:solidFill>
                   <a:srgbClr val="000000"/>
@@ -5756,7 +5835,7 @@
               <a:solidFill>
                 <a:srgbClr val="000000"/>
               </a:solidFill>
-              <a:latin typeface="Times New Roman"/>
+              <a:latin typeface="Arial"/>
             </a:endParaRPr>
           </a:p>
         </p:txBody>
@@ -5775,7 +5854,7 @@
         <p:txBody>
           <a:bodyPr/>
           <a:p>
-            <a:fld id="{5AB90059-2229-468A-AD13-58C086CDD5D9}" type="slidenum">
+            <a:fld id="{A51DD3F5-E6CF-4910-99C9-0989750272A8}" type="slidenum">
               <a:t>14</a:t>
             </a:fld>
           </a:p>
@@ -5820,7 +5899,7 @@
         <p:spPr>
           <a:xfrm>
             <a:off x="360000" y="900000"/>
-            <a:ext cx="4678920" cy="898920"/>
+            <a:ext cx="4678200" cy="898200"/>
           </a:xfrm>
           <a:prstGeom prst="rect">
             <a:avLst/>
@@ -5877,7 +5956,7 @@
         <p:spPr>
           <a:xfrm>
             <a:off x="442080" y="1908000"/>
-            <a:ext cx="3336840" cy="1978920"/>
+            <a:ext cx="3336120" cy="1978200"/>
           </a:xfrm>
           <a:prstGeom prst="rect">
             <a:avLst/>
@@ -5900,7 +5979,7 @@
         <p:spPr>
           <a:xfrm>
             <a:off x="5220000" y="1905480"/>
-            <a:ext cx="3238920" cy="1981440"/>
+            <a:ext cx="3238200" cy="1980720"/>
           </a:xfrm>
           <a:prstGeom prst="rect">
             <a:avLst/>
@@ -5919,7 +5998,7 @@
         <p:spPr>
           <a:xfrm>
             <a:off x="1800000" y="4140000"/>
-            <a:ext cx="4498920" cy="601200"/>
+            <a:ext cx="4498200" cy="600480"/>
           </a:xfrm>
           <a:prstGeom prst="rect">
             <a:avLst/>
@@ -5994,7 +6073,7 @@
         <p:spPr>
           <a:xfrm>
             <a:off x="360000" y="5040000"/>
-            <a:ext cx="5398920" cy="898920"/>
+            <a:ext cx="5398200" cy="898200"/>
           </a:xfrm>
           <a:prstGeom prst="rect">
             <a:avLst/>
@@ -6041,28 +6120,39 @@
       <p:sp>
         <p:nvSpPr>
           <p:cNvPr id="129" name=""/>
-          <p:cNvSpPr txBox="1"/>
+          <p:cNvSpPr/>
           <p:nvPr/>
         </p:nvSpPr>
         <p:spPr>
           <a:xfrm>
             <a:off x="8730000" y="6431400"/>
-            <a:ext cx="485640" cy="427320"/>
-          </a:xfrm>
-          <a:prstGeom prst="rect">
-            <a:avLst/>
-          </a:prstGeom>
-          <a:noFill/>
-          <a:ln w="0">
-            <a:noFill/>
-          </a:ln>
-        </p:spPr>
+            <a:ext cx="484920" cy="426600"/>
+          </a:xfrm>
+          <a:prstGeom prst="rect">
+            <a:avLst/>
+          </a:prstGeom>
+          <a:noFill/>
+          <a:ln w="0">
+            <a:noFill/>
+          </a:ln>
+        </p:spPr>
+        <p:style>
+          <a:lnRef idx="0"/>
+          <a:fillRef idx="0"/>
+          <a:effectRef idx="0"/>
+          <a:fontRef idx="minor"/>
+        </p:style>
         <p:txBody>
           <a:bodyPr lIns="90000" rIns="90000" tIns="45000" bIns="45000" anchor="t">
             <a:noAutofit/>
           </a:bodyPr>
           <a:p>
-            <a:fld id="{74327D70-6B95-4D78-AA6C-539C5CA6A9A7}" type="slidenum">
+            <a:pPr>
+              <a:lnSpc>
+                <a:spcPct val="100000"/>
+              </a:lnSpc>
+            </a:pPr>
+            <a:fld id="{8117E2E7-2D2D-4D18-8724-54E38DA944B0}" type="slidenum">
               <a:rPr b="0" lang="fr-FR" sz="2400" spc="-1" strike="noStrike">
                 <a:solidFill>
                   <a:srgbClr val="000000"/>
@@ -6075,7 +6165,7 @@
               <a:solidFill>
                 <a:srgbClr val="000000"/>
               </a:solidFill>
-              <a:latin typeface="Times New Roman"/>
+              <a:latin typeface="Arial"/>
             </a:endParaRPr>
           </a:p>
         </p:txBody>
@@ -6094,7 +6184,7 @@
         <p:txBody>
           <a:bodyPr/>
           <a:p>
-            <a:fld id="{C0F4428D-9271-4FE9-91AD-9EA4BC0557E2}" type="slidenum">
+            <a:fld id="{E6ED6E13-54F1-486E-98BD-58196D66E647}" type="slidenum">
               <a:t>15</a:t>
             </a:fld>
           </a:p>
@@ -6139,7 +6229,7 @@
         <p:spPr>
           <a:xfrm>
             <a:off x="363240" y="720000"/>
-            <a:ext cx="5578920" cy="601200"/>
+            <a:ext cx="5578200" cy="600480"/>
           </a:xfrm>
           <a:prstGeom prst="rect">
             <a:avLst/>
@@ -6196,7 +6286,7 @@
         <p:spPr>
           <a:xfrm>
             <a:off x="360000" y="1303200"/>
-            <a:ext cx="4502160" cy="1575720"/>
+            <a:ext cx="4501440" cy="1575000"/>
           </a:xfrm>
           <a:prstGeom prst="rect">
             <a:avLst/>
@@ -6215,7 +6305,7 @@
         <p:spPr>
           <a:xfrm>
             <a:off x="4863240" y="1800000"/>
-            <a:ext cx="3238920" cy="358920"/>
+            <a:ext cx="3238200" cy="358200"/>
           </a:xfrm>
           <a:prstGeom prst="rect">
             <a:avLst/>
@@ -6281,7 +6371,7 @@
         <p:spPr>
           <a:xfrm>
             <a:off x="363240" y="3240000"/>
-            <a:ext cx="4714200" cy="2158920"/>
+            <a:ext cx="4713480" cy="2158200"/>
           </a:xfrm>
           <a:prstGeom prst="rect">
             <a:avLst/>
@@ -6300,7 +6390,7 @@
         <p:spPr>
           <a:xfrm>
             <a:off x="5078520" y="4140000"/>
-            <a:ext cx="3238920" cy="601200"/>
+            <a:ext cx="3238200" cy="600480"/>
           </a:xfrm>
           <a:prstGeom prst="rect">
             <a:avLst/>
@@ -6362,7 +6452,7 @@
         <p:spPr>
           <a:xfrm>
             <a:off x="540000" y="5493240"/>
-            <a:ext cx="8278920" cy="538920"/>
+            <a:ext cx="8278200" cy="538200"/>
           </a:xfrm>
           <a:prstGeom prst="rect">
             <a:avLst/>
@@ -6409,28 +6499,39 @@
       <p:sp>
         <p:nvSpPr>
           <p:cNvPr id="136" name=""/>
-          <p:cNvSpPr txBox="1"/>
+          <p:cNvSpPr/>
           <p:nvPr/>
         </p:nvSpPr>
         <p:spPr>
           <a:xfrm>
             <a:off x="8730000" y="6431400"/>
-            <a:ext cx="485640" cy="427320"/>
-          </a:xfrm>
-          <a:prstGeom prst="rect">
-            <a:avLst/>
-          </a:prstGeom>
-          <a:noFill/>
-          <a:ln w="0">
-            <a:noFill/>
-          </a:ln>
-        </p:spPr>
+            <a:ext cx="484920" cy="426600"/>
+          </a:xfrm>
+          <a:prstGeom prst="rect">
+            <a:avLst/>
+          </a:prstGeom>
+          <a:noFill/>
+          <a:ln w="0">
+            <a:noFill/>
+          </a:ln>
+        </p:spPr>
+        <p:style>
+          <a:lnRef idx="0"/>
+          <a:fillRef idx="0"/>
+          <a:effectRef idx="0"/>
+          <a:fontRef idx="minor"/>
+        </p:style>
         <p:txBody>
           <a:bodyPr lIns="90000" rIns="90000" tIns="45000" bIns="45000" anchor="t">
             <a:noAutofit/>
           </a:bodyPr>
           <a:p>
-            <a:fld id="{2819CF58-7BB7-42A4-B008-98764B472F33}" type="slidenum">
+            <a:pPr>
+              <a:lnSpc>
+                <a:spcPct val="100000"/>
+              </a:lnSpc>
+            </a:pPr>
+            <a:fld id="{51CBF4B9-6C8D-4AE1-830B-61B2B394C74F}" type="slidenum">
               <a:rPr b="0" lang="fr-FR" sz="2400" spc="-1" strike="noStrike">
                 <a:solidFill>
                   <a:srgbClr val="000000"/>
@@ -6443,7 +6544,7 @@
               <a:solidFill>
                 <a:srgbClr val="000000"/>
               </a:solidFill>
-              <a:latin typeface="Times New Roman"/>
+              <a:latin typeface="Arial"/>
             </a:endParaRPr>
           </a:p>
         </p:txBody>
@@ -6462,7 +6563,7 @@
         <p:txBody>
           <a:bodyPr/>
           <a:p>
-            <a:fld id="{1952905C-41BC-496E-B099-8550E9E31C4D}" type="slidenum">
+            <a:fld id="{2080670B-B19A-4C92-875E-2E9B517777C7}" type="slidenum">
               <a:t>16</a:t>
             </a:fld>
           </a:p>
@@ -6507,7 +6608,7 @@
         <p:spPr>
           <a:xfrm>
             <a:off x="900000" y="1062360"/>
-            <a:ext cx="7198920" cy="4696560"/>
+            <a:ext cx="7198200" cy="4695840"/>
           </a:xfrm>
           <a:prstGeom prst="rect">
             <a:avLst/>
@@ -6847,28 +6948,39 @@
       <p:sp>
         <p:nvSpPr>
           <p:cNvPr id="138" name=""/>
-          <p:cNvSpPr txBox="1"/>
+          <p:cNvSpPr/>
           <p:nvPr/>
         </p:nvSpPr>
         <p:spPr>
           <a:xfrm>
             <a:off x="8730000" y="6431400"/>
-            <a:ext cx="485640" cy="427320"/>
-          </a:xfrm>
-          <a:prstGeom prst="rect">
-            <a:avLst/>
-          </a:prstGeom>
-          <a:noFill/>
-          <a:ln w="0">
-            <a:noFill/>
-          </a:ln>
-        </p:spPr>
+            <a:ext cx="484920" cy="426600"/>
+          </a:xfrm>
+          <a:prstGeom prst="rect">
+            <a:avLst/>
+          </a:prstGeom>
+          <a:noFill/>
+          <a:ln w="0">
+            <a:noFill/>
+          </a:ln>
+        </p:spPr>
+        <p:style>
+          <a:lnRef idx="0"/>
+          <a:fillRef idx="0"/>
+          <a:effectRef idx="0"/>
+          <a:fontRef idx="minor"/>
+        </p:style>
         <p:txBody>
           <a:bodyPr lIns="90000" rIns="90000" tIns="45000" bIns="45000" anchor="t">
             <a:noAutofit/>
           </a:bodyPr>
           <a:p>
-            <a:fld id="{8FFA160D-A90B-4F90-A545-2F4F89B6B4B0}" type="slidenum">
+            <a:pPr>
+              <a:lnSpc>
+                <a:spcPct val="100000"/>
+              </a:lnSpc>
+            </a:pPr>
+            <a:fld id="{119EC528-6021-4148-9F92-B827D790B31F}" type="slidenum">
               <a:rPr b="0" lang="fr-FR" sz="2400" spc="-1" strike="noStrike">
                 <a:solidFill>
                   <a:srgbClr val="000000"/>
@@ -6881,7 +6993,7 @@
               <a:solidFill>
                 <a:srgbClr val="000000"/>
               </a:solidFill>
-              <a:latin typeface="Times New Roman"/>
+              <a:latin typeface="Arial"/>
             </a:endParaRPr>
           </a:p>
         </p:txBody>
@@ -6900,7 +7012,7 @@
         <p:txBody>
           <a:bodyPr/>
           <a:p>
-            <a:fld id="{1569A91E-8779-4100-9813-C022D11320C8}" type="slidenum">
+            <a:fld id="{23EABB3F-7D8D-41E4-87B3-56B00E33E150}" type="slidenum">
               <a:t>17</a:t>
             </a:fld>
           </a:p>
@@ -6949,7 +7061,7 @@
         <p:spPr>
           <a:xfrm>
             <a:off x="288000" y="1800000"/>
-            <a:ext cx="3405960" cy="1978920"/>
+            <a:ext cx="3405240" cy="1978200"/>
           </a:xfrm>
           <a:prstGeom prst="rect">
             <a:avLst/>
@@ -6968,7 +7080,7 @@
         <p:spPr>
           <a:xfrm>
             <a:off x="3816000" y="2592000"/>
-            <a:ext cx="1618920" cy="718920"/>
+            <a:ext cx="1618200" cy="718200"/>
           </a:xfrm>
           <a:prstGeom prst="rightArrow">
             <a:avLst>
@@ -7023,7 +7135,7 @@
         <p:spPr>
           <a:xfrm>
             <a:off x="5488920" y="1810440"/>
-            <a:ext cx="3618000" cy="1968480"/>
+            <a:ext cx="3617280" cy="1967760"/>
           </a:xfrm>
           <a:prstGeom prst="rect">
             <a:avLst/>
@@ -7046,7 +7158,7 @@
         <p:spPr>
           <a:xfrm>
             <a:off x="396000" y="4032000"/>
-            <a:ext cx="3238920" cy="1944720"/>
+            <a:ext cx="3238200" cy="1944000"/>
           </a:xfrm>
           <a:prstGeom prst="rect">
             <a:avLst/>
@@ -7065,7 +7177,7 @@
         <p:spPr>
           <a:xfrm>
             <a:off x="3816000" y="4716000"/>
-            <a:ext cx="1618920" cy="718920"/>
+            <a:ext cx="1618200" cy="718200"/>
           </a:xfrm>
           <a:prstGeom prst="rightArrow">
             <a:avLst>
@@ -7120,7 +7232,7 @@
         <p:spPr>
           <a:xfrm>
             <a:off x="5575320" y="4032000"/>
-            <a:ext cx="3389400" cy="1978920"/>
+            <a:ext cx="3388680" cy="1978200"/>
           </a:xfrm>
           <a:prstGeom prst="rect">
             <a:avLst/>
@@ -7139,7 +7251,7 @@
         <p:spPr>
           <a:xfrm>
             <a:off x="360000" y="648000"/>
-            <a:ext cx="8639280" cy="1113480"/>
+            <a:ext cx="8638560" cy="1112760"/>
           </a:xfrm>
           <a:prstGeom prst="rect">
             <a:avLst/>
@@ -7252,28 +7364,39 @@
       <p:sp>
         <p:nvSpPr>
           <p:cNvPr id="146" name=""/>
-          <p:cNvSpPr txBox="1"/>
+          <p:cNvSpPr/>
           <p:nvPr/>
         </p:nvSpPr>
         <p:spPr>
           <a:xfrm>
             <a:off x="8730000" y="6431400"/>
-            <a:ext cx="485640" cy="427320"/>
-          </a:xfrm>
-          <a:prstGeom prst="rect">
-            <a:avLst/>
-          </a:prstGeom>
-          <a:noFill/>
-          <a:ln w="0">
-            <a:noFill/>
-          </a:ln>
-        </p:spPr>
+            <a:ext cx="484920" cy="426600"/>
+          </a:xfrm>
+          <a:prstGeom prst="rect">
+            <a:avLst/>
+          </a:prstGeom>
+          <a:noFill/>
+          <a:ln w="0">
+            <a:noFill/>
+          </a:ln>
+        </p:spPr>
+        <p:style>
+          <a:lnRef idx="0"/>
+          <a:fillRef idx="0"/>
+          <a:effectRef idx="0"/>
+          <a:fontRef idx="minor"/>
+        </p:style>
         <p:txBody>
           <a:bodyPr lIns="90000" rIns="90000" tIns="45000" bIns="45000" anchor="t">
             <a:noAutofit/>
           </a:bodyPr>
           <a:p>
-            <a:fld id="{82FA5052-FCBD-4F81-BFAA-8B064A144B25}" type="slidenum">
+            <a:pPr>
+              <a:lnSpc>
+                <a:spcPct val="100000"/>
+              </a:lnSpc>
+            </a:pPr>
+            <a:fld id="{A00E7E2D-3BC1-445F-BDE4-339163C225A6}" type="slidenum">
               <a:rPr b="0" lang="fr-FR" sz="2400" spc="-1" strike="noStrike">
                 <a:solidFill>
                   <a:srgbClr val="000000"/>
@@ -7286,7 +7409,7 @@
               <a:solidFill>
                 <a:srgbClr val="000000"/>
               </a:solidFill>
-              <a:latin typeface="Times New Roman"/>
+              <a:latin typeface="Arial"/>
             </a:endParaRPr>
           </a:p>
         </p:txBody>
@@ -7305,7 +7428,7 @@
         <p:txBody>
           <a:bodyPr/>
           <a:p>
-            <a:fld id="{E61DE2F9-A0AB-4118-82A5-9EBBF9BD725C}" type="slidenum">
+            <a:fld id="{A61DB406-14B3-4D11-853D-6868DDF349A8}" type="slidenum">
               <a:t>18</a:t>
             </a:fld>
           </a:p>
@@ -7354,7 +7477,7 @@
         <p:spPr>
           <a:xfrm>
             <a:off x="36000" y="36000"/>
-            <a:ext cx="5002920" cy="2959200"/>
+            <a:ext cx="5002200" cy="2958480"/>
           </a:xfrm>
           <a:prstGeom prst="rect">
             <a:avLst/>
@@ -7377,7 +7500,7 @@
         <p:spPr>
           <a:xfrm>
             <a:off x="3780000" y="3017880"/>
-            <a:ext cx="5218920" cy="3042720"/>
+            <a:ext cx="5218200" cy="3042000"/>
           </a:xfrm>
           <a:prstGeom prst="rect">
             <a:avLst/>
@@ -7390,28 +7513,39 @@
       <p:sp>
         <p:nvSpPr>
           <p:cNvPr id="149" name=""/>
-          <p:cNvSpPr txBox="1"/>
+          <p:cNvSpPr/>
           <p:nvPr/>
         </p:nvSpPr>
         <p:spPr>
           <a:xfrm>
             <a:off x="8730000" y="6431400"/>
-            <a:ext cx="485640" cy="427320"/>
-          </a:xfrm>
-          <a:prstGeom prst="rect">
-            <a:avLst/>
-          </a:prstGeom>
-          <a:noFill/>
-          <a:ln w="0">
-            <a:noFill/>
-          </a:ln>
-        </p:spPr>
+            <a:ext cx="484920" cy="426600"/>
+          </a:xfrm>
+          <a:prstGeom prst="rect">
+            <a:avLst/>
+          </a:prstGeom>
+          <a:noFill/>
+          <a:ln w="0">
+            <a:noFill/>
+          </a:ln>
+        </p:spPr>
+        <p:style>
+          <a:lnRef idx="0"/>
+          <a:fillRef idx="0"/>
+          <a:effectRef idx="0"/>
+          <a:fontRef idx="minor"/>
+        </p:style>
         <p:txBody>
           <a:bodyPr lIns="90000" rIns="90000" tIns="45000" bIns="45000" anchor="t">
             <a:noAutofit/>
           </a:bodyPr>
           <a:p>
-            <a:fld id="{039763D9-6EF1-4AC5-B9F8-DC1B6A024FC6}" type="slidenum">
+            <a:pPr>
+              <a:lnSpc>
+                <a:spcPct val="100000"/>
+              </a:lnSpc>
+            </a:pPr>
+            <a:fld id="{2A737FC3-BA92-4E59-BB1F-3D5FE85EBD37}" type="slidenum">
               <a:rPr b="0" lang="fr-FR" sz="2400" spc="-1" strike="noStrike">
                 <a:solidFill>
                   <a:srgbClr val="000000"/>
@@ -7424,7 +7558,7 @@
               <a:solidFill>
                 <a:srgbClr val="000000"/>
               </a:solidFill>
-              <a:latin typeface="Times New Roman"/>
+              <a:latin typeface="Arial"/>
             </a:endParaRPr>
           </a:p>
         </p:txBody>
@@ -7443,7 +7577,7 @@
         <p:txBody>
           <a:bodyPr/>
           <a:p>
-            <a:fld id="{682941F5-D246-49C8-AD57-5349D9AAC2E3}" type="slidenum">
+            <a:fld id="{8254AC34-A22E-4929-A028-11ABFFF91395}" type="slidenum">
               <a:t>19</a:t>
             </a:fld>
           </a:p>
@@ -7488,7 +7622,7 @@
         <p:spPr>
           <a:xfrm>
             <a:off x="610920" y="6134760"/>
-            <a:ext cx="5758920" cy="428400"/>
+            <a:ext cx="5758200" cy="427680"/>
           </a:xfrm>
           <a:prstGeom prst="rect">
             <a:avLst/>
@@ -7549,7 +7683,7 @@
         <p:spPr>
           <a:xfrm>
             <a:off x="467640" y="5301360"/>
-            <a:ext cx="5110200" cy="753480"/>
+            <a:ext cx="5109480" cy="752760"/>
           </a:xfrm>
           <a:prstGeom prst="rect">
             <a:avLst/>
@@ -7618,7 +7752,7 @@
         <p:spPr>
           <a:xfrm>
             <a:off x="1925640" y="748080"/>
-            <a:ext cx="5290200" cy="5290200"/>
+            <a:ext cx="5289480" cy="5289480"/>
           </a:xfrm>
           <a:prstGeom prst="rect">
             <a:avLst/>
@@ -7680,7 +7814,7 @@
         <p:spPr>
           <a:xfrm>
             <a:off x="467640" y="1556640"/>
-            <a:ext cx="8206560" cy="2949840"/>
+            <a:ext cx="8205840" cy="2949120"/>
           </a:xfrm>
           <a:prstGeom prst="rect">
             <a:avLst/>
@@ -7793,7 +7927,7 @@
         <p:spPr>
           <a:xfrm>
             <a:off x="6087240" y="5121720"/>
-            <a:ext cx="2910600" cy="769320"/>
+            <a:ext cx="2909880" cy="768600"/>
           </a:xfrm>
           <a:prstGeom prst="rect">
             <a:avLst/>
@@ -7886,28 +8020,39 @@
       <p:sp>
         <p:nvSpPr>
           <p:cNvPr id="62" name=""/>
-          <p:cNvSpPr txBox="1"/>
+          <p:cNvSpPr/>
           <p:nvPr/>
         </p:nvSpPr>
         <p:spPr>
           <a:xfrm>
             <a:off x="8820000" y="6430680"/>
-            <a:ext cx="379080" cy="427320"/>
-          </a:xfrm>
-          <a:prstGeom prst="rect">
-            <a:avLst/>
-          </a:prstGeom>
-          <a:noFill/>
-          <a:ln w="0">
-            <a:noFill/>
-          </a:ln>
-        </p:spPr>
+            <a:ext cx="378360" cy="426600"/>
+          </a:xfrm>
+          <a:prstGeom prst="rect">
+            <a:avLst/>
+          </a:prstGeom>
+          <a:noFill/>
+          <a:ln w="0">
+            <a:noFill/>
+          </a:ln>
+        </p:spPr>
+        <p:style>
+          <a:lnRef idx="0"/>
+          <a:fillRef idx="0"/>
+          <a:effectRef idx="0"/>
+          <a:fontRef idx="minor"/>
+        </p:style>
         <p:txBody>
           <a:bodyPr lIns="90000" rIns="90000" tIns="45000" bIns="45000" anchor="t">
             <a:noAutofit/>
           </a:bodyPr>
           <a:p>
-            <a:fld id="{A17BABC2-AAEC-45CD-934A-0844B8460BA5}" type="slidenum">
+            <a:pPr>
+              <a:lnSpc>
+                <a:spcPct val="100000"/>
+              </a:lnSpc>
+            </a:pPr>
+            <a:fld id="{E9FE0C84-1100-43E6-B0D1-A3D7C9A910C3}" type="slidenum">
               <a:rPr b="0" lang="fr-FR" sz="2400" spc="-1" strike="noStrike">
                 <a:solidFill>
                   <a:srgbClr val="000000"/>
@@ -7920,7 +8065,7 @@
               <a:solidFill>
                 <a:srgbClr val="000000"/>
               </a:solidFill>
-              <a:latin typeface="Times New Roman"/>
+              <a:latin typeface="Arial"/>
             </a:endParaRPr>
           </a:p>
         </p:txBody>
@@ -7939,7 +8084,7 @@
         <p:txBody>
           <a:bodyPr/>
           <a:p>
-            <a:fld id="{78716D2F-9167-4E9F-A7B2-02A7C2C2D5B9}" type="slidenum">
+            <a:fld id="{A5A2FC75-E632-470C-82B1-81588100A585}" type="slidenum">
               <a:t>2</a:t>
             </a:fld>
           </a:p>
@@ -7984,7 +8129,7 @@
         <p:spPr>
           <a:xfrm>
             <a:off x="360000" y="720000"/>
-            <a:ext cx="4498920" cy="1438920"/>
+            <a:ext cx="4498200" cy="1438200"/>
           </a:xfrm>
           <a:prstGeom prst="rect">
             <a:avLst/>
@@ -8119,7 +8264,7 @@
         <p:spPr>
           <a:xfrm>
             <a:off x="62640" y="2700000"/>
-            <a:ext cx="4436640" cy="3327120"/>
+            <a:ext cx="4435920" cy="3326400"/>
           </a:xfrm>
           <a:prstGeom prst="rect">
             <a:avLst/>
@@ -8142,7 +8287,7 @@
         <p:spPr>
           <a:xfrm>
             <a:off x="4608000" y="2700000"/>
-            <a:ext cx="4470120" cy="3352320"/>
+            <a:ext cx="4469400" cy="3351600"/>
           </a:xfrm>
           <a:prstGeom prst="rect">
             <a:avLst/>
@@ -8155,28 +8300,39 @@
       <p:sp>
         <p:nvSpPr>
           <p:cNvPr id="153" name=""/>
-          <p:cNvSpPr txBox="1"/>
+          <p:cNvSpPr/>
           <p:nvPr/>
         </p:nvSpPr>
         <p:spPr>
           <a:xfrm>
             <a:off x="8730000" y="6431400"/>
-            <a:ext cx="485640" cy="427320"/>
-          </a:xfrm>
-          <a:prstGeom prst="rect">
-            <a:avLst/>
-          </a:prstGeom>
-          <a:noFill/>
-          <a:ln w="0">
-            <a:noFill/>
-          </a:ln>
-        </p:spPr>
+            <a:ext cx="484920" cy="426600"/>
+          </a:xfrm>
+          <a:prstGeom prst="rect">
+            <a:avLst/>
+          </a:prstGeom>
+          <a:noFill/>
+          <a:ln w="0">
+            <a:noFill/>
+          </a:ln>
+        </p:spPr>
+        <p:style>
+          <a:lnRef idx="0"/>
+          <a:fillRef idx="0"/>
+          <a:effectRef idx="0"/>
+          <a:fontRef idx="minor"/>
+        </p:style>
         <p:txBody>
           <a:bodyPr lIns="90000" rIns="90000" tIns="45000" bIns="45000" anchor="t">
             <a:noAutofit/>
           </a:bodyPr>
           <a:p>
-            <a:fld id="{9EE4E3CF-0F22-4441-AEDF-AE685237FB78}" type="slidenum">
+            <a:pPr>
+              <a:lnSpc>
+                <a:spcPct val="100000"/>
+              </a:lnSpc>
+            </a:pPr>
+            <a:fld id="{17606CAB-C107-4A1D-821B-6111B97A30D8}" type="slidenum">
               <a:rPr b="0" lang="fr-FR" sz="2400" spc="-1" strike="noStrike">
                 <a:solidFill>
                   <a:srgbClr val="000000"/>
@@ -8189,7 +8345,7 @@
               <a:solidFill>
                 <a:srgbClr val="000000"/>
               </a:solidFill>
-              <a:latin typeface="Times New Roman"/>
+              <a:latin typeface="Arial"/>
             </a:endParaRPr>
           </a:p>
         </p:txBody>
@@ -8208,7 +8364,7 @@
         <p:txBody>
           <a:bodyPr/>
           <a:p>
-            <a:fld id="{6C786A88-9E8F-4BA3-87BC-3CCF295D6E65}" type="slidenum">
+            <a:fld id="{AD901CDB-1BB9-472C-AF0A-5ED6437BEF01}" type="slidenum">
               <a:t>20</a:t>
             </a:fld>
           </a:p>
@@ -8253,7 +8409,7 @@
         <p:spPr>
           <a:xfrm>
             <a:off x="108000" y="828000"/>
-            <a:ext cx="4499280" cy="719280"/>
+            <a:ext cx="4498560" cy="718560"/>
           </a:xfrm>
           <a:prstGeom prst="rect">
             <a:avLst/>
@@ -8322,7 +8478,7 @@
         <p:spPr>
           <a:xfrm>
             <a:off x="866160" y="1542240"/>
-            <a:ext cx="7377120" cy="4425840"/>
+            <a:ext cx="7376400" cy="4425120"/>
           </a:xfrm>
           <a:prstGeom prst="rect">
             <a:avLst/>
@@ -8341,7 +8497,7 @@
         <p:spPr>
           <a:xfrm>
             <a:off x="5427720" y="720000"/>
-            <a:ext cx="3031560" cy="857520"/>
+            <a:ext cx="3030840" cy="856800"/>
           </a:xfrm>
           <a:prstGeom prst="rect">
             <a:avLst/>
@@ -8432,28 +8588,39 @@
       <p:sp>
         <p:nvSpPr>
           <p:cNvPr id="157" name=""/>
-          <p:cNvSpPr txBox="1"/>
+          <p:cNvSpPr/>
           <p:nvPr/>
         </p:nvSpPr>
         <p:spPr>
           <a:xfrm>
             <a:off x="8730000" y="6431400"/>
-            <a:ext cx="485640" cy="427320"/>
-          </a:xfrm>
-          <a:prstGeom prst="rect">
-            <a:avLst/>
-          </a:prstGeom>
-          <a:noFill/>
-          <a:ln w="0">
-            <a:noFill/>
-          </a:ln>
-        </p:spPr>
+            <a:ext cx="484920" cy="426600"/>
+          </a:xfrm>
+          <a:prstGeom prst="rect">
+            <a:avLst/>
+          </a:prstGeom>
+          <a:noFill/>
+          <a:ln w="0">
+            <a:noFill/>
+          </a:ln>
+        </p:spPr>
+        <p:style>
+          <a:lnRef idx="0"/>
+          <a:fillRef idx="0"/>
+          <a:effectRef idx="0"/>
+          <a:fontRef idx="minor"/>
+        </p:style>
         <p:txBody>
           <a:bodyPr lIns="90000" rIns="90000" tIns="45000" bIns="45000" anchor="t">
             <a:noAutofit/>
           </a:bodyPr>
           <a:p>
-            <a:fld id="{2A7DEC03-52C4-483D-8FB0-FC731FE86833}" type="slidenum">
+            <a:pPr>
+              <a:lnSpc>
+                <a:spcPct val="100000"/>
+              </a:lnSpc>
+            </a:pPr>
+            <a:fld id="{396E7AB9-8417-46DC-B5CB-52A73AF1D05D}" type="slidenum">
               <a:rPr b="0" lang="fr-FR" sz="2400" spc="-1" strike="noStrike">
                 <a:solidFill>
                   <a:srgbClr val="000000"/>
@@ -8466,7 +8633,7 @@
               <a:solidFill>
                 <a:srgbClr val="000000"/>
               </a:solidFill>
-              <a:latin typeface="Times New Roman"/>
+              <a:latin typeface="Arial"/>
             </a:endParaRPr>
           </a:p>
         </p:txBody>
@@ -8485,7 +8652,7 @@
         <p:txBody>
           <a:bodyPr/>
           <a:p>
-            <a:fld id="{64ACF400-5445-40C6-BAB6-63BD0E049FA4}" type="slidenum">
+            <a:fld id="{9B7C6430-9DD0-40FA-96B4-0E73F810874B}" type="slidenum">
               <a:t>21</a:t>
             </a:fld>
           </a:p>
@@ -8530,7 +8697,7 @@
         <p:spPr>
           <a:xfrm>
             <a:off x="1260000" y="1980000"/>
-            <a:ext cx="6478200" cy="3494880"/>
+            <a:ext cx="6477480" cy="3494160"/>
           </a:xfrm>
           <a:prstGeom prst="rect">
             <a:avLst/>
@@ -8591,28 +8758,39 @@
       <p:sp>
         <p:nvSpPr>
           <p:cNvPr id="159" name=""/>
-          <p:cNvSpPr txBox="1"/>
+          <p:cNvSpPr/>
           <p:nvPr/>
         </p:nvSpPr>
         <p:spPr>
           <a:xfrm>
             <a:off x="8730000" y="6431400"/>
-            <a:ext cx="485640" cy="427320"/>
-          </a:xfrm>
-          <a:prstGeom prst="rect">
-            <a:avLst/>
-          </a:prstGeom>
-          <a:noFill/>
-          <a:ln w="0">
-            <a:noFill/>
-          </a:ln>
-        </p:spPr>
+            <a:ext cx="484920" cy="426600"/>
+          </a:xfrm>
+          <a:prstGeom prst="rect">
+            <a:avLst/>
+          </a:prstGeom>
+          <a:noFill/>
+          <a:ln w="0">
+            <a:noFill/>
+          </a:ln>
+        </p:spPr>
+        <p:style>
+          <a:lnRef idx="0"/>
+          <a:fillRef idx="0"/>
+          <a:effectRef idx="0"/>
+          <a:fontRef idx="minor"/>
+        </p:style>
         <p:txBody>
           <a:bodyPr lIns="90000" rIns="90000" tIns="45000" bIns="45000" anchor="t">
             <a:noAutofit/>
           </a:bodyPr>
           <a:p>
-            <a:fld id="{3CE6DAC0-B68F-4044-B305-C0423EB4B8C2}" type="slidenum">
+            <a:pPr>
+              <a:lnSpc>
+                <a:spcPct val="100000"/>
+              </a:lnSpc>
+            </a:pPr>
+            <a:fld id="{F9247878-A5D1-4244-9AD1-AC6EB0531A06}" type="slidenum">
               <a:rPr b="0" lang="fr-FR" sz="2400" spc="-1" strike="noStrike">
                 <a:solidFill>
                   <a:srgbClr val="000000"/>
@@ -8625,7 +8803,7 @@
               <a:solidFill>
                 <a:srgbClr val="000000"/>
               </a:solidFill>
-              <a:latin typeface="Times New Roman"/>
+              <a:latin typeface="Arial"/>
             </a:endParaRPr>
           </a:p>
         </p:txBody>
@@ -8644,7 +8822,7 @@
         <p:txBody>
           <a:bodyPr/>
           <a:p>
-            <a:fld id="{0BCEE011-42DB-4FDE-9C07-A3844002AA72}" type="slidenum">
+            <a:fld id="{63E54501-76B1-4654-8166-FAB8942C9709}" type="slidenum">
               <a:t>22</a:t>
             </a:fld>
           </a:p>
@@ -8693,7 +8871,7 @@
         <p:spPr>
           <a:xfrm>
             <a:off x="900000" y="1087560"/>
-            <a:ext cx="7080480" cy="4672080"/>
+            <a:ext cx="7079760" cy="4671360"/>
           </a:xfrm>
           <a:prstGeom prst="rect">
             <a:avLst/>
@@ -8712,7 +8890,7 @@
         <p:spPr>
           <a:xfrm>
             <a:off x="900000" y="720000"/>
-            <a:ext cx="5039640" cy="367200"/>
+            <a:ext cx="5038920" cy="366480"/>
           </a:xfrm>
           <a:prstGeom prst="rect">
             <a:avLst/>
@@ -8759,28 +8937,39 @@
       <p:sp>
         <p:nvSpPr>
           <p:cNvPr id="162" name=""/>
-          <p:cNvSpPr txBox="1"/>
+          <p:cNvSpPr/>
           <p:nvPr/>
         </p:nvSpPr>
         <p:spPr>
           <a:xfrm>
             <a:off x="8730000" y="6431400"/>
-            <a:ext cx="485640" cy="427320"/>
-          </a:xfrm>
-          <a:prstGeom prst="rect">
-            <a:avLst/>
-          </a:prstGeom>
-          <a:noFill/>
-          <a:ln w="0">
-            <a:noFill/>
-          </a:ln>
-        </p:spPr>
+            <a:ext cx="484920" cy="426600"/>
+          </a:xfrm>
+          <a:prstGeom prst="rect">
+            <a:avLst/>
+          </a:prstGeom>
+          <a:noFill/>
+          <a:ln w="0">
+            <a:noFill/>
+          </a:ln>
+        </p:spPr>
+        <p:style>
+          <a:lnRef idx="0"/>
+          <a:fillRef idx="0"/>
+          <a:effectRef idx="0"/>
+          <a:fontRef idx="minor"/>
+        </p:style>
         <p:txBody>
           <a:bodyPr lIns="90000" rIns="90000" tIns="45000" bIns="45000" anchor="t">
             <a:noAutofit/>
           </a:bodyPr>
           <a:p>
-            <a:fld id="{46F7745E-4AA0-40B4-98DC-E8BCF13610CD}" type="slidenum">
+            <a:pPr>
+              <a:lnSpc>
+                <a:spcPct val="100000"/>
+              </a:lnSpc>
+            </a:pPr>
+            <a:fld id="{C9C454E0-86F3-43E3-8C40-7064B947D1A8}" type="slidenum">
               <a:rPr b="0" lang="fr-FR" sz="2400" spc="-1" strike="noStrike">
                 <a:solidFill>
                   <a:srgbClr val="000000"/>
@@ -8793,7 +8982,7 @@
               <a:solidFill>
                 <a:srgbClr val="000000"/>
               </a:solidFill>
-              <a:latin typeface="Times New Roman"/>
+              <a:latin typeface="Arial"/>
             </a:endParaRPr>
           </a:p>
         </p:txBody>
@@ -8812,7 +9001,7 @@
         <p:txBody>
           <a:bodyPr/>
           <a:p>
-            <a:fld id="{FB58A9A7-7641-4E88-B75E-DBF698EFCD7D}" type="slidenum">
+            <a:fld id="{665388CC-41A4-432A-96B8-C2490AFCF3A5}" type="slidenum">
               <a:t>23</a:t>
             </a:fld>
           </a:p>
@@ -8857,7 +9046,7 @@
         <p:spPr>
           <a:xfrm>
             <a:off x="900000" y="720360"/>
-            <a:ext cx="5039640" cy="601920"/>
+            <a:ext cx="5038920" cy="601200"/>
           </a:xfrm>
           <a:prstGeom prst="rect">
             <a:avLst/>
@@ -8945,7 +9134,7 @@
         <p:spPr>
           <a:xfrm>
             <a:off x="1021320" y="1332000"/>
-            <a:ext cx="7222320" cy="4679640"/>
+            <a:ext cx="7221600" cy="4678920"/>
           </a:xfrm>
           <a:prstGeom prst="rect">
             <a:avLst/>
@@ -8958,28 +9147,39 @@
       <p:sp>
         <p:nvSpPr>
           <p:cNvPr id="165" name=""/>
-          <p:cNvSpPr txBox="1"/>
+          <p:cNvSpPr/>
           <p:nvPr/>
         </p:nvSpPr>
         <p:spPr>
           <a:xfrm>
             <a:off x="8730000" y="6431400"/>
-            <a:ext cx="485640" cy="427320"/>
-          </a:xfrm>
-          <a:prstGeom prst="rect">
-            <a:avLst/>
-          </a:prstGeom>
-          <a:noFill/>
-          <a:ln w="0">
-            <a:noFill/>
-          </a:ln>
-        </p:spPr>
+            <a:ext cx="484920" cy="426600"/>
+          </a:xfrm>
+          <a:prstGeom prst="rect">
+            <a:avLst/>
+          </a:prstGeom>
+          <a:noFill/>
+          <a:ln w="0">
+            <a:noFill/>
+          </a:ln>
+        </p:spPr>
+        <p:style>
+          <a:lnRef idx="0"/>
+          <a:fillRef idx="0"/>
+          <a:effectRef idx="0"/>
+          <a:fontRef idx="minor"/>
+        </p:style>
         <p:txBody>
           <a:bodyPr lIns="90000" rIns="90000" tIns="45000" bIns="45000" anchor="t">
             <a:noAutofit/>
           </a:bodyPr>
           <a:p>
-            <a:fld id="{811986E3-CE63-4AA1-974E-962107F9F079}" type="slidenum">
+            <a:pPr>
+              <a:lnSpc>
+                <a:spcPct val="100000"/>
+              </a:lnSpc>
+            </a:pPr>
+            <a:fld id="{6C6E3A45-FB0D-42E0-AB4D-57F3E2B75C89}" type="slidenum">
               <a:rPr b="0" lang="fr-FR" sz="2400" spc="-1" strike="noStrike">
                 <a:solidFill>
                   <a:srgbClr val="000000"/>
@@ -8992,7 +9192,7 @@
               <a:solidFill>
                 <a:srgbClr val="000000"/>
               </a:solidFill>
-              <a:latin typeface="Times New Roman"/>
+              <a:latin typeface="Arial"/>
             </a:endParaRPr>
           </a:p>
         </p:txBody>
@@ -9011,7 +9211,7 @@
         <p:txBody>
           <a:bodyPr/>
           <a:p>
-            <a:fld id="{B57ED7F3-B29D-473C-89C5-C6475EA82DC2}" type="slidenum">
+            <a:fld id="{0084990D-D4CC-4526-98D9-D39319416457}" type="slidenum">
               <a:t>24</a:t>
             </a:fld>
           </a:p>
@@ -9056,7 +9256,7 @@
         <p:spPr>
           <a:xfrm>
             <a:off x="360000" y="720000"/>
-            <a:ext cx="4139640" cy="359640"/>
+            <a:ext cx="4138920" cy="358920"/>
           </a:xfrm>
           <a:prstGeom prst="rect">
             <a:avLst/>
@@ -9113,7 +9313,7 @@
         <p:spPr>
           <a:xfrm>
             <a:off x="864000" y="1080000"/>
-            <a:ext cx="7556760" cy="5003640"/>
+            <a:ext cx="7556040" cy="5002920"/>
           </a:xfrm>
           <a:prstGeom prst="rect">
             <a:avLst/>
@@ -9132,7 +9332,7 @@
         <p:spPr>
           <a:xfrm>
             <a:off x="4680000" y="720000"/>
-            <a:ext cx="4139640" cy="359640"/>
+            <a:ext cx="4138920" cy="358920"/>
           </a:xfrm>
           <a:prstGeom prst="rect">
             <a:avLst/>
@@ -9179,28 +9379,39 @@
       <p:sp>
         <p:nvSpPr>
           <p:cNvPr id="169" name=""/>
-          <p:cNvSpPr txBox="1"/>
+          <p:cNvSpPr/>
           <p:nvPr/>
         </p:nvSpPr>
         <p:spPr>
           <a:xfrm>
             <a:off x="8730000" y="6431400"/>
-            <a:ext cx="485640" cy="427320"/>
-          </a:xfrm>
-          <a:prstGeom prst="rect">
-            <a:avLst/>
-          </a:prstGeom>
-          <a:noFill/>
-          <a:ln w="0">
-            <a:noFill/>
-          </a:ln>
-        </p:spPr>
+            <a:ext cx="484920" cy="426600"/>
+          </a:xfrm>
+          <a:prstGeom prst="rect">
+            <a:avLst/>
+          </a:prstGeom>
+          <a:noFill/>
+          <a:ln w="0">
+            <a:noFill/>
+          </a:ln>
+        </p:spPr>
+        <p:style>
+          <a:lnRef idx="0"/>
+          <a:fillRef idx="0"/>
+          <a:effectRef idx="0"/>
+          <a:fontRef idx="minor"/>
+        </p:style>
         <p:txBody>
           <a:bodyPr lIns="90000" rIns="90000" tIns="45000" bIns="45000" anchor="t">
             <a:noAutofit/>
           </a:bodyPr>
           <a:p>
-            <a:fld id="{14B82D6B-6B05-4361-9222-334D06BD2ED7}" type="slidenum">
+            <a:pPr>
+              <a:lnSpc>
+                <a:spcPct val="100000"/>
+              </a:lnSpc>
+            </a:pPr>
+            <a:fld id="{4719EF7F-A447-4083-B930-D8988159BEE0}" type="slidenum">
               <a:rPr b="0" lang="fr-FR" sz="2400" spc="-1" strike="noStrike">
                 <a:solidFill>
                   <a:srgbClr val="000000"/>
@@ -9213,7 +9424,7 @@
               <a:solidFill>
                 <a:srgbClr val="000000"/>
               </a:solidFill>
-              <a:latin typeface="Times New Roman"/>
+              <a:latin typeface="Arial"/>
             </a:endParaRPr>
           </a:p>
         </p:txBody>
@@ -9232,7 +9443,7 @@
         <p:txBody>
           <a:bodyPr/>
           <a:p>
-            <a:fld id="{308A3132-7092-44A9-BDD4-FE8E90D84CD1}" type="slidenum">
+            <a:fld id="{404F2692-F4DF-491D-9CB7-E72A8248F82D}" type="slidenum">
               <a:t>25</a:t>
             </a:fld>
           </a:p>
@@ -9277,7 +9488,7 @@
         <p:spPr>
           <a:xfrm>
             <a:off x="180000" y="720000"/>
-            <a:ext cx="5219640" cy="359640"/>
+            <a:ext cx="5218920" cy="358920"/>
           </a:xfrm>
           <a:prstGeom prst="rect">
             <a:avLst/>
@@ -9334,7 +9545,7 @@
         <p:spPr>
           <a:xfrm>
             <a:off x="756000" y="1044000"/>
-            <a:ext cx="7572240" cy="5065920"/>
+            <a:ext cx="7571520" cy="5065200"/>
           </a:xfrm>
           <a:prstGeom prst="rect">
             <a:avLst/>
@@ -9347,28 +9558,39 @@
       <p:sp>
         <p:nvSpPr>
           <p:cNvPr id="172" name=""/>
-          <p:cNvSpPr txBox="1"/>
+          <p:cNvSpPr/>
           <p:nvPr/>
         </p:nvSpPr>
         <p:spPr>
           <a:xfrm>
             <a:off x="8730000" y="6431400"/>
-            <a:ext cx="485640" cy="427320"/>
-          </a:xfrm>
-          <a:prstGeom prst="rect">
-            <a:avLst/>
-          </a:prstGeom>
-          <a:noFill/>
-          <a:ln w="0">
-            <a:noFill/>
-          </a:ln>
-        </p:spPr>
+            <a:ext cx="484920" cy="426600"/>
+          </a:xfrm>
+          <a:prstGeom prst="rect">
+            <a:avLst/>
+          </a:prstGeom>
+          <a:noFill/>
+          <a:ln w="0">
+            <a:noFill/>
+          </a:ln>
+        </p:spPr>
+        <p:style>
+          <a:lnRef idx="0"/>
+          <a:fillRef idx="0"/>
+          <a:effectRef idx="0"/>
+          <a:fontRef idx="minor"/>
+        </p:style>
         <p:txBody>
           <a:bodyPr lIns="90000" rIns="90000" tIns="45000" bIns="45000" anchor="t">
             <a:noAutofit/>
           </a:bodyPr>
           <a:p>
-            <a:fld id="{84FBB791-042D-4EDD-8F23-14AC4451A152}" type="slidenum">
+            <a:pPr>
+              <a:lnSpc>
+                <a:spcPct val="100000"/>
+              </a:lnSpc>
+            </a:pPr>
+            <a:fld id="{E6F518A6-1048-4E30-B7D5-CE5E352CA6F2}" type="slidenum">
               <a:rPr b="0" lang="fr-FR" sz="2400" spc="-1" strike="noStrike">
                 <a:solidFill>
                   <a:srgbClr val="000000"/>
@@ -9381,7 +9603,7 @@
               <a:solidFill>
                 <a:srgbClr val="000000"/>
               </a:solidFill>
-              <a:latin typeface="Times New Roman"/>
+              <a:latin typeface="Arial"/>
             </a:endParaRPr>
           </a:p>
         </p:txBody>
@@ -9400,7 +9622,7 @@
         <p:txBody>
           <a:bodyPr/>
           <a:p>
-            <a:fld id="{5A06140E-4979-4306-AD55-46C2AF200E6D}" type="slidenum">
+            <a:fld id="{B59C7FF7-F867-4D59-9F71-A68AC13C09C5}" type="slidenum">
               <a:t>26</a:t>
             </a:fld>
           </a:p>
@@ -9449,7 +9671,7 @@
         <p:spPr>
           <a:xfrm>
             <a:off x="1480320" y="900000"/>
-            <a:ext cx="5539320" cy="2071800"/>
+            <a:ext cx="5538600" cy="2071080"/>
           </a:xfrm>
           <a:prstGeom prst="rect">
             <a:avLst/>
@@ -9468,7 +9690,7 @@
         <p:spPr>
           <a:xfrm>
             <a:off x="259560" y="3420000"/>
-            <a:ext cx="8884080" cy="1626120"/>
+            <a:ext cx="8883360" cy="1625400"/>
           </a:xfrm>
           <a:prstGeom prst="rect">
             <a:avLst/>
@@ -9585,28 +9807,39 @@
       <p:sp>
         <p:nvSpPr>
           <p:cNvPr id="175" name=""/>
-          <p:cNvSpPr txBox="1"/>
+          <p:cNvSpPr/>
           <p:nvPr/>
         </p:nvSpPr>
         <p:spPr>
           <a:xfrm>
             <a:off x="8730000" y="6431400"/>
-            <a:ext cx="485640" cy="427320"/>
-          </a:xfrm>
-          <a:prstGeom prst="rect">
-            <a:avLst/>
-          </a:prstGeom>
-          <a:noFill/>
-          <a:ln w="0">
-            <a:noFill/>
-          </a:ln>
-        </p:spPr>
+            <a:ext cx="484920" cy="426600"/>
+          </a:xfrm>
+          <a:prstGeom prst="rect">
+            <a:avLst/>
+          </a:prstGeom>
+          <a:noFill/>
+          <a:ln w="0">
+            <a:noFill/>
+          </a:ln>
+        </p:spPr>
+        <p:style>
+          <a:lnRef idx="0"/>
+          <a:fillRef idx="0"/>
+          <a:effectRef idx="0"/>
+          <a:fontRef idx="minor"/>
+        </p:style>
         <p:txBody>
           <a:bodyPr lIns="90000" rIns="90000" tIns="45000" bIns="45000" anchor="t">
             <a:noAutofit/>
           </a:bodyPr>
           <a:p>
-            <a:fld id="{8D55B19A-A9A4-4D74-B763-57E27507A84B}" type="slidenum">
+            <a:pPr>
+              <a:lnSpc>
+                <a:spcPct val="100000"/>
+              </a:lnSpc>
+            </a:pPr>
+            <a:fld id="{B4AFDCC8-8F25-4DEF-B498-92B664959164}" type="slidenum">
               <a:rPr b="0" lang="fr-FR" sz="2400" spc="-1" strike="noStrike">
                 <a:solidFill>
                   <a:srgbClr val="000000"/>
@@ -9619,7 +9852,7 @@
               <a:solidFill>
                 <a:srgbClr val="000000"/>
               </a:solidFill>
-              <a:latin typeface="Times New Roman"/>
+              <a:latin typeface="Arial"/>
             </a:endParaRPr>
           </a:p>
         </p:txBody>
@@ -9638,7 +9871,7 @@
         <p:txBody>
           <a:bodyPr/>
           <a:p>
-            <a:fld id="{EE03B901-E64F-4CCA-AAF1-BC8A24734889}" type="slidenum">
+            <a:fld id="{74CE58A4-F329-44F8-BC7D-12F8F24DB5E4}" type="slidenum">
               <a:t>27</a:t>
             </a:fld>
           </a:p>
@@ -9683,7 +9916,7 @@
         <p:spPr>
           <a:xfrm>
             <a:off x="1260000" y="5220000"/>
-            <a:ext cx="4499640" cy="899640"/>
+            <a:ext cx="4498920" cy="898920"/>
           </a:xfrm>
           <a:prstGeom prst="rect">
             <a:avLst/>
@@ -9730,28 +9963,39 @@
       <p:sp>
         <p:nvSpPr>
           <p:cNvPr id="177" name=""/>
-          <p:cNvSpPr txBox="1"/>
+          <p:cNvSpPr/>
           <p:nvPr/>
         </p:nvSpPr>
         <p:spPr>
           <a:xfrm>
             <a:off x="8730000" y="6431400"/>
-            <a:ext cx="485640" cy="427320"/>
-          </a:xfrm>
-          <a:prstGeom prst="rect">
-            <a:avLst/>
-          </a:prstGeom>
-          <a:noFill/>
-          <a:ln w="0">
-            <a:noFill/>
-          </a:ln>
-        </p:spPr>
+            <a:ext cx="484920" cy="426600"/>
+          </a:xfrm>
+          <a:prstGeom prst="rect">
+            <a:avLst/>
+          </a:prstGeom>
+          <a:noFill/>
+          <a:ln w="0">
+            <a:noFill/>
+          </a:ln>
+        </p:spPr>
+        <p:style>
+          <a:lnRef idx="0"/>
+          <a:fillRef idx="0"/>
+          <a:effectRef idx="0"/>
+          <a:fontRef idx="minor"/>
+        </p:style>
         <p:txBody>
           <a:bodyPr lIns="90000" rIns="90000" tIns="45000" bIns="45000" anchor="t">
             <a:noAutofit/>
           </a:bodyPr>
           <a:p>
-            <a:fld id="{D4FA89DB-5F69-4523-94D5-BE559086A46D}" type="slidenum">
+            <a:pPr>
+              <a:lnSpc>
+                <a:spcPct val="100000"/>
+              </a:lnSpc>
+            </a:pPr>
+            <a:fld id="{3E05B7EB-BB20-41DC-8ACA-826D75284350}" type="slidenum">
               <a:rPr b="0" lang="fr-FR" sz="2400" spc="-1" strike="noStrike">
                 <a:solidFill>
                   <a:srgbClr val="000000"/>
@@ -9764,7 +10008,7 @@
               <a:solidFill>
                 <a:srgbClr val="000000"/>
               </a:solidFill>
-              <a:latin typeface="Times New Roman"/>
+              <a:latin typeface="Arial"/>
             </a:endParaRPr>
           </a:p>
         </p:txBody>
@@ -9782,7 +10026,7 @@
         <p:spPr>
           <a:xfrm>
             <a:off x="360000" y="690480"/>
-            <a:ext cx="7020000" cy="4387320"/>
+            <a:ext cx="7019280" cy="4386600"/>
           </a:xfrm>
           <a:prstGeom prst="rect">
             <a:avLst/>
@@ -9806,7 +10050,7 @@
         <p:txBody>
           <a:bodyPr/>
           <a:p>
-            <a:fld id="{77120257-0203-4244-A864-1FE3507E7446}" type="slidenum">
+            <a:fld id="{2F637065-B80C-4BE3-B6DD-CE4B9B43DCC8}" type="slidenum">
               <a:t>28</a:t>
             </a:fld>
           </a:p>
@@ -9845,28 +10089,39 @@
       <p:sp>
         <p:nvSpPr>
           <p:cNvPr id="179" name=""/>
-          <p:cNvSpPr txBox="1"/>
+          <p:cNvSpPr/>
           <p:nvPr/>
         </p:nvSpPr>
         <p:spPr>
           <a:xfrm>
             <a:off x="8730000" y="6431400"/>
-            <a:ext cx="485640" cy="427320"/>
-          </a:xfrm>
-          <a:prstGeom prst="rect">
-            <a:avLst/>
-          </a:prstGeom>
-          <a:noFill/>
-          <a:ln w="0">
-            <a:noFill/>
-          </a:ln>
-        </p:spPr>
+            <a:ext cx="484920" cy="426600"/>
+          </a:xfrm>
+          <a:prstGeom prst="rect">
+            <a:avLst/>
+          </a:prstGeom>
+          <a:noFill/>
+          <a:ln w="0">
+            <a:noFill/>
+          </a:ln>
+        </p:spPr>
+        <p:style>
+          <a:lnRef idx="0"/>
+          <a:fillRef idx="0"/>
+          <a:effectRef idx="0"/>
+          <a:fontRef idx="minor"/>
+        </p:style>
         <p:txBody>
           <a:bodyPr lIns="90000" rIns="90000" tIns="45000" bIns="45000" anchor="t">
             <a:noAutofit/>
           </a:bodyPr>
           <a:p>
-            <a:fld id="{B214CC43-6A92-46D4-8092-712A5FD52E4C}" type="slidenum">
+            <a:pPr>
+              <a:lnSpc>
+                <a:spcPct val="100000"/>
+              </a:lnSpc>
+            </a:pPr>
+            <a:fld id="{B62DED38-444F-4F1D-9E56-4ABEA5C49C5D}" type="slidenum">
               <a:rPr b="0" lang="fr-FR" sz="2400" spc="-1" strike="noStrike">
                 <a:solidFill>
                   <a:srgbClr val="000000"/>
@@ -9879,7 +10134,7 @@
               <a:solidFill>
                 <a:srgbClr val="000000"/>
               </a:solidFill>
-              <a:latin typeface="Times New Roman"/>
+              <a:latin typeface="Arial"/>
             </a:endParaRPr>
           </a:p>
         </p:txBody>
@@ -9897,7 +10152,7 @@
         <p:spPr>
           <a:xfrm>
             <a:off x="443520" y="644040"/>
-            <a:ext cx="8088480" cy="5392080"/>
+            <a:ext cx="8087760" cy="5391360"/>
           </a:xfrm>
           <a:prstGeom prst="rect">
             <a:avLst/>
@@ -9921,7 +10176,7 @@
         <p:txBody>
           <a:bodyPr/>
           <a:p>
-            <a:fld id="{9F6DA4DF-4896-429C-B084-A935B40D9712}" type="slidenum">
+            <a:fld id="{2258753B-3E46-4085-A10D-559654C37139}" type="slidenum">
               <a:t>29</a:t>
             </a:fld>
           </a:p>
@@ -9970,7 +10225,7 @@
         <p:spPr>
           <a:xfrm>
             <a:off x="1008000" y="260280"/>
-            <a:ext cx="7846200" cy="357840"/>
+            <a:ext cx="7845480" cy="357120"/>
           </a:xfrm>
           <a:prstGeom prst="rect">
             <a:avLst/>
@@ -10026,7 +10281,7 @@
         <p:spPr>
           <a:xfrm>
             <a:off x="107640" y="1260000"/>
-            <a:ext cx="2950200" cy="1105200"/>
+            <a:ext cx="2949480" cy="1104480"/>
           </a:xfrm>
           <a:prstGeom prst="rect">
             <a:avLst/>
@@ -10131,7 +10386,7 @@
         <p:spPr>
           <a:xfrm>
             <a:off x="2880000" y="1260000"/>
-            <a:ext cx="3417840" cy="897840"/>
+            <a:ext cx="3417120" cy="897120"/>
           </a:xfrm>
           <a:prstGeom prst="ellipse">
             <a:avLst/>
@@ -10229,7 +10484,7 @@
         <p:spPr>
           <a:xfrm>
             <a:off x="2880000" y="2700000"/>
-            <a:ext cx="3597840" cy="897840"/>
+            <a:ext cx="3597120" cy="897120"/>
           </a:xfrm>
           <a:prstGeom prst="ellipse">
             <a:avLst/>
@@ -10298,7 +10553,7 @@
         <p:spPr>
           <a:xfrm>
             <a:off x="4680000" y="2244600"/>
-            <a:ext cx="3057840" cy="357840"/>
+            <a:ext cx="3057120" cy="357120"/>
           </a:xfrm>
           <a:prstGeom prst="rect">
             <a:avLst/>
@@ -10392,7 +10647,7 @@
         <p:spPr>
           <a:xfrm>
             <a:off x="2880000" y="4680000"/>
-            <a:ext cx="3597840" cy="897840"/>
+            <a:ext cx="3597120" cy="897120"/>
           </a:xfrm>
           <a:prstGeom prst="ellipse">
             <a:avLst/>
@@ -10461,7 +10716,7 @@
         <p:spPr>
           <a:xfrm>
             <a:off x="4860000" y="3600000"/>
-            <a:ext cx="3957840" cy="1257840"/>
+            <a:ext cx="3957120" cy="1257120"/>
           </a:xfrm>
           <a:prstGeom prst="rect">
             <a:avLst/>
@@ -10552,7 +10807,7 @@
         <p:spPr>
           <a:xfrm>
             <a:off x="565560" y="3564000"/>
-            <a:ext cx="3068280" cy="1178640"/>
+            <a:ext cx="3067560" cy="1177920"/>
           </a:xfrm>
           <a:prstGeom prst="rect">
             <a:avLst/>
@@ -10565,28 +10820,39 @@
       <p:sp>
         <p:nvSpPr>
           <p:cNvPr id="73" name=""/>
-          <p:cNvSpPr txBox="1"/>
+          <p:cNvSpPr/>
           <p:nvPr/>
         </p:nvSpPr>
         <p:spPr>
           <a:xfrm>
             <a:off x="8820000" y="6430680"/>
-            <a:ext cx="379080" cy="427320"/>
-          </a:xfrm>
-          <a:prstGeom prst="rect">
-            <a:avLst/>
-          </a:prstGeom>
-          <a:noFill/>
-          <a:ln w="0">
-            <a:noFill/>
-          </a:ln>
-        </p:spPr>
+            <a:ext cx="378360" cy="426600"/>
+          </a:xfrm>
+          <a:prstGeom prst="rect">
+            <a:avLst/>
+          </a:prstGeom>
+          <a:noFill/>
+          <a:ln w="0">
+            <a:noFill/>
+          </a:ln>
+        </p:spPr>
+        <p:style>
+          <a:lnRef idx="0"/>
+          <a:fillRef idx="0"/>
+          <a:effectRef idx="0"/>
+          <a:fontRef idx="minor"/>
+        </p:style>
         <p:txBody>
           <a:bodyPr lIns="90000" rIns="90000" tIns="45000" bIns="45000" anchor="t">
             <a:noAutofit/>
           </a:bodyPr>
           <a:p>
-            <a:fld id="{A5193917-E5E1-4E4A-935A-6CD54A41B86E}" type="slidenum">
+            <a:pPr>
+              <a:lnSpc>
+                <a:spcPct val="100000"/>
+              </a:lnSpc>
+            </a:pPr>
+            <a:fld id="{19643694-1343-4985-ACD1-D84C2341799E}" type="slidenum">
               <a:rPr b="0" lang="fr-FR" sz="2400" spc="-1" strike="noStrike">
                 <a:solidFill>
                   <a:srgbClr val="000000"/>
@@ -10599,7 +10865,7 @@
               <a:solidFill>
                 <a:srgbClr val="000000"/>
               </a:solidFill>
-              <a:latin typeface="Times New Roman"/>
+              <a:latin typeface="Arial"/>
             </a:endParaRPr>
           </a:p>
         </p:txBody>
@@ -10618,7 +10884,7 @@
         <p:txBody>
           <a:bodyPr/>
           <a:p>
-            <a:fld id="{E73BE21B-CBCA-4D15-94C7-8069ABBB54C0}" type="slidenum">
+            <a:fld id="{908B7281-7999-409F-8D6A-8CC03657B403}" type="slidenum">
               <a:t>3</a:t>
             </a:fld>
           </a:p>
@@ -10663,7 +10929,7 @@
         <p:spPr>
           <a:xfrm>
             <a:off x="180000" y="720000"/>
-            <a:ext cx="2519640" cy="359640"/>
+            <a:ext cx="2518920" cy="358920"/>
           </a:xfrm>
           <a:prstGeom prst="rect">
             <a:avLst/>
@@ -10720,7 +10986,7 @@
         <p:spPr>
           <a:xfrm>
             <a:off x="540000" y="1395000"/>
-            <a:ext cx="3959640" cy="1799640"/>
+            <a:ext cx="3958920" cy="1798920"/>
           </a:xfrm>
           <a:prstGeom prst="rect">
             <a:avLst/>
@@ -10743,7 +11009,7 @@
         <p:spPr>
           <a:xfrm>
             <a:off x="540000" y="3600000"/>
-            <a:ext cx="3959640" cy="1799640"/>
+            <a:ext cx="3958920" cy="1798920"/>
           </a:xfrm>
           <a:prstGeom prst="rect">
             <a:avLst/>
@@ -10766,7 +11032,7 @@
         <p:spPr>
           <a:xfrm>
             <a:off x="4860000" y="2340000"/>
-            <a:ext cx="3959640" cy="1799640"/>
+            <a:ext cx="3958920" cy="1798920"/>
           </a:xfrm>
           <a:prstGeom prst="rect">
             <a:avLst/>
@@ -10779,28 +11045,39 @@
       <p:sp>
         <p:nvSpPr>
           <p:cNvPr id="185" name=""/>
-          <p:cNvSpPr txBox="1"/>
+          <p:cNvSpPr/>
           <p:nvPr/>
         </p:nvSpPr>
         <p:spPr>
           <a:xfrm>
             <a:off x="8730000" y="6431400"/>
-            <a:ext cx="485640" cy="427320"/>
-          </a:xfrm>
-          <a:prstGeom prst="rect">
-            <a:avLst/>
-          </a:prstGeom>
-          <a:noFill/>
-          <a:ln w="0">
-            <a:noFill/>
-          </a:ln>
-        </p:spPr>
+            <a:ext cx="484920" cy="426600"/>
+          </a:xfrm>
+          <a:prstGeom prst="rect">
+            <a:avLst/>
+          </a:prstGeom>
+          <a:noFill/>
+          <a:ln w="0">
+            <a:noFill/>
+          </a:ln>
+        </p:spPr>
+        <p:style>
+          <a:lnRef idx="0"/>
+          <a:fillRef idx="0"/>
+          <a:effectRef idx="0"/>
+          <a:fontRef idx="minor"/>
+        </p:style>
         <p:txBody>
           <a:bodyPr lIns="90000" rIns="90000" tIns="45000" bIns="45000" anchor="t">
             <a:noAutofit/>
           </a:bodyPr>
           <a:p>
-            <a:fld id="{3D154037-2739-47CA-9968-C5459E8ACC03}" type="slidenum">
+            <a:pPr>
+              <a:lnSpc>
+                <a:spcPct val="100000"/>
+              </a:lnSpc>
+            </a:pPr>
+            <a:fld id="{ACF487DA-14CA-42D4-9F0C-3223C4ADC718}" type="slidenum">
               <a:rPr b="0" lang="fr-FR" sz="2400" spc="-1" strike="noStrike">
                 <a:solidFill>
                   <a:srgbClr val="000000"/>
@@ -10813,7 +11090,7 @@
               <a:solidFill>
                 <a:srgbClr val="000000"/>
               </a:solidFill>
-              <a:latin typeface="Times New Roman"/>
+              <a:latin typeface="Arial"/>
             </a:endParaRPr>
           </a:p>
         </p:txBody>
@@ -10832,7 +11109,7 @@
         <p:txBody>
           <a:bodyPr/>
           <a:p>
-            <a:fld id="{E417CA4B-EE86-48A0-9027-63DF0BB1F5DE}" type="slidenum">
+            <a:fld id="{DE4771F0-36EC-4AF3-A5A4-20E57152B775}" type="slidenum">
               <a:t>30</a:t>
             </a:fld>
           </a:p>
@@ -10881,7 +11158,7 @@
         <p:spPr>
           <a:xfrm>
             <a:off x="540000" y="1209960"/>
-            <a:ext cx="7528320" cy="1309680"/>
+            <a:ext cx="7527600" cy="1308960"/>
           </a:xfrm>
           <a:prstGeom prst="rect">
             <a:avLst/>
@@ -10904,7 +11181,7 @@
         <p:spPr>
           <a:xfrm>
             <a:off x="540000" y="2971080"/>
-            <a:ext cx="7711200" cy="1355400"/>
+            <a:ext cx="7710480" cy="1354680"/>
           </a:xfrm>
           <a:prstGeom prst="rect">
             <a:avLst/>
@@ -10923,7 +11200,7 @@
         <p:spPr>
           <a:xfrm>
             <a:off x="540000" y="900000"/>
-            <a:ext cx="3959640" cy="345960"/>
+            <a:ext cx="3958920" cy="345240"/>
           </a:xfrm>
           <a:prstGeom prst="rect">
             <a:avLst/>
@@ -10976,7 +11253,7 @@
         <p:spPr>
           <a:xfrm>
             <a:off x="540000" y="2624760"/>
-            <a:ext cx="2519640" cy="345960"/>
+            <a:ext cx="2518920" cy="345240"/>
           </a:xfrm>
           <a:prstGeom prst="rect">
             <a:avLst/>
@@ -11029,7 +11306,7 @@
         <p:spPr>
           <a:xfrm>
             <a:off x="540000" y="4513680"/>
-            <a:ext cx="3059640" cy="345960"/>
+            <a:ext cx="3058920" cy="345240"/>
           </a:xfrm>
           <a:prstGeom prst="rect">
             <a:avLst/>
@@ -11086,7 +11363,7 @@
         <p:spPr>
           <a:xfrm>
             <a:off x="0" y="4860000"/>
-            <a:ext cx="9143280" cy="1156680"/>
+            <a:ext cx="9142560" cy="1155960"/>
           </a:xfrm>
           <a:prstGeom prst="rect">
             <a:avLst/>
@@ -11105,7 +11382,7 @@
         <p:spPr>
           <a:xfrm>
             <a:off x="180000" y="589680"/>
-            <a:ext cx="3959640" cy="345960"/>
+            <a:ext cx="3958920" cy="345240"/>
           </a:xfrm>
           <a:prstGeom prst="rect">
             <a:avLst/>
@@ -11152,28 +11429,39 @@
       <p:sp>
         <p:nvSpPr>
           <p:cNvPr id="193" name=""/>
-          <p:cNvSpPr txBox="1"/>
+          <p:cNvSpPr/>
           <p:nvPr/>
         </p:nvSpPr>
         <p:spPr>
           <a:xfrm>
             <a:off x="8730000" y="6431400"/>
-            <a:ext cx="485640" cy="427320"/>
-          </a:xfrm>
-          <a:prstGeom prst="rect">
-            <a:avLst/>
-          </a:prstGeom>
-          <a:noFill/>
-          <a:ln w="0">
-            <a:noFill/>
-          </a:ln>
-        </p:spPr>
+            <a:ext cx="484920" cy="426600"/>
+          </a:xfrm>
+          <a:prstGeom prst="rect">
+            <a:avLst/>
+          </a:prstGeom>
+          <a:noFill/>
+          <a:ln w="0">
+            <a:noFill/>
+          </a:ln>
+        </p:spPr>
+        <p:style>
+          <a:lnRef idx="0"/>
+          <a:fillRef idx="0"/>
+          <a:effectRef idx="0"/>
+          <a:fontRef idx="minor"/>
+        </p:style>
         <p:txBody>
           <a:bodyPr lIns="90000" rIns="90000" tIns="45000" bIns="45000" anchor="t">
             <a:noAutofit/>
           </a:bodyPr>
           <a:p>
-            <a:fld id="{282DF94F-1540-43D8-97A9-45A3C48D638F}" type="slidenum">
+            <a:pPr>
+              <a:lnSpc>
+                <a:spcPct val="100000"/>
+              </a:lnSpc>
+            </a:pPr>
+            <a:fld id="{6E33E49F-BCFF-4E7C-ADD2-0B3AE3A01247}" type="slidenum">
               <a:rPr b="0" lang="fr-FR" sz="2400" spc="-1" strike="noStrike">
                 <a:solidFill>
                   <a:srgbClr val="000000"/>
@@ -11186,7 +11474,7 @@
               <a:solidFill>
                 <a:srgbClr val="000000"/>
               </a:solidFill>
-              <a:latin typeface="Times New Roman"/>
+              <a:latin typeface="Arial"/>
             </a:endParaRPr>
           </a:p>
         </p:txBody>
@@ -11205,7 +11493,7 @@
         <p:txBody>
           <a:bodyPr/>
           <a:p>
-            <a:fld id="{E58909A7-3514-40CD-ACD5-C78A6F2B224F}" type="slidenum">
+            <a:fld id="{0F31437A-5776-4905-8A58-1BAF165A8C5B}" type="slidenum">
               <a:t>31</a:t>
             </a:fld>
           </a:p>
@@ -11250,7 +11538,7 @@
         <p:spPr>
           <a:xfrm>
             <a:off x="432360" y="900360"/>
-            <a:ext cx="2519280" cy="359280"/>
+            <a:ext cx="2518560" cy="358560"/>
           </a:xfrm>
           <a:prstGeom prst="rect">
             <a:avLst/>
@@ -11304,7 +11592,7 @@
         <p:spPr>
           <a:xfrm>
             <a:off x="432360" y="2517120"/>
-            <a:ext cx="2159280" cy="362520"/>
+            <a:ext cx="2158560" cy="361800"/>
           </a:xfrm>
           <a:prstGeom prst="rect">
             <a:avLst/>
@@ -11361,7 +11649,7 @@
         <p:spPr>
           <a:xfrm>
             <a:off x="66960" y="1260000"/>
-            <a:ext cx="8968680" cy="1043280"/>
+            <a:ext cx="8967960" cy="1042560"/>
           </a:xfrm>
           <a:prstGeom prst="rect">
             <a:avLst/>
@@ -11384,7 +11672,7 @@
         <p:spPr>
           <a:xfrm>
             <a:off x="93600" y="2946960"/>
-            <a:ext cx="9006840" cy="1043280"/>
+            <a:ext cx="9006120" cy="1042560"/>
           </a:xfrm>
           <a:prstGeom prst="rect">
             <a:avLst/>
@@ -11407,7 +11695,7 @@
         <p:spPr>
           <a:xfrm>
             <a:off x="36360" y="4579920"/>
-            <a:ext cx="9143280" cy="999720"/>
+            <a:ext cx="9142560" cy="999000"/>
           </a:xfrm>
           <a:prstGeom prst="rect">
             <a:avLst/>
@@ -11426,7 +11714,7 @@
         <p:spPr>
           <a:xfrm>
             <a:off x="324000" y="4189680"/>
-            <a:ext cx="2555640" cy="389880"/>
+            <a:ext cx="2554920" cy="389160"/>
           </a:xfrm>
           <a:prstGeom prst="rect">
             <a:avLst/>
@@ -11479,7 +11767,7 @@
         <p:spPr>
           <a:xfrm>
             <a:off x="3240000" y="720000"/>
-            <a:ext cx="3599640" cy="359640"/>
+            <a:ext cx="3598920" cy="358920"/>
           </a:xfrm>
           <a:prstGeom prst="rect">
             <a:avLst/>
@@ -11527,28 +11815,39 @@
       <p:sp>
         <p:nvSpPr>
           <p:cNvPr id="201" name=""/>
-          <p:cNvSpPr txBox="1"/>
+          <p:cNvSpPr/>
           <p:nvPr/>
         </p:nvSpPr>
         <p:spPr>
           <a:xfrm>
             <a:off x="8730000" y="6431400"/>
-            <a:ext cx="485640" cy="427320"/>
-          </a:xfrm>
-          <a:prstGeom prst="rect">
-            <a:avLst/>
-          </a:prstGeom>
-          <a:noFill/>
-          <a:ln w="0">
-            <a:noFill/>
-          </a:ln>
-        </p:spPr>
+            <a:ext cx="484920" cy="426600"/>
+          </a:xfrm>
+          <a:prstGeom prst="rect">
+            <a:avLst/>
+          </a:prstGeom>
+          <a:noFill/>
+          <a:ln w="0">
+            <a:noFill/>
+          </a:ln>
+        </p:spPr>
+        <p:style>
+          <a:lnRef idx="0"/>
+          <a:fillRef idx="0"/>
+          <a:effectRef idx="0"/>
+          <a:fontRef idx="minor"/>
+        </p:style>
         <p:txBody>
           <a:bodyPr lIns="90000" rIns="90000" tIns="45000" bIns="45000" anchor="t">
             <a:noAutofit/>
           </a:bodyPr>
           <a:p>
-            <a:fld id="{2500A644-B24E-4795-8400-075E4B2FFCB9}" type="slidenum">
+            <a:pPr>
+              <a:lnSpc>
+                <a:spcPct val="100000"/>
+              </a:lnSpc>
+            </a:pPr>
+            <a:fld id="{C4F3B6E3-7D94-4981-8ADF-4EF8555E6D80}" type="slidenum">
               <a:rPr b="0" lang="fr-FR" sz="2400" spc="-1" strike="noStrike">
                 <a:solidFill>
                   <a:srgbClr val="000000"/>
@@ -11561,7 +11860,7 @@
               <a:solidFill>
                 <a:srgbClr val="000000"/>
               </a:solidFill>
-              <a:latin typeface="Times New Roman"/>
+              <a:latin typeface="Arial"/>
             </a:endParaRPr>
           </a:p>
         </p:txBody>
@@ -11580,7 +11879,7 @@
         <p:txBody>
           <a:bodyPr/>
           <a:p>
-            <a:fld id="{E4E9BE7F-D1C5-44E9-A3ED-AE439F9E6620}" type="slidenum">
+            <a:fld id="{1CC00943-22B9-42AE-8428-2B6970A9C6BF}" type="slidenum">
               <a:t>32</a:t>
             </a:fld>
           </a:p>
@@ -11625,7 +11924,7 @@
         <p:spPr>
           <a:xfrm>
             <a:off x="360000" y="720000"/>
-            <a:ext cx="2699640" cy="359640"/>
+            <a:ext cx="2698920" cy="358920"/>
           </a:xfrm>
           <a:prstGeom prst="rect">
             <a:avLst/>
@@ -11682,7 +11981,7 @@
         <p:spPr>
           <a:xfrm>
             <a:off x="360" y="1159920"/>
-            <a:ext cx="9143280" cy="4419720"/>
+            <a:ext cx="9142560" cy="4419000"/>
           </a:xfrm>
           <a:prstGeom prst="rect">
             <a:avLst/>
@@ -11695,28 +11994,39 @@
       <p:sp>
         <p:nvSpPr>
           <p:cNvPr id="204" name=""/>
-          <p:cNvSpPr txBox="1"/>
+          <p:cNvSpPr/>
           <p:nvPr/>
         </p:nvSpPr>
         <p:spPr>
           <a:xfrm>
             <a:off x="8730000" y="6431400"/>
-            <a:ext cx="485640" cy="427320"/>
-          </a:xfrm>
-          <a:prstGeom prst="rect">
-            <a:avLst/>
-          </a:prstGeom>
-          <a:noFill/>
-          <a:ln w="0">
-            <a:noFill/>
-          </a:ln>
-        </p:spPr>
+            <a:ext cx="484920" cy="426600"/>
+          </a:xfrm>
+          <a:prstGeom prst="rect">
+            <a:avLst/>
+          </a:prstGeom>
+          <a:noFill/>
+          <a:ln w="0">
+            <a:noFill/>
+          </a:ln>
+        </p:spPr>
+        <p:style>
+          <a:lnRef idx="0"/>
+          <a:fillRef idx="0"/>
+          <a:effectRef idx="0"/>
+          <a:fontRef idx="minor"/>
+        </p:style>
         <p:txBody>
           <a:bodyPr lIns="90000" rIns="90000" tIns="45000" bIns="45000" anchor="t">
             <a:noAutofit/>
           </a:bodyPr>
           <a:p>
-            <a:fld id="{0271741C-F606-457E-A1DA-6FC52AE33239}" type="slidenum">
+            <a:pPr>
+              <a:lnSpc>
+                <a:spcPct val="100000"/>
+              </a:lnSpc>
+            </a:pPr>
+            <a:fld id="{9083F62F-C94F-4075-A5C8-CC943B09C933}" type="slidenum">
               <a:rPr b="0" lang="fr-FR" sz="2400" spc="-1" strike="noStrike">
                 <a:solidFill>
                   <a:srgbClr val="000000"/>
@@ -11729,7 +12039,7 @@
               <a:solidFill>
                 <a:srgbClr val="000000"/>
               </a:solidFill>
-              <a:latin typeface="Times New Roman"/>
+              <a:latin typeface="Arial"/>
             </a:endParaRPr>
           </a:p>
         </p:txBody>
@@ -11748,8 +12058,1203 @@
         <p:txBody>
           <a:bodyPr/>
           <a:p>
-            <a:fld id="{FEA118BD-944E-413F-966E-7B2944ABF371}" type="slidenum">
+            <a:fld id="{C99B29BA-3210-46F5-8E7A-7CC5A12DF5AB}" type="slidenum">
               <a:t>33</a:t>
+            </a:fld>
+          </a:p>
+        </p:txBody>
+      </p:sp>
+    </p:spTree>
+  </p:cSld>
+  <mc:AlternateContent>
+    <mc:Choice Requires="p14">
+      <p:transition spd="slow" p14:dur="2000"/>
+    </mc:Choice>
+    <mc:Fallback>
+      <p:transition spd="slow"/>
+    </mc:Fallback>
+  </mc:AlternateContent>
+</p:sld>
+</file>
+
+<file path=ppt/slides/slide34.xml><?xml version="1.0" encoding="utf-8"?>
+<p:sld xmlns:a="http://schemas.openxmlformats.org/drawingml/2006/main" xmlns:p="http://schemas.openxmlformats.org/presentationml/2006/main" xmlns:r="http://schemas.openxmlformats.org/officeDocument/2006/relationships" xmlns:p14="http://schemas.microsoft.com/office/powerpoint/2010/main" xmlns:p15="http://schemas.microsoft.com/office/powerpoint/2012/main" xmlns:mc="http://schemas.openxmlformats.org/markup-compatibility/2006">
+  <p:cSld>
+    <p:spTree>
+      <p:nvGrpSpPr>
+        <p:cNvPr id="1" name=""/>
+        <p:cNvGrpSpPr/>
+        <p:nvPr/>
+      </p:nvGrpSpPr>
+      <p:grpSpPr>
+        <a:xfrm>
+          <a:off x="0" y="0"/>
+          <a:ext cx="0" cy="0"/>
+          <a:chOff x="0" y="0"/>
+          <a:chExt cx="0" cy="0"/>
+        </a:xfrm>
+      </p:grpSpPr>
+      <p:sp>
+        <p:nvSpPr>
+          <p:cNvPr id="205" name=""/>
+          <p:cNvSpPr/>
+          <p:nvPr/>
+        </p:nvSpPr>
+        <p:spPr>
+          <a:xfrm>
+            <a:off x="1260000" y="1980000"/>
+            <a:ext cx="6477480" cy="3494160"/>
+          </a:xfrm>
+          <a:prstGeom prst="rect">
+            <a:avLst/>
+          </a:prstGeom>
+          <a:noFill/>
+          <a:ln w="0">
+            <a:noFill/>
+          </a:ln>
+        </p:spPr>
+        <p:style>
+          <a:lnRef idx="0"/>
+          <a:fillRef idx="0"/>
+          <a:effectRef idx="0"/>
+          <a:fontRef idx="minor"/>
+        </p:style>
+        <p:txBody>
+          <a:bodyPr lIns="90000" rIns="90000" tIns="45000" bIns="45000" anchor="t">
+            <a:noAutofit/>
+          </a:bodyPr>
+          <a:p>
+            <a:pPr>
+              <a:lnSpc>
+                <a:spcPct val="100000"/>
+              </a:lnSpc>
+            </a:pPr>
+            <a:r>
+              <a:rPr b="0" lang="fr-FR" sz="8000" spc="-1" strike="noStrike">
+                <a:solidFill>
+                  <a:srgbClr val="000000"/>
+                </a:solidFill>
+                <a:latin typeface="Arial"/>
+                <a:ea typeface="DejaVu Sans"/>
+              </a:rPr>
+              <a:t>SECTION 4 :</a:t>
+            </a:r>
+            <a:br>
+              <a:rPr sz="8000"/>
+            </a:br>
+            <a:r>
+              <a:rPr b="0" lang="fr-FR" sz="8000" spc="-1" strike="noStrike">
+                <a:solidFill>
+                  <a:srgbClr val="000000"/>
+                </a:solidFill>
+                <a:latin typeface="Arial"/>
+                <a:ea typeface="DejaVu Sans"/>
+              </a:rPr>
+              <a:t>18/04</a:t>
+            </a:r>
+            <a:endParaRPr b="0" lang="fr-FR" sz="8000" spc="-1" strike="noStrike">
+              <a:solidFill>
+                <a:srgbClr val="000000"/>
+              </a:solidFill>
+              <a:latin typeface="Arial"/>
+            </a:endParaRPr>
+          </a:p>
+        </p:txBody>
+      </p:sp>
+      <p:sp>
+        <p:nvSpPr>
+          <p:cNvPr id="206" name=""/>
+          <p:cNvSpPr/>
+          <p:nvPr/>
+        </p:nvSpPr>
+        <p:spPr>
+          <a:xfrm>
+            <a:off x="8695080" y="6431400"/>
+            <a:ext cx="484920" cy="426600"/>
+          </a:xfrm>
+          <a:prstGeom prst="rect">
+            <a:avLst/>
+          </a:prstGeom>
+          <a:noFill/>
+          <a:ln w="0">
+            <a:noFill/>
+          </a:ln>
+        </p:spPr>
+        <p:style>
+          <a:lnRef idx="0"/>
+          <a:fillRef idx="0"/>
+          <a:effectRef idx="0"/>
+          <a:fontRef idx="minor"/>
+        </p:style>
+        <p:txBody>
+          <a:bodyPr lIns="90000" rIns="90000" tIns="45000" bIns="45000" anchor="t">
+            <a:noAutofit/>
+          </a:bodyPr>
+          <a:p>
+            <a:pPr>
+              <a:lnSpc>
+                <a:spcPct val="100000"/>
+              </a:lnSpc>
+            </a:pPr>
+            <a:fld id="{F54818E6-95FE-438B-B359-FC9003F879B2}" type="slidenum">
+              <a:rPr b="0" lang="fr-FR" sz="2400" spc="-1" strike="noStrike">
+                <a:solidFill>
+                  <a:srgbClr val="000000"/>
+                </a:solidFill>
+                <a:latin typeface="Times New Roman"/>
+              </a:rPr>
+              <a:t>&lt;numéro&gt;</a:t>
+            </a:fld>
+            <a:endParaRPr b="0" lang="fr-FR" sz="2400" spc="-1" strike="noStrike">
+              <a:solidFill>
+                <a:srgbClr val="000000"/>
+              </a:solidFill>
+              <a:latin typeface="Arial"/>
+            </a:endParaRPr>
+          </a:p>
+        </p:txBody>
+      </p:sp>
+      <p:sp>
+        <p:nvSpPr>
+          <p:cNvPr id="2" name="PlaceHolder 1"/>
+          <p:cNvSpPr>
+            <a:spLocks noGrp="1"/>
+          </p:cNvSpPr>
+          <p:nvPr>
+            <p:ph type="sldNum" idx="2"/>
+          </p:nvPr>
+        </p:nvSpPr>
+        <p:spPr/>
+        <p:txBody>
+          <a:bodyPr/>
+          <a:p>
+            <a:fld id="{56C64075-BF41-4BE8-AABB-B27852128F4A}" type="slidenum">
+              <a:t>34</a:t>
+            </a:fld>
+          </a:p>
+        </p:txBody>
+      </p:sp>
+    </p:spTree>
+  </p:cSld>
+  <mc:AlternateContent>
+    <mc:Choice Requires="p14">
+      <p:transition spd="slow" p14:dur="2000"/>
+    </mc:Choice>
+    <mc:Fallback>
+      <p:transition spd="slow"/>
+    </mc:Fallback>
+  </mc:AlternateContent>
+</p:sld>
+</file>
+
+<file path=ppt/slides/slide35.xml><?xml version="1.0" encoding="utf-8"?>
+<p:sld xmlns:a="http://schemas.openxmlformats.org/drawingml/2006/main" xmlns:p="http://schemas.openxmlformats.org/presentationml/2006/main" xmlns:r="http://schemas.openxmlformats.org/officeDocument/2006/relationships" xmlns:p14="http://schemas.microsoft.com/office/powerpoint/2010/main" xmlns:p15="http://schemas.microsoft.com/office/powerpoint/2012/main" xmlns:mc="http://schemas.openxmlformats.org/markup-compatibility/2006">
+  <p:cSld>
+    <p:spTree>
+      <p:nvGrpSpPr>
+        <p:cNvPr id="1" name=""/>
+        <p:cNvGrpSpPr/>
+        <p:nvPr/>
+      </p:nvGrpSpPr>
+      <p:grpSpPr>
+        <a:xfrm>
+          <a:off x="0" y="0"/>
+          <a:ext cx="0" cy="0"/>
+          <a:chOff x="0" y="0"/>
+          <a:chExt cx="0" cy="0"/>
+        </a:xfrm>
+      </p:grpSpPr>
+      <p:pic>
+        <p:nvPicPr>
+          <p:cNvPr id="207" name="" descr=""/>
+          <p:cNvPicPr/>
+          <p:nvPr/>
+        </p:nvPicPr>
+        <p:blipFill>
+          <a:blip r:embed="rId1"/>
+          <a:stretch/>
+        </p:blipFill>
+        <p:spPr>
+          <a:xfrm>
+            <a:off x="180000" y="1112760"/>
+            <a:ext cx="8794440" cy="4826880"/>
+          </a:xfrm>
+          <a:prstGeom prst="rect">
+            <a:avLst/>
+          </a:prstGeom>
+          <a:ln w="0">
+            <a:noFill/>
+          </a:ln>
+        </p:spPr>
+      </p:pic>
+      <p:sp>
+        <p:nvSpPr>
+          <p:cNvPr id="208" name=""/>
+          <p:cNvSpPr/>
+          <p:nvPr/>
+        </p:nvSpPr>
+        <p:spPr>
+          <a:xfrm>
+            <a:off x="180000" y="720000"/>
+            <a:ext cx="2519640" cy="359640"/>
+          </a:xfrm>
+          <a:prstGeom prst="rect">
+            <a:avLst/>
+          </a:prstGeom>
+          <a:noFill/>
+          <a:ln w="0">
+            <a:noFill/>
+          </a:ln>
+        </p:spPr>
+        <p:style>
+          <a:lnRef idx="0"/>
+          <a:fillRef idx="0"/>
+          <a:effectRef idx="0"/>
+          <a:fontRef idx="minor"/>
+        </p:style>
+        <p:txBody>
+          <a:bodyPr lIns="90000" rIns="90000" tIns="45000" bIns="45000" anchor="t">
+            <a:noAutofit/>
+          </a:bodyPr>
+          <a:p>
+            <a:pPr>
+              <a:lnSpc>
+                <a:spcPct val="100000"/>
+              </a:lnSpc>
+            </a:pPr>
+            <a:r>
+              <a:rPr b="0" lang="fr-FR" sz="1800" spc="-1" strike="noStrike">
+                <a:solidFill>
+                  <a:srgbClr val="000000"/>
+                </a:solidFill>
+                <a:latin typeface="Arial"/>
+              </a:rPr>
+              <a:t>TF_IDF</a:t>
+            </a:r>
+            <a:endParaRPr b="0" lang="fr-FR" sz="1800" spc="-1" strike="noStrike">
+              <a:solidFill>
+                <a:srgbClr val="000000"/>
+              </a:solidFill>
+              <a:latin typeface="Arial"/>
+            </a:endParaRPr>
+          </a:p>
+        </p:txBody>
+      </p:sp>
+      <p:sp>
+        <p:nvSpPr>
+          <p:cNvPr id="209" name=""/>
+          <p:cNvSpPr/>
+          <p:nvPr/>
+        </p:nvSpPr>
+        <p:spPr>
+          <a:xfrm>
+            <a:off x="8695080" y="6431400"/>
+            <a:ext cx="484920" cy="426600"/>
+          </a:xfrm>
+          <a:prstGeom prst="rect">
+            <a:avLst/>
+          </a:prstGeom>
+          <a:noFill/>
+          <a:ln w="0">
+            <a:noFill/>
+          </a:ln>
+        </p:spPr>
+        <p:style>
+          <a:lnRef idx="0"/>
+          <a:fillRef idx="0"/>
+          <a:effectRef idx="0"/>
+          <a:fontRef idx="minor"/>
+        </p:style>
+        <p:txBody>
+          <a:bodyPr lIns="90000" rIns="90000" tIns="45000" bIns="45000" anchor="t">
+            <a:noAutofit/>
+          </a:bodyPr>
+          <a:p>
+            <a:pPr>
+              <a:lnSpc>
+                <a:spcPct val="100000"/>
+              </a:lnSpc>
+            </a:pPr>
+            <a:fld id="{4C8143FC-DF7A-42E4-B72E-4054DF1B5D2F}" type="slidenum">
+              <a:rPr b="0" lang="fr-FR" sz="2400" spc="-1" strike="noStrike">
+                <a:solidFill>
+                  <a:srgbClr val="000000"/>
+                </a:solidFill>
+                <a:latin typeface="Times New Roman"/>
+              </a:rPr>
+              <a:t>&lt;numéro&gt;</a:t>
+            </a:fld>
+            <a:endParaRPr b="0" lang="fr-FR" sz="2400" spc="-1" strike="noStrike">
+              <a:solidFill>
+                <a:srgbClr val="000000"/>
+              </a:solidFill>
+              <a:latin typeface="Arial"/>
+            </a:endParaRPr>
+          </a:p>
+        </p:txBody>
+      </p:sp>
+      <p:sp>
+        <p:nvSpPr>
+          <p:cNvPr id="2" name="PlaceHolder 1"/>
+          <p:cNvSpPr>
+            <a:spLocks noGrp="1"/>
+          </p:cNvSpPr>
+          <p:nvPr>
+            <p:ph type="sldNum" idx="2"/>
+          </p:nvPr>
+        </p:nvSpPr>
+        <p:spPr/>
+        <p:txBody>
+          <a:bodyPr/>
+          <a:p>
+            <a:fld id="{019DD818-D03C-4590-9F71-C0CE123D799C}" type="slidenum">
+              <a:t>35</a:t>
+            </a:fld>
+          </a:p>
+        </p:txBody>
+      </p:sp>
+    </p:spTree>
+  </p:cSld>
+  <mc:AlternateContent>
+    <mc:Choice Requires="p14">
+      <p:transition spd="slow" p14:dur="2000"/>
+    </mc:Choice>
+    <mc:Fallback>
+      <p:transition spd="slow"/>
+    </mc:Fallback>
+  </mc:AlternateContent>
+</p:sld>
+</file>
+
+<file path=ppt/slides/slide36.xml><?xml version="1.0" encoding="utf-8"?>
+<p:sld xmlns:a="http://schemas.openxmlformats.org/drawingml/2006/main" xmlns:p="http://schemas.openxmlformats.org/presentationml/2006/main" xmlns:r="http://schemas.openxmlformats.org/officeDocument/2006/relationships" xmlns:p14="http://schemas.microsoft.com/office/powerpoint/2010/main" xmlns:p15="http://schemas.microsoft.com/office/powerpoint/2012/main" xmlns:mc="http://schemas.openxmlformats.org/markup-compatibility/2006">
+  <p:cSld>
+    <p:spTree>
+      <p:nvGrpSpPr>
+        <p:cNvPr id="1" name=""/>
+        <p:cNvGrpSpPr/>
+        <p:nvPr/>
+      </p:nvGrpSpPr>
+      <p:grpSpPr>
+        <a:xfrm>
+          <a:off x="0" y="0"/>
+          <a:ext cx="0" cy="0"/>
+          <a:chOff x="0" y="0"/>
+          <a:chExt cx="0" cy="0"/>
+        </a:xfrm>
+      </p:grpSpPr>
+      <p:sp>
+        <p:nvSpPr>
+          <p:cNvPr id="210" name=""/>
+          <p:cNvSpPr/>
+          <p:nvPr/>
+        </p:nvSpPr>
+        <p:spPr>
+          <a:xfrm>
+            <a:off x="180000" y="720000"/>
+            <a:ext cx="2519640" cy="359640"/>
+          </a:xfrm>
+          <a:prstGeom prst="rect">
+            <a:avLst/>
+          </a:prstGeom>
+          <a:noFill/>
+          <a:ln w="0">
+            <a:noFill/>
+          </a:ln>
+        </p:spPr>
+        <p:style>
+          <a:lnRef idx="0"/>
+          <a:fillRef idx="0"/>
+          <a:effectRef idx="0"/>
+          <a:fontRef idx="minor"/>
+        </p:style>
+        <p:txBody>
+          <a:bodyPr lIns="90000" rIns="90000" tIns="45000" bIns="45000" anchor="t">
+            <a:noAutofit/>
+          </a:bodyPr>
+          <a:p>
+            <a:pPr>
+              <a:lnSpc>
+                <a:spcPct val="100000"/>
+              </a:lnSpc>
+            </a:pPr>
+            <a:r>
+              <a:rPr b="0" lang="fr-FR" sz="1800" spc="-1" strike="noStrike">
+                <a:solidFill>
+                  <a:srgbClr val="000000"/>
+                </a:solidFill>
+                <a:latin typeface="Arial"/>
+              </a:rPr>
+              <a:t>Distance Euclidienne</a:t>
+            </a:r>
+            <a:endParaRPr b="0" lang="fr-FR" sz="1800" spc="-1" strike="noStrike">
+              <a:solidFill>
+                <a:srgbClr val="000000"/>
+              </a:solidFill>
+              <a:latin typeface="Arial"/>
+            </a:endParaRPr>
+          </a:p>
+        </p:txBody>
+      </p:sp>
+      <p:pic>
+        <p:nvPicPr>
+          <p:cNvPr id="211" name="" descr=""/>
+          <p:cNvPicPr/>
+          <p:nvPr/>
+        </p:nvPicPr>
+        <p:blipFill>
+          <a:blip r:embed="rId1"/>
+          <a:stretch/>
+        </p:blipFill>
+        <p:spPr>
+          <a:xfrm>
+            <a:off x="25200" y="1260000"/>
+            <a:ext cx="8974440" cy="3401280"/>
+          </a:xfrm>
+          <a:prstGeom prst="rect">
+            <a:avLst/>
+          </a:prstGeom>
+          <a:ln w="0">
+            <a:noFill/>
+          </a:ln>
+        </p:spPr>
+      </p:pic>
+      <p:sp>
+        <p:nvSpPr>
+          <p:cNvPr id="212" name=""/>
+          <p:cNvSpPr/>
+          <p:nvPr/>
+        </p:nvSpPr>
+        <p:spPr>
+          <a:xfrm>
+            <a:off x="8695080" y="6431400"/>
+            <a:ext cx="484920" cy="426600"/>
+          </a:xfrm>
+          <a:prstGeom prst="rect">
+            <a:avLst/>
+          </a:prstGeom>
+          <a:noFill/>
+          <a:ln w="0">
+            <a:noFill/>
+          </a:ln>
+        </p:spPr>
+        <p:style>
+          <a:lnRef idx="0"/>
+          <a:fillRef idx="0"/>
+          <a:effectRef idx="0"/>
+          <a:fontRef idx="minor"/>
+        </p:style>
+        <p:txBody>
+          <a:bodyPr lIns="90000" rIns="90000" tIns="45000" bIns="45000" anchor="t">
+            <a:noAutofit/>
+          </a:bodyPr>
+          <a:p>
+            <a:pPr>
+              <a:lnSpc>
+                <a:spcPct val="100000"/>
+              </a:lnSpc>
+            </a:pPr>
+            <a:fld id="{BE3109A1-A248-43E1-975E-664C206D72CD}" type="slidenum">
+              <a:rPr b="0" lang="fr-FR" sz="2400" spc="-1" strike="noStrike">
+                <a:solidFill>
+                  <a:srgbClr val="000000"/>
+                </a:solidFill>
+                <a:latin typeface="Times New Roman"/>
+              </a:rPr>
+              <a:t>&lt;numéro&gt;</a:t>
+            </a:fld>
+            <a:endParaRPr b="0" lang="fr-FR" sz="2400" spc="-1" strike="noStrike">
+              <a:solidFill>
+                <a:srgbClr val="000000"/>
+              </a:solidFill>
+              <a:latin typeface="Arial"/>
+            </a:endParaRPr>
+          </a:p>
+        </p:txBody>
+      </p:sp>
+      <p:sp>
+        <p:nvSpPr>
+          <p:cNvPr id="2" name="PlaceHolder 1"/>
+          <p:cNvSpPr>
+            <a:spLocks noGrp="1"/>
+          </p:cNvSpPr>
+          <p:nvPr>
+            <p:ph type="sldNum" idx="2"/>
+          </p:nvPr>
+        </p:nvSpPr>
+        <p:spPr/>
+        <p:txBody>
+          <a:bodyPr/>
+          <a:p>
+            <a:fld id="{4E7A2ACD-2246-4906-9A00-98D8A970C348}" type="slidenum">
+              <a:t>36</a:t>
+            </a:fld>
+          </a:p>
+        </p:txBody>
+      </p:sp>
+    </p:spTree>
+  </p:cSld>
+  <mc:AlternateContent>
+    <mc:Choice Requires="p14">
+      <p:transition spd="slow" p14:dur="2000"/>
+    </mc:Choice>
+    <mc:Fallback>
+      <p:transition spd="slow"/>
+    </mc:Fallback>
+  </mc:AlternateContent>
+</p:sld>
+</file>
+
+<file path=ppt/slides/slide37.xml><?xml version="1.0" encoding="utf-8"?>
+<p:sld xmlns:a="http://schemas.openxmlformats.org/drawingml/2006/main" xmlns:p="http://schemas.openxmlformats.org/presentationml/2006/main" xmlns:r="http://schemas.openxmlformats.org/officeDocument/2006/relationships" xmlns:p14="http://schemas.microsoft.com/office/powerpoint/2010/main" xmlns:p15="http://schemas.microsoft.com/office/powerpoint/2012/main" xmlns:mc="http://schemas.openxmlformats.org/markup-compatibility/2006">
+  <p:cSld>
+    <p:spTree>
+      <p:nvGrpSpPr>
+        <p:cNvPr id="1" name=""/>
+        <p:cNvGrpSpPr/>
+        <p:nvPr/>
+      </p:nvGrpSpPr>
+      <p:grpSpPr>
+        <a:xfrm>
+          <a:off x="0" y="0"/>
+          <a:ext cx="0" cy="0"/>
+          <a:chOff x="0" y="0"/>
+          <a:chExt cx="0" cy="0"/>
+        </a:xfrm>
+      </p:grpSpPr>
+      <p:pic>
+        <p:nvPicPr>
+          <p:cNvPr id="213" name="" descr=""/>
+          <p:cNvPicPr/>
+          <p:nvPr/>
+        </p:nvPicPr>
+        <p:blipFill>
+          <a:blip r:embed="rId1"/>
+          <a:stretch/>
+        </p:blipFill>
+        <p:spPr>
+          <a:xfrm>
+            <a:off x="51480" y="1080000"/>
+            <a:ext cx="9090720" cy="4434480"/>
+          </a:xfrm>
+          <a:prstGeom prst="rect">
+            <a:avLst/>
+          </a:prstGeom>
+          <a:ln w="0">
+            <a:noFill/>
+          </a:ln>
+        </p:spPr>
+      </p:pic>
+      <p:sp>
+        <p:nvSpPr>
+          <p:cNvPr id="214" name=""/>
+          <p:cNvSpPr/>
+          <p:nvPr/>
+        </p:nvSpPr>
+        <p:spPr>
+          <a:xfrm>
+            <a:off x="180000" y="720000"/>
+            <a:ext cx="3419640" cy="359640"/>
+          </a:xfrm>
+          <a:prstGeom prst="rect">
+            <a:avLst/>
+          </a:prstGeom>
+          <a:noFill/>
+          <a:ln w="0">
+            <a:noFill/>
+          </a:ln>
+        </p:spPr>
+        <p:style>
+          <a:lnRef idx="0"/>
+          <a:fillRef idx="0"/>
+          <a:effectRef idx="0"/>
+          <a:fontRef idx="minor"/>
+        </p:style>
+        <p:txBody>
+          <a:bodyPr lIns="90000" rIns="90000" tIns="45000" bIns="45000" anchor="t">
+            <a:noAutofit/>
+          </a:bodyPr>
+          <a:p>
+            <a:pPr>
+              <a:lnSpc>
+                <a:spcPct val="100000"/>
+              </a:lnSpc>
+            </a:pPr>
+            <a:r>
+              <a:rPr b="0" lang="fr-FR" sz="1800" spc="-1" strike="noStrike">
+                <a:solidFill>
+                  <a:srgbClr val="000000"/>
+                </a:solidFill>
+                <a:latin typeface="Arial"/>
+                <a:ea typeface="Microsoft YaHei"/>
+              </a:rPr>
+              <a:t>Distance / Similarité Cosinus </a:t>
+            </a:r>
+            <a:endParaRPr b="0" lang="fr-FR" sz="1800" spc="-1" strike="noStrike">
+              <a:solidFill>
+                <a:srgbClr val="000000"/>
+              </a:solidFill>
+              <a:latin typeface="Arial"/>
+            </a:endParaRPr>
+          </a:p>
+        </p:txBody>
+      </p:sp>
+      <p:sp>
+        <p:nvSpPr>
+          <p:cNvPr id="215" name=""/>
+          <p:cNvSpPr/>
+          <p:nvPr/>
+        </p:nvSpPr>
+        <p:spPr>
+          <a:xfrm>
+            <a:off x="180000" y="5760000"/>
+            <a:ext cx="7199640" cy="359640"/>
+          </a:xfrm>
+          <a:prstGeom prst="rect">
+            <a:avLst/>
+          </a:prstGeom>
+          <a:noFill/>
+          <a:ln w="0">
+            <a:noFill/>
+          </a:ln>
+        </p:spPr>
+        <p:style>
+          <a:lnRef idx="0"/>
+          <a:fillRef idx="0"/>
+          <a:effectRef idx="0"/>
+          <a:fontRef idx="minor"/>
+        </p:style>
+        <p:txBody>
+          <a:bodyPr lIns="90000" rIns="90000" tIns="45000" bIns="45000" anchor="t">
+            <a:noAutofit/>
+          </a:bodyPr>
+          <a:p>
+            <a:pPr>
+              <a:lnSpc>
+                <a:spcPct val="100000"/>
+              </a:lnSpc>
+            </a:pPr>
+            <a:r>
+              <a:rPr b="0" lang="fr-FR" sz="1800" spc="-1" strike="noStrike">
+                <a:solidFill>
+                  <a:srgbClr val="000000"/>
+                </a:solidFill>
+                <a:latin typeface="Arial"/>
+              </a:rPr>
+              <a:t>Requête d’un mot = Produit Scalaire ou 1-produit scalaire = distance</a:t>
+            </a:r>
+            <a:endParaRPr b="0" lang="fr-FR" sz="1800" spc="-1" strike="noStrike">
+              <a:solidFill>
+                <a:srgbClr val="000000"/>
+              </a:solidFill>
+              <a:latin typeface="Arial"/>
+            </a:endParaRPr>
+          </a:p>
+        </p:txBody>
+      </p:sp>
+      <p:sp>
+        <p:nvSpPr>
+          <p:cNvPr id="216" name=""/>
+          <p:cNvSpPr/>
+          <p:nvPr/>
+        </p:nvSpPr>
+        <p:spPr>
+          <a:xfrm>
+            <a:off x="8695080" y="6431400"/>
+            <a:ext cx="484920" cy="426600"/>
+          </a:xfrm>
+          <a:prstGeom prst="rect">
+            <a:avLst/>
+          </a:prstGeom>
+          <a:noFill/>
+          <a:ln w="0">
+            <a:noFill/>
+          </a:ln>
+        </p:spPr>
+        <p:style>
+          <a:lnRef idx="0"/>
+          <a:fillRef idx="0"/>
+          <a:effectRef idx="0"/>
+          <a:fontRef idx="minor"/>
+        </p:style>
+        <p:txBody>
+          <a:bodyPr lIns="90000" rIns="90000" tIns="45000" bIns="45000" anchor="t">
+            <a:noAutofit/>
+          </a:bodyPr>
+          <a:p>
+            <a:pPr>
+              <a:lnSpc>
+                <a:spcPct val="100000"/>
+              </a:lnSpc>
+            </a:pPr>
+            <a:fld id="{DD9A89A6-F7BA-4CF2-81B3-F65A3BC9D7C3}" type="slidenum">
+              <a:rPr b="0" lang="fr-FR" sz="2400" spc="-1" strike="noStrike">
+                <a:solidFill>
+                  <a:srgbClr val="000000"/>
+                </a:solidFill>
+                <a:latin typeface="Times New Roman"/>
+              </a:rPr>
+              <a:t>&lt;numéro&gt;</a:t>
+            </a:fld>
+            <a:endParaRPr b="0" lang="fr-FR" sz="2400" spc="-1" strike="noStrike">
+              <a:solidFill>
+                <a:srgbClr val="000000"/>
+              </a:solidFill>
+              <a:latin typeface="Arial"/>
+            </a:endParaRPr>
+          </a:p>
+        </p:txBody>
+      </p:sp>
+      <p:sp>
+        <p:nvSpPr>
+          <p:cNvPr id="2" name="PlaceHolder 1"/>
+          <p:cNvSpPr>
+            <a:spLocks noGrp="1"/>
+          </p:cNvSpPr>
+          <p:nvPr>
+            <p:ph type="sldNum" idx="2"/>
+          </p:nvPr>
+        </p:nvSpPr>
+        <p:spPr/>
+        <p:txBody>
+          <a:bodyPr/>
+          <a:p>
+            <a:fld id="{306FDD2C-C5B0-4EA5-B70E-CC9EEAEEF747}" type="slidenum">
+              <a:t>37</a:t>
+            </a:fld>
+          </a:p>
+        </p:txBody>
+      </p:sp>
+    </p:spTree>
+  </p:cSld>
+  <mc:AlternateContent>
+    <mc:Choice Requires="p14">
+      <p:transition spd="slow" p14:dur="2000"/>
+    </mc:Choice>
+    <mc:Fallback>
+      <p:transition spd="slow"/>
+    </mc:Fallback>
+  </mc:AlternateContent>
+</p:sld>
+</file>
+
+<file path=ppt/slides/slide38.xml><?xml version="1.0" encoding="utf-8"?>
+<p:sld xmlns:a="http://schemas.openxmlformats.org/drawingml/2006/main" xmlns:p="http://schemas.openxmlformats.org/presentationml/2006/main" xmlns:r="http://schemas.openxmlformats.org/officeDocument/2006/relationships" xmlns:p14="http://schemas.microsoft.com/office/powerpoint/2010/main" xmlns:p15="http://schemas.microsoft.com/office/powerpoint/2012/main" xmlns:mc="http://schemas.openxmlformats.org/markup-compatibility/2006">
+  <p:cSld>
+    <p:spTree>
+      <p:nvGrpSpPr>
+        <p:cNvPr id="1" name=""/>
+        <p:cNvGrpSpPr/>
+        <p:nvPr/>
+      </p:nvGrpSpPr>
+      <p:grpSpPr>
+        <a:xfrm>
+          <a:off x="0" y="0"/>
+          <a:ext cx="0" cy="0"/>
+          <a:chOff x="0" y="0"/>
+          <a:chExt cx="0" cy="0"/>
+        </a:xfrm>
+      </p:grpSpPr>
+      <p:pic>
+        <p:nvPicPr>
+          <p:cNvPr id="217" name="" descr=""/>
+          <p:cNvPicPr/>
+          <p:nvPr/>
+        </p:nvPicPr>
+        <p:blipFill>
+          <a:blip r:embed="rId1"/>
+          <a:stretch/>
+        </p:blipFill>
+        <p:spPr>
+          <a:xfrm>
+            <a:off x="346320" y="1440000"/>
+            <a:ext cx="8473320" cy="3969360"/>
+          </a:xfrm>
+          <a:prstGeom prst="rect">
+            <a:avLst/>
+          </a:prstGeom>
+          <a:ln w="0">
+            <a:noFill/>
+          </a:ln>
+        </p:spPr>
+      </p:pic>
+      <p:sp>
+        <p:nvSpPr>
+          <p:cNvPr id="218" name=""/>
+          <p:cNvSpPr/>
+          <p:nvPr/>
+        </p:nvSpPr>
+        <p:spPr>
+          <a:xfrm>
+            <a:off x="180000" y="720000"/>
+            <a:ext cx="2519640" cy="539640"/>
+          </a:xfrm>
+          <a:prstGeom prst="rect">
+            <a:avLst/>
+          </a:prstGeom>
+          <a:noFill/>
+          <a:ln w="0">
+            <a:noFill/>
+          </a:ln>
+        </p:spPr>
+        <p:style>
+          <a:lnRef idx="0"/>
+          <a:fillRef idx="0"/>
+          <a:effectRef idx="0"/>
+          <a:fontRef idx="minor"/>
+        </p:style>
+        <p:txBody>
+          <a:bodyPr lIns="90000" rIns="90000" tIns="45000" bIns="45000" anchor="t">
+            <a:noAutofit/>
+          </a:bodyPr>
+          <a:p>
+            <a:pPr>
+              <a:lnSpc>
+                <a:spcPct val="100000"/>
+              </a:lnSpc>
+            </a:pPr>
+            <a:r>
+              <a:rPr b="0" lang="fr-FR" sz="1800" spc="-1" strike="noStrike">
+                <a:solidFill>
+                  <a:srgbClr val="000000"/>
+                </a:solidFill>
+                <a:latin typeface="Arial"/>
+              </a:rPr>
+              <a:t>Distance de Hamming</a:t>
+            </a:r>
+            <a:endParaRPr b="0" lang="fr-FR" sz="1800" spc="-1" strike="noStrike">
+              <a:solidFill>
+                <a:srgbClr val="000000"/>
+              </a:solidFill>
+              <a:latin typeface="Arial"/>
+            </a:endParaRPr>
+          </a:p>
+        </p:txBody>
+      </p:sp>
+      <p:sp>
+        <p:nvSpPr>
+          <p:cNvPr id="219" name=""/>
+          <p:cNvSpPr/>
+          <p:nvPr/>
+        </p:nvSpPr>
+        <p:spPr>
+          <a:xfrm>
+            <a:off x="8695080" y="6431400"/>
+            <a:ext cx="484920" cy="426600"/>
+          </a:xfrm>
+          <a:prstGeom prst="rect">
+            <a:avLst/>
+          </a:prstGeom>
+          <a:noFill/>
+          <a:ln w="0">
+            <a:noFill/>
+          </a:ln>
+        </p:spPr>
+        <p:style>
+          <a:lnRef idx="0"/>
+          <a:fillRef idx="0"/>
+          <a:effectRef idx="0"/>
+          <a:fontRef idx="minor"/>
+        </p:style>
+        <p:txBody>
+          <a:bodyPr lIns="90000" rIns="90000" tIns="45000" bIns="45000" anchor="t">
+            <a:noAutofit/>
+          </a:bodyPr>
+          <a:p>
+            <a:pPr>
+              <a:lnSpc>
+                <a:spcPct val="100000"/>
+              </a:lnSpc>
+            </a:pPr>
+            <a:fld id="{C69119B8-7B80-43C9-9F36-5F33C6370947}" type="slidenum">
+              <a:rPr b="0" lang="fr-FR" sz="2400" spc="-1" strike="noStrike">
+                <a:solidFill>
+                  <a:srgbClr val="000000"/>
+                </a:solidFill>
+                <a:latin typeface="Times New Roman"/>
+              </a:rPr>
+              <a:t>&lt;numéro&gt;</a:t>
+            </a:fld>
+            <a:endParaRPr b="0" lang="fr-FR" sz="2400" spc="-1" strike="noStrike">
+              <a:solidFill>
+                <a:srgbClr val="000000"/>
+              </a:solidFill>
+              <a:latin typeface="Arial"/>
+            </a:endParaRPr>
+          </a:p>
+        </p:txBody>
+      </p:sp>
+      <p:sp>
+        <p:nvSpPr>
+          <p:cNvPr id="2" name="PlaceHolder 1"/>
+          <p:cNvSpPr>
+            <a:spLocks noGrp="1"/>
+          </p:cNvSpPr>
+          <p:nvPr>
+            <p:ph type="sldNum" idx="2"/>
+          </p:nvPr>
+        </p:nvSpPr>
+        <p:spPr/>
+        <p:txBody>
+          <a:bodyPr/>
+          <a:p>
+            <a:fld id="{448ACD7C-2F0D-44F5-B633-26CCB3C7221E}" type="slidenum">
+              <a:t>38</a:t>
+            </a:fld>
+          </a:p>
+        </p:txBody>
+      </p:sp>
+    </p:spTree>
+  </p:cSld>
+  <mc:AlternateContent>
+    <mc:Choice Requires="p14">
+      <p:transition spd="slow" p14:dur="2000"/>
+    </mc:Choice>
+    <mc:Fallback>
+      <p:transition spd="slow"/>
+    </mc:Fallback>
+  </mc:AlternateContent>
+</p:sld>
+</file>
+
+<file path=ppt/slides/slide39.xml><?xml version="1.0" encoding="utf-8"?>
+<p:sld xmlns:a="http://schemas.openxmlformats.org/drawingml/2006/main" xmlns:p="http://schemas.openxmlformats.org/presentationml/2006/main" xmlns:r="http://schemas.openxmlformats.org/officeDocument/2006/relationships" xmlns:p14="http://schemas.microsoft.com/office/powerpoint/2010/main" xmlns:p15="http://schemas.microsoft.com/office/powerpoint/2012/main" xmlns:mc="http://schemas.openxmlformats.org/markup-compatibility/2006">
+  <p:cSld>
+    <p:spTree>
+      <p:nvGrpSpPr>
+        <p:cNvPr id="1" name=""/>
+        <p:cNvGrpSpPr/>
+        <p:nvPr/>
+      </p:nvGrpSpPr>
+      <p:grpSpPr>
+        <a:xfrm>
+          <a:off x="0" y="0"/>
+          <a:ext cx="0" cy="0"/>
+          <a:chOff x="0" y="0"/>
+          <a:chExt cx="0" cy="0"/>
+        </a:xfrm>
+      </p:grpSpPr>
+      <p:pic>
+        <p:nvPicPr>
+          <p:cNvPr id="220" name="" descr=""/>
+          <p:cNvPicPr/>
+          <p:nvPr/>
+        </p:nvPicPr>
+        <p:blipFill>
+          <a:blip r:embed="rId1"/>
+          <a:stretch/>
+        </p:blipFill>
+        <p:spPr>
+          <a:xfrm>
+            <a:off x="132120" y="3600000"/>
+            <a:ext cx="4727520" cy="2325600"/>
+          </a:xfrm>
+          <a:prstGeom prst="rect">
+            <a:avLst/>
+          </a:prstGeom>
+          <a:ln w="0">
+            <a:noFill/>
+          </a:ln>
+        </p:spPr>
+      </p:pic>
+      <p:pic>
+        <p:nvPicPr>
+          <p:cNvPr id="221" name="" descr=""/>
+          <p:cNvPicPr/>
+          <p:nvPr/>
+        </p:nvPicPr>
+        <p:blipFill>
+          <a:blip r:embed="rId2"/>
+          <a:stretch/>
+        </p:blipFill>
+        <p:spPr>
+          <a:xfrm>
+            <a:off x="3739680" y="900000"/>
+            <a:ext cx="5259960" cy="2159640"/>
+          </a:xfrm>
+          <a:prstGeom prst="rect">
+            <a:avLst/>
+          </a:prstGeom>
+          <a:ln w="0">
+            <a:noFill/>
+          </a:ln>
+        </p:spPr>
+      </p:pic>
+      <p:sp>
+        <p:nvSpPr>
+          <p:cNvPr id="222" name=""/>
+          <p:cNvSpPr/>
+          <p:nvPr/>
+        </p:nvSpPr>
+        <p:spPr>
+          <a:xfrm>
+            <a:off x="1620000" y="1080000"/>
+            <a:ext cx="1979640" cy="539640"/>
+          </a:xfrm>
+          <a:prstGeom prst="rect">
+            <a:avLst/>
+          </a:prstGeom>
+          <a:noFill/>
+          <a:ln w="0">
+            <a:noFill/>
+          </a:ln>
+        </p:spPr>
+        <p:style>
+          <a:lnRef idx="0"/>
+          <a:fillRef idx="0"/>
+          <a:effectRef idx="0"/>
+          <a:fontRef idx="minor"/>
+        </p:style>
+        <p:txBody>
+          <a:bodyPr lIns="90000" rIns="90000" tIns="45000" bIns="45000" anchor="t">
+            <a:noAutofit/>
+          </a:bodyPr>
+          <a:p>
+            <a:pPr>
+              <a:lnSpc>
+                <a:spcPct val="100000"/>
+              </a:lnSpc>
+            </a:pPr>
+            <a:r>
+              <a:rPr b="0" lang="fr-FR" sz="1800" spc="-1" strike="noStrike">
+                <a:solidFill>
+                  <a:srgbClr val="000000"/>
+                </a:solidFill>
+                <a:latin typeface="Arial"/>
+              </a:rPr>
+              <a:t>Score de Dice :</a:t>
+            </a:r>
+            <a:endParaRPr b="0" lang="fr-FR" sz="1800" spc="-1" strike="noStrike">
+              <a:solidFill>
+                <a:srgbClr val="000000"/>
+              </a:solidFill>
+              <a:latin typeface="Arial"/>
+            </a:endParaRPr>
+          </a:p>
+        </p:txBody>
+      </p:sp>
+      <p:sp>
+        <p:nvSpPr>
+          <p:cNvPr id="223" name=""/>
+          <p:cNvSpPr/>
+          <p:nvPr/>
+        </p:nvSpPr>
+        <p:spPr>
+          <a:xfrm>
+            <a:off x="4860000" y="4140000"/>
+            <a:ext cx="2159640" cy="359640"/>
+          </a:xfrm>
+          <a:prstGeom prst="rect">
+            <a:avLst/>
+          </a:prstGeom>
+          <a:noFill/>
+          <a:ln w="0">
+            <a:noFill/>
+          </a:ln>
+        </p:spPr>
+        <p:style>
+          <a:lnRef idx="0"/>
+          <a:fillRef idx="0"/>
+          <a:effectRef idx="0"/>
+          <a:fontRef idx="minor"/>
+        </p:style>
+        <p:txBody>
+          <a:bodyPr lIns="90000" rIns="90000" tIns="45000" bIns="45000" anchor="t">
+            <a:noAutofit/>
+          </a:bodyPr>
+          <a:p>
+            <a:pPr>
+              <a:lnSpc>
+                <a:spcPct val="100000"/>
+              </a:lnSpc>
+            </a:pPr>
+            <a:r>
+              <a:rPr b="0" lang="fr-FR" sz="1800" spc="-1" strike="noStrike">
+                <a:solidFill>
+                  <a:srgbClr val="000000"/>
+                </a:solidFill>
+                <a:latin typeface="Arial"/>
+              </a:rPr>
+              <a:t>Score de Jaccard</a:t>
+            </a:r>
+            <a:endParaRPr b="0" lang="fr-FR" sz="1800" spc="-1" strike="noStrike">
+              <a:solidFill>
+                <a:srgbClr val="000000"/>
+              </a:solidFill>
+              <a:latin typeface="Arial"/>
+            </a:endParaRPr>
+          </a:p>
+        </p:txBody>
+      </p:sp>
+      <p:sp>
+        <p:nvSpPr>
+          <p:cNvPr id="224" name=""/>
+          <p:cNvSpPr/>
+          <p:nvPr/>
+        </p:nvSpPr>
+        <p:spPr>
+          <a:xfrm>
+            <a:off x="8695080" y="6431400"/>
+            <a:ext cx="484920" cy="426600"/>
+          </a:xfrm>
+          <a:prstGeom prst="rect">
+            <a:avLst/>
+          </a:prstGeom>
+          <a:noFill/>
+          <a:ln w="0">
+            <a:noFill/>
+          </a:ln>
+        </p:spPr>
+        <p:style>
+          <a:lnRef idx="0"/>
+          <a:fillRef idx="0"/>
+          <a:effectRef idx="0"/>
+          <a:fontRef idx="minor"/>
+        </p:style>
+        <p:txBody>
+          <a:bodyPr lIns="90000" rIns="90000" tIns="45000" bIns="45000" anchor="t">
+            <a:noAutofit/>
+          </a:bodyPr>
+          <a:p>
+            <a:pPr>
+              <a:lnSpc>
+                <a:spcPct val="100000"/>
+              </a:lnSpc>
+            </a:pPr>
+            <a:fld id="{D64BDFD7-AF6E-4423-AC1A-8676D16A36B6}" type="slidenum">
+              <a:rPr b="0" lang="fr-FR" sz="2400" spc="-1" strike="noStrike">
+                <a:solidFill>
+                  <a:srgbClr val="000000"/>
+                </a:solidFill>
+                <a:latin typeface="Times New Roman"/>
+              </a:rPr>
+              <a:t>&lt;numéro&gt;</a:t>
+            </a:fld>
+            <a:endParaRPr b="0" lang="fr-FR" sz="2400" spc="-1" strike="noStrike">
+              <a:solidFill>
+                <a:srgbClr val="000000"/>
+              </a:solidFill>
+              <a:latin typeface="Arial"/>
+            </a:endParaRPr>
+          </a:p>
+        </p:txBody>
+      </p:sp>
+      <p:sp>
+        <p:nvSpPr>
+          <p:cNvPr id="2" name="PlaceHolder 1"/>
+          <p:cNvSpPr>
+            <a:spLocks noGrp="1"/>
+          </p:cNvSpPr>
+          <p:nvPr>
+            <p:ph type="sldNum" idx="2"/>
+          </p:nvPr>
+        </p:nvSpPr>
+        <p:spPr/>
+        <p:txBody>
+          <a:bodyPr/>
+          <a:p>
+            <a:fld id="{C9530C01-9A9D-4A95-8FCB-E7657358A424}" type="slidenum">
+              <a:t>39</a:t>
             </a:fld>
           </a:p>
         </p:txBody>
@@ -11797,7 +13302,7 @@
         <p:spPr>
           <a:xfrm>
             <a:off x="1008000" y="260280"/>
-            <a:ext cx="7846200" cy="357840"/>
+            <a:ext cx="7845480" cy="357120"/>
           </a:xfrm>
           <a:prstGeom prst="rect">
             <a:avLst/>
@@ -11853,7 +13358,7 @@
         <p:spPr>
           <a:xfrm>
             <a:off x="1620000" y="900000"/>
-            <a:ext cx="5037840" cy="5037840"/>
+            <a:ext cx="5037120" cy="5037120"/>
           </a:xfrm>
           <a:prstGeom prst="rect">
             <a:avLst/>
@@ -11866,28 +13371,39 @@
       <p:sp>
         <p:nvSpPr>
           <p:cNvPr id="76" name=""/>
-          <p:cNvSpPr txBox="1"/>
+          <p:cNvSpPr/>
           <p:nvPr/>
         </p:nvSpPr>
         <p:spPr>
           <a:xfrm>
             <a:off x="8820360" y="6431040"/>
-            <a:ext cx="379080" cy="427320"/>
-          </a:xfrm>
-          <a:prstGeom prst="rect">
-            <a:avLst/>
-          </a:prstGeom>
-          <a:noFill/>
-          <a:ln w="0">
-            <a:noFill/>
-          </a:ln>
-        </p:spPr>
+            <a:ext cx="378360" cy="426600"/>
+          </a:xfrm>
+          <a:prstGeom prst="rect">
+            <a:avLst/>
+          </a:prstGeom>
+          <a:noFill/>
+          <a:ln w="0">
+            <a:noFill/>
+          </a:ln>
+        </p:spPr>
+        <p:style>
+          <a:lnRef idx="0"/>
+          <a:fillRef idx="0"/>
+          <a:effectRef idx="0"/>
+          <a:fontRef idx="minor"/>
+        </p:style>
         <p:txBody>
           <a:bodyPr lIns="90000" rIns="90000" tIns="45000" bIns="45000" anchor="t">
             <a:noAutofit/>
           </a:bodyPr>
           <a:p>
-            <a:fld id="{E4BBDD70-E7C6-454A-BA18-759C42F181FA}" type="slidenum">
+            <a:pPr>
+              <a:lnSpc>
+                <a:spcPct val="100000"/>
+              </a:lnSpc>
+            </a:pPr>
+            <a:fld id="{CB4DA3BC-D6F6-4166-981A-06BD2F4DAE12}" type="slidenum">
               <a:rPr b="0" lang="fr-FR" sz="2400" spc="-1" strike="noStrike">
                 <a:solidFill>
                   <a:srgbClr val="000000"/>
@@ -11900,7 +13416,7 @@
               <a:solidFill>
                 <a:srgbClr val="000000"/>
               </a:solidFill>
-              <a:latin typeface="Times New Roman"/>
+              <a:latin typeface="Arial"/>
             </a:endParaRPr>
           </a:p>
         </p:txBody>
@@ -11919,8 +13435,2520 @@
         <p:txBody>
           <a:bodyPr/>
           <a:p>
-            <a:fld id="{56074F71-45DE-4F45-8A53-F61035CFB25F}" type="slidenum">
+            <a:fld id="{A4F5FAC0-7445-4E2F-8C60-2080E3B6A8F8}" type="slidenum">
               <a:t>4</a:t>
+            </a:fld>
+          </a:p>
+        </p:txBody>
+      </p:sp>
+    </p:spTree>
+  </p:cSld>
+  <mc:AlternateContent>
+    <mc:Choice Requires="p14">
+      <p:transition spd="slow" p14:dur="2000"/>
+    </mc:Choice>
+    <mc:Fallback>
+      <p:transition spd="slow"/>
+    </mc:Fallback>
+  </mc:AlternateContent>
+</p:sld>
+</file>
+
+<file path=ppt/slides/slide40.xml><?xml version="1.0" encoding="utf-8"?>
+<p:sld xmlns:a="http://schemas.openxmlformats.org/drawingml/2006/main" xmlns:p="http://schemas.openxmlformats.org/presentationml/2006/main" xmlns:r="http://schemas.openxmlformats.org/officeDocument/2006/relationships" xmlns:p14="http://schemas.microsoft.com/office/powerpoint/2010/main" xmlns:p15="http://schemas.microsoft.com/office/powerpoint/2012/main" xmlns:mc="http://schemas.openxmlformats.org/markup-compatibility/2006">
+  <p:cSld>
+    <p:spTree>
+      <p:nvGrpSpPr>
+        <p:cNvPr id="1" name=""/>
+        <p:cNvGrpSpPr/>
+        <p:nvPr/>
+      </p:nvGrpSpPr>
+      <p:grpSpPr>
+        <a:xfrm>
+          <a:off x="0" y="0"/>
+          <a:ext cx="0" cy="0"/>
+          <a:chOff x="0" y="0"/>
+          <a:chExt cx="0" cy="0"/>
+        </a:xfrm>
+      </p:grpSpPr>
+      <p:sp>
+        <p:nvSpPr>
+          <p:cNvPr id="225" name=""/>
+          <p:cNvSpPr/>
+          <p:nvPr/>
+        </p:nvSpPr>
+        <p:spPr>
+          <a:xfrm>
+            <a:off x="360000" y="720000"/>
+            <a:ext cx="5759640" cy="539640"/>
+          </a:xfrm>
+          <a:prstGeom prst="rect">
+            <a:avLst/>
+          </a:prstGeom>
+          <a:noFill/>
+          <a:ln w="0">
+            <a:noFill/>
+          </a:ln>
+        </p:spPr>
+        <p:style>
+          <a:lnRef idx="0"/>
+          <a:fillRef idx="0"/>
+          <a:effectRef idx="0"/>
+          <a:fontRef idx="minor"/>
+        </p:style>
+        <p:txBody>
+          <a:bodyPr lIns="90000" rIns="90000" tIns="45000" bIns="45000" anchor="t">
+            <a:noAutofit/>
+          </a:bodyPr>
+          <a:p>
+            <a:pPr>
+              <a:lnSpc>
+                <a:spcPct val="100000"/>
+              </a:lnSpc>
+            </a:pPr>
+            <a:r>
+              <a:rPr b="0" lang="fr-FR" sz="1800" spc="-1" strike="noStrike">
+                <a:solidFill>
+                  <a:srgbClr val="000000"/>
+                </a:solidFill>
+                <a:latin typeface="Arial"/>
+              </a:rPr>
+              <a:t>Distance Cosinus (multiple textes et double requêtes)</a:t>
+            </a:r>
+            <a:endParaRPr b="0" lang="fr-FR" sz="1800" spc="-1" strike="noStrike">
+              <a:solidFill>
+                <a:srgbClr val="000000"/>
+              </a:solidFill>
+              <a:latin typeface="Arial"/>
+            </a:endParaRPr>
+          </a:p>
+        </p:txBody>
+      </p:sp>
+      <p:pic>
+        <p:nvPicPr>
+          <p:cNvPr id="226" name="" descr=""/>
+          <p:cNvPicPr/>
+          <p:nvPr/>
+        </p:nvPicPr>
+        <p:blipFill>
+          <a:blip r:embed="rId1"/>
+          <a:stretch/>
+        </p:blipFill>
+        <p:spPr>
+          <a:xfrm>
+            <a:off x="1336680" y="1055160"/>
+            <a:ext cx="6656040" cy="5028840"/>
+          </a:xfrm>
+          <a:prstGeom prst="rect">
+            <a:avLst/>
+          </a:prstGeom>
+          <a:ln w="0">
+            <a:noFill/>
+          </a:ln>
+        </p:spPr>
+      </p:pic>
+      <p:sp>
+        <p:nvSpPr>
+          <p:cNvPr id="227" name=""/>
+          <p:cNvSpPr/>
+          <p:nvPr/>
+        </p:nvSpPr>
+        <p:spPr>
+          <a:xfrm>
+            <a:off x="8695080" y="6431400"/>
+            <a:ext cx="484920" cy="426600"/>
+          </a:xfrm>
+          <a:prstGeom prst="rect">
+            <a:avLst/>
+          </a:prstGeom>
+          <a:noFill/>
+          <a:ln w="0">
+            <a:noFill/>
+          </a:ln>
+        </p:spPr>
+        <p:style>
+          <a:lnRef idx="0"/>
+          <a:fillRef idx="0"/>
+          <a:effectRef idx="0"/>
+          <a:fontRef idx="minor"/>
+        </p:style>
+        <p:txBody>
+          <a:bodyPr lIns="90000" rIns="90000" tIns="45000" bIns="45000" anchor="t">
+            <a:noAutofit/>
+          </a:bodyPr>
+          <a:p>
+            <a:pPr>
+              <a:lnSpc>
+                <a:spcPct val="100000"/>
+              </a:lnSpc>
+            </a:pPr>
+            <a:fld id="{BF243985-CC64-4659-8507-1B17039A9DF2}" type="slidenum">
+              <a:rPr b="0" lang="fr-FR" sz="2400" spc="-1" strike="noStrike">
+                <a:solidFill>
+                  <a:srgbClr val="000000"/>
+                </a:solidFill>
+                <a:latin typeface="Times New Roman"/>
+              </a:rPr>
+              <a:t>&lt;numéro&gt;</a:t>
+            </a:fld>
+            <a:endParaRPr b="0" lang="fr-FR" sz="2400" spc="-1" strike="noStrike">
+              <a:solidFill>
+                <a:srgbClr val="000000"/>
+              </a:solidFill>
+              <a:latin typeface="Arial"/>
+            </a:endParaRPr>
+          </a:p>
+        </p:txBody>
+      </p:sp>
+      <p:sp>
+        <p:nvSpPr>
+          <p:cNvPr id="2" name="PlaceHolder 1"/>
+          <p:cNvSpPr>
+            <a:spLocks noGrp="1"/>
+          </p:cNvSpPr>
+          <p:nvPr>
+            <p:ph type="sldNum" idx="2"/>
+          </p:nvPr>
+        </p:nvSpPr>
+        <p:spPr/>
+        <p:txBody>
+          <a:bodyPr/>
+          <a:p>
+            <a:fld id="{05AF31C3-C805-4C75-B3A9-BA8530E93F30}" type="slidenum">
+              <a:t>40</a:t>
+            </a:fld>
+          </a:p>
+        </p:txBody>
+      </p:sp>
+    </p:spTree>
+  </p:cSld>
+  <mc:AlternateContent>
+    <mc:Choice Requires="p14">
+      <p:transition spd="slow" p14:dur="2000"/>
+    </mc:Choice>
+    <mc:Fallback>
+      <p:transition spd="slow"/>
+    </mc:Fallback>
+  </mc:AlternateContent>
+</p:sld>
+</file>
+
+<file path=ppt/slides/slide41.xml><?xml version="1.0" encoding="utf-8"?>
+<p:sld xmlns:a="http://schemas.openxmlformats.org/drawingml/2006/main" xmlns:p="http://schemas.openxmlformats.org/presentationml/2006/main" xmlns:r="http://schemas.openxmlformats.org/officeDocument/2006/relationships" xmlns:p14="http://schemas.microsoft.com/office/powerpoint/2010/main" xmlns:p15="http://schemas.microsoft.com/office/powerpoint/2012/main" xmlns:mc="http://schemas.openxmlformats.org/markup-compatibility/2006">
+  <p:cSld>
+    <p:spTree>
+      <p:nvGrpSpPr>
+        <p:cNvPr id="1" name=""/>
+        <p:cNvGrpSpPr/>
+        <p:nvPr/>
+      </p:nvGrpSpPr>
+      <p:grpSpPr>
+        <a:xfrm>
+          <a:off x="0" y="0"/>
+          <a:ext cx="0" cy="0"/>
+          <a:chOff x="0" y="0"/>
+          <a:chExt cx="0" cy="0"/>
+        </a:xfrm>
+      </p:grpSpPr>
+      <p:pic>
+        <p:nvPicPr>
+          <p:cNvPr id="228" name="" descr=""/>
+          <p:cNvPicPr/>
+          <p:nvPr/>
+        </p:nvPicPr>
+        <p:blipFill>
+          <a:blip r:embed="rId1"/>
+          <a:stretch/>
+        </p:blipFill>
+        <p:spPr>
+          <a:xfrm>
+            <a:off x="110880" y="1080000"/>
+            <a:ext cx="5828760" cy="1835640"/>
+          </a:xfrm>
+          <a:prstGeom prst="rect">
+            <a:avLst/>
+          </a:prstGeom>
+          <a:ln w="0">
+            <a:noFill/>
+          </a:ln>
+        </p:spPr>
+      </p:pic>
+      <p:sp>
+        <p:nvSpPr>
+          <p:cNvPr id="229" name=""/>
+          <p:cNvSpPr/>
+          <p:nvPr/>
+        </p:nvSpPr>
+        <p:spPr>
+          <a:xfrm flipH="1" rot="16198800">
+            <a:off x="6282000" y="2160360"/>
+            <a:ext cx="918360" cy="557280"/>
+          </a:xfrm>
+          <a:custGeom>
+            <a:avLst/>
+            <a:gdLst>
+              <a:gd name="textAreaLeft" fmla="*/ -360 w 918360"/>
+              <a:gd name="textAreaRight" fmla="*/ 918360 w 918360"/>
+              <a:gd name="textAreaTop" fmla="*/ 0 h 557280"/>
+              <a:gd name="textAreaBottom" fmla="*/ 557640 h 557280"/>
+            </a:gdLst>
+            <a:ahLst/>
+            <a:rect l="textAreaLeft" t="textAreaTop" r="textAreaRight" b="textAreaBottom"/>
+            <a:pathLst>
+              <a:path w="841" h="854">
+                <a:moveTo>
+                  <a:pt x="517" y="247"/>
+                </a:moveTo>
+                <a:lnTo>
+                  <a:pt x="517" y="415"/>
+                </a:lnTo>
+                <a:lnTo>
+                  <a:pt x="264" y="415"/>
+                </a:lnTo>
+                <a:lnTo>
+                  <a:pt x="264" y="0"/>
+                </a:lnTo>
+                <a:lnTo>
+                  <a:pt x="0" y="0"/>
+                </a:lnTo>
+                <a:lnTo>
+                  <a:pt x="0" y="680"/>
+                </a:lnTo>
+                <a:lnTo>
+                  <a:pt x="517" y="680"/>
+                </a:lnTo>
+                <a:lnTo>
+                  <a:pt x="517" y="854"/>
+                </a:lnTo>
+                <a:lnTo>
+                  <a:pt x="841" y="547"/>
+                </a:lnTo>
+                <a:lnTo>
+                  <a:pt x="517" y="247"/>
+                </a:lnTo>
+                <a:close/>
+              </a:path>
+            </a:pathLst>
+          </a:custGeom>
+          <a:solidFill>
+            <a:srgbClr val="729fcf"/>
+          </a:solidFill>
+          <a:ln w="0">
+            <a:solidFill>
+              <a:srgbClr val="3465a4"/>
+            </a:solidFill>
+          </a:ln>
+        </p:spPr>
+        <p:style>
+          <a:lnRef idx="0"/>
+          <a:fillRef idx="0"/>
+          <a:effectRef idx="0"/>
+          <a:fontRef idx="minor"/>
+        </p:style>
+        <p:txBody>
+          <a:bodyPr lIns="90000" rIns="90000" tIns="45000" bIns="45000" anchor="ctr">
+            <a:noAutofit/>
+          </a:bodyPr>
+          <a:p>
+            <a:pPr>
+              <a:lnSpc>
+                <a:spcPct val="100000"/>
+              </a:lnSpc>
+            </a:pPr>
+            <a:endParaRPr b="0" lang="fr-FR" sz="1800" spc="-1" strike="noStrike">
+              <a:solidFill>
+                <a:srgbClr val="000000"/>
+              </a:solidFill>
+              <a:latin typeface="Arial"/>
+            </a:endParaRPr>
+          </a:p>
+        </p:txBody>
+      </p:sp>
+      <p:sp>
+        <p:nvSpPr>
+          <p:cNvPr id="230" name=""/>
+          <p:cNvSpPr/>
+          <p:nvPr/>
+        </p:nvSpPr>
+        <p:spPr>
+          <a:xfrm>
+            <a:off x="5400000" y="3060000"/>
+            <a:ext cx="3419640" cy="719640"/>
+          </a:xfrm>
+          <a:prstGeom prst="rect">
+            <a:avLst/>
+          </a:prstGeom>
+          <a:noFill/>
+          <a:ln w="0">
+            <a:noFill/>
+          </a:ln>
+        </p:spPr>
+        <p:style>
+          <a:lnRef idx="0"/>
+          <a:fillRef idx="0"/>
+          <a:effectRef idx="0"/>
+          <a:fontRef idx="minor"/>
+        </p:style>
+        <p:txBody>
+          <a:bodyPr lIns="90000" rIns="90000" tIns="45000" bIns="45000" anchor="t">
+            <a:noAutofit/>
+          </a:bodyPr>
+          <a:p>
+            <a:pPr>
+              <a:lnSpc>
+                <a:spcPct val="100000"/>
+              </a:lnSpc>
+            </a:pPr>
+            <a:r>
+              <a:rPr b="0" lang="fr-FR" sz="1800" spc="-1" strike="noStrike">
+                <a:solidFill>
+                  <a:srgbClr val="000000"/>
+                </a:solidFill>
+                <a:latin typeface="Arial"/>
+              </a:rPr>
+              <a:t>Extract Tableau du Summary</a:t>
+            </a:r>
+            <a:br>
+              <a:rPr sz="1800"/>
+            </a:br>
+            <a:r>
+              <a:rPr b="0" lang="fr-FR" sz="1800" spc="-1" strike="noStrike">
+                <a:solidFill>
+                  <a:srgbClr val="000000"/>
+                </a:solidFill>
+                <a:latin typeface="Arial"/>
+              </a:rPr>
+              <a:t>On ne garde que la value</a:t>
+            </a:r>
+            <a:endParaRPr b="0" lang="fr-FR" sz="1800" spc="-1" strike="noStrike">
+              <a:solidFill>
+                <a:srgbClr val="000000"/>
+              </a:solidFill>
+              <a:latin typeface="Arial"/>
+            </a:endParaRPr>
+          </a:p>
+        </p:txBody>
+      </p:sp>
+      <p:sp>
+        <p:nvSpPr>
+          <p:cNvPr id="231" name=""/>
+          <p:cNvSpPr/>
+          <p:nvPr/>
+        </p:nvSpPr>
+        <p:spPr>
+          <a:xfrm>
+            <a:off x="180000" y="720000"/>
+            <a:ext cx="3959640" cy="345960"/>
+          </a:xfrm>
+          <a:prstGeom prst="rect">
+            <a:avLst/>
+          </a:prstGeom>
+          <a:noFill/>
+          <a:ln w="0">
+            <a:noFill/>
+          </a:ln>
+        </p:spPr>
+        <p:style>
+          <a:lnRef idx="0"/>
+          <a:fillRef idx="0"/>
+          <a:effectRef idx="0"/>
+          <a:fontRef idx="minor"/>
+        </p:style>
+        <p:txBody>
+          <a:bodyPr lIns="90000" rIns="90000" tIns="45000" bIns="45000" anchor="t">
+            <a:noAutofit/>
+          </a:bodyPr>
+          <a:p>
+            <a:pPr>
+              <a:lnSpc>
+                <a:spcPct val="100000"/>
+              </a:lnSpc>
+            </a:pPr>
+            <a:r>
+              <a:rPr b="0" lang="fr-FR" sz="1800" spc="-1" strike="noStrike">
+                <a:solidFill>
+                  <a:srgbClr val="000000"/>
+                </a:solidFill>
+                <a:latin typeface="Arial"/>
+              </a:rPr>
+              <a:t>Summary au propre</a:t>
+            </a:r>
+            <a:endParaRPr b="0" lang="fr-FR" sz="1800" spc="-1" strike="noStrike">
+              <a:solidFill>
+                <a:srgbClr val="000000"/>
+              </a:solidFill>
+              <a:latin typeface="Arial"/>
+            </a:endParaRPr>
+          </a:p>
+        </p:txBody>
+      </p:sp>
+      <p:sp>
+        <p:nvSpPr>
+          <p:cNvPr id="232" name=""/>
+          <p:cNvSpPr/>
+          <p:nvPr/>
+        </p:nvSpPr>
+        <p:spPr>
+          <a:xfrm flipH="1" rot="21576600">
+            <a:off x="6259680" y="3961800"/>
+            <a:ext cx="741960" cy="744120"/>
+          </a:xfrm>
+          <a:custGeom>
+            <a:avLst/>
+            <a:gdLst>
+              <a:gd name="textAreaLeft" fmla="*/ -360 w 741960"/>
+              <a:gd name="textAreaRight" fmla="*/ 741960 w 741960"/>
+              <a:gd name="textAreaTop" fmla="*/ 0 h 744120"/>
+              <a:gd name="textAreaBottom" fmla="*/ 744480 h 744120"/>
+            </a:gdLst>
+            <a:ahLst/>
+            <a:rect l="textAreaLeft" t="textAreaTop" r="textAreaRight" b="textAreaBottom"/>
+            <a:pathLst>
+              <a:path w="841" h="854">
+                <a:moveTo>
+                  <a:pt x="517" y="247"/>
+                </a:moveTo>
+                <a:lnTo>
+                  <a:pt x="517" y="415"/>
+                </a:lnTo>
+                <a:lnTo>
+                  <a:pt x="264" y="415"/>
+                </a:lnTo>
+                <a:lnTo>
+                  <a:pt x="264" y="0"/>
+                </a:lnTo>
+                <a:lnTo>
+                  <a:pt x="0" y="0"/>
+                </a:lnTo>
+                <a:lnTo>
+                  <a:pt x="0" y="680"/>
+                </a:lnTo>
+                <a:lnTo>
+                  <a:pt x="517" y="680"/>
+                </a:lnTo>
+                <a:lnTo>
+                  <a:pt x="517" y="854"/>
+                </a:lnTo>
+                <a:lnTo>
+                  <a:pt x="841" y="547"/>
+                </a:lnTo>
+                <a:lnTo>
+                  <a:pt x="517" y="247"/>
+                </a:lnTo>
+                <a:close/>
+              </a:path>
+            </a:pathLst>
+          </a:custGeom>
+          <a:solidFill>
+            <a:srgbClr val="729fcf"/>
+          </a:solidFill>
+          <a:ln w="0">
+            <a:solidFill>
+              <a:srgbClr val="3465a4"/>
+            </a:solidFill>
+          </a:ln>
+        </p:spPr>
+        <p:style>
+          <a:lnRef idx="0"/>
+          <a:fillRef idx="0"/>
+          <a:effectRef idx="0"/>
+          <a:fontRef idx="minor"/>
+        </p:style>
+        <p:txBody>
+          <a:bodyPr lIns="90000" rIns="90000" tIns="45000" bIns="45000" anchor="ctr">
+            <a:noAutofit/>
+          </a:bodyPr>
+          <a:p>
+            <a:pPr>
+              <a:lnSpc>
+                <a:spcPct val="100000"/>
+              </a:lnSpc>
+            </a:pPr>
+            <a:endParaRPr b="0" lang="fr-FR" sz="1800" spc="-1" strike="noStrike">
+              <a:solidFill>
+                <a:srgbClr val="000000"/>
+              </a:solidFill>
+              <a:latin typeface="Arial"/>
+            </a:endParaRPr>
+          </a:p>
+        </p:txBody>
+      </p:sp>
+      <p:pic>
+        <p:nvPicPr>
+          <p:cNvPr id="233" name="" descr=""/>
+          <p:cNvPicPr/>
+          <p:nvPr/>
+        </p:nvPicPr>
+        <p:blipFill>
+          <a:blip r:embed="rId2"/>
+          <a:stretch/>
+        </p:blipFill>
+        <p:spPr>
+          <a:xfrm>
+            <a:off x="339120" y="4895640"/>
+            <a:ext cx="8279280" cy="782280"/>
+          </a:xfrm>
+          <a:prstGeom prst="rect">
+            <a:avLst/>
+          </a:prstGeom>
+          <a:ln w="0">
+            <a:noFill/>
+          </a:ln>
+        </p:spPr>
+      </p:pic>
+      <p:sp>
+        <p:nvSpPr>
+          <p:cNvPr id="234" name=""/>
+          <p:cNvSpPr/>
+          <p:nvPr/>
+        </p:nvSpPr>
+        <p:spPr>
+          <a:xfrm>
+            <a:off x="360000" y="4320000"/>
+            <a:ext cx="4139640" cy="504000"/>
+          </a:xfrm>
+          <a:prstGeom prst="rect">
+            <a:avLst/>
+          </a:prstGeom>
+          <a:noFill/>
+          <a:ln w="0">
+            <a:noFill/>
+          </a:ln>
+        </p:spPr>
+        <p:style>
+          <a:lnRef idx="0"/>
+          <a:fillRef idx="0"/>
+          <a:effectRef idx="0"/>
+          <a:fontRef idx="minor"/>
+        </p:style>
+        <p:txBody>
+          <a:bodyPr lIns="90000" rIns="90000" tIns="45000" bIns="45000" anchor="t">
+            <a:noAutofit/>
+          </a:bodyPr>
+          <a:p>
+            <a:pPr>
+              <a:lnSpc>
+                <a:spcPct val="100000"/>
+              </a:lnSpc>
+            </a:pPr>
+            <a:r>
+              <a:rPr b="0" lang="fr-FR" sz="1800" spc="-1" strike="noStrike">
+                <a:solidFill>
+                  <a:srgbClr val="000000"/>
+                </a:solidFill>
+                <a:latin typeface="Arial"/>
+              </a:rPr>
+              <a:t>Exemple de sortie (non-preprocess)</a:t>
+            </a:r>
+            <a:endParaRPr b="0" lang="fr-FR" sz="1800" spc="-1" strike="noStrike">
+              <a:solidFill>
+                <a:srgbClr val="000000"/>
+              </a:solidFill>
+              <a:latin typeface="Arial"/>
+            </a:endParaRPr>
+          </a:p>
+        </p:txBody>
+      </p:sp>
+      <p:sp>
+        <p:nvSpPr>
+          <p:cNvPr id="235" name=""/>
+          <p:cNvSpPr/>
+          <p:nvPr/>
+        </p:nvSpPr>
+        <p:spPr>
+          <a:xfrm>
+            <a:off x="8695080" y="6431400"/>
+            <a:ext cx="484920" cy="426600"/>
+          </a:xfrm>
+          <a:prstGeom prst="rect">
+            <a:avLst/>
+          </a:prstGeom>
+          <a:noFill/>
+          <a:ln w="0">
+            <a:noFill/>
+          </a:ln>
+        </p:spPr>
+        <p:style>
+          <a:lnRef idx="0"/>
+          <a:fillRef idx="0"/>
+          <a:effectRef idx="0"/>
+          <a:fontRef idx="minor"/>
+        </p:style>
+        <p:txBody>
+          <a:bodyPr lIns="90000" rIns="90000" tIns="45000" bIns="45000" anchor="t">
+            <a:noAutofit/>
+          </a:bodyPr>
+          <a:p>
+            <a:pPr>
+              <a:lnSpc>
+                <a:spcPct val="100000"/>
+              </a:lnSpc>
+            </a:pPr>
+            <a:fld id="{7C66504B-FBC4-4FC6-BAD4-05CF5CA76DD1}" type="slidenum">
+              <a:rPr b="0" lang="fr-FR" sz="2400" spc="-1" strike="noStrike">
+                <a:solidFill>
+                  <a:srgbClr val="000000"/>
+                </a:solidFill>
+                <a:latin typeface="Times New Roman"/>
+              </a:rPr>
+              <a:t>&lt;numéro&gt;</a:t>
+            </a:fld>
+            <a:endParaRPr b="0" lang="fr-FR" sz="2400" spc="-1" strike="noStrike">
+              <a:solidFill>
+                <a:srgbClr val="000000"/>
+              </a:solidFill>
+              <a:latin typeface="Arial"/>
+            </a:endParaRPr>
+          </a:p>
+        </p:txBody>
+      </p:sp>
+      <p:sp>
+        <p:nvSpPr>
+          <p:cNvPr id="2" name="PlaceHolder 1"/>
+          <p:cNvSpPr>
+            <a:spLocks noGrp="1"/>
+          </p:cNvSpPr>
+          <p:nvPr>
+            <p:ph type="sldNum" idx="2"/>
+          </p:nvPr>
+        </p:nvSpPr>
+        <p:spPr/>
+        <p:txBody>
+          <a:bodyPr/>
+          <a:p>
+            <a:fld id="{9F65D528-3BEA-4948-A250-7CFA3313DC7A}" type="slidenum">
+              <a:t>41</a:t>
+            </a:fld>
+          </a:p>
+        </p:txBody>
+      </p:sp>
+    </p:spTree>
+  </p:cSld>
+  <mc:AlternateContent>
+    <mc:Choice Requires="p14">
+      <p:transition spd="slow" p14:dur="2000"/>
+    </mc:Choice>
+    <mc:Fallback>
+      <p:transition spd="slow"/>
+    </mc:Fallback>
+  </mc:AlternateContent>
+</p:sld>
+</file>
+
+<file path=ppt/slides/slide42.xml><?xml version="1.0" encoding="utf-8"?>
+<p:sld xmlns:a="http://schemas.openxmlformats.org/drawingml/2006/main" xmlns:p="http://schemas.openxmlformats.org/presentationml/2006/main" xmlns:r="http://schemas.openxmlformats.org/officeDocument/2006/relationships" xmlns:p14="http://schemas.microsoft.com/office/powerpoint/2010/main" xmlns:p15="http://schemas.microsoft.com/office/powerpoint/2012/main" xmlns:mc="http://schemas.openxmlformats.org/markup-compatibility/2006">
+  <p:cSld>
+    <p:spTree>
+      <p:nvGrpSpPr>
+        <p:cNvPr id="1" name=""/>
+        <p:cNvGrpSpPr/>
+        <p:nvPr/>
+      </p:nvGrpSpPr>
+      <p:grpSpPr>
+        <a:xfrm>
+          <a:off x="0" y="0"/>
+          <a:ext cx="0" cy="0"/>
+          <a:chOff x="0" y="0"/>
+          <a:chExt cx="0" cy="0"/>
+        </a:xfrm>
+      </p:grpSpPr>
+      <p:sp>
+        <p:nvSpPr>
+          <p:cNvPr id="236" name=""/>
+          <p:cNvSpPr/>
+          <p:nvPr/>
+        </p:nvSpPr>
+        <p:spPr>
+          <a:xfrm>
+            <a:off x="0" y="720000"/>
+            <a:ext cx="1979640" cy="359640"/>
+          </a:xfrm>
+          <a:prstGeom prst="rect">
+            <a:avLst/>
+          </a:prstGeom>
+          <a:noFill/>
+          <a:ln w="0">
+            <a:noFill/>
+          </a:ln>
+        </p:spPr>
+        <p:style>
+          <a:lnRef idx="0"/>
+          <a:fillRef idx="0"/>
+          <a:effectRef idx="0"/>
+          <a:fontRef idx="minor"/>
+        </p:style>
+        <p:txBody>
+          <a:bodyPr lIns="90000" rIns="90000" tIns="45000" bIns="45000" anchor="t">
+            <a:noAutofit/>
+          </a:bodyPr>
+          <a:p>
+            <a:pPr>
+              <a:lnSpc>
+                <a:spcPct val="100000"/>
+              </a:lnSpc>
+            </a:pPr>
+            <a:r>
+              <a:rPr b="0" lang="fr-FR" sz="1800" spc="-1" strike="noStrike">
+                <a:solidFill>
+                  <a:srgbClr val="000000"/>
+                </a:solidFill>
+                <a:latin typeface="Arial"/>
+              </a:rPr>
+              <a:t>Normes</a:t>
+            </a:r>
+            <a:endParaRPr b="0" lang="fr-FR" sz="1800" spc="-1" strike="noStrike">
+              <a:solidFill>
+                <a:srgbClr val="000000"/>
+              </a:solidFill>
+              <a:latin typeface="Arial"/>
+            </a:endParaRPr>
+          </a:p>
+        </p:txBody>
+      </p:sp>
+      <p:sp>
+        <p:nvSpPr>
+          <p:cNvPr id="237" name=""/>
+          <p:cNvSpPr/>
+          <p:nvPr/>
+        </p:nvSpPr>
+        <p:spPr>
+          <a:xfrm>
+            <a:off x="487080" y="2713680"/>
+            <a:ext cx="3059640" cy="857880"/>
+          </a:xfrm>
+          <a:prstGeom prst="rect">
+            <a:avLst/>
+          </a:prstGeom>
+          <a:noFill/>
+          <a:ln w="0">
+            <a:noFill/>
+          </a:ln>
+        </p:spPr>
+        <p:style>
+          <a:lnRef idx="0"/>
+          <a:fillRef idx="0"/>
+          <a:effectRef idx="0"/>
+          <a:fontRef idx="minor"/>
+        </p:style>
+        <p:txBody>
+          <a:bodyPr lIns="90000" rIns="90000" tIns="45000" bIns="45000" anchor="t">
+            <a:noAutofit/>
+          </a:bodyPr>
+          <a:p>
+            <a:pPr>
+              <a:lnSpc>
+                <a:spcPct val="100000"/>
+              </a:lnSpc>
+            </a:pPr>
+            <a:r>
+              <a:rPr b="0" lang="fr-FR" sz="1800" spc="-1" strike="noStrike">
+                <a:solidFill>
+                  <a:srgbClr val="000000"/>
+                </a:solidFill>
+                <a:latin typeface="Arial"/>
+              </a:rPr>
+              <a:t>Similarité Cosinus annule les normes avec L2 → Sklearn</a:t>
+            </a:r>
+            <a:endParaRPr b="0" lang="fr-FR" sz="1800" spc="-1" strike="noStrike">
+              <a:solidFill>
+                <a:srgbClr val="000000"/>
+              </a:solidFill>
+              <a:latin typeface="Arial"/>
+            </a:endParaRPr>
+          </a:p>
+        </p:txBody>
+      </p:sp>
+      <p:sp>
+        <p:nvSpPr>
+          <p:cNvPr id="238" name=""/>
+          <p:cNvSpPr/>
+          <p:nvPr/>
+        </p:nvSpPr>
+        <p:spPr>
+          <a:xfrm>
+            <a:off x="4807080" y="2755440"/>
+            <a:ext cx="2699640" cy="857880"/>
+          </a:xfrm>
+          <a:prstGeom prst="rect">
+            <a:avLst/>
+          </a:prstGeom>
+          <a:noFill/>
+          <a:ln w="0">
+            <a:noFill/>
+          </a:ln>
+        </p:spPr>
+        <p:style>
+          <a:lnRef idx="0"/>
+          <a:fillRef idx="0"/>
+          <a:effectRef idx="0"/>
+          <a:fontRef idx="minor"/>
+        </p:style>
+        <p:txBody>
+          <a:bodyPr lIns="90000" rIns="90000" tIns="45000" bIns="45000" anchor="t">
+            <a:noAutofit/>
+          </a:bodyPr>
+          <a:p>
+            <a:pPr>
+              <a:lnSpc>
+                <a:spcPct val="100000"/>
+              </a:lnSpc>
+            </a:pPr>
+            <a:r>
+              <a:rPr b="0" lang="fr-FR" sz="1800" spc="-1" strike="noStrike">
+                <a:solidFill>
+                  <a:srgbClr val="000000"/>
+                </a:solidFill>
+                <a:latin typeface="Arial"/>
+              </a:rPr>
+              <a:t>Similarité Cosine = Produit Scalaire + L2</a:t>
+            </a:r>
+            <a:endParaRPr b="0" lang="fr-FR" sz="1800" spc="-1" strike="noStrike">
+              <a:solidFill>
+                <a:srgbClr val="000000"/>
+              </a:solidFill>
+              <a:latin typeface="Arial"/>
+            </a:endParaRPr>
+          </a:p>
+          <a:p>
+            <a:pPr>
+              <a:lnSpc>
+                <a:spcPct val="100000"/>
+              </a:lnSpc>
+            </a:pPr>
+            <a:endParaRPr b="0" lang="fr-FR" sz="1800" spc="-1" strike="noStrike">
+              <a:solidFill>
+                <a:srgbClr val="000000"/>
+              </a:solidFill>
+              <a:latin typeface="Arial"/>
+            </a:endParaRPr>
+          </a:p>
+        </p:txBody>
+      </p:sp>
+      <p:pic>
+        <p:nvPicPr>
+          <p:cNvPr id="239" name="" descr=""/>
+          <p:cNvPicPr/>
+          <p:nvPr/>
+        </p:nvPicPr>
+        <p:blipFill>
+          <a:blip r:embed="rId1"/>
+          <a:stretch/>
+        </p:blipFill>
+        <p:spPr>
+          <a:xfrm>
+            <a:off x="799920" y="1653120"/>
+            <a:ext cx="7479720" cy="880200"/>
+          </a:xfrm>
+          <a:prstGeom prst="rect">
+            <a:avLst/>
+          </a:prstGeom>
+          <a:ln w="0">
+            <a:noFill/>
+          </a:ln>
+        </p:spPr>
+      </p:pic>
+      <p:sp>
+        <p:nvSpPr>
+          <p:cNvPr id="240" name=""/>
+          <p:cNvSpPr/>
+          <p:nvPr/>
+        </p:nvSpPr>
+        <p:spPr>
+          <a:xfrm>
+            <a:off x="1440000" y="3627720"/>
+            <a:ext cx="6137640" cy="692280"/>
+          </a:xfrm>
+          <a:prstGeom prst="rect">
+            <a:avLst/>
+          </a:prstGeom>
+          <a:noFill/>
+          <a:ln w="0">
+            <a:noFill/>
+          </a:ln>
+        </p:spPr>
+        <p:style>
+          <a:lnRef idx="0"/>
+          <a:fillRef idx="0"/>
+          <a:effectRef idx="0"/>
+          <a:fontRef idx="minor"/>
+        </p:style>
+        <p:txBody>
+          <a:bodyPr lIns="90000" rIns="90000" tIns="45000" bIns="45000" anchor="t">
+            <a:noAutofit/>
+          </a:bodyPr>
+          <a:p>
+            <a:pPr>
+              <a:lnSpc>
+                <a:spcPct val="100000"/>
+              </a:lnSpc>
+            </a:pPr>
+            <a:r>
+              <a:rPr b="0" lang="fr-FR" sz="1800" spc="-1" strike="noStrike">
+                <a:solidFill>
+                  <a:srgbClr val="000000"/>
+                </a:solidFill>
+                <a:latin typeface="Arial"/>
+              </a:rPr>
+              <a:t>Même avec double requête ou plus, un simple produit scalaire suffit, on peut remplacer ça : </a:t>
+            </a:r>
+            <a:endParaRPr b="0" lang="fr-FR" sz="1800" spc="-1" strike="noStrike">
+              <a:solidFill>
+                <a:srgbClr val="000000"/>
+              </a:solidFill>
+              <a:latin typeface="Arial"/>
+            </a:endParaRPr>
+          </a:p>
+        </p:txBody>
+      </p:sp>
+      <p:pic>
+        <p:nvPicPr>
+          <p:cNvPr id="241" name="" descr=""/>
+          <p:cNvPicPr/>
+          <p:nvPr/>
+        </p:nvPicPr>
+        <p:blipFill>
+          <a:blip r:embed="rId2"/>
+          <a:stretch/>
+        </p:blipFill>
+        <p:spPr>
+          <a:xfrm>
+            <a:off x="460800" y="4428000"/>
+            <a:ext cx="7459200" cy="252000"/>
+          </a:xfrm>
+          <a:prstGeom prst="rect">
+            <a:avLst/>
+          </a:prstGeom>
+          <a:ln w="0">
+            <a:noFill/>
+          </a:ln>
+        </p:spPr>
+      </p:pic>
+      <p:sp>
+        <p:nvSpPr>
+          <p:cNvPr id="242" name=""/>
+          <p:cNvSpPr txBox="1"/>
+          <p:nvPr/>
+        </p:nvSpPr>
+        <p:spPr>
+          <a:xfrm>
+            <a:off x="1440000" y="4860000"/>
+            <a:ext cx="1080000" cy="346320"/>
+          </a:xfrm>
+          <a:prstGeom prst="rect">
+            <a:avLst/>
+          </a:prstGeom>
+          <a:noFill/>
+          <a:ln w="0">
+            <a:noFill/>
+          </a:ln>
+        </p:spPr>
+        <p:txBody>
+          <a:bodyPr lIns="90000" rIns="90000" tIns="45000" bIns="45000" anchor="t">
+            <a:noAutofit/>
+          </a:bodyPr>
+          <a:p>
+            <a:r>
+              <a:rPr b="0" lang="fr-FR" sz="1800" spc="-1" strike="noStrike">
+                <a:solidFill>
+                  <a:srgbClr val="000000"/>
+                </a:solidFill>
+                <a:latin typeface="Arial"/>
+              </a:rPr>
+              <a:t>Par ça :</a:t>
+            </a:r>
+            <a:endParaRPr b="0" lang="fr-FR" sz="1800" spc="-1" strike="noStrike">
+              <a:solidFill>
+                <a:srgbClr val="000000"/>
+              </a:solidFill>
+              <a:latin typeface="Arial"/>
+            </a:endParaRPr>
+          </a:p>
+        </p:txBody>
+      </p:sp>
+      <p:pic>
+        <p:nvPicPr>
+          <p:cNvPr id="243" name="" descr=""/>
+          <p:cNvPicPr/>
+          <p:nvPr/>
+        </p:nvPicPr>
+        <p:blipFill>
+          <a:blip r:embed="rId3"/>
+          <a:stretch/>
+        </p:blipFill>
+        <p:spPr>
+          <a:xfrm>
+            <a:off x="1800000" y="5220000"/>
+            <a:ext cx="4957200" cy="360000"/>
+          </a:xfrm>
+          <a:prstGeom prst="rect">
+            <a:avLst/>
+          </a:prstGeom>
+          <a:ln w="0">
+            <a:noFill/>
+          </a:ln>
+        </p:spPr>
+      </p:pic>
+      <p:sp>
+        <p:nvSpPr>
+          <p:cNvPr id="244" name=""/>
+          <p:cNvSpPr txBox="1"/>
+          <p:nvPr/>
+        </p:nvSpPr>
+        <p:spPr>
+          <a:xfrm>
+            <a:off x="756000" y="5760000"/>
+            <a:ext cx="7200000" cy="360000"/>
+          </a:xfrm>
+          <a:prstGeom prst="rect">
+            <a:avLst/>
+          </a:prstGeom>
+          <a:noFill/>
+          <a:ln w="0">
+            <a:noFill/>
+          </a:ln>
+        </p:spPr>
+        <p:txBody>
+          <a:bodyPr lIns="90000" rIns="90000" tIns="45000" bIns="45000" anchor="t">
+            <a:noAutofit/>
+          </a:bodyPr>
+          <a:p>
+            <a:r>
+              <a:rPr b="0" lang="fr-FR" sz="1800" spc="-1" strike="noStrike">
+                <a:solidFill>
+                  <a:srgbClr val="000000"/>
+                </a:solidFill>
+                <a:latin typeface="Arial"/>
+              </a:rPr>
+              <a:t>C’est toujours une similarité cosinus mais sans le principe de norme</a:t>
+            </a:r>
+            <a:endParaRPr b="0" lang="fr-FR" sz="1800" spc="-1" strike="noStrike">
+              <a:solidFill>
+                <a:srgbClr val="000000"/>
+              </a:solidFill>
+              <a:latin typeface="Arial"/>
+            </a:endParaRPr>
+          </a:p>
+        </p:txBody>
+      </p:sp>
+      <p:sp>
+        <p:nvSpPr>
+          <p:cNvPr id="245" name=""/>
+          <p:cNvSpPr/>
+          <p:nvPr/>
+        </p:nvSpPr>
+        <p:spPr>
+          <a:xfrm>
+            <a:off x="8695080" y="6431400"/>
+            <a:ext cx="484920" cy="426600"/>
+          </a:xfrm>
+          <a:prstGeom prst="rect">
+            <a:avLst/>
+          </a:prstGeom>
+          <a:noFill/>
+          <a:ln w="0">
+            <a:noFill/>
+          </a:ln>
+        </p:spPr>
+        <p:style>
+          <a:lnRef idx="0"/>
+          <a:fillRef idx="0"/>
+          <a:effectRef idx="0"/>
+          <a:fontRef idx="minor"/>
+        </p:style>
+        <p:txBody>
+          <a:bodyPr lIns="90000" rIns="90000" tIns="45000" bIns="45000" anchor="t">
+            <a:noAutofit/>
+          </a:bodyPr>
+          <a:p>
+            <a:pPr>
+              <a:lnSpc>
+                <a:spcPct val="100000"/>
+              </a:lnSpc>
+            </a:pPr>
+            <a:fld id="{7F4C7C4B-C081-47AF-ACF5-A09EB313C25F}" type="slidenum">
+              <a:rPr b="0" lang="fr-FR" sz="2400" spc="-1" strike="noStrike">
+                <a:solidFill>
+                  <a:srgbClr val="000000"/>
+                </a:solidFill>
+                <a:latin typeface="Times New Roman"/>
+              </a:rPr>
+              <a:t>&lt;numéro&gt;</a:t>
+            </a:fld>
+            <a:endParaRPr b="0" lang="fr-FR" sz="2400" spc="-1" strike="noStrike">
+              <a:solidFill>
+                <a:srgbClr val="000000"/>
+              </a:solidFill>
+              <a:latin typeface="Arial"/>
+            </a:endParaRPr>
+          </a:p>
+        </p:txBody>
+      </p:sp>
+      <p:sp>
+        <p:nvSpPr>
+          <p:cNvPr id="2" name="PlaceHolder 1"/>
+          <p:cNvSpPr>
+            <a:spLocks noGrp="1"/>
+          </p:cNvSpPr>
+          <p:nvPr>
+            <p:ph type="sldNum" idx="2"/>
+          </p:nvPr>
+        </p:nvSpPr>
+        <p:spPr/>
+        <p:txBody>
+          <a:bodyPr/>
+          <a:p>
+            <a:fld id="{5D451D2F-9E53-4CAB-AF19-B18DA952397D}" type="slidenum">
+              <a:t>42</a:t>
+            </a:fld>
+          </a:p>
+        </p:txBody>
+      </p:sp>
+    </p:spTree>
+  </p:cSld>
+  <mc:AlternateContent>
+    <mc:Choice Requires="p14">
+      <p:transition spd="slow" p14:dur="2000"/>
+    </mc:Choice>
+    <mc:Fallback>
+      <p:transition spd="slow"/>
+    </mc:Fallback>
+  </mc:AlternateContent>
+</p:sld>
+</file>
+
+<file path=ppt/slides/slide43.xml><?xml version="1.0" encoding="utf-8"?>
+<p:sld xmlns:a="http://schemas.openxmlformats.org/drawingml/2006/main" xmlns:p="http://schemas.openxmlformats.org/presentationml/2006/main" xmlns:r="http://schemas.openxmlformats.org/officeDocument/2006/relationships" xmlns:p14="http://schemas.microsoft.com/office/powerpoint/2010/main" xmlns:p15="http://schemas.microsoft.com/office/powerpoint/2012/main" xmlns:mc="http://schemas.openxmlformats.org/markup-compatibility/2006">
+  <p:cSld>
+    <p:spTree>
+      <p:nvGrpSpPr>
+        <p:cNvPr id="1" name=""/>
+        <p:cNvGrpSpPr/>
+        <p:nvPr/>
+      </p:nvGrpSpPr>
+      <p:grpSpPr>
+        <a:xfrm>
+          <a:off x="0" y="0"/>
+          <a:ext cx="0" cy="0"/>
+          <a:chOff x="0" y="0"/>
+          <a:chExt cx="0" cy="0"/>
+        </a:xfrm>
+      </p:grpSpPr>
+      <p:sp>
+        <p:nvSpPr>
+          <p:cNvPr id="246" name=""/>
+          <p:cNvSpPr/>
+          <p:nvPr/>
+        </p:nvSpPr>
+        <p:spPr>
+          <a:xfrm>
+            <a:off x="0" y="720000"/>
+            <a:ext cx="1799640" cy="359640"/>
+          </a:xfrm>
+          <a:prstGeom prst="rect">
+            <a:avLst/>
+          </a:prstGeom>
+          <a:noFill/>
+          <a:ln w="0">
+            <a:noFill/>
+          </a:ln>
+        </p:spPr>
+        <p:style>
+          <a:lnRef idx="0"/>
+          <a:fillRef idx="0"/>
+          <a:effectRef idx="0"/>
+          <a:fontRef idx="minor"/>
+        </p:style>
+        <p:txBody>
+          <a:bodyPr lIns="90000" rIns="90000" tIns="45000" bIns="45000" anchor="t">
+            <a:noAutofit/>
+          </a:bodyPr>
+          <a:p>
+            <a:pPr>
+              <a:lnSpc>
+                <a:spcPct val="100000"/>
+              </a:lnSpc>
+            </a:pPr>
+            <a:r>
+              <a:rPr b="0" lang="fr-FR" sz="1800" spc="-1" strike="noStrike">
+                <a:solidFill>
+                  <a:srgbClr val="000000"/>
+                </a:solidFill>
+                <a:latin typeface="Arial"/>
+              </a:rPr>
+              <a:t>Idée Streamlit :</a:t>
+            </a:r>
+            <a:endParaRPr b="0" lang="fr-FR" sz="1800" spc="-1" strike="noStrike">
+              <a:solidFill>
+                <a:srgbClr val="000000"/>
+              </a:solidFill>
+              <a:latin typeface="Arial"/>
+            </a:endParaRPr>
+          </a:p>
+        </p:txBody>
+      </p:sp>
+      <p:pic>
+        <p:nvPicPr>
+          <p:cNvPr id="247" name="" descr=""/>
+          <p:cNvPicPr/>
+          <p:nvPr/>
+        </p:nvPicPr>
+        <p:blipFill>
+          <a:blip r:embed="rId1"/>
+          <a:stretch/>
+        </p:blipFill>
+        <p:spPr>
+          <a:xfrm>
+            <a:off x="88200" y="1509480"/>
+            <a:ext cx="4231440" cy="1370160"/>
+          </a:xfrm>
+          <a:prstGeom prst="rect">
+            <a:avLst/>
+          </a:prstGeom>
+          <a:ln w="0">
+            <a:noFill/>
+          </a:ln>
+        </p:spPr>
+      </p:pic>
+      <p:pic>
+        <p:nvPicPr>
+          <p:cNvPr id="248" name="" descr=""/>
+          <p:cNvPicPr/>
+          <p:nvPr/>
+        </p:nvPicPr>
+        <p:blipFill>
+          <a:blip r:embed="rId2"/>
+          <a:stretch/>
+        </p:blipFill>
+        <p:spPr>
+          <a:xfrm>
+            <a:off x="4500000" y="180000"/>
+            <a:ext cx="4139640" cy="3335760"/>
+          </a:xfrm>
+          <a:prstGeom prst="rect">
+            <a:avLst/>
+          </a:prstGeom>
+          <a:ln w="0">
+            <a:noFill/>
+          </a:ln>
+        </p:spPr>
+      </p:pic>
+      <p:pic>
+        <p:nvPicPr>
+          <p:cNvPr id="249" name="" descr=""/>
+          <p:cNvPicPr/>
+          <p:nvPr/>
+        </p:nvPicPr>
+        <p:blipFill>
+          <a:blip r:embed="rId3"/>
+          <a:stretch/>
+        </p:blipFill>
+        <p:spPr>
+          <a:xfrm>
+            <a:off x="360000" y="3600000"/>
+            <a:ext cx="6743520" cy="2361600"/>
+          </a:xfrm>
+          <a:prstGeom prst="rect">
+            <a:avLst/>
+          </a:prstGeom>
+          <a:ln w="0">
+            <a:noFill/>
+          </a:ln>
+        </p:spPr>
+      </p:pic>
+      <p:sp>
+        <p:nvSpPr>
+          <p:cNvPr id="250" name=""/>
+          <p:cNvSpPr/>
+          <p:nvPr/>
+        </p:nvSpPr>
+        <p:spPr>
+          <a:xfrm>
+            <a:off x="8695080" y="6431400"/>
+            <a:ext cx="484920" cy="426600"/>
+          </a:xfrm>
+          <a:prstGeom prst="rect">
+            <a:avLst/>
+          </a:prstGeom>
+          <a:noFill/>
+          <a:ln w="0">
+            <a:noFill/>
+          </a:ln>
+        </p:spPr>
+        <p:style>
+          <a:lnRef idx="0"/>
+          <a:fillRef idx="0"/>
+          <a:effectRef idx="0"/>
+          <a:fontRef idx="minor"/>
+        </p:style>
+        <p:txBody>
+          <a:bodyPr lIns="90000" rIns="90000" tIns="45000" bIns="45000" anchor="t">
+            <a:noAutofit/>
+          </a:bodyPr>
+          <a:p>
+            <a:pPr>
+              <a:lnSpc>
+                <a:spcPct val="100000"/>
+              </a:lnSpc>
+            </a:pPr>
+            <a:fld id="{7B4EC6C6-872F-44CA-9301-5AFEA6D14CE6}" type="slidenum">
+              <a:rPr b="0" lang="fr-FR" sz="2400" spc="-1" strike="noStrike">
+                <a:solidFill>
+                  <a:srgbClr val="000000"/>
+                </a:solidFill>
+                <a:latin typeface="Times New Roman"/>
+              </a:rPr>
+              <a:t>&lt;numéro&gt;</a:t>
+            </a:fld>
+            <a:endParaRPr b="0" lang="fr-FR" sz="2400" spc="-1" strike="noStrike">
+              <a:solidFill>
+                <a:srgbClr val="000000"/>
+              </a:solidFill>
+              <a:latin typeface="Arial"/>
+            </a:endParaRPr>
+          </a:p>
+        </p:txBody>
+      </p:sp>
+      <p:sp>
+        <p:nvSpPr>
+          <p:cNvPr id="2" name="PlaceHolder 1"/>
+          <p:cNvSpPr>
+            <a:spLocks noGrp="1"/>
+          </p:cNvSpPr>
+          <p:nvPr>
+            <p:ph type="sldNum" idx="2"/>
+          </p:nvPr>
+        </p:nvSpPr>
+        <p:spPr/>
+        <p:txBody>
+          <a:bodyPr/>
+          <a:p>
+            <a:fld id="{189478D3-CB7E-47C5-9C6D-D84FF03A8346}" type="slidenum">
+              <a:t>43</a:t>
+            </a:fld>
+          </a:p>
+        </p:txBody>
+      </p:sp>
+    </p:spTree>
+  </p:cSld>
+  <mc:AlternateContent>
+    <mc:Choice Requires="p14">
+      <p:transition spd="slow" p14:dur="2000"/>
+    </mc:Choice>
+    <mc:Fallback>
+      <p:transition spd="slow"/>
+    </mc:Fallback>
+  </mc:AlternateContent>
+</p:sld>
+</file>
+
+<file path=ppt/slides/slide44.xml><?xml version="1.0" encoding="utf-8"?>
+<p:sld xmlns:a="http://schemas.openxmlformats.org/drawingml/2006/main" xmlns:p="http://schemas.openxmlformats.org/presentationml/2006/main" xmlns:r="http://schemas.openxmlformats.org/officeDocument/2006/relationships" xmlns:p14="http://schemas.microsoft.com/office/powerpoint/2010/main" xmlns:p15="http://schemas.microsoft.com/office/powerpoint/2012/main" xmlns:mc="http://schemas.openxmlformats.org/markup-compatibility/2006">
+  <p:cSld>
+    <p:spTree>
+      <p:nvGrpSpPr>
+        <p:cNvPr id="1" name=""/>
+        <p:cNvGrpSpPr/>
+        <p:nvPr/>
+      </p:nvGrpSpPr>
+      <p:grpSpPr>
+        <a:xfrm>
+          <a:off x="0" y="0"/>
+          <a:ext cx="0" cy="0"/>
+          <a:chOff x="0" y="0"/>
+          <a:chExt cx="0" cy="0"/>
+        </a:xfrm>
+      </p:grpSpPr>
+      <p:sp>
+        <p:nvSpPr>
+          <p:cNvPr id="251" name=""/>
+          <p:cNvSpPr/>
+          <p:nvPr/>
+        </p:nvSpPr>
+        <p:spPr>
+          <a:xfrm>
+            <a:off x="0" y="720000"/>
+            <a:ext cx="1979640" cy="719640"/>
+          </a:xfrm>
+          <a:prstGeom prst="rect">
+            <a:avLst/>
+          </a:prstGeom>
+          <a:noFill/>
+          <a:ln w="0">
+            <a:noFill/>
+          </a:ln>
+        </p:spPr>
+        <p:style>
+          <a:lnRef idx="0"/>
+          <a:fillRef idx="0"/>
+          <a:effectRef idx="0"/>
+          <a:fontRef idx="minor"/>
+        </p:style>
+        <p:txBody>
+          <a:bodyPr lIns="90000" rIns="90000" tIns="45000" bIns="45000" anchor="t">
+            <a:noAutofit/>
+          </a:bodyPr>
+          <a:p>
+            <a:pPr>
+              <a:lnSpc>
+                <a:spcPct val="100000"/>
+              </a:lnSpc>
+            </a:pPr>
+            <a:r>
+              <a:rPr b="0" lang="fr-FR" sz="1800" spc="-1" strike="noStrike">
+                <a:solidFill>
+                  <a:srgbClr val="000000"/>
+                </a:solidFill>
+                <a:latin typeface="Arial"/>
+              </a:rPr>
+              <a:t>Côté dev :</a:t>
+            </a:r>
+            <a:endParaRPr b="0" lang="fr-FR" sz="1800" spc="-1" strike="noStrike">
+              <a:solidFill>
+                <a:srgbClr val="000000"/>
+              </a:solidFill>
+              <a:latin typeface="Arial"/>
+            </a:endParaRPr>
+          </a:p>
+        </p:txBody>
+      </p:sp>
+      <p:pic>
+        <p:nvPicPr>
+          <p:cNvPr id="252" name="" descr=""/>
+          <p:cNvPicPr/>
+          <p:nvPr/>
+        </p:nvPicPr>
+        <p:blipFill>
+          <a:blip r:embed="rId1"/>
+          <a:stretch/>
+        </p:blipFill>
+        <p:spPr>
+          <a:xfrm>
+            <a:off x="1800000" y="900000"/>
+            <a:ext cx="5597640" cy="1280160"/>
+          </a:xfrm>
+          <a:prstGeom prst="rect">
+            <a:avLst/>
+          </a:prstGeom>
+          <a:ln w="0">
+            <a:noFill/>
+          </a:ln>
+        </p:spPr>
+      </p:pic>
+      <p:pic>
+        <p:nvPicPr>
+          <p:cNvPr id="253" name="" descr=""/>
+          <p:cNvPicPr/>
+          <p:nvPr/>
+        </p:nvPicPr>
+        <p:blipFill>
+          <a:blip r:embed="rId2"/>
+          <a:stretch/>
+        </p:blipFill>
+        <p:spPr>
+          <a:xfrm>
+            <a:off x="1787040" y="2520000"/>
+            <a:ext cx="5520600" cy="3239640"/>
+          </a:xfrm>
+          <a:prstGeom prst="rect">
+            <a:avLst/>
+          </a:prstGeom>
+          <a:ln w="0">
+            <a:noFill/>
+          </a:ln>
+        </p:spPr>
+      </p:pic>
+      <p:sp>
+        <p:nvSpPr>
+          <p:cNvPr id="254" name=""/>
+          <p:cNvSpPr/>
+          <p:nvPr/>
+        </p:nvSpPr>
+        <p:spPr>
+          <a:xfrm>
+            <a:off x="8695080" y="6431400"/>
+            <a:ext cx="484920" cy="426600"/>
+          </a:xfrm>
+          <a:prstGeom prst="rect">
+            <a:avLst/>
+          </a:prstGeom>
+          <a:noFill/>
+          <a:ln w="0">
+            <a:noFill/>
+          </a:ln>
+        </p:spPr>
+        <p:style>
+          <a:lnRef idx="0"/>
+          <a:fillRef idx="0"/>
+          <a:effectRef idx="0"/>
+          <a:fontRef idx="minor"/>
+        </p:style>
+        <p:txBody>
+          <a:bodyPr lIns="90000" rIns="90000" tIns="45000" bIns="45000" anchor="t">
+            <a:noAutofit/>
+          </a:bodyPr>
+          <a:p>
+            <a:pPr>
+              <a:lnSpc>
+                <a:spcPct val="100000"/>
+              </a:lnSpc>
+            </a:pPr>
+            <a:fld id="{7305BFAE-C901-4C60-BFF9-6C0774805694}" type="slidenum">
+              <a:rPr b="0" lang="fr-FR" sz="2400" spc="-1" strike="noStrike">
+                <a:solidFill>
+                  <a:srgbClr val="000000"/>
+                </a:solidFill>
+                <a:latin typeface="Times New Roman"/>
+              </a:rPr>
+              <a:t>&lt;numéro&gt;</a:t>
+            </a:fld>
+            <a:endParaRPr b="0" lang="fr-FR" sz="2400" spc="-1" strike="noStrike">
+              <a:solidFill>
+                <a:srgbClr val="000000"/>
+              </a:solidFill>
+              <a:latin typeface="Arial"/>
+            </a:endParaRPr>
+          </a:p>
+        </p:txBody>
+      </p:sp>
+      <p:sp>
+        <p:nvSpPr>
+          <p:cNvPr id="2" name="PlaceHolder 1"/>
+          <p:cNvSpPr>
+            <a:spLocks noGrp="1"/>
+          </p:cNvSpPr>
+          <p:nvPr>
+            <p:ph type="sldNum" idx="2"/>
+          </p:nvPr>
+        </p:nvSpPr>
+        <p:spPr/>
+        <p:txBody>
+          <a:bodyPr/>
+          <a:p>
+            <a:fld id="{85AC1531-8546-4EA0-AF50-A886A6AE7874}" type="slidenum">
+              <a:t>44</a:t>
+            </a:fld>
+          </a:p>
+        </p:txBody>
+      </p:sp>
+    </p:spTree>
+  </p:cSld>
+  <mc:AlternateContent>
+    <mc:Choice Requires="p14">
+      <p:transition spd="slow" p14:dur="2000"/>
+    </mc:Choice>
+    <mc:Fallback>
+      <p:transition spd="slow"/>
+    </mc:Fallback>
+  </mc:AlternateContent>
+</p:sld>
+</file>
+
+<file path=ppt/slides/slide45.xml><?xml version="1.0" encoding="utf-8"?>
+<p:sld xmlns:a="http://schemas.openxmlformats.org/drawingml/2006/main" xmlns:p="http://schemas.openxmlformats.org/presentationml/2006/main" xmlns:r="http://schemas.openxmlformats.org/officeDocument/2006/relationships" xmlns:p14="http://schemas.microsoft.com/office/powerpoint/2010/main" xmlns:p15="http://schemas.microsoft.com/office/powerpoint/2012/main" xmlns:mc="http://schemas.openxmlformats.org/markup-compatibility/2006">
+  <p:cSld>
+    <p:spTree>
+      <p:nvGrpSpPr>
+        <p:cNvPr id="1" name=""/>
+        <p:cNvGrpSpPr/>
+        <p:nvPr/>
+      </p:nvGrpSpPr>
+      <p:grpSpPr>
+        <a:xfrm>
+          <a:off x="0" y="0"/>
+          <a:ext cx="0" cy="0"/>
+          <a:chOff x="0" y="0"/>
+          <a:chExt cx="0" cy="0"/>
+        </a:xfrm>
+      </p:grpSpPr>
+      <p:sp>
+        <p:nvSpPr>
+          <p:cNvPr id="255" name=""/>
+          <p:cNvSpPr/>
+          <p:nvPr/>
+        </p:nvSpPr>
+        <p:spPr>
+          <a:xfrm>
+            <a:off x="180000" y="720000"/>
+            <a:ext cx="3239640" cy="359640"/>
+          </a:xfrm>
+          <a:prstGeom prst="rect">
+            <a:avLst/>
+          </a:prstGeom>
+          <a:noFill/>
+          <a:ln w="0">
+            <a:noFill/>
+          </a:ln>
+        </p:spPr>
+        <p:style>
+          <a:lnRef idx="0"/>
+          <a:fillRef idx="0"/>
+          <a:effectRef idx="0"/>
+          <a:fontRef idx="minor"/>
+        </p:style>
+        <p:txBody>
+          <a:bodyPr lIns="90000" rIns="90000" tIns="45000" bIns="45000" anchor="t">
+            <a:noAutofit/>
+          </a:bodyPr>
+          <a:p>
+            <a:pPr>
+              <a:lnSpc>
+                <a:spcPct val="100000"/>
+              </a:lnSpc>
+            </a:pPr>
+            <a:r>
+              <a:rPr b="0" lang="fr-FR" sz="1800" spc="-1" strike="noStrike">
+                <a:solidFill>
+                  <a:srgbClr val="000000"/>
+                </a:solidFill>
+                <a:latin typeface="Arial"/>
+              </a:rPr>
+              <a:t>Embedding avec LangChain</a:t>
+            </a:r>
+            <a:endParaRPr b="0" lang="fr-FR" sz="1800" spc="-1" strike="noStrike">
+              <a:solidFill>
+                <a:srgbClr val="000000"/>
+              </a:solidFill>
+              <a:latin typeface="Arial"/>
+            </a:endParaRPr>
+          </a:p>
+        </p:txBody>
+      </p:sp>
+      <p:sp>
+        <p:nvSpPr>
+          <p:cNvPr id="256" name=""/>
+          <p:cNvSpPr/>
+          <p:nvPr/>
+        </p:nvSpPr>
+        <p:spPr>
+          <a:xfrm>
+            <a:off x="2340000" y="1080000"/>
+            <a:ext cx="3239640" cy="539640"/>
+          </a:xfrm>
+          <a:prstGeom prst="rect">
+            <a:avLst/>
+          </a:prstGeom>
+          <a:noFill/>
+          <a:ln w="0">
+            <a:noFill/>
+          </a:ln>
+        </p:spPr>
+        <p:style>
+          <a:lnRef idx="0"/>
+          <a:fillRef idx="0"/>
+          <a:effectRef idx="0"/>
+          <a:fontRef idx="minor"/>
+        </p:style>
+        <p:txBody>
+          <a:bodyPr lIns="90000" rIns="90000" tIns="45000" bIns="45000" anchor="t">
+            <a:noAutofit/>
+          </a:bodyPr>
+          <a:p>
+            <a:pPr>
+              <a:lnSpc>
+                <a:spcPct val="100000"/>
+              </a:lnSpc>
+            </a:pPr>
+            <a:r>
+              <a:rPr b="0" lang="fr-FR" sz="1800" spc="-1" strike="noStrike">
+                <a:solidFill>
+                  <a:srgbClr val="000000"/>
+                </a:solidFill>
+                <a:latin typeface="Arial"/>
+              </a:rPr>
+              <a:t>Création de matrices denses </a:t>
+            </a:r>
+            <a:endParaRPr b="0" lang="fr-FR" sz="1800" spc="-1" strike="noStrike">
+              <a:solidFill>
+                <a:srgbClr val="000000"/>
+              </a:solidFill>
+              <a:latin typeface="Arial"/>
+            </a:endParaRPr>
+          </a:p>
+        </p:txBody>
+      </p:sp>
+      <p:sp>
+        <p:nvSpPr>
+          <p:cNvPr id="257" name=""/>
+          <p:cNvSpPr/>
+          <p:nvPr/>
+        </p:nvSpPr>
+        <p:spPr>
+          <a:xfrm>
+            <a:off x="3600000" y="1620000"/>
+            <a:ext cx="539640" cy="899640"/>
+          </a:xfrm>
+          <a:prstGeom prst="downArrow">
+            <a:avLst>
+              <a:gd name="adj1" fmla="val 50000"/>
+              <a:gd name="adj2" fmla="val 41667"/>
+            </a:avLst>
+          </a:prstGeom>
+          <a:solidFill>
+            <a:srgbClr val="729fcf"/>
+          </a:solidFill>
+          <a:ln w="0">
+            <a:solidFill>
+              <a:srgbClr val="3465a4"/>
+            </a:solidFill>
+          </a:ln>
+        </p:spPr>
+        <p:style>
+          <a:lnRef idx="0"/>
+          <a:fillRef idx="0"/>
+          <a:effectRef idx="0"/>
+          <a:fontRef idx="minor"/>
+        </p:style>
+        <p:txBody>
+          <a:bodyPr lIns="90000" rIns="90000" tIns="45000" bIns="45000" anchor="ctr">
+            <a:noAutofit/>
+          </a:bodyPr>
+          <a:p>
+            <a:pPr>
+              <a:lnSpc>
+                <a:spcPct val="100000"/>
+              </a:lnSpc>
+            </a:pPr>
+            <a:endParaRPr b="0" lang="fr-FR" sz="1800" spc="-1" strike="noStrike">
+              <a:solidFill>
+                <a:srgbClr val="000000"/>
+              </a:solidFill>
+              <a:latin typeface="Arial"/>
+            </a:endParaRPr>
+          </a:p>
+        </p:txBody>
+      </p:sp>
+      <p:sp>
+        <p:nvSpPr>
+          <p:cNvPr id="258" name=""/>
+          <p:cNvSpPr/>
+          <p:nvPr/>
+        </p:nvSpPr>
+        <p:spPr>
+          <a:xfrm>
+            <a:off x="900000" y="2340000"/>
+            <a:ext cx="5759640" cy="1113840"/>
+          </a:xfrm>
+          <a:prstGeom prst="rect">
+            <a:avLst/>
+          </a:prstGeom>
+          <a:noFill/>
+          <a:ln w="0">
+            <a:noFill/>
+          </a:ln>
+        </p:spPr>
+        <p:style>
+          <a:lnRef idx="0"/>
+          <a:fillRef idx="0"/>
+          <a:effectRef idx="0"/>
+          <a:fontRef idx="minor"/>
+        </p:style>
+        <p:txBody>
+          <a:bodyPr lIns="90000" rIns="90000" tIns="45000" bIns="45000" anchor="t">
+            <a:noAutofit/>
+          </a:bodyPr>
+          <a:p>
+            <a:pPr>
+              <a:lnSpc>
+                <a:spcPct val="100000"/>
+              </a:lnSpc>
+            </a:pPr>
+            <a:r>
+              <a:rPr b="0" lang="fr-FR" sz="1800" spc="-1" strike="noStrike">
+                <a:solidFill>
+                  <a:srgbClr val="000000"/>
+                </a:solidFill>
+                <a:latin typeface="Arial"/>
+              </a:rPr>
+              <a:t>Modèle d’embedding :</a:t>
+            </a:r>
+            <a:endParaRPr b="0" lang="fr-FR" sz="1800" spc="-1" strike="noStrike">
+              <a:solidFill>
+                <a:srgbClr val="000000"/>
+              </a:solidFill>
+              <a:latin typeface="Arial"/>
+            </a:endParaRPr>
+          </a:p>
+          <a:p>
+            <a:pPr>
+              <a:lnSpc>
+                <a:spcPct val="100000"/>
+              </a:lnSpc>
+            </a:pPr>
+            <a:r>
+              <a:rPr b="0" lang="fr-FR" sz="1800" spc="-1" strike="noStrike">
+                <a:solidFill>
+                  <a:srgbClr val="000000"/>
+                </a:solidFill>
+                <a:latin typeface="Arial"/>
+              </a:rPr>
+              <a:t>-OpenAiEmbedding : Clé OpenAI</a:t>
+            </a:r>
+            <a:br>
+              <a:rPr sz="1800"/>
+            </a:br>
+            <a:r>
+              <a:rPr b="0" lang="fr-FR" sz="1800" spc="-1" strike="noStrike">
+                <a:solidFill>
+                  <a:srgbClr val="000000"/>
+                </a:solidFill>
+                <a:latin typeface="Arial"/>
+              </a:rPr>
+              <a:t>-Sentence-transformes : HuggingFace : Gratuit</a:t>
+            </a:r>
+            <a:endParaRPr b="0" lang="fr-FR" sz="1800" spc="-1" strike="noStrike">
+              <a:solidFill>
+                <a:srgbClr val="000000"/>
+              </a:solidFill>
+              <a:latin typeface="Arial"/>
+            </a:endParaRPr>
+          </a:p>
+        </p:txBody>
+      </p:sp>
+      <p:sp>
+        <p:nvSpPr>
+          <p:cNvPr id="259" name=""/>
+          <p:cNvSpPr/>
+          <p:nvPr/>
+        </p:nvSpPr>
+        <p:spPr>
+          <a:xfrm>
+            <a:off x="3600000" y="3240000"/>
+            <a:ext cx="539640" cy="899640"/>
+          </a:xfrm>
+          <a:prstGeom prst="downArrow">
+            <a:avLst>
+              <a:gd name="adj1" fmla="val 50000"/>
+              <a:gd name="adj2" fmla="val 41667"/>
+            </a:avLst>
+          </a:prstGeom>
+          <a:solidFill>
+            <a:srgbClr val="729fcf"/>
+          </a:solidFill>
+          <a:ln w="0">
+            <a:solidFill>
+              <a:srgbClr val="3465a4"/>
+            </a:solidFill>
+          </a:ln>
+        </p:spPr>
+        <p:style>
+          <a:lnRef idx="0"/>
+          <a:fillRef idx="0"/>
+          <a:effectRef idx="0"/>
+          <a:fontRef idx="minor"/>
+        </p:style>
+        <p:txBody>
+          <a:bodyPr lIns="90000" rIns="90000" tIns="45000" bIns="45000" anchor="ctr">
+            <a:noAutofit/>
+          </a:bodyPr>
+          <a:p>
+            <a:pPr>
+              <a:lnSpc>
+                <a:spcPct val="100000"/>
+              </a:lnSpc>
+            </a:pPr>
+            <a:endParaRPr b="0" lang="fr-FR" sz="1800" spc="-1" strike="noStrike">
+              <a:solidFill>
+                <a:srgbClr val="000000"/>
+              </a:solidFill>
+              <a:latin typeface="Arial"/>
+            </a:endParaRPr>
+          </a:p>
+        </p:txBody>
+      </p:sp>
+      <p:sp>
+        <p:nvSpPr>
+          <p:cNvPr id="260" name=""/>
+          <p:cNvSpPr/>
+          <p:nvPr/>
+        </p:nvSpPr>
+        <p:spPr>
+          <a:xfrm>
+            <a:off x="1080000" y="4320000"/>
+            <a:ext cx="6119640" cy="1369800"/>
+          </a:xfrm>
+          <a:prstGeom prst="rect">
+            <a:avLst/>
+          </a:prstGeom>
+          <a:noFill/>
+          <a:ln w="0">
+            <a:noFill/>
+          </a:ln>
+        </p:spPr>
+        <p:style>
+          <a:lnRef idx="0"/>
+          <a:fillRef idx="0"/>
+          <a:effectRef idx="0"/>
+          <a:fontRef idx="minor"/>
+        </p:style>
+        <p:txBody>
+          <a:bodyPr lIns="90000" rIns="90000" tIns="45000" bIns="45000" anchor="t">
+            <a:noAutofit/>
+          </a:bodyPr>
+          <a:p>
+            <a:pPr>
+              <a:lnSpc>
+                <a:spcPct val="100000"/>
+              </a:lnSpc>
+            </a:pPr>
+            <a:r>
+              <a:rPr b="0" lang="fr-FR" sz="1800" spc="-1" strike="noStrike">
+                <a:solidFill>
+                  <a:srgbClr val="000000"/>
+                </a:solidFill>
+                <a:latin typeface="Arial"/>
+              </a:rPr>
+              <a:t>Stockage : </a:t>
+            </a:r>
+            <a:br>
+              <a:rPr sz="1800"/>
+            </a:br>
+            <a:r>
+              <a:rPr b="0" lang="fr-FR" sz="1800" spc="-1" strike="noStrike">
+                <a:solidFill>
+                  <a:srgbClr val="000000"/>
+                </a:solidFill>
+                <a:latin typeface="Arial"/>
+              </a:rPr>
+              <a:t>-FAISS </a:t>
+            </a:r>
+            <a:endParaRPr b="0" lang="fr-FR" sz="1800" spc="-1" strike="noStrike">
+              <a:solidFill>
+                <a:srgbClr val="000000"/>
+              </a:solidFill>
+              <a:latin typeface="Arial"/>
+            </a:endParaRPr>
+          </a:p>
+          <a:p>
+            <a:pPr>
+              <a:lnSpc>
+                <a:spcPct val="100000"/>
+              </a:lnSpc>
+            </a:pPr>
+            <a:r>
+              <a:rPr b="0" lang="fr-FR" sz="1800" spc="-1" strike="noStrike">
+                <a:solidFill>
+                  <a:srgbClr val="000000"/>
+                </a:solidFill>
+                <a:latin typeface="Arial"/>
+              </a:rPr>
+              <a:t>-Chroma (intégré à langchain) </a:t>
+            </a:r>
+            <a:endParaRPr b="0" lang="fr-FR" sz="1800" spc="-1" strike="noStrike">
+              <a:solidFill>
+                <a:srgbClr val="000000"/>
+              </a:solidFill>
+              <a:latin typeface="Arial"/>
+            </a:endParaRPr>
+          </a:p>
+          <a:p>
+            <a:pPr>
+              <a:lnSpc>
+                <a:spcPct val="100000"/>
+              </a:lnSpc>
+            </a:pPr>
+            <a:r>
+              <a:rPr b="0" lang="fr-FR" sz="1800" spc="-1" strike="noStrike">
+                <a:solidFill>
+                  <a:srgbClr val="000000"/>
+                </a:solidFill>
+                <a:latin typeface="Arial"/>
+              </a:rPr>
+              <a:t>Structure optimisé : Recherche plus rapide + Persistance</a:t>
+            </a:r>
+            <a:endParaRPr b="0" lang="fr-FR" sz="1800" spc="-1" strike="noStrike">
+              <a:solidFill>
+                <a:srgbClr val="000000"/>
+              </a:solidFill>
+              <a:latin typeface="Arial"/>
+            </a:endParaRPr>
+          </a:p>
+        </p:txBody>
+      </p:sp>
+      <p:sp>
+        <p:nvSpPr>
+          <p:cNvPr id="261" name=""/>
+          <p:cNvSpPr txBox="1"/>
+          <p:nvPr/>
+        </p:nvSpPr>
+        <p:spPr>
+          <a:xfrm>
+            <a:off x="6120000" y="1850040"/>
+            <a:ext cx="2880000" cy="2649960"/>
+          </a:xfrm>
+          <a:prstGeom prst="rect">
+            <a:avLst/>
+          </a:prstGeom>
+          <a:noFill/>
+          <a:ln w="0">
+            <a:noFill/>
+          </a:ln>
+        </p:spPr>
+        <p:txBody>
+          <a:bodyPr lIns="90000" rIns="90000" tIns="45000" bIns="45000" anchor="t">
+            <a:noAutofit/>
+          </a:bodyPr>
+          <a:p>
+            <a:r>
+              <a:rPr b="0" lang="fr-FR" sz="1800" spc="-1" strike="noStrike">
+                <a:solidFill>
+                  <a:srgbClr val="000000"/>
+                </a:solidFill>
+                <a:latin typeface="Arial"/>
+              </a:rPr>
+              <a:t>Word2Vec: </a:t>
+            </a:r>
+            <a:br>
+              <a:rPr sz="1800"/>
+            </a:br>
+            <a:r>
+              <a:rPr b="0" lang="fr-FR" sz="1800" spc="-1" strike="noStrike">
+                <a:solidFill>
+                  <a:srgbClr val="000000"/>
+                </a:solidFill>
+                <a:latin typeface="Arial"/>
+              </a:rPr>
+              <a:t>On itère sur:</a:t>
+            </a:r>
+            <a:endParaRPr b="0" lang="fr-FR" sz="1800" spc="-1" strike="noStrike">
+              <a:solidFill>
+                <a:srgbClr val="000000"/>
+              </a:solidFill>
+              <a:latin typeface="Arial"/>
+            </a:endParaRPr>
+          </a:p>
+          <a:p>
+            <a:r>
+              <a:rPr b="0" lang="fr-FR" sz="1800" spc="-1" strike="noStrike">
+                <a:solidFill>
+                  <a:srgbClr val="000000"/>
+                </a:solidFill>
+                <a:latin typeface="Arial"/>
+              </a:rPr>
+              <a:t>-Prendre un contexte</a:t>
+            </a:r>
+            <a:endParaRPr b="0" lang="fr-FR" sz="1800" spc="-1" strike="noStrike">
+              <a:solidFill>
+                <a:srgbClr val="000000"/>
+              </a:solidFill>
+              <a:latin typeface="Arial"/>
+            </a:endParaRPr>
+          </a:p>
+          <a:p>
+            <a:r>
+              <a:rPr b="0" lang="fr-FR" sz="1800" spc="-1" strike="noStrike">
+                <a:solidFill>
+                  <a:srgbClr val="000000"/>
+                </a:solidFill>
+                <a:latin typeface="Arial"/>
+              </a:rPr>
+              <a:t>-Prédire un mot central</a:t>
+            </a:r>
+            <a:endParaRPr b="0" lang="fr-FR" sz="1800" spc="-1" strike="noStrike">
+              <a:solidFill>
+                <a:srgbClr val="000000"/>
+              </a:solidFill>
+              <a:latin typeface="Arial"/>
+            </a:endParaRPr>
+          </a:p>
+          <a:p>
+            <a:r>
+              <a:rPr b="0" lang="fr-FR" sz="1800" spc="-1" strike="noStrike">
+                <a:solidFill>
+                  <a:srgbClr val="000000"/>
+                </a:solidFill>
+                <a:latin typeface="Arial"/>
+              </a:rPr>
+              <a:t>-Comparer</a:t>
+            </a:r>
+            <a:endParaRPr b="0" lang="fr-FR" sz="1800" spc="-1" strike="noStrike">
+              <a:solidFill>
+                <a:srgbClr val="000000"/>
+              </a:solidFill>
+              <a:latin typeface="Arial"/>
+            </a:endParaRPr>
+          </a:p>
+          <a:p>
+            <a:r>
+              <a:rPr b="0" lang="fr-FR" sz="1800" spc="-1" strike="noStrike">
+                <a:solidFill>
+                  <a:srgbClr val="000000"/>
+                </a:solidFill>
+                <a:latin typeface="Arial"/>
+              </a:rPr>
+              <a:t>-Ajuster les poids</a:t>
+            </a:r>
+            <a:endParaRPr b="0" lang="fr-FR" sz="1800" spc="-1" strike="noStrike">
+              <a:solidFill>
+                <a:srgbClr val="000000"/>
+              </a:solidFill>
+              <a:latin typeface="Arial"/>
+            </a:endParaRPr>
+          </a:p>
+          <a:p>
+            <a:r>
+              <a:rPr b="0" lang="fr-FR" sz="1800" spc="-1" strike="noStrike">
+                <a:solidFill>
+                  <a:srgbClr val="000000"/>
+                </a:solidFill>
+                <a:latin typeface="Arial"/>
+              </a:rPr>
+              <a:t>=CBOW</a:t>
+            </a:r>
+            <a:endParaRPr b="0" lang="fr-FR" sz="1800" spc="-1" strike="noStrike">
+              <a:solidFill>
+                <a:srgbClr val="000000"/>
+              </a:solidFill>
+              <a:latin typeface="Arial"/>
+            </a:endParaRPr>
+          </a:p>
+          <a:p>
+            <a:r>
+              <a:rPr b="0" lang="fr-FR" sz="1800" spc="-1" strike="noStrike">
+                <a:solidFill>
+                  <a:srgbClr val="000000"/>
+                </a:solidFill>
+                <a:latin typeface="Arial"/>
+              </a:rPr>
+              <a:t>Ou on inverse contexte et mot central = Skip-Gram</a:t>
+            </a:r>
+            <a:endParaRPr b="0" lang="fr-FR" sz="1800" spc="-1" strike="noStrike">
+              <a:solidFill>
+                <a:srgbClr val="000000"/>
+              </a:solidFill>
+              <a:latin typeface="Arial"/>
+            </a:endParaRPr>
+          </a:p>
+        </p:txBody>
+      </p:sp>
+      <p:sp>
+        <p:nvSpPr>
+          <p:cNvPr id="262" name=""/>
+          <p:cNvSpPr/>
+          <p:nvPr/>
+        </p:nvSpPr>
+        <p:spPr>
+          <a:xfrm>
+            <a:off x="8695080" y="6431400"/>
+            <a:ext cx="484920" cy="426600"/>
+          </a:xfrm>
+          <a:prstGeom prst="rect">
+            <a:avLst/>
+          </a:prstGeom>
+          <a:noFill/>
+          <a:ln w="0">
+            <a:noFill/>
+          </a:ln>
+        </p:spPr>
+        <p:style>
+          <a:lnRef idx="0"/>
+          <a:fillRef idx="0"/>
+          <a:effectRef idx="0"/>
+          <a:fontRef idx="minor"/>
+        </p:style>
+        <p:txBody>
+          <a:bodyPr lIns="90000" rIns="90000" tIns="45000" bIns="45000" anchor="t">
+            <a:noAutofit/>
+          </a:bodyPr>
+          <a:p>
+            <a:pPr>
+              <a:lnSpc>
+                <a:spcPct val="100000"/>
+              </a:lnSpc>
+            </a:pPr>
+            <a:fld id="{D0CCEF46-D465-4745-9BBA-31DE26303721}" type="slidenum">
+              <a:rPr b="0" lang="fr-FR" sz="2400" spc="-1" strike="noStrike">
+                <a:solidFill>
+                  <a:srgbClr val="000000"/>
+                </a:solidFill>
+                <a:latin typeface="Times New Roman"/>
+              </a:rPr>
+              <a:t>&lt;numéro&gt;</a:t>
+            </a:fld>
+            <a:endParaRPr b="0" lang="fr-FR" sz="2400" spc="-1" strike="noStrike">
+              <a:solidFill>
+                <a:srgbClr val="000000"/>
+              </a:solidFill>
+              <a:latin typeface="Arial"/>
+            </a:endParaRPr>
+          </a:p>
+        </p:txBody>
+      </p:sp>
+      <p:sp>
+        <p:nvSpPr>
+          <p:cNvPr id="263" name=""/>
+          <p:cNvSpPr/>
+          <p:nvPr/>
+        </p:nvSpPr>
+        <p:spPr>
+          <a:xfrm rot="18273000">
+            <a:off x="5323320" y="1467360"/>
+            <a:ext cx="539640" cy="899640"/>
+          </a:xfrm>
+          <a:prstGeom prst="downArrow">
+            <a:avLst>
+              <a:gd name="adj1" fmla="val 50000"/>
+              <a:gd name="adj2" fmla="val 41667"/>
+            </a:avLst>
+          </a:prstGeom>
+          <a:solidFill>
+            <a:srgbClr val="729fcf"/>
+          </a:solidFill>
+          <a:ln w="0">
+            <a:solidFill>
+              <a:srgbClr val="3465a4"/>
+            </a:solidFill>
+          </a:ln>
+        </p:spPr>
+        <p:style>
+          <a:lnRef idx="0"/>
+          <a:fillRef idx="0"/>
+          <a:effectRef idx="0"/>
+          <a:fontRef idx="minor"/>
+        </p:style>
+        <p:txBody>
+          <a:bodyPr lIns="90000" rIns="90000" tIns="45000" bIns="45000" anchor="ctr">
+            <a:noAutofit/>
+          </a:bodyPr>
+          <a:p>
+            <a:endParaRPr b="0" lang="fr-FR" sz="1800" spc="-1" strike="noStrike">
+              <a:solidFill>
+                <a:srgbClr val="000000"/>
+              </a:solidFill>
+              <a:latin typeface="Arial"/>
+            </a:endParaRPr>
+          </a:p>
+        </p:txBody>
+      </p:sp>
+      <p:sp>
+        <p:nvSpPr>
+          <p:cNvPr id="264" name=""/>
+          <p:cNvSpPr/>
+          <p:nvPr/>
+        </p:nvSpPr>
+        <p:spPr>
+          <a:xfrm rot="2220000">
+            <a:off x="5364000" y="3851640"/>
+            <a:ext cx="539640" cy="899640"/>
+          </a:xfrm>
+          <a:prstGeom prst="downArrow">
+            <a:avLst>
+              <a:gd name="adj1" fmla="val 50000"/>
+              <a:gd name="adj2" fmla="val 41667"/>
+            </a:avLst>
+          </a:prstGeom>
+          <a:solidFill>
+            <a:srgbClr val="729fcf"/>
+          </a:solidFill>
+          <a:ln w="0">
+            <a:solidFill>
+              <a:srgbClr val="3465a4"/>
+            </a:solidFill>
+          </a:ln>
+        </p:spPr>
+        <p:style>
+          <a:lnRef idx="0"/>
+          <a:fillRef idx="0"/>
+          <a:effectRef idx="0"/>
+          <a:fontRef idx="minor"/>
+        </p:style>
+        <p:txBody>
+          <a:bodyPr lIns="90000" rIns="90000" tIns="45000" bIns="45000" anchor="ctr">
+            <a:noAutofit/>
+          </a:bodyPr>
+          <a:p>
+            <a:endParaRPr b="0" lang="fr-FR" sz="1800" spc="-1" strike="noStrike">
+              <a:solidFill>
+                <a:srgbClr val="000000"/>
+              </a:solidFill>
+              <a:latin typeface="Arial"/>
+            </a:endParaRPr>
+          </a:p>
+        </p:txBody>
+      </p:sp>
+      <p:sp>
+        <p:nvSpPr>
+          <p:cNvPr id="2" name="PlaceHolder 1"/>
+          <p:cNvSpPr>
+            <a:spLocks noGrp="1"/>
+          </p:cNvSpPr>
+          <p:nvPr>
+            <p:ph type="sldNum" idx="2"/>
+          </p:nvPr>
+        </p:nvSpPr>
+        <p:spPr/>
+        <p:txBody>
+          <a:bodyPr/>
+          <a:p>
+            <a:fld id="{FB62C9A9-CC6C-4E30-A3D7-45ACA176E685}" type="slidenum">
+              <a:t>45</a:t>
+            </a:fld>
+          </a:p>
+        </p:txBody>
+      </p:sp>
+    </p:spTree>
+  </p:cSld>
+  <mc:AlternateContent>
+    <mc:Choice Requires="p14">
+      <p:transition spd="slow" p14:dur="2000"/>
+    </mc:Choice>
+    <mc:Fallback>
+      <p:transition spd="slow"/>
+    </mc:Fallback>
+  </mc:AlternateContent>
+</p:sld>
+</file>
+
+<file path=ppt/slides/slide46.xml><?xml version="1.0" encoding="utf-8"?>
+<p:sld xmlns:a="http://schemas.openxmlformats.org/drawingml/2006/main" xmlns:p="http://schemas.openxmlformats.org/presentationml/2006/main" xmlns:r="http://schemas.openxmlformats.org/officeDocument/2006/relationships" xmlns:p14="http://schemas.microsoft.com/office/powerpoint/2010/main" xmlns:p15="http://schemas.microsoft.com/office/powerpoint/2012/main" xmlns:mc="http://schemas.openxmlformats.org/markup-compatibility/2006">
+  <p:cSld>
+    <p:spTree>
+      <p:nvGrpSpPr>
+        <p:cNvPr id="1" name=""/>
+        <p:cNvGrpSpPr/>
+        <p:nvPr/>
+      </p:nvGrpSpPr>
+      <p:grpSpPr>
+        <a:xfrm>
+          <a:off x="0" y="0"/>
+          <a:ext cx="0" cy="0"/>
+          <a:chOff x="0" y="0"/>
+          <a:chExt cx="0" cy="0"/>
+        </a:xfrm>
+      </p:grpSpPr>
+      <p:pic>
+        <p:nvPicPr>
+          <p:cNvPr id="265" name="" descr=""/>
+          <p:cNvPicPr/>
+          <p:nvPr/>
+        </p:nvPicPr>
+        <p:blipFill>
+          <a:blip r:embed="rId1"/>
+          <a:stretch/>
+        </p:blipFill>
+        <p:spPr>
+          <a:xfrm>
+            <a:off x="540000" y="1440000"/>
+            <a:ext cx="7616520" cy="4140000"/>
+          </a:xfrm>
+          <a:prstGeom prst="rect">
+            <a:avLst/>
+          </a:prstGeom>
+          <a:ln w="0">
+            <a:noFill/>
+          </a:ln>
+        </p:spPr>
+      </p:pic>
+      <p:sp>
+        <p:nvSpPr>
+          <p:cNvPr id="266" name=""/>
+          <p:cNvSpPr txBox="1"/>
+          <p:nvPr/>
+        </p:nvSpPr>
+        <p:spPr>
+          <a:xfrm>
+            <a:off x="180000" y="720000"/>
+            <a:ext cx="1980000" cy="360000"/>
+          </a:xfrm>
+          <a:prstGeom prst="rect">
+            <a:avLst/>
+          </a:prstGeom>
+          <a:noFill/>
+          <a:ln w="0">
+            <a:noFill/>
+          </a:ln>
+        </p:spPr>
+        <p:txBody>
+          <a:bodyPr lIns="90000" rIns="90000" tIns="45000" bIns="45000" anchor="t">
+            <a:noAutofit/>
+          </a:bodyPr>
+          <a:p>
+            <a:r>
+              <a:rPr b="0" lang="fr-FR" sz="1800" spc="-1" strike="noStrike">
+                <a:solidFill>
+                  <a:srgbClr val="000000"/>
+                </a:solidFill>
+                <a:latin typeface="Arial"/>
+              </a:rPr>
+              <a:t>Schéma de l’appli</a:t>
+            </a:r>
+            <a:endParaRPr b="0" lang="fr-FR" sz="1800" spc="-1" strike="noStrike">
+              <a:solidFill>
+                <a:srgbClr val="000000"/>
+              </a:solidFill>
+              <a:latin typeface="Arial"/>
+            </a:endParaRPr>
+          </a:p>
+        </p:txBody>
+      </p:sp>
+      <p:sp>
+        <p:nvSpPr>
+          <p:cNvPr id="267" name=""/>
+          <p:cNvSpPr/>
+          <p:nvPr/>
+        </p:nvSpPr>
+        <p:spPr>
+          <a:xfrm>
+            <a:off x="8695080" y="6431400"/>
+            <a:ext cx="484920" cy="426600"/>
+          </a:xfrm>
+          <a:prstGeom prst="rect">
+            <a:avLst/>
+          </a:prstGeom>
+          <a:noFill/>
+          <a:ln w="0">
+            <a:noFill/>
+          </a:ln>
+        </p:spPr>
+        <p:style>
+          <a:lnRef idx="0"/>
+          <a:fillRef idx="0"/>
+          <a:effectRef idx="0"/>
+          <a:fontRef idx="minor"/>
+        </p:style>
+        <p:txBody>
+          <a:bodyPr lIns="90000" rIns="90000" tIns="45000" bIns="45000" anchor="t">
+            <a:noAutofit/>
+          </a:bodyPr>
+          <a:p>
+            <a:pPr>
+              <a:lnSpc>
+                <a:spcPct val="100000"/>
+              </a:lnSpc>
+            </a:pPr>
+            <a:fld id="{3CE238A5-97AC-48F5-8B6E-F438892534EF}" type="slidenum">
+              <a:rPr b="0" lang="fr-FR" sz="2400" spc="-1" strike="noStrike">
+                <a:solidFill>
+                  <a:srgbClr val="000000"/>
+                </a:solidFill>
+                <a:latin typeface="Times New Roman"/>
+              </a:rPr>
+              <a:t>&lt;numéro&gt;</a:t>
+            </a:fld>
+            <a:endParaRPr b="0" lang="fr-FR" sz="2400" spc="-1" strike="noStrike">
+              <a:solidFill>
+                <a:srgbClr val="000000"/>
+              </a:solidFill>
+              <a:latin typeface="Arial"/>
+            </a:endParaRPr>
+          </a:p>
+        </p:txBody>
+      </p:sp>
+      <p:sp>
+        <p:nvSpPr>
+          <p:cNvPr id="2" name="PlaceHolder 1"/>
+          <p:cNvSpPr>
+            <a:spLocks noGrp="1"/>
+          </p:cNvSpPr>
+          <p:nvPr>
+            <p:ph type="sldNum" idx="2"/>
+          </p:nvPr>
+        </p:nvSpPr>
+        <p:spPr/>
+        <p:txBody>
+          <a:bodyPr/>
+          <a:p>
+            <a:fld id="{6F117BCD-A3DC-49BE-8257-89A61FC08B5D}" type="slidenum">
+              <a:t>46</a:t>
             </a:fld>
           </a:p>
         </p:txBody>
@@ -11968,7 +15996,7 @@
         <p:spPr>
           <a:xfrm>
             <a:off x="647640" y="836640"/>
-            <a:ext cx="6010200" cy="961200"/>
+            <a:ext cx="6009480" cy="960480"/>
           </a:xfrm>
           <a:prstGeom prst="rect">
             <a:avLst/>
@@ -12065,7 +16093,7 @@
         <p:spPr>
           <a:xfrm>
             <a:off x="1008000" y="260280"/>
-            <a:ext cx="7846200" cy="357840"/>
+            <a:ext cx="7845480" cy="357120"/>
           </a:xfrm>
           <a:prstGeom prst="rect">
             <a:avLst/>
@@ -12117,7 +16145,7 @@
         <p:spPr>
           <a:xfrm>
             <a:off x="1440000" y="1980000"/>
-            <a:ext cx="6837840" cy="537840"/>
+            <a:ext cx="6837120" cy="537120"/>
           </a:xfrm>
           <a:prstGeom prst="rect">
             <a:avLst/>
@@ -12227,7 +16255,7 @@
         <p:spPr>
           <a:xfrm>
             <a:off x="540000" y="2520000"/>
-            <a:ext cx="3777840" cy="2337840"/>
+            <a:ext cx="3777120" cy="2337120"/>
           </a:xfrm>
           <a:prstGeom prst="rect">
             <a:avLst/>
@@ -12385,7 +16413,7 @@
         <p:spPr>
           <a:xfrm>
             <a:off x="5040000" y="2520000"/>
-            <a:ext cx="3777840" cy="2157840"/>
+            <a:ext cx="3777120" cy="2157120"/>
           </a:xfrm>
           <a:prstGeom prst="rect">
             <a:avLst/>
@@ -12583,7 +16611,7 @@
         <p:spPr>
           <a:xfrm>
             <a:off x="2772000" y="5593320"/>
-            <a:ext cx="3417840" cy="344520"/>
+            <a:ext cx="3417120" cy="343800"/>
           </a:xfrm>
           <a:prstGeom prst="rect">
             <a:avLst/>
@@ -12630,28 +16658,39 @@
       <p:sp>
         <p:nvSpPr>
           <p:cNvPr id="84" name=""/>
-          <p:cNvSpPr txBox="1"/>
+          <p:cNvSpPr/>
           <p:nvPr/>
         </p:nvSpPr>
         <p:spPr>
           <a:xfrm>
             <a:off x="8820360" y="6431040"/>
-            <a:ext cx="379080" cy="427320"/>
-          </a:xfrm>
-          <a:prstGeom prst="rect">
-            <a:avLst/>
-          </a:prstGeom>
-          <a:noFill/>
-          <a:ln w="0">
-            <a:noFill/>
-          </a:ln>
-        </p:spPr>
+            <a:ext cx="378360" cy="426600"/>
+          </a:xfrm>
+          <a:prstGeom prst="rect">
+            <a:avLst/>
+          </a:prstGeom>
+          <a:noFill/>
+          <a:ln w="0">
+            <a:noFill/>
+          </a:ln>
+        </p:spPr>
+        <p:style>
+          <a:lnRef idx="0"/>
+          <a:fillRef idx="0"/>
+          <a:effectRef idx="0"/>
+          <a:fontRef idx="minor"/>
+        </p:style>
         <p:txBody>
           <a:bodyPr lIns="90000" rIns="90000" tIns="45000" bIns="45000" anchor="t">
             <a:noAutofit/>
           </a:bodyPr>
           <a:p>
-            <a:fld id="{60424036-E443-48F9-98ED-9BFC2B06AFA5}" type="slidenum">
+            <a:pPr>
+              <a:lnSpc>
+                <a:spcPct val="100000"/>
+              </a:lnSpc>
+            </a:pPr>
+            <a:fld id="{6F4016D4-BB22-4FDD-B25C-D19CA1D24C12}" type="slidenum">
               <a:rPr b="0" lang="fr-FR" sz="2400" spc="-1" strike="noStrike">
                 <a:solidFill>
                   <a:srgbClr val="000000"/>
@@ -12664,7 +16703,7 @@
               <a:solidFill>
                 <a:srgbClr val="000000"/>
               </a:solidFill>
-              <a:latin typeface="Times New Roman"/>
+              <a:latin typeface="Arial"/>
             </a:endParaRPr>
           </a:p>
         </p:txBody>
@@ -12683,7 +16722,7 @@
         <p:txBody>
           <a:bodyPr/>
           <a:p>
-            <a:fld id="{DB37F9B5-C997-46C6-B027-037E7BC4CFFF}" type="slidenum">
+            <a:fld id="{43FFAECC-8DB4-417C-B63C-1AD1E6D72C3D}" type="slidenum">
               <a:t>5</a:t>
             </a:fld>
           </a:p>
@@ -12732,7 +16771,7 @@
         <p:spPr>
           <a:xfrm>
             <a:off x="1008000" y="260280"/>
-            <a:ext cx="7846200" cy="357840"/>
+            <a:ext cx="7845480" cy="357120"/>
           </a:xfrm>
           <a:prstGeom prst="rect">
             <a:avLst/>
@@ -12784,7 +16823,7 @@
         <p:spPr>
           <a:xfrm>
             <a:off x="360000" y="1080000"/>
-            <a:ext cx="3597840" cy="537840"/>
+            <a:ext cx="3597120" cy="537120"/>
           </a:xfrm>
           <a:prstGeom prst="rect">
             <a:avLst/>
@@ -12837,7 +16876,7 @@
         <p:spPr>
           <a:xfrm>
             <a:off x="4680000" y="1080000"/>
-            <a:ext cx="3597840" cy="717840"/>
+            <a:ext cx="3597120" cy="717120"/>
           </a:xfrm>
           <a:prstGeom prst="rect">
             <a:avLst/>
@@ -12890,7 +16929,7 @@
         <p:spPr>
           <a:xfrm>
             <a:off x="380880" y="2257920"/>
-            <a:ext cx="8436960" cy="1879920"/>
+            <a:ext cx="8436240" cy="1879200"/>
           </a:xfrm>
           <a:prstGeom prst="rect">
             <a:avLst/>
@@ -13035,7 +17074,7 @@
         <p:spPr>
           <a:xfrm>
             <a:off x="360000" y="4500000"/>
-            <a:ext cx="7917840" cy="1077840"/>
+            <a:ext cx="7917120" cy="1077120"/>
           </a:xfrm>
           <a:prstGeom prst="rect">
             <a:avLst/>
@@ -13107,28 +17146,39 @@
       <p:sp>
         <p:nvSpPr>
           <p:cNvPr id="90" name=""/>
-          <p:cNvSpPr txBox="1"/>
+          <p:cNvSpPr/>
           <p:nvPr/>
         </p:nvSpPr>
         <p:spPr>
           <a:xfrm>
             <a:off x="8820360" y="6431040"/>
-            <a:ext cx="379080" cy="427320"/>
-          </a:xfrm>
-          <a:prstGeom prst="rect">
-            <a:avLst/>
-          </a:prstGeom>
-          <a:noFill/>
-          <a:ln w="0">
-            <a:noFill/>
-          </a:ln>
-        </p:spPr>
+            <a:ext cx="378360" cy="426600"/>
+          </a:xfrm>
+          <a:prstGeom prst="rect">
+            <a:avLst/>
+          </a:prstGeom>
+          <a:noFill/>
+          <a:ln w="0">
+            <a:noFill/>
+          </a:ln>
+        </p:spPr>
+        <p:style>
+          <a:lnRef idx="0"/>
+          <a:fillRef idx="0"/>
+          <a:effectRef idx="0"/>
+          <a:fontRef idx="minor"/>
+        </p:style>
         <p:txBody>
           <a:bodyPr lIns="90000" rIns="90000" tIns="45000" bIns="45000" anchor="t">
             <a:noAutofit/>
           </a:bodyPr>
           <a:p>
-            <a:fld id="{2155F06A-83D7-4A30-9C19-C2504E3C2C27}" type="slidenum">
+            <a:pPr>
+              <a:lnSpc>
+                <a:spcPct val="100000"/>
+              </a:lnSpc>
+            </a:pPr>
+            <a:fld id="{45936EE5-1386-4B4E-88E9-F2A5B67962B7}" type="slidenum">
               <a:rPr b="0" lang="fr-FR" sz="2400" spc="-1" strike="noStrike">
                 <a:solidFill>
                   <a:srgbClr val="000000"/>
@@ -13141,7 +17191,7 @@
               <a:solidFill>
                 <a:srgbClr val="000000"/>
               </a:solidFill>
-              <a:latin typeface="Times New Roman"/>
+              <a:latin typeface="Arial"/>
             </a:endParaRPr>
           </a:p>
         </p:txBody>
@@ -13160,7 +17210,7 @@
         <p:txBody>
           <a:bodyPr/>
           <a:p>
-            <a:fld id="{659DC4BA-2121-4361-9923-54DA22703BD8}" type="slidenum">
+            <a:fld id="{ED0E2740-FC59-45D2-BB21-06F36008C860}" type="slidenum">
               <a:t>6</a:t>
             </a:fld>
           </a:p>
@@ -13209,7 +17259,7 @@
         <p:spPr>
           <a:xfrm>
             <a:off x="1008000" y="260280"/>
-            <a:ext cx="7846200" cy="357840"/>
+            <a:ext cx="7845480" cy="357120"/>
           </a:xfrm>
           <a:prstGeom prst="rect">
             <a:avLst/>
@@ -13261,7 +17311,7 @@
         <p:spPr>
           <a:xfrm>
             <a:off x="611640" y="1412640"/>
-            <a:ext cx="7846200" cy="4317840"/>
+            <a:ext cx="7845480" cy="4317120"/>
           </a:xfrm>
           <a:prstGeom prst="rect">
             <a:avLst/>
@@ -13388,7 +17438,7 @@
         <p:spPr>
           <a:xfrm>
             <a:off x="0" y="1412640"/>
-            <a:ext cx="4890240" cy="3805200"/>
+            <a:ext cx="4889520" cy="3804480"/>
           </a:xfrm>
           <a:prstGeom prst="rect">
             <a:avLst/>
@@ -13411,7 +17461,7 @@
         <p:spPr>
           <a:xfrm>
             <a:off x="4839480" y="1260000"/>
-            <a:ext cx="4158360" cy="4110480"/>
+            <a:ext cx="4157640" cy="4109760"/>
           </a:xfrm>
           <a:prstGeom prst="rect">
             <a:avLst/>
@@ -13424,28 +17474,39 @@
       <p:sp>
         <p:nvSpPr>
           <p:cNvPr id="95" name=""/>
-          <p:cNvSpPr txBox="1"/>
+          <p:cNvSpPr/>
           <p:nvPr/>
         </p:nvSpPr>
         <p:spPr>
           <a:xfrm>
             <a:off x="8820360" y="6431040"/>
-            <a:ext cx="379080" cy="427320"/>
-          </a:xfrm>
-          <a:prstGeom prst="rect">
-            <a:avLst/>
-          </a:prstGeom>
-          <a:noFill/>
-          <a:ln w="0">
-            <a:noFill/>
-          </a:ln>
-        </p:spPr>
+            <a:ext cx="378360" cy="426600"/>
+          </a:xfrm>
+          <a:prstGeom prst="rect">
+            <a:avLst/>
+          </a:prstGeom>
+          <a:noFill/>
+          <a:ln w="0">
+            <a:noFill/>
+          </a:ln>
+        </p:spPr>
+        <p:style>
+          <a:lnRef idx="0"/>
+          <a:fillRef idx="0"/>
+          <a:effectRef idx="0"/>
+          <a:fontRef idx="minor"/>
+        </p:style>
         <p:txBody>
           <a:bodyPr lIns="90000" rIns="90000" tIns="45000" bIns="45000" anchor="t">
             <a:noAutofit/>
           </a:bodyPr>
           <a:p>
-            <a:fld id="{2E9635AA-E38E-482C-B451-85E765D28B7E}" type="slidenum">
+            <a:pPr>
+              <a:lnSpc>
+                <a:spcPct val="100000"/>
+              </a:lnSpc>
+            </a:pPr>
+            <a:fld id="{980B5E35-F1F7-4984-9FC2-D953604DA187}" type="slidenum">
               <a:rPr b="0" lang="fr-FR" sz="2400" spc="-1" strike="noStrike">
                 <a:solidFill>
                   <a:srgbClr val="000000"/>
@@ -13458,7 +17519,7 @@
               <a:solidFill>
                 <a:srgbClr val="000000"/>
               </a:solidFill>
-              <a:latin typeface="Times New Roman"/>
+              <a:latin typeface="Arial"/>
             </a:endParaRPr>
           </a:p>
         </p:txBody>
@@ -13506,7 +17567,7 @@
         <p:spPr>
           <a:xfrm>
             <a:off x="1008000" y="260280"/>
-            <a:ext cx="7846200" cy="357840"/>
+            <a:ext cx="7845480" cy="357120"/>
           </a:xfrm>
           <a:prstGeom prst="rect">
             <a:avLst/>
@@ -13558,7 +17619,7 @@
         <p:spPr>
           <a:xfrm>
             <a:off x="648000" y="836640"/>
-            <a:ext cx="8169840" cy="5281200"/>
+            <a:ext cx="8169120" cy="5280480"/>
           </a:xfrm>
           <a:prstGeom prst="rect">
             <a:avLst/>
@@ -13879,7 +17940,7 @@
         <p:spPr>
           <a:xfrm>
             <a:off x="3960000" y="1800000"/>
-            <a:ext cx="4616640" cy="3049920"/>
+            <a:ext cx="4615920" cy="3049200"/>
           </a:xfrm>
           <a:prstGeom prst="rect">
             <a:avLst/>
@@ -13892,28 +17953,39 @@
       <p:sp>
         <p:nvSpPr>
           <p:cNvPr id="99" name=""/>
-          <p:cNvSpPr txBox="1"/>
+          <p:cNvSpPr/>
           <p:nvPr/>
         </p:nvSpPr>
         <p:spPr>
           <a:xfrm>
             <a:off x="8820360" y="6431040"/>
-            <a:ext cx="379080" cy="427320"/>
-          </a:xfrm>
-          <a:prstGeom prst="rect">
-            <a:avLst/>
-          </a:prstGeom>
-          <a:noFill/>
-          <a:ln w="0">
-            <a:noFill/>
-          </a:ln>
-        </p:spPr>
+            <a:ext cx="378360" cy="426600"/>
+          </a:xfrm>
+          <a:prstGeom prst="rect">
+            <a:avLst/>
+          </a:prstGeom>
+          <a:noFill/>
+          <a:ln w="0">
+            <a:noFill/>
+          </a:ln>
+        </p:spPr>
+        <p:style>
+          <a:lnRef idx="0"/>
+          <a:fillRef idx="0"/>
+          <a:effectRef idx="0"/>
+          <a:fontRef idx="minor"/>
+        </p:style>
         <p:txBody>
           <a:bodyPr lIns="90000" rIns="90000" tIns="45000" bIns="45000" anchor="t">
             <a:noAutofit/>
           </a:bodyPr>
           <a:p>
-            <a:fld id="{EE45FCC3-DF97-4EA3-BAF4-FB6D92BA133E}" type="slidenum">
+            <a:pPr>
+              <a:lnSpc>
+                <a:spcPct val="100000"/>
+              </a:lnSpc>
+            </a:pPr>
+            <a:fld id="{C3A2B263-1FDF-4A0E-90A2-00337962F85F}" type="slidenum">
               <a:rPr b="0" lang="fr-FR" sz="2400" spc="-1" strike="noStrike">
                 <a:solidFill>
                   <a:srgbClr val="000000"/>
@@ -13926,7 +17998,7 @@
               <a:solidFill>
                 <a:srgbClr val="000000"/>
               </a:solidFill>
-              <a:latin typeface="Times New Roman"/>
+              <a:latin typeface="Arial"/>
             </a:endParaRPr>
           </a:p>
         </p:txBody>
@@ -13945,7 +18017,7 @@
         <p:txBody>
           <a:bodyPr/>
           <a:p>
-            <a:fld id="{583E2E6F-B85F-4AE9-AA7E-BC34CAB66675}" type="slidenum">
+            <a:fld id="{F4A13D00-F4BB-4F8C-AAC9-71D4B897FAA0}" type="slidenum">
               <a:t>8</a:t>
             </a:fld>
           </a:p>
@@ -13990,7 +18062,7 @@
         <p:spPr>
           <a:xfrm>
             <a:off x="1260000" y="1980000"/>
-            <a:ext cx="6478200" cy="3494880"/>
+            <a:ext cx="6477480" cy="3494160"/>
           </a:xfrm>
           <a:prstGeom prst="rect">
             <a:avLst/>
@@ -14049,28 +18121,39 @@
       <p:sp>
         <p:nvSpPr>
           <p:cNvPr id="101" name=""/>
-          <p:cNvSpPr txBox="1"/>
+          <p:cNvSpPr/>
           <p:nvPr/>
         </p:nvSpPr>
         <p:spPr>
           <a:xfrm>
             <a:off x="8820360" y="6431040"/>
-            <a:ext cx="379080" cy="427320"/>
-          </a:xfrm>
-          <a:prstGeom prst="rect">
-            <a:avLst/>
-          </a:prstGeom>
-          <a:noFill/>
-          <a:ln w="0">
-            <a:noFill/>
-          </a:ln>
-        </p:spPr>
+            <a:ext cx="378360" cy="426600"/>
+          </a:xfrm>
+          <a:prstGeom prst="rect">
+            <a:avLst/>
+          </a:prstGeom>
+          <a:noFill/>
+          <a:ln w="0">
+            <a:noFill/>
+          </a:ln>
+        </p:spPr>
+        <p:style>
+          <a:lnRef idx="0"/>
+          <a:fillRef idx="0"/>
+          <a:effectRef idx="0"/>
+          <a:fontRef idx="minor"/>
+        </p:style>
         <p:txBody>
           <a:bodyPr lIns="90000" rIns="90000" tIns="45000" bIns="45000" anchor="t">
             <a:noAutofit/>
           </a:bodyPr>
           <a:p>
-            <a:fld id="{ABE5190D-26B4-40DD-8BA3-861636B9C97C}" type="slidenum">
+            <a:pPr>
+              <a:lnSpc>
+                <a:spcPct val="100000"/>
+              </a:lnSpc>
+            </a:pPr>
+            <a:fld id="{3C59E27C-EF30-45D7-9E1E-714E40EA9E07}" type="slidenum">
               <a:rPr b="0" lang="fr-FR" sz="2400" spc="-1" strike="noStrike">
                 <a:solidFill>
                   <a:srgbClr val="000000"/>
@@ -14083,7 +18166,7 @@
               <a:solidFill>
                 <a:srgbClr val="000000"/>
               </a:solidFill>
-              <a:latin typeface="Times New Roman"/>
+              <a:latin typeface="Arial"/>
             </a:endParaRPr>
           </a:p>
         </p:txBody>
@@ -14102,7 +18185,7 @@
         <p:txBody>
           <a:bodyPr/>
           <a:p>
-            <a:fld id="{D17AD078-9B14-4189-908E-4B318A0B4BCA}" type="slidenum">
+            <a:fld id="{5EE8A8EE-B692-4968-BC31-86F98E3B3454}" type="slidenum">
               <a:t>9</a:t>
             </a:fld>
           </a:p>

--- a/presentationVendredi.pptx
+++ b/presentationVendredi.pptx
@@ -384,7 +384,7 @@
             <a:pPr indent="0" algn="r">
               <a:buNone/>
             </a:pPr>
-            <a:fld id="{D03A3CD0-909F-461D-97F5-C8C0CFA79E82}" type="slidenum">
+            <a:fld id="{77A1E7A2-B252-4104-960C-C8B121A203DF}" type="slidenum">
               <a:rPr b="0" lang="fr-FR" sz="1400" spc="-1" strike="noStrike">
                 <a:solidFill>
                   <a:srgbClr val="000000"/>
@@ -438,7 +438,7 @@
         <p:spPr>
           <a:xfrm>
             <a:off x="919080" y="746280"/>
-            <a:ext cx="4957560" cy="3719520"/>
+            <a:ext cx="4957200" cy="3719160"/>
           </a:xfrm>
           <a:prstGeom prst="rect">
             <a:avLst/>
@@ -461,7 +461,7 @@
         <p:spPr>
           <a:xfrm>
             <a:off x="680040" y="4716720"/>
-            <a:ext cx="5436000" cy="4465080"/>
+            <a:ext cx="5435640" cy="4464720"/>
           </a:xfrm>
           <a:prstGeom prst="rect">
             <a:avLst/>
@@ -501,7 +501,7 @@
         <p:spPr>
           <a:xfrm>
             <a:off x="3851280" y="9431640"/>
-            <a:ext cx="2943000" cy="493200"/>
+            <a:ext cx="2942640" cy="492840"/>
           </a:xfrm>
           <a:prstGeom prst="rect">
             <a:avLst/>
@@ -543,7 +543,7 @@
                 <a:tab algn="l" pos="0"/>
               </a:tabLst>
             </a:pPr>
-            <a:fld id="{67A692EC-22A2-48FA-BCB3-C652421ADB66}" type="slidenum">
+            <a:fld id="{3885D8DF-5155-4E70-A9EA-E7AB06441DDA}" type="slidenum">
               <a:rPr b="0" lang="fr-FR" sz="1300" spc="-1" strike="noStrike">
                 <a:solidFill>
                   <a:schemeClr val="dk1"/>
@@ -597,7 +597,7 @@
         <p:spPr>
           <a:xfrm>
             <a:off x="919080" y="746280"/>
-            <a:ext cx="4957560" cy="3719520"/>
+            <a:ext cx="4957200" cy="3719160"/>
           </a:xfrm>
           <a:prstGeom prst="rect">
             <a:avLst/>
@@ -620,7 +620,7 @@
         <p:spPr>
           <a:xfrm>
             <a:off x="680040" y="4716720"/>
-            <a:ext cx="5436000" cy="4465080"/>
+            <a:ext cx="5435640" cy="4464720"/>
           </a:xfrm>
           <a:prstGeom prst="rect">
             <a:avLst/>
@@ -660,7 +660,7 @@
         <p:spPr>
           <a:xfrm>
             <a:off x="3851280" y="9431640"/>
-            <a:ext cx="2943000" cy="493200"/>
+            <a:ext cx="2942640" cy="492840"/>
           </a:xfrm>
           <a:prstGeom prst="rect">
             <a:avLst/>
@@ -702,7 +702,7 @@
                 <a:tab algn="l" pos="0"/>
               </a:tabLst>
             </a:pPr>
-            <a:fld id="{D403B007-5F73-47EF-B892-87A6178E30FA}" type="slidenum">
+            <a:fld id="{C07E664F-1CC7-40DA-A5D6-CE6677F0FEF2}" type="slidenum">
               <a:rPr b="0" lang="fr-FR" sz="1300" spc="-1" strike="noStrike">
                 <a:solidFill>
                   <a:schemeClr val="dk1"/>
@@ -777,7 +777,7 @@
         <p:txBody>
           <a:bodyPr/>
           <a:p>
-            <a:fld id="{10232388-D7C2-432D-9E06-A750C12D9621}" type="slidenum">
+            <a:fld id="{E34A63B4-9965-4F39-B9C7-86445F41FC04}" type="slidenum">
               <a:t>&lt;#&gt;</a:t>
             </a:fld>
           </a:p>
@@ -986,7 +986,7 @@
         <p:txBody>
           <a:bodyPr/>
           <a:p>
-            <a:fld id="{13206843-9BC4-465A-9F71-DE7D4D6C9EBC}" type="slidenum">
+            <a:fld id="{C6DA3E48-41C7-44A0-8AE7-B58CBD463E71}" type="slidenum">
               <a:t>&lt;#&gt;</a:t>
             </a:fld>
           </a:p>
@@ -1281,7 +1281,7 @@
         <p:txBody>
           <a:bodyPr/>
           <a:p>
-            <a:fld id="{299F552C-93FC-4182-AD26-11678BE18726}" type="slidenum">
+            <a:fld id="{9A033B09-C3D4-4D67-939C-4A70C8D945E2}" type="slidenum">
               <a:t>&lt;#&gt;</a:t>
             </a:fld>
           </a:p>
@@ -1662,7 +1662,7 @@
         <p:txBody>
           <a:bodyPr/>
           <a:p>
-            <a:fld id="{31D1DE2D-8D77-4FD1-84E3-38BE25ABDA12}" type="slidenum">
+            <a:fld id="{964BA8FA-7FEC-4B2F-8D45-F3AF67CE8E82}" type="slidenum">
               <a:t>&lt;#&gt;</a:t>
             </a:fld>
           </a:p>
@@ -1825,7 +1825,7 @@
         <p:txBody>
           <a:bodyPr/>
           <a:p>
-            <a:fld id="{1099911E-381B-4048-A6DD-888BB1DADFAF}" type="slidenum">
+            <a:fld id="{29F9FFAE-2D4E-49F7-9457-43FFD6D1944D}" type="slidenum">
               <a:t>&lt;#&gt;</a:t>
             </a:fld>
           </a:p>
@@ -1991,7 +1991,7 @@
         <p:txBody>
           <a:bodyPr/>
           <a:p>
-            <a:fld id="{8FFA1582-DF97-4A52-8929-16A66BD30B12}" type="slidenum">
+            <a:fld id="{D62ADE39-39D3-4770-825C-ED943822BB8D}" type="slidenum">
               <a:t>&lt;#&gt;</a:t>
             </a:fld>
           </a:p>
@@ -2200,7 +2200,7 @@
         <p:txBody>
           <a:bodyPr/>
           <a:p>
-            <a:fld id="{AE12E1AB-7617-4275-8831-F88CDB5C8917}" type="slidenum">
+            <a:fld id="{8B4F1BCD-50B9-4242-A8CF-3D2FB3127A37}" type="slidenum">
               <a:t>&lt;#&gt;</a:t>
             </a:fld>
           </a:p>
@@ -2323,7 +2323,7 @@
         <p:txBody>
           <a:bodyPr/>
           <a:p>
-            <a:fld id="{6F7DB09A-4502-47E6-B7C5-817622200C5B}" type="slidenum">
+            <a:fld id="{289B408E-49A6-48D5-B32A-55C80A9C8052}" type="slidenum">
               <a:t>&lt;#&gt;</a:t>
             </a:fld>
           </a:p>
@@ -2444,7 +2444,7 @@
         <p:txBody>
           <a:bodyPr/>
           <a:p>
-            <a:fld id="{33414A49-8D37-462E-A5BD-4AC9CD9933C8}" type="slidenum">
+            <a:fld id="{7EA8983C-8D5A-41B3-B7D6-B59A0DA9F02D}" type="slidenum">
               <a:t>&lt;#&gt;</a:t>
             </a:fld>
           </a:p>
@@ -2696,7 +2696,7 @@
         <p:txBody>
           <a:bodyPr/>
           <a:p>
-            <a:fld id="{3A53AE3A-92F1-4274-A195-8E8AD148AE0B}" type="slidenum">
+            <a:fld id="{EA6FBE6B-CD62-40F1-B3CC-09ECF52669E2}" type="slidenum">
               <a:t>&lt;#&gt;</a:t>
             </a:fld>
           </a:p>
@@ -2948,7 +2948,7 @@
         <p:txBody>
           <a:bodyPr/>
           <a:p>
-            <a:fld id="{6D0E9B97-A829-4E84-B324-DA3548CEE599}" type="slidenum">
+            <a:fld id="{913084A6-BABC-40E1-8BE3-F82D8C6881FF}" type="slidenum">
               <a:t>&lt;#&gt;</a:t>
             </a:fld>
           </a:p>
@@ -3200,7 +3200,7 @@
         <p:txBody>
           <a:bodyPr/>
           <a:p>
-            <a:fld id="{BF2793B0-01A8-4EC6-97AB-C683B798C6D9}" type="slidenum">
+            <a:fld id="{035597CE-647B-4684-A53B-92F84E22944B}" type="slidenum">
               <a:t>&lt;#&gt;</a:t>
             </a:fld>
           </a:p>
@@ -3265,7 +3265,7 @@
         <p:spPr>
           <a:xfrm>
             <a:off x="0" y="260280"/>
-            <a:ext cx="931680" cy="357120"/>
+            <a:ext cx="931320" cy="356760"/>
           </a:xfrm>
           <a:prstGeom prst="rect">
             <a:avLst/>
@@ -3319,7 +3319,7 @@
         <p:spPr>
           <a:xfrm>
             <a:off x="934920" y="260280"/>
-            <a:ext cx="8203680" cy="357120"/>
+            <a:ext cx="8203320" cy="356760"/>
           </a:xfrm>
           <a:prstGeom prst="rect">
             <a:avLst/>
@@ -3378,7 +3378,7 @@
         <p:spPr>
           <a:xfrm>
             <a:off x="6336720" y="6170040"/>
-            <a:ext cx="2624400" cy="574920"/>
+            <a:ext cx="2624040" cy="574560"/>
           </a:xfrm>
           <a:prstGeom prst="rect">
             <a:avLst/>
@@ -3397,7 +3397,7 @@
         <p:spPr>
           <a:xfrm>
             <a:off x="4267800" y="6642000"/>
-            <a:ext cx="633240" cy="152280"/>
+            <a:ext cx="632880" cy="152280"/>
           </a:xfrm>
           <a:prstGeom prst="rect">
             <a:avLst/>
@@ -3451,7 +3451,7 @@
         <p:spPr>
           <a:xfrm>
             <a:off x="2160" y="620640"/>
-            <a:ext cx="9138600" cy="5505480"/>
+            <a:ext cx="9138240" cy="5505120"/>
           </a:xfrm>
           <a:prstGeom prst="rect">
             <a:avLst/>
@@ -3505,7 +3505,7 @@
         <p:spPr>
           <a:xfrm>
             <a:off x="0" y="0"/>
-            <a:ext cx="9138600" cy="617400"/>
+            <a:ext cx="9138240" cy="617040"/>
           </a:xfrm>
           <a:prstGeom prst="rect">
             <a:avLst/>
@@ -4287,7 +4287,7 @@
         <p:spPr>
           <a:xfrm>
             <a:off x="8893080" y="0"/>
-            <a:ext cx="245520" cy="257040"/>
+            <a:ext cx="245160" cy="256680"/>
           </a:xfrm>
           <a:prstGeom prst="rect">
             <a:avLst/>
@@ -4359,7 +4359,7 @@
         <p:spPr>
           <a:xfrm>
             <a:off x="8893080" y="0"/>
-            <a:ext cx="245520" cy="257040"/>
+            <a:ext cx="245160" cy="256680"/>
           </a:xfrm>
           <a:prstGeom prst="rect">
             <a:avLst/>
@@ -4403,7 +4403,7 @@
                 <a:tab algn="l" pos="0"/>
               </a:tabLst>
             </a:pPr>
-            <a:fld id="{D9789141-F866-4A0F-9FC6-6A8B8855BBC6}" type="slidenum">
+            <a:fld id="{33DB2286-2408-4266-A22B-C0819161B750}" type="slidenum">
               <a:rPr b="0" lang="fr-FR" sz="100" spc="-1" strike="noStrike">
                 <a:solidFill>
                   <a:schemeClr val="lt1">
@@ -4437,7 +4437,7 @@
         <p:spPr>
           <a:xfrm>
             <a:off x="8893080" y="0"/>
-            <a:ext cx="247680" cy="257040"/>
+            <a:ext cx="247320" cy="256680"/>
           </a:xfrm>
           <a:prstGeom prst="rect">
             <a:avLst/>
@@ -4530,7 +4530,7 @@
         <p:spPr>
           <a:xfrm>
             <a:off x="1260000" y="1980000"/>
-            <a:ext cx="6477480" cy="3494160"/>
+            <a:ext cx="6477120" cy="3493800"/>
           </a:xfrm>
           <a:prstGeom prst="rect">
             <a:avLst/>
@@ -4595,7 +4595,7 @@
         <p:spPr>
           <a:xfrm>
             <a:off x="8820000" y="6480000"/>
-            <a:ext cx="378360" cy="426600"/>
+            <a:ext cx="378000" cy="426240"/>
           </a:xfrm>
           <a:prstGeom prst="rect">
             <a:avLst/>
@@ -4621,7 +4621,7 @@
                 <a:spcPct val="100000"/>
               </a:lnSpc>
             </a:pPr>
-            <a:fld id="{C58B9957-E039-45AD-9795-F7F206BD803A}" type="slidenum">
+            <a:fld id="{DD316B24-EBB6-44AF-A248-C13577594A5C}" type="slidenum">
               <a:rPr b="0" lang="fr-FR" sz="2400" spc="-1" strike="noStrike">
                 <a:solidFill>
                   <a:srgbClr val="000000"/>
@@ -4653,7 +4653,7 @@
         <p:txBody>
           <a:bodyPr/>
           <a:p>
-            <a:fld id="{E5DC9E88-BC8C-4E76-AAC2-FBE2DA8A87EE}" type="slidenum">
+            <a:fld id="{8783FA4D-F783-4EB7-A344-493419CBAC86}" type="slidenum">
               <a:t>1</a:t>
             </a:fld>
           </a:p>
@@ -4702,7 +4702,7 @@
         <p:spPr>
           <a:xfrm>
             <a:off x="1008000" y="260280"/>
-            <a:ext cx="7845480" cy="357120"/>
+            <a:ext cx="7845120" cy="356760"/>
           </a:xfrm>
           <a:prstGeom prst="rect">
             <a:avLst/>
@@ -4758,7 +4758,7 @@
         <p:spPr>
           <a:xfrm>
             <a:off x="107640" y="1260000"/>
-            <a:ext cx="2949480" cy="1104480"/>
+            <a:ext cx="2949120" cy="1104120"/>
           </a:xfrm>
           <a:prstGeom prst="rect">
             <a:avLst/>
@@ -4821,7 +4821,7 @@
         <p:spPr>
           <a:xfrm>
             <a:off x="3373920" y="720000"/>
-            <a:ext cx="4363920" cy="5186880"/>
+            <a:ext cx="4363560" cy="5186520"/>
           </a:xfrm>
           <a:prstGeom prst="rect">
             <a:avLst/>
@@ -4840,7 +4840,7 @@
         <p:spPr>
           <a:xfrm>
             <a:off x="8729640" y="6431040"/>
-            <a:ext cx="484920" cy="426600"/>
+            <a:ext cx="484560" cy="426240"/>
           </a:xfrm>
           <a:prstGeom prst="rect">
             <a:avLst/>
@@ -4866,7 +4866,7 @@
                 <a:spcPct val="100000"/>
               </a:lnSpc>
             </a:pPr>
-            <a:fld id="{9739E4BF-A414-4A94-8934-650F318B747F}" type="slidenum">
+            <a:fld id="{E63498F7-EAE9-48D4-A6CA-0BB13B58A41D}" type="slidenum">
               <a:rPr b="0" lang="fr-FR" sz="2400" spc="-1" strike="noStrike">
                 <a:solidFill>
                   <a:srgbClr val="000000"/>
@@ -4898,7 +4898,7 @@
         <p:txBody>
           <a:bodyPr/>
           <a:p>
-            <a:fld id="{07CC1065-D2B5-419D-ADDC-5E26BAB9FC10}" type="slidenum">
+            <a:fld id="{F0B93880-FA5D-42CC-B5A6-F6E8D52A7C8F}" type="slidenum">
               <a:t>10</a:t>
             </a:fld>
           </a:p>
@@ -4947,7 +4947,7 @@
         <p:spPr>
           <a:xfrm>
             <a:off x="4548240" y="696960"/>
-            <a:ext cx="4089960" cy="2901240"/>
+            <a:ext cx="4089600" cy="2900880"/>
           </a:xfrm>
           <a:prstGeom prst="rect">
             <a:avLst/>
@@ -4966,7 +4966,7 @@
         <p:spPr>
           <a:xfrm>
             <a:off x="360000" y="900000"/>
-            <a:ext cx="3958200" cy="898200"/>
+            <a:ext cx="3957840" cy="897840"/>
           </a:xfrm>
           <a:prstGeom prst="rect">
             <a:avLst/>
@@ -5023,7 +5023,7 @@
         <p:spPr>
           <a:xfrm>
             <a:off x="180000" y="3683880"/>
-            <a:ext cx="8502480" cy="2398320"/>
+            <a:ext cx="8502120" cy="2397960"/>
           </a:xfrm>
           <a:prstGeom prst="rect">
             <a:avLst/>
@@ -5042,7 +5042,7 @@
         <p:spPr>
           <a:xfrm>
             <a:off x="360000" y="3240000"/>
-            <a:ext cx="3958200" cy="358200"/>
+            <a:ext cx="3957840" cy="357840"/>
           </a:xfrm>
           <a:prstGeom prst="rect">
             <a:avLst/>
@@ -5095,7 +5095,7 @@
         <p:spPr>
           <a:xfrm>
             <a:off x="8730000" y="6431400"/>
-            <a:ext cx="484920" cy="426600"/>
+            <a:ext cx="484560" cy="426240"/>
           </a:xfrm>
           <a:prstGeom prst="rect">
             <a:avLst/>
@@ -5121,7 +5121,7 @@
                 <a:spcPct val="100000"/>
               </a:lnSpc>
             </a:pPr>
-            <a:fld id="{738E69FD-5E6E-4905-BA5F-852796B124F0}" type="slidenum">
+            <a:fld id="{5BBEB337-5B7C-4B38-B461-250BA6C21FBC}" type="slidenum">
               <a:rPr b="0" lang="fr-FR" sz="2400" spc="-1" strike="noStrike">
                 <a:solidFill>
                   <a:srgbClr val="000000"/>
@@ -5153,7 +5153,7 @@
         <p:txBody>
           <a:bodyPr/>
           <a:p>
-            <a:fld id="{581CA783-52FB-4E4E-9042-63606C3FE301}" type="slidenum">
+            <a:fld id="{C331B0DB-CBEF-42D4-8EBC-31B338757C70}" type="slidenum">
               <a:t>11</a:t>
             </a:fld>
           </a:p>
@@ -5198,7 +5198,7 @@
         <p:spPr>
           <a:xfrm>
             <a:off x="540000" y="1080000"/>
-            <a:ext cx="3418200" cy="898200"/>
+            <a:ext cx="3417840" cy="897840"/>
           </a:xfrm>
           <a:prstGeom prst="rect">
             <a:avLst/>
@@ -5255,7 +5255,7 @@
         <p:spPr>
           <a:xfrm>
             <a:off x="3816000" y="684000"/>
-            <a:ext cx="3922200" cy="1788480"/>
+            <a:ext cx="3921840" cy="1788120"/>
           </a:xfrm>
           <a:prstGeom prst="rect">
             <a:avLst/>
@@ -5274,7 +5274,7 @@
         <p:spPr>
           <a:xfrm>
             <a:off x="540000" y="2880000"/>
-            <a:ext cx="3598200" cy="1438200"/>
+            <a:ext cx="3597840" cy="1437840"/>
           </a:xfrm>
           <a:prstGeom prst="rect">
             <a:avLst/>
@@ -5343,7 +5343,7 @@
         <p:spPr>
           <a:xfrm>
             <a:off x="669600" y="4680000"/>
-            <a:ext cx="6708600" cy="358200"/>
+            <a:ext cx="6708240" cy="357840"/>
           </a:xfrm>
           <a:prstGeom prst="rect">
             <a:avLst/>
@@ -5362,7 +5362,7 @@
         <p:spPr>
           <a:xfrm>
             <a:off x="8730000" y="6431400"/>
-            <a:ext cx="484920" cy="426600"/>
+            <a:ext cx="484560" cy="426240"/>
           </a:xfrm>
           <a:prstGeom prst="rect">
             <a:avLst/>
@@ -5388,7 +5388,7 @@
                 <a:spcPct val="100000"/>
               </a:lnSpc>
             </a:pPr>
-            <a:fld id="{C71E9D07-A1A7-4E65-9252-6026DE824F18}" type="slidenum">
+            <a:fld id="{D1FE2906-2B53-4B54-B239-3F3A775201C6}" type="slidenum">
               <a:rPr b="0" lang="fr-FR" sz="2400" spc="-1" strike="noStrike">
                 <a:solidFill>
                   <a:srgbClr val="000000"/>
@@ -5420,7 +5420,7 @@
         <p:txBody>
           <a:bodyPr/>
           <a:p>
-            <a:fld id="{10E4E514-27E2-4EBE-93EC-314DE36FA5B1}" type="slidenum">
+            <a:fld id="{865F6DC1-EE9F-40E4-B6F6-DF2D7FA62E9D}" type="slidenum">
               <a:t>12</a:t>
             </a:fld>
           </a:p>
@@ -5465,7 +5465,7 @@
         <p:spPr>
           <a:xfrm>
             <a:off x="576000" y="1306440"/>
-            <a:ext cx="8098200" cy="538200"/>
+            <a:ext cx="8097840" cy="537840"/>
           </a:xfrm>
           <a:prstGeom prst="rect">
             <a:avLst/>
@@ -5522,7 +5522,7 @@
         <p:spPr>
           <a:xfrm>
             <a:off x="0" y="1846440"/>
-            <a:ext cx="9141840" cy="2587320"/>
+            <a:ext cx="9141480" cy="2586960"/>
           </a:xfrm>
           <a:prstGeom prst="rect">
             <a:avLst/>
@@ -5541,7 +5541,7 @@
         <p:spPr>
           <a:xfrm>
             <a:off x="936000" y="4680000"/>
-            <a:ext cx="7198200" cy="718200"/>
+            <a:ext cx="7197840" cy="717840"/>
           </a:xfrm>
           <a:prstGeom prst="rect">
             <a:avLst/>
@@ -5598,7 +5598,7 @@
         <p:spPr>
           <a:xfrm>
             <a:off x="862200" y="5336640"/>
-            <a:ext cx="7318440" cy="718200"/>
+            <a:ext cx="7318080" cy="717840"/>
           </a:xfrm>
           <a:prstGeom prst="rect">
             <a:avLst/>
@@ -5617,7 +5617,7 @@
         <p:spPr>
           <a:xfrm>
             <a:off x="8730000" y="6431400"/>
-            <a:ext cx="484920" cy="426600"/>
+            <a:ext cx="484560" cy="426240"/>
           </a:xfrm>
           <a:prstGeom prst="rect">
             <a:avLst/>
@@ -5643,7 +5643,7 @@
                 <a:spcPct val="100000"/>
               </a:lnSpc>
             </a:pPr>
-            <a:fld id="{F7971E0A-B1B9-4DBC-8FFB-9CBF6613326D}" type="slidenum">
+            <a:fld id="{2988DD98-97DA-477A-9569-6F0CFA38E73E}" type="slidenum">
               <a:rPr b="0" lang="fr-FR" sz="2400" spc="-1" strike="noStrike">
                 <a:solidFill>
                   <a:srgbClr val="000000"/>
@@ -5675,7 +5675,7 @@
         <p:txBody>
           <a:bodyPr/>
           <a:p>
-            <a:fld id="{9C4B6F55-9AA9-4FE6-85BF-A900225EDB97}" type="slidenum">
+            <a:fld id="{3BC35935-DF7F-4C2D-B40E-260ED42C092F}" type="slidenum">
               <a:t>13</a:t>
             </a:fld>
           </a:p>
@@ -5720,7 +5720,7 @@
         <p:spPr>
           <a:xfrm>
             <a:off x="540000" y="900000"/>
-            <a:ext cx="2698200" cy="538200"/>
+            <a:ext cx="2697840" cy="537840"/>
           </a:xfrm>
           <a:prstGeom prst="rect">
             <a:avLst/>
@@ -5777,7 +5777,7 @@
         <p:spPr>
           <a:xfrm>
             <a:off x="25200" y="1474560"/>
-            <a:ext cx="9141840" cy="1281960"/>
+            <a:ext cx="9141480" cy="1281600"/>
           </a:xfrm>
           <a:prstGeom prst="rect">
             <a:avLst/>
@@ -5796,7 +5796,7 @@
         <p:spPr>
           <a:xfrm>
             <a:off x="8730000" y="6431400"/>
-            <a:ext cx="484920" cy="426600"/>
+            <a:ext cx="484560" cy="426240"/>
           </a:xfrm>
           <a:prstGeom prst="rect">
             <a:avLst/>
@@ -5822,7 +5822,7 @@
                 <a:spcPct val="100000"/>
               </a:lnSpc>
             </a:pPr>
-            <a:fld id="{49DEF915-5B3E-4309-AF4A-3D170F8A5C97}" type="slidenum">
+            <a:fld id="{E832E3BD-9919-4BCF-89C2-14EB24529887}" type="slidenum">
               <a:rPr b="0" lang="fr-FR" sz="2400" spc="-1" strike="noStrike">
                 <a:solidFill>
                   <a:srgbClr val="000000"/>
@@ -5854,7 +5854,7 @@
         <p:txBody>
           <a:bodyPr/>
           <a:p>
-            <a:fld id="{A51DD3F5-E6CF-4910-99C9-0989750272A8}" type="slidenum">
+            <a:fld id="{7AB5F81B-33CE-4A70-9A6C-E1AA0F1D70A6}" type="slidenum">
               <a:t>14</a:t>
             </a:fld>
           </a:p>
@@ -5899,7 +5899,7 @@
         <p:spPr>
           <a:xfrm>
             <a:off x="360000" y="900000"/>
-            <a:ext cx="4678200" cy="898200"/>
+            <a:ext cx="4677840" cy="897840"/>
           </a:xfrm>
           <a:prstGeom prst="rect">
             <a:avLst/>
@@ -5956,7 +5956,7 @@
         <p:spPr>
           <a:xfrm>
             <a:off x="442080" y="1908000"/>
-            <a:ext cx="3336120" cy="1978200"/>
+            <a:ext cx="3335760" cy="1977840"/>
           </a:xfrm>
           <a:prstGeom prst="rect">
             <a:avLst/>
@@ -5979,7 +5979,7 @@
         <p:spPr>
           <a:xfrm>
             <a:off x="5220000" y="1905480"/>
-            <a:ext cx="3238200" cy="1980720"/>
+            <a:ext cx="3237840" cy="1980360"/>
           </a:xfrm>
           <a:prstGeom prst="rect">
             <a:avLst/>
@@ -5998,7 +5998,7 @@
         <p:spPr>
           <a:xfrm>
             <a:off x="1800000" y="4140000"/>
-            <a:ext cx="4498200" cy="600480"/>
+            <a:ext cx="4497840" cy="600120"/>
           </a:xfrm>
           <a:prstGeom prst="rect">
             <a:avLst/>
@@ -6073,7 +6073,7 @@
         <p:spPr>
           <a:xfrm>
             <a:off x="360000" y="5040000"/>
-            <a:ext cx="5398200" cy="898200"/>
+            <a:ext cx="5397840" cy="897840"/>
           </a:xfrm>
           <a:prstGeom prst="rect">
             <a:avLst/>
@@ -6126,7 +6126,7 @@
         <p:spPr>
           <a:xfrm>
             <a:off x="8730000" y="6431400"/>
-            <a:ext cx="484920" cy="426600"/>
+            <a:ext cx="484560" cy="426240"/>
           </a:xfrm>
           <a:prstGeom prst="rect">
             <a:avLst/>
@@ -6152,7 +6152,7 @@
                 <a:spcPct val="100000"/>
               </a:lnSpc>
             </a:pPr>
-            <a:fld id="{8117E2E7-2D2D-4D18-8724-54E38DA944B0}" type="slidenum">
+            <a:fld id="{1AC003EF-43F7-40E3-AFF5-D487DC6124A9}" type="slidenum">
               <a:rPr b="0" lang="fr-FR" sz="2400" spc="-1" strike="noStrike">
                 <a:solidFill>
                   <a:srgbClr val="000000"/>
@@ -6184,7 +6184,7 @@
         <p:txBody>
           <a:bodyPr/>
           <a:p>
-            <a:fld id="{E6ED6E13-54F1-486E-98BD-58196D66E647}" type="slidenum">
+            <a:fld id="{47A8FE75-078E-48D0-B9AA-2C19D481FF8E}" type="slidenum">
               <a:t>15</a:t>
             </a:fld>
           </a:p>
@@ -6229,7 +6229,7 @@
         <p:spPr>
           <a:xfrm>
             <a:off x="363240" y="720000"/>
-            <a:ext cx="5578200" cy="600480"/>
+            <a:ext cx="5577840" cy="600120"/>
           </a:xfrm>
           <a:prstGeom prst="rect">
             <a:avLst/>
@@ -6286,7 +6286,7 @@
         <p:spPr>
           <a:xfrm>
             <a:off x="360000" y="1303200"/>
-            <a:ext cx="4501440" cy="1575000"/>
+            <a:ext cx="4501080" cy="1574640"/>
           </a:xfrm>
           <a:prstGeom prst="rect">
             <a:avLst/>
@@ -6305,7 +6305,7 @@
         <p:spPr>
           <a:xfrm>
             <a:off x="4863240" y="1800000"/>
-            <a:ext cx="3238200" cy="358200"/>
+            <a:ext cx="3237840" cy="357840"/>
           </a:xfrm>
           <a:prstGeom prst="rect">
             <a:avLst/>
@@ -6371,7 +6371,7 @@
         <p:spPr>
           <a:xfrm>
             <a:off x="363240" y="3240000"/>
-            <a:ext cx="4713480" cy="2158200"/>
+            <a:ext cx="4713120" cy="2157840"/>
           </a:xfrm>
           <a:prstGeom prst="rect">
             <a:avLst/>
@@ -6390,7 +6390,7 @@
         <p:spPr>
           <a:xfrm>
             <a:off x="5078520" y="4140000"/>
-            <a:ext cx="3238200" cy="600480"/>
+            <a:ext cx="3237840" cy="600120"/>
           </a:xfrm>
           <a:prstGeom prst="rect">
             <a:avLst/>
@@ -6452,7 +6452,7 @@
         <p:spPr>
           <a:xfrm>
             <a:off x="540000" y="5493240"/>
-            <a:ext cx="8278200" cy="538200"/>
+            <a:ext cx="8277840" cy="537840"/>
           </a:xfrm>
           <a:prstGeom prst="rect">
             <a:avLst/>
@@ -6505,7 +6505,7 @@
         <p:spPr>
           <a:xfrm>
             <a:off x="8730000" y="6431400"/>
-            <a:ext cx="484920" cy="426600"/>
+            <a:ext cx="484560" cy="426240"/>
           </a:xfrm>
           <a:prstGeom prst="rect">
             <a:avLst/>
@@ -6531,7 +6531,7 @@
                 <a:spcPct val="100000"/>
               </a:lnSpc>
             </a:pPr>
-            <a:fld id="{51CBF4B9-6C8D-4AE1-830B-61B2B394C74F}" type="slidenum">
+            <a:fld id="{5EF140D5-3AC4-4DC2-B10E-DF3D838CDB14}" type="slidenum">
               <a:rPr b="0" lang="fr-FR" sz="2400" spc="-1" strike="noStrike">
                 <a:solidFill>
                   <a:srgbClr val="000000"/>
@@ -6563,7 +6563,7 @@
         <p:txBody>
           <a:bodyPr/>
           <a:p>
-            <a:fld id="{2080670B-B19A-4C92-875E-2E9B517777C7}" type="slidenum">
+            <a:fld id="{71FB7988-3C18-481B-BD0E-B4CEEDDA59A5}" type="slidenum">
               <a:t>16</a:t>
             </a:fld>
           </a:p>
@@ -6608,7 +6608,7 @@
         <p:spPr>
           <a:xfrm>
             <a:off x="900000" y="1062360"/>
-            <a:ext cx="7198200" cy="4695840"/>
+            <a:ext cx="7197840" cy="4695480"/>
           </a:xfrm>
           <a:prstGeom prst="rect">
             <a:avLst/>
@@ -6954,7 +6954,7 @@
         <p:spPr>
           <a:xfrm>
             <a:off x="8730000" y="6431400"/>
-            <a:ext cx="484920" cy="426600"/>
+            <a:ext cx="484560" cy="426240"/>
           </a:xfrm>
           <a:prstGeom prst="rect">
             <a:avLst/>
@@ -6980,7 +6980,7 @@
                 <a:spcPct val="100000"/>
               </a:lnSpc>
             </a:pPr>
-            <a:fld id="{119EC528-6021-4148-9F92-B827D790B31F}" type="slidenum">
+            <a:fld id="{FCD22AE6-A501-4915-8DFD-5254276F461F}" type="slidenum">
               <a:rPr b="0" lang="fr-FR" sz="2400" spc="-1" strike="noStrike">
                 <a:solidFill>
                   <a:srgbClr val="000000"/>
@@ -7012,7 +7012,7 @@
         <p:txBody>
           <a:bodyPr/>
           <a:p>
-            <a:fld id="{23EABB3F-7D8D-41E4-87B3-56B00E33E150}" type="slidenum">
+            <a:fld id="{A949094E-E2F0-4518-8836-01B1FEF54535}" type="slidenum">
               <a:t>17</a:t>
             </a:fld>
           </a:p>
@@ -7061,7 +7061,7 @@
         <p:spPr>
           <a:xfrm>
             <a:off x="288000" y="1800000"/>
-            <a:ext cx="3405240" cy="1978200"/>
+            <a:ext cx="3404880" cy="1977840"/>
           </a:xfrm>
           <a:prstGeom prst="rect">
             <a:avLst/>
@@ -7080,7 +7080,7 @@
         <p:spPr>
           <a:xfrm>
             <a:off x="3816000" y="2592000"/>
-            <a:ext cx="1618200" cy="718200"/>
+            <a:ext cx="1617840" cy="717840"/>
           </a:xfrm>
           <a:prstGeom prst="rightArrow">
             <a:avLst>
@@ -7135,7 +7135,7 @@
         <p:spPr>
           <a:xfrm>
             <a:off x="5488920" y="1810440"/>
-            <a:ext cx="3617280" cy="1967760"/>
+            <a:ext cx="3616920" cy="1967400"/>
           </a:xfrm>
           <a:prstGeom prst="rect">
             <a:avLst/>
@@ -7158,7 +7158,7 @@
         <p:spPr>
           <a:xfrm>
             <a:off x="396000" y="4032000"/>
-            <a:ext cx="3238200" cy="1944000"/>
+            <a:ext cx="3237840" cy="1943640"/>
           </a:xfrm>
           <a:prstGeom prst="rect">
             <a:avLst/>
@@ -7177,7 +7177,7 @@
         <p:spPr>
           <a:xfrm>
             <a:off x="3816000" y="4716000"/>
-            <a:ext cx="1618200" cy="718200"/>
+            <a:ext cx="1617840" cy="717840"/>
           </a:xfrm>
           <a:prstGeom prst="rightArrow">
             <a:avLst>
@@ -7232,7 +7232,7 @@
         <p:spPr>
           <a:xfrm>
             <a:off x="5575320" y="4032000"/>
-            <a:ext cx="3388680" cy="1978200"/>
+            <a:ext cx="3388320" cy="1977840"/>
           </a:xfrm>
           <a:prstGeom prst="rect">
             <a:avLst/>
@@ -7251,7 +7251,7 @@
         <p:spPr>
           <a:xfrm>
             <a:off x="360000" y="648000"/>
-            <a:ext cx="8638560" cy="1112760"/>
+            <a:ext cx="8638200" cy="1112400"/>
           </a:xfrm>
           <a:prstGeom prst="rect">
             <a:avLst/>
@@ -7370,7 +7370,7 @@
         <p:spPr>
           <a:xfrm>
             <a:off x="8730000" y="6431400"/>
-            <a:ext cx="484920" cy="426600"/>
+            <a:ext cx="484560" cy="426240"/>
           </a:xfrm>
           <a:prstGeom prst="rect">
             <a:avLst/>
@@ -7396,7 +7396,7 @@
                 <a:spcPct val="100000"/>
               </a:lnSpc>
             </a:pPr>
-            <a:fld id="{A00E7E2D-3BC1-445F-BDE4-339163C225A6}" type="slidenum">
+            <a:fld id="{750E6B95-27F8-408A-9F59-81CBA13F772F}" type="slidenum">
               <a:rPr b="0" lang="fr-FR" sz="2400" spc="-1" strike="noStrike">
                 <a:solidFill>
                   <a:srgbClr val="000000"/>
@@ -7428,7 +7428,7 @@
         <p:txBody>
           <a:bodyPr/>
           <a:p>
-            <a:fld id="{A61DB406-14B3-4D11-853D-6868DDF349A8}" type="slidenum">
+            <a:fld id="{DD0AE8EA-B6E7-417C-A223-724824D99084}" type="slidenum">
               <a:t>18</a:t>
             </a:fld>
           </a:p>
@@ -7477,7 +7477,7 @@
         <p:spPr>
           <a:xfrm>
             <a:off x="36000" y="36000"/>
-            <a:ext cx="5002200" cy="2958480"/>
+            <a:ext cx="5001840" cy="2958120"/>
           </a:xfrm>
           <a:prstGeom prst="rect">
             <a:avLst/>
@@ -7500,7 +7500,7 @@
         <p:spPr>
           <a:xfrm>
             <a:off x="3780000" y="3017880"/>
-            <a:ext cx="5218200" cy="3042000"/>
+            <a:ext cx="5217840" cy="3041640"/>
           </a:xfrm>
           <a:prstGeom prst="rect">
             <a:avLst/>
@@ -7519,7 +7519,7 @@
         <p:spPr>
           <a:xfrm>
             <a:off x="8730000" y="6431400"/>
-            <a:ext cx="484920" cy="426600"/>
+            <a:ext cx="484560" cy="426240"/>
           </a:xfrm>
           <a:prstGeom prst="rect">
             <a:avLst/>
@@ -7545,7 +7545,7 @@
                 <a:spcPct val="100000"/>
               </a:lnSpc>
             </a:pPr>
-            <a:fld id="{2A737FC3-BA92-4E59-BB1F-3D5FE85EBD37}" type="slidenum">
+            <a:fld id="{E64A44D1-7025-471F-B1BE-2DBAD3026D7C}" type="slidenum">
               <a:rPr b="0" lang="fr-FR" sz="2400" spc="-1" strike="noStrike">
                 <a:solidFill>
                   <a:srgbClr val="000000"/>
@@ -7577,7 +7577,7 @@
         <p:txBody>
           <a:bodyPr/>
           <a:p>
-            <a:fld id="{8254AC34-A22E-4929-A028-11ABFFF91395}" type="slidenum">
+            <a:fld id="{939FE0BF-7D2A-49AF-8820-590B30D26C64}" type="slidenum">
               <a:t>19</a:t>
             </a:fld>
           </a:p>
@@ -7622,7 +7622,7 @@
         <p:spPr>
           <a:xfrm>
             <a:off x="610920" y="6134760"/>
-            <a:ext cx="5758200" cy="427680"/>
+            <a:ext cx="5757840" cy="427320"/>
           </a:xfrm>
           <a:prstGeom prst="rect">
             <a:avLst/>
@@ -7683,7 +7683,7 @@
         <p:spPr>
           <a:xfrm>
             <a:off x="467640" y="5301360"/>
-            <a:ext cx="5109480" cy="752760"/>
+            <a:ext cx="5109120" cy="752400"/>
           </a:xfrm>
           <a:prstGeom prst="rect">
             <a:avLst/>
@@ -7752,7 +7752,7 @@
         <p:spPr>
           <a:xfrm>
             <a:off x="1925640" y="748080"/>
-            <a:ext cx="5289480" cy="5289480"/>
+            <a:ext cx="5289120" cy="5289120"/>
           </a:xfrm>
           <a:prstGeom prst="rect">
             <a:avLst/>
@@ -7814,7 +7814,7 @@
         <p:spPr>
           <a:xfrm>
             <a:off x="467640" y="1556640"/>
-            <a:ext cx="8205840" cy="2949120"/>
+            <a:ext cx="8205480" cy="2948760"/>
           </a:xfrm>
           <a:prstGeom prst="rect">
             <a:avLst/>
@@ -7927,7 +7927,7 @@
         <p:spPr>
           <a:xfrm>
             <a:off x="6087240" y="5121720"/>
-            <a:ext cx="2909880" cy="768600"/>
+            <a:ext cx="2909520" cy="768240"/>
           </a:xfrm>
           <a:prstGeom prst="rect">
             <a:avLst/>
@@ -8026,7 +8026,7 @@
         <p:spPr>
           <a:xfrm>
             <a:off x="8820000" y="6430680"/>
-            <a:ext cx="378360" cy="426600"/>
+            <a:ext cx="378000" cy="426240"/>
           </a:xfrm>
           <a:prstGeom prst="rect">
             <a:avLst/>
@@ -8052,7 +8052,7 @@
                 <a:spcPct val="100000"/>
               </a:lnSpc>
             </a:pPr>
-            <a:fld id="{E9FE0C84-1100-43E6-B0D1-A3D7C9A910C3}" type="slidenum">
+            <a:fld id="{AD0309AB-8629-4090-B8FD-B3DDC348573F}" type="slidenum">
               <a:rPr b="0" lang="fr-FR" sz="2400" spc="-1" strike="noStrike">
                 <a:solidFill>
                   <a:srgbClr val="000000"/>
@@ -8084,7 +8084,7 @@
         <p:txBody>
           <a:bodyPr/>
           <a:p>
-            <a:fld id="{A5A2FC75-E632-470C-82B1-81588100A585}" type="slidenum">
+            <a:fld id="{895E9061-154B-470D-A6BF-E3017630EAF7}" type="slidenum">
               <a:t>2</a:t>
             </a:fld>
           </a:p>
@@ -8129,7 +8129,7 @@
         <p:spPr>
           <a:xfrm>
             <a:off x="360000" y="720000"/>
-            <a:ext cx="4498200" cy="1438200"/>
+            <a:ext cx="4497840" cy="1437840"/>
           </a:xfrm>
           <a:prstGeom prst="rect">
             <a:avLst/>
@@ -8264,7 +8264,7 @@
         <p:spPr>
           <a:xfrm>
             <a:off x="62640" y="2700000"/>
-            <a:ext cx="4435920" cy="3326400"/>
+            <a:ext cx="4435560" cy="3326040"/>
           </a:xfrm>
           <a:prstGeom prst="rect">
             <a:avLst/>
@@ -8287,7 +8287,7 @@
         <p:spPr>
           <a:xfrm>
             <a:off x="4608000" y="2700000"/>
-            <a:ext cx="4469400" cy="3351600"/>
+            <a:ext cx="4469040" cy="3351240"/>
           </a:xfrm>
           <a:prstGeom prst="rect">
             <a:avLst/>
@@ -8306,7 +8306,7 @@
         <p:spPr>
           <a:xfrm>
             <a:off x="8730000" y="6431400"/>
-            <a:ext cx="484920" cy="426600"/>
+            <a:ext cx="484560" cy="426240"/>
           </a:xfrm>
           <a:prstGeom prst="rect">
             <a:avLst/>
@@ -8332,7 +8332,7 @@
                 <a:spcPct val="100000"/>
               </a:lnSpc>
             </a:pPr>
-            <a:fld id="{17606CAB-C107-4A1D-821B-6111B97A30D8}" type="slidenum">
+            <a:fld id="{39B7AA12-DFA8-4DFB-B7DC-3AD28DD0F639}" type="slidenum">
               <a:rPr b="0" lang="fr-FR" sz="2400" spc="-1" strike="noStrike">
                 <a:solidFill>
                   <a:srgbClr val="000000"/>
@@ -8364,7 +8364,7 @@
         <p:txBody>
           <a:bodyPr/>
           <a:p>
-            <a:fld id="{AD901CDB-1BB9-472C-AF0A-5ED6437BEF01}" type="slidenum">
+            <a:fld id="{D6A5CABB-3D90-4CBD-BE7F-99E21519F973}" type="slidenum">
               <a:t>20</a:t>
             </a:fld>
           </a:p>
@@ -8409,7 +8409,7 @@
         <p:spPr>
           <a:xfrm>
             <a:off x="108000" y="828000"/>
-            <a:ext cx="4498560" cy="718560"/>
+            <a:ext cx="4498200" cy="718200"/>
           </a:xfrm>
           <a:prstGeom prst="rect">
             <a:avLst/>
@@ -8478,7 +8478,7 @@
         <p:spPr>
           <a:xfrm>
             <a:off x="866160" y="1542240"/>
-            <a:ext cx="7376400" cy="4425120"/>
+            <a:ext cx="7376040" cy="4424760"/>
           </a:xfrm>
           <a:prstGeom prst="rect">
             <a:avLst/>
@@ -8497,7 +8497,7 @@
         <p:spPr>
           <a:xfrm>
             <a:off x="5427720" y="720000"/>
-            <a:ext cx="3030840" cy="856800"/>
+            <a:ext cx="3030480" cy="856440"/>
           </a:xfrm>
           <a:prstGeom prst="rect">
             <a:avLst/>
@@ -8594,7 +8594,7 @@
         <p:spPr>
           <a:xfrm>
             <a:off x="8730000" y="6431400"/>
-            <a:ext cx="484920" cy="426600"/>
+            <a:ext cx="484560" cy="426240"/>
           </a:xfrm>
           <a:prstGeom prst="rect">
             <a:avLst/>
@@ -8620,7 +8620,7 @@
                 <a:spcPct val="100000"/>
               </a:lnSpc>
             </a:pPr>
-            <a:fld id="{396E7AB9-8417-46DC-B5CB-52A73AF1D05D}" type="slidenum">
+            <a:fld id="{94FACCBE-384F-46A1-A70C-90244A9CA8B2}" type="slidenum">
               <a:rPr b="0" lang="fr-FR" sz="2400" spc="-1" strike="noStrike">
                 <a:solidFill>
                   <a:srgbClr val="000000"/>
@@ -8652,7 +8652,7 @@
         <p:txBody>
           <a:bodyPr/>
           <a:p>
-            <a:fld id="{9B7C6430-9DD0-40FA-96B4-0E73F810874B}" type="slidenum">
+            <a:fld id="{C4978111-E83D-4D80-A1A1-BD4BA072D241}" type="slidenum">
               <a:t>21</a:t>
             </a:fld>
           </a:p>
@@ -8697,7 +8697,7 @@
         <p:spPr>
           <a:xfrm>
             <a:off x="1260000" y="1980000"/>
-            <a:ext cx="6477480" cy="3494160"/>
+            <a:ext cx="6477120" cy="3493800"/>
           </a:xfrm>
           <a:prstGeom prst="rect">
             <a:avLst/>
@@ -8764,7 +8764,7 @@
         <p:spPr>
           <a:xfrm>
             <a:off x="8730000" y="6431400"/>
-            <a:ext cx="484920" cy="426600"/>
+            <a:ext cx="484560" cy="426240"/>
           </a:xfrm>
           <a:prstGeom prst="rect">
             <a:avLst/>
@@ -8790,7 +8790,7 @@
                 <a:spcPct val="100000"/>
               </a:lnSpc>
             </a:pPr>
-            <a:fld id="{F9247878-A5D1-4244-9AD1-AC6EB0531A06}" type="slidenum">
+            <a:fld id="{F800500C-0A6E-4C3C-8086-C264558C95CA}" type="slidenum">
               <a:rPr b="0" lang="fr-FR" sz="2400" spc="-1" strike="noStrike">
                 <a:solidFill>
                   <a:srgbClr val="000000"/>
@@ -8822,7 +8822,7 @@
         <p:txBody>
           <a:bodyPr/>
           <a:p>
-            <a:fld id="{63E54501-76B1-4654-8166-FAB8942C9709}" type="slidenum">
+            <a:fld id="{EFFFFED3-65DF-4785-ADCA-C8802D07FDA9}" type="slidenum">
               <a:t>22</a:t>
             </a:fld>
           </a:p>
@@ -8871,7 +8871,7 @@
         <p:spPr>
           <a:xfrm>
             <a:off x="900000" y="1087560"/>
-            <a:ext cx="7079760" cy="4671360"/>
+            <a:ext cx="7079400" cy="4671000"/>
           </a:xfrm>
           <a:prstGeom prst="rect">
             <a:avLst/>
@@ -8890,7 +8890,7 @@
         <p:spPr>
           <a:xfrm>
             <a:off x="900000" y="720000"/>
-            <a:ext cx="5038920" cy="366480"/>
+            <a:ext cx="5038560" cy="366120"/>
           </a:xfrm>
           <a:prstGeom prst="rect">
             <a:avLst/>
@@ -8943,7 +8943,7 @@
         <p:spPr>
           <a:xfrm>
             <a:off x="8730000" y="6431400"/>
-            <a:ext cx="484920" cy="426600"/>
+            <a:ext cx="484560" cy="426240"/>
           </a:xfrm>
           <a:prstGeom prst="rect">
             <a:avLst/>
@@ -8969,7 +8969,7 @@
                 <a:spcPct val="100000"/>
               </a:lnSpc>
             </a:pPr>
-            <a:fld id="{C9C454E0-86F3-43E3-8C40-7064B947D1A8}" type="slidenum">
+            <a:fld id="{1FC899D9-777C-4D97-BD88-63247F1A6F61}" type="slidenum">
               <a:rPr b="0" lang="fr-FR" sz="2400" spc="-1" strike="noStrike">
                 <a:solidFill>
                   <a:srgbClr val="000000"/>
@@ -9001,7 +9001,7 @@
         <p:txBody>
           <a:bodyPr/>
           <a:p>
-            <a:fld id="{665388CC-41A4-432A-96B8-C2490AFCF3A5}" type="slidenum">
+            <a:fld id="{05909178-0D03-470C-B897-8A85F76C145F}" type="slidenum">
               <a:t>23</a:t>
             </a:fld>
           </a:p>
@@ -9046,7 +9046,7 @@
         <p:spPr>
           <a:xfrm>
             <a:off x="900000" y="720360"/>
-            <a:ext cx="5038920" cy="601200"/>
+            <a:ext cx="5038560" cy="600840"/>
           </a:xfrm>
           <a:prstGeom prst="rect">
             <a:avLst/>
@@ -9134,7 +9134,7 @@
         <p:spPr>
           <a:xfrm>
             <a:off x="1021320" y="1332000"/>
-            <a:ext cx="7221600" cy="4678920"/>
+            <a:ext cx="7221240" cy="4678560"/>
           </a:xfrm>
           <a:prstGeom prst="rect">
             <a:avLst/>
@@ -9153,7 +9153,7 @@
         <p:spPr>
           <a:xfrm>
             <a:off x="8730000" y="6431400"/>
-            <a:ext cx="484920" cy="426600"/>
+            <a:ext cx="484560" cy="426240"/>
           </a:xfrm>
           <a:prstGeom prst="rect">
             <a:avLst/>
@@ -9179,7 +9179,7 @@
                 <a:spcPct val="100000"/>
               </a:lnSpc>
             </a:pPr>
-            <a:fld id="{6C6E3A45-FB0D-42E0-AB4D-57F3E2B75C89}" type="slidenum">
+            <a:fld id="{56E5386B-EA25-499A-B424-3D05C0A157EA}" type="slidenum">
               <a:rPr b="0" lang="fr-FR" sz="2400" spc="-1" strike="noStrike">
                 <a:solidFill>
                   <a:srgbClr val="000000"/>
@@ -9211,7 +9211,7 @@
         <p:txBody>
           <a:bodyPr/>
           <a:p>
-            <a:fld id="{0084990D-D4CC-4526-98D9-D39319416457}" type="slidenum">
+            <a:fld id="{E28ECCBF-384B-4E5A-B43F-D4555C20CF0F}" type="slidenum">
               <a:t>24</a:t>
             </a:fld>
           </a:p>
@@ -9256,7 +9256,7 @@
         <p:spPr>
           <a:xfrm>
             <a:off x="360000" y="720000"/>
-            <a:ext cx="4138920" cy="358920"/>
+            <a:ext cx="4138560" cy="358560"/>
           </a:xfrm>
           <a:prstGeom prst="rect">
             <a:avLst/>
@@ -9313,7 +9313,7 @@
         <p:spPr>
           <a:xfrm>
             <a:off x="864000" y="1080000"/>
-            <a:ext cx="7556040" cy="5002920"/>
+            <a:ext cx="7555680" cy="5002560"/>
           </a:xfrm>
           <a:prstGeom prst="rect">
             <a:avLst/>
@@ -9332,7 +9332,7 @@
         <p:spPr>
           <a:xfrm>
             <a:off x="4680000" y="720000"/>
-            <a:ext cx="4138920" cy="358920"/>
+            <a:ext cx="4138560" cy="358560"/>
           </a:xfrm>
           <a:prstGeom prst="rect">
             <a:avLst/>
@@ -9385,7 +9385,7 @@
         <p:spPr>
           <a:xfrm>
             <a:off x="8730000" y="6431400"/>
-            <a:ext cx="484920" cy="426600"/>
+            <a:ext cx="484560" cy="426240"/>
           </a:xfrm>
           <a:prstGeom prst="rect">
             <a:avLst/>
@@ -9411,7 +9411,7 @@
                 <a:spcPct val="100000"/>
               </a:lnSpc>
             </a:pPr>
-            <a:fld id="{4719EF7F-A447-4083-B930-D8988159BEE0}" type="slidenum">
+            <a:fld id="{01D5B01F-C384-417C-B6B2-044137C449F6}" type="slidenum">
               <a:rPr b="0" lang="fr-FR" sz="2400" spc="-1" strike="noStrike">
                 <a:solidFill>
                   <a:srgbClr val="000000"/>
@@ -9443,7 +9443,7 @@
         <p:txBody>
           <a:bodyPr/>
           <a:p>
-            <a:fld id="{404F2692-F4DF-491D-9CB7-E72A8248F82D}" type="slidenum">
+            <a:fld id="{25F38D1E-082B-4E7C-B7A1-9A2D791449DF}" type="slidenum">
               <a:t>25</a:t>
             </a:fld>
           </a:p>
@@ -9488,7 +9488,7 @@
         <p:spPr>
           <a:xfrm>
             <a:off x="180000" y="720000"/>
-            <a:ext cx="5218920" cy="358920"/>
+            <a:ext cx="5218560" cy="358560"/>
           </a:xfrm>
           <a:prstGeom prst="rect">
             <a:avLst/>
@@ -9545,7 +9545,7 @@
         <p:spPr>
           <a:xfrm>
             <a:off x="756000" y="1044000"/>
-            <a:ext cx="7571520" cy="5065200"/>
+            <a:ext cx="7571160" cy="5064840"/>
           </a:xfrm>
           <a:prstGeom prst="rect">
             <a:avLst/>
@@ -9564,7 +9564,7 @@
         <p:spPr>
           <a:xfrm>
             <a:off x="8730000" y="6431400"/>
-            <a:ext cx="484920" cy="426600"/>
+            <a:ext cx="484560" cy="426240"/>
           </a:xfrm>
           <a:prstGeom prst="rect">
             <a:avLst/>
@@ -9590,7 +9590,7 @@
                 <a:spcPct val="100000"/>
               </a:lnSpc>
             </a:pPr>
-            <a:fld id="{E6F518A6-1048-4E30-B7D5-CE5E352CA6F2}" type="slidenum">
+            <a:fld id="{800CA9A1-EE88-45C9-931D-7BF97943724B}" type="slidenum">
               <a:rPr b="0" lang="fr-FR" sz="2400" spc="-1" strike="noStrike">
                 <a:solidFill>
                   <a:srgbClr val="000000"/>
@@ -9622,7 +9622,7 @@
         <p:txBody>
           <a:bodyPr/>
           <a:p>
-            <a:fld id="{B59C7FF7-F867-4D59-9F71-A68AC13C09C5}" type="slidenum">
+            <a:fld id="{86B921D6-5A06-4CE2-850E-CF6380FF5037}" type="slidenum">
               <a:t>26</a:t>
             </a:fld>
           </a:p>
@@ -9671,7 +9671,7 @@
         <p:spPr>
           <a:xfrm>
             <a:off x="1480320" y="900000"/>
-            <a:ext cx="5538600" cy="2071080"/>
+            <a:ext cx="5538240" cy="2070720"/>
           </a:xfrm>
           <a:prstGeom prst="rect">
             <a:avLst/>
@@ -9690,7 +9690,7 @@
         <p:spPr>
           <a:xfrm>
             <a:off x="259560" y="3420000"/>
-            <a:ext cx="8883360" cy="1625400"/>
+            <a:ext cx="8883000" cy="1625040"/>
           </a:xfrm>
           <a:prstGeom prst="rect">
             <a:avLst/>
@@ -9813,7 +9813,7 @@
         <p:spPr>
           <a:xfrm>
             <a:off x="8730000" y="6431400"/>
-            <a:ext cx="484920" cy="426600"/>
+            <a:ext cx="484560" cy="426240"/>
           </a:xfrm>
           <a:prstGeom prst="rect">
             <a:avLst/>
@@ -9839,7 +9839,7 @@
                 <a:spcPct val="100000"/>
               </a:lnSpc>
             </a:pPr>
-            <a:fld id="{B4AFDCC8-8F25-4DEF-B498-92B664959164}" type="slidenum">
+            <a:fld id="{A6C8A03C-4315-4622-9387-DDC05753851D}" type="slidenum">
               <a:rPr b="0" lang="fr-FR" sz="2400" spc="-1" strike="noStrike">
                 <a:solidFill>
                   <a:srgbClr val="000000"/>
@@ -9871,7 +9871,7 @@
         <p:txBody>
           <a:bodyPr/>
           <a:p>
-            <a:fld id="{74CE58A4-F329-44F8-BC7D-12F8F24DB5E4}" type="slidenum">
+            <a:fld id="{BBA05FDC-B720-4867-9C90-A6270287D9F4}" type="slidenum">
               <a:t>27</a:t>
             </a:fld>
           </a:p>
@@ -9916,7 +9916,7 @@
         <p:spPr>
           <a:xfrm>
             <a:off x="1260000" y="5220000"/>
-            <a:ext cx="4498920" cy="898920"/>
+            <a:ext cx="4498560" cy="898560"/>
           </a:xfrm>
           <a:prstGeom prst="rect">
             <a:avLst/>
@@ -9969,7 +9969,7 @@
         <p:spPr>
           <a:xfrm>
             <a:off x="8730000" y="6431400"/>
-            <a:ext cx="484920" cy="426600"/>
+            <a:ext cx="484560" cy="426240"/>
           </a:xfrm>
           <a:prstGeom prst="rect">
             <a:avLst/>
@@ -9995,7 +9995,7 @@
                 <a:spcPct val="100000"/>
               </a:lnSpc>
             </a:pPr>
-            <a:fld id="{3E05B7EB-BB20-41DC-8ACA-826D75284350}" type="slidenum">
+            <a:fld id="{D2E12669-72A0-4B66-B5C8-B54AE1EDF8E9}" type="slidenum">
               <a:rPr b="0" lang="fr-FR" sz="2400" spc="-1" strike="noStrike">
                 <a:solidFill>
                   <a:srgbClr val="000000"/>
@@ -10026,7 +10026,7 @@
         <p:spPr>
           <a:xfrm>
             <a:off x="360000" y="690480"/>
-            <a:ext cx="7019280" cy="4386600"/>
+            <a:ext cx="7018920" cy="4386240"/>
           </a:xfrm>
           <a:prstGeom prst="rect">
             <a:avLst/>
@@ -10050,7 +10050,7 @@
         <p:txBody>
           <a:bodyPr/>
           <a:p>
-            <a:fld id="{2F637065-B80C-4BE3-B6DD-CE4B9B43DCC8}" type="slidenum">
+            <a:fld id="{C03B958C-FD16-4038-88FD-7E78D68791E8}" type="slidenum">
               <a:t>28</a:t>
             </a:fld>
           </a:p>
@@ -10095,7 +10095,7 @@
         <p:spPr>
           <a:xfrm>
             <a:off x="8730000" y="6431400"/>
-            <a:ext cx="484920" cy="426600"/>
+            <a:ext cx="484560" cy="426240"/>
           </a:xfrm>
           <a:prstGeom prst="rect">
             <a:avLst/>
@@ -10121,7 +10121,7 @@
                 <a:spcPct val="100000"/>
               </a:lnSpc>
             </a:pPr>
-            <a:fld id="{B62DED38-444F-4F1D-9E56-4ABEA5C49C5D}" type="slidenum">
+            <a:fld id="{6DB70861-CEF8-4CEB-BA50-20FF7179AE17}" type="slidenum">
               <a:rPr b="0" lang="fr-FR" sz="2400" spc="-1" strike="noStrike">
                 <a:solidFill>
                   <a:srgbClr val="000000"/>
@@ -10152,7 +10152,7 @@
         <p:spPr>
           <a:xfrm>
             <a:off x="443520" y="644040"/>
-            <a:ext cx="8087760" cy="5391360"/>
+            <a:ext cx="8087400" cy="5391000"/>
           </a:xfrm>
           <a:prstGeom prst="rect">
             <a:avLst/>
@@ -10176,7 +10176,7 @@
         <p:txBody>
           <a:bodyPr/>
           <a:p>
-            <a:fld id="{2258753B-3E46-4085-A10D-559654C37139}" type="slidenum">
+            <a:fld id="{D6D758AE-02CE-4F68-B7CD-E3BCB09C5283}" type="slidenum">
               <a:t>29</a:t>
             </a:fld>
           </a:p>
@@ -10225,7 +10225,7 @@
         <p:spPr>
           <a:xfrm>
             <a:off x="1008000" y="260280"/>
-            <a:ext cx="7845480" cy="357120"/>
+            <a:ext cx="7845120" cy="356760"/>
           </a:xfrm>
           <a:prstGeom prst="rect">
             <a:avLst/>
@@ -10281,7 +10281,7 @@
         <p:spPr>
           <a:xfrm>
             <a:off x="107640" y="1260000"/>
-            <a:ext cx="2949480" cy="1104480"/>
+            <a:ext cx="2949120" cy="1104120"/>
           </a:xfrm>
           <a:prstGeom prst="rect">
             <a:avLst/>
@@ -10386,7 +10386,7 @@
         <p:spPr>
           <a:xfrm>
             <a:off x="2880000" y="1260000"/>
-            <a:ext cx="3417120" cy="897120"/>
+            <a:ext cx="3416760" cy="896760"/>
           </a:xfrm>
           <a:prstGeom prst="ellipse">
             <a:avLst/>
@@ -10484,7 +10484,7 @@
         <p:spPr>
           <a:xfrm>
             <a:off x="2880000" y="2700000"/>
-            <a:ext cx="3597120" cy="897120"/>
+            <a:ext cx="3596760" cy="896760"/>
           </a:xfrm>
           <a:prstGeom prst="ellipse">
             <a:avLst/>
@@ -10553,7 +10553,7 @@
         <p:spPr>
           <a:xfrm>
             <a:off x="4680000" y="2244600"/>
-            <a:ext cx="3057120" cy="357120"/>
+            <a:ext cx="3056760" cy="356760"/>
           </a:xfrm>
           <a:prstGeom prst="rect">
             <a:avLst/>
@@ -10647,7 +10647,7 @@
         <p:spPr>
           <a:xfrm>
             <a:off x="2880000" y="4680000"/>
-            <a:ext cx="3597120" cy="897120"/>
+            <a:ext cx="3596760" cy="896760"/>
           </a:xfrm>
           <a:prstGeom prst="ellipse">
             <a:avLst/>
@@ -10716,7 +10716,7 @@
         <p:spPr>
           <a:xfrm>
             <a:off x="4860000" y="3600000"/>
-            <a:ext cx="3957120" cy="1257120"/>
+            <a:ext cx="3956760" cy="1256760"/>
           </a:xfrm>
           <a:prstGeom prst="rect">
             <a:avLst/>
@@ -10807,7 +10807,7 @@
         <p:spPr>
           <a:xfrm>
             <a:off x="565560" y="3564000"/>
-            <a:ext cx="3067560" cy="1177920"/>
+            <a:ext cx="3067200" cy="1177560"/>
           </a:xfrm>
           <a:prstGeom prst="rect">
             <a:avLst/>
@@ -10826,7 +10826,7 @@
         <p:spPr>
           <a:xfrm>
             <a:off x="8820000" y="6430680"/>
-            <a:ext cx="378360" cy="426600"/>
+            <a:ext cx="378000" cy="426240"/>
           </a:xfrm>
           <a:prstGeom prst="rect">
             <a:avLst/>
@@ -10852,7 +10852,7 @@
                 <a:spcPct val="100000"/>
               </a:lnSpc>
             </a:pPr>
-            <a:fld id="{19643694-1343-4985-ACD1-D84C2341799E}" type="slidenum">
+            <a:fld id="{A0BC3014-1956-48C7-8274-4581BC322510}" type="slidenum">
               <a:rPr b="0" lang="fr-FR" sz="2400" spc="-1" strike="noStrike">
                 <a:solidFill>
                   <a:srgbClr val="000000"/>
@@ -10884,7 +10884,7 @@
         <p:txBody>
           <a:bodyPr/>
           <a:p>
-            <a:fld id="{908B7281-7999-409F-8D6A-8CC03657B403}" type="slidenum">
+            <a:fld id="{86B05482-8695-464D-9612-CA8318FEE517}" type="slidenum">
               <a:t>3</a:t>
             </a:fld>
           </a:p>
@@ -10929,7 +10929,7 @@
         <p:spPr>
           <a:xfrm>
             <a:off x="180000" y="720000"/>
-            <a:ext cx="2518920" cy="358920"/>
+            <a:ext cx="2518560" cy="358560"/>
           </a:xfrm>
           <a:prstGeom prst="rect">
             <a:avLst/>
@@ -10986,7 +10986,7 @@
         <p:spPr>
           <a:xfrm>
             <a:off x="540000" y="1395000"/>
-            <a:ext cx="3958920" cy="1798920"/>
+            <a:ext cx="3958560" cy="1798560"/>
           </a:xfrm>
           <a:prstGeom prst="rect">
             <a:avLst/>
@@ -11009,7 +11009,7 @@
         <p:spPr>
           <a:xfrm>
             <a:off x="540000" y="3600000"/>
-            <a:ext cx="3958920" cy="1798920"/>
+            <a:ext cx="3958560" cy="1798560"/>
           </a:xfrm>
           <a:prstGeom prst="rect">
             <a:avLst/>
@@ -11032,7 +11032,7 @@
         <p:spPr>
           <a:xfrm>
             <a:off x="4860000" y="2340000"/>
-            <a:ext cx="3958920" cy="1798920"/>
+            <a:ext cx="3958560" cy="1798560"/>
           </a:xfrm>
           <a:prstGeom prst="rect">
             <a:avLst/>
@@ -11051,7 +11051,7 @@
         <p:spPr>
           <a:xfrm>
             <a:off x="8730000" y="6431400"/>
-            <a:ext cx="484920" cy="426600"/>
+            <a:ext cx="484560" cy="426240"/>
           </a:xfrm>
           <a:prstGeom prst="rect">
             <a:avLst/>
@@ -11077,7 +11077,7 @@
                 <a:spcPct val="100000"/>
               </a:lnSpc>
             </a:pPr>
-            <a:fld id="{ACF487DA-14CA-42D4-9F0C-3223C4ADC718}" type="slidenum">
+            <a:fld id="{94364177-381F-402C-94AC-4CA03A32237D}" type="slidenum">
               <a:rPr b="0" lang="fr-FR" sz="2400" spc="-1" strike="noStrike">
                 <a:solidFill>
                   <a:srgbClr val="000000"/>
@@ -11109,7 +11109,7 @@
         <p:txBody>
           <a:bodyPr/>
           <a:p>
-            <a:fld id="{DE4771F0-36EC-4AF3-A5A4-20E57152B775}" type="slidenum">
+            <a:fld id="{611D1DCA-C48D-495F-9658-362AC79E653D}" type="slidenum">
               <a:t>30</a:t>
             </a:fld>
           </a:p>
@@ -11158,7 +11158,7 @@
         <p:spPr>
           <a:xfrm>
             <a:off x="540000" y="1209960"/>
-            <a:ext cx="7527600" cy="1308960"/>
+            <a:ext cx="7527240" cy="1308600"/>
           </a:xfrm>
           <a:prstGeom prst="rect">
             <a:avLst/>
@@ -11181,7 +11181,7 @@
         <p:spPr>
           <a:xfrm>
             <a:off x="540000" y="2971080"/>
-            <a:ext cx="7710480" cy="1354680"/>
+            <a:ext cx="7710120" cy="1354320"/>
           </a:xfrm>
           <a:prstGeom prst="rect">
             <a:avLst/>
@@ -11200,7 +11200,7 @@
         <p:spPr>
           <a:xfrm>
             <a:off x="540000" y="900000"/>
-            <a:ext cx="3958920" cy="345240"/>
+            <a:ext cx="3958560" cy="344880"/>
           </a:xfrm>
           <a:prstGeom prst="rect">
             <a:avLst/>
@@ -11253,7 +11253,7 @@
         <p:spPr>
           <a:xfrm>
             <a:off x="540000" y="2624760"/>
-            <a:ext cx="2518920" cy="345240"/>
+            <a:ext cx="2518560" cy="344880"/>
           </a:xfrm>
           <a:prstGeom prst="rect">
             <a:avLst/>
@@ -11306,7 +11306,7 @@
         <p:spPr>
           <a:xfrm>
             <a:off x="540000" y="4513680"/>
-            <a:ext cx="3058920" cy="345240"/>
+            <a:ext cx="3058560" cy="344880"/>
           </a:xfrm>
           <a:prstGeom prst="rect">
             <a:avLst/>
@@ -11363,7 +11363,7 @@
         <p:spPr>
           <a:xfrm>
             <a:off x="0" y="4860000"/>
-            <a:ext cx="9142560" cy="1155960"/>
+            <a:ext cx="9142200" cy="1155600"/>
           </a:xfrm>
           <a:prstGeom prst="rect">
             <a:avLst/>
@@ -11382,7 +11382,7 @@
         <p:spPr>
           <a:xfrm>
             <a:off x="180000" y="589680"/>
-            <a:ext cx="3958920" cy="345240"/>
+            <a:ext cx="3958560" cy="344880"/>
           </a:xfrm>
           <a:prstGeom prst="rect">
             <a:avLst/>
@@ -11435,7 +11435,7 @@
         <p:spPr>
           <a:xfrm>
             <a:off x="8730000" y="6431400"/>
-            <a:ext cx="484920" cy="426600"/>
+            <a:ext cx="484560" cy="426240"/>
           </a:xfrm>
           <a:prstGeom prst="rect">
             <a:avLst/>
@@ -11461,7 +11461,7 @@
                 <a:spcPct val="100000"/>
               </a:lnSpc>
             </a:pPr>
-            <a:fld id="{6E33E49F-BCFF-4E7C-ADD2-0B3AE3A01247}" type="slidenum">
+            <a:fld id="{9C617543-CC0B-40B6-8BA7-CB1E896D30D4}" type="slidenum">
               <a:rPr b="0" lang="fr-FR" sz="2400" spc="-1" strike="noStrike">
                 <a:solidFill>
                   <a:srgbClr val="000000"/>
@@ -11493,7 +11493,7 @@
         <p:txBody>
           <a:bodyPr/>
           <a:p>
-            <a:fld id="{0F31437A-5776-4905-8A58-1BAF165A8C5B}" type="slidenum">
+            <a:fld id="{A0F62C75-D639-4829-B4DB-B7F690703B3B}" type="slidenum">
               <a:t>31</a:t>
             </a:fld>
           </a:p>
@@ -11538,7 +11538,7 @@
         <p:spPr>
           <a:xfrm>
             <a:off x="432360" y="900360"/>
-            <a:ext cx="2518560" cy="358560"/>
+            <a:ext cx="2518200" cy="358200"/>
           </a:xfrm>
           <a:prstGeom prst="rect">
             <a:avLst/>
@@ -11592,7 +11592,7 @@
         <p:spPr>
           <a:xfrm>
             <a:off x="432360" y="2517120"/>
-            <a:ext cx="2158560" cy="361800"/>
+            <a:ext cx="2158200" cy="361440"/>
           </a:xfrm>
           <a:prstGeom prst="rect">
             <a:avLst/>
@@ -11649,7 +11649,7 @@
         <p:spPr>
           <a:xfrm>
             <a:off x="66960" y="1260000"/>
-            <a:ext cx="8967960" cy="1042560"/>
+            <a:ext cx="8967600" cy="1042200"/>
           </a:xfrm>
           <a:prstGeom prst="rect">
             <a:avLst/>
@@ -11672,7 +11672,7 @@
         <p:spPr>
           <a:xfrm>
             <a:off x="93600" y="2946960"/>
-            <a:ext cx="9006120" cy="1042560"/>
+            <a:ext cx="9005760" cy="1042200"/>
           </a:xfrm>
           <a:prstGeom prst="rect">
             <a:avLst/>
@@ -11695,7 +11695,7 @@
         <p:spPr>
           <a:xfrm>
             <a:off x="36360" y="4579920"/>
-            <a:ext cx="9142560" cy="999000"/>
+            <a:ext cx="9142200" cy="998640"/>
           </a:xfrm>
           <a:prstGeom prst="rect">
             <a:avLst/>
@@ -11714,7 +11714,7 @@
         <p:spPr>
           <a:xfrm>
             <a:off x="324000" y="4189680"/>
-            <a:ext cx="2554920" cy="389160"/>
+            <a:ext cx="2554560" cy="388800"/>
           </a:xfrm>
           <a:prstGeom prst="rect">
             <a:avLst/>
@@ -11767,7 +11767,7 @@
         <p:spPr>
           <a:xfrm>
             <a:off x="3240000" y="720000"/>
-            <a:ext cx="3598920" cy="358920"/>
+            <a:ext cx="3598560" cy="358560"/>
           </a:xfrm>
           <a:prstGeom prst="rect">
             <a:avLst/>
@@ -11821,7 +11821,7 @@
         <p:spPr>
           <a:xfrm>
             <a:off x="8730000" y="6431400"/>
-            <a:ext cx="484920" cy="426600"/>
+            <a:ext cx="484560" cy="426240"/>
           </a:xfrm>
           <a:prstGeom prst="rect">
             <a:avLst/>
@@ -11847,7 +11847,7 @@
                 <a:spcPct val="100000"/>
               </a:lnSpc>
             </a:pPr>
-            <a:fld id="{C4F3B6E3-7D94-4981-8ADF-4EF8555E6D80}" type="slidenum">
+            <a:fld id="{41A55E97-751C-4BB2-BC95-02F0CFDD15F6}" type="slidenum">
               <a:rPr b="0" lang="fr-FR" sz="2400" spc="-1" strike="noStrike">
                 <a:solidFill>
                   <a:srgbClr val="000000"/>
@@ -11879,7 +11879,7 @@
         <p:txBody>
           <a:bodyPr/>
           <a:p>
-            <a:fld id="{1CC00943-22B9-42AE-8428-2B6970A9C6BF}" type="slidenum">
+            <a:fld id="{DBEE8CAD-DB0F-4B79-897B-D277162E5B68}" type="slidenum">
               <a:t>32</a:t>
             </a:fld>
           </a:p>
@@ -11924,7 +11924,7 @@
         <p:spPr>
           <a:xfrm>
             <a:off x="360000" y="720000"/>
-            <a:ext cx="2698920" cy="358920"/>
+            <a:ext cx="2698560" cy="358560"/>
           </a:xfrm>
           <a:prstGeom prst="rect">
             <a:avLst/>
@@ -11981,7 +11981,7 @@
         <p:spPr>
           <a:xfrm>
             <a:off x="360" y="1159920"/>
-            <a:ext cx="9142560" cy="4419000"/>
+            <a:ext cx="9142200" cy="4418640"/>
           </a:xfrm>
           <a:prstGeom prst="rect">
             <a:avLst/>
@@ -12000,7 +12000,7 @@
         <p:spPr>
           <a:xfrm>
             <a:off x="8730000" y="6431400"/>
-            <a:ext cx="484920" cy="426600"/>
+            <a:ext cx="484560" cy="426240"/>
           </a:xfrm>
           <a:prstGeom prst="rect">
             <a:avLst/>
@@ -12026,7 +12026,7 @@
                 <a:spcPct val="100000"/>
               </a:lnSpc>
             </a:pPr>
-            <a:fld id="{9083F62F-C94F-4075-A5C8-CC943B09C933}" type="slidenum">
+            <a:fld id="{508EAB67-2097-44F5-8DFC-A3FE75CBB7F4}" type="slidenum">
               <a:rPr b="0" lang="fr-FR" sz="2400" spc="-1" strike="noStrike">
                 <a:solidFill>
                   <a:srgbClr val="000000"/>
@@ -12058,7 +12058,7 @@
         <p:txBody>
           <a:bodyPr/>
           <a:p>
-            <a:fld id="{C99B29BA-3210-46F5-8E7A-7CC5A12DF5AB}" type="slidenum">
+            <a:fld id="{FCE6E1AD-2540-4730-9B52-0D53B796EEC2}" type="slidenum">
               <a:t>33</a:t>
             </a:fld>
           </a:p>
@@ -12103,7 +12103,7 @@
         <p:spPr>
           <a:xfrm>
             <a:off x="1260000" y="1980000"/>
-            <a:ext cx="6477480" cy="3494160"/>
+            <a:ext cx="6477120" cy="3493800"/>
           </a:xfrm>
           <a:prstGeom prst="rect">
             <a:avLst/>
@@ -12170,7 +12170,7 @@
         <p:spPr>
           <a:xfrm>
             <a:off x="8695080" y="6431400"/>
-            <a:ext cx="484920" cy="426600"/>
+            <a:ext cx="484560" cy="426240"/>
           </a:xfrm>
           <a:prstGeom prst="rect">
             <a:avLst/>
@@ -12196,7 +12196,7 @@
                 <a:spcPct val="100000"/>
               </a:lnSpc>
             </a:pPr>
-            <a:fld id="{F54818E6-95FE-438B-B359-FC9003F879B2}" type="slidenum">
+            <a:fld id="{BC159080-6EC7-420A-B1FC-1A47AA7C8A44}" type="slidenum">
               <a:rPr b="0" lang="fr-FR" sz="2400" spc="-1" strike="noStrike">
                 <a:solidFill>
                   <a:srgbClr val="000000"/>
@@ -12228,7 +12228,7 @@
         <p:txBody>
           <a:bodyPr/>
           <a:p>
-            <a:fld id="{56C64075-BF41-4BE8-AABB-B27852128F4A}" type="slidenum">
+            <a:fld id="{0F8FC3B2-3F38-49C9-BAB6-58689B03EA41}" type="slidenum">
               <a:t>34</a:t>
             </a:fld>
           </a:p>
@@ -12277,7 +12277,7 @@
         <p:spPr>
           <a:xfrm>
             <a:off x="180000" y="1112760"/>
-            <a:ext cx="8794440" cy="4826880"/>
+            <a:ext cx="8794080" cy="4826520"/>
           </a:xfrm>
           <a:prstGeom prst="rect">
             <a:avLst/>
@@ -12296,7 +12296,7 @@
         <p:spPr>
           <a:xfrm>
             <a:off x="180000" y="720000"/>
-            <a:ext cx="2519640" cy="359640"/>
+            <a:ext cx="2519280" cy="359280"/>
           </a:xfrm>
           <a:prstGeom prst="rect">
             <a:avLst/>
@@ -12349,7 +12349,7 @@
         <p:spPr>
           <a:xfrm>
             <a:off x="8695080" y="6431400"/>
-            <a:ext cx="484920" cy="426600"/>
+            <a:ext cx="484560" cy="426240"/>
           </a:xfrm>
           <a:prstGeom prst="rect">
             <a:avLst/>
@@ -12375,7 +12375,7 @@
                 <a:spcPct val="100000"/>
               </a:lnSpc>
             </a:pPr>
-            <a:fld id="{4C8143FC-DF7A-42E4-B72E-4054DF1B5D2F}" type="slidenum">
+            <a:fld id="{853971C7-4F5E-48A3-82AC-047E0CD7C523}" type="slidenum">
               <a:rPr b="0" lang="fr-FR" sz="2400" spc="-1" strike="noStrike">
                 <a:solidFill>
                   <a:srgbClr val="000000"/>
@@ -12407,7 +12407,7 @@
         <p:txBody>
           <a:bodyPr/>
           <a:p>
-            <a:fld id="{019DD818-D03C-4590-9F71-C0CE123D799C}" type="slidenum">
+            <a:fld id="{4A776E00-688C-4631-82FF-BF5D825B1DF6}" type="slidenum">
               <a:t>35</a:t>
             </a:fld>
           </a:p>
@@ -12452,7 +12452,7 @@
         <p:spPr>
           <a:xfrm>
             <a:off x="180000" y="720000"/>
-            <a:ext cx="2519640" cy="359640"/>
+            <a:ext cx="2519280" cy="359280"/>
           </a:xfrm>
           <a:prstGeom prst="rect">
             <a:avLst/>
@@ -12509,7 +12509,7 @@
         <p:spPr>
           <a:xfrm>
             <a:off x="25200" y="1260000"/>
-            <a:ext cx="8974440" cy="3401280"/>
+            <a:ext cx="8974080" cy="3400920"/>
           </a:xfrm>
           <a:prstGeom prst="rect">
             <a:avLst/>
@@ -12528,7 +12528,7 @@
         <p:spPr>
           <a:xfrm>
             <a:off x="8695080" y="6431400"/>
-            <a:ext cx="484920" cy="426600"/>
+            <a:ext cx="484560" cy="426240"/>
           </a:xfrm>
           <a:prstGeom prst="rect">
             <a:avLst/>
@@ -12554,7 +12554,7 @@
                 <a:spcPct val="100000"/>
               </a:lnSpc>
             </a:pPr>
-            <a:fld id="{BE3109A1-A248-43E1-975E-664C206D72CD}" type="slidenum">
+            <a:fld id="{7F2CD5CF-8FA7-489E-877D-10E8BE7ABC68}" type="slidenum">
               <a:rPr b="0" lang="fr-FR" sz="2400" spc="-1" strike="noStrike">
                 <a:solidFill>
                   <a:srgbClr val="000000"/>
@@ -12586,7 +12586,7 @@
         <p:txBody>
           <a:bodyPr/>
           <a:p>
-            <a:fld id="{4E7A2ACD-2246-4906-9A00-98D8A970C348}" type="slidenum">
+            <a:fld id="{5509C3AD-B92D-4D6C-AB9E-BDC4C35D0A00}" type="slidenum">
               <a:t>36</a:t>
             </a:fld>
           </a:p>
@@ -12635,7 +12635,7 @@
         <p:spPr>
           <a:xfrm>
             <a:off x="51480" y="1080000"/>
-            <a:ext cx="9090720" cy="4434480"/>
+            <a:ext cx="9090360" cy="4434120"/>
           </a:xfrm>
           <a:prstGeom prst="rect">
             <a:avLst/>
@@ -12654,7 +12654,7 @@
         <p:spPr>
           <a:xfrm>
             <a:off x="180000" y="720000"/>
-            <a:ext cx="3419640" cy="359640"/>
+            <a:ext cx="3419280" cy="359280"/>
           </a:xfrm>
           <a:prstGeom prst="rect">
             <a:avLst/>
@@ -12708,7 +12708,7 @@
         <p:spPr>
           <a:xfrm>
             <a:off x="180000" y="5760000"/>
-            <a:ext cx="7199640" cy="359640"/>
+            <a:ext cx="7199280" cy="359280"/>
           </a:xfrm>
           <a:prstGeom prst="rect">
             <a:avLst/>
@@ -12761,7 +12761,7 @@
         <p:spPr>
           <a:xfrm>
             <a:off x="8695080" y="6431400"/>
-            <a:ext cx="484920" cy="426600"/>
+            <a:ext cx="484560" cy="426240"/>
           </a:xfrm>
           <a:prstGeom prst="rect">
             <a:avLst/>
@@ -12787,7 +12787,7 @@
                 <a:spcPct val="100000"/>
               </a:lnSpc>
             </a:pPr>
-            <a:fld id="{DD9A89A6-F7BA-4CF2-81B3-F65A3BC9D7C3}" type="slidenum">
+            <a:fld id="{DEF85A56-7904-4736-9CC5-359E714FB7FC}" type="slidenum">
               <a:rPr b="0" lang="fr-FR" sz="2400" spc="-1" strike="noStrike">
                 <a:solidFill>
                   <a:srgbClr val="000000"/>
@@ -12819,7 +12819,7 @@
         <p:txBody>
           <a:bodyPr/>
           <a:p>
-            <a:fld id="{306FDD2C-C5B0-4EA5-B70E-CC9EEAEEF747}" type="slidenum">
+            <a:fld id="{F809AC39-5CD4-4B7C-BC37-33D84888CCE1}" type="slidenum">
               <a:t>37</a:t>
             </a:fld>
           </a:p>
@@ -12868,7 +12868,7 @@
         <p:spPr>
           <a:xfrm>
             <a:off x="346320" y="1440000"/>
-            <a:ext cx="8473320" cy="3969360"/>
+            <a:ext cx="8472960" cy="3969000"/>
           </a:xfrm>
           <a:prstGeom prst="rect">
             <a:avLst/>
@@ -12887,7 +12887,7 @@
         <p:spPr>
           <a:xfrm>
             <a:off x="180000" y="720000"/>
-            <a:ext cx="2519640" cy="539640"/>
+            <a:ext cx="2519280" cy="539280"/>
           </a:xfrm>
           <a:prstGeom prst="rect">
             <a:avLst/>
@@ -12940,7 +12940,7 @@
         <p:spPr>
           <a:xfrm>
             <a:off x="8695080" y="6431400"/>
-            <a:ext cx="484920" cy="426600"/>
+            <a:ext cx="484560" cy="426240"/>
           </a:xfrm>
           <a:prstGeom prst="rect">
             <a:avLst/>
@@ -12966,7 +12966,7 @@
                 <a:spcPct val="100000"/>
               </a:lnSpc>
             </a:pPr>
-            <a:fld id="{C69119B8-7B80-43C9-9F36-5F33C6370947}" type="slidenum">
+            <a:fld id="{2E4C7A50-FD85-4D6A-AC96-4A93A75945C0}" type="slidenum">
               <a:rPr b="0" lang="fr-FR" sz="2400" spc="-1" strike="noStrike">
                 <a:solidFill>
                   <a:srgbClr val="000000"/>
@@ -12998,7 +12998,7 @@
         <p:txBody>
           <a:bodyPr/>
           <a:p>
-            <a:fld id="{448ACD7C-2F0D-44F5-B633-26CCB3C7221E}" type="slidenum">
+            <a:fld id="{AA2BE250-161C-4E01-87C1-1F9874257841}" type="slidenum">
               <a:t>38</a:t>
             </a:fld>
           </a:p>
@@ -13047,7 +13047,7 @@
         <p:spPr>
           <a:xfrm>
             <a:off x="132120" y="3600000"/>
-            <a:ext cx="4727520" cy="2325600"/>
+            <a:ext cx="4727160" cy="2325240"/>
           </a:xfrm>
           <a:prstGeom prst="rect">
             <a:avLst/>
@@ -13070,7 +13070,7 @@
         <p:spPr>
           <a:xfrm>
             <a:off x="3739680" y="900000"/>
-            <a:ext cx="5259960" cy="2159640"/>
+            <a:ext cx="5259600" cy="2159280"/>
           </a:xfrm>
           <a:prstGeom prst="rect">
             <a:avLst/>
@@ -13089,7 +13089,7 @@
         <p:spPr>
           <a:xfrm>
             <a:off x="1620000" y="1080000"/>
-            <a:ext cx="1979640" cy="539640"/>
+            <a:ext cx="1979280" cy="539280"/>
           </a:xfrm>
           <a:prstGeom prst="rect">
             <a:avLst/>
@@ -13142,7 +13142,7 @@
         <p:spPr>
           <a:xfrm>
             <a:off x="4860000" y="4140000"/>
-            <a:ext cx="2159640" cy="359640"/>
+            <a:ext cx="2159280" cy="359280"/>
           </a:xfrm>
           <a:prstGeom prst="rect">
             <a:avLst/>
@@ -13195,7 +13195,7 @@
         <p:spPr>
           <a:xfrm>
             <a:off x="8695080" y="6431400"/>
-            <a:ext cx="484920" cy="426600"/>
+            <a:ext cx="484560" cy="426240"/>
           </a:xfrm>
           <a:prstGeom prst="rect">
             <a:avLst/>
@@ -13221,7 +13221,7 @@
                 <a:spcPct val="100000"/>
               </a:lnSpc>
             </a:pPr>
-            <a:fld id="{D64BDFD7-AF6E-4423-AC1A-8676D16A36B6}" type="slidenum">
+            <a:fld id="{C45EB252-444C-4E3F-9AAD-DB9C58DA1B23}" type="slidenum">
               <a:rPr b="0" lang="fr-FR" sz="2400" spc="-1" strike="noStrike">
                 <a:solidFill>
                   <a:srgbClr val="000000"/>
@@ -13253,7 +13253,7 @@
         <p:txBody>
           <a:bodyPr/>
           <a:p>
-            <a:fld id="{C9530C01-9A9D-4A95-8FCB-E7657358A424}" type="slidenum">
+            <a:fld id="{A45238AA-261C-42FF-B9B1-385B0521984B}" type="slidenum">
               <a:t>39</a:t>
             </a:fld>
           </a:p>
@@ -13302,7 +13302,7 @@
         <p:spPr>
           <a:xfrm>
             <a:off x="1008000" y="260280"/>
-            <a:ext cx="7845480" cy="357120"/>
+            <a:ext cx="7845120" cy="356760"/>
           </a:xfrm>
           <a:prstGeom prst="rect">
             <a:avLst/>
@@ -13358,7 +13358,7 @@
         <p:spPr>
           <a:xfrm>
             <a:off x="1620000" y="900000"/>
-            <a:ext cx="5037120" cy="5037120"/>
+            <a:ext cx="5036760" cy="5036760"/>
           </a:xfrm>
           <a:prstGeom prst="rect">
             <a:avLst/>
@@ -13377,7 +13377,7 @@
         <p:spPr>
           <a:xfrm>
             <a:off x="8820360" y="6431040"/>
-            <a:ext cx="378360" cy="426600"/>
+            <a:ext cx="378000" cy="426240"/>
           </a:xfrm>
           <a:prstGeom prst="rect">
             <a:avLst/>
@@ -13403,7 +13403,7 @@
                 <a:spcPct val="100000"/>
               </a:lnSpc>
             </a:pPr>
-            <a:fld id="{CB4DA3BC-D6F6-4166-981A-06BD2F4DAE12}" type="slidenum">
+            <a:fld id="{BD279C58-C04F-4259-B33F-7C2280E37416}" type="slidenum">
               <a:rPr b="0" lang="fr-FR" sz="2400" spc="-1" strike="noStrike">
                 <a:solidFill>
                   <a:srgbClr val="000000"/>
@@ -13435,7 +13435,7 @@
         <p:txBody>
           <a:bodyPr/>
           <a:p>
-            <a:fld id="{A4F5FAC0-7445-4E2F-8C60-2080E3B6A8F8}" type="slidenum">
+            <a:fld id="{F27EC30F-F9DA-48B3-A17E-D130F0CD9BAD}" type="slidenum">
               <a:t>4</a:t>
             </a:fld>
           </a:p>
@@ -13480,7 +13480,7 @@
         <p:spPr>
           <a:xfrm>
             <a:off x="360000" y="720000"/>
-            <a:ext cx="5759640" cy="539640"/>
+            <a:ext cx="5759280" cy="539280"/>
           </a:xfrm>
           <a:prstGeom prst="rect">
             <a:avLst/>
@@ -13537,7 +13537,7 @@
         <p:spPr>
           <a:xfrm>
             <a:off x="1336680" y="1055160"/>
-            <a:ext cx="6656040" cy="5028840"/>
+            <a:ext cx="6655680" cy="5028480"/>
           </a:xfrm>
           <a:prstGeom prst="rect">
             <a:avLst/>
@@ -13556,7 +13556,7 @@
         <p:spPr>
           <a:xfrm>
             <a:off x="8695080" y="6431400"/>
-            <a:ext cx="484920" cy="426600"/>
+            <a:ext cx="484560" cy="426240"/>
           </a:xfrm>
           <a:prstGeom prst="rect">
             <a:avLst/>
@@ -13582,7 +13582,7 @@
                 <a:spcPct val="100000"/>
               </a:lnSpc>
             </a:pPr>
-            <a:fld id="{BF243985-CC64-4659-8507-1B17039A9DF2}" type="slidenum">
+            <a:fld id="{6D8AB33D-A1AB-4636-93E3-F6FFF734982C}" type="slidenum">
               <a:rPr b="0" lang="fr-FR" sz="2400" spc="-1" strike="noStrike">
                 <a:solidFill>
                   <a:srgbClr val="000000"/>
@@ -13614,7 +13614,7 @@
         <p:txBody>
           <a:bodyPr/>
           <a:p>
-            <a:fld id="{05AF31C3-C805-4C75-B3A9-BA8530E93F30}" type="slidenum">
+            <a:fld id="{1A220C83-CA9F-4336-A5AE-913ED4605F5C}" type="slidenum">
               <a:t>40</a:t>
             </a:fld>
           </a:p>
@@ -13663,7 +13663,7 @@
         <p:spPr>
           <a:xfrm>
             <a:off x="110880" y="1080000"/>
-            <a:ext cx="5828760" cy="1835640"/>
+            <a:ext cx="5828400" cy="1835280"/>
           </a:xfrm>
           <a:prstGeom prst="rect">
             <a:avLst/>
@@ -13681,16 +13681,16 @@
         </p:nvSpPr>
         <p:spPr>
           <a:xfrm flipH="1" rot="16198800">
-            <a:off x="6282000" y="2160360"/>
-            <a:ext cx="918360" cy="557280"/>
+            <a:off x="6282360" y="2160360"/>
+            <a:ext cx="918000" cy="556920"/>
           </a:xfrm>
           <a:custGeom>
             <a:avLst/>
             <a:gdLst>
-              <a:gd name="textAreaLeft" fmla="*/ -360 w 918360"/>
-              <a:gd name="textAreaRight" fmla="*/ 918360 w 918360"/>
-              <a:gd name="textAreaTop" fmla="*/ 0 h 557280"/>
-              <a:gd name="textAreaBottom" fmla="*/ 557640 h 557280"/>
+              <a:gd name="textAreaLeft" fmla="*/ -360 w 918000"/>
+              <a:gd name="textAreaRight" fmla="*/ 918360 w 918000"/>
+              <a:gd name="textAreaTop" fmla="*/ 0 h 556920"/>
+              <a:gd name="textAreaBottom" fmla="*/ 557640 h 556920"/>
             </a:gdLst>
             <a:ahLst/>
             <a:rect l="textAreaLeft" t="textAreaTop" r="textAreaRight" b="textAreaBottom"/>
@@ -13773,7 +13773,7 @@
         <p:spPr>
           <a:xfrm>
             <a:off x="5400000" y="3060000"/>
-            <a:ext cx="3419640" cy="719640"/>
+            <a:ext cx="3419280" cy="719280"/>
           </a:xfrm>
           <a:prstGeom prst="rect">
             <a:avLst/>
@@ -13838,7 +13838,7 @@
         <p:spPr>
           <a:xfrm>
             <a:off x="180000" y="720000"/>
-            <a:ext cx="3959640" cy="345960"/>
+            <a:ext cx="3959280" cy="345600"/>
           </a:xfrm>
           <a:prstGeom prst="rect">
             <a:avLst/>
@@ -13890,16 +13890,16 @@
         </p:nvSpPr>
         <p:spPr>
           <a:xfrm flipH="1" rot="21576600">
-            <a:off x="6259680" y="3961800"/>
-            <a:ext cx="741960" cy="744120"/>
+            <a:off x="6259320" y="3961440"/>
+            <a:ext cx="741600" cy="743760"/>
           </a:xfrm>
           <a:custGeom>
             <a:avLst/>
             <a:gdLst>
-              <a:gd name="textAreaLeft" fmla="*/ -360 w 741960"/>
-              <a:gd name="textAreaRight" fmla="*/ 741960 w 741960"/>
-              <a:gd name="textAreaTop" fmla="*/ 0 h 744120"/>
-              <a:gd name="textAreaBottom" fmla="*/ 744480 h 744120"/>
+              <a:gd name="textAreaLeft" fmla="*/ -360 w 741600"/>
+              <a:gd name="textAreaRight" fmla="*/ 741960 w 741600"/>
+              <a:gd name="textAreaTop" fmla="*/ 0 h 743760"/>
+              <a:gd name="textAreaBottom" fmla="*/ 744480 h 743760"/>
             </a:gdLst>
             <a:ahLst/>
             <a:rect l="textAreaLeft" t="textAreaTop" r="textAreaRight" b="textAreaBottom"/>
@@ -13986,7 +13986,7 @@
         <p:spPr>
           <a:xfrm>
             <a:off x="339120" y="4895640"/>
-            <a:ext cx="8279280" cy="782280"/>
+            <a:ext cx="8278920" cy="781920"/>
           </a:xfrm>
           <a:prstGeom prst="rect">
             <a:avLst/>
@@ -14005,7 +14005,7 @@
         <p:spPr>
           <a:xfrm>
             <a:off x="360000" y="4320000"/>
-            <a:ext cx="4139640" cy="504000"/>
+            <a:ext cx="4139280" cy="503640"/>
           </a:xfrm>
           <a:prstGeom prst="rect">
             <a:avLst/>
@@ -14058,7 +14058,7 @@
         <p:spPr>
           <a:xfrm>
             <a:off x="8695080" y="6431400"/>
-            <a:ext cx="484920" cy="426600"/>
+            <a:ext cx="484560" cy="426240"/>
           </a:xfrm>
           <a:prstGeom prst="rect">
             <a:avLst/>
@@ -14084,7 +14084,7 @@
                 <a:spcPct val="100000"/>
               </a:lnSpc>
             </a:pPr>
-            <a:fld id="{7C66504B-FBC4-4FC6-BAD4-05CF5CA76DD1}" type="slidenum">
+            <a:fld id="{612E64E8-1FD8-47F6-86C6-44B03EF38050}" type="slidenum">
               <a:rPr b="0" lang="fr-FR" sz="2400" spc="-1" strike="noStrike">
                 <a:solidFill>
                   <a:srgbClr val="000000"/>
@@ -14116,7 +14116,7 @@
         <p:txBody>
           <a:bodyPr/>
           <a:p>
-            <a:fld id="{9F65D528-3BEA-4948-A250-7CFA3313DC7A}" type="slidenum">
+            <a:fld id="{F1FFADE4-2BAD-4225-82DD-7441FB69DB39}" type="slidenum">
               <a:t>41</a:t>
             </a:fld>
           </a:p>
@@ -14161,7 +14161,7 @@
         <p:spPr>
           <a:xfrm>
             <a:off x="0" y="720000"/>
-            <a:ext cx="1979640" cy="359640"/>
+            <a:ext cx="1979280" cy="359280"/>
           </a:xfrm>
           <a:prstGeom prst="rect">
             <a:avLst/>
@@ -14214,7 +14214,7 @@
         <p:spPr>
           <a:xfrm>
             <a:off x="487080" y="2713680"/>
-            <a:ext cx="3059640" cy="857880"/>
+            <a:ext cx="3059280" cy="857520"/>
           </a:xfrm>
           <a:prstGeom prst="rect">
             <a:avLst/>
@@ -14267,7 +14267,7 @@
         <p:spPr>
           <a:xfrm>
             <a:off x="4807080" y="2755440"/>
-            <a:ext cx="2699640" cy="857880"/>
+            <a:ext cx="2699280" cy="857520"/>
           </a:xfrm>
           <a:prstGeom prst="rect">
             <a:avLst/>
@@ -14300,7 +14300,7 @@
                 </a:solidFill>
                 <a:latin typeface="Arial"/>
               </a:rPr>
-              <a:t>Similarité Cosine = Produit Scalaire + L2</a:t>
+              <a:t>Similarité Cosine = Produit Scalaire &amp; L2</a:t>
             </a:r>
             <a:endParaRPr b="0" lang="fr-FR" sz="1800" spc="-1" strike="noStrike">
               <a:solidFill>
@@ -14337,7 +14337,7 @@
         <p:spPr>
           <a:xfrm>
             <a:off x="799920" y="1653120"/>
-            <a:ext cx="7479720" cy="880200"/>
+            <a:ext cx="7479360" cy="879840"/>
           </a:xfrm>
           <a:prstGeom prst="rect">
             <a:avLst/>
@@ -14356,7 +14356,7 @@
         <p:spPr>
           <a:xfrm>
             <a:off x="1440000" y="3627720"/>
-            <a:ext cx="6137640" cy="692280"/>
+            <a:ext cx="6137280" cy="691920"/>
           </a:xfrm>
           <a:prstGeom prst="rect">
             <a:avLst/>
@@ -14413,7 +14413,7 @@
         <p:spPr>
           <a:xfrm>
             <a:off x="460800" y="4428000"/>
-            <a:ext cx="7459200" cy="252000"/>
+            <a:ext cx="7458840" cy="251640"/>
           </a:xfrm>
           <a:prstGeom prst="rect">
             <a:avLst/>
@@ -14426,120 +14426,13 @@
       <p:sp>
         <p:nvSpPr>
           <p:cNvPr id="242" name=""/>
-          <p:cNvSpPr txBox="1"/>
+          <p:cNvSpPr/>
           <p:nvPr/>
         </p:nvSpPr>
         <p:spPr>
           <a:xfrm>
             <a:off x="1440000" y="4860000"/>
-            <a:ext cx="1080000" cy="346320"/>
-          </a:xfrm>
-          <a:prstGeom prst="rect">
-            <a:avLst/>
-          </a:prstGeom>
-          <a:noFill/>
-          <a:ln w="0">
-            <a:noFill/>
-          </a:ln>
-        </p:spPr>
-        <p:txBody>
-          <a:bodyPr lIns="90000" rIns="90000" tIns="45000" bIns="45000" anchor="t">
-            <a:noAutofit/>
-          </a:bodyPr>
-          <a:p>
-            <a:r>
-              <a:rPr b="0" lang="fr-FR" sz="1800" spc="-1" strike="noStrike">
-                <a:solidFill>
-                  <a:srgbClr val="000000"/>
-                </a:solidFill>
-                <a:latin typeface="Arial"/>
-              </a:rPr>
-              <a:t>Par ça :</a:t>
-            </a:r>
-            <a:endParaRPr b="0" lang="fr-FR" sz="1800" spc="-1" strike="noStrike">
-              <a:solidFill>
-                <a:srgbClr val="000000"/>
-              </a:solidFill>
-              <a:latin typeface="Arial"/>
-            </a:endParaRPr>
-          </a:p>
-        </p:txBody>
-      </p:sp>
-      <p:pic>
-        <p:nvPicPr>
-          <p:cNvPr id="243" name="" descr=""/>
-          <p:cNvPicPr/>
-          <p:nvPr/>
-        </p:nvPicPr>
-        <p:blipFill>
-          <a:blip r:embed="rId3"/>
-          <a:stretch/>
-        </p:blipFill>
-        <p:spPr>
-          <a:xfrm>
-            <a:off x="1800000" y="5220000"/>
-            <a:ext cx="4957200" cy="360000"/>
-          </a:xfrm>
-          <a:prstGeom prst="rect">
-            <a:avLst/>
-          </a:prstGeom>
-          <a:ln w="0">
-            <a:noFill/>
-          </a:ln>
-        </p:spPr>
-      </p:pic>
-      <p:sp>
-        <p:nvSpPr>
-          <p:cNvPr id="244" name=""/>
-          <p:cNvSpPr txBox="1"/>
-          <p:nvPr/>
-        </p:nvSpPr>
-        <p:spPr>
-          <a:xfrm>
-            <a:off x="756000" y="5760000"/>
-            <a:ext cx="7200000" cy="360000"/>
-          </a:xfrm>
-          <a:prstGeom prst="rect">
-            <a:avLst/>
-          </a:prstGeom>
-          <a:noFill/>
-          <a:ln w="0">
-            <a:noFill/>
-          </a:ln>
-        </p:spPr>
-        <p:txBody>
-          <a:bodyPr lIns="90000" rIns="90000" tIns="45000" bIns="45000" anchor="t">
-            <a:noAutofit/>
-          </a:bodyPr>
-          <a:p>
-            <a:r>
-              <a:rPr b="0" lang="fr-FR" sz="1800" spc="-1" strike="noStrike">
-                <a:solidFill>
-                  <a:srgbClr val="000000"/>
-                </a:solidFill>
-                <a:latin typeface="Arial"/>
-              </a:rPr>
-              <a:t>C’est toujours une similarité cosinus mais sans le principe de norme</a:t>
-            </a:r>
-            <a:endParaRPr b="0" lang="fr-FR" sz="1800" spc="-1" strike="noStrike">
-              <a:solidFill>
-                <a:srgbClr val="000000"/>
-              </a:solidFill>
-              <a:latin typeface="Arial"/>
-            </a:endParaRPr>
-          </a:p>
-        </p:txBody>
-      </p:sp>
-      <p:sp>
-        <p:nvSpPr>
-          <p:cNvPr id="245" name=""/>
-          <p:cNvSpPr/>
-          <p:nvPr/>
-        </p:nvSpPr>
-        <p:spPr>
-          <a:xfrm>
-            <a:off x="8695080" y="6431400"/>
-            <a:ext cx="484920" cy="426600"/>
+            <a:ext cx="1079640" cy="345960"/>
           </a:xfrm>
           <a:prstGeom prst="rect">
             <a:avLst/>
@@ -14565,7 +14458,136 @@
                 <a:spcPct val="100000"/>
               </a:lnSpc>
             </a:pPr>
-            <a:fld id="{7F4C7C4B-C081-47AF-ACF5-A09EB313C25F}" type="slidenum">
+            <a:r>
+              <a:rPr b="0" lang="fr-FR" sz="1800" spc="-1" strike="noStrike">
+                <a:solidFill>
+                  <a:srgbClr val="000000"/>
+                </a:solidFill>
+                <a:latin typeface="Arial"/>
+              </a:rPr>
+              <a:t>Par ça :</a:t>
+            </a:r>
+            <a:endParaRPr b="0" lang="fr-FR" sz="1800" spc="-1" strike="noStrike">
+              <a:solidFill>
+                <a:srgbClr val="000000"/>
+              </a:solidFill>
+              <a:latin typeface="Arial"/>
+            </a:endParaRPr>
+          </a:p>
+        </p:txBody>
+      </p:sp>
+      <p:pic>
+        <p:nvPicPr>
+          <p:cNvPr id="243" name="" descr=""/>
+          <p:cNvPicPr/>
+          <p:nvPr/>
+        </p:nvPicPr>
+        <p:blipFill>
+          <a:blip r:embed="rId3"/>
+          <a:stretch/>
+        </p:blipFill>
+        <p:spPr>
+          <a:xfrm>
+            <a:off x="1800000" y="5220000"/>
+            <a:ext cx="4956840" cy="359640"/>
+          </a:xfrm>
+          <a:prstGeom prst="rect">
+            <a:avLst/>
+          </a:prstGeom>
+          <a:ln w="0">
+            <a:noFill/>
+          </a:ln>
+        </p:spPr>
+      </p:pic>
+      <p:sp>
+        <p:nvSpPr>
+          <p:cNvPr id="244" name=""/>
+          <p:cNvSpPr/>
+          <p:nvPr/>
+        </p:nvSpPr>
+        <p:spPr>
+          <a:xfrm>
+            <a:off x="756000" y="5760000"/>
+            <a:ext cx="7199640" cy="359640"/>
+          </a:xfrm>
+          <a:prstGeom prst="rect">
+            <a:avLst/>
+          </a:prstGeom>
+          <a:noFill/>
+          <a:ln w="0">
+            <a:noFill/>
+          </a:ln>
+        </p:spPr>
+        <p:style>
+          <a:lnRef idx="0"/>
+          <a:fillRef idx="0"/>
+          <a:effectRef idx="0"/>
+          <a:fontRef idx="minor"/>
+        </p:style>
+        <p:txBody>
+          <a:bodyPr lIns="90000" rIns="90000" tIns="45000" bIns="45000" anchor="t">
+            <a:noAutofit/>
+          </a:bodyPr>
+          <a:p>
+            <a:pPr>
+              <a:lnSpc>
+                <a:spcPct val="100000"/>
+              </a:lnSpc>
+            </a:pPr>
+            <a:r>
+              <a:rPr b="0" lang="fr-FR" sz="1800" spc="-1" strike="noStrike">
+                <a:solidFill>
+                  <a:srgbClr val="000000"/>
+                </a:solidFill>
+                <a:latin typeface="Arial"/>
+              </a:rPr>
+              <a:t>C’est toujours une similarité cosinus mais sans le principe de norme</a:t>
+            </a:r>
+            <a:endParaRPr b="0" lang="fr-FR" sz="1800" spc="-1" strike="noStrike">
+              <a:solidFill>
+                <a:srgbClr val="000000"/>
+              </a:solidFill>
+              <a:latin typeface="Arial"/>
+            </a:endParaRPr>
+          </a:p>
+        </p:txBody>
+      </p:sp>
+      <p:sp>
+        <p:nvSpPr>
+          <p:cNvPr id="245" name=""/>
+          <p:cNvSpPr/>
+          <p:nvPr/>
+        </p:nvSpPr>
+        <p:spPr>
+          <a:xfrm>
+            <a:off x="8695080" y="6431400"/>
+            <a:ext cx="484560" cy="426240"/>
+          </a:xfrm>
+          <a:prstGeom prst="rect">
+            <a:avLst/>
+          </a:prstGeom>
+          <a:noFill/>
+          <a:ln w="0">
+            <a:noFill/>
+          </a:ln>
+        </p:spPr>
+        <p:style>
+          <a:lnRef idx="0"/>
+          <a:fillRef idx="0"/>
+          <a:effectRef idx="0"/>
+          <a:fontRef idx="minor"/>
+        </p:style>
+        <p:txBody>
+          <a:bodyPr lIns="90000" rIns="90000" tIns="45000" bIns="45000" anchor="t">
+            <a:noAutofit/>
+          </a:bodyPr>
+          <a:p>
+            <a:pPr>
+              <a:lnSpc>
+                <a:spcPct val="100000"/>
+              </a:lnSpc>
+            </a:pPr>
+            <a:fld id="{8C7CEBBD-48C3-4563-95AF-71D013666B6F}" type="slidenum">
               <a:rPr b="0" lang="fr-FR" sz="2400" spc="-1" strike="noStrike">
                 <a:solidFill>
                   <a:srgbClr val="000000"/>
@@ -14597,7 +14619,7 @@
         <p:txBody>
           <a:bodyPr/>
           <a:p>
-            <a:fld id="{5D451D2F-9E53-4CAB-AF19-B18DA952397D}" type="slidenum">
+            <a:fld id="{5FAF1842-E575-4EE3-B464-670461612E14}" type="slidenum">
               <a:t>42</a:t>
             </a:fld>
           </a:p>
@@ -14642,7 +14664,7 @@
         <p:spPr>
           <a:xfrm>
             <a:off x="0" y="720000"/>
-            <a:ext cx="1799640" cy="359640"/>
+            <a:ext cx="1799280" cy="359280"/>
           </a:xfrm>
           <a:prstGeom prst="rect">
             <a:avLst/>
@@ -14699,7 +14721,7 @@
         <p:spPr>
           <a:xfrm>
             <a:off x="88200" y="1509480"/>
-            <a:ext cx="4231440" cy="1370160"/>
+            <a:ext cx="4231080" cy="1369800"/>
           </a:xfrm>
           <a:prstGeom prst="rect">
             <a:avLst/>
@@ -14722,7 +14744,7 @@
         <p:spPr>
           <a:xfrm>
             <a:off x="4500000" y="180000"/>
-            <a:ext cx="4139640" cy="3335760"/>
+            <a:ext cx="4139280" cy="3335400"/>
           </a:xfrm>
           <a:prstGeom prst="rect">
             <a:avLst/>
@@ -14745,7 +14767,7 @@
         <p:spPr>
           <a:xfrm>
             <a:off x="360000" y="3600000"/>
-            <a:ext cx="6743520" cy="2361600"/>
+            <a:ext cx="6743160" cy="2361240"/>
           </a:xfrm>
           <a:prstGeom prst="rect">
             <a:avLst/>
@@ -14764,7 +14786,7 @@
         <p:spPr>
           <a:xfrm>
             <a:off x="8695080" y="6431400"/>
-            <a:ext cx="484920" cy="426600"/>
+            <a:ext cx="484560" cy="426240"/>
           </a:xfrm>
           <a:prstGeom prst="rect">
             <a:avLst/>
@@ -14790,7 +14812,7 @@
                 <a:spcPct val="100000"/>
               </a:lnSpc>
             </a:pPr>
-            <a:fld id="{7B4EC6C6-872F-44CA-9301-5AFEA6D14CE6}" type="slidenum">
+            <a:fld id="{411E3914-4F6B-402E-ACEB-9709F4CC79E0}" type="slidenum">
               <a:rPr b="0" lang="fr-FR" sz="2400" spc="-1" strike="noStrike">
                 <a:solidFill>
                   <a:srgbClr val="000000"/>
@@ -14822,7 +14844,7 @@
         <p:txBody>
           <a:bodyPr/>
           <a:p>
-            <a:fld id="{189478D3-CB7E-47C5-9C6D-D84FF03A8346}" type="slidenum">
+            <a:fld id="{B79A4518-9358-4392-B0D6-0984864129BD}" type="slidenum">
               <a:t>43</a:t>
             </a:fld>
           </a:p>
@@ -14867,7 +14889,7 @@
         <p:spPr>
           <a:xfrm>
             <a:off x="0" y="720000"/>
-            <a:ext cx="1979640" cy="719640"/>
+            <a:ext cx="1979280" cy="719280"/>
           </a:xfrm>
           <a:prstGeom prst="rect">
             <a:avLst/>
@@ -14924,7 +14946,7 @@
         <p:spPr>
           <a:xfrm>
             <a:off x="1800000" y="900000"/>
-            <a:ext cx="5597640" cy="1280160"/>
+            <a:ext cx="5597280" cy="1279800"/>
           </a:xfrm>
           <a:prstGeom prst="rect">
             <a:avLst/>
@@ -14947,7 +14969,7 @@
         <p:spPr>
           <a:xfrm>
             <a:off x="1787040" y="2520000"/>
-            <a:ext cx="5520600" cy="3239640"/>
+            <a:ext cx="5520240" cy="3239280"/>
           </a:xfrm>
           <a:prstGeom prst="rect">
             <a:avLst/>
@@ -14966,7 +14988,7 @@
         <p:spPr>
           <a:xfrm>
             <a:off x="8695080" y="6431400"/>
-            <a:ext cx="484920" cy="426600"/>
+            <a:ext cx="484560" cy="426240"/>
           </a:xfrm>
           <a:prstGeom prst="rect">
             <a:avLst/>
@@ -14992,7 +15014,7 @@
                 <a:spcPct val="100000"/>
               </a:lnSpc>
             </a:pPr>
-            <a:fld id="{7305BFAE-C901-4C60-BFF9-6C0774805694}" type="slidenum">
+            <a:fld id="{DDB6C5AD-6C5D-47B4-B260-8092671D7C0D}" type="slidenum">
               <a:rPr b="0" lang="fr-FR" sz="2400" spc="-1" strike="noStrike">
                 <a:solidFill>
                   <a:srgbClr val="000000"/>
@@ -15024,7 +15046,7 @@
         <p:txBody>
           <a:bodyPr/>
           <a:p>
-            <a:fld id="{85AC1531-8546-4EA0-AF50-A886A6AE7874}" type="slidenum">
+            <a:fld id="{8158F78D-DAC4-41A3-90B5-00196183742E}" type="slidenum">
               <a:t>44</a:t>
             </a:fld>
           </a:p>
@@ -15069,7 +15091,7 @@
         <p:spPr>
           <a:xfrm>
             <a:off x="180000" y="720000"/>
-            <a:ext cx="3239640" cy="359640"/>
+            <a:ext cx="3239280" cy="359280"/>
           </a:xfrm>
           <a:prstGeom prst="rect">
             <a:avLst/>
@@ -15122,7 +15144,7 @@
         <p:spPr>
           <a:xfrm>
             <a:off x="2340000" y="1080000"/>
-            <a:ext cx="3239640" cy="539640"/>
+            <a:ext cx="3239280" cy="539280"/>
           </a:xfrm>
           <a:prstGeom prst="rect">
             <a:avLst/>
@@ -15175,7 +15197,7 @@
         <p:spPr>
           <a:xfrm>
             <a:off x="3600000" y="1620000"/>
-            <a:ext cx="539640" cy="899640"/>
+            <a:ext cx="539280" cy="899280"/>
           </a:xfrm>
           <a:prstGeom prst="downArrow">
             <a:avLst>
@@ -15226,7 +15248,7 @@
         <p:spPr>
           <a:xfrm>
             <a:off x="900000" y="2340000"/>
-            <a:ext cx="5759640" cy="1113840"/>
+            <a:ext cx="5759280" cy="1113480"/>
           </a:xfrm>
           <a:prstGeom prst="rect">
             <a:avLst/>
@@ -15313,7 +15335,7 @@
         <p:spPr>
           <a:xfrm>
             <a:off x="3600000" y="3240000"/>
-            <a:ext cx="539640" cy="899640"/>
+            <a:ext cx="539280" cy="899280"/>
           </a:xfrm>
           <a:prstGeom prst="downArrow">
             <a:avLst>
@@ -15364,7 +15386,7 @@
         <p:spPr>
           <a:xfrm>
             <a:off x="1080000" y="4320000"/>
-            <a:ext cx="6119640" cy="1369800"/>
+            <a:ext cx="6119280" cy="1369440"/>
           </a:xfrm>
           <a:prstGeom prst="rect">
             <a:avLst/>
@@ -15467,169 +15489,13 @@
       <p:sp>
         <p:nvSpPr>
           <p:cNvPr id="261" name=""/>
-          <p:cNvSpPr txBox="1"/>
+          <p:cNvSpPr/>
           <p:nvPr/>
         </p:nvSpPr>
         <p:spPr>
           <a:xfrm>
             <a:off x="6120000" y="1850040"/>
-            <a:ext cx="2880000" cy="2649960"/>
-          </a:xfrm>
-          <a:prstGeom prst="rect">
-            <a:avLst/>
-          </a:prstGeom>
-          <a:noFill/>
-          <a:ln w="0">
-            <a:noFill/>
-          </a:ln>
-        </p:spPr>
-        <p:txBody>
-          <a:bodyPr lIns="90000" rIns="90000" tIns="45000" bIns="45000" anchor="t">
-            <a:noAutofit/>
-          </a:bodyPr>
-          <a:p>
-            <a:r>
-              <a:rPr b="0" lang="fr-FR" sz="1800" spc="-1" strike="noStrike">
-                <a:solidFill>
-                  <a:srgbClr val="000000"/>
-                </a:solidFill>
-                <a:latin typeface="Arial"/>
-              </a:rPr>
-              <a:t>Word2Vec: </a:t>
-            </a:r>
-            <a:br>
-              <a:rPr sz="1800"/>
-            </a:br>
-            <a:r>
-              <a:rPr b="0" lang="fr-FR" sz="1800" spc="-1" strike="noStrike">
-                <a:solidFill>
-                  <a:srgbClr val="000000"/>
-                </a:solidFill>
-                <a:latin typeface="Arial"/>
-              </a:rPr>
-              <a:t>On itère sur:</a:t>
-            </a:r>
-            <a:endParaRPr b="0" lang="fr-FR" sz="1800" spc="-1" strike="noStrike">
-              <a:solidFill>
-                <a:srgbClr val="000000"/>
-              </a:solidFill>
-              <a:latin typeface="Arial"/>
-            </a:endParaRPr>
-          </a:p>
-          <a:p>
-            <a:r>
-              <a:rPr b="0" lang="fr-FR" sz="1800" spc="-1" strike="noStrike">
-                <a:solidFill>
-                  <a:srgbClr val="000000"/>
-                </a:solidFill>
-                <a:latin typeface="Arial"/>
-              </a:rPr>
-              <a:t>-Prendre un contexte</a:t>
-            </a:r>
-            <a:endParaRPr b="0" lang="fr-FR" sz="1800" spc="-1" strike="noStrike">
-              <a:solidFill>
-                <a:srgbClr val="000000"/>
-              </a:solidFill>
-              <a:latin typeface="Arial"/>
-            </a:endParaRPr>
-          </a:p>
-          <a:p>
-            <a:r>
-              <a:rPr b="0" lang="fr-FR" sz="1800" spc="-1" strike="noStrike">
-                <a:solidFill>
-                  <a:srgbClr val="000000"/>
-                </a:solidFill>
-                <a:latin typeface="Arial"/>
-              </a:rPr>
-              <a:t>-Prédire un mot central</a:t>
-            </a:r>
-            <a:endParaRPr b="0" lang="fr-FR" sz="1800" spc="-1" strike="noStrike">
-              <a:solidFill>
-                <a:srgbClr val="000000"/>
-              </a:solidFill>
-              <a:latin typeface="Arial"/>
-            </a:endParaRPr>
-          </a:p>
-          <a:p>
-            <a:r>
-              <a:rPr b="0" lang="fr-FR" sz="1800" spc="-1" strike="noStrike">
-                <a:solidFill>
-                  <a:srgbClr val="000000"/>
-                </a:solidFill>
-                <a:latin typeface="Arial"/>
-              </a:rPr>
-              <a:t>-Comparer</a:t>
-            </a:r>
-            <a:endParaRPr b="0" lang="fr-FR" sz="1800" spc="-1" strike="noStrike">
-              <a:solidFill>
-                <a:srgbClr val="000000"/>
-              </a:solidFill>
-              <a:latin typeface="Arial"/>
-            </a:endParaRPr>
-          </a:p>
-          <a:p>
-            <a:r>
-              <a:rPr b="0" lang="fr-FR" sz="1800" spc="-1" strike="noStrike">
-                <a:solidFill>
-                  <a:srgbClr val="000000"/>
-                </a:solidFill>
-                <a:latin typeface="Arial"/>
-              </a:rPr>
-              <a:t>-Ajuster les poids</a:t>
-            </a:r>
-            <a:endParaRPr b="0" lang="fr-FR" sz="1800" spc="-1" strike="noStrike">
-              <a:solidFill>
-                <a:srgbClr val="000000"/>
-              </a:solidFill>
-              <a:latin typeface="Arial"/>
-            </a:endParaRPr>
-          </a:p>
-          <a:p>
-            <a:r>
-              <a:rPr b="0" lang="fr-FR" sz="1800" spc="-1" strike="noStrike">
-                <a:solidFill>
-                  <a:srgbClr val="000000"/>
-                </a:solidFill>
-                <a:latin typeface="Arial"/>
-              </a:rPr>
-              <a:t>=CBOW</a:t>
-            </a:r>
-            <a:endParaRPr b="0" lang="fr-FR" sz="1800" spc="-1" strike="noStrike">
-              <a:solidFill>
-                <a:srgbClr val="000000"/>
-              </a:solidFill>
-              <a:latin typeface="Arial"/>
-            </a:endParaRPr>
-          </a:p>
-          <a:p>
-            <a:r>
-              <a:rPr b="0" lang="fr-FR" sz="1800" spc="-1" strike="noStrike">
-                <a:solidFill>
-                  <a:srgbClr val="000000"/>
-                </a:solidFill>
-                <a:latin typeface="Arial"/>
-              </a:rPr>
-              <a:t>Ou on inverse contexte et mot central = Skip-Gram</a:t>
-            </a:r>
-            <a:endParaRPr b="0" lang="fr-FR" sz="1800" spc="-1" strike="noStrike">
-              <a:solidFill>
-                <a:srgbClr val="000000"/>
-              </a:solidFill>
-              <a:latin typeface="Arial"/>
-            </a:endParaRPr>
-          </a:p>
-        </p:txBody>
-      </p:sp>
-      <p:sp>
-        <p:nvSpPr>
-          <p:cNvPr id="262" name=""/>
-          <p:cNvSpPr/>
-          <p:nvPr/>
-        </p:nvSpPr>
-        <p:spPr>
-          <a:xfrm>
-            <a:off x="8695080" y="6431400"/>
-            <a:ext cx="484920" cy="426600"/>
+            <a:ext cx="2879640" cy="2649600"/>
           </a:xfrm>
           <a:prstGeom prst="rect">
             <a:avLst/>
@@ -15655,48 +15521,185 @@
                 <a:spcPct val="100000"/>
               </a:lnSpc>
             </a:pPr>
-            <a:fld id="{D0CCEF46-D465-4745-9BBA-31DE26303721}" type="slidenum">
-              <a:rPr b="0" lang="fr-FR" sz="2400" spc="-1" strike="noStrike">
-                <a:solidFill>
-                  <a:srgbClr val="000000"/>
-                </a:solidFill>
-                <a:latin typeface="Times New Roman"/>
-              </a:rPr>
-              <a:t>&lt;numéro&gt;</a:t>
-            </a:fld>
-            <a:endParaRPr b="0" lang="fr-FR" sz="2400" spc="-1" strike="noStrike">
-              <a:solidFill>
-                <a:srgbClr val="000000"/>
-              </a:solidFill>
-              <a:latin typeface="Arial"/>
-            </a:endParaRPr>
-          </a:p>
-        </p:txBody>
-      </p:sp>
-      <p:sp>
-        <p:nvSpPr>
-          <p:cNvPr id="263" name=""/>
+            <a:r>
+              <a:rPr b="0" lang="fr-FR" sz="1800" spc="-1" strike="noStrike">
+                <a:solidFill>
+                  <a:srgbClr val="000000"/>
+                </a:solidFill>
+                <a:latin typeface="Arial"/>
+              </a:rPr>
+              <a:t>Word2Vec: </a:t>
+            </a:r>
+            <a:br>
+              <a:rPr sz="1800"/>
+            </a:br>
+            <a:r>
+              <a:rPr b="0" lang="fr-FR" sz="1800" spc="-1" strike="noStrike">
+                <a:solidFill>
+                  <a:srgbClr val="000000"/>
+                </a:solidFill>
+                <a:latin typeface="Arial"/>
+              </a:rPr>
+              <a:t>On itère sur:</a:t>
+            </a:r>
+            <a:endParaRPr b="0" lang="fr-FR" sz="1800" spc="-1" strike="noStrike">
+              <a:solidFill>
+                <a:srgbClr val="000000"/>
+              </a:solidFill>
+              <a:latin typeface="Arial"/>
+            </a:endParaRPr>
+          </a:p>
+          <a:p>
+            <a:pPr>
+              <a:lnSpc>
+                <a:spcPct val="100000"/>
+              </a:lnSpc>
+            </a:pPr>
+            <a:r>
+              <a:rPr b="0" lang="fr-FR" sz="1800" spc="-1" strike="noStrike">
+                <a:solidFill>
+                  <a:srgbClr val="000000"/>
+                </a:solidFill>
+                <a:latin typeface="Arial"/>
+              </a:rPr>
+              <a:t>-Prendre un contexte</a:t>
+            </a:r>
+            <a:endParaRPr b="0" lang="fr-FR" sz="1800" spc="-1" strike="noStrike">
+              <a:solidFill>
+                <a:srgbClr val="000000"/>
+              </a:solidFill>
+              <a:latin typeface="Arial"/>
+            </a:endParaRPr>
+          </a:p>
+          <a:p>
+            <a:pPr>
+              <a:lnSpc>
+                <a:spcPct val="100000"/>
+              </a:lnSpc>
+            </a:pPr>
+            <a:r>
+              <a:rPr b="0" lang="fr-FR" sz="1800" spc="-1" strike="noStrike">
+                <a:solidFill>
+                  <a:srgbClr val="000000"/>
+                </a:solidFill>
+                <a:latin typeface="Arial"/>
+              </a:rPr>
+              <a:t>-Prédire un mot central</a:t>
+            </a:r>
+            <a:endParaRPr b="0" lang="fr-FR" sz="1800" spc="-1" strike="noStrike">
+              <a:solidFill>
+                <a:srgbClr val="000000"/>
+              </a:solidFill>
+              <a:latin typeface="Arial"/>
+            </a:endParaRPr>
+          </a:p>
+          <a:p>
+            <a:pPr>
+              <a:lnSpc>
+                <a:spcPct val="100000"/>
+              </a:lnSpc>
+            </a:pPr>
+            <a:r>
+              <a:rPr b="0" lang="fr-FR" sz="1800" spc="-1" strike="noStrike">
+                <a:solidFill>
+                  <a:srgbClr val="000000"/>
+                </a:solidFill>
+                <a:latin typeface="Arial"/>
+              </a:rPr>
+              <a:t>-Comparer</a:t>
+            </a:r>
+            <a:endParaRPr b="0" lang="fr-FR" sz="1800" spc="-1" strike="noStrike">
+              <a:solidFill>
+                <a:srgbClr val="000000"/>
+              </a:solidFill>
+              <a:latin typeface="Arial"/>
+            </a:endParaRPr>
+          </a:p>
+          <a:p>
+            <a:pPr>
+              <a:lnSpc>
+                <a:spcPct val="100000"/>
+              </a:lnSpc>
+            </a:pPr>
+            <a:r>
+              <a:rPr b="0" lang="fr-FR" sz="1800" spc="-1" strike="noStrike">
+                <a:solidFill>
+                  <a:srgbClr val="000000"/>
+                </a:solidFill>
+                <a:latin typeface="Arial"/>
+              </a:rPr>
+              <a:t>-Ajuster les poids</a:t>
+            </a:r>
+            <a:endParaRPr b="0" lang="fr-FR" sz="1800" spc="-1" strike="noStrike">
+              <a:solidFill>
+                <a:srgbClr val="000000"/>
+              </a:solidFill>
+              <a:latin typeface="Arial"/>
+            </a:endParaRPr>
+          </a:p>
+          <a:p>
+            <a:pPr>
+              <a:lnSpc>
+                <a:spcPct val="100000"/>
+              </a:lnSpc>
+            </a:pPr>
+            <a:r>
+              <a:rPr b="0" lang="fr-FR" sz="1800" spc="-1" strike="noStrike">
+                <a:solidFill>
+                  <a:srgbClr val="000000"/>
+                </a:solidFill>
+                <a:latin typeface="Arial"/>
+              </a:rPr>
+              <a:t>=CBOW</a:t>
+            </a:r>
+            <a:endParaRPr b="0" lang="fr-FR" sz="1800" spc="-1" strike="noStrike">
+              <a:solidFill>
+                <a:srgbClr val="000000"/>
+              </a:solidFill>
+              <a:latin typeface="Arial"/>
+            </a:endParaRPr>
+          </a:p>
+          <a:p>
+            <a:pPr>
+              <a:lnSpc>
+                <a:spcPct val="100000"/>
+              </a:lnSpc>
+            </a:pPr>
+            <a:r>
+              <a:rPr b="0" lang="fr-FR" sz="1800" spc="-1" strike="noStrike">
+                <a:solidFill>
+                  <a:srgbClr val="000000"/>
+                </a:solidFill>
+                <a:latin typeface="Arial"/>
+              </a:rPr>
+              <a:t>Ou on inverse contexte et mot central = Skip-Gram</a:t>
+            </a:r>
+            <a:endParaRPr b="0" lang="fr-FR" sz="1800" spc="-1" strike="noStrike">
+              <a:solidFill>
+                <a:srgbClr val="000000"/>
+              </a:solidFill>
+              <a:latin typeface="Arial"/>
+            </a:endParaRPr>
+          </a:p>
+        </p:txBody>
+      </p:sp>
+      <p:sp>
+        <p:nvSpPr>
+          <p:cNvPr id="262" name=""/>
           <p:cNvSpPr/>
           <p:nvPr/>
         </p:nvSpPr>
         <p:spPr>
-          <a:xfrm rot="18273000">
-            <a:off x="5323320" y="1467360"/>
-            <a:ext cx="539640" cy="899640"/>
-          </a:xfrm>
-          <a:prstGeom prst="downArrow">
-            <a:avLst>
-              <a:gd name="adj1" fmla="val 50000"/>
-              <a:gd name="adj2" fmla="val 41667"/>
-            </a:avLst>
-          </a:prstGeom>
-          <a:solidFill>
-            <a:srgbClr val="729fcf"/>
-          </a:solidFill>
-          <a:ln w="0">
-            <a:solidFill>
-              <a:srgbClr val="3465a4"/>
-            </a:solidFill>
+          <a:xfrm>
+            <a:off x="8695080" y="6431400"/>
+            <a:ext cx="484560" cy="426240"/>
+          </a:xfrm>
+          <a:prstGeom prst="rect">
+            <a:avLst/>
+          </a:prstGeom>
+          <a:noFill/>
+          <a:ln w="0">
+            <a:noFill/>
           </a:ln>
         </p:spPr>
         <p:style>
@@ -15706,29 +15709,43 @@
           <a:fontRef idx="minor"/>
         </p:style>
         <p:txBody>
-          <a:bodyPr lIns="90000" rIns="90000" tIns="45000" bIns="45000" anchor="ctr">
+          <a:bodyPr lIns="90000" rIns="90000" tIns="45000" bIns="45000" anchor="t">
             <a:noAutofit/>
           </a:bodyPr>
           <a:p>
-            <a:endParaRPr b="0" lang="fr-FR" sz="1800" spc="-1" strike="noStrike">
-              <a:solidFill>
-                <a:srgbClr val="000000"/>
-              </a:solidFill>
-              <a:latin typeface="Arial"/>
-            </a:endParaRPr>
-          </a:p>
-        </p:txBody>
-      </p:sp>
-      <p:sp>
-        <p:nvSpPr>
-          <p:cNvPr id="264" name=""/>
+            <a:pPr>
+              <a:lnSpc>
+                <a:spcPct val="100000"/>
+              </a:lnSpc>
+            </a:pPr>
+            <a:fld id="{AA900152-AE76-4F27-BF5A-0CCBE186B730}" type="slidenum">
+              <a:rPr b="0" lang="fr-FR" sz="2400" spc="-1" strike="noStrike">
+                <a:solidFill>
+                  <a:srgbClr val="000000"/>
+                </a:solidFill>
+                <a:latin typeface="Times New Roman"/>
+              </a:rPr>
+              <a:t>&lt;numéro&gt;</a:t>
+            </a:fld>
+            <a:endParaRPr b="0" lang="fr-FR" sz="2400" spc="-1" strike="noStrike">
+              <a:solidFill>
+                <a:srgbClr val="000000"/>
+              </a:solidFill>
+              <a:latin typeface="Arial"/>
+            </a:endParaRPr>
+          </a:p>
+        </p:txBody>
+      </p:sp>
+      <p:sp>
+        <p:nvSpPr>
+          <p:cNvPr id="263" name=""/>
           <p:cNvSpPr/>
           <p:nvPr/>
         </p:nvSpPr>
         <p:spPr>
-          <a:xfrm rot="2220000">
-            <a:off x="5364000" y="3851640"/>
-            <a:ext cx="539640" cy="899640"/>
+          <a:xfrm rot="18273000">
+            <a:off x="5322960" y="1467360"/>
+            <a:ext cx="539280" cy="899280"/>
           </a:xfrm>
           <a:prstGeom prst="downArrow">
             <a:avLst>
@@ -15756,6 +15773,62 @@
             <a:noAutofit/>
           </a:bodyPr>
           <a:p>
+            <a:pPr>
+              <a:lnSpc>
+                <a:spcPct val="100000"/>
+              </a:lnSpc>
+            </a:pPr>
+            <a:endParaRPr b="0" lang="fr-FR" sz="1800" spc="-1" strike="noStrike">
+              <a:solidFill>
+                <a:srgbClr val="000000"/>
+              </a:solidFill>
+              <a:latin typeface="Arial"/>
+            </a:endParaRPr>
+          </a:p>
+        </p:txBody>
+      </p:sp>
+      <p:sp>
+        <p:nvSpPr>
+          <p:cNvPr id="264" name=""/>
+          <p:cNvSpPr/>
+          <p:nvPr/>
+        </p:nvSpPr>
+        <p:spPr>
+          <a:xfrm rot="2220000">
+            <a:off x="5364000" y="3851640"/>
+            <a:ext cx="539280" cy="899280"/>
+          </a:xfrm>
+          <a:prstGeom prst="downArrow">
+            <a:avLst>
+              <a:gd name="adj1" fmla="val 50000"/>
+              <a:gd name="adj2" fmla="val 41667"/>
+            </a:avLst>
+          </a:prstGeom>
+          <a:solidFill>
+            <a:srgbClr val="729fcf"/>
+          </a:solidFill>
+          <a:ln w="0">
+            <a:solidFill>
+              <a:srgbClr val="3465a4"/>
+            </a:solidFill>
+          </a:ln>
+        </p:spPr>
+        <p:style>
+          <a:lnRef idx="0"/>
+          <a:fillRef idx="0"/>
+          <a:effectRef idx="0"/>
+          <a:fontRef idx="minor"/>
+        </p:style>
+        <p:txBody>
+          <a:bodyPr lIns="90000" rIns="90000" tIns="45000" bIns="45000" anchor="ctr">
+            <a:noAutofit/>
+          </a:bodyPr>
+          <a:p>
+            <a:pPr>
+              <a:lnSpc>
+                <a:spcPct val="100000"/>
+              </a:lnSpc>
+            </a:pPr>
             <a:endParaRPr b="0" lang="fr-FR" sz="1800" spc="-1" strike="noStrike">
               <a:solidFill>
                 <a:srgbClr val="000000"/>
@@ -15779,7 +15852,7 @@
         <p:txBody>
           <a:bodyPr/>
           <a:p>
-            <a:fld id="{FB62C9A9-CC6C-4E30-A3D7-45ACA176E685}" type="slidenum">
+            <a:fld id="{ADF854B0-8C5B-4BDA-BD2A-CD375C347FEC}" type="slidenum">
               <a:t>45</a:t>
             </a:fld>
           </a:p>
@@ -15828,7 +15901,7 @@
         <p:spPr>
           <a:xfrm>
             <a:off x="540000" y="1440000"/>
-            <a:ext cx="7616520" cy="4140000"/>
+            <a:ext cx="7616160" cy="4139640"/>
           </a:xfrm>
           <a:prstGeom prst="rect">
             <a:avLst/>
@@ -15841,55 +15914,13 @@
       <p:sp>
         <p:nvSpPr>
           <p:cNvPr id="266" name=""/>
-          <p:cNvSpPr txBox="1"/>
+          <p:cNvSpPr/>
           <p:nvPr/>
         </p:nvSpPr>
         <p:spPr>
           <a:xfrm>
             <a:off x="180000" y="720000"/>
-            <a:ext cx="1980000" cy="360000"/>
-          </a:xfrm>
-          <a:prstGeom prst="rect">
-            <a:avLst/>
-          </a:prstGeom>
-          <a:noFill/>
-          <a:ln w="0">
-            <a:noFill/>
-          </a:ln>
-        </p:spPr>
-        <p:txBody>
-          <a:bodyPr lIns="90000" rIns="90000" tIns="45000" bIns="45000" anchor="t">
-            <a:noAutofit/>
-          </a:bodyPr>
-          <a:p>
-            <a:r>
-              <a:rPr b="0" lang="fr-FR" sz="1800" spc="-1" strike="noStrike">
-                <a:solidFill>
-                  <a:srgbClr val="000000"/>
-                </a:solidFill>
-                <a:latin typeface="Arial"/>
-              </a:rPr>
-              <a:t>Schéma de l’appli</a:t>
-            </a:r>
-            <a:endParaRPr b="0" lang="fr-FR" sz="1800" spc="-1" strike="noStrike">
-              <a:solidFill>
-                <a:srgbClr val="000000"/>
-              </a:solidFill>
-              <a:latin typeface="Arial"/>
-            </a:endParaRPr>
-          </a:p>
-        </p:txBody>
-      </p:sp>
-      <p:sp>
-        <p:nvSpPr>
-          <p:cNvPr id="267" name=""/>
-          <p:cNvSpPr/>
-          <p:nvPr/>
-        </p:nvSpPr>
-        <p:spPr>
-          <a:xfrm>
-            <a:off x="8695080" y="6431400"/>
-            <a:ext cx="484920" cy="426600"/>
+            <a:ext cx="1979640" cy="359640"/>
           </a:xfrm>
           <a:prstGeom prst="rect">
             <a:avLst/>
@@ -15915,7 +15946,60 @@
                 <a:spcPct val="100000"/>
               </a:lnSpc>
             </a:pPr>
-            <a:fld id="{3CE238A5-97AC-48F5-8B6E-F438892534EF}" type="slidenum">
+            <a:r>
+              <a:rPr b="0" lang="fr-FR" sz="1800" spc="-1" strike="noStrike">
+                <a:solidFill>
+                  <a:srgbClr val="000000"/>
+                </a:solidFill>
+                <a:latin typeface="Arial"/>
+              </a:rPr>
+              <a:t>Schéma de l’appli</a:t>
+            </a:r>
+            <a:endParaRPr b="0" lang="fr-FR" sz="1800" spc="-1" strike="noStrike">
+              <a:solidFill>
+                <a:srgbClr val="000000"/>
+              </a:solidFill>
+              <a:latin typeface="Arial"/>
+            </a:endParaRPr>
+          </a:p>
+        </p:txBody>
+      </p:sp>
+      <p:sp>
+        <p:nvSpPr>
+          <p:cNvPr id="267" name=""/>
+          <p:cNvSpPr/>
+          <p:nvPr/>
+        </p:nvSpPr>
+        <p:spPr>
+          <a:xfrm>
+            <a:off x="8695080" y="6431400"/>
+            <a:ext cx="484560" cy="426240"/>
+          </a:xfrm>
+          <a:prstGeom prst="rect">
+            <a:avLst/>
+          </a:prstGeom>
+          <a:noFill/>
+          <a:ln w="0">
+            <a:noFill/>
+          </a:ln>
+        </p:spPr>
+        <p:style>
+          <a:lnRef idx="0"/>
+          <a:fillRef idx="0"/>
+          <a:effectRef idx="0"/>
+          <a:fontRef idx="minor"/>
+        </p:style>
+        <p:txBody>
+          <a:bodyPr lIns="90000" rIns="90000" tIns="45000" bIns="45000" anchor="t">
+            <a:noAutofit/>
+          </a:bodyPr>
+          <a:p>
+            <a:pPr>
+              <a:lnSpc>
+                <a:spcPct val="100000"/>
+              </a:lnSpc>
+            </a:pPr>
+            <a:fld id="{62E93EAC-8BB3-43A2-A093-FA6975A5B49A}" type="slidenum">
               <a:rPr b="0" lang="fr-FR" sz="2400" spc="-1" strike="noStrike">
                 <a:solidFill>
                   <a:srgbClr val="000000"/>
@@ -15947,7 +16031,7 @@
         <p:txBody>
           <a:bodyPr/>
           <a:p>
-            <a:fld id="{6F117BCD-A3DC-49BE-8257-89A61FC08B5D}" type="slidenum">
+            <a:fld id="{4AB70FD6-40F9-4A50-9D79-C80F19C31088}" type="slidenum">
               <a:t>46</a:t>
             </a:fld>
           </a:p>
@@ -15996,7 +16080,7 @@
         <p:spPr>
           <a:xfrm>
             <a:off x="647640" y="836640"/>
-            <a:ext cx="6009480" cy="960480"/>
+            <a:ext cx="6009120" cy="960120"/>
           </a:xfrm>
           <a:prstGeom prst="rect">
             <a:avLst/>
@@ -16093,7 +16177,7 @@
         <p:spPr>
           <a:xfrm>
             <a:off x="1008000" y="260280"/>
-            <a:ext cx="7845480" cy="357120"/>
+            <a:ext cx="7845120" cy="356760"/>
           </a:xfrm>
           <a:prstGeom prst="rect">
             <a:avLst/>
@@ -16145,7 +16229,7 @@
         <p:spPr>
           <a:xfrm>
             <a:off x="1440000" y="1980000"/>
-            <a:ext cx="6837120" cy="537120"/>
+            <a:ext cx="6836760" cy="536760"/>
           </a:xfrm>
           <a:prstGeom prst="rect">
             <a:avLst/>
@@ -16255,7 +16339,7 @@
         <p:spPr>
           <a:xfrm>
             <a:off x="540000" y="2520000"/>
-            <a:ext cx="3777120" cy="2337120"/>
+            <a:ext cx="3776760" cy="2336760"/>
           </a:xfrm>
           <a:prstGeom prst="rect">
             <a:avLst/>
@@ -16413,7 +16497,7 @@
         <p:spPr>
           <a:xfrm>
             <a:off x="5040000" y="2520000"/>
-            <a:ext cx="3777120" cy="2157120"/>
+            <a:ext cx="3776760" cy="2156760"/>
           </a:xfrm>
           <a:prstGeom prst="rect">
             <a:avLst/>
@@ -16611,7 +16695,7 @@
         <p:spPr>
           <a:xfrm>
             <a:off x="2772000" y="5593320"/>
-            <a:ext cx="3417120" cy="343800"/>
+            <a:ext cx="3416760" cy="343440"/>
           </a:xfrm>
           <a:prstGeom prst="rect">
             <a:avLst/>
@@ -16664,7 +16748,7 @@
         <p:spPr>
           <a:xfrm>
             <a:off x="8820360" y="6431040"/>
-            <a:ext cx="378360" cy="426600"/>
+            <a:ext cx="378000" cy="426240"/>
           </a:xfrm>
           <a:prstGeom prst="rect">
             <a:avLst/>
@@ -16690,7 +16774,7 @@
                 <a:spcPct val="100000"/>
               </a:lnSpc>
             </a:pPr>
-            <a:fld id="{6F4016D4-BB22-4FDD-B25C-D19CA1D24C12}" type="slidenum">
+            <a:fld id="{C848D190-4ECC-48C7-86B4-38B77134B3EB}" type="slidenum">
               <a:rPr b="0" lang="fr-FR" sz="2400" spc="-1" strike="noStrike">
                 <a:solidFill>
                   <a:srgbClr val="000000"/>
@@ -16722,7 +16806,7 @@
         <p:txBody>
           <a:bodyPr/>
           <a:p>
-            <a:fld id="{43FFAECC-8DB4-417C-B63C-1AD1E6D72C3D}" type="slidenum">
+            <a:fld id="{BE405858-0392-4F0F-913C-BDF917EB07EE}" type="slidenum">
               <a:t>5</a:t>
             </a:fld>
           </a:p>
@@ -16771,7 +16855,7 @@
         <p:spPr>
           <a:xfrm>
             <a:off x="1008000" y="260280"/>
-            <a:ext cx="7845480" cy="357120"/>
+            <a:ext cx="7845120" cy="356760"/>
           </a:xfrm>
           <a:prstGeom prst="rect">
             <a:avLst/>
@@ -16823,7 +16907,7 @@
         <p:spPr>
           <a:xfrm>
             <a:off x="360000" y="1080000"/>
-            <a:ext cx="3597120" cy="537120"/>
+            <a:ext cx="3596760" cy="536760"/>
           </a:xfrm>
           <a:prstGeom prst="rect">
             <a:avLst/>
@@ -16876,7 +16960,7 @@
         <p:spPr>
           <a:xfrm>
             <a:off x="4680000" y="1080000"/>
-            <a:ext cx="3597120" cy="717120"/>
+            <a:ext cx="3596760" cy="716760"/>
           </a:xfrm>
           <a:prstGeom prst="rect">
             <a:avLst/>
@@ -16929,7 +17013,7 @@
         <p:spPr>
           <a:xfrm>
             <a:off x="380880" y="2257920"/>
-            <a:ext cx="8436240" cy="1879200"/>
+            <a:ext cx="8435880" cy="1878840"/>
           </a:xfrm>
           <a:prstGeom prst="rect">
             <a:avLst/>
@@ -17074,7 +17158,7 @@
         <p:spPr>
           <a:xfrm>
             <a:off x="360000" y="4500000"/>
-            <a:ext cx="7917120" cy="1077120"/>
+            <a:ext cx="7916760" cy="1076760"/>
           </a:xfrm>
           <a:prstGeom prst="rect">
             <a:avLst/>
@@ -17152,7 +17236,7 @@
         <p:spPr>
           <a:xfrm>
             <a:off x="8820360" y="6431040"/>
-            <a:ext cx="378360" cy="426600"/>
+            <a:ext cx="378000" cy="426240"/>
           </a:xfrm>
           <a:prstGeom prst="rect">
             <a:avLst/>
@@ -17178,7 +17262,7 @@
                 <a:spcPct val="100000"/>
               </a:lnSpc>
             </a:pPr>
-            <a:fld id="{45936EE5-1386-4B4E-88E9-F2A5B67962B7}" type="slidenum">
+            <a:fld id="{F45D6558-0654-4EB2-B994-8ABEE3D0CC77}" type="slidenum">
               <a:rPr b="0" lang="fr-FR" sz="2400" spc="-1" strike="noStrike">
                 <a:solidFill>
                   <a:srgbClr val="000000"/>
@@ -17210,7 +17294,7 @@
         <p:txBody>
           <a:bodyPr/>
           <a:p>
-            <a:fld id="{ED0E2740-FC59-45D2-BB21-06F36008C860}" type="slidenum">
+            <a:fld id="{5EEA18E8-BCE8-45F9-B38C-DFCD576A701A}" type="slidenum">
               <a:t>6</a:t>
             </a:fld>
           </a:p>
@@ -17259,7 +17343,7 @@
         <p:spPr>
           <a:xfrm>
             <a:off x="1008000" y="260280"/>
-            <a:ext cx="7845480" cy="357120"/>
+            <a:ext cx="7845120" cy="356760"/>
           </a:xfrm>
           <a:prstGeom prst="rect">
             <a:avLst/>
@@ -17311,7 +17395,7 @@
         <p:spPr>
           <a:xfrm>
             <a:off x="611640" y="1412640"/>
-            <a:ext cx="7845480" cy="4317120"/>
+            <a:ext cx="7845120" cy="4316760"/>
           </a:xfrm>
           <a:prstGeom prst="rect">
             <a:avLst/>
@@ -17438,7 +17522,7 @@
         <p:spPr>
           <a:xfrm>
             <a:off x="0" y="1412640"/>
-            <a:ext cx="4889520" cy="3804480"/>
+            <a:ext cx="4889160" cy="3804120"/>
           </a:xfrm>
           <a:prstGeom prst="rect">
             <a:avLst/>
@@ -17461,7 +17545,7 @@
         <p:spPr>
           <a:xfrm>
             <a:off x="4839480" y="1260000"/>
-            <a:ext cx="4157640" cy="4109760"/>
+            <a:ext cx="4157280" cy="4109400"/>
           </a:xfrm>
           <a:prstGeom prst="rect">
             <a:avLst/>
@@ -17480,7 +17564,7 @@
         <p:spPr>
           <a:xfrm>
             <a:off x="8820360" y="6431040"/>
-            <a:ext cx="378360" cy="426600"/>
+            <a:ext cx="378000" cy="426240"/>
           </a:xfrm>
           <a:prstGeom prst="rect">
             <a:avLst/>
@@ -17506,7 +17590,7 @@
                 <a:spcPct val="100000"/>
               </a:lnSpc>
             </a:pPr>
-            <a:fld id="{980B5E35-F1F7-4984-9FC2-D953604DA187}" type="slidenum">
+            <a:fld id="{EF4DC943-FA7E-4511-A2E9-112AB0B38C1D}" type="slidenum">
               <a:rPr b="0" lang="fr-FR" sz="2400" spc="-1" strike="noStrike">
                 <a:solidFill>
                   <a:srgbClr val="000000"/>
@@ -17567,7 +17651,7 @@
         <p:spPr>
           <a:xfrm>
             <a:off x="1008000" y="260280"/>
-            <a:ext cx="7845480" cy="357120"/>
+            <a:ext cx="7845120" cy="356760"/>
           </a:xfrm>
           <a:prstGeom prst="rect">
             <a:avLst/>
@@ -17619,7 +17703,7 @@
         <p:spPr>
           <a:xfrm>
             <a:off x="648000" y="836640"/>
-            <a:ext cx="8169120" cy="5280480"/>
+            <a:ext cx="8168760" cy="5280120"/>
           </a:xfrm>
           <a:prstGeom prst="rect">
             <a:avLst/>
@@ -17940,7 +18024,7 @@
         <p:spPr>
           <a:xfrm>
             <a:off x="3960000" y="1800000"/>
-            <a:ext cx="4615920" cy="3049200"/>
+            <a:ext cx="4615560" cy="3048840"/>
           </a:xfrm>
           <a:prstGeom prst="rect">
             <a:avLst/>
@@ -17959,7 +18043,7 @@
         <p:spPr>
           <a:xfrm>
             <a:off x="8820360" y="6431040"/>
-            <a:ext cx="378360" cy="426600"/>
+            <a:ext cx="378000" cy="426240"/>
           </a:xfrm>
           <a:prstGeom prst="rect">
             <a:avLst/>
@@ -17985,7 +18069,7 @@
                 <a:spcPct val="100000"/>
               </a:lnSpc>
             </a:pPr>
-            <a:fld id="{C3A2B263-1FDF-4A0E-90A2-00337962F85F}" type="slidenum">
+            <a:fld id="{4F23CBA3-DE57-4B42-9059-79163563E92A}" type="slidenum">
               <a:rPr b="0" lang="fr-FR" sz="2400" spc="-1" strike="noStrike">
                 <a:solidFill>
                   <a:srgbClr val="000000"/>
@@ -18017,7 +18101,7 @@
         <p:txBody>
           <a:bodyPr/>
           <a:p>
-            <a:fld id="{F4A13D00-F4BB-4F8C-AAC9-71D4B897FAA0}" type="slidenum">
+            <a:fld id="{04FBA7AD-018A-46FE-981A-DB2D6D4732BD}" type="slidenum">
               <a:t>8</a:t>
             </a:fld>
           </a:p>
@@ -18062,7 +18146,7 @@
         <p:spPr>
           <a:xfrm>
             <a:off x="1260000" y="1980000"/>
-            <a:ext cx="6477480" cy="3494160"/>
+            <a:ext cx="6477120" cy="3493800"/>
           </a:xfrm>
           <a:prstGeom prst="rect">
             <a:avLst/>
@@ -18127,7 +18211,7 @@
         <p:spPr>
           <a:xfrm>
             <a:off x="8820360" y="6431040"/>
-            <a:ext cx="378360" cy="426600"/>
+            <a:ext cx="378000" cy="426240"/>
           </a:xfrm>
           <a:prstGeom prst="rect">
             <a:avLst/>
@@ -18153,7 +18237,7 @@
                 <a:spcPct val="100000"/>
               </a:lnSpc>
             </a:pPr>
-            <a:fld id="{3C59E27C-EF30-45D7-9E1E-714E40EA9E07}" type="slidenum">
+            <a:fld id="{F0BFBDD9-2218-42CB-99EC-2ACD479E4CBB}" type="slidenum">
               <a:rPr b="0" lang="fr-FR" sz="2400" spc="-1" strike="noStrike">
                 <a:solidFill>
                   <a:srgbClr val="000000"/>
@@ -18185,7 +18269,7 @@
         <p:txBody>
           <a:bodyPr/>
           <a:p>
-            <a:fld id="{5EE8A8EE-B692-4968-BC31-86F98E3B3454}" type="slidenum">
+            <a:fld id="{7FC25470-5077-4D4A-A386-EBBA14FD44D4}" type="slidenum">
               <a:t>9</a:t>
             </a:fld>
           </a:p>
@@ -18379,7 +18463,7 @@
 </a:theme>
 </file>
 
-<file path=ppt/theme/theme25.xml><?xml version="1.0" encoding="utf-8"?>
+<file path=ppt/theme/theme13.xml><?xml version="1.0" encoding="utf-8"?>
 <a:theme xmlns:a="http://schemas.openxmlformats.org/drawingml/2006/main" xmlns:r="http://schemas.openxmlformats.org/officeDocument/2006/relationships" name="Office Theme">
   <a:themeElements>
     <a:clrScheme name="LibreOffice">
